--- a/Misc/Docker-Notes.pptx
+++ b/Misc/Docker-Notes.pptx
@@ -8,23 +8,24 @@
     <p:notesMasterId r:id="rId4"/>
   </p:notesMasterIdLst>
   <p:handoutMasterIdLst>
-    <p:handoutMasterId r:id="rId18"/>
+    <p:handoutMasterId r:id="rId19"/>
   </p:handoutMasterIdLst>
   <p:sldIdLst>
     <p:sldId id="256" r:id="rId3"/>
-    <p:sldId id="257" r:id="rId5"/>
-    <p:sldId id="269" r:id="rId6"/>
-    <p:sldId id="270" r:id="rId7"/>
-    <p:sldId id="271" r:id="rId8"/>
-    <p:sldId id="259" r:id="rId9"/>
-    <p:sldId id="261" r:id="rId10"/>
-    <p:sldId id="263" r:id="rId11"/>
-    <p:sldId id="258" r:id="rId12"/>
-    <p:sldId id="280" r:id="rId13"/>
-    <p:sldId id="260" r:id="rId14"/>
-    <p:sldId id="262" r:id="rId15"/>
-    <p:sldId id="265" r:id="rId16"/>
-    <p:sldId id="264" r:id="rId17"/>
+    <p:sldId id="285" r:id="rId5"/>
+    <p:sldId id="257" r:id="rId6"/>
+    <p:sldId id="269" r:id="rId7"/>
+    <p:sldId id="270" r:id="rId8"/>
+    <p:sldId id="271" r:id="rId9"/>
+    <p:sldId id="259" r:id="rId10"/>
+    <p:sldId id="261" r:id="rId11"/>
+    <p:sldId id="263" r:id="rId12"/>
+    <p:sldId id="258" r:id="rId13"/>
+    <p:sldId id="280" r:id="rId14"/>
+    <p:sldId id="260" r:id="rId15"/>
+    <p:sldId id="262" r:id="rId16"/>
+    <p:sldId id="265" r:id="rId17"/>
+    <p:sldId id="264" r:id="rId18"/>
   </p:sldIdLst>
   <p:sldSz cx="12192000" cy="6858000"/>
   <p:notesSz cx="6858000" cy="9144000"/>
@@ -3805,6 +3806,445 @@
           <a:p>
             <a:r>
               <a:rPr lang="en-US" altLang="zh-CN"/>
+              <a:t>Docker</a:t>
+            </a:r>
+            <a:endParaRPr lang="en-US" altLang="zh-CN"/>
+          </a:p>
+        </p:txBody>
+      </p:sp>
+      <p:sp>
+        <p:nvSpPr>
+          <p:cNvPr id="3" name="内容占位符 2"/>
+          <p:cNvSpPr>
+            <a:spLocks noGrp="1"/>
+          </p:cNvSpPr>
+          <p:nvPr>
+            <p:ph idx="1"/>
+          </p:nvPr>
+        </p:nvSpPr>
+        <p:spPr>
+          <a:xfrm>
+            <a:off x="838200" y="1211580"/>
+            <a:ext cx="5391785" cy="5410200"/>
+          </a:xfrm>
+        </p:spPr>
+        <p:txBody>
+          <a:bodyPr>
+            <a:normAutofit fontScale="80000"/>
+          </a:bodyPr>
+          <a:p>
+            <a:r>
+              <a:rPr lang="en-US" altLang="zh-CN"/>
+              <a:t>docker commands</a:t>
+            </a:r>
+            <a:endParaRPr lang="en-US" altLang="zh-CN"/>
+          </a:p>
+          <a:p>
+            <a:pPr lvl="1"/>
+            <a:r>
+              <a:rPr lang="en-US" altLang="zh-CN"/>
+              <a:t>docker version/info</a:t>
+            </a:r>
+            <a:endParaRPr lang="en-US" altLang="zh-CN"/>
+          </a:p>
+          <a:p>
+            <a:pPr lvl="1"/>
+            <a:r>
+              <a:rPr lang="en-US" altLang="zh-CN"/>
+              <a:t>docker pull busybox	// pull busy image from docker registry</a:t>
+            </a:r>
+            <a:endParaRPr lang="en-US" altLang="zh-CN"/>
+          </a:p>
+          <a:p>
+            <a:pPr lvl="1"/>
+            <a:r>
+              <a:rPr lang="en-US" altLang="zh-CN">
+                <a:sym typeface="+mn-ea"/>
+              </a:rPr>
+              <a:t>docker run {image-name}	// create a new container and run an image</a:t>
+            </a:r>
+            <a:endParaRPr lang="en-US" altLang="zh-CN">
+              <a:sym typeface="+mn-ea"/>
+            </a:endParaRPr>
+          </a:p>
+          <a:p>
+            <a:pPr lvl="2"/>
+            <a:r>
+              <a:rPr lang="en-US" altLang="zh-CN" sz="1800">
+                <a:sym typeface="+mn-ea"/>
+              </a:rPr>
+              <a:t>-it	// interactive</a:t>
+            </a:r>
+            <a:endParaRPr lang="en-US" altLang="zh-CN" sz="1800">
+              <a:sym typeface="+mn-ea"/>
+            </a:endParaRPr>
+          </a:p>
+          <a:p>
+            <a:pPr lvl="2"/>
+            <a:r>
+              <a:rPr lang="en-US" altLang="zh-CN"/>
+              <a:t>-p {port-number-host}:{port-number-container}</a:t>
+            </a:r>
+            <a:endParaRPr lang="en-US" altLang="zh-CN"/>
+          </a:p>
+          <a:p>
+            <a:pPr lvl="2"/>
+            <a:r>
+              <a:rPr lang="en-US" altLang="zh-CN"/>
+              <a:t>-d	// daemon mode</a:t>
+            </a:r>
+            <a:endParaRPr lang="en-US" altLang="zh-CN"/>
+          </a:p>
+          <a:p>
+            <a:pPr lvl="2"/>
+            <a:r>
+              <a:rPr lang="en-US" altLang="zh-CN"/>
+              <a:t>--restart=always</a:t>
+            </a:r>
+            <a:endParaRPr lang="en-US" altLang="zh-CN"/>
+          </a:p>
+          <a:p>
+            <a:pPr lvl="1"/>
+            <a:r>
+              <a:rPr lang="en-US" altLang="zh-CN"/>
+              <a:t>docker images	// list installed images</a:t>
+            </a:r>
+            <a:endParaRPr lang="en-US" altLang="zh-CN"/>
+          </a:p>
+          <a:p>
+            <a:pPr lvl="1"/>
+            <a:r>
+              <a:rPr lang="en-US" altLang="zh-CN"/>
+              <a:t>docker image build -t {image-name} .</a:t>
+            </a:r>
+            <a:endParaRPr lang="en-US" altLang="zh-CN"/>
+          </a:p>
+          <a:p>
+            <a:pPr lvl="1"/>
+            <a:r>
+              <a:rPr lang="en-US" altLang="zh-CN"/>
+              <a:t>docker container run --name {container-name} {image-name}</a:t>
+            </a:r>
+            <a:endParaRPr lang="en-US" altLang="zh-CN"/>
+          </a:p>
+          <a:p>
+            <a:pPr lvl="1"/>
+            <a:r>
+              <a:rPr lang="en-US" altLang="zh-CN"/>
+              <a:t>docker container rm --force {container-name}</a:t>
+            </a:r>
+            <a:endParaRPr lang="en-US" altLang="zh-CN"/>
+          </a:p>
+          <a:p>
+            <a:pPr lvl="1"/>
+            <a:r>
+              <a:rPr lang="en-US" altLang="zh-CN"/>
+              <a:t>docker rmi {image-id}</a:t>
+            </a:r>
+            <a:endParaRPr lang="en-US" altLang="zh-CN"/>
+          </a:p>
+          <a:p>
+            <a:pPr lvl="1"/>
+            <a:r>
+              <a:rPr lang="en-US" altLang="zh-CN"/>
+              <a:t>docker inspect {image-name}</a:t>
+            </a:r>
+            <a:endParaRPr lang="en-US" altLang="zh-CN"/>
+          </a:p>
+          <a:p>
+            <a:pPr lvl="1"/>
+            <a:r>
+              <a:rPr lang="en-US" altLang="zh-CN"/>
+              <a:t>docker ps	// list containers</a:t>
+            </a:r>
+            <a:endParaRPr lang="en-US" altLang="zh-CN"/>
+          </a:p>
+          <a:p>
+            <a:pPr lvl="2"/>
+            <a:r>
+              <a:rPr lang="en-US" altLang="zh-CN" sz="1800"/>
+              <a:t>-a	// list all</a:t>
+            </a:r>
+            <a:endParaRPr lang="en-US" altLang="zh-CN"/>
+          </a:p>
+        </p:txBody>
+      </p:sp>
+      <p:sp>
+        <p:nvSpPr>
+          <p:cNvPr id="4" name="内容占位符 2"/>
+          <p:cNvSpPr>
+            <a:spLocks noGrp="1"/>
+          </p:cNvSpPr>
+          <p:nvPr/>
+        </p:nvSpPr>
+        <p:spPr>
+          <a:xfrm>
+            <a:off x="6379210" y="1172210"/>
+            <a:ext cx="5391785" cy="5410200"/>
+          </a:xfrm>
+          <a:prstGeom prst="rect">
+            <a:avLst/>
+          </a:prstGeom>
+        </p:spPr>
+        <p:txBody>
+          <a:bodyPr vert="horz" lIns="91440" tIns="45720" rIns="91440" bIns="45720" rtlCol="0">
+            <a:normAutofit/>
+          </a:bodyPr>
+          <a:lstStyle>
+            <a:lvl1pPr marL="342900" indent="-342900" algn="l" defTabSz="914400" rtl="0" eaLnBrk="1" latinLnBrk="0" hangingPunct="1">
+              <a:lnSpc>
+                <a:spcPct val="90000"/>
+              </a:lnSpc>
+              <a:spcBef>
+                <a:spcPts val="1000"/>
+              </a:spcBef>
+              <a:buFont typeface="黑体" panose="02010609060101010101" pitchFamily="49" charset="-122"/>
+              <a:buChar char="〉"/>
+              <a:defRPr sz="2400" kern="1200">
+                <a:solidFill>
+                  <a:schemeClr val="tx1"/>
+                </a:solidFill>
+                <a:latin typeface="+mn-lt"/>
+                <a:ea typeface="+mn-ea"/>
+                <a:cs typeface="+mn-cs"/>
+              </a:defRPr>
+            </a:lvl1pPr>
+            <a:lvl2pPr marL="800100" indent="-342900" algn="l" defTabSz="914400" rtl="0" eaLnBrk="1" latinLnBrk="0" hangingPunct="1">
+              <a:lnSpc>
+                <a:spcPct val="90000"/>
+              </a:lnSpc>
+              <a:spcBef>
+                <a:spcPts val="500"/>
+              </a:spcBef>
+              <a:buFont typeface="Arial" panose="020B0604020202020204" pitchFamily="34" charset="0"/>
+              <a:buChar char="•"/>
+              <a:defRPr sz="2000" kern="1200">
+                <a:solidFill>
+                  <a:schemeClr val="tx1"/>
+                </a:solidFill>
+                <a:latin typeface="+mn-lt"/>
+                <a:ea typeface="+mn-ea"/>
+                <a:cs typeface="+mn-cs"/>
+              </a:defRPr>
+            </a:lvl2pPr>
+            <a:lvl3pPr marL="1257300" indent="-342900" algn="l" defTabSz="914400" rtl="0" eaLnBrk="1" latinLnBrk="0" hangingPunct="1">
+              <a:lnSpc>
+                <a:spcPct val="90000"/>
+              </a:lnSpc>
+              <a:spcBef>
+                <a:spcPts val="500"/>
+              </a:spcBef>
+              <a:buFont typeface="Arial" panose="020B0604020202020204" pitchFamily="34" charset="0"/>
+              <a:buChar char="•"/>
+              <a:defRPr sz="1800" kern="1200">
+                <a:solidFill>
+                  <a:schemeClr val="tx1"/>
+                </a:solidFill>
+                <a:latin typeface="+mn-lt"/>
+                <a:ea typeface="+mn-ea"/>
+                <a:cs typeface="+mn-cs"/>
+              </a:defRPr>
+            </a:lvl3pPr>
+            <a:lvl4pPr marL="1657350" indent="-285750" algn="l" defTabSz="914400" rtl="0" eaLnBrk="1" latinLnBrk="0" hangingPunct="1">
+              <a:lnSpc>
+                <a:spcPct val="90000"/>
+              </a:lnSpc>
+              <a:spcBef>
+                <a:spcPts val="500"/>
+              </a:spcBef>
+              <a:buFont typeface="Arial" panose="020B0604020202020204" pitchFamily="34" charset="0"/>
+              <a:buChar char="•"/>
+              <a:defRPr sz="1800" kern="1200">
+                <a:solidFill>
+                  <a:schemeClr val="tx1"/>
+                </a:solidFill>
+                <a:latin typeface="+mn-lt"/>
+                <a:ea typeface="+mn-ea"/>
+                <a:cs typeface="+mn-cs"/>
+              </a:defRPr>
+            </a:lvl4pPr>
+            <a:lvl5pPr marL="2114550" indent="-285750" algn="l" defTabSz="914400" rtl="0" eaLnBrk="1" latinLnBrk="0" hangingPunct="1">
+              <a:lnSpc>
+                <a:spcPct val="90000"/>
+              </a:lnSpc>
+              <a:spcBef>
+                <a:spcPts val="500"/>
+              </a:spcBef>
+              <a:buFont typeface="Arial" panose="020B0604020202020204" pitchFamily="34" charset="0"/>
+              <a:buChar char="•"/>
+              <a:defRPr sz="1800" kern="1200">
+                <a:solidFill>
+                  <a:schemeClr val="tx1"/>
+                </a:solidFill>
+                <a:latin typeface="+mn-lt"/>
+                <a:ea typeface="+mn-ea"/>
+                <a:cs typeface="+mn-cs"/>
+              </a:defRPr>
+            </a:lvl5pPr>
+            <a:lvl6pPr marL="2514600" indent="-228600" algn="l" defTabSz="914400" rtl="0" eaLnBrk="1" latinLnBrk="0" hangingPunct="1">
+              <a:lnSpc>
+                <a:spcPct val="90000"/>
+              </a:lnSpc>
+              <a:spcBef>
+                <a:spcPts val="500"/>
+              </a:spcBef>
+              <a:buFont typeface="Arial" panose="020B0604020202020204" pitchFamily="34" charset="0"/>
+              <a:buChar char="•"/>
+              <a:defRPr sz="1800" kern="1200">
+                <a:solidFill>
+                  <a:schemeClr val="tx1"/>
+                </a:solidFill>
+                <a:latin typeface="+mn-lt"/>
+                <a:ea typeface="+mn-ea"/>
+                <a:cs typeface="+mn-cs"/>
+              </a:defRPr>
+            </a:lvl6pPr>
+            <a:lvl7pPr marL="2971800" indent="-228600" algn="l" defTabSz="914400" rtl="0" eaLnBrk="1" latinLnBrk="0" hangingPunct="1">
+              <a:lnSpc>
+                <a:spcPct val="90000"/>
+              </a:lnSpc>
+              <a:spcBef>
+                <a:spcPts val="500"/>
+              </a:spcBef>
+              <a:buFont typeface="Arial" panose="020B0604020202020204" pitchFamily="34" charset="0"/>
+              <a:buChar char="•"/>
+              <a:defRPr sz="1800" kern="1200">
+                <a:solidFill>
+                  <a:schemeClr val="tx1"/>
+                </a:solidFill>
+                <a:latin typeface="+mn-lt"/>
+                <a:ea typeface="+mn-ea"/>
+                <a:cs typeface="+mn-cs"/>
+              </a:defRPr>
+            </a:lvl7pPr>
+            <a:lvl8pPr marL="3429000" indent="-228600" algn="l" defTabSz="914400" rtl="0" eaLnBrk="1" latinLnBrk="0" hangingPunct="1">
+              <a:lnSpc>
+                <a:spcPct val="90000"/>
+              </a:lnSpc>
+              <a:spcBef>
+                <a:spcPts val="500"/>
+              </a:spcBef>
+              <a:buFont typeface="Arial" panose="020B0604020202020204" pitchFamily="34" charset="0"/>
+              <a:buChar char="•"/>
+              <a:defRPr sz="1800" kern="1200">
+                <a:solidFill>
+                  <a:schemeClr val="tx1"/>
+                </a:solidFill>
+                <a:latin typeface="+mn-lt"/>
+                <a:ea typeface="+mn-ea"/>
+                <a:cs typeface="+mn-cs"/>
+              </a:defRPr>
+            </a:lvl8pPr>
+            <a:lvl9pPr marL="3886200" indent="-228600" algn="l" defTabSz="914400" rtl="0" eaLnBrk="1" latinLnBrk="0" hangingPunct="1">
+              <a:lnSpc>
+                <a:spcPct val="90000"/>
+              </a:lnSpc>
+              <a:spcBef>
+                <a:spcPts val="500"/>
+              </a:spcBef>
+              <a:buFont typeface="Arial" panose="020B0604020202020204" pitchFamily="34" charset="0"/>
+              <a:buChar char="•"/>
+              <a:defRPr sz="1800" kern="1200">
+                <a:solidFill>
+                  <a:schemeClr val="tx1"/>
+                </a:solidFill>
+                <a:latin typeface="+mn-lt"/>
+                <a:ea typeface="+mn-ea"/>
+                <a:cs typeface="+mn-cs"/>
+              </a:defRPr>
+            </a:lvl9pPr>
+          </a:lstStyle>
+          <a:p>
+            <a:pPr lvl="1"/>
+            <a:r>
+              <a:rPr lang="en-US" altLang="zh-CN" sz="2000"/>
+              <a:t>docker history {image-id}</a:t>
+            </a:r>
+            <a:endParaRPr lang="en-US" altLang="zh-CN" sz="2000"/>
+          </a:p>
+          <a:p>
+            <a:pPr lvl="1"/>
+            <a:r>
+              <a:rPr lang="en-US" altLang="zh-CN"/>
+              <a:t>docker top/stats/attach/pause/unpause/kill/stop/rm {container-id}</a:t>
+            </a:r>
+            <a:endParaRPr lang="en-US" altLang="zh-CN"/>
+          </a:p>
+          <a:p>
+            <a:pPr lvl="1"/>
+            <a:r>
+              <a:rPr lang="en-US" altLang="zh-CN"/>
+              <a:t>service docker start/stop	// stop Docker daemon</a:t>
+            </a:r>
+            <a:endParaRPr lang="en-US" altLang="zh-CN"/>
+          </a:p>
+          <a:p>
+            <a:pPr lvl="1"/>
+            <a:r>
+              <a:rPr lang="en-US" altLang="zh-CN"/>
+              <a:t>docker network ls, docker network inspect {name}</a:t>
+            </a:r>
+            <a:endParaRPr lang="en-US" altLang="zh-CN"/>
+          </a:p>
+          <a:p>
+            <a:pPr lvl="1"/>
+            <a:r>
+              <a:rPr lang="en-US" altLang="zh-CN"/>
+              <a:t>docker exec -it &lt;container_name&gt; /bin/bash</a:t>
+            </a:r>
+            <a:endParaRPr lang="en-US" altLang="zh-CN"/>
+          </a:p>
+          <a:p>
+            <a:pPr lvl="1"/>
+            <a:r>
+              <a:rPr lang="en-US" altLang="zh-CN"/>
+              <a:t>docker volume ls, docker volume inspect {volume-name}, docker volume rm {volume-name}, docker volume prune</a:t>
+            </a:r>
+            <a:endParaRPr lang="en-US" altLang="zh-CN"/>
+          </a:p>
+          <a:p>
+            <a:pPr lvl="0"/>
+            <a:endParaRPr lang="en-US" altLang="zh-CN"/>
+          </a:p>
+        </p:txBody>
+      </p:sp>
+    </p:spTree>
+    <p:custDataLst>
+      <p:tags r:id="rId1"/>
+    </p:custDataLst>
+  </p:cSld>
+  <p:clrMapOvr>
+    <a:masterClrMapping/>
+  </p:clrMapOvr>
+</p:sld>
+</file>
+
+<file path=ppt/slides/slide11.xml><?xml version="1.0" encoding="utf-8"?>
+<p:sld xmlns:a="http://schemas.openxmlformats.org/drawingml/2006/main" xmlns:r="http://schemas.openxmlformats.org/officeDocument/2006/relationships" xmlns:p="http://schemas.openxmlformats.org/presentationml/2006/main">
+  <p:cSld>
+    <p:spTree>
+      <p:nvGrpSpPr>
+        <p:cNvPr id="1" name=""/>
+        <p:cNvGrpSpPr/>
+        <p:nvPr/>
+      </p:nvGrpSpPr>
+      <p:grpSpPr/>
+      <p:sp>
+        <p:nvSpPr>
+          <p:cNvPr id="2" name="标题 1"/>
+          <p:cNvSpPr>
+            <a:spLocks noGrp="1"/>
+          </p:cNvSpPr>
+          <p:nvPr>
+            <p:ph type="title"/>
+          </p:nvPr>
+        </p:nvSpPr>
+        <p:spPr/>
+        <p:txBody>
+          <a:bodyPr/>
+          <a:p>
+            <a:r>
+              <a:rPr lang="en-US" altLang="zh-CN"/>
               <a:t>Docker Volume</a:t>
             </a:r>
             <a:endParaRPr lang="en-US" altLang="zh-CN"/>
@@ -3894,7 +4334,7 @@
 </p:sld>
 </file>
 
-<file path=ppt/slides/slide11.xml><?xml version="1.0" encoding="utf-8"?>
+<file path=ppt/slides/slide12.xml><?xml version="1.0" encoding="utf-8"?>
 <p:sld xmlns:a="http://schemas.openxmlformats.org/drawingml/2006/main" xmlns:r="http://schemas.openxmlformats.org/officeDocument/2006/relationships" xmlns:p="http://schemas.openxmlformats.org/presentationml/2006/main">
   <p:cSld>
     <p:spTree>
@@ -3939,12 +4379,12 @@
         <p:spPr>
           <a:xfrm>
             <a:off x="838200" y="1211580"/>
-            <a:ext cx="10515600" cy="5005705"/>
+            <a:ext cx="6530975" cy="1655445"/>
           </a:xfrm>
         </p:spPr>
         <p:txBody>
           <a:bodyPr>
-            <a:normAutofit fontScale="70000"/>
+            <a:normAutofit lnSpcReduction="20000"/>
           </a:bodyPr>
           <a:p>
             <a:r>
@@ -3962,121 +4402,32 @@
             <a:endParaRPr lang="en-US" altLang="zh-CN"/>
           </a:p>
           <a:p>
-            <a:r>
-              <a:rPr lang="en-US" altLang="zh-CN"/>
-              <a:t>Commands</a:t>
-            </a:r>
-            <a:endParaRPr lang="en-US" altLang="zh-CN"/>
+            <a:pPr lvl="0"/>
+            <a:r>
+              <a:rPr lang="en-US" altLang="zh-CN" sz="2400">
+                <a:sym typeface="+mn-ea"/>
+              </a:rPr>
+              <a:t>Build</a:t>
+            </a:r>
+            <a:endParaRPr lang="en-US" altLang="zh-CN" sz="2400"/>
           </a:p>
           <a:p>
             <a:pPr lvl="1"/>
             <a:r>
-              <a:rPr lang="en-US" altLang="zh-CN"/>
-              <a:t>FROM	// what image to pull from the Docker Hub repository</a:t>
-            </a:r>
-            <a:endParaRPr lang="en-US" altLang="zh-CN"/>
-          </a:p>
-          <a:p>
-            <a:pPr lvl="1"/>
-            <a:r>
-              <a:rPr lang="en-US" altLang="zh-CN"/>
-              <a:t>WORKDIR</a:t>
-            </a:r>
-            <a:endParaRPr lang="en-US" altLang="zh-CN"/>
-          </a:p>
-          <a:p>
-            <a:pPr lvl="1"/>
-            <a:r>
-              <a:rPr lang="en-US" altLang="zh-CN"/>
-              <a:t>COPY</a:t>
-            </a:r>
-            <a:endParaRPr lang="en-US" altLang="zh-CN"/>
-          </a:p>
-          <a:p>
-            <a:pPr lvl="1"/>
-            <a:r>
-              <a:rPr lang="en-US" altLang="zh-CN"/>
-              <a:t>RUN</a:t>
-            </a:r>
-            <a:endParaRPr lang="en-US" altLang="zh-CN"/>
-          </a:p>
-          <a:p>
-            <a:pPr lvl="1"/>
-            <a:r>
-              <a:rPr lang="en-US" altLang="zh-CN"/>
-              <a:t>CMD</a:t>
+              <a:rPr lang="en-US" altLang="zh-CN">
+                <a:sym typeface="+mn-ea"/>
+              </a:rPr>
+              <a:t>docker build -t {image-name}:{tag-name} dir</a:t>
             </a:r>
             <a:endParaRPr lang="en-US" altLang="zh-CN"/>
           </a:p>
           <a:p>
             <a:pPr lvl="2"/>
             <a:r>
-              <a:rPr lang="en-US" altLang="zh-CN" sz="1800"/>
-              <a:t>CMD [“echo”, “Image created”]</a:t>
-            </a:r>
-            <a:endParaRPr lang="en-US" altLang="zh-CN"/>
-          </a:p>
-          <a:p>
-            <a:pPr lvl="1"/>
-            <a:r>
-              <a:rPr lang="en-US" altLang="zh-CN"/>
-              <a:t>MAINTAINER	// mail address</a:t>
-            </a:r>
-            <a:endParaRPr lang="en-US" altLang="zh-CN"/>
-          </a:p>
-          <a:p>
-            <a:pPr lvl="1"/>
-            <a:r>
-              <a:rPr lang="en-US" altLang="zh-CN"/>
-              <a:t>ENV {key1}={value1}</a:t>
-            </a:r>
-            <a:endParaRPr lang="en-US" altLang="zh-CN"/>
-          </a:p>
-          <a:p>
-            <a:pPr lvl="1"/>
-            <a:r>
-              <a:rPr lang="en-US" altLang="zh-CN"/>
-              <a:t>WORKDIR {dirname}</a:t>
-            </a:r>
-            <a:endParaRPr lang="en-US" altLang="zh-CN"/>
-          </a:p>
-          <a:p>
-            <a:pPr lvl="0"/>
-            <a:r>
-              <a:rPr lang="en-US" altLang="zh-CN"/>
-              <a:t>Build</a:t>
-            </a:r>
-            <a:endParaRPr lang="en-US" altLang="zh-CN"/>
-          </a:p>
-          <a:p>
-            <a:pPr lvl="1"/>
-            <a:r>
-              <a:rPr lang="en-US" altLang="zh-CN"/>
-              <a:t>docker build -t {image-name}:{tag-name} dir</a:t>
-            </a:r>
-            <a:endParaRPr lang="en-US" altLang="zh-CN"/>
-          </a:p>
-          <a:p>
-            <a:pPr lvl="2"/>
-            <a:r>
-              <a:rPr lang="en-US" altLang="zh-CN"/>
+              <a:rPr lang="en-US" altLang="zh-CN">
+                <a:sym typeface="+mn-ea"/>
+              </a:rPr>
               <a:t>-t: with tag</a:t>
-            </a:r>
-            <a:endParaRPr lang="en-US" altLang="zh-CN"/>
-          </a:p>
-          <a:p>
-            <a:pPr lvl="0"/>
-            <a:r>
-              <a:rPr lang="en-US" altLang="zh-CN"/>
-              <a:t>Public respositories</a:t>
-            </a:r>
-            <a:endParaRPr lang="en-US" altLang="zh-CN"/>
-          </a:p>
-          <a:p>
-            <a:pPr lvl="1"/>
-            <a:r>
-              <a:rPr lang="en-US" altLang="zh-CN"/>
-              <a:t>Docker Hub</a:t>
             </a:r>
             <a:endParaRPr lang="en-US" altLang="zh-CN"/>
           </a:p>
@@ -4090,7 +4441,7 @@
         </p:nvSpPr>
         <p:spPr>
           <a:xfrm>
-            <a:off x="7262495" y="2163445"/>
+            <a:off x="7369175" y="777875"/>
             <a:ext cx="4341495" cy="2030095"/>
           </a:xfrm>
           <a:prstGeom prst="rect">
@@ -4154,226 +4505,584 @@
           </a:p>
         </p:txBody>
       </p:sp>
+      <p:graphicFrame>
+        <p:nvGraphicFramePr>
+          <p:cNvPr id="6" name="表格 5"/>
+          <p:cNvGraphicFramePr/>
+          <p:nvPr>
+            <p:custDataLst>
+              <p:tags r:id="rId1"/>
+            </p:custDataLst>
+          </p:nvPr>
+        </p:nvGraphicFramePr>
+        <p:xfrm>
+          <a:off x="838200" y="2867025"/>
+          <a:ext cx="10904855" cy="3413760"/>
+        </p:xfrm>
+        <a:graphic>
+          <a:graphicData uri="http://schemas.openxmlformats.org/drawingml/2006/table">
+            <a:tbl>
+              <a:tblPr firstRow="1" bandRow="1">
+                <a:tableStyleId>{5C22544A-7EE6-4342-B048-85BDC9FD1C3A}</a:tableStyleId>
+              </a:tblPr>
+              <a:tblGrid>
+                <a:gridCol w="1787525"/>
+                <a:gridCol w="5582920"/>
+                <a:gridCol w="3534410"/>
+              </a:tblGrid>
+              <a:tr h="365760">
+                <a:tc>
+                  <a:txBody>
+                    <a:bodyPr/>
+                    <a:p>
+                      <a:pPr algn="ctr">
+                        <a:buNone/>
+                      </a:pPr>
+                      <a:r>
+                        <a:rPr lang="en-US" altLang="zh-CN"/>
+                        <a:t>Command</a:t>
+                      </a:r>
+                      <a:endParaRPr lang="en-US" altLang="zh-CN"/>
+                    </a:p>
+                  </a:txBody>
+                  <a:tcPr/>
+                </a:tc>
+                <a:tc>
+                  <a:txBody>
+                    <a:bodyPr/>
+                    <a:p>
+                      <a:pPr algn="ctr">
+                        <a:buNone/>
+                      </a:pPr>
+                      <a:r>
+                        <a:rPr lang="en-US" altLang="zh-CN"/>
+                        <a:t>Explanation</a:t>
+                      </a:r>
+                      <a:endParaRPr lang="en-US" altLang="zh-CN"/>
+                    </a:p>
+                  </a:txBody>
+                  <a:tcPr/>
+                </a:tc>
+                <a:tc>
+                  <a:txBody>
+                    <a:bodyPr/>
+                    <a:p>
+                      <a:pPr algn="ctr">
+                        <a:buNone/>
+                      </a:pPr>
+                      <a:r>
+                        <a:rPr lang="en-US" altLang="zh-CN"/>
+                        <a:t>Notes</a:t>
+                      </a:r>
+                      <a:endParaRPr lang="en-US" altLang="zh-CN"/>
+                    </a:p>
+                  </a:txBody>
+                  <a:tcPr/>
+                </a:tc>
+              </a:tr>
+              <a:tr h="304800">
+                <a:tc>
+                  <a:txBody>
+                    <a:bodyPr/>
+                    <a:p>
+                      <a:pPr>
+                        <a:buNone/>
+                      </a:pPr>
+                      <a:r>
+                        <a:rPr lang="en-US" altLang="zh-CN" sz="1400"/>
+                        <a:t>FROM</a:t>
+                      </a:r>
+                      <a:endParaRPr lang="en-US" altLang="zh-CN" sz="1400"/>
+                    </a:p>
+                  </a:txBody>
+                  <a:tcPr/>
+                </a:tc>
+                <a:tc>
+                  <a:txBody>
+                    <a:bodyPr/>
+                    <a:p>
+                      <a:pPr marL="0" lvl="1">
+                        <a:buNone/>
+                      </a:pPr>
+                      <a:r>
+                        <a:rPr lang="en-US" altLang="zh-CN" sz="1400">
+                          <a:sym typeface="+mn-ea"/>
+                        </a:rPr>
+                        <a:t>Specify what image to pull from the Docker Hub repository</a:t>
+                      </a:r>
+                      <a:endParaRPr lang="en-US" altLang="zh-CN" sz="1400">
+                        <a:sym typeface="+mn-ea"/>
+                      </a:endParaRPr>
+                    </a:p>
+                  </a:txBody>
+                  <a:tcPr/>
+                </a:tc>
+                <a:tc>
+                  <a:txBody>
+                    <a:bodyPr/>
+                    <a:p>
+                      <a:pPr>
+                        <a:buNone/>
+                      </a:pPr>
+                      <a:endParaRPr lang="zh-CN" altLang="en-US" sz="1400"/>
+                    </a:p>
+                  </a:txBody>
+                  <a:tcPr/>
+                </a:tc>
+              </a:tr>
+              <a:tr h="304800">
+                <a:tc>
+                  <a:txBody>
+                    <a:bodyPr/>
+                    <a:p>
+                      <a:pPr>
+                        <a:buNone/>
+                      </a:pPr>
+                      <a:r>
+                        <a:rPr lang="en-US" altLang="zh-CN" sz="1400"/>
+                        <a:t>WORKDIR</a:t>
+                      </a:r>
+                      <a:endParaRPr lang="en-US" altLang="zh-CN" sz="1400"/>
+                    </a:p>
+                  </a:txBody>
+                  <a:tcPr/>
+                </a:tc>
+                <a:tc>
+                  <a:txBody>
+                    <a:bodyPr/>
+                    <a:p>
+                      <a:pPr>
+                        <a:buNone/>
+                      </a:pPr>
+                      <a:endParaRPr lang="zh-CN" altLang="en-US" sz="1400"/>
+                    </a:p>
+                  </a:txBody>
+                  <a:tcPr/>
+                </a:tc>
+                <a:tc>
+                  <a:txBody>
+                    <a:bodyPr/>
+                    <a:p>
+                      <a:pPr marL="0" lvl="1">
+                        <a:buNone/>
+                      </a:pPr>
+                      <a:r>
+                        <a:rPr lang="en-US" altLang="zh-CN" sz="1400">
+                          <a:sym typeface="+mn-ea"/>
+                        </a:rPr>
+                        <a:t>WORKDIR {dirname}</a:t>
+                      </a:r>
+                      <a:endParaRPr lang="en-US" altLang="zh-CN" sz="1400">
+                        <a:sym typeface="+mn-ea"/>
+                      </a:endParaRPr>
+                    </a:p>
+                  </a:txBody>
+                  <a:tcPr/>
+                </a:tc>
+              </a:tr>
+              <a:tr h="304800">
+                <a:tc>
+                  <a:txBody>
+                    <a:bodyPr/>
+                    <a:p>
+                      <a:pPr>
+                        <a:buNone/>
+                      </a:pPr>
+                      <a:r>
+                        <a:rPr lang="en-US" altLang="zh-CN" sz="1400"/>
+                        <a:t>COPY</a:t>
+                      </a:r>
+                      <a:endParaRPr lang="en-US" altLang="zh-CN" sz="1400"/>
+                    </a:p>
+                  </a:txBody>
+                  <a:tcPr/>
+                </a:tc>
+                <a:tc>
+                  <a:txBody>
+                    <a:bodyPr/>
+                    <a:p>
+                      <a:pPr>
+                        <a:buNone/>
+                      </a:pPr>
+                      <a:r>
+                        <a:rPr lang="en-US" altLang="zh-CN" sz="1400"/>
+                        <a:t>Copy local files into container. Preferred than “ADD”</a:t>
+                      </a:r>
+                      <a:endParaRPr lang="en-US" altLang="zh-CN" sz="1400"/>
+                    </a:p>
+                  </a:txBody>
+                  <a:tcPr/>
+                </a:tc>
+                <a:tc>
+                  <a:txBody>
+                    <a:bodyPr/>
+                    <a:p>
+                      <a:pPr>
+                        <a:buNone/>
+                      </a:pPr>
+                      <a:endParaRPr lang="zh-CN" altLang="en-US" sz="1400"/>
+                    </a:p>
+                  </a:txBody>
+                  <a:tcPr/>
+                </a:tc>
+              </a:tr>
+              <a:tr h="304800">
+                <a:tc>
+                  <a:txBody>
+                    <a:bodyPr/>
+                    <a:p>
+                      <a:pPr>
+                        <a:buNone/>
+                      </a:pPr>
+                      <a:r>
+                        <a:rPr lang="en-US" altLang="zh-CN" sz="1400"/>
+                        <a:t>RUN</a:t>
+                      </a:r>
+                      <a:endParaRPr lang="en-US" altLang="zh-CN" sz="1400"/>
+                    </a:p>
+                  </a:txBody>
+                  <a:tcPr/>
+                </a:tc>
+                <a:tc>
+                  <a:txBody>
+                    <a:bodyPr/>
+                    <a:p>
+                      <a:pPr>
+                        <a:buNone/>
+                      </a:pPr>
+                      <a:r>
+                        <a:rPr lang="en-US" altLang="zh-CN" sz="1400"/>
+                        <a:t>Mainly used to install new package</a:t>
+                      </a:r>
+                      <a:endParaRPr lang="en-US" altLang="zh-CN" sz="1400"/>
+                    </a:p>
+                  </a:txBody>
+                  <a:tcPr/>
+                </a:tc>
+                <a:tc>
+                  <a:txBody>
+                    <a:bodyPr/>
+                    <a:p>
+                      <a:pPr>
+                        <a:buNone/>
+                      </a:pPr>
+                      <a:endParaRPr lang="zh-CN" altLang="en-US" sz="1400"/>
+                    </a:p>
+                  </a:txBody>
+                  <a:tcPr/>
+                </a:tc>
+              </a:tr>
+              <a:tr h="304800">
+                <a:tc>
+                  <a:txBody>
+                    <a:bodyPr/>
+                    <a:p>
+                      <a:pPr>
+                        <a:buNone/>
+                      </a:pPr>
+                      <a:r>
+                        <a:rPr lang="en-US" altLang="zh-CN" sz="1400"/>
+                        <a:t>CMD</a:t>
+                      </a:r>
+                      <a:endParaRPr lang="en-US" altLang="zh-CN" sz="1400"/>
+                    </a:p>
+                  </a:txBody>
+                  <a:tcPr/>
+                </a:tc>
+                <a:tc>
+                  <a:txBody>
+                    <a:bodyPr/>
+                    <a:p>
+                      <a:pPr marL="0" lvl="2">
+                        <a:buNone/>
+                      </a:pPr>
+                      <a:r>
+                        <a:rPr lang="en-US" altLang="zh-CN" sz="1400">
+                          <a:sym typeface="+mn-ea"/>
+                        </a:rPr>
+                        <a:t>Specify the commands to run within the container. Only one CMD can be executed per Dockerfile.</a:t>
+                      </a:r>
+                      <a:endParaRPr lang="en-US" altLang="zh-CN" sz="1400">
+                        <a:sym typeface="+mn-ea"/>
+                      </a:endParaRPr>
+                    </a:p>
+                  </a:txBody>
+                  <a:tcPr/>
+                </a:tc>
+                <a:tc>
+                  <a:txBody>
+                    <a:bodyPr/>
+                    <a:p>
+                      <a:pPr marL="0" lvl="2">
+                        <a:buNone/>
+                      </a:pPr>
+                      <a:r>
+                        <a:rPr lang="en-US" altLang="zh-CN" sz="1400">
+                          <a:sym typeface="+mn-ea"/>
+                        </a:rPr>
+                        <a:t>CMD [“echo”, “Image created”]</a:t>
+                      </a:r>
+                      <a:endParaRPr lang="en-US" altLang="zh-CN" sz="1400">
+                        <a:sym typeface="+mn-ea"/>
+                      </a:endParaRPr>
+                    </a:p>
+                  </a:txBody>
+                  <a:tcPr/>
+                </a:tc>
+              </a:tr>
+              <a:tr h="304800">
+                <a:tc>
+                  <a:txBody>
+                    <a:bodyPr/>
+                    <a:p>
+                      <a:pPr>
+                        <a:buNone/>
+                      </a:pPr>
+                      <a:r>
+                        <a:rPr lang="en-US" altLang="zh-CN" sz="1400"/>
+                        <a:t>MAINTAINER</a:t>
+                      </a:r>
+                      <a:endParaRPr lang="en-US" altLang="zh-CN" sz="1400"/>
+                    </a:p>
+                  </a:txBody>
+                  <a:tcPr/>
+                </a:tc>
+                <a:tc>
+                  <a:txBody>
+                    <a:bodyPr/>
+                    <a:p>
+                      <a:pPr>
+                        <a:buNone/>
+                      </a:pPr>
+                      <a:endParaRPr lang="zh-CN" altLang="en-US" sz="1400"/>
+                    </a:p>
+                  </a:txBody>
+                  <a:tcPr/>
+                </a:tc>
+                <a:tc>
+                  <a:txBody>
+                    <a:bodyPr/>
+                    <a:p>
+                      <a:pPr>
+                        <a:buNone/>
+                      </a:pPr>
+                      <a:endParaRPr lang="zh-CN" altLang="en-US" sz="1400"/>
+                    </a:p>
+                  </a:txBody>
+                  <a:tcPr/>
+                </a:tc>
+              </a:tr>
+              <a:tr h="304800">
+                <a:tc>
+                  <a:txBody>
+                    <a:bodyPr/>
+                    <a:p>
+                      <a:pPr>
+                        <a:buNone/>
+                      </a:pPr>
+                      <a:r>
+                        <a:rPr lang="en-US" altLang="zh-CN" sz="1400"/>
+                        <a:t>ENV</a:t>
+                      </a:r>
+                      <a:endParaRPr lang="en-US" altLang="zh-CN" sz="1400"/>
+                    </a:p>
+                  </a:txBody>
+                  <a:tcPr/>
+                </a:tc>
+                <a:tc>
+                  <a:txBody>
+                    <a:bodyPr/>
+                    <a:p>
+                      <a:pPr>
+                        <a:buNone/>
+                      </a:pPr>
+                      <a:r>
+                        <a:rPr lang="en-US" altLang="zh-CN" sz="1400"/>
+                        <a:t>Set environment variable</a:t>
+                      </a:r>
+                      <a:endParaRPr lang="en-US" altLang="zh-CN" sz="1400"/>
+                    </a:p>
+                  </a:txBody>
+                  <a:tcPr/>
+                </a:tc>
+                <a:tc>
+                  <a:txBody>
+                    <a:bodyPr/>
+                    <a:p>
+                      <a:pPr marL="0" lvl="1">
+                        <a:buNone/>
+                      </a:pPr>
+                      <a:r>
+                        <a:rPr lang="en-US" altLang="zh-CN" sz="1400">
+                          <a:sym typeface="+mn-ea"/>
+                        </a:rPr>
+                        <a:t>ENV {key1}={value1}</a:t>
+                      </a:r>
+                      <a:endParaRPr lang="en-US" altLang="zh-CN" sz="1400">
+                        <a:sym typeface="+mn-ea"/>
+                      </a:endParaRPr>
+                    </a:p>
+                  </a:txBody>
+                  <a:tcPr/>
+                </a:tc>
+              </a:tr>
+              <a:tr h="304800">
+                <a:tc>
+                  <a:txBody>
+                    <a:bodyPr/>
+                    <a:p>
+                      <a:pPr>
+                        <a:buNone/>
+                      </a:pPr>
+                      <a:r>
+                        <a:rPr lang="en-US" altLang="zh-CN" sz="1400"/>
+                        <a:t>EXPOSE</a:t>
+                      </a:r>
+                      <a:endParaRPr lang="en-US" altLang="zh-CN" sz="1400"/>
+                    </a:p>
+                  </a:txBody>
+                  <a:tcPr/>
+                </a:tc>
+                <a:tc>
+                  <a:txBody>
+                    <a:bodyPr/>
+                    <a:p>
+                      <a:pPr>
+                        <a:buNone/>
+                      </a:pPr>
+                      <a:r>
+                        <a:rPr lang="en-US" altLang="zh-CN" sz="1400">
+                          <a:sym typeface="+mn-ea"/>
+                        </a:rPr>
+                        <a:t>Indicates the ports on which a container listens for</a:t>
+                      </a:r>
+                      <a:endParaRPr lang="en-US" altLang="zh-CN" sz="1400">
+                        <a:sym typeface="+mn-ea"/>
+                      </a:endParaRPr>
+                    </a:p>
+                  </a:txBody>
+                  <a:tcPr/>
+                </a:tc>
+                <a:tc>
+                  <a:txBody>
+                    <a:bodyPr/>
+                    <a:p>
+                      <a:pPr>
+                        <a:buNone/>
+                      </a:pPr>
+                      <a:endParaRPr lang="zh-CN" altLang="en-US" sz="1400"/>
+                    </a:p>
+                  </a:txBody>
+                  <a:tcPr/>
+                </a:tc>
+              </a:tr>
+              <a:tr h="304800">
+                <a:tc>
+                  <a:txBody>
+                    <a:bodyPr/>
+                    <a:p>
+                      <a:pPr>
+                        <a:buNone/>
+                      </a:pPr>
+                      <a:r>
+                        <a:rPr lang="en-US" altLang="zh-CN" sz="1400"/>
+                        <a:t>ENTRYPOINT</a:t>
+                      </a:r>
+                      <a:endParaRPr lang="en-US" altLang="zh-CN" sz="1400"/>
+                    </a:p>
+                  </a:txBody>
+                  <a:tcPr/>
+                </a:tc>
+                <a:tc>
+                  <a:txBody>
+                    <a:bodyPr/>
+                    <a:p>
+                      <a:pPr>
+                        <a:buNone/>
+                      </a:pPr>
+                      <a:r>
+                        <a:rPr lang="en-US" altLang="zh-CN" sz="1400">
+                          <a:sym typeface="+mn-ea"/>
+                        </a:rPr>
+                        <a:t>Set the image's main command</a:t>
+                      </a:r>
+                      <a:endParaRPr lang="en-US" altLang="zh-CN" sz="1400">
+                        <a:sym typeface="+mn-ea"/>
+                      </a:endParaRPr>
+                    </a:p>
+                  </a:txBody>
+                  <a:tcPr/>
+                </a:tc>
+                <a:tc>
+                  <a:txBody>
+                    <a:bodyPr/>
+                    <a:p>
+                      <a:pPr>
+                        <a:buNone/>
+                      </a:pPr>
+                      <a:endParaRPr lang="zh-CN" altLang="en-US" sz="1400"/>
+                    </a:p>
+                  </a:txBody>
+                  <a:tcPr/>
+                </a:tc>
+              </a:tr>
+              <a:tr h="304800">
+                <a:tc>
+                  <a:txBody>
+                    <a:bodyPr/>
+                    <a:p>
+                      <a:pPr>
+                        <a:buNone/>
+                      </a:pPr>
+                      <a:r>
+                        <a:rPr lang="en-US" altLang="zh-CN" sz="1400"/>
+                        <a:t>VOLUME</a:t>
+                      </a:r>
+                      <a:endParaRPr lang="en-US" altLang="zh-CN" sz="1400"/>
+                    </a:p>
+                  </a:txBody>
+                  <a:tcPr/>
+                </a:tc>
+                <a:tc>
+                  <a:txBody>
+                    <a:bodyPr/>
+                    <a:p>
+                      <a:pPr>
+                        <a:buNone/>
+                      </a:pPr>
+                      <a:r>
+                        <a:rPr lang="en-US" altLang="zh-CN" sz="1400">
+                          <a:sym typeface="+mn-ea"/>
+                        </a:rPr>
+                        <a:t>Expose storage area</a:t>
+                      </a:r>
+                      <a:endParaRPr lang="en-US" altLang="zh-CN" sz="1400">
+                        <a:sym typeface="+mn-ea"/>
+                      </a:endParaRPr>
+                    </a:p>
+                  </a:txBody>
+                  <a:tcPr/>
+                </a:tc>
+                <a:tc>
+                  <a:txBody>
+                    <a:bodyPr/>
+                    <a:p>
+                      <a:pPr>
+                        <a:buNone/>
+                      </a:pPr>
+                      <a:endParaRPr lang="zh-CN" altLang="en-US" sz="1400"/>
+                    </a:p>
+                  </a:txBody>
+                  <a:tcPr/>
+                </a:tc>
+              </a:tr>
+            </a:tbl>
+          </a:graphicData>
+        </a:graphic>
+      </p:graphicFrame>
     </p:spTree>
     <p:custDataLst>
-      <p:tags r:id="rId1"/>
-    </p:custDataLst>
-  </p:cSld>
-  <p:clrMapOvr>
-    <a:masterClrMapping/>
-  </p:clrMapOvr>
-</p:sld>
-</file>
-
-<file path=ppt/slides/slide12.xml><?xml version="1.0" encoding="utf-8"?>
-<p:sld xmlns:a="http://schemas.openxmlformats.org/drawingml/2006/main" xmlns:r="http://schemas.openxmlformats.org/officeDocument/2006/relationships" xmlns:p="http://schemas.openxmlformats.org/presentationml/2006/main">
-  <p:cSld>
-    <p:spTree>
-      <p:nvGrpSpPr>
-        <p:cNvPr id="1" name=""/>
-        <p:cNvGrpSpPr/>
-        <p:nvPr/>
-      </p:nvGrpSpPr>
-      <p:grpSpPr/>
-      <p:sp>
-        <p:nvSpPr>
-          <p:cNvPr id="2" name="标题 1"/>
-          <p:cNvSpPr>
-            <a:spLocks noGrp="1"/>
-          </p:cNvSpPr>
-          <p:nvPr>
-            <p:ph type="title"/>
-          </p:nvPr>
-        </p:nvSpPr>
-        <p:spPr/>
-        <p:txBody>
-          <a:bodyPr/>
-          <a:p>
-            <a:r>
-              <a:rPr lang="en-US" altLang="zh-CN"/>
-              <a:t>Docker Compose</a:t>
-            </a:r>
-            <a:endParaRPr lang="en-US" altLang="zh-CN"/>
-          </a:p>
-        </p:txBody>
-      </p:sp>
-      <p:sp>
-        <p:nvSpPr>
-          <p:cNvPr id="3" name="内容占位符 2"/>
-          <p:cNvSpPr>
-            <a:spLocks noGrp="1"/>
-          </p:cNvSpPr>
-          <p:nvPr>
-            <p:ph idx="1"/>
-          </p:nvPr>
-        </p:nvSpPr>
-        <p:spPr/>
-        <p:txBody>
-          <a:bodyPr>
-            <a:normAutofit lnSpcReduction="20000"/>
-          </a:bodyPr>
-          <a:p>
-            <a:pPr lvl="0"/>
-            <a:r>
-              <a:rPr lang="en-US" altLang="zh-CN" sz="2400">
-                <a:sym typeface="+mn-ea"/>
-              </a:rPr>
-              <a:t>Intro</a:t>
-            </a:r>
-            <a:endParaRPr lang="en-US" altLang="zh-CN" sz="2400">
-              <a:sym typeface="+mn-ea"/>
-            </a:endParaRPr>
-          </a:p>
-          <a:p>
-            <a:pPr lvl="1"/>
-            <a:r>
-              <a:rPr lang="en-US" altLang="zh-CN" sz="2000">
-                <a:sym typeface="+mn-ea"/>
-              </a:rPr>
-              <a:t>Used to run multiple containers as a single service</a:t>
-            </a:r>
-            <a:endParaRPr lang="en-US" altLang="zh-CN" sz="2000">
-              <a:sym typeface="+mn-ea"/>
-            </a:endParaRPr>
-          </a:p>
-          <a:p>
-            <a:pPr lvl="0"/>
-            <a:r>
-              <a:rPr lang="en-US" altLang="zh-CN" sz="2400">
-                <a:sym typeface="+mn-ea"/>
-              </a:rPr>
-              <a:t>docker-compose commands</a:t>
-            </a:r>
-            <a:endParaRPr lang="en-US" altLang="zh-CN" sz="2400"/>
-          </a:p>
-          <a:p>
-            <a:pPr lvl="1"/>
-            <a:r>
-              <a:rPr lang="en-US" altLang="zh-CN">
-                <a:sym typeface="+mn-ea"/>
-              </a:rPr>
-              <a:t>docker-compose build</a:t>
-            </a:r>
-            <a:endParaRPr lang="en-US" altLang="zh-CN"/>
-          </a:p>
-          <a:p>
-            <a:pPr lvl="1"/>
-            <a:r>
-              <a:rPr lang="en-US" altLang="zh-CN">
-                <a:sym typeface="+mn-ea"/>
-              </a:rPr>
-              <a:t>docker-compose up -d	// create and start containers</a:t>
-            </a:r>
-            <a:endParaRPr lang="en-US" altLang="zh-CN">
-              <a:sym typeface="+mn-ea"/>
-            </a:endParaRPr>
-          </a:p>
-          <a:p>
-            <a:pPr lvl="2"/>
-            <a:r>
-              <a:rPr lang="en-US" altLang="zh-CN" sz="2000">
-                <a:sym typeface="+mn-ea"/>
-              </a:rPr>
-              <a:t>-d: in daemon mode</a:t>
-            </a:r>
-            <a:endParaRPr lang="en-US" altLang="zh-CN" sz="2000"/>
-          </a:p>
-          <a:p>
-            <a:pPr lvl="1" algn="l">
-              <a:buClrTx/>
-              <a:buSzTx/>
-            </a:pPr>
-            <a:r>
-              <a:rPr lang="en-US" altLang="zh-CN">
-                <a:sym typeface="+mn-ea"/>
-              </a:rPr>
-              <a:t>docker-compose down	// Stop and remove containers, networks, images and volumes</a:t>
-            </a:r>
-            <a:endParaRPr lang="en-US" altLang="zh-CN">
-              <a:sym typeface="+mn-ea"/>
-            </a:endParaRPr>
-          </a:p>
-          <a:p>
-            <a:pPr lvl="1"/>
-            <a:r>
-              <a:rPr lang="en-US" altLang="zh-CN">
-                <a:sym typeface="+mn-ea"/>
-              </a:rPr>
-              <a:t>docker-compose run web env	// show env variables</a:t>
-            </a:r>
-            <a:endParaRPr lang="en-US" altLang="zh-CN"/>
-          </a:p>
-          <a:p>
-            <a:pPr lvl="1"/>
-            <a:r>
-              <a:rPr lang="en-US" altLang="zh-CN">
-                <a:sym typeface="+mn-ea"/>
-              </a:rPr>
-              <a:t>docker-compose logs	// show logs</a:t>
-            </a:r>
-            <a:endParaRPr lang="en-US" altLang="zh-CN">
-              <a:sym typeface="+mn-ea"/>
-            </a:endParaRPr>
-          </a:p>
-          <a:p>
-            <a:pPr lvl="1"/>
-            <a:r>
-              <a:rPr lang="en-US" altLang="zh-CN">
-                <a:sym typeface="+mn-ea"/>
-              </a:rPr>
-              <a:t>docker-compose ps	// list containers</a:t>
-            </a:r>
-            <a:endParaRPr lang="en-US" altLang="zh-CN"/>
-          </a:p>
-          <a:p>
-            <a:pPr lvl="1"/>
-            <a:r>
-              <a:rPr lang="en-US" altLang="zh-CN">
-                <a:sym typeface="+mn-ea"/>
-              </a:rPr>
-              <a:t>docker-compose images	// list images</a:t>
-            </a:r>
-            <a:endParaRPr lang="en-US" altLang="zh-CN">
-              <a:sym typeface="+mn-ea"/>
-            </a:endParaRPr>
-          </a:p>
-          <a:p>
-            <a:pPr lvl="1"/>
-            <a:r>
-              <a:rPr lang="en-US" altLang="zh-CN">
-                <a:sym typeface="+mn-ea"/>
-              </a:rPr>
-              <a:t>docker-compose -h		// show help</a:t>
-            </a:r>
-            <a:endParaRPr lang="en-US" altLang="zh-CN">
-              <a:sym typeface="+mn-ea"/>
-            </a:endParaRPr>
-          </a:p>
-          <a:p>
-            <a:pPr lvl="0" algn="l">
-              <a:buClrTx/>
-              <a:buSzTx/>
-            </a:pPr>
-            <a:r>
-              <a:rPr lang="en-US" altLang="zh-CN" sz="2400">
-                <a:sym typeface="+mn-ea"/>
-              </a:rPr>
-              <a:t>docker-compose.yml</a:t>
-            </a:r>
-            <a:endParaRPr lang="en-US" altLang="zh-CN" sz="2400"/>
-          </a:p>
-          <a:p>
-            <a:pPr lvl="1"/>
-            <a:endParaRPr lang="en-US" altLang="zh-CN" sz="2400"/>
-          </a:p>
-          <a:p>
-            <a:endParaRPr lang="zh-CN" altLang="en-US"/>
-          </a:p>
-        </p:txBody>
-      </p:sp>
-    </p:spTree>
-    <p:custDataLst>
-      <p:tags r:id="rId1"/>
+      <p:tags r:id="rId2"/>
     </p:custDataLst>
   </p:cSld>
   <p:clrMapOvr>
@@ -4408,7 +5117,7 @@
           <a:p>
             <a:r>
               <a:rPr lang="en-US" altLang="zh-CN"/>
-              <a:t>Docker Machine</a:t>
+              <a:t>Docker Compose</a:t>
             </a:r>
             <a:endParaRPr lang="en-US" altLang="zh-CN"/>
           </a:p>
@@ -4426,50 +5135,74 @@
         </p:nvSpPr>
         <p:spPr/>
         <p:txBody>
-          <a:bodyPr/>
+          <a:bodyPr>
+            <a:normAutofit fontScale="90000" lnSpcReduction="20000"/>
+          </a:bodyPr>
           <a:p>
             <a:pPr lvl="0"/>
             <a:r>
               <a:rPr lang="en-US" altLang="zh-CN" sz="2400">
                 <a:sym typeface="+mn-ea"/>
               </a:rPr>
-              <a:t>docker-machine commands</a:t>
-            </a:r>
-            <a:endParaRPr lang="en-US" altLang="zh-CN" sz="2400"/>
+              <a:t>Intro</a:t>
+            </a:r>
+            <a:endParaRPr lang="en-US" altLang="zh-CN" sz="2400">
+              <a:sym typeface="+mn-ea"/>
+            </a:endParaRPr>
           </a:p>
           <a:p>
             <a:pPr lvl="1"/>
+            <a:r>
+              <a:rPr lang="en-US" altLang="zh-CN" sz="2000">
+                <a:sym typeface="+mn-ea"/>
+              </a:rPr>
+              <a:t>Used to run multiple containers as a single service</a:t>
+            </a:r>
+            <a:endParaRPr lang="en-US" altLang="zh-CN" sz="2000">
+              <a:sym typeface="+mn-ea"/>
+            </a:endParaRPr>
+          </a:p>
+          <a:p>
+            <a:pPr lvl="0"/>
             <a:r>
               <a:rPr lang="en-US" altLang="zh-CN" sz="2400">
                 <a:sym typeface="+mn-ea"/>
               </a:rPr>
-              <a:t>docker-machine create  -d virtualbox {machine-name}</a:t>
-            </a:r>
-            <a:endParaRPr lang="en-US" altLang="zh-CN" sz="2400">
+              <a:t>docker-compose commands</a:t>
+            </a:r>
+            <a:endParaRPr lang="en-US" altLang="zh-CN" sz="2400"/>
+          </a:p>
+          <a:p>
+            <a:pPr lvl="1"/>
+            <a:r>
+              <a:rPr lang="en-US" altLang="zh-CN">
+                <a:sym typeface="+mn-ea"/>
+              </a:rPr>
+              <a:t>docker-compose build</a:t>
+            </a:r>
+            <a:endParaRPr lang="en-US" altLang="zh-CN"/>
+          </a:p>
+          <a:p>
+            <a:pPr lvl="1"/>
+            <a:r>
+              <a:rPr lang="en-US" altLang="zh-CN">
+                <a:sym typeface="+mn-ea"/>
+              </a:rPr>
+              <a:t>docker-compose up -d	// create and start containers</a:t>
+            </a:r>
+            <a:endParaRPr lang="en-US" altLang="zh-CN">
               <a:sym typeface="+mn-ea"/>
             </a:endParaRPr>
           </a:p>
           <a:p>
             <a:pPr lvl="2"/>
             <a:r>
-              <a:rPr lang="en-US" altLang="zh-CN" sz="2160">
+              <a:rPr lang="en-US" altLang="zh-CN" sz="2000">
                 <a:sym typeface="+mn-ea"/>
               </a:rPr>
-              <a:t>-d/--driver: which provider the machine should be created on (VirtualBox, DigitalOcean, AWS, etc.)</a:t>
-            </a:r>
-            <a:endParaRPr lang="en-US" altLang="zh-CN" sz="2160"/>
-          </a:p>
-          <a:p>
-            <a:pPr lvl="1"/>
-            <a:r>
-              <a:rPr lang="en-US" altLang="zh-CN" sz="2400">
-                <a:sym typeface="+mn-ea"/>
-              </a:rPr>
-              <a:t>eval $(docker-machine env dev)</a:t>
-            </a:r>
-            <a:endParaRPr lang="en-US" altLang="zh-CN" sz="2400">
-              <a:sym typeface="+mn-ea"/>
-            </a:endParaRPr>
+              <a:t>-d: in daemon mode</a:t>
+            </a:r>
+            <a:endParaRPr lang="en-US" altLang="zh-CN" sz="2000"/>
           </a:p>
           <a:p>
             <a:pPr lvl="1" algn="l">
@@ -4477,10 +5210,81 @@
               <a:buSzTx/>
             </a:pPr>
             <a:r>
+              <a:rPr lang="en-US" altLang="zh-CN">
+                <a:sym typeface="+mn-ea"/>
+              </a:rPr>
+              <a:t>docker-compose down	// Stop and remove containers, networks, images and volumes</a:t>
+            </a:r>
+            <a:endParaRPr lang="en-US" altLang="zh-CN">
+              <a:sym typeface="+mn-ea"/>
+            </a:endParaRPr>
+          </a:p>
+          <a:p>
+            <a:pPr lvl="1"/>
+            <a:r>
+              <a:rPr lang="en-US" altLang="zh-CN">
+                <a:sym typeface="+mn-ea"/>
+              </a:rPr>
+              <a:t>docker-compose run web env	// show env variables</a:t>
+            </a:r>
+            <a:endParaRPr lang="en-US" altLang="zh-CN"/>
+          </a:p>
+          <a:p>
+            <a:pPr lvl="1"/>
+            <a:r>
+              <a:rPr lang="en-US" altLang="zh-CN">
+                <a:sym typeface="+mn-ea"/>
+              </a:rPr>
+              <a:t>docker-compose logs	// show logs</a:t>
+            </a:r>
+            <a:endParaRPr lang="en-US" altLang="zh-CN">
+              <a:sym typeface="+mn-ea"/>
+            </a:endParaRPr>
+          </a:p>
+          <a:p>
+            <a:pPr lvl="1"/>
+            <a:r>
+              <a:rPr lang="en-US" altLang="zh-CN">
+                <a:sym typeface="+mn-ea"/>
+              </a:rPr>
+              <a:t>docker-compose ps	// list containers</a:t>
+            </a:r>
+            <a:endParaRPr lang="en-US" altLang="zh-CN"/>
+          </a:p>
+          <a:p>
+            <a:pPr lvl="1"/>
+            <a:r>
+              <a:rPr lang="en-US" altLang="zh-CN">
+                <a:sym typeface="+mn-ea"/>
+              </a:rPr>
+              <a:t>docker-compose images	// list images</a:t>
+            </a:r>
+            <a:endParaRPr lang="en-US" altLang="zh-CN">
+              <a:sym typeface="+mn-ea"/>
+            </a:endParaRPr>
+          </a:p>
+          <a:p>
+            <a:pPr lvl="1"/>
+            <a:r>
+              <a:rPr lang="en-US" altLang="zh-CN">
+                <a:sym typeface="+mn-ea"/>
+              </a:rPr>
+              <a:t>docker-compose -h		// show help</a:t>
+            </a:r>
+            <a:endParaRPr lang="en-US" altLang="zh-CN">
+              <a:sym typeface="+mn-ea"/>
+            </a:endParaRPr>
+          </a:p>
+          <a:p>
+            <a:pPr lvl="0" algn="l">
+              <a:buClrTx/>
+              <a:buSzTx/>
+            </a:pPr>
+            <a:r>
               <a:rPr lang="en-US" altLang="zh-CN" sz="2400">
                 <a:sym typeface="+mn-ea"/>
               </a:rPr>
-              <a:t>docker-machine ls</a:t>
+              <a:t>docker-compose.yml</a:t>
             </a:r>
             <a:endParaRPr lang="en-US" altLang="zh-CN" sz="2400"/>
           </a:p>
@@ -4488,7 +5292,7 @@
             <a:pPr lvl="1"/>
             <a:r>
               <a:rPr lang="en-US" altLang="zh-CN" sz="2400"/>
-              <a:t>docker-machine ip default</a:t>
+              <a:t>ports {host}:{container}, ports {container}</a:t>
             </a:r>
             <a:endParaRPr lang="en-US" altLang="zh-CN" sz="2400"/>
           </a:p>
@@ -4496,17 +5300,17 @@
             <a:pPr lvl="1"/>
             <a:r>
               <a:rPr lang="en-US" altLang="zh-CN" sz="2400"/>
-              <a:t>docker-machine start {docker-machine-name}</a:t>
+              <a:t>expose</a:t>
             </a:r>
             <a:endParaRPr lang="en-US" altLang="zh-CN" sz="2400"/>
           </a:p>
           <a:p>
-            <a:pPr lvl="1"/>
-            <a:r>
-              <a:rPr lang="en-US" altLang="zh-CN" sz="2400"/>
-              <a:t>eval "$(docker-machine env dev)"	# make a machine active</a:t>
-            </a:r>
-            <a:endParaRPr lang="en-US" altLang="zh-CN" sz="2400"/>
+            <a:pPr lvl="2"/>
+            <a:r>
+              <a:rPr lang="en-US" altLang="zh-CN" sz="2160"/>
+              <a:t>ports are not exposed to host machine, only exposed to linked services</a:t>
+            </a:r>
+            <a:endParaRPr lang="en-US" altLang="zh-CN" sz="2160"/>
           </a:p>
           <a:p>
             <a:endParaRPr lang="zh-CN" altLang="en-US"/>
@@ -4550,6 +5354,148 @@
           <a:p>
             <a:r>
               <a:rPr lang="en-US" altLang="zh-CN"/>
+              <a:t>Docker Machine</a:t>
+            </a:r>
+            <a:endParaRPr lang="en-US" altLang="zh-CN"/>
+          </a:p>
+        </p:txBody>
+      </p:sp>
+      <p:sp>
+        <p:nvSpPr>
+          <p:cNvPr id="3" name="内容占位符 2"/>
+          <p:cNvSpPr>
+            <a:spLocks noGrp="1"/>
+          </p:cNvSpPr>
+          <p:nvPr>
+            <p:ph idx="1"/>
+          </p:nvPr>
+        </p:nvSpPr>
+        <p:spPr/>
+        <p:txBody>
+          <a:bodyPr/>
+          <a:p>
+            <a:pPr lvl="0"/>
+            <a:r>
+              <a:rPr lang="en-US" altLang="zh-CN" sz="2400">
+                <a:sym typeface="+mn-ea"/>
+              </a:rPr>
+              <a:t>docker-machine commands</a:t>
+            </a:r>
+            <a:endParaRPr lang="en-US" altLang="zh-CN" sz="2400"/>
+          </a:p>
+          <a:p>
+            <a:pPr lvl="1"/>
+            <a:r>
+              <a:rPr lang="en-US" altLang="zh-CN" sz="2400">
+                <a:sym typeface="+mn-ea"/>
+              </a:rPr>
+              <a:t>docker-machine create  -d virtualbox {machine-name}</a:t>
+            </a:r>
+            <a:endParaRPr lang="en-US" altLang="zh-CN" sz="2400">
+              <a:sym typeface="+mn-ea"/>
+            </a:endParaRPr>
+          </a:p>
+          <a:p>
+            <a:pPr lvl="2"/>
+            <a:r>
+              <a:rPr lang="en-US" altLang="zh-CN" sz="2160">
+                <a:sym typeface="+mn-ea"/>
+              </a:rPr>
+              <a:t>-d/--driver: which provider the machine should be created on (VirtualBox, DigitalOcean, AWS, etc.)</a:t>
+            </a:r>
+            <a:endParaRPr lang="en-US" altLang="zh-CN" sz="2160"/>
+          </a:p>
+          <a:p>
+            <a:pPr lvl="1"/>
+            <a:r>
+              <a:rPr lang="en-US" altLang="zh-CN" sz="2400">
+                <a:sym typeface="+mn-ea"/>
+              </a:rPr>
+              <a:t>eval $(docker-machine env dev)</a:t>
+            </a:r>
+            <a:endParaRPr lang="en-US" altLang="zh-CN" sz="2400">
+              <a:sym typeface="+mn-ea"/>
+            </a:endParaRPr>
+          </a:p>
+          <a:p>
+            <a:pPr lvl="1" algn="l">
+              <a:buClrTx/>
+              <a:buSzTx/>
+            </a:pPr>
+            <a:r>
+              <a:rPr lang="en-US" altLang="zh-CN" sz="2400">
+                <a:sym typeface="+mn-ea"/>
+              </a:rPr>
+              <a:t>docker-machine ls</a:t>
+            </a:r>
+            <a:endParaRPr lang="en-US" altLang="zh-CN" sz="2400"/>
+          </a:p>
+          <a:p>
+            <a:pPr lvl="1"/>
+            <a:r>
+              <a:rPr lang="en-US" altLang="zh-CN" sz="2400"/>
+              <a:t>docker-machine ip default</a:t>
+            </a:r>
+            <a:endParaRPr lang="en-US" altLang="zh-CN" sz="2400"/>
+          </a:p>
+          <a:p>
+            <a:pPr lvl="1"/>
+            <a:r>
+              <a:rPr lang="en-US" altLang="zh-CN" sz="2400"/>
+              <a:t>docker-machine start {docker-machine-name}</a:t>
+            </a:r>
+            <a:endParaRPr lang="en-US" altLang="zh-CN" sz="2400"/>
+          </a:p>
+          <a:p>
+            <a:pPr lvl="1"/>
+            <a:r>
+              <a:rPr lang="en-US" altLang="zh-CN" sz="2400"/>
+              <a:t>eval "$(docker-machine env dev)"	# make a machine active</a:t>
+            </a:r>
+            <a:endParaRPr lang="en-US" altLang="zh-CN" sz="2400"/>
+          </a:p>
+          <a:p>
+            <a:endParaRPr lang="zh-CN" altLang="en-US"/>
+          </a:p>
+        </p:txBody>
+      </p:sp>
+    </p:spTree>
+    <p:custDataLst>
+      <p:tags r:id="rId1"/>
+    </p:custDataLst>
+  </p:cSld>
+  <p:clrMapOvr>
+    <a:masterClrMapping/>
+  </p:clrMapOvr>
+</p:sld>
+</file>
+
+<file path=ppt/slides/slide15.xml><?xml version="1.0" encoding="utf-8"?>
+<p:sld xmlns:a="http://schemas.openxmlformats.org/drawingml/2006/main" xmlns:r="http://schemas.openxmlformats.org/officeDocument/2006/relationships" xmlns:p="http://schemas.openxmlformats.org/presentationml/2006/main">
+  <p:cSld>
+    <p:spTree>
+      <p:nvGrpSpPr>
+        <p:cNvPr id="1" name=""/>
+        <p:cNvGrpSpPr/>
+        <p:nvPr/>
+      </p:nvGrpSpPr>
+      <p:grpSpPr/>
+      <p:sp>
+        <p:nvSpPr>
+          <p:cNvPr id="2" name="标题 1"/>
+          <p:cNvSpPr>
+            <a:spLocks noGrp="1"/>
+          </p:cNvSpPr>
+          <p:nvPr>
+            <p:ph type="title"/>
+          </p:nvPr>
+        </p:nvSpPr>
+        <p:spPr/>
+        <p:txBody>
+          <a:bodyPr/>
+          <a:p>
+            <a:r>
+              <a:rPr lang="en-US" altLang="zh-CN"/>
               <a:t>References</a:t>
             </a:r>
             <a:endParaRPr lang="en-US" altLang="zh-CN"/>
@@ -4590,6 +5536,79 @@
 </file>
 
 <file path=ppt/slides/slide2.xml><?xml version="1.0" encoding="utf-8"?>
+<p:sld xmlns:a="http://schemas.openxmlformats.org/drawingml/2006/main" xmlns:r="http://schemas.openxmlformats.org/officeDocument/2006/relationships" xmlns:p="http://schemas.openxmlformats.org/presentationml/2006/main">
+  <p:cSld>
+    <p:spTree>
+      <p:nvGrpSpPr>
+        <p:cNvPr id="1" name=""/>
+        <p:cNvGrpSpPr/>
+        <p:nvPr/>
+      </p:nvGrpSpPr>
+      <p:grpSpPr/>
+      <p:sp>
+        <p:nvSpPr>
+          <p:cNvPr id="2" name="标题 1"/>
+          <p:cNvSpPr>
+            <a:spLocks noGrp="1"/>
+          </p:cNvSpPr>
+          <p:nvPr>
+            <p:ph type="title"/>
+          </p:nvPr>
+        </p:nvSpPr>
+        <p:spPr/>
+        <p:txBody>
+          <a:bodyPr/>
+          <a:p>
+            <a:r>
+              <a:rPr lang="en-US" altLang="zh-CN"/>
+              <a:t>References</a:t>
+            </a:r>
+            <a:endParaRPr lang="en-US" altLang="zh-CN"/>
+          </a:p>
+        </p:txBody>
+      </p:sp>
+      <p:sp>
+        <p:nvSpPr>
+          <p:cNvPr id="3" name="内容占位符 2"/>
+          <p:cNvSpPr>
+            <a:spLocks noGrp="1"/>
+          </p:cNvSpPr>
+          <p:nvPr>
+            <p:ph idx="1"/>
+          </p:nvPr>
+        </p:nvSpPr>
+        <p:spPr/>
+        <p:txBody>
+          <a:bodyPr/>
+          <a:p>
+            <a:r>
+              <a:rPr lang="en-US" altLang="zh-CN"/>
+              <a:t>Dockerfile</a:t>
+            </a:r>
+            <a:endParaRPr lang="en-US" altLang="zh-CN"/>
+          </a:p>
+          <a:p>
+            <a:pPr lvl="1"/>
+            <a:r>
+              <a:rPr lang="zh-CN" altLang="en-US"/>
+              <a:t>https://docs.docker.com/develop/develop-images/dockerfile_best-practices/</a:t>
+            </a:r>
+            <a:endParaRPr lang="zh-CN" altLang="en-US"/>
+          </a:p>
+        </p:txBody>
+      </p:sp>
+    </p:spTree>
+    <p:custDataLst>
+      <p:tags r:id="rId1"/>
+    </p:custDataLst>
+  </p:cSld>
+  <p:clrMapOvr>
+    <a:masterClrMapping/>
+  </p:clrMapOvr>
+</p:sld>
+</file>
+
+<file path=ppt/slides/slide3.xml><?xml version="1.0" encoding="utf-8"?>
 <p:sld xmlns:a="http://schemas.openxmlformats.org/drawingml/2006/main" xmlns:r="http://schemas.openxmlformats.org/officeDocument/2006/relationships" xmlns:p="http://schemas.openxmlformats.org/presentationml/2006/main">
   <p:cSld>
     <p:spTree>
@@ -4781,175 +5800,6 @@
 </p:sld>
 </file>
 
-<file path=ppt/slides/slide3.xml><?xml version="1.0" encoding="utf-8"?>
-<p:sld xmlns:a="http://schemas.openxmlformats.org/drawingml/2006/main" xmlns:r="http://schemas.openxmlformats.org/officeDocument/2006/relationships" xmlns:p="http://schemas.openxmlformats.org/presentationml/2006/main">
-  <p:cSld>
-    <p:spTree>
-      <p:nvGrpSpPr>
-        <p:cNvPr id="1" name=""/>
-        <p:cNvGrpSpPr/>
-        <p:nvPr/>
-      </p:nvGrpSpPr>
-      <p:grpSpPr/>
-      <p:sp>
-        <p:nvSpPr>
-          <p:cNvPr id="2" name="标题 1"/>
-          <p:cNvSpPr>
-            <a:spLocks noGrp="1"/>
-          </p:cNvSpPr>
-          <p:nvPr>
-            <p:ph type="title"/>
-          </p:nvPr>
-        </p:nvSpPr>
-        <p:spPr/>
-        <p:txBody>
-          <a:bodyPr/>
-          <a:p>
-            <a:r>
-              <a:rPr lang="en-US" altLang="zh-CN"/>
-              <a:t>Install on Ubuntu16.04</a:t>
-            </a:r>
-            <a:endParaRPr lang="en-US" altLang="zh-CN"/>
-          </a:p>
-        </p:txBody>
-      </p:sp>
-      <p:sp>
-        <p:nvSpPr>
-          <p:cNvPr id="3" name="内容占位符 2"/>
-          <p:cNvSpPr>
-            <a:spLocks noGrp="1"/>
-          </p:cNvSpPr>
-          <p:nvPr>
-            <p:ph idx="1"/>
-          </p:nvPr>
-        </p:nvSpPr>
-        <p:spPr>
-          <a:xfrm>
-            <a:off x="838200" y="1211580"/>
-            <a:ext cx="10515600" cy="5226685"/>
-          </a:xfrm>
-        </p:spPr>
-        <p:txBody>
-          <a:bodyPr>
-            <a:normAutofit/>
-          </a:bodyPr>
-          <a:p>
-            <a:pPr fontAlgn="auto">
-              <a:lnSpc>
-                <a:spcPct val="100000"/>
-              </a:lnSpc>
-            </a:pPr>
-            <a:r>
-              <a:rPr lang="en-US" altLang="zh-CN"/>
-              <a:t>Install Docker Engine - Community (deb)</a:t>
-            </a:r>
-            <a:endParaRPr lang="en-US" altLang="zh-CN"/>
-          </a:p>
-          <a:p>
-            <a:pPr lvl="1" fontAlgn="auto">
-              <a:lnSpc>
-                <a:spcPct val="100000"/>
-              </a:lnSpc>
-            </a:pPr>
-            <a:r>
-              <a:rPr lang="en-US" altLang="zh-CN" sz="2000"/>
-              <a:t>Download and install .deb for docker-ce docker-ce-cli, and containerd.io from https://download.docker.com/linux/ubuntu/dists/</a:t>
-            </a:r>
-            <a:endParaRPr lang="en-US" altLang="zh-CN" sz="2000"/>
-          </a:p>
-          <a:p>
-            <a:pPr lvl="1" fontAlgn="auto">
-              <a:lnSpc>
-                <a:spcPct val="100000"/>
-              </a:lnSpc>
-            </a:pPr>
-            <a:r>
-              <a:rPr lang="en-US" altLang="zh-CN" sz="2000"/>
-              <a:t>sudo docker run hello-world	# test installation</a:t>
-            </a:r>
-            <a:endParaRPr lang="en-US" altLang="zh-CN" sz="2000"/>
-          </a:p>
-          <a:p>
-            <a:pPr fontAlgn="auto">
-              <a:lnSpc>
-                <a:spcPct val="100000"/>
-              </a:lnSpc>
-            </a:pPr>
-            <a:r>
-              <a:rPr lang="en-US" altLang="zh-CN"/>
-              <a:t>Install Docker Compose</a:t>
-            </a:r>
-            <a:endParaRPr lang="en-US" altLang="zh-CN"/>
-          </a:p>
-          <a:p>
-            <a:pPr lvl="1" fontAlgn="auto">
-              <a:lnSpc>
-                <a:spcPct val="100000"/>
-              </a:lnSpc>
-            </a:pPr>
-            <a:r>
-              <a:rPr lang="en-US" altLang="zh-CN"/>
-              <a:t>sudo curl -L "https://github.com/docker/compose/releases/download/1.25.3/docker-compose-$(uname -s)-$(uname -m)" -o /usr/local/bin/docker-compose	# slow</a:t>
-            </a:r>
-            <a:endParaRPr lang="en-US" altLang="zh-CN"/>
-          </a:p>
-          <a:p>
-            <a:pPr lvl="1" fontAlgn="auto">
-              <a:lnSpc>
-                <a:spcPct val="100000"/>
-              </a:lnSpc>
-            </a:pPr>
-            <a:r>
-              <a:rPr lang="en-US" altLang="zh-CN"/>
-              <a:t>sudo curl -L https://get.daocloud.io/docker/compose/releases/download/1.25.3/docker-compose-`uname -s`-`uname -m` -o /usr/local/bin/docker-compose</a:t>
-            </a:r>
-            <a:endParaRPr lang="en-US" altLang="zh-CN"/>
-          </a:p>
-          <a:p>
-            <a:pPr lvl="1" fontAlgn="auto">
-              <a:lnSpc>
-                <a:spcPct val="100000"/>
-              </a:lnSpc>
-            </a:pPr>
-            <a:r>
-              <a:rPr lang="en-US" altLang="zh-CN"/>
-              <a:t>sudo chmod +x /usr/local/bin/docker-compose</a:t>
-            </a:r>
-            <a:endParaRPr lang="en-US" altLang="zh-CN"/>
-          </a:p>
-          <a:p>
-            <a:pPr lvl="1" fontAlgn="auto">
-              <a:lnSpc>
-                <a:spcPct val="100000"/>
-              </a:lnSpc>
-            </a:pPr>
-            <a:r>
-              <a:rPr lang="en-US" altLang="zh-CN"/>
-              <a:t>docker-compose --version	# test installation</a:t>
-            </a:r>
-            <a:endParaRPr lang="en-US" altLang="zh-CN"/>
-          </a:p>
-          <a:p>
-            <a:pPr lvl="0" fontAlgn="auto">
-              <a:lnSpc>
-                <a:spcPct val="100000"/>
-              </a:lnSpc>
-            </a:pPr>
-            <a:endParaRPr lang="en-US" altLang="zh-CN"/>
-          </a:p>
-        </p:txBody>
-      </p:sp>
-    </p:spTree>
-    <p:custDataLst>
-      <p:tags r:id="rId1"/>
-    </p:custDataLst>
-  </p:cSld>
-  <p:clrMapOvr>
-    <a:masterClrMapping/>
-  </p:clrMapOvr>
-</p:sld>
-</file>
-
 <file path=ppt/slides/slide4.xml><?xml version="1.0" encoding="utf-8"?>
 <p:sld xmlns:a="http://schemas.openxmlformats.org/drawingml/2006/main" xmlns:r="http://schemas.openxmlformats.org/officeDocument/2006/relationships" xmlns:p="http://schemas.openxmlformats.org/presentationml/2006/main">
   <p:cSld>
@@ -4976,7 +5826,7 @@
           <a:p>
             <a:r>
               <a:rPr lang="en-US" altLang="zh-CN"/>
-              <a:t>Install On Ubuntu 16.04</a:t>
+              <a:t>Install on Ubuntu16.04</a:t>
             </a:r>
             <a:endParaRPr lang="en-US" altLang="zh-CN"/>
           </a:p>
@@ -4992,129 +5842,119 @@
             <p:ph idx="1"/>
           </p:nvPr>
         </p:nvSpPr>
-        <p:spPr/>
+        <p:spPr>
+          <a:xfrm>
+            <a:off x="838200" y="1211580"/>
+            <a:ext cx="10515600" cy="5226685"/>
+          </a:xfrm>
+        </p:spPr>
         <p:txBody>
           <a:bodyPr>
-            <a:normAutofit lnSpcReduction="10000"/>
+            <a:normAutofit/>
           </a:bodyPr>
+          <a:p>
+            <a:pPr fontAlgn="auto">
+              <a:lnSpc>
+                <a:spcPct val="100000"/>
+              </a:lnSpc>
+            </a:pPr>
+            <a:r>
+              <a:rPr lang="en-US" altLang="zh-CN"/>
+              <a:t>Install Docker Engine - Community (deb)</a:t>
+            </a:r>
+            <a:endParaRPr lang="en-US" altLang="zh-CN"/>
+          </a:p>
+          <a:p>
+            <a:pPr lvl="1" fontAlgn="auto">
+              <a:lnSpc>
+                <a:spcPct val="100000"/>
+              </a:lnSpc>
+            </a:pPr>
+            <a:r>
+              <a:rPr lang="en-US" altLang="zh-CN" sz="2000"/>
+              <a:t>Download and install .deb for docker-ce docker-ce-cli, and containerd.io from https://download.docker.com/linux/ubuntu/dists/</a:t>
+            </a:r>
+            <a:endParaRPr lang="en-US" altLang="zh-CN" sz="2000"/>
+          </a:p>
+          <a:p>
+            <a:pPr lvl="1" fontAlgn="auto">
+              <a:lnSpc>
+                <a:spcPct val="100000"/>
+              </a:lnSpc>
+            </a:pPr>
+            <a:r>
+              <a:rPr lang="en-US" altLang="zh-CN" sz="2000"/>
+              <a:t>sudo docker run hello-world	# test installation</a:t>
+            </a:r>
+            <a:endParaRPr lang="en-US" altLang="zh-CN" sz="2000"/>
+          </a:p>
+          <a:p>
+            <a:pPr fontAlgn="auto">
+              <a:lnSpc>
+                <a:spcPct val="100000"/>
+              </a:lnSpc>
+            </a:pPr>
+            <a:r>
+              <a:rPr lang="en-US" altLang="zh-CN"/>
+              <a:t>Install Docker Compose</a:t>
+            </a:r>
+            <a:endParaRPr lang="en-US" altLang="zh-CN"/>
+          </a:p>
+          <a:p>
+            <a:pPr lvl="1" fontAlgn="auto">
+              <a:lnSpc>
+                <a:spcPct val="100000"/>
+              </a:lnSpc>
+            </a:pPr>
+            <a:r>
+              <a:rPr lang="en-US" altLang="zh-CN"/>
+              <a:t>sudo curl -L "https://github.com/docker/compose/releases/download/1.25.3/docker-compose-$(uname -s)-$(uname -m)" -o /usr/local/bin/docker-compose	# slow</a:t>
+            </a:r>
+            <a:endParaRPr lang="en-US" altLang="zh-CN"/>
+          </a:p>
+          <a:p>
+            <a:pPr lvl="1" fontAlgn="auto">
+              <a:lnSpc>
+                <a:spcPct val="100000"/>
+              </a:lnSpc>
+            </a:pPr>
+            <a:r>
+              <a:rPr lang="en-US" altLang="zh-CN"/>
+              <a:t>sudo curl -L https://get.daocloud.io/docker/compose/releases/download/1.25.3/docker-compose-`uname -s`-`uname -m` -o /usr/local/bin/docker-compose</a:t>
+            </a:r>
+            <a:endParaRPr lang="en-US" altLang="zh-CN"/>
+          </a:p>
+          <a:p>
+            <a:pPr lvl="1" fontAlgn="auto">
+              <a:lnSpc>
+                <a:spcPct val="100000"/>
+              </a:lnSpc>
+            </a:pPr>
+            <a:r>
+              <a:rPr lang="en-US" altLang="zh-CN"/>
+              <a:t>sudo chmod +x /usr/local/bin/docker-compose</a:t>
+            </a:r>
+            <a:endParaRPr lang="en-US" altLang="zh-CN"/>
+          </a:p>
+          <a:p>
+            <a:pPr lvl="1" fontAlgn="auto">
+              <a:lnSpc>
+                <a:spcPct val="100000"/>
+              </a:lnSpc>
+            </a:pPr>
+            <a:r>
+              <a:rPr lang="en-US" altLang="zh-CN"/>
+              <a:t>docker-compose --version	# test installation</a:t>
+            </a:r>
+            <a:endParaRPr lang="en-US" altLang="zh-CN"/>
+          </a:p>
           <a:p>
             <a:pPr lvl="0" fontAlgn="auto">
               <a:lnSpc>
                 <a:spcPct val="100000"/>
               </a:lnSpc>
             </a:pPr>
-            <a:r>
-              <a:rPr lang="en-US" altLang="zh-CN" sz="2400">
-                <a:sym typeface="+mn-ea"/>
-              </a:rPr>
-              <a:t>Install Docker Machine</a:t>
-            </a:r>
-            <a:endParaRPr lang="en-US" altLang="zh-CN" sz="2400"/>
-          </a:p>
-          <a:p>
-            <a:pPr lvl="1" fontAlgn="auto">
-              <a:lnSpc>
-                <a:spcPct val="100000"/>
-              </a:lnSpc>
-            </a:pPr>
-            <a:r>
-              <a:rPr lang="en-US" altLang="zh-CN" sz="2400">
-                <a:sym typeface="+mn-ea"/>
-              </a:rPr>
-              <a:t>Download docker-machine from https://github.com/docker/machine/releases/download/</a:t>
-            </a:r>
-            <a:endParaRPr lang="en-US" altLang="zh-CN" sz="2400"/>
-          </a:p>
-          <a:p>
-            <a:pPr lvl="1" fontAlgn="auto">
-              <a:lnSpc>
-                <a:spcPct val="100000"/>
-              </a:lnSpc>
-            </a:pPr>
-            <a:r>
-              <a:rPr lang="en-US" altLang="zh-CN" sz="2400">
-                <a:sym typeface="+mn-ea"/>
-              </a:rPr>
-              <a:t>docker-machine --version	# test installation</a:t>
-            </a:r>
-            <a:endParaRPr lang="en-US" altLang="zh-CN" sz="2400"/>
-          </a:p>
-          <a:p>
-            <a:pPr lvl="1" fontAlgn="auto">
-              <a:lnSpc>
-                <a:spcPct val="100000"/>
-              </a:lnSpc>
-            </a:pPr>
-            <a:r>
-              <a:rPr lang="en-US" altLang="zh-CN" sz="2400">
-                <a:sym typeface="+mn-ea"/>
-              </a:rPr>
-              <a:t>wget -q https://www.virtualbox.org/download/oracle_vbox_2016.asc -O- | sudo apt-key add -</a:t>
-            </a:r>
-            <a:endParaRPr lang="en-US" altLang="zh-CN" sz="2400"/>
-          </a:p>
-          <a:p>
-            <a:pPr lvl="1" fontAlgn="auto">
-              <a:lnSpc>
-                <a:spcPct val="100000"/>
-              </a:lnSpc>
-            </a:pPr>
-            <a:r>
-              <a:rPr lang="en-US" altLang="zh-CN" sz="2400">
-                <a:sym typeface="+mn-ea"/>
-              </a:rPr>
-              <a:t>wget -q https://www.virtualbox.org/download/oracle_vbox.asc -O- | sudo apt-key add -</a:t>
-            </a:r>
-            <a:endParaRPr lang="en-US" altLang="zh-CN" sz="2400"/>
-          </a:p>
-          <a:p>
-            <a:pPr lvl="1" fontAlgn="auto">
-              <a:lnSpc>
-                <a:spcPct val="100000"/>
-              </a:lnSpc>
-            </a:pPr>
-            <a:r>
-              <a:rPr lang="en-US" altLang="zh-CN" sz="2400">
-                <a:sym typeface="+mn-ea"/>
-              </a:rPr>
-              <a:t>sudo sh -c 'echo "deb http://download.virtualbox.org/virtualbox/debian $(lsb_release -sc) contrib" &gt;&gt; /etc/apt/sources.list.d/virtualbox.list'</a:t>
-            </a:r>
-            <a:endParaRPr lang="en-US" altLang="zh-CN" sz="2400">
-              <a:sym typeface="+mn-ea"/>
-            </a:endParaRPr>
-          </a:p>
-          <a:p>
-            <a:pPr lvl="1" fontAlgn="auto">
-              <a:lnSpc>
-                <a:spcPct val="100000"/>
-              </a:lnSpc>
-            </a:pPr>
-            <a:r>
-              <a:rPr lang="en-US" altLang="zh-CN" sz="2400">
-                <a:sym typeface="+mn-ea"/>
-              </a:rPr>
-              <a:t>sudo apt update</a:t>
-            </a:r>
-            <a:endParaRPr lang="en-US" altLang="zh-CN" sz="2400">
-              <a:sym typeface="+mn-ea"/>
-            </a:endParaRPr>
-          </a:p>
-          <a:p>
-            <a:pPr lvl="1" fontAlgn="auto">
-              <a:lnSpc>
-                <a:spcPct val="100000"/>
-              </a:lnSpc>
-            </a:pPr>
-            <a:r>
-              <a:rPr lang="en-US" altLang="zh-CN" sz="2400">
-                <a:sym typeface="+mn-ea"/>
-              </a:rPr>
-              <a:t>sudo apt install virtualbox</a:t>
-            </a:r>
-            <a:endParaRPr lang="en-US" altLang="zh-CN" sz="2400"/>
-          </a:p>
-          <a:p>
-            <a:endParaRPr lang="zh-CN" altLang="en-US"/>
+            <a:endParaRPr lang="en-US" altLang="zh-CN"/>
           </a:p>
         </p:txBody>
       </p:sp>
@@ -5155,7 +5995,7 @@
           <a:p>
             <a:r>
               <a:rPr lang="en-US" altLang="zh-CN"/>
-              <a:t>Install On Aliyun Ubuntu 16.04</a:t>
+              <a:t>Install On Ubuntu 16.04</a:t>
             </a:r>
             <a:endParaRPr lang="en-US" altLang="zh-CN"/>
           </a:p>
@@ -5173,45 +6013,124 @@
         </p:nvSpPr>
         <p:spPr/>
         <p:txBody>
-          <a:bodyPr/>
-          <a:p>
-            <a:r>
-              <a:rPr lang="en-US" altLang="zh-CN"/>
-              <a:t>Docker Engine</a:t>
-            </a:r>
-            <a:endParaRPr lang="en-US" altLang="zh-CN"/>
-          </a:p>
-          <a:p>
-            <a:pPr lvl="1"/>
-            <a:r>
-              <a:rPr lang="zh-CN" altLang="en-US"/>
-              <a:t>sudo curl -fsSL https://get.docker.com | bash -s docker --mirror Aliyun</a:t>
-            </a:r>
-            <a:endParaRPr lang="zh-CN" altLang="en-US"/>
-          </a:p>
-          <a:p>
-            <a:pPr lvl="1"/>
-            <a:r>
-              <a:rPr lang="zh-CN" altLang="en-US"/>
-              <a:t>sudo -E sh -c 'apt-get install -y -qq --no-install-recommends docker-ce &gt;/dev/null'</a:t>
-            </a:r>
-            <a:endParaRPr lang="zh-CN" altLang="en-US"/>
-          </a:p>
-          <a:p>
-            <a:pPr lvl="1"/>
-            <a:r>
-              <a:rPr lang="zh-CN" altLang="en-US"/>
-              <a:t>sudo -E sh -c 'docker version'</a:t>
-            </a:r>
-            <a:endParaRPr lang="zh-CN" altLang="en-US"/>
-          </a:p>
-          <a:p>
-            <a:pPr lvl="1"/>
-            <a:r>
-              <a:rPr lang="en-US" altLang="zh-CN"/>
-              <a:t>sudo docker run hello-world	# test install</a:t>
-            </a:r>
-            <a:endParaRPr lang="zh-CN" altLang="en-US"/>
+          <a:bodyPr>
+            <a:normAutofit lnSpcReduction="10000"/>
+          </a:bodyPr>
+          <a:p>
+            <a:pPr lvl="0" fontAlgn="auto">
+              <a:lnSpc>
+                <a:spcPct val="100000"/>
+              </a:lnSpc>
+            </a:pPr>
+            <a:r>
+              <a:rPr lang="en-US" altLang="zh-CN" sz="2400">
+                <a:sym typeface="+mn-ea"/>
+              </a:rPr>
+              <a:t>Install Docker Machine</a:t>
+            </a:r>
+            <a:endParaRPr lang="en-US" altLang="zh-CN" sz="2400"/>
+          </a:p>
+          <a:p>
+            <a:pPr lvl="1" fontAlgn="auto">
+              <a:lnSpc>
+                <a:spcPct val="100000"/>
+              </a:lnSpc>
+            </a:pPr>
+            <a:r>
+              <a:rPr lang="en-US" altLang="zh-CN" sz="2400">
+                <a:sym typeface="+mn-ea"/>
+              </a:rPr>
+              <a:t>Download docker-machine from https://github.com/docker/machine/releases/download/</a:t>
+            </a:r>
+            <a:endParaRPr lang="en-US" altLang="zh-CN" sz="2400"/>
+          </a:p>
+          <a:p>
+            <a:pPr lvl="1" fontAlgn="auto">
+              <a:lnSpc>
+                <a:spcPct val="100000"/>
+              </a:lnSpc>
+            </a:pPr>
+            <a:r>
+              <a:rPr lang="en-US" altLang="zh-CN" sz="2400">
+                <a:sym typeface="+mn-ea"/>
+              </a:rPr>
+              <a:t>docker-machine --version	# test installation</a:t>
+            </a:r>
+            <a:endParaRPr lang="en-US" altLang="zh-CN" sz="2400"/>
+          </a:p>
+          <a:p>
+            <a:pPr lvl="1" fontAlgn="auto">
+              <a:lnSpc>
+                <a:spcPct val="100000"/>
+              </a:lnSpc>
+            </a:pPr>
+            <a:r>
+              <a:rPr lang="en-US" altLang="zh-CN" sz="2400">
+                <a:sym typeface="+mn-ea"/>
+              </a:rPr>
+              <a:t>wget -q https://www.virtualbox.org/download/oracle_vbox_2016.asc -O- | sudo apt-key add -</a:t>
+            </a:r>
+            <a:endParaRPr lang="en-US" altLang="zh-CN" sz="2400"/>
+          </a:p>
+          <a:p>
+            <a:pPr lvl="1" fontAlgn="auto">
+              <a:lnSpc>
+                <a:spcPct val="100000"/>
+              </a:lnSpc>
+            </a:pPr>
+            <a:r>
+              <a:rPr lang="en-US" altLang="zh-CN" sz="2400">
+                <a:sym typeface="+mn-ea"/>
+              </a:rPr>
+              <a:t>wget -q https://www.virtualbox.org/download/oracle_vbox.asc -O- | sudo apt-key add -</a:t>
+            </a:r>
+            <a:endParaRPr lang="en-US" altLang="zh-CN" sz="2400"/>
+          </a:p>
+          <a:p>
+            <a:pPr lvl="1" fontAlgn="auto">
+              <a:lnSpc>
+                <a:spcPct val="100000"/>
+              </a:lnSpc>
+            </a:pPr>
+            <a:r>
+              <a:rPr lang="en-US" altLang="zh-CN" sz="2400">
+                <a:sym typeface="+mn-ea"/>
+              </a:rPr>
+              <a:t>sudo sh -c 'echo "deb http://download.virtualbox.org/virtualbox/debian $(lsb_release -sc) contrib" &gt;&gt; /etc/apt/sources.list.d/virtualbox.list'</a:t>
+            </a:r>
+            <a:endParaRPr lang="en-US" altLang="zh-CN" sz="2400">
+              <a:sym typeface="+mn-ea"/>
+            </a:endParaRPr>
+          </a:p>
+          <a:p>
+            <a:pPr lvl="1" fontAlgn="auto">
+              <a:lnSpc>
+                <a:spcPct val="100000"/>
+              </a:lnSpc>
+            </a:pPr>
+            <a:r>
+              <a:rPr lang="en-US" altLang="zh-CN" sz="2400">
+                <a:sym typeface="+mn-ea"/>
+              </a:rPr>
+              <a:t>sudo apt update</a:t>
+            </a:r>
+            <a:endParaRPr lang="en-US" altLang="zh-CN" sz="2400">
+              <a:sym typeface="+mn-ea"/>
+            </a:endParaRPr>
+          </a:p>
+          <a:p>
+            <a:pPr lvl="1" fontAlgn="auto">
+              <a:lnSpc>
+                <a:spcPct val="100000"/>
+              </a:lnSpc>
+            </a:pPr>
+            <a:r>
+              <a:rPr lang="en-US" altLang="zh-CN" sz="2400">
+                <a:sym typeface="+mn-ea"/>
+              </a:rPr>
+              <a:t>sudo apt install virtualbox</a:t>
+            </a:r>
+            <a:endParaRPr lang="en-US" altLang="zh-CN" sz="2400"/>
           </a:p>
           <a:p>
             <a:endParaRPr lang="zh-CN" altLang="en-US"/>
@@ -5230,6 +6149,106 @@
 </file>
 
 <file path=ppt/slides/slide6.xml><?xml version="1.0" encoding="utf-8"?>
+<p:sld xmlns:a="http://schemas.openxmlformats.org/drawingml/2006/main" xmlns:r="http://schemas.openxmlformats.org/officeDocument/2006/relationships" xmlns:p="http://schemas.openxmlformats.org/presentationml/2006/main">
+  <p:cSld>
+    <p:spTree>
+      <p:nvGrpSpPr>
+        <p:cNvPr id="1" name=""/>
+        <p:cNvGrpSpPr/>
+        <p:nvPr/>
+      </p:nvGrpSpPr>
+      <p:grpSpPr/>
+      <p:sp>
+        <p:nvSpPr>
+          <p:cNvPr id="2" name="标题 1"/>
+          <p:cNvSpPr>
+            <a:spLocks noGrp="1"/>
+          </p:cNvSpPr>
+          <p:nvPr>
+            <p:ph type="title"/>
+          </p:nvPr>
+        </p:nvSpPr>
+        <p:spPr/>
+        <p:txBody>
+          <a:bodyPr/>
+          <a:p>
+            <a:r>
+              <a:rPr lang="en-US" altLang="zh-CN"/>
+              <a:t>Install On Aliyun Ubuntu 16.04</a:t>
+            </a:r>
+            <a:endParaRPr lang="en-US" altLang="zh-CN"/>
+          </a:p>
+        </p:txBody>
+      </p:sp>
+      <p:sp>
+        <p:nvSpPr>
+          <p:cNvPr id="3" name="内容占位符 2"/>
+          <p:cNvSpPr>
+            <a:spLocks noGrp="1"/>
+          </p:cNvSpPr>
+          <p:nvPr>
+            <p:ph idx="1"/>
+          </p:nvPr>
+        </p:nvSpPr>
+        <p:spPr/>
+        <p:txBody>
+          <a:bodyPr/>
+          <a:p>
+            <a:r>
+              <a:rPr lang="en-US" altLang="zh-CN"/>
+              <a:t>Docker Engine</a:t>
+            </a:r>
+            <a:endParaRPr lang="en-US" altLang="zh-CN"/>
+          </a:p>
+          <a:p>
+            <a:pPr lvl="1"/>
+            <a:r>
+              <a:rPr lang="zh-CN" altLang="en-US"/>
+              <a:t>sudo curl -fsSL https://get.docker.com | bash -s docker --mirror Aliyun</a:t>
+            </a:r>
+            <a:endParaRPr lang="zh-CN" altLang="en-US"/>
+          </a:p>
+          <a:p>
+            <a:pPr lvl="1"/>
+            <a:r>
+              <a:rPr lang="zh-CN" altLang="en-US"/>
+              <a:t>sudo -E sh -c 'apt-get install -y -qq --no-install-recommends docker-ce &gt;/dev/null'</a:t>
+            </a:r>
+            <a:endParaRPr lang="zh-CN" altLang="en-US"/>
+          </a:p>
+          <a:p>
+            <a:pPr lvl="1"/>
+            <a:r>
+              <a:rPr lang="zh-CN" altLang="en-US"/>
+              <a:t>sudo -E sh -c 'docker version'</a:t>
+            </a:r>
+            <a:endParaRPr lang="zh-CN" altLang="en-US"/>
+          </a:p>
+          <a:p>
+            <a:pPr lvl="1"/>
+            <a:r>
+              <a:rPr lang="en-US" altLang="zh-CN"/>
+              <a:t>sudo docker run hello-world	# test install</a:t>
+            </a:r>
+            <a:endParaRPr lang="zh-CN" altLang="en-US"/>
+          </a:p>
+          <a:p>
+            <a:endParaRPr lang="zh-CN" altLang="en-US"/>
+          </a:p>
+        </p:txBody>
+      </p:sp>
+    </p:spTree>
+    <p:custDataLst>
+      <p:tags r:id="rId1"/>
+    </p:custDataLst>
+  </p:cSld>
+  <p:clrMapOvr>
+    <a:masterClrMapping/>
+  </p:clrMapOvr>
+</p:sld>
+</file>
+
+<file path=ppt/slides/slide7.xml><?xml version="1.0" encoding="utf-8"?>
 <p:sld xmlns:a="http://schemas.openxmlformats.org/drawingml/2006/main" xmlns:r="http://schemas.openxmlformats.org/officeDocument/2006/relationships" xmlns:p="http://schemas.openxmlformats.org/presentationml/2006/main">
   <p:cSld>
     <p:spTree>
@@ -5549,7 +6568,7 @@
 </p:sld>
 </file>
 
-<file path=ppt/slides/slide7.xml><?xml version="1.0" encoding="utf-8"?>
+<file path=ppt/slides/slide8.xml><?xml version="1.0" encoding="utf-8"?>
 <p:sld xmlns:a="http://schemas.openxmlformats.org/drawingml/2006/main" xmlns:r="http://schemas.openxmlformats.org/officeDocument/2006/relationships" xmlns:p="http://schemas.openxmlformats.org/presentationml/2006/main">
   <p:cSld>
     <p:spTree>
@@ -5926,7 +6945,7 @@
 </p:sld>
 </file>
 
-<file path=ppt/slides/slide8.xml><?xml version="1.0" encoding="utf-8"?>
+<file path=ppt/slides/slide9.xml><?xml version="1.0" encoding="utf-8"?>
 <p:sld xmlns:a="http://schemas.openxmlformats.org/drawingml/2006/main" xmlns:r="http://schemas.openxmlformats.org/officeDocument/2006/relationships" xmlns:p="http://schemas.openxmlformats.org/presentationml/2006/main">
   <p:cSld>
     <p:spTree>
@@ -5987,250 +7006,6 @@
     </p:spTree>
     <p:custDataLst>
       <p:tags r:id="rId2"/>
-    </p:custDataLst>
-  </p:cSld>
-  <p:clrMapOvr>
-    <a:masterClrMapping/>
-  </p:clrMapOvr>
-</p:sld>
-</file>
-
-<file path=ppt/slides/slide9.xml><?xml version="1.0" encoding="utf-8"?>
-<p:sld xmlns:a="http://schemas.openxmlformats.org/drawingml/2006/main" xmlns:r="http://schemas.openxmlformats.org/officeDocument/2006/relationships" xmlns:p="http://schemas.openxmlformats.org/presentationml/2006/main">
-  <p:cSld>
-    <p:spTree>
-      <p:nvGrpSpPr>
-        <p:cNvPr id="1" name=""/>
-        <p:cNvGrpSpPr/>
-        <p:nvPr/>
-      </p:nvGrpSpPr>
-      <p:grpSpPr/>
-      <p:sp>
-        <p:nvSpPr>
-          <p:cNvPr id="2" name="标题 1"/>
-          <p:cNvSpPr>
-            <a:spLocks noGrp="1"/>
-          </p:cNvSpPr>
-          <p:nvPr>
-            <p:ph type="title"/>
-          </p:nvPr>
-        </p:nvSpPr>
-        <p:spPr/>
-        <p:txBody>
-          <a:bodyPr/>
-          <a:p>
-            <a:r>
-              <a:rPr lang="en-US" altLang="zh-CN"/>
-              <a:t>Docker</a:t>
-            </a:r>
-            <a:endParaRPr lang="en-US" altLang="zh-CN"/>
-          </a:p>
-        </p:txBody>
-      </p:sp>
-      <p:sp>
-        <p:nvSpPr>
-          <p:cNvPr id="3" name="内容占位符 2"/>
-          <p:cNvSpPr>
-            <a:spLocks noGrp="1"/>
-          </p:cNvSpPr>
-          <p:nvPr>
-            <p:ph idx="1"/>
-          </p:nvPr>
-        </p:nvSpPr>
-        <p:spPr>
-          <a:xfrm>
-            <a:off x="838200" y="1211580"/>
-            <a:ext cx="10515600" cy="5410200"/>
-          </a:xfrm>
-        </p:spPr>
-        <p:txBody>
-          <a:bodyPr>
-            <a:normAutofit fontScale="90000" lnSpcReduction="20000"/>
-          </a:bodyPr>
-          <a:p>
-            <a:r>
-              <a:rPr lang="en-US" altLang="zh-CN"/>
-              <a:t>docker commands</a:t>
-            </a:r>
-            <a:endParaRPr lang="en-US" altLang="zh-CN"/>
-          </a:p>
-          <a:p>
-            <a:pPr lvl="1"/>
-            <a:r>
-              <a:rPr lang="en-US" altLang="zh-CN"/>
-              <a:t>docker version/info</a:t>
-            </a:r>
-            <a:endParaRPr lang="en-US" altLang="zh-CN"/>
-          </a:p>
-          <a:p>
-            <a:pPr lvl="1"/>
-            <a:r>
-              <a:rPr lang="en-US" altLang="zh-CN"/>
-              <a:t>docker pull busybox	// pull busy image from docker registry</a:t>
-            </a:r>
-            <a:endParaRPr lang="en-US" altLang="zh-CN"/>
-          </a:p>
-          <a:p>
-            <a:pPr lvl="1"/>
-            <a:r>
-              <a:rPr lang="en-US" altLang="zh-CN">
-                <a:sym typeface="+mn-ea"/>
-              </a:rPr>
-              <a:t>docker run {image-name}	// create a new container and run an image</a:t>
-            </a:r>
-            <a:endParaRPr lang="en-US" altLang="zh-CN">
-              <a:sym typeface="+mn-ea"/>
-            </a:endParaRPr>
-          </a:p>
-          <a:p>
-            <a:pPr lvl="2"/>
-            <a:r>
-              <a:rPr lang="en-US" altLang="zh-CN" sz="1800">
-                <a:sym typeface="+mn-ea"/>
-              </a:rPr>
-              <a:t>-it	// interactive</a:t>
-            </a:r>
-            <a:endParaRPr lang="en-US" altLang="zh-CN" sz="1800">
-              <a:sym typeface="+mn-ea"/>
-            </a:endParaRPr>
-          </a:p>
-          <a:p>
-            <a:pPr lvl="2"/>
-            <a:r>
-              <a:rPr lang="en-US" altLang="zh-CN"/>
-              <a:t>-p {port-number-host}:{port-number-container}</a:t>
-            </a:r>
-            <a:endParaRPr lang="en-US" altLang="zh-CN"/>
-          </a:p>
-          <a:p>
-            <a:pPr lvl="2"/>
-            <a:r>
-              <a:rPr lang="en-US" altLang="zh-CN"/>
-              <a:t>-d	// daemon mode</a:t>
-            </a:r>
-            <a:endParaRPr lang="en-US" altLang="zh-CN"/>
-          </a:p>
-          <a:p>
-            <a:pPr lvl="2"/>
-            <a:r>
-              <a:rPr lang="en-US" altLang="zh-CN"/>
-              <a:t>--restart=always</a:t>
-            </a:r>
-            <a:endParaRPr lang="en-US" altLang="zh-CN"/>
-          </a:p>
-          <a:p>
-            <a:pPr lvl="1"/>
-            <a:r>
-              <a:rPr lang="en-US" altLang="zh-CN"/>
-              <a:t>docker images	// list installed images</a:t>
-            </a:r>
-            <a:endParaRPr lang="en-US" altLang="zh-CN"/>
-          </a:p>
-          <a:p>
-            <a:pPr lvl="1"/>
-            <a:r>
-              <a:rPr lang="en-US" altLang="zh-CN"/>
-              <a:t>docker image build -t {image-name} .</a:t>
-            </a:r>
-            <a:endParaRPr lang="en-US" altLang="zh-CN"/>
-          </a:p>
-          <a:p>
-            <a:pPr lvl="1"/>
-            <a:r>
-              <a:rPr lang="en-US" altLang="zh-CN"/>
-              <a:t>docker container run --name {container-name} {image-name}</a:t>
-            </a:r>
-            <a:endParaRPr lang="en-US" altLang="zh-CN"/>
-          </a:p>
-          <a:p>
-            <a:pPr lvl="1"/>
-            <a:r>
-              <a:rPr lang="en-US" altLang="zh-CN"/>
-              <a:t>docker container rm --force {container-name}</a:t>
-            </a:r>
-            <a:endParaRPr lang="en-US" altLang="zh-CN"/>
-          </a:p>
-          <a:p>
-            <a:pPr lvl="1"/>
-            <a:r>
-              <a:rPr lang="en-US" altLang="zh-CN"/>
-              <a:t>docker rmi {image-id}</a:t>
-            </a:r>
-            <a:endParaRPr lang="en-US" altLang="zh-CN"/>
-          </a:p>
-          <a:p>
-            <a:pPr lvl="1"/>
-            <a:r>
-              <a:rPr lang="en-US" altLang="zh-CN"/>
-              <a:t>docker inspect {image-name}</a:t>
-            </a:r>
-            <a:endParaRPr lang="en-US" altLang="zh-CN"/>
-          </a:p>
-          <a:p>
-            <a:pPr lvl="1"/>
-            <a:r>
-              <a:rPr lang="en-US" altLang="zh-CN"/>
-              <a:t>docker ps	// list containers</a:t>
-            </a:r>
-            <a:endParaRPr lang="en-US" altLang="zh-CN"/>
-          </a:p>
-          <a:p>
-            <a:pPr lvl="2"/>
-            <a:r>
-              <a:rPr lang="en-US" altLang="zh-CN" sz="1800"/>
-              <a:t>-a	// list all</a:t>
-            </a:r>
-            <a:endParaRPr lang="en-US" altLang="zh-CN" sz="1800"/>
-          </a:p>
-          <a:p>
-            <a:pPr lvl="1"/>
-            <a:r>
-              <a:rPr lang="en-US" altLang="zh-CN" sz="2000"/>
-              <a:t>docker history {image-id}</a:t>
-            </a:r>
-            <a:endParaRPr lang="en-US" altLang="zh-CN" sz="2000"/>
-          </a:p>
-          <a:p>
-            <a:pPr lvl="1"/>
-            <a:r>
-              <a:rPr lang="en-US" altLang="zh-CN"/>
-              <a:t>docker top/stats/attach/pause/unpause/kill/stop/rm {container-id}</a:t>
-            </a:r>
-            <a:endParaRPr lang="en-US" altLang="zh-CN"/>
-          </a:p>
-          <a:p>
-            <a:pPr lvl="1"/>
-            <a:r>
-              <a:rPr lang="en-US" altLang="zh-CN"/>
-              <a:t>service docker start/stop	// stop Docker daemon</a:t>
-            </a:r>
-            <a:endParaRPr lang="en-US" altLang="zh-CN"/>
-          </a:p>
-          <a:p>
-            <a:pPr lvl="1"/>
-            <a:r>
-              <a:rPr lang="en-US" altLang="zh-CN"/>
-              <a:t>docker network ls, docker network inspect {name}</a:t>
-            </a:r>
-            <a:endParaRPr lang="en-US" altLang="zh-CN"/>
-          </a:p>
-          <a:p>
-            <a:pPr lvl="1"/>
-            <a:r>
-              <a:rPr lang="en-US" altLang="zh-CN"/>
-              <a:t>docker exec -it &lt;container_name&gt; /bin/bash</a:t>
-            </a:r>
-            <a:endParaRPr lang="en-US" altLang="zh-CN"/>
-          </a:p>
-          <a:p>
-            <a:pPr lvl="0"/>
-            <a:endParaRPr lang="en-US" altLang="zh-CN"/>
-          </a:p>
-        </p:txBody>
-      </p:sp>
-    </p:spTree>
-    <p:custDataLst>
-      <p:tags r:id="rId1"/>
     </p:custDataLst>
   </p:cSld>
   <p:clrMapOvr>
@@ -6305,9 +7080,7 @@
 
 <file path=ppt/tags/tag17.xml><?xml version="1.0" encoding="utf-8"?>
 <p:tagLst xmlns:p="http://schemas.openxmlformats.org/presentationml/2006/main">
-  <p:tag name="KSO_WM_BEAUTIFY_FLAG" val="#wm#"/>
-  <p:tag name="KSO_WM_TEMPLATE_CATEGORY" val="custom"/>
-  <p:tag name="KSO_WM_TEMPLATE_INDEX" val="160402"/>
+  <p:tag name="KSO_WM_UNIT_TABLE_BEAUTIFY" val="smartTable{f3b8ad3b-3471-476b-85f1-dbcd5eb37b20}"/>
 </p:tagLst>
 </file>
 
@@ -6330,6 +7103,22 @@
 <file path=ppt/tags/tag2.xml><?xml version="1.0" encoding="utf-8"?>
 <p:tagLst xmlns:p="http://schemas.openxmlformats.org/presentationml/2006/main">
   <p:tag name="KSO_WM_TAG_VERSION" val="1.0"/>
+  <p:tag name="KSO_WM_TEMPLATE_CATEGORY" val="custom"/>
+  <p:tag name="KSO_WM_TEMPLATE_INDEX" val="160402"/>
+</p:tagLst>
+</file>
+
+<file path=ppt/tags/tag20.xml><?xml version="1.0" encoding="utf-8"?>
+<p:tagLst xmlns:p="http://schemas.openxmlformats.org/presentationml/2006/main">
+  <p:tag name="KSO_WM_BEAUTIFY_FLAG" val="#wm#"/>
+  <p:tag name="KSO_WM_TEMPLATE_CATEGORY" val="custom"/>
+  <p:tag name="KSO_WM_TEMPLATE_INDEX" val="160402"/>
+</p:tagLst>
+</file>
+
+<file path=ppt/tags/tag21.xml><?xml version="1.0" encoding="utf-8"?>
+<p:tagLst xmlns:p="http://schemas.openxmlformats.org/presentationml/2006/main">
+  <p:tag name="KSO_WM_BEAUTIFY_FLAG" val="#wm#"/>
   <p:tag name="KSO_WM_TEMPLATE_CATEGORY" val="custom"/>
   <p:tag name="KSO_WM_TEMPLATE_INDEX" val="160402"/>
 </p:tagLst>

--- a/Misc/Docker-Notes.pptx
+++ b/Misc/Docker-Notes.pptx
@@ -8,7 +8,7 @@
     <p:notesMasterId r:id="rId4"/>
   </p:notesMasterIdLst>
   <p:handoutMasterIdLst>
-    <p:handoutMasterId r:id="rId19"/>
+    <p:handoutMasterId r:id="rId20"/>
   </p:handoutMasterIdLst>
   <p:sldIdLst>
     <p:sldId id="256" r:id="rId3"/>
@@ -17,15 +17,16 @@
     <p:sldId id="269" r:id="rId7"/>
     <p:sldId id="270" r:id="rId8"/>
     <p:sldId id="271" r:id="rId9"/>
-    <p:sldId id="259" r:id="rId10"/>
-    <p:sldId id="261" r:id="rId11"/>
-    <p:sldId id="263" r:id="rId12"/>
-    <p:sldId id="258" r:id="rId13"/>
-    <p:sldId id="280" r:id="rId14"/>
-    <p:sldId id="260" r:id="rId15"/>
-    <p:sldId id="262" r:id="rId16"/>
-    <p:sldId id="265" r:id="rId17"/>
-    <p:sldId id="264" r:id="rId18"/>
+    <p:sldId id="299" r:id="rId10"/>
+    <p:sldId id="259" r:id="rId11"/>
+    <p:sldId id="261" r:id="rId12"/>
+    <p:sldId id="263" r:id="rId13"/>
+    <p:sldId id="258" r:id="rId14"/>
+    <p:sldId id="280" r:id="rId15"/>
+    <p:sldId id="260" r:id="rId16"/>
+    <p:sldId id="262" r:id="rId17"/>
+    <p:sldId id="265" r:id="rId18"/>
+    <p:sldId id="264" r:id="rId19"/>
   </p:sldIdLst>
   <p:sldSz cx="12192000" cy="6858000"/>
   <p:notesSz cx="6858000" cy="9144000"/>
@@ -3806,6 +3807,75 @@
           <a:p>
             <a:r>
               <a:rPr lang="en-US" altLang="zh-CN"/>
+              <a:t>Container Lifecycle</a:t>
+            </a:r>
+            <a:endParaRPr lang="en-US" altLang="zh-CN"/>
+          </a:p>
+        </p:txBody>
+      </p:sp>
+      <p:pic>
+        <p:nvPicPr>
+          <p:cNvPr id="5" name="内容占位符 4"/>
+          <p:cNvPicPr>
+            <a:picLocks noChangeAspect="1"/>
+          </p:cNvPicPr>
+          <p:nvPr>
+            <p:ph idx="1"/>
+          </p:nvPr>
+        </p:nvPicPr>
+        <p:blipFill>
+          <a:blip r:embed="rId1"/>
+          <a:stretch>
+            <a:fillRect/>
+          </a:stretch>
+        </p:blipFill>
+        <p:spPr>
+          <a:xfrm>
+            <a:off x="2729865" y="1283970"/>
+            <a:ext cx="7110730" cy="4290060"/>
+          </a:xfrm>
+          <a:prstGeom prst="rect">
+            <a:avLst/>
+          </a:prstGeom>
+        </p:spPr>
+      </p:pic>
+    </p:spTree>
+    <p:custDataLst>
+      <p:tags r:id="rId2"/>
+    </p:custDataLst>
+  </p:cSld>
+  <p:clrMapOvr>
+    <a:masterClrMapping/>
+  </p:clrMapOvr>
+</p:sld>
+</file>
+
+<file path=ppt/slides/slide11.xml><?xml version="1.0" encoding="utf-8"?>
+<p:sld xmlns:a="http://schemas.openxmlformats.org/drawingml/2006/main" xmlns:r="http://schemas.openxmlformats.org/officeDocument/2006/relationships" xmlns:p="http://schemas.openxmlformats.org/presentationml/2006/main">
+  <p:cSld>
+    <p:spTree>
+      <p:nvGrpSpPr>
+        <p:cNvPr id="1" name=""/>
+        <p:cNvGrpSpPr/>
+        <p:nvPr/>
+      </p:nvGrpSpPr>
+      <p:grpSpPr/>
+      <p:sp>
+        <p:nvSpPr>
+          <p:cNvPr id="2" name="标题 1"/>
+          <p:cNvSpPr>
+            <a:spLocks noGrp="1"/>
+          </p:cNvSpPr>
+          <p:nvPr>
+            <p:ph type="title"/>
+          </p:nvPr>
+        </p:nvSpPr>
+        <p:spPr/>
+        <p:txBody>
+          <a:bodyPr/>
+          <a:p>
+            <a:r>
+              <a:rPr lang="en-US" altLang="zh-CN"/>
               <a:t>Docker</a:t>
             </a:r>
             <a:endParaRPr lang="en-US" altLang="zh-CN"/>
@@ -4219,7 +4289,7 @@
 </p:sld>
 </file>
 
-<file path=ppt/slides/slide11.xml><?xml version="1.0" encoding="utf-8"?>
+<file path=ppt/slides/slide12.xml><?xml version="1.0" encoding="utf-8"?>
 <p:sld xmlns:a="http://schemas.openxmlformats.org/drawingml/2006/main" xmlns:r="http://schemas.openxmlformats.org/officeDocument/2006/relationships" xmlns:p="http://schemas.openxmlformats.org/presentationml/2006/main">
   <p:cSld>
     <p:spTree>
@@ -4279,6 +4349,14 @@
             <a:r>
               <a:rPr lang="en-US" altLang="zh-CN" sz="2000"/>
               <a:t>Volumes in image are added when run container.</a:t>
+            </a:r>
+            <a:endParaRPr lang="en-US" altLang="zh-CN" sz="2000"/>
+          </a:p>
+          <a:p>
+            <a:pPr lvl="1"/>
+            <a:r>
+              <a:rPr lang="en-US" altLang="zh-CN" sz="2000"/>
+              <a:t>Volume data is preserved across runs.</a:t>
             </a:r>
             <a:endParaRPr lang="en-US" altLang="zh-CN"/>
           </a:p>
@@ -4334,7 +4412,7 @@
 </p:sld>
 </file>
 
-<file path=ppt/slides/slide12.xml><?xml version="1.0" encoding="utf-8"?>
+<file path=ppt/slides/slide13.xml><?xml version="1.0" encoding="utf-8"?>
 <p:sld xmlns:a="http://schemas.openxmlformats.org/drawingml/2006/main" xmlns:r="http://schemas.openxmlformats.org/officeDocument/2006/relationships" xmlns:p="http://schemas.openxmlformats.org/presentationml/2006/main">
   <p:cSld>
     <p:spTree>
@@ -4654,7 +4732,11 @@
                       <a:pPr>
                         <a:buNone/>
                       </a:pPr>
-                      <a:endParaRPr lang="zh-CN" altLang="en-US" sz="1400"/>
+                      <a:r>
+                        <a:rPr lang="en-US" altLang="zh-CN" sz="1400"/>
+                        <a:t>Work dir in container</a:t>
+                      </a:r>
+                      <a:endParaRPr lang="en-US" altLang="zh-CN" sz="1400"/>
                     </a:p>
                   </a:txBody>
                   <a:tcPr/>
@@ -5091,243 +5173,6 @@
 </p:sld>
 </file>
 
-<file path=ppt/slides/slide13.xml><?xml version="1.0" encoding="utf-8"?>
-<p:sld xmlns:a="http://schemas.openxmlformats.org/drawingml/2006/main" xmlns:r="http://schemas.openxmlformats.org/officeDocument/2006/relationships" xmlns:p="http://schemas.openxmlformats.org/presentationml/2006/main">
-  <p:cSld>
-    <p:spTree>
-      <p:nvGrpSpPr>
-        <p:cNvPr id="1" name=""/>
-        <p:cNvGrpSpPr/>
-        <p:nvPr/>
-      </p:nvGrpSpPr>
-      <p:grpSpPr/>
-      <p:sp>
-        <p:nvSpPr>
-          <p:cNvPr id="2" name="标题 1"/>
-          <p:cNvSpPr>
-            <a:spLocks noGrp="1"/>
-          </p:cNvSpPr>
-          <p:nvPr>
-            <p:ph type="title"/>
-          </p:nvPr>
-        </p:nvSpPr>
-        <p:spPr/>
-        <p:txBody>
-          <a:bodyPr/>
-          <a:p>
-            <a:r>
-              <a:rPr lang="en-US" altLang="zh-CN"/>
-              <a:t>Docker Compose</a:t>
-            </a:r>
-            <a:endParaRPr lang="en-US" altLang="zh-CN"/>
-          </a:p>
-        </p:txBody>
-      </p:sp>
-      <p:sp>
-        <p:nvSpPr>
-          <p:cNvPr id="3" name="内容占位符 2"/>
-          <p:cNvSpPr>
-            <a:spLocks noGrp="1"/>
-          </p:cNvSpPr>
-          <p:nvPr>
-            <p:ph idx="1"/>
-          </p:nvPr>
-        </p:nvSpPr>
-        <p:spPr/>
-        <p:txBody>
-          <a:bodyPr>
-            <a:normAutofit fontScale="90000" lnSpcReduction="20000"/>
-          </a:bodyPr>
-          <a:p>
-            <a:pPr lvl="0"/>
-            <a:r>
-              <a:rPr lang="en-US" altLang="zh-CN" sz="2400">
-                <a:sym typeface="+mn-ea"/>
-              </a:rPr>
-              <a:t>Intro</a:t>
-            </a:r>
-            <a:endParaRPr lang="en-US" altLang="zh-CN" sz="2400">
-              <a:sym typeface="+mn-ea"/>
-            </a:endParaRPr>
-          </a:p>
-          <a:p>
-            <a:pPr lvl="1"/>
-            <a:r>
-              <a:rPr lang="en-US" altLang="zh-CN" sz="2000">
-                <a:sym typeface="+mn-ea"/>
-              </a:rPr>
-              <a:t>Used to run multiple containers as a single service</a:t>
-            </a:r>
-            <a:endParaRPr lang="en-US" altLang="zh-CN" sz="2000">
-              <a:sym typeface="+mn-ea"/>
-            </a:endParaRPr>
-          </a:p>
-          <a:p>
-            <a:pPr lvl="0"/>
-            <a:r>
-              <a:rPr lang="en-US" altLang="zh-CN" sz="2400">
-                <a:sym typeface="+mn-ea"/>
-              </a:rPr>
-              <a:t>docker-compose commands</a:t>
-            </a:r>
-            <a:endParaRPr lang="en-US" altLang="zh-CN" sz="2400"/>
-          </a:p>
-          <a:p>
-            <a:pPr lvl="1"/>
-            <a:r>
-              <a:rPr lang="en-US" altLang="zh-CN">
-                <a:sym typeface="+mn-ea"/>
-              </a:rPr>
-              <a:t>docker-compose build</a:t>
-            </a:r>
-            <a:endParaRPr lang="en-US" altLang="zh-CN"/>
-          </a:p>
-          <a:p>
-            <a:pPr lvl="1"/>
-            <a:r>
-              <a:rPr lang="en-US" altLang="zh-CN">
-                <a:sym typeface="+mn-ea"/>
-              </a:rPr>
-              <a:t>docker-compose up -d	// create and start containers</a:t>
-            </a:r>
-            <a:endParaRPr lang="en-US" altLang="zh-CN">
-              <a:sym typeface="+mn-ea"/>
-            </a:endParaRPr>
-          </a:p>
-          <a:p>
-            <a:pPr lvl="2"/>
-            <a:r>
-              <a:rPr lang="en-US" altLang="zh-CN" sz="2000">
-                <a:sym typeface="+mn-ea"/>
-              </a:rPr>
-              <a:t>-d: in daemon mode</a:t>
-            </a:r>
-            <a:endParaRPr lang="en-US" altLang="zh-CN" sz="2000"/>
-          </a:p>
-          <a:p>
-            <a:pPr lvl="1" algn="l">
-              <a:buClrTx/>
-              <a:buSzTx/>
-            </a:pPr>
-            <a:r>
-              <a:rPr lang="en-US" altLang="zh-CN">
-                <a:sym typeface="+mn-ea"/>
-              </a:rPr>
-              <a:t>docker-compose down	// Stop and remove containers, networks, images and volumes</a:t>
-            </a:r>
-            <a:endParaRPr lang="en-US" altLang="zh-CN">
-              <a:sym typeface="+mn-ea"/>
-            </a:endParaRPr>
-          </a:p>
-          <a:p>
-            <a:pPr lvl="1"/>
-            <a:r>
-              <a:rPr lang="en-US" altLang="zh-CN">
-                <a:sym typeface="+mn-ea"/>
-              </a:rPr>
-              <a:t>docker-compose run web env	// show env variables</a:t>
-            </a:r>
-            <a:endParaRPr lang="en-US" altLang="zh-CN"/>
-          </a:p>
-          <a:p>
-            <a:pPr lvl="1"/>
-            <a:r>
-              <a:rPr lang="en-US" altLang="zh-CN">
-                <a:sym typeface="+mn-ea"/>
-              </a:rPr>
-              <a:t>docker-compose logs	// show logs</a:t>
-            </a:r>
-            <a:endParaRPr lang="en-US" altLang="zh-CN">
-              <a:sym typeface="+mn-ea"/>
-            </a:endParaRPr>
-          </a:p>
-          <a:p>
-            <a:pPr lvl="1"/>
-            <a:r>
-              <a:rPr lang="en-US" altLang="zh-CN">
-                <a:sym typeface="+mn-ea"/>
-              </a:rPr>
-              <a:t>docker-compose ps	// list containers</a:t>
-            </a:r>
-            <a:endParaRPr lang="en-US" altLang="zh-CN"/>
-          </a:p>
-          <a:p>
-            <a:pPr lvl="1"/>
-            <a:r>
-              <a:rPr lang="en-US" altLang="zh-CN">
-                <a:sym typeface="+mn-ea"/>
-              </a:rPr>
-              <a:t>docker-compose images	// list images</a:t>
-            </a:r>
-            <a:endParaRPr lang="en-US" altLang="zh-CN">
-              <a:sym typeface="+mn-ea"/>
-            </a:endParaRPr>
-          </a:p>
-          <a:p>
-            <a:pPr lvl="1"/>
-            <a:r>
-              <a:rPr lang="en-US" altLang="zh-CN">
-                <a:sym typeface="+mn-ea"/>
-              </a:rPr>
-              <a:t>docker-compose -h		// show help</a:t>
-            </a:r>
-            <a:endParaRPr lang="en-US" altLang="zh-CN">
-              <a:sym typeface="+mn-ea"/>
-            </a:endParaRPr>
-          </a:p>
-          <a:p>
-            <a:pPr lvl="0" algn="l">
-              <a:buClrTx/>
-              <a:buSzTx/>
-            </a:pPr>
-            <a:r>
-              <a:rPr lang="en-US" altLang="zh-CN" sz="2400">
-                <a:sym typeface="+mn-ea"/>
-              </a:rPr>
-              <a:t>docker-compose.yml</a:t>
-            </a:r>
-            <a:endParaRPr lang="en-US" altLang="zh-CN" sz="2400"/>
-          </a:p>
-          <a:p>
-            <a:pPr lvl="1"/>
-            <a:r>
-              <a:rPr lang="en-US" altLang="zh-CN" sz="2400"/>
-              <a:t>ports {host}:{container}, ports {container}</a:t>
-            </a:r>
-            <a:endParaRPr lang="en-US" altLang="zh-CN" sz="2400"/>
-          </a:p>
-          <a:p>
-            <a:pPr lvl="1"/>
-            <a:r>
-              <a:rPr lang="en-US" altLang="zh-CN" sz="2400"/>
-              <a:t>expose</a:t>
-            </a:r>
-            <a:endParaRPr lang="en-US" altLang="zh-CN" sz="2400"/>
-          </a:p>
-          <a:p>
-            <a:pPr lvl="2"/>
-            <a:r>
-              <a:rPr lang="en-US" altLang="zh-CN" sz="2160"/>
-              <a:t>ports are not exposed to host machine, only exposed to linked services</a:t>
-            </a:r>
-            <a:endParaRPr lang="en-US" altLang="zh-CN" sz="2160"/>
-          </a:p>
-          <a:p>
-            <a:endParaRPr lang="zh-CN" altLang="en-US"/>
-          </a:p>
-        </p:txBody>
-      </p:sp>
-    </p:spTree>
-    <p:custDataLst>
-      <p:tags r:id="rId1"/>
-    </p:custDataLst>
-  </p:cSld>
-  <p:clrMapOvr>
-    <a:masterClrMapping/>
-  </p:clrMapOvr>
-</p:sld>
-</file>
-
 <file path=ppt/slides/slide14.xml><?xml version="1.0" encoding="utf-8"?>
 <p:sld xmlns:a="http://schemas.openxmlformats.org/drawingml/2006/main" xmlns:r="http://schemas.openxmlformats.org/officeDocument/2006/relationships" xmlns:p="http://schemas.openxmlformats.org/presentationml/2006/main">
   <p:cSld>
@@ -5354,7 +5199,7 @@
           <a:p>
             <a:r>
               <a:rPr lang="en-US" altLang="zh-CN"/>
-              <a:t>Docker Machine</a:t>
+              <a:t>Docker Compose</a:t>
             </a:r>
             <a:endParaRPr lang="en-US" altLang="zh-CN"/>
           </a:p>
@@ -5370,52 +5215,93 @@
             <p:ph idx="1"/>
           </p:nvPr>
         </p:nvSpPr>
-        <p:spPr/>
-        <p:txBody>
-          <a:bodyPr/>
+        <p:spPr>
+          <a:xfrm>
+            <a:off x="838200" y="1211580"/>
+            <a:ext cx="5287010" cy="5434330"/>
+          </a:xfrm>
+        </p:spPr>
+        <p:txBody>
+          <a:bodyPr>
+            <a:normAutofit fontScale="90000" lnSpcReduction="20000"/>
+          </a:bodyPr>
           <a:p>
             <a:pPr lvl="0"/>
             <a:r>
               <a:rPr lang="en-US" altLang="zh-CN" sz="2400">
                 <a:sym typeface="+mn-ea"/>
               </a:rPr>
-              <a:t>docker-machine commands</a:t>
-            </a:r>
-            <a:endParaRPr lang="en-US" altLang="zh-CN" sz="2400"/>
+              <a:t>Intro</a:t>
+            </a:r>
+            <a:endParaRPr lang="en-US" altLang="zh-CN" sz="2400">
+              <a:sym typeface="+mn-ea"/>
+            </a:endParaRPr>
           </a:p>
           <a:p>
             <a:pPr lvl="1"/>
+            <a:r>
+              <a:rPr lang="en-US" altLang="zh-CN" sz="2000">
+                <a:sym typeface="+mn-ea"/>
+              </a:rPr>
+              <a:t>Used to run multiple containers as a single service</a:t>
+            </a:r>
+            <a:endParaRPr lang="en-US" altLang="zh-CN" sz="2000">
+              <a:sym typeface="+mn-ea"/>
+            </a:endParaRPr>
+          </a:p>
+          <a:p>
+            <a:pPr lvl="1"/>
+            <a:r>
+              <a:rPr lang="en-US" altLang="zh-CN" sz="2000">
+                <a:sym typeface="+mn-ea"/>
+              </a:rPr>
+              <a:t>https://docs.docker.com/compose/compose-file/</a:t>
+            </a:r>
+            <a:endParaRPr lang="en-US" altLang="zh-CN" sz="2000">
+              <a:sym typeface="+mn-ea"/>
+            </a:endParaRPr>
+          </a:p>
+          <a:p>
+            <a:pPr lvl="0"/>
             <a:r>
               <a:rPr lang="en-US" altLang="zh-CN" sz="2400">
                 <a:sym typeface="+mn-ea"/>
               </a:rPr>
-              <a:t>docker-machine create  -d virtualbox {machine-name}</a:t>
-            </a:r>
-            <a:endParaRPr lang="en-US" altLang="zh-CN" sz="2400">
+              <a:t>docker-compose commands</a:t>
+            </a:r>
+            <a:endParaRPr lang="en-US" altLang="zh-CN" sz="2400"/>
+          </a:p>
+          <a:p>
+            <a:pPr lvl="1"/>
+            <a:r>
+              <a:rPr lang="en-US" altLang="zh-CN">
+                <a:sym typeface="+mn-ea"/>
+              </a:rPr>
+              <a:t>docker-compose build</a:t>
+            </a:r>
+            <a:endParaRPr lang="en-US" altLang="zh-CN"/>
+          </a:p>
+          <a:p>
+            <a:pPr lvl="1"/>
+            <a:r>
+              <a:rPr lang="en-US" altLang="zh-CN">
+                <a:sym typeface="+mn-ea"/>
+              </a:rPr>
+              <a:t>docker-compose up -d	// create and start containers</a:t>
+            </a:r>
+            <a:endParaRPr lang="en-US" altLang="zh-CN">
               <a:sym typeface="+mn-ea"/>
             </a:endParaRPr>
           </a:p>
           <a:p>
             <a:pPr lvl="2"/>
             <a:r>
-              <a:rPr lang="en-US" altLang="zh-CN" sz="2160">
+              <a:rPr lang="en-US" altLang="zh-CN" sz="2000">
                 <a:sym typeface="+mn-ea"/>
               </a:rPr>
-              <a:t>-d/--driver: which provider the machine should be created on (VirtualBox, DigitalOcean, AWS, etc.)</a:t>
-            </a:r>
-            <a:endParaRPr lang="en-US" altLang="zh-CN" sz="2160"/>
-          </a:p>
-          <a:p>
-            <a:pPr lvl="1"/>
-            <a:r>
-              <a:rPr lang="en-US" altLang="zh-CN" sz="2400">
-                <a:sym typeface="+mn-ea"/>
-              </a:rPr>
-              <a:t>eval $(docker-machine env dev)</a:t>
-            </a:r>
-            <a:endParaRPr lang="en-US" altLang="zh-CN" sz="2400">
-              <a:sym typeface="+mn-ea"/>
-            </a:endParaRPr>
+              <a:t>-d: in daemon mode</a:t>
+            </a:r>
+            <a:endParaRPr lang="en-US" altLang="zh-CN" sz="2000"/>
           </a:p>
           <a:p>
             <a:pPr lvl="1" algn="l">
@@ -5423,39 +5309,398 @@
               <a:buSzTx/>
             </a:pPr>
             <a:r>
+              <a:rPr lang="en-US" altLang="zh-CN">
+                <a:sym typeface="+mn-ea"/>
+              </a:rPr>
+              <a:t>docker-compose down	// Stop and remove containers, networks, images and volumes</a:t>
+            </a:r>
+            <a:endParaRPr lang="en-US" altLang="zh-CN">
+              <a:sym typeface="+mn-ea"/>
+            </a:endParaRPr>
+          </a:p>
+          <a:p>
+            <a:pPr lvl="1"/>
+            <a:r>
+              <a:rPr lang="en-US" altLang="zh-CN">
+                <a:sym typeface="+mn-ea"/>
+              </a:rPr>
+              <a:t>docker-compose run web env	// show env variables</a:t>
+            </a:r>
+            <a:endParaRPr lang="en-US" altLang="zh-CN"/>
+          </a:p>
+          <a:p>
+            <a:pPr lvl="1"/>
+            <a:r>
+              <a:rPr lang="en-US" altLang="zh-CN">
+                <a:sym typeface="+mn-ea"/>
+              </a:rPr>
+              <a:t>docker-compose logs	// show logs</a:t>
+            </a:r>
+            <a:endParaRPr lang="en-US" altLang="zh-CN">
+              <a:sym typeface="+mn-ea"/>
+            </a:endParaRPr>
+          </a:p>
+          <a:p>
+            <a:pPr lvl="1"/>
+            <a:r>
+              <a:rPr lang="en-US" altLang="zh-CN">
+                <a:sym typeface="+mn-ea"/>
+              </a:rPr>
+              <a:t>docker-compose ps	// list containers</a:t>
+            </a:r>
+            <a:endParaRPr lang="en-US" altLang="zh-CN"/>
+          </a:p>
+          <a:p>
+            <a:pPr lvl="1"/>
+            <a:r>
+              <a:rPr lang="en-US" altLang="zh-CN">
+                <a:sym typeface="+mn-ea"/>
+              </a:rPr>
+              <a:t>docker-compose images	// list images</a:t>
+            </a:r>
+            <a:endParaRPr lang="en-US" altLang="zh-CN">
+              <a:sym typeface="+mn-ea"/>
+            </a:endParaRPr>
+          </a:p>
+          <a:p>
+            <a:pPr lvl="1"/>
+            <a:r>
+              <a:rPr lang="en-US" altLang="zh-CN">
+                <a:sym typeface="+mn-ea"/>
+              </a:rPr>
+              <a:t>docker-compose -h		// show help</a:t>
+            </a:r>
+            <a:endParaRPr lang="zh-CN" altLang="en-US"/>
+          </a:p>
+        </p:txBody>
+      </p:sp>
+      <p:sp>
+        <p:nvSpPr>
+          <p:cNvPr id="4" name="内容占位符 2"/>
+          <p:cNvSpPr>
+            <a:spLocks noGrp="1"/>
+          </p:cNvSpPr>
+          <p:nvPr/>
+        </p:nvSpPr>
+        <p:spPr>
+          <a:xfrm>
+            <a:off x="6539865" y="1198245"/>
+            <a:ext cx="5260975" cy="5434330"/>
+          </a:xfrm>
+          <a:prstGeom prst="rect">
+            <a:avLst/>
+          </a:prstGeom>
+        </p:spPr>
+        <p:txBody>
+          <a:bodyPr vert="horz" lIns="91440" tIns="45720" rIns="91440" bIns="45720" rtlCol="0">
+            <a:normAutofit lnSpcReduction="20000"/>
+          </a:bodyPr>
+          <a:lstStyle>
+            <a:lvl1pPr marL="342900" indent="-342900" algn="l" defTabSz="914400" rtl="0" eaLnBrk="1" latinLnBrk="0" hangingPunct="1">
+              <a:lnSpc>
+                <a:spcPct val="90000"/>
+              </a:lnSpc>
+              <a:spcBef>
+                <a:spcPts val="1000"/>
+              </a:spcBef>
+              <a:buFont typeface="黑体" panose="02010609060101010101" pitchFamily="49" charset="-122"/>
+              <a:buChar char="〉"/>
+              <a:defRPr sz="2400" kern="1200">
+                <a:solidFill>
+                  <a:schemeClr val="tx1"/>
+                </a:solidFill>
+                <a:latin typeface="+mn-lt"/>
+                <a:ea typeface="+mn-ea"/>
+                <a:cs typeface="+mn-cs"/>
+              </a:defRPr>
+            </a:lvl1pPr>
+            <a:lvl2pPr marL="800100" indent="-342900" algn="l" defTabSz="914400" rtl="0" eaLnBrk="1" latinLnBrk="0" hangingPunct="1">
+              <a:lnSpc>
+                <a:spcPct val="90000"/>
+              </a:lnSpc>
+              <a:spcBef>
+                <a:spcPts val="500"/>
+              </a:spcBef>
+              <a:buFont typeface="Arial" panose="020B0604020202020204" pitchFamily="34" charset="0"/>
+              <a:buChar char="•"/>
+              <a:defRPr sz="2000" kern="1200">
+                <a:solidFill>
+                  <a:schemeClr val="tx1"/>
+                </a:solidFill>
+                <a:latin typeface="+mn-lt"/>
+                <a:ea typeface="+mn-ea"/>
+                <a:cs typeface="+mn-cs"/>
+              </a:defRPr>
+            </a:lvl2pPr>
+            <a:lvl3pPr marL="1257300" indent="-342900" algn="l" defTabSz="914400" rtl="0" eaLnBrk="1" latinLnBrk="0" hangingPunct="1">
+              <a:lnSpc>
+                <a:spcPct val="90000"/>
+              </a:lnSpc>
+              <a:spcBef>
+                <a:spcPts val="500"/>
+              </a:spcBef>
+              <a:buFont typeface="Arial" panose="020B0604020202020204" pitchFamily="34" charset="0"/>
+              <a:buChar char="•"/>
+              <a:defRPr sz="1800" kern="1200">
+                <a:solidFill>
+                  <a:schemeClr val="tx1"/>
+                </a:solidFill>
+                <a:latin typeface="+mn-lt"/>
+                <a:ea typeface="+mn-ea"/>
+                <a:cs typeface="+mn-cs"/>
+              </a:defRPr>
+            </a:lvl3pPr>
+            <a:lvl4pPr marL="1657350" indent="-285750" algn="l" defTabSz="914400" rtl="0" eaLnBrk="1" latinLnBrk="0" hangingPunct="1">
+              <a:lnSpc>
+                <a:spcPct val="90000"/>
+              </a:lnSpc>
+              <a:spcBef>
+                <a:spcPts val="500"/>
+              </a:spcBef>
+              <a:buFont typeface="Arial" panose="020B0604020202020204" pitchFamily="34" charset="0"/>
+              <a:buChar char="•"/>
+              <a:defRPr sz="1800" kern="1200">
+                <a:solidFill>
+                  <a:schemeClr val="tx1"/>
+                </a:solidFill>
+                <a:latin typeface="+mn-lt"/>
+                <a:ea typeface="+mn-ea"/>
+                <a:cs typeface="+mn-cs"/>
+              </a:defRPr>
+            </a:lvl4pPr>
+            <a:lvl5pPr marL="2114550" indent="-285750" algn="l" defTabSz="914400" rtl="0" eaLnBrk="1" latinLnBrk="0" hangingPunct="1">
+              <a:lnSpc>
+                <a:spcPct val="90000"/>
+              </a:lnSpc>
+              <a:spcBef>
+                <a:spcPts val="500"/>
+              </a:spcBef>
+              <a:buFont typeface="Arial" panose="020B0604020202020204" pitchFamily="34" charset="0"/>
+              <a:buChar char="•"/>
+              <a:defRPr sz="1800" kern="1200">
+                <a:solidFill>
+                  <a:schemeClr val="tx1"/>
+                </a:solidFill>
+                <a:latin typeface="+mn-lt"/>
+                <a:ea typeface="+mn-ea"/>
+                <a:cs typeface="+mn-cs"/>
+              </a:defRPr>
+            </a:lvl5pPr>
+            <a:lvl6pPr marL="2514600" indent="-228600" algn="l" defTabSz="914400" rtl="0" eaLnBrk="1" latinLnBrk="0" hangingPunct="1">
+              <a:lnSpc>
+                <a:spcPct val="90000"/>
+              </a:lnSpc>
+              <a:spcBef>
+                <a:spcPts val="500"/>
+              </a:spcBef>
+              <a:buFont typeface="Arial" panose="020B0604020202020204" pitchFamily="34" charset="0"/>
+              <a:buChar char="•"/>
+              <a:defRPr sz="1800" kern="1200">
+                <a:solidFill>
+                  <a:schemeClr val="tx1"/>
+                </a:solidFill>
+                <a:latin typeface="+mn-lt"/>
+                <a:ea typeface="+mn-ea"/>
+                <a:cs typeface="+mn-cs"/>
+              </a:defRPr>
+            </a:lvl6pPr>
+            <a:lvl7pPr marL="2971800" indent="-228600" algn="l" defTabSz="914400" rtl="0" eaLnBrk="1" latinLnBrk="0" hangingPunct="1">
+              <a:lnSpc>
+                <a:spcPct val="90000"/>
+              </a:lnSpc>
+              <a:spcBef>
+                <a:spcPts val="500"/>
+              </a:spcBef>
+              <a:buFont typeface="Arial" panose="020B0604020202020204" pitchFamily="34" charset="0"/>
+              <a:buChar char="•"/>
+              <a:defRPr sz="1800" kern="1200">
+                <a:solidFill>
+                  <a:schemeClr val="tx1"/>
+                </a:solidFill>
+                <a:latin typeface="+mn-lt"/>
+                <a:ea typeface="+mn-ea"/>
+                <a:cs typeface="+mn-cs"/>
+              </a:defRPr>
+            </a:lvl7pPr>
+            <a:lvl8pPr marL="3429000" indent="-228600" algn="l" defTabSz="914400" rtl="0" eaLnBrk="1" latinLnBrk="0" hangingPunct="1">
+              <a:lnSpc>
+                <a:spcPct val="90000"/>
+              </a:lnSpc>
+              <a:spcBef>
+                <a:spcPts val="500"/>
+              </a:spcBef>
+              <a:buFont typeface="Arial" panose="020B0604020202020204" pitchFamily="34" charset="0"/>
+              <a:buChar char="•"/>
+              <a:defRPr sz="1800" kern="1200">
+                <a:solidFill>
+                  <a:schemeClr val="tx1"/>
+                </a:solidFill>
+                <a:latin typeface="+mn-lt"/>
+                <a:ea typeface="+mn-ea"/>
+                <a:cs typeface="+mn-cs"/>
+              </a:defRPr>
+            </a:lvl8pPr>
+            <a:lvl9pPr marL="3886200" indent="-228600" algn="l" defTabSz="914400" rtl="0" eaLnBrk="1" latinLnBrk="0" hangingPunct="1">
+              <a:lnSpc>
+                <a:spcPct val="90000"/>
+              </a:lnSpc>
+              <a:spcBef>
+                <a:spcPts val="500"/>
+              </a:spcBef>
+              <a:buFont typeface="Arial" panose="020B0604020202020204" pitchFamily="34" charset="0"/>
+              <a:buChar char="•"/>
+              <a:defRPr sz="1800" kern="1200">
+                <a:solidFill>
+                  <a:schemeClr val="tx1"/>
+                </a:solidFill>
+                <a:latin typeface="+mn-lt"/>
+                <a:ea typeface="+mn-ea"/>
+                <a:cs typeface="+mn-cs"/>
+              </a:defRPr>
+            </a:lvl9pPr>
+          </a:lstStyle>
+          <a:p>
+            <a:pPr lvl="0" algn="l">
+              <a:buClrTx/>
+              <a:buSzTx/>
+            </a:pPr>
+            <a:r>
               <a:rPr lang="en-US" altLang="zh-CN" sz="2400">
                 <a:sym typeface="+mn-ea"/>
               </a:rPr>
-              <a:t>docker-machine ls</a:t>
+              <a:t>docker-compose.yml</a:t>
             </a:r>
             <a:endParaRPr lang="en-US" altLang="zh-CN" sz="2400"/>
           </a:p>
           <a:p>
             <a:pPr lvl="1"/>
             <a:r>
-              <a:rPr lang="en-US" altLang="zh-CN" sz="2400"/>
-              <a:t>docker-machine ip default</a:t>
-            </a:r>
-            <a:endParaRPr lang="en-US" altLang="zh-CN" sz="2400"/>
+              <a:rPr lang="en-US" altLang="zh-CN">
+                <a:sym typeface="+mn-ea"/>
+              </a:rPr>
+              <a:t>ports {host}:{container}, ports {container}</a:t>
+            </a:r>
+            <a:endParaRPr lang="en-US" altLang="zh-CN"/>
           </a:p>
           <a:p>
             <a:pPr lvl="1"/>
             <a:r>
-              <a:rPr lang="en-US" altLang="zh-CN" sz="2400"/>
-              <a:t>docker-machine start {docker-machine-name}</a:t>
-            </a:r>
-            <a:endParaRPr lang="en-US" altLang="zh-CN" sz="2400"/>
+              <a:rPr lang="en-US" altLang="zh-CN">
+                <a:sym typeface="+mn-ea"/>
+              </a:rPr>
+              <a:t>expose</a:t>
+            </a:r>
+            <a:endParaRPr lang="en-US" altLang="zh-CN"/>
+          </a:p>
+          <a:p>
+            <a:pPr lvl="2"/>
+            <a:r>
+              <a:rPr lang="en-US" altLang="zh-CN">
+                <a:sym typeface="+mn-ea"/>
+              </a:rPr>
+              <a:t>ports are not exposed to host machine, only exposed to linked services</a:t>
+            </a:r>
+            <a:endParaRPr lang="en-US" altLang="zh-CN"/>
           </a:p>
           <a:p>
             <a:pPr lvl="1"/>
             <a:r>
-              <a:rPr lang="en-US" altLang="zh-CN" sz="2400"/>
-              <a:t>eval "$(docker-machine env dev)"	# make a machine active</a:t>
-            </a:r>
-            <a:endParaRPr lang="en-US" altLang="zh-CN" sz="2400"/>
-          </a:p>
-          <a:p>
-            <a:endParaRPr lang="zh-CN" altLang="en-US"/>
+              <a:rPr lang="en-US" altLang="zh-CN">
+                <a:sym typeface="+mn-ea"/>
+              </a:rPr>
+              <a:t>volumes:</a:t>
+            </a:r>
+            <a:endParaRPr lang="en-US" altLang="zh-CN"/>
+          </a:p>
+          <a:p>
+            <a:pPr lvl="2"/>
+            <a:r>
+              <a:rPr lang="en-US" altLang="zh-CN">
+                <a:sym typeface="+mn-ea"/>
+              </a:rPr>
+              <a:t>path-based volume</a:t>
+            </a:r>
+            <a:endParaRPr lang="en-US" altLang="zh-CN">
+              <a:sym typeface="+mn-ea"/>
+            </a:endParaRPr>
+          </a:p>
+          <a:p>
+            <a:pPr lvl="3"/>
+            <a:r>
+              <a:rPr lang="en-US" altLang="zh-CN">
+                <a:sym typeface="+mn-ea"/>
+              </a:rPr>
+              <a:t>- /host/path:/container/path</a:t>
+            </a:r>
+            <a:endParaRPr lang="en-US" altLang="zh-CN"/>
+          </a:p>
+          <a:p>
+            <a:pPr lvl="2"/>
+            <a:r>
+              <a:rPr lang="en-US" altLang="zh-CN">
+                <a:sym typeface="+mn-ea"/>
+              </a:rPr>
+              <a:t>named volume</a:t>
+            </a:r>
+            <a:endParaRPr lang="en-US" altLang="zh-CN">
+              <a:sym typeface="+mn-ea"/>
+            </a:endParaRPr>
+          </a:p>
+          <a:p>
+            <a:pPr lvl="3"/>
+            <a:r>
+              <a:rPr lang="en-US" altLang="zh-CN">
+                <a:sym typeface="+mn-ea"/>
+              </a:rPr>
+              <a:t>named_volume_name: /container/path</a:t>
+            </a:r>
+            <a:endParaRPr lang="en-US" altLang="zh-CN">
+              <a:sym typeface="+mn-ea"/>
+            </a:endParaRPr>
+          </a:p>
+          <a:p>
+            <a:pPr lvl="3"/>
+            <a:r>
+              <a:rPr lang="en-US" altLang="zh-CN">
+                <a:sym typeface="+mn-ea"/>
+              </a:rPr>
+              <a:t>the volume will get saved to /var/lib/docker/volumes/named_volume_name/_data</a:t>
+            </a:r>
+            <a:endParaRPr lang="en-US" altLang="zh-CN" sz="2000">
+              <a:sym typeface="+mn-ea"/>
+            </a:endParaRPr>
+          </a:p>
+          <a:p>
+            <a:pPr lvl="2"/>
+            <a:r>
+              <a:rPr lang="en-US" altLang="zh-CN"/>
+              <a:t>create a volume only</a:t>
+            </a:r>
+            <a:endParaRPr lang="en-US" altLang="zh-CN"/>
+          </a:p>
+          <a:p>
+            <a:pPr lvl="3"/>
+            <a:r>
+              <a:rPr lang="en-US" altLang="zh-CN"/>
+              <a:t>- /container/path</a:t>
+            </a:r>
+            <a:endParaRPr lang="en-US" altLang="zh-CN"/>
+          </a:p>
+          <a:p>
+            <a:pPr lvl="1"/>
+            <a:r>
+              <a:rPr lang="en-US" altLang="zh-CN"/>
+              <a:t>command</a:t>
+            </a:r>
+            <a:endParaRPr lang="en-US" altLang="zh-CN"/>
+          </a:p>
+          <a:p>
+            <a:pPr lvl="2"/>
+            <a:r>
+              <a:rPr lang="en-US" altLang="zh-CN"/>
+              <a:t>override default command in Dockerfile</a:t>
+            </a:r>
+            <a:endParaRPr lang="en-US" altLang="zh-CN"/>
           </a:p>
         </p:txBody>
       </p:sp>
@@ -5496,6 +5741,148 @@
           <a:p>
             <a:r>
               <a:rPr lang="en-US" altLang="zh-CN"/>
+              <a:t>Docker Machine</a:t>
+            </a:r>
+            <a:endParaRPr lang="en-US" altLang="zh-CN"/>
+          </a:p>
+        </p:txBody>
+      </p:sp>
+      <p:sp>
+        <p:nvSpPr>
+          <p:cNvPr id="3" name="内容占位符 2"/>
+          <p:cNvSpPr>
+            <a:spLocks noGrp="1"/>
+          </p:cNvSpPr>
+          <p:nvPr>
+            <p:ph idx="1"/>
+          </p:nvPr>
+        </p:nvSpPr>
+        <p:spPr/>
+        <p:txBody>
+          <a:bodyPr/>
+          <a:p>
+            <a:pPr lvl="0"/>
+            <a:r>
+              <a:rPr lang="en-US" altLang="zh-CN" sz="2400">
+                <a:sym typeface="+mn-ea"/>
+              </a:rPr>
+              <a:t>docker-machine commands</a:t>
+            </a:r>
+            <a:endParaRPr lang="en-US" altLang="zh-CN" sz="2400"/>
+          </a:p>
+          <a:p>
+            <a:pPr lvl="1"/>
+            <a:r>
+              <a:rPr lang="en-US" altLang="zh-CN" sz="2400">
+                <a:sym typeface="+mn-ea"/>
+              </a:rPr>
+              <a:t>docker-machine create  -d virtualbox {machine-name}</a:t>
+            </a:r>
+            <a:endParaRPr lang="en-US" altLang="zh-CN" sz="2400">
+              <a:sym typeface="+mn-ea"/>
+            </a:endParaRPr>
+          </a:p>
+          <a:p>
+            <a:pPr lvl="2"/>
+            <a:r>
+              <a:rPr lang="en-US" altLang="zh-CN" sz="2160">
+                <a:sym typeface="+mn-ea"/>
+              </a:rPr>
+              <a:t>-d/--driver: which provider the machine should be created on (VirtualBox, DigitalOcean, AWS, etc.)</a:t>
+            </a:r>
+            <a:endParaRPr lang="en-US" altLang="zh-CN" sz="2160"/>
+          </a:p>
+          <a:p>
+            <a:pPr lvl="1"/>
+            <a:r>
+              <a:rPr lang="en-US" altLang="zh-CN" sz="2400">
+                <a:sym typeface="+mn-ea"/>
+              </a:rPr>
+              <a:t>eval $(docker-machine env dev)</a:t>
+            </a:r>
+            <a:endParaRPr lang="en-US" altLang="zh-CN" sz="2400">
+              <a:sym typeface="+mn-ea"/>
+            </a:endParaRPr>
+          </a:p>
+          <a:p>
+            <a:pPr lvl="1" algn="l">
+              <a:buClrTx/>
+              <a:buSzTx/>
+            </a:pPr>
+            <a:r>
+              <a:rPr lang="en-US" altLang="zh-CN" sz="2400">
+                <a:sym typeface="+mn-ea"/>
+              </a:rPr>
+              <a:t>docker-machine ls</a:t>
+            </a:r>
+            <a:endParaRPr lang="en-US" altLang="zh-CN" sz="2400"/>
+          </a:p>
+          <a:p>
+            <a:pPr lvl="1"/>
+            <a:r>
+              <a:rPr lang="en-US" altLang="zh-CN" sz="2400"/>
+              <a:t>docker-machine ip default</a:t>
+            </a:r>
+            <a:endParaRPr lang="en-US" altLang="zh-CN" sz="2400"/>
+          </a:p>
+          <a:p>
+            <a:pPr lvl="1"/>
+            <a:r>
+              <a:rPr lang="en-US" altLang="zh-CN" sz="2400"/>
+              <a:t>docker-machine start {docker-machine-name}</a:t>
+            </a:r>
+            <a:endParaRPr lang="en-US" altLang="zh-CN" sz="2400"/>
+          </a:p>
+          <a:p>
+            <a:pPr lvl="1"/>
+            <a:r>
+              <a:rPr lang="en-US" altLang="zh-CN" sz="2400"/>
+              <a:t>eval "$(docker-machine env dev)"	# make a machine active</a:t>
+            </a:r>
+            <a:endParaRPr lang="en-US" altLang="zh-CN" sz="2400"/>
+          </a:p>
+          <a:p>
+            <a:endParaRPr lang="zh-CN" altLang="en-US"/>
+          </a:p>
+        </p:txBody>
+      </p:sp>
+    </p:spTree>
+    <p:custDataLst>
+      <p:tags r:id="rId1"/>
+    </p:custDataLst>
+  </p:cSld>
+  <p:clrMapOvr>
+    <a:masterClrMapping/>
+  </p:clrMapOvr>
+</p:sld>
+</file>
+
+<file path=ppt/slides/slide16.xml><?xml version="1.0" encoding="utf-8"?>
+<p:sld xmlns:a="http://schemas.openxmlformats.org/drawingml/2006/main" xmlns:r="http://schemas.openxmlformats.org/officeDocument/2006/relationships" xmlns:p="http://schemas.openxmlformats.org/presentationml/2006/main">
+  <p:cSld>
+    <p:spTree>
+      <p:nvGrpSpPr>
+        <p:cNvPr id="1" name=""/>
+        <p:cNvGrpSpPr/>
+        <p:nvPr/>
+      </p:nvGrpSpPr>
+      <p:grpSpPr/>
+      <p:sp>
+        <p:nvSpPr>
+          <p:cNvPr id="2" name="标题 1"/>
+          <p:cNvSpPr>
+            <a:spLocks noGrp="1"/>
+          </p:cNvSpPr>
+          <p:nvPr>
+            <p:ph type="title"/>
+          </p:nvPr>
+        </p:nvSpPr>
+        <p:spPr/>
+        <p:txBody>
+          <a:bodyPr/>
+          <a:p>
+            <a:r>
+              <a:rPr lang="en-US" altLang="zh-CN"/>
               <a:t>References</a:t>
             </a:r>
             <a:endParaRPr lang="en-US" altLang="zh-CN"/>
@@ -5653,115 +6040,123 @@
         <p:spPr>
           <a:xfrm>
             <a:off x="838200" y="1211580"/>
-            <a:ext cx="7308850" cy="4549140"/>
+            <a:ext cx="7308850" cy="5187315"/>
           </a:xfrm>
         </p:spPr>
         <p:txBody>
           <a:bodyPr>
-            <a:normAutofit fontScale="90000" lnSpcReduction="20000"/>
+            <a:normAutofit lnSpcReduction="10000"/>
           </a:bodyPr>
           <a:p>
             <a:r>
-              <a:rPr lang="en-US" altLang="zh-CN"/>
+              <a:rPr lang="en-US" altLang="zh-CN" sz="1600"/>
               <a:t>Concept</a:t>
             </a:r>
-            <a:endParaRPr lang="en-US" altLang="zh-CN"/>
+            <a:endParaRPr lang="en-US" altLang="zh-CN" sz="1600"/>
           </a:p>
           <a:p>
             <a:pPr lvl="1"/>
             <a:r>
-              <a:rPr lang="en-US" altLang="zh-CN"/>
+              <a:rPr lang="en-US" altLang="zh-CN" sz="1400"/>
               <a:t>Docker: a platform to build, share, and run applications with containers</a:t>
             </a:r>
-            <a:endParaRPr lang="en-US" altLang="zh-CN"/>
+            <a:endParaRPr lang="en-US" altLang="zh-CN" sz="1400"/>
           </a:p>
           <a:p>
             <a:pPr lvl="1"/>
             <a:r>
-              <a:rPr lang="en-US" altLang="zh-CN"/>
+              <a:rPr lang="en-US" altLang="zh-CN" sz="1400"/>
               <a:t>container: a running process</a:t>
             </a:r>
-            <a:endParaRPr lang="en-US" altLang="zh-CN"/>
+            <a:endParaRPr lang="en-US" altLang="zh-CN" sz="1400"/>
           </a:p>
           <a:p>
             <a:pPr lvl="1"/>
             <a:r>
-              <a:rPr lang="en-US" altLang="zh-CN"/>
+              <a:rPr lang="en-US" altLang="zh-CN" sz="1400"/>
               <a:t>Docker image: everything needed to run an application</a:t>
             </a:r>
-            <a:endParaRPr lang="en-US" altLang="zh-CN"/>
+            <a:endParaRPr lang="en-US" altLang="zh-CN" sz="1400"/>
           </a:p>
           <a:p>
             <a:pPr lvl="1"/>
             <a:r>
-              <a:rPr lang="en-US" altLang="zh-CN"/>
+              <a:rPr lang="en-US" altLang="zh-CN" sz="1400"/>
               <a:t>Dokerfile: describe how to assemble a private filesystem for a container</a:t>
             </a:r>
-            <a:endParaRPr lang="en-US" altLang="zh-CN"/>
+            <a:endParaRPr lang="en-US" altLang="zh-CN" sz="1400"/>
           </a:p>
           <a:p>
             <a:pPr lvl="0"/>
             <a:r>
-              <a:rPr lang="en-US" altLang="zh-CN"/>
+              <a:rPr lang="en-US" altLang="zh-CN" sz="1600"/>
               <a:t>Install</a:t>
             </a:r>
-            <a:endParaRPr lang="en-US" altLang="zh-CN"/>
+            <a:endParaRPr lang="en-US" altLang="zh-CN" sz="1600"/>
           </a:p>
           <a:p>
             <a:pPr lvl="1"/>
             <a:r>
-              <a:rPr lang="en-US" altLang="zh-CN"/>
+              <a:rPr lang="en-US" altLang="zh-CN" sz="1400"/>
               <a:t>Docker for Windows</a:t>
             </a:r>
-            <a:endParaRPr lang="en-US" altLang="zh-CN"/>
+            <a:endParaRPr lang="en-US" altLang="zh-CN" sz="1400"/>
           </a:p>
           <a:p>
             <a:pPr lvl="2"/>
             <a:r>
-              <a:rPr lang="en-US" altLang="zh-CN"/>
+              <a:rPr lang="en-US" altLang="zh-CN" sz="1200"/>
               <a:t>https://github.com/docker/toolbox/releases</a:t>
             </a:r>
-            <a:endParaRPr lang="en-US" altLang="zh-CN"/>
+            <a:endParaRPr lang="en-US" altLang="zh-CN" sz="1200"/>
           </a:p>
           <a:p>
             <a:pPr lvl="2"/>
             <a:r>
-              <a:rPr lang="en-US" altLang="zh-CN"/>
+              <a:rPr lang="en-US" altLang="zh-CN" sz="1200"/>
               <a:t>Start “Docker Quickstart Terminal”</a:t>
             </a:r>
-            <a:endParaRPr lang="en-US" altLang="zh-CN"/>
+            <a:endParaRPr lang="en-US" altLang="zh-CN" sz="1200"/>
           </a:p>
           <a:p>
             <a:pPr lvl="1"/>
             <a:r>
-              <a:rPr lang="en-US" altLang="zh-CN"/>
-              <a:t>Linux</a:t>
-            </a:r>
-            <a:endParaRPr lang="en-US" altLang="zh-CN"/>
+              <a:rPr lang="en-US" altLang="zh-CN" sz="1400"/>
+              <a:t>Ubuntu Linux</a:t>
+            </a:r>
+            <a:endParaRPr lang="en-US" altLang="zh-CN" sz="1400"/>
           </a:p>
           <a:p>
             <a:pPr lvl="2"/>
             <a:r>
-              <a:rPr lang="en-US" altLang="zh-CN"/>
+              <a:rPr lang="en-US" altLang="zh-CN" sz="1200"/>
               <a:t>sudo apt install apt-transport-https ca-certificates curl gnupg-agent software-properties-common</a:t>
             </a:r>
-            <a:endParaRPr lang="en-US" altLang="zh-CN"/>
+            <a:endParaRPr lang="en-US" altLang="zh-CN" sz="1200"/>
           </a:p>
           <a:p>
             <a:pPr lvl="2"/>
             <a:r>
-              <a:rPr lang="en-US" altLang="zh-CN"/>
+              <a:rPr lang="en-US" altLang="zh-CN" sz="1200"/>
               <a:t>curl -fsSL https://download.docker.com/linux/ubuntu/gpg | sudo apt-key add -</a:t>
             </a:r>
-            <a:endParaRPr lang="en-US" altLang="zh-CN"/>
+            <a:endParaRPr lang="en-US" altLang="zh-CN" sz="1200"/>
           </a:p>
           <a:p>
             <a:pPr lvl="1"/>
             <a:r>
-              <a:rPr lang="en-US" altLang="zh-CN"/>
+              <a:rPr lang="en-US" altLang="zh-CN" sz="1400"/>
+              <a:t>CentOS</a:t>
+            </a:r>
+            <a:endParaRPr lang="en-US" altLang="zh-CN" sz="1400"/>
+          </a:p>
+          <a:p>
+            <a:pPr lvl="1"/>
+            <a:r>
+              <a:rPr lang="en-US" altLang="zh-CN" sz="1400"/>
               <a:t>Test install: docker run hello-world</a:t>
             </a:r>
-            <a:endParaRPr lang="en-US" altLang="zh-CN"/>
+            <a:endParaRPr lang="en-US" altLang="zh-CN" sz="1400"/>
           </a:p>
         </p:txBody>
       </p:sp>
@@ -5826,7 +6221,7 @@
           <a:p>
             <a:r>
               <a:rPr lang="en-US" altLang="zh-CN"/>
-              <a:t>Install on Ubuntu16.04</a:t>
+              <a:t>Install on Ubuntu16.04 (1)</a:t>
             </a:r>
             <a:endParaRPr lang="en-US" altLang="zh-CN"/>
           </a:p>
@@ -5995,7 +6390,7 @@
           <a:p>
             <a:r>
               <a:rPr lang="en-US" altLang="zh-CN"/>
-              <a:t>Install On Ubuntu 16.04</a:t>
+              <a:t>Install On Ubuntu 16.04 (2)</a:t>
             </a:r>
             <a:endParaRPr lang="en-US" altLang="zh-CN"/>
           </a:p>
@@ -6174,7 +6569,7 @@
           <a:p>
             <a:r>
               <a:rPr lang="en-US" altLang="zh-CN"/>
-              <a:t>Install On Aliyun Ubuntu 16.04</a:t>
+              <a:t>Install On Aliyun Ubuntu 16.04 (3)</a:t>
             </a:r>
             <a:endParaRPr lang="en-US" altLang="zh-CN"/>
           </a:p>
@@ -6249,6 +6644,283 @@
 </file>
 
 <file path=ppt/slides/slide7.xml><?xml version="1.0" encoding="utf-8"?>
+<p:sld xmlns:a="http://schemas.openxmlformats.org/drawingml/2006/main" xmlns:r="http://schemas.openxmlformats.org/officeDocument/2006/relationships" xmlns:p="http://schemas.openxmlformats.org/presentationml/2006/main">
+  <p:cSld>
+    <p:spTree>
+      <p:nvGrpSpPr>
+        <p:cNvPr id="1" name=""/>
+        <p:cNvGrpSpPr/>
+        <p:nvPr/>
+      </p:nvGrpSpPr>
+      <p:grpSpPr/>
+      <p:sp>
+        <p:nvSpPr>
+          <p:cNvPr id="2" name="标题 1"/>
+          <p:cNvSpPr>
+            <a:spLocks noGrp="1"/>
+          </p:cNvSpPr>
+          <p:nvPr>
+            <p:ph type="title"/>
+          </p:nvPr>
+        </p:nvSpPr>
+        <p:spPr/>
+        <p:txBody>
+          <a:bodyPr/>
+          <a:p>
+            <a:r>
+              <a:rPr lang="en-US" altLang="zh-CN"/>
+              <a:t>Install on CentOS</a:t>
+            </a:r>
+            <a:endParaRPr lang="en-US" altLang="zh-CN"/>
+          </a:p>
+        </p:txBody>
+      </p:sp>
+      <p:sp>
+        <p:nvSpPr>
+          <p:cNvPr id="3" name="内容占位符 2"/>
+          <p:cNvSpPr>
+            <a:spLocks noGrp="1"/>
+          </p:cNvSpPr>
+          <p:nvPr>
+            <p:ph idx="1"/>
+          </p:nvPr>
+        </p:nvSpPr>
+        <p:spPr>
+          <a:xfrm>
+            <a:off x="838200" y="1211580"/>
+            <a:ext cx="10515600" cy="5017770"/>
+          </a:xfrm>
+        </p:spPr>
+        <p:txBody>
+          <a:bodyPr>
+            <a:normAutofit fontScale="90000"/>
+          </a:bodyPr>
+          <a:p>
+            <a:pPr lvl="0" fontAlgn="auto">
+              <a:lnSpc>
+                <a:spcPct val="100000"/>
+              </a:lnSpc>
+            </a:pPr>
+            <a:r>
+              <a:rPr lang="en-US" altLang="zh-CN" sz="2000">
+                <a:sym typeface="+mn-ea"/>
+              </a:rPr>
+              <a:t>References</a:t>
+            </a:r>
+            <a:endParaRPr lang="en-US" altLang="zh-CN" sz="2000">
+              <a:sym typeface="+mn-ea"/>
+            </a:endParaRPr>
+          </a:p>
+          <a:p>
+            <a:pPr lvl="1" fontAlgn="auto">
+              <a:lnSpc>
+                <a:spcPct val="100000"/>
+              </a:lnSpc>
+            </a:pPr>
+            <a:r>
+              <a:rPr lang="en-US" altLang="zh-CN" sz="1800">
+                <a:sym typeface="+mn-ea"/>
+              </a:rPr>
+              <a:t>https://www.digitalocean.com/community/tutorials/how-to-install-and-use-docker-compose-on-centos-7</a:t>
+            </a:r>
+            <a:endParaRPr lang="en-US" altLang="zh-CN" sz="1800">
+              <a:sym typeface="+mn-ea"/>
+            </a:endParaRPr>
+          </a:p>
+          <a:p>
+            <a:pPr lvl="0" fontAlgn="auto">
+              <a:lnSpc>
+                <a:spcPct val="100000"/>
+              </a:lnSpc>
+            </a:pPr>
+            <a:r>
+              <a:rPr lang="en-US" altLang="zh-CN" sz="2000">
+                <a:sym typeface="+mn-ea"/>
+              </a:rPr>
+              <a:t>Install docker</a:t>
+            </a:r>
+            <a:endParaRPr lang="en-US" altLang="zh-CN" sz="2000">
+              <a:sym typeface="+mn-ea"/>
+            </a:endParaRPr>
+          </a:p>
+          <a:p>
+            <a:pPr lvl="1" fontAlgn="auto">
+              <a:lnSpc>
+                <a:spcPct val="100000"/>
+              </a:lnSpc>
+            </a:pPr>
+            <a:r>
+              <a:rPr lang="en-US" altLang="zh-CN" sz="1800">
+                <a:sym typeface="+mn-ea"/>
+              </a:rPr>
+              <a:t>sudo yum check-update</a:t>
+            </a:r>
+            <a:endParaRPr lang="en-US" altLang="zh-CN" sz="1800">
+              <a:sym typeface="+mn-ea"/>
+            </a:endParaRPr>
+          </a:p>
+          <a:p>
+            <a:pPr lvl="1" algn="l" fontAlgn="auto">
+              <a:lnSpc>
+                <a:spcPct val="100000"/>
+              </a:lnSpc>
+              <a:buClrTx/>
+              <a:buSzTx/>
+            </a:pPr>
+            <a:r>
+              <a:rPr lang="en-US" altLang="zh-CN" sz="1800">
+                <a:sym typeface="+mn-ea"/>
+              </a:rPr>
+              <a:t>sudo yum install -y yum-utils device-mapper-persistent-data lvm2</a:t>
+            </a:r>
+            <a:endParaRPr lang="en-US" altLang="zh-CN" sz="1800">
+              <a:sym typeface="+mn-ea"/>
+            </a:endParaRPr>
+          </a:p>
+          <a:p>
+            <a:pPr lvl="1" algn="l" fontAlgn="auto">
+              <a:lnSpc>
+                <a:spcPct val="100000"/>
+              </a:lnSpc>
+              <a:buClrTx/>
+              <a:buSzTx/>
+            </a:pPr>
+            <a:r>
+              <a:rPr lang="en-US" altLang="zh-CN" sz="1800">
+                <a:sym typeface="+mn-ea"/>
+              </a:rPr>
+              <a:t>sudo vim /usr/bin/yum-config-manager</a:t>
+            </a:r>
+            <a:endParaRPr lang="en-US" altLang="zh-CN" sz="1800">
+              <a:sym typeface="+mn-ea"/>
+            </a:endParaRPr>
+          </a:p>
+          <a:p>
+            <a:pPr lvl="2" algn="l" fontAlgn="auto">
+              <a:lnSpc>
+                <a:spcPct val="100000"/>
+              </a:lnSpc>
+              <a:buClrTx/>
+              <a:buSzTx/>
+            </a:pPr>
+            <a:r>
+              <a:rPr lang="en-US" altLang="zh-CN">
+                <a:sym typeface="+mn-ea"/>
+              </a:rPr>
+              <a:t>modify first line from #/usr/bin/python to /usr/bin/python?</a:t>
+            </a:r>
+            <a:endParaRPr lang="en-US" altLang="zh-CN">
+              <a:sym typeface="+mn-ea"/>
+            </a:endParaRPr>
+          </a:p>
+          <a:p>
+            <a:pPr lvl="1" fontAlgn="auto">
+              <a:lnSpc>
+                <a:spcPct val="100000"/>
+              </a:lnSpc>
+            </a:pPr>
+            <a:r>
+              <a:rPr lang="en-US" altLang="zh-CN" sz="1800">
+                <a:sym typeface="+mn-ea"/>
+              </a:rPr>
+              <a:t>sudo yum-config-manager --add-repo https://download.docker.com/linux/centos/docker-ce.repo</a:t>
+            </a:r>
+            <a:endParaRPr lang="en-US" altLang="zh-CN" sz="1800"/>
+          </a:p>
+          <a:p>
+            <a:pPr lvl="1" fontAlgn="auto">
+              <a:lnSpc>
+                <a:spcPct val="100000"/>
+              </a:lnSpc>
+            </a:pPr>
+            <a:r>
+              <a:rPr lang="en-US" altLang="zh-CN" sz="1800">
+                <a:sym typeface="+mn-ea"/>
+              </a:rPr>
+              <a:t>sudo yum install docker</a:t>
+            </a:r>
+            <a:endParaRPr lang="en-US" altLang="zh-CN" sz="1800">
+              <a:sym typeface="+mn-ea"/>
+            </a:endParaRPr>
+          </a:p>
+          <a:p>
+            <a:pPr lvl="0" fontAlgn="auto">
+              <a:lnSpc>
+                <a:spcPct val="100000"/>
+              </a:lnSpc>
+            </a:pPr>
+            <a:r>
+              <a:rPr lang="en-US" altLang="zh-CN" sz="2000">
+                <a:sym typeface="+mn-ea"/>
+              </a:rPr>
+              <a:t>Install docker-compose</a:t>
+            </a:r>
+            <a:endParaRPr lang="en-US" altLang="zh-CN" sz="2000">
+              <a:sym typeface="+mn-ea"/>
+            </a:endParaRPr>
+          </a:p>
+          <a:p>
+            <a:pPr lvl="1" fontAlgn="auto">
+              <a:lnSpc>
+                <a:spcPct val="100000"/>
+              </a:lnSpc>
+            </a:pPr>
+            <a:r>
+              <a:rPr lang="en-US" altLang="zh-CN" sz="1800"/>
+              <a:t>sudo curl -L "https://github.com/docker/compose/releases/download/1.23.2/docker-compose-$(uname -s)-$(uname -m)" -o /usr/local/bin/docker-compose</a:t>
+            </a:r>
+            <a:endParaRPr lang="en-US" altLang="zh-CN" sz="1800"/>
+          </a:p>
+          <a:p>
+            <a:pPr lvl="2" fontAlgn="auto">
+              <a:lnSpc>
+                <a:spcPct val="100000"/>
+              </a:lnSpc>
+            </a:pPr>
+            <a:r>
+              <a:rPr lang="en-US" altLang="zh-CN" sz="1620"/>
+              <a:t>Or download directly from https://github.com/docker/compose/releases</a:t>
+            </a:r>
+            <a:endParaRPr lang="en-US" altLang="zh-CN" sz="1620"/>
+          </a:p>
+          <a:p>
+            <a:pPr lvl="1" fontAlgn="auto">
+              <a:lnSpc>
+                <a:spcPct val="100000"/>
+              </a:lnSpc>
+            </a:pPr>
+            <a:r>
+              <a:rPr lang="en-US" altLang="zh-CN" sz="1800"/>
+              <a:t>sudo chmod +x /usr/local/bin/docker-compose</a:t>
+            </a:r>
+            <a:endParaRPr lang="en-US" altLang="zh-CN" sz="1800"/>
+          </a:p>
+          <a:p>
+            <a:pPr lvl="1" fontAlgn="auto">
+              <a:lnSpc>
+                <a:spcPct val="100000"/>
+              </a:lnSpc>
+            </a:pPr>
+            <a:r>
+              <a:rPr lang="en-US" altLang="zh-CN" sz="1800"/>
+              <a:t>docker-compose --version</a:t>
+            </a:r>
+            <a:endParaRPr lang="en-US" altLang="zh-CN" sz="1800"/>
+          </a:p>
+        </p:txBody>
+      </p:sp>
+    </p:spTree>
+    <p:custDataLst>
+      <p:tags r:id="rId1"/>
+    </p:custDataLst>
+  </p:cSld>
+  <p:clrMapOvr>
+    <a:masterClrMapping/>
+  </p:clrMapOvr>
+</p:sld>
+</file>
+
+<file path=ppt/slides/slide8.xml><?xml version="1.0" encoding="utf-8"?>
 <p:sld xmlns:a="http://schemas.openxmlformats.org/drawingml/2006/main" xmlns:r="http://schemas.openxmlformats.org/officeDocument/2006/relationships" xmlns:p="http://schemas.openxmlformats.org/presentationml/2006/main">
   <p:cSld>
     <p:spTree>
@@ -6568,7 +7240,7 @@
 </p:sld>
 </file>
 
-<file path=ppt/slides/slide8.xml><?xml version="1.0" encoding="utf-8"?>
+<file path=ppt/slides/slide9.xml><?xml version="1.0" encoding="utf-8"?>
 <p:sld xmlns:a="http://schemas.openxmlformats.org/drawingml/2006/main" xmlns:r="http://schemas.openxmlformats.org/officeDocument/2006/relationships" xmlns:p="http://schemas.openxmlformats.org/presentationml/2006/main">
   <p:cSld>
     <p:spTree>
@@ -6937,75 +7609,6 @@
     </p:spTree>
     <p:custDataLst>
       <p:tags r:id="rId1"/>
-    </p:custDataLst>
-  </p:cSld>
-  <p:clrMapOvr>
-    <a:masterClrMapping/>
-  </p:clrMapOvr>
-</p:sld>
-</file>
-
-<file path=ppt/slides/slide9.xml><?xml version="1.0" encoding="utf-8"?>
-<p:sld xmlns:a="http://schemas.openxmlformats.org/drawingml/2006/main" xmlns:r="http://schemas.openxmlformats.org/officeDocument/2006/relationships" xmlns:p="http://schemas.openxmlformats.org/presentationml/2006/main">
-  <p:cSld>
-    <p:spTree>
-      <p:nvGrpSpPr>
-        <p:cNvPr id="1" name=""/>
-        <p:cNvGrpSpPr/>
-        <p:nvPr/>
-      </p:nvGrpSpPr>
-      <p:grpSpPr/>
-      <p:sp>
-        <p:nvSpPr>
-          <p:cNvPr id="2" name="标题 1"/>
-          <p:cNvSpPr>
-            <a:spLocks noGrp="1"/>
-          </p:cNvSpPr>
-          <p:nvPr>
-            <p:ph type="title"/>
-          </p:nvPr>
-        </p:nvSpPr>
-        <p:spPr/>
-        <p:txBody>
-          <a:bodyPr/>
-          <a:p>
-            <a:r>
-              <a:rPr lang="en-US" altLang="zh-CN"/>
-              <a:t>Container Lifecycle</a:t>
-            </a:r>
-            <a:endParaRPr lang="en-US" altLang="zh-CN"/>
-          </a:p>
-        </p:txBody>
-      </p:sp>
-      <p:pic>
-        <p:nvPicPr>
-          <p:cNvPr id="5" name="内容占位符 4"/>
-          <p:cNvPicPr>
-            <a:picLocks noChangeAspect="1"/>
-          </p:cNvPicPr>
-          <p:nvPr>
-            <p:ph idx="1"/>
-          </p:nvPr>
-        </p:nvPicPr>
-        <p:blipFill>
-          <a:blip r:embed="rId1"/>
-          <a:stretch>
-            <a:fillRect/>
-          </a:stretch>
-        </p:blipFill>
-        <p:spPr>
-          <a:xfrm>
-            <a:off x="2729865" y="1283970"/>
-            <a:ext cx="7110730" cy="4290060"/>
-          </a:xfrm>
-          <a:prstGeom prst="rect">
-            <a:avLst/>
-          </a:prstGeom>
-        </p:spPr>
-      </p:pic>
-    </p:spTree>
-    <p:custDataLst>
-      <p:tags r:id="rId2"/>
     </p:custDataLst>
   </p:cSld>
   <p:clrMapOvr>
@@ -7080,15 +7683,15 @@
 
 <file path=ppt/tags/tag17.xml><?xml version="1.0" encoding="utf-8"?>
 <p:tagLst xmlns:p="http://schemas.openxmlformats.org/presentationml/2006/main">
-  <p:tag name="KSO_WM_UNIT_TABLE_BEAUTIFY" val="smartTable{f3b8ad3b-3471-476b-85f1-dbcd5eb37b20}"/>
+  <p:tag name="KSO_WM_BEAUTIFY_FLAG" val="#wm#"/>
+  <p:tag name="KSO_WM_TEMPLATE_CATEGORY" val="custom"/>
+  <p:tag name="KSO_WM_TEMPLATE_INDEX" val="160402"/>
 </p:tagLst>
 </file>
 
 <file path=ppt/tags/tag18.xml><?xml version="1.0" encoding="utf-8"?>
 <p:tagLst xmlns:p="http://schemas.openxmlformats.org/presentationml/2006/main">
-  <p:tag name="KSO_WM_BEAUTIFY_FLAG" val="#wm#"/>
-  <p:tag name="KSO_WM_TEMPLATE_CATEGORY" val="custom"/>
-  <p:tag name="KSO_WM_TEMPLATE_INDEX" val="160402"/>
+  <p:tag name="KSO_WM_UNIT_TABLE_BEAUTIFY" val="smartTable{f3b8ad3b-3471-476b-85f1-dbcd5eb37b20}"/>
 </p:tagLst>
 </file>
 
@@ -7117,6 +7720,14 @@
 </file>
 
 <file path=ppt/tags/tag21.xml><?xml version="1.0" encoding="utf-8"?>
+<p:tagLst xmlns:p="http://schemas.openxmlformats.org/presentationml/2006/main">
+  <p:tag name="KSO_WM_BEAUTIFY_FLAG" val="#wm#"/>
+  <p:tag name="KSO_WM_TEMPLATE_CATEGORY" val="custom"/>
+  <p:tag name="KSO_WM_TEMPLATE_INDEX" val="160402"/>
+</p:tagLst>
+</file>
+
+<file path=ppt/tags/tag22.xml><?xml version="1.0" encoding="utf-8"?>
 <p:tagLst xmlns:p="http://schemas.openxmlformats.org/presentationml/2006/main">
   <p:tag name="KSO_WM_BEAUTIFY_FLAG" val="#wm#"/>
   <p:tag name="KSO_WM_TEMPLATE_CATEGORY" val="custom"/>

--- a/Misc/Docker-Notes.pptx
+++ b/Misc/Docker-Notes.pptx
@@ -8,7 +8,7 @@
     <p:notesMasterId r:id="rId4"/>
   </p:notesMasterIdLst>
   <p:handoutMasterIdLst>
-    <p:handoutMasterId r:id="rId20"/>
+    <p:handoutMasterId r:id="rId21"/>
   </p:handoutMasterIdLst>
   <p:sldIdLst>
     <p:sldId id="256" r:id="rId3"/>
@@ -26,7 +26,8 @@
     <p:sldId id="260" r:id="rId16"/>
     <p:sldId id="262" r:id="rId17"/>
     <p:sldId id="265" r:id="rId18"/>
-    <p:sldId id="264" r:id="rId19"/>
+    <p:sldId id="309" r:id="rId19"/>
+    <p:sldId id="264" r:id="rId20"/>
   </p:sldIdLst>
   <p:sldSz cx="12192000" cy="6858000"/>
   <p:notesSz cx="6858000" cy="9144000"/>
@@ -5883,6 +5884,79 @@
           <a:p>
             <a:r>
               <a:rPr lang="en-US" altLang="zh-CN"/>
+              <a:t>Alpine</a:t>
+            </a:r>
+            <a:endParaRPr lang="en-US" altLang="zh-CN"/>
+          </a:p>
+        </p:txBody>
+      </p:sp>
+      <p:sp>
+        <p:nvSpPr>
+          <p:cNvPr id="3" name="内容占位符 2"/>
+          <p:cNvSpPr>
+            <a:spLocks noGrp="1"/>
+          </p:cNvSpPr>
+          <p:nvPr>
+            <p:ph idx="1"/>
+          </p:nvPr>
+        </p:nvSpPr>
+        <p:spPr/>
+        <p:txBody>
+          <a:bodyPr/>
+          <a:p>
+            <a:r>
+              <a:rPr lang="en-US" altLang="zh-CN"/>
+              <a:t>Intro</a:t>
+            </a:r>
+            <a:endParaRPr lang="en-US" altLang="zh-CN"/>
+          </a:p>
+          <a:p>
+            <a:pPr lvl="1"/>
+            <a:r>
+              <a:rPr lang="en-US" altLang="zh-CN"/>
+              <a:t>a minimal docker image based on Alpine Linux with a complete package index and only 5MB in size</a:t>
+            </a:r>
+            <a:endParaRPr lang="en-US" altLang="zh-CN"/>
+          </a:p>
+        </p:txBody>
+      </p:sp>
+    </p:spTree>
+    <p:custDataLst>
+      <p:tags r:id="rId1"/>
+    </p:custDataLst>
+  </p:cSld>
+  <p:clrMapOvr>
+    <a:masterClrMapping/>
+  </p:clrMapOvr>
+</p:sld>
+</file>
+
+<file path=ppt/slides/slide17.xml><?xml version="1.0" encoding="utf-8"?>
+<p:sld xmlns:a="http://schemas.openxmlformats.org/drawingml/2006/main" xmlns:r="http://schemas.openxmlformats.org/officeDocument/2006/relationships" xmlns:p="http://schemas.openxmlformats.org/presentationml/2006/main">
+  <p:cSld>
+    <p:spTree>
+      <p:nvGrpSpPr>
+        <p:cNvPr id="1" name=""/>
+        <p:cNvGrpSpPr/>
+        <p:nvPr/>
+      </p:nvGrpSpPr>
+      <p:grpSpPr/>
+      <p:sp>
+        <p:nvSpPr>
+          <p:cNvPr id="2" name="标题 1"/>
+          <p:cNvSpPr>
+            <a:spLocks noGrp="1"/>
+          </p:cNvSpPr>
+          <p:nvPr>
+            <p:ph type="title"/>
+          </p:nvPr>
+        </p:nvSpPr>
+        <p:spPr/>
+        <p:txBody>
+          <a:bodyPr/>
+          <a:p>
+            <a:r>
+              <a:rPr lang="en-US" altLang="zh-CN"/>
               <a:t>References</a:t>
             </a:r>
             <a:endParaRPr lang="en-US" altLang="zh-CN"/>
@@ -6045,118 +6119,118 @@
         </p:spPr>
         <p:txBody>
           <a:bodyPr>
-            <a:normAutofit lnSpcReduction="10000"/>
+            <a:normAutofit/>
           </a:bodyPr>
           <a:p>
             <a:r>
+              <a:rPr lang="en-US" altLang="zh-CN" sz="1800"/>
+              <a:t>Concept</a:t>
+            </a:r>
+            <a:endParaRPr lang="en-US" altLang="zh-CN" sz="1800"/>
+          </a:p>
+          <a:p>
+            <a:pPr lvl="1"/>
+            <a:r>
               <a:rPr lang="en-US" altLang="zh-CN" sz="1600"/>
-              <a:t>Concept</a:t>
+              <a:t>Docker: a platform to build, share, and run applications with containers</a:t>
             </a:r>
             <a:endParaRPr lang="en-US" altLang="zh-CN" sz="1600"/>
           </a:p>
           <a:p>
             <a:pPr lvl="1"/>
             <a:r>
+              <a:rPr lang="en-US" altLang="zh-CN" sz="1600"/>
+              <a:t>container: a running process</a:t>
+            </a:r>
+            <a:endParaRPr lang="en-US" altLang="zh-CN" sz="1600"/>
+          </a:p>
+          <a:p>
+            <a:pPr lvl="1"/>
+            <a:r>
+              <a:rPr lang="en-US" altLang="zh-CN" sz="1600"/>
+              <a:t>Docker image: everything needed to run an application</a:t>
+            </a:r>
+            <a:endParaRPr lang="en-US" altLang="zh-CN" sz="1600"/>
+          </a:p>
+          <a:p>
+            <a:pPr lvl="1"/>
+            <a:r>
+              <a:rPr lang="en-US" altLang="zh-CN" sz="1600"/>
+              <a:t>Dokerfile: describe how to assemble a private filesystem for a container</a:t>
+            </a:r>
+            <a:endParaRPr lang="en-US" altLang="zh-CN" sz="1600"/>
+          </a:p>
+          <a:p>
+            <a:pPr lvl="0"/>
+            <a:r>
+              <a:rPr lang="en-US" altLang="zh-CN" sz="1800"/>
+              <a:t>Install</a:t>
+            </a:r>
+            <a:endParaRPr lang="en-US" altLang="zh-CN" sz="1800"/>
+          </a:p>
+          <a:p>
+            <a:pPr lvl="1"/>
+            <a:r>
+              <a:rPr lang="en-US" altLang="zh-CN" sz="1600"/>
+              <a:t>Docker for Windows</a:t>
+            </a:r>
+            <a:endParaRPr lang="en-US" altLang="zh-CN" sz="1600"/>
+          </a:p>
+          <a:p>
+            <a:pPr lvl="2"/>
+            <a:r>
               <a:rPr lang="en-US" altLang="zh-CN" sz="1400"/>
-              <a:t>Docker: a platform to build, share, and run applications with containers</a:t>
+              <a:t>https://github.com/docker/toolbox/releases</a:t>
             </a:r>
             <a:endParaRPr lang="en-US" altLang="zh-CN" sz="1400"/>
           </a:p>
           <a:p>
+            <a:pPr lvl="2"/>
+            <a:r>
+              <a:rPr lang="en-US" altLang="zh-CN" sz="1400"/>
+              <a:t>Start “Docker Quickstart Terminal”</a:t>
+            </a:r>
+            <a:endParaRPr lang="en-US" altLang="zh-CN" sz="1400"/>
+          </a:p>
+          <a:p>
             <a:pPr lvl="1"/>
             <a:r>
+              <a:rPr lang="en-US" altLang="zh-CN" sz="1600"/>
+              <a:t>Ubuntu Linux</a:t>
+            </a:r>
+            <a:endParaRPr lang="en-US" altLang="zh-CN" sz="1600"/>
+          </a:p>
+          <a:p>
+            <a:pPr lvl="2"/>
+            <a:r>
               <a:rPr lang="en-US" altLang="zh-CN" sz="1400"/>
-              <a:t>container: a running process</a:t>
+              <a:t>sudo apt install apt-transport-https ca-certificates curl gnupg-agent software-properties-common</a:t>
             </a:r>
             <a:endParaRPr lang="en-US" altLang="zh-CN" sz="1400"/>
           </a:p>
           <a:p>
+            <a:pPr lvl="2"/>
+            <a:r>
+              <a:rPr lang="en-US" altLang="zh-CN" sz="1400"/>
+              <a:t>curl -fsSL https://download.docker.com/linux/ubuntu/gpg | sudo apt-key add -</a:t>
+            </a:r>
+            <a:endParaRPr lang="en-US" altLang="zh-CN" sz="1400"/>
+          </a:p>
+          <a:p>
             <a:pPr lvl="1"/>
             <a:r>
-              <a:rPr lang="en-US" altLang="zh-CN" sz="1400"/>
-              <a:t>Docker image: everything needed to run an application</a:t>
-            </a:r>
-            <a:endParaRPr lang="en-US" altLang="zh-CN" sz="1400"/>
+              <a:rPr lang="en-US" altLang="zh-CN" sz="1600"/>
+              <a:t>CentOS</a:t>
+            </a:r>
+            <a:endParaRPr lang="en-US" altLang="zh-CN" sz="1600"/>
           </a:p>
           <a:p>
             <a:pPr lvl="1"/>
             <a:r>
-              <a:rPr lang="en-US" altLang="zh-CN" sz="1400"/>
-              <a:t>Dokerfile: describe how to assemble a private filesystem for a container</a:t>
-            </a:r>
-            <a:endParaRPr lang="en-US" altLang="zh-CN" sz="1400"/>
-          </a:p>
-          <a:p>
-            <a:pPr lvl="0"/>
-            <a:r>
               <a:rPr lang="en-US" altLang="zh-CN" sz="1600"/>
-              <a:t>Install</a:t>
+              <a:t>Test install: docker run hello-world</a:t>
             </a:r>
             <a:endParaRPr lang="en-US" altLang="zh-CN" sz="1600"/>
-          </a:p>
-          <a:p>
-            <a:pPr lvl="1"/>
-            <a:r>
-              <a:rPr lang="en-US" altLang="zh-CN" sz="1400"/>
-              <a:t>Docker for Windows</a:t>
-            </a:r>
-            <a:endParaRPr lang="en-US" altLang="zh-CN" sz="1400"/>
-          </a:p>
-          <a:p>
-            <a:pPr lvl="2"/>
-            <a:r>
-              <a:rPr lang="en-US" altLang="zh-CN" sz="1200"/>
-              <a:t>https://github.com/docker/toolbox/releases</a:t>
-            </a:r>
-            <a:endParaRPr lang="en-US" altLang="zh-CN" sz="1200"/>
-          </a:p>
-          <a:p>
-            <a:pPr lvl="2"/>
-            <a:r>
-              <a:rPr lang="en-US" altLang="zh-CN" sz="1200"/>
-              <a:t>Start “Docker Quickstart Terminal”</a:t>
-            </a:r>
-            <a:endParaRPr lang="en-US" altLang="zh-CN" sz="1200"/>
-          </a:p>
-          <a:p>
-            <a:pPr lvl="1"/>
-            <a:r>
-              <a:rPr lang="en-US" altLang="zh-CN" sz="1400"/>
-              <a:t>Ubuntu Linux</a:t>
-            </a:r>
-            <a:endParaRPr lang="en-US" altLang="zh-CN" sz="1400"/>
-          </a:p>
-          <a:p>
-            <a:pPr lvl="2"/>
-            <a:r>
-              <a:rPr lang="en-US" altLang="zh-CN" sz="1200"/>
-              <a:t>sudo apt install apt-transport-https ca-certificates curl gnupg-agent software-properties-common</a:t>
-            </a:r>
-            <a:endParaRPr lang="en-US" altLang="zh-CN" sz="1200"/>
-          </a:p>
-          <a:p>
-            <a:pPr lvl="2"/>
-            <a:r>
-              <a:rPr lang="en-US" altLang="zh-CN" sz="1200"/>
-              <a:t>curl -fsSL https://download.docker.com/linux/ubuntu/gpg | sudo apt-key add -</a:t>
-            </a:r>
-            <a:endParaRPr lang="en-US" altLang="zh-CN" sz="1200"/>
-          </a:p>
-          <a:p>
-            <a:pPr lvl="1"/>
-            <a:r>
-              <a:rPr lang="en-US" altLang="zh-CN" sz="1400"/>
-              <a:t>CentOS</a:t>
-            </a:r>
-            <a:endParaRPr lang="en-US" altLang="zh-CN" sz="1400"/>
-          </a:p>
-          <a:p>
-            <a:pPr lvl="1"/>
-            <a:r>
-              <a:rPr lang="en-US" altLang="zh-CN" sz="1400"/>
-              <a:t>Test install: docker run hello-world</a:t>
-            </a:r>
-            <a:endParaRPr lang="en-US" altLang="zh-CN" sz="1400"/>
           </a:p>
         </p:txBody>
       </p:sp>
@@ -6245,7 +6319,7 @@
         </p:spPr>
         <p:txBody>
           <a:bodyPr>
-            <a:normAutofit/>
+            <a:normAutofit lnSpcReduction="10000"/>
           </a:bodyPr>
           <a:p>
             <a:pPr fontAlgn="auto">
@@ -6291,7 +6365,7 @@
             </a:pPr>
             <a:r>
               <a:rPr lang="en-US" altLang="zh-CN"/>
-              <a:t>Install Docker Compose</a:t>
+              <a:t>Install Docker</a:t>
             </a:r>
             <a:endParaRPr lang="en-US" altLang="zh-CN"/>
           </a:p>
@@ -6302,10 +6376,46 @@
               </a:lnSpc>
             </a:pPr>
             <a:r>
+              <a:rPr lang="en-US" altLang="zh-CN" sz="2000"/>
+              <a:t>sudo apt install docker.io</a:t>
+            </a:r>
+            <a:endParaRPr lang="en-US" altLang="zh-CN"/>
+          </a:p>
+          <a:p>
+            <a:pPr fontAlgn="auto">
+              <a:lnSpc>
+                <a:spcPct val="100000"/>
+              </a:lnSpc>
+            </a:pPr>
+            <a:r>
               <a:rPr lang="en-US" altLang="zh-CN"/>
+              <a:t>Install Docker Compose</a:t>
+            </a:r>
+            <a:endParaRPr lang="en-US" altLang="zh-CN"/>
+          </a:p>
+          <a:p>
+            <a:pPr lvl="1" fontAlgn="auto">
+              <a:lnSpc>
+                <a:spcPct val="100000"/>
+              </a:lnSpc>
+            </a:pPr>
+            <a:r>
+              <a:rPr lang="en-US" altLang="zh-CN">
+                <a:solidFill>
+                  <a:schemeClr val="bg1">
+                    <a:lumMod val="75000"/>
+                  </a:schemeClr>
+                </a:solidFill>
+              </a:rPr>
               <a:t>sudo curl -L "https://github.com/docker/compose/releases/download/1.25.3/docker-compose-$(uname -s)-$(uname -m)" -o /usr/local/bin/docker-compose	# slow</a:t>
             </a:r>
-            <a:endParaRPr lang="en-US" altLang="zh-CN"/>
+            <a:endParaRPr lang="en-US" altLang="zh-CN">
+              <a:solidFill>
+                <a:schemeClr val="bg1">
+                  <a:lumMod val="75000"/>
+                </a:schemeClr>
+              </a:solidFill>
+            </a:endParaRPr>
           </a:p>
           <a:p>
             <a:pPr lvl="1" fontAlgn="auto">
@@ -6688,12 +6798,12 @@
         <p:spPr>
           <a:xfrm>
             <a:off x="838200" y="1211580"/>
-            <a:ext cx="10515600" cy="5017770"/>
+            <a:ext cx="10515600" cy="5238750"/>
           </a:xfrm>
         </p:spPr>
         <p:txBody>
           <a:bodyPr>
-            <a:normAutofit fontScale="90000"/>
+            <a:normAutofit fontScale="70000"/>
           </a:bodyPr>
           <a:p>
             <a:pPr lvl="0" fontAlgn="auto">
@@ -6866,10 +6976,22 @@
               </a:lnSpc>
             </a:pPr>
             <a:r>
-              <a:rPr lang="en-US" altLang="zh-CN" sz="1800"/>
+              <a:rPr lang="en-US" altLang="zh-CN" sz="1800">
+                <a:solidFill>
+                  <a:schemeClr val="bg1">
+                    <a:lumMod val="75000"/>
+                  </a:schemeClr>
+                </a:solidFill>
+              </a:rPr>
               <a:t>sudo curl -L "https://github.com/docker/compose/releases/download/1.23.2/docker-compose-$(uname -s)-$(uname -m)" -o /usr/local/bin/docker-compose</a:t>
             </a:r>
-            <a:endParaRPr lang="en-US" altLang="zh-CN" sz="1800"/>
+            <a:endParaRPr lang="en-US" altLang="zh-CN" sz="1800">
+              <a:solidFill>
+                <a:schemeClr val="bg1">
+                  <a:lumMod val="75000"/>
+                </a:schemeClr>
+              </a:solidFill>
+            </a:endParaRPr>
           </a:p>
           <a:p>
             <a:pPr lvl="2" fontAlgn="auto">
@@ -6878,10 +7000,22 @@
               </a:lnSpc>
             </a:pPr>
             <a:r>
-              <a:rPr lang="en-US" altLang="zh-CN" sz="1620"/>
+              <a:rPr lang="en-US" altLang="zh-CN" sz="1620">
+                <a:solidFill>
+                  <a:schemeClr val="bg1">
+                    <a:lumMod val="75000"/>
+                  </a:schemeClr>
+                </a:solidFill>
+              </a:rPr>
               <a:t>Or download directly from https://github.com/docker/compose/releases</a:t>
             </a:r>
-            <a:endParaRPr lang="en-US" altLang="zh-CN" sz="1620"/>
+            <a:endParaRPr lang="en-US" altLang="zh-CN" sz="1620">
+              <a:solidFill>
+                <a:schemeClr val="bg1">
+                  <a:lumMod val="75000"/>
+                </a:schemeClr>
+              </a:solidFill>
+            </a:endParaRPr>
           </a:p>
           <a:p>
             <a:pPr lvl="1" fontAlgn="auto">
@@ -6890,8 +7024,10 @@
               </a:lnSpc>
             </a:pPr>
             <a:r>
-              <a:rPr lang="en-US" altLang="zh-CN" sz="1800"/>
-              <a:t>sudo chmod +x /usr/local/bin/docker-compose</a:t>
+              <a:rPr lang="en-US" altLang="zh-CN" sz="1800">
+                <a:sym typeface="+mn-ea"/>
+              </a:rPr>
+              <a:t>sudo curl -L https://get.daocloud.io/docker/compose/releases/download/1.25.3/docker-compose-`uname -s`-`uname -m` -o /usr/local/bin/docker-compose</a:t>
             </a:r>
             <a:endParaRPr lang="en-US" altLang="zh-CN" sz="1800"/>
           </a:p>
@@ -6903,7 +7039,43 @@
             </a:pPr>
             <a:r>
               <a:rPr lang="en-US" altLang="zh-CN" sz="1800"/>
+              <a:t>sudo chmod +x /usr/local/bin/docker-compose</a:t>
+            </a:r>
+            <a:endParaRPr lang="en-US" altLang="zh-CN" sz="1800"/>
+          </a:p>
+          <a:p>
+            <a:pPr lvl="1" fontAlgn="auto">
+              <a:lnSpc>
+                <a:spcPct val="100000"/>
+              </a:lnSpc>
+            </a:pPr>
+            <a:r>
+              <a:rPr lang="en-US" altLang="zh-CN" sz="1800"/>
               <a:t>docker-compose --version</a:t>
+            </a:r>
+            <a:endParaRPr lang="en-US" altLang="zh-CN" sz="1800"/>
+          </a:p>
+          <a:p>
+            <a:pPr lvl="0" fontAlgn="auto">
+              <a:lnSpc>
+                <a:spcPct val="100000"/>
+              </a:lnSpc>
+            </a:pPr>
+            <a:r>
+              <a:rPr lang="en-US" altLang="zh-CN" sz="2160"/>
+              <a:t>Start</a:t>
+            </a:r>
+            <a:endParaRPr lang="en-US" altLang="zh-CN" sz="2160"/>
+          </a:p>
+          <a:p>
+            <a:pPr lvl="1" fontAlgn="auto">
+              <a:lnSpc>
+                <a:spcPct val="100000"/>
+              </a:lnSpc>
+            </a:pPr>
+            <a:r>
+              <a:rPr lang="en-US" altLang="zh-CN" sz="1800"/>
+              <a:t>systemctl start docker.service</a:t>
             </a:r>
             <a:endParaRPr lang="en-US" altLang="zh-CN" sz="1800"/>
           </a:p>
@@ -7728,6 +7900,14 @@
 </file>
 
 <file path=ppt/tags/tag22.xml><?xml version="1.0" encoding="utf-8"?>
+<p:tagLst xmlns:p="http://schemas.openxmlformats.org/presentationml/2006/main">
+  <p:tag name="KSO_WM_BEAUTIFY_FLAG" val="#wm#"/>
+  <p:tag name="KSO_WM_TEMPLATE_CATEGORY" val="custom"/>
+  <p:tag name="KSO_WM_TEMPLATE_INDEX" val="160402"/>
+</p:tagLst>
+</file>
+
+<file path=ppt/tags/tag23.xml><?xml version="1.0" encoding="utf-8"?>
 <p:tagLst xmlns:p="http://schemas.openxmlformats.org/presentationml/2006/main">
   <p:tag name="KSO_WM_BEAUTIFY_FLAG" val="#wm#"/>
   <p:tag name="KSO_WM_TEMPLATE_CATEGORY" val="custom"/>

--- a/Misc/Docker-Notes.pptx
+++ b/Misc/Docker-Notes.pptx
@@ -27,7 +27,7 @@
     <p:sldId id="262" r:id="rId17"/>
     <p:sldId id="265" r:id="rId18"/>
     <p:sldId id="309" r:id="rId19"/>
-    <p:sldId id="264" r:id="rId20"/>
+    <p:sldId id="311" r:id="rId20"/>
   </p:sldIdLst>
   <p:sldSz cx="12192000" cy="6858000"/>
   <p:notesSz cx="6858000" cy="9144000"/>
@@ -5957,7 +5957,7 @@
           <a:p>
             <a:r>
               <a:rPr lang="en-US" altLang="zh-CN"/>
-              <a:t>References</a:t>
+              <a:t>tmpfs</a:t>
             </a:r>
             <a:endParaRPr lang="en-US" altLang="zh-CN"/>
           </a:p>
@@ -5973,21 +5973,122 @@
             <p:ph idx="1"/>
           </p:nvPr>
         </p:nvSpPr>
-        <p:spPr/>
+        <p:spPr>
+          <a:xfrm>
+            <a:off x="838200" y="1211580"/>
+            <a:ext cx="6135370" cy="4549140"/>
+          </a:xfrm>
+        </p:spPr>
         <p:txBody>
           <a:bodyPr/>
           <a:p>
             <a:r>
+              <a:rPr lang="en-US" altLang="zh-CN"/>
+              <a:t>Features</a:t>
+            </a:r>
+            <a:endParaRPr lang="en-US" altLang="zh-CN"/>
+          </a:p>
+          <a:p>
+            <a:pPr lvl="1"/>
+            <a:r>
+              <a:rPr lang="en-US" altLang="zh-CN"/>
+              <a:t>Do not persist in either the host or the container writable layer</a:t>
+            </a:r>
+            <a:endParaRPr lang="en-US" altLang="zh-CN"/>
+          </a:p>
+          <a:p>
+            <a:pPr lvl="0"/>
+            <a:r>
+              <a:rPr lang="en-US" altLang="zh-CN"/>
+              <a:t>Limitations</a:t>
+            </a:r>
+            <a:endParaRPr lang="en-US" altLang="zh-CN"/>
+          </a:p>
+          <a:p>
+            <a:pPr lvl="1"/>
+            <a:r>
+              <a:rPr lang="en-US" altLang="zh-CN"/>
+              <a:t>Cannot share between containers</a:t>
+            </a:r>
+            <a:endParaRPr lang="en-US" altLang="zh-CN"/>
+          </a:p>
+          <a:p>
+            <a:pPr lvl="1"/>
+            <a:r>
+              <a:rPr lang="en-US" altLang="zh-CN"/>
+              <a:t>Only available when host is Linux</a:t>
+            </a:r>
+            <a:endParaRPr lang="en-US" altLang="zh-CN"/>
+          </a:p>
+          <a:p>
+            <a:pPr lvl="0"/>
+            <a:r>
+              <a:rPr lang="en-US" altLang="zh-CN"/>
+              <a:t>Configure</a:t>
+            </a:r>
+            <a:endParaRPr lang="en-US" altLang="zh-CN"/>
+          </a:p>
+          <a:p>
+            <a:pPr lvl="1"/>
+            <a:r>
+              <a:rPr lang="en-US" altLang="zh-CN"/>
+              <a:t>In docker-compose.yml</a:t>
+            </a:r>
+            <a:endParaRPr lang="en-US" altLang="zh-CN"/>
+          </a:p>
+          <a:p>
+            <a:pPr lvl="2"/>
+            <a:r>
+              <a:rPr lang="en-US" altLang="zh-CN"/>
+              <a:t>version 3.6</a:t>
+            </a:r>
+            <a:r>
               <a:rPr lang="zh-CN" altLang="en-US"/>
-              <a:t>https://www.tutorialspoint.com/docker/</a:t>
+              <a:t>或以上</a:t>
             </a:r>
             <a:endParaRPr lang="zh-CN" altLang="en-US"/>
           </a:p>
-        </p:txBody>
-      </p:sp>
+          <a:p>
+            <a:pPr lvl="2"/>
+            <a:r>
+              <a:rPr lang="en-US" altLang="zh-CN"/>
+              <a:t>tmpfs: /tmp</a:t>
+            </a:r>
+            <a:endParaRPr lang="en-US" altLang="zh-CN"/>
+          </a:p>
+        </p:txBody>
+      </p:sp>
+      <p:pic>
+        <p:nvPicPr>
+          <p:cNvPr id="4" name="图片 3"/>
+          <p:cNvPicPr>
+            <a:picLocks noChangeAspect="1"/>
+          </p:cNvPicPr>
+          <p:nvPr>
+            <p:custDataLst>
+              <p:tags r:id="rId1"/>
+            </p:custDataLst>
+          </p:nvPr>
+        </p:nvPicPr>
+        <p:blipFill>
+          <a:blip r:embed="rId2"/>
+          <a:stretch>
+            <a:fillRect/>
+          </a:stretch>
+        </p:blipFill>
+        <p:spPr>
+          <a:xfrm>
+            <a:off x="7243445" y="721995"/>
+            <a:ext cx="4772025" cy="2466975"/>
+          </a:xfrm>
+          <a:prstGeom prst="rect">
+            <a:avLst/>
+          </a:prstGeom>
+        </p:spPr>
+      </p:pic>
     </p:spTree>
     <p:custDataLst>
-      <p:tags r:id="rId1"/>
+      <p:tags r:id="rId3"/>
     </p:custDataLst>
   </p:cSld>
   <p:clrMapOvr>
@@ -6054,6 +6155,20 @@
               <a:rPr lang="zh-CN" altLang="en-US"/>
               <a:t>https://docs.docker.com/develop/develop-images/dockerfile_best-practices/</a:t>
             </a:r>
+            <a:endParaRPr lang="zh-CN" altLang="en-US"/>
+          </a:p>
+          <a:p>
+            <a:pPr lvl="1"/>
+            <a:r>
+              <a:rPr lang="zh-CN" altLang="en-US">
+                <a:sym typeface="+mn-ea"/>
+              </a:rPr>
+              <a:t>https://www.tutorialspoint.com/docker/</a:t>
+            </a:r>
+            <a:endParaRPr lang="zh-CN" altLang="en-US"/>
+          </a:p>
+          <a:p>
+            <a:pPr lvl="1"/>
             <a:endParaRPr lang="zh-CN" altLang="en-US"/>
           </a:p>
         </p:txBody>
@@ -7908,6 +8023,13 @@
 </file>
 
 <file path=ppt/tags/tag23.xml><?xml version="1.0" encoding="utf-8"?>
+<p:tagLst xmlns:p="http://schemas.openxmlformats.org/presentationml/2006/main">
+  <p:tag name="REFSHAPE" val="379500028"/>
+  <p:tag name="KSO_WM_UNIT_PLACING_PICTURE_USER_VIEWPORT" val="{&quot;height&quot;:3885,&quot;width&quot;:7515}"/>
+</p:tagLst>
+</file>
+
+<file path=ppt/tags/tag24.xml><?xml version="1.0" encoding="utf-8"?>
 <p:tagLst xmlns:p="http://schemas.openxmlformats.org/presentationml/2006/main">
   <p:tag name="KSO_WM_BEAUTIFY_FLAG" val="#wm#"/>
   <p:tag name="KSO_WM_TEMPLATE_CATEGORY" val="custom"/>

--- a/Misc/Docker-Notes.pptx
+++ b/Misc/Docker-Notes.pptx
@@ -8,7 +8,7 @@
     <p:notesMasterId r:id="rId4"/>
   </p:notesMasterIdLst>
   <p:handoutMasterIdLst>
-    <p:handoutMasterId r:id="rId21"/>
+    <p:handoutMasterId r:id="rId22"/>
   </p:handoutMasterIdLst>
   <p:sldIdLst>
     <p:sldId id="256" r:id="rId3"/>
@@ -28,6 +28,7 @@
     <p:sldId id="265" r:id="rId18"/>
     <p:sldId id="309" r:id="rId19"/>
     <p:sldId id="311" r:id="rId20"/>
+    <p:sldId id="312" r:id="rId21"/>
   </p:sldIdLst>
   <p:sldSz cx="12192000" cy="6858000"/>
   <p:notesSz cx="6858000" cy="9144000"/>
@@ -6097,6 +6098,86 @@
 </p:sld>
 </file>
 
+<file path=ppt/slides/slide18.xml><?xml version="1.0" encoding="utf-8"?>
+<p:sld xmlns:a="http://schemas.openxmlformats.org/drawingml/2006/main" xmlns:r="http://schemas.openxmlformats.org/officeDocument/2006/relationships" xmlns:p="http://schemas.openxmlformats.org/presentationml/2006/main">
+  <p:cSld>
+    <p:spTree>
+      <p:nvGrpSpPr>
+        <p:cNvPr id="1" name=""/>
+        <p:cNvGrpSpPr/>
+        <p:nvPr/>
+      </p:nvGrpSpPr>
+      <p:grpSpPr/>
+      <p:sp>
+        <p:nvSpPr>
+          <p:cNvPr id="2" name="标题 1"/>
+          <p:cNvSpPr>
+            <a:spLocks noGrp="1"/>
+          </p:cNvSpPr>
+          <p:nvPr>
+            <p:ph type="title"/>
+          </p:nvPr>
+        </p:nvSpPr>
+        <p:spPr/>
+        <p:txBody>
+          <a:bodyPr/>
+          <a:p>
+            <a:r>
+              <a:rPr lang="en-US" altLang="zh-CN"/>
+              <a:t>Clean</a:t>
+            </a:r>
+            <a:endParaRPr lang="en-US" altLang="zh-CN"/>
+          </a:p>
+        </p:txBody>
+      </p:sp>
+      <p:sp>
+        <p:nvSpPr>
+          <p:cNvPr id="3" name="内容占位符 2"/>
+          <p:cNvSpPr>
+            <a:spLocks noGrp="1"/>
+          </p:cNvSpPr>
+          <p:nvPr>
+            <p:ph idx="1"/>
+          </p:nvPr>
+        </p:nvSpPr>
+        <p:spPr/>
+        <p:txBody>
+          <a:bodyPr/>
+          <a:p>
+            <a:r>
+              <a:rPr lang="zh-CN" altLang="en-US"/>
+              <a:t>sudo docker system prune -a -f</a:t>
+            </a:r>
+            <a:endParaRPr lang="zh-CN" altLang="en-US"/>
+          </a:p>
+          <a:p>
+            <a:r>
+              <a:rPr lang="en-US" altLang="zh-CN"/>
+              <a:t>/var/lib/docker</a:t>
+            </a:r>
+            <a:endParaRPr lang="en-US" altLang="zh-CN"/>
+          </a:p>
+          <a:p>
+            <a:pPr lvl="1"/>
+            <a:r>
+              <a:rPr lang="en-US" altLang="zh-CN"/>
+              <a:t>Huge size</a:t>
+            </a:r>
+            <a:endParaRPr lang="en-US" altLang="zh-CN"/>
+          </a:p>
+        </p:txBody>
+      </p:sp>
+    </p:spTree>
+    <p:custDataLst>
+      <p:tags r:id="rId1"/>
+    </p:custDataLst>
+  </p:cSld>
+  <p:clrMapOvr>
+    <a:masterClrMapping/>
+  </p:clrMapOvr>
+</p:sld>
+</file>
+
 <file path=ppt/slides/slide2.xml><?xml version="1.0" encoding="utf-8"?>
 <p:sld xmlns:a="http://schemas.openxmlformats.org/drawingml/2006/main" xmlns:r="http://schemas.openxmlformats.org/officeDocument/2006/relationships" xmlns:p="http://schemas.openxmlformats.org/presentationml/2006/main">
   <p:cSld>
@@ -8030,6 +8111,14 @@
 </file>
 
 <file path=ppt/tags/tag24.xml><?xml version="1.0" encoding="utf-8"?>
+<p:tagLst xmlns:p="http://schemas.openxmlformats.org/presentationml/2006/main">
+  <p:tag name="KSO_WM_BEAUTIFY_FLAG" val="#wm#"/>
+  <p:tag name="KSO_WM_TEMPLATE_CATEGORY" val="custom"/>
+  <p:tag name="KSO_WM_TEMPLATE_INDEX" val="160402"/>
+</p:tagLst>
+</file>
+
+<file path=ppt/tags/tag25.xml><?xml version="1.0" encoding="utf-8"?>
 <p:tagLst xmlns:p="http://schemas.openxmlformats.org/presentationml/2006/main">
   <p:tag name="KSO_WM_BEAUTIFY_FLAG" val="#wm#"/>
   <p:tag name="KSO_WM_TEMPLATE_CATEGORY" val="custom"/>

--- a/Misc/Docker-Notes.pptx
+++ b/Misc/Docker-Notes.pptx
@@ -8,7 +8,7 @@
     <p:notesMasterId r:id="rId4"/>
   </p:notesMasterIdLst>
   <p:handoutMasterIdLst>
-    <p:handoutMasterId r:id="rId22"/>
+    <p:handoutMasterId r:id="rId23"/>
   </p:handoutMasterIdLst>
   <p:sldIdLst>
     <p:sldId id="256" r:id="rId3"/>
@@ -22,13 +22,14 @@
     <p:sldId id="261" r:id="rId12"/>
     <p:sldId id="263" r:id="rId13"/>
     <p:sldId id="258" r:id="rId14"/>
-    <p:sldId id="280" r:id="rId15"/>
-    <p:sldId id="260" r:id="rId16"/>
-    <p:sldId id="262" r:id="rId17"/>
-    <p:sldId id="265" r:id="rId18"/>
-    <p:sldId id="309" r:id="rId19"/>
-    <p:sldId id="311" r:id="rId20"/>
-    <p:sldId id="312" r:id="rId21"/>
+    <p:sldId id="313" r:id="rId15"/>
+    <p:sldId id="280" r:id="rId16"/>
+    <p:sldId id="260" r:id="rId17"/>
+    <p:sldId id="262" r:id="rId18"/>
+    <p:sldId id="265" r:id="rId19"/>
+    <p:sldId id="309" r:id="rId20"/>
+    <p:sldId id="311" r:id="rId21"/>
+    <p:sldId id="312" r:id="rId22"/>
   </p:sldIdLst>
   <p:sldSz cx="12192000" cy="6858000"/>
   <p:notesSz cx="6858000" cy="9144000"/>
@@ -3878,7 +3879,7 @@
           <a:p>
             <a:r>
               <a:rPr lang="en-US" altLang="zh-CN"/>
-              <a:t>Docker</a:t>
+              <a:t>Docker Commands (1)</a:t>
             </a:r>
             <a:endParaRPr lang="en-US" altLang="zh-CN"/>
           </a:p>
@@ -4313,6 +4314,320 @@
         </p:nvSpPr>
         <p:spPr/>
         <p:txBody>
+          <a:bodyPr>
+            <a:normAutofit/>
+          </a:bodyPr>
+          <a:p>
+            <a:r>
+              <a:rPr lang="en-US" altLang="zh-CN">
+                <a:sym typeface="+mn-ea"/>
+              </a:rPr>
+              <a:t>Docker Commands (2)</a:t>
+            </a:r>
+            <a:endParaRPr lang="zh-CN" altLang="en-US"/>
+          </a:p>
+        </p:txBody>
+      </p:sp>
+      <p:graphicFrame>
+        <p:nvGraphicFramePr>
+          <p:cNvPr id="5" name="表格 4"/>
+          <p:cNvGraphicFramePr/>
+          <p:nvPr>
+            <p:custDataLst>
+              <p:tags r:id="rId1"/>
+            </p:custDataLst>
+          </p:nvPr>
+        </p:nvGraphicFramePr>
+        <p:xfrm>
+          <a:off x="642620" y="1314450"/>
+          <a:ext cx="10984230" cy="3067050"/>
+        </p:xfrm>
+        <a:graphic>
+          <a:graphicData uri="http://schemas.openxmlformats.org/drawingml/2006/table">
+            <a:tbl>
+              <a:tblPr firstRow="1" bandRow="1">
+                <a:tableStyleId>{5C22544A-7EE6-4342-B048-85BDC9FD1C3A}</a:tableStyleId>
+              </a:tblPr>
+              <a:tblGrid>
+                <a:gridCol w="2487930"/>
+                <a:gridCol w="4834890"/>
+                <a:gridCol w="3661410"/>
+              </a:tblGrid>
+              <a:tr h="613410">
+                <a:tc>
+                  <a:txBody>
+                    <a:bodyPr/>
+                    <a:p>
+                      <a:pPr algn="ctr">
+                        <a:buNone/>
+                      </a:pPr>
+                      <a:r>
+                        <a:rPr lang="en-US" altLang="zh-CN"/>
+                        <a:t>Command</a:t>
+                      </a:r>
+                      <a:endParaRPr lang="en-US" altLang="zh-CN"/>
+                    </a:p>
+                  </a:txBody>
+                  <a:tcPr/>
+                </a:tc>
+                <a:tc>
+                  <a:txBody>
+                    <a:bodyPr/>
+                    <a:p>
+                      <a:pPr algn="ctr">
+                        <a:buNone/>
+                      </a:pPr>
+                      <a:r>
+                        <a:rPr lang="en-US" altLang="zh-CN"/>
+                        <a:t>Description</a:t>
+                      </a:r>
+                      <a:endParaRPr lang="en-US" altLang="zh-CN"/>
+                    </a:p>
+                  </a:txBody>
+                  <a:tcPr/>
+                </a:tc>
+                <a:tc>
+                  <a:txBody>
+                    <a:bodyPr/>
+                    <a:p>
+                      <a:pPr algn="ctr">
+                        <a:buNone/>
+                      </a:pPr>
+                      <a:r>
+                        <a:rPr lang="en-US" altLang="zh-CN"/>
+                        <a:t>Note</a:t>
+                      </a:r>
+                      <a:endParaRPr lang="en-US" altLang="zh-CN"/>
+                    </a:p>
+                  </a:txBody>
+                  <a:tcPr/>
+                </a:tc>
+              </a:tr>
+              <a:tr h="613410">
+                <a:tc>
+                  <a:txBody>
+                    <a:bodyPr/>
+                    <a:p>
+                      <a:pPr>
+                        <a:buNone/>
+                      </a:pPr>
+                      <a:r>
+                        <a:rPr lang="en-US" altLang="zh-CN"/>
+                        <a:t>docker system df</a:t>
+                      </a:r>
+                      <a:endParaRPr lang="en-US" altLang="zh-CN"/>
+                    </a:p>
+                  </a:txBody>
+                  <a:tcPr/>
+                </a:tc>
+                <a:tc>
+                  <a:txBody>
+                    <a:bodyPr/>
+                    <a:p>
+                      <a:pPr>
+                        <a:buNone/>
+                      </a:pPr>
+                      <a:r>
+                        <a:rPr lang="en-US" altLang="zh-CN"/>
+                        <a:t>Show docker disk usage</a:t>
+                      </a:r>
+                      <a:endParaRPr lang="en-US" altLang="zh-CN"/>
+                    </a:p>
+                  </a:txBody>
+                  <a:tcPr/>
+                </a:tc>
+                <a:tc>
+                  <a:txBody>
+                    <a:bodyPr/>
+                    <a:p>
+                      <a:pPr>
+                        <a:buNone/>
+                      </a:pPr>
+                      <a:endParaRPr lang="zh-CN" altLang="en-US"/>
+                    </a:p>
+                  </a:txBody>
+                  <a:tcPr/>
+                </a:tc>
+              </a:tr>
+              <a:tr h="613410">
+                <a:tc>
+                  <a:txBody>
+                    <a:bodyPr/>
+                    <a:p>
+                      <a:pPr>
+                        <a:buNone/>
+                      </a:pPr>
+                      <a:r>
+                        <a:rPr lang="en-US" altLang="zh-CN"/>
+                        <a:t>docker system info</a:t>
+                      </a:r>
+                      <a:endParaRPr lang="en-US" altLang="zh-CN"/>
+                    </a:p>
+                  </a:txBody>
+                  <a:tcPr/>
+                </a:tc>
+                <a:tc>
+                  <a:txBody>
+                    <a:bodyPr/>
+                    <a:p>
+                      <a:pPr>
+                        <a:buNone/>
+                      </a:pPr>
+                      <a:r>
+                        <a:rPr lang="en-US" altLang="zh-CN"/>
+                        <a:t>Display system-wide info</a:t>
+                      </a:r>
+                      <a:endParaRPr lang="en-US" altLang="zh-CN"/>
+                    </a:p>
+                  </a:txBody>
+                  <a:tcPr/>
+                </a:tc>
+                <a:tc>
+                  <a:txBody>
+                    <a:bodyPr/>
+                    <a:p>
+                      <a:pPr>
+                        <a:buNone/>
+                      </a:pPr>
+                      <a:endParaRPr lang="zh-CN" altLang="en-US"/>
+                    </a:p>
+                  </a:txBody>
+                  <a:tcPr/>
+                </a:tc>
+              </a:tr>
+              <a:tr h="613410">
+                <a:tc>
+                  <a:txBody>
+                    <a:bodyPr/>
+                    <a:p>
+                      <a:pPr>
+                        <a:buNone/>
+                      </a:pPr>
+                      <a:r>
+                        <a:rPr lang="en-US" altLang="zh-CN"/>
+                        <a:t>docker system prune</a:t>
+                      </a:r>
+                      <a:endParaRPr lang="en-US" altLang="zh-CN"/>
+                    </a:p>
+                  </a:txBody>
+                  <a:tcPr/>
+                </a:tc>
+                <a:tc>
+                  <a:txBody>
+                    <a:bodyPr/>
+                    <a:p>
+                      <a:pPr>
+                        <a:buNone/>
+                      </a:pPr>
+                      <a:r>
+                        <a:rPr lang="en-US" altLang="zh-CN"/>
+                        <a:t>Remove unused data</a:t>
+                      </a:r>
+                      <a:endParaRPr lang="en-US" altLang="zh-CN"/>
+                    </a:p>
+                  </a:txBody>
+                  <a:tcPr/>
+                </a:tc>
+                <a:tc>
+                  <a:txBody>
+                    <a:bodyPr/>
+                    <a:p>
+                      <a:pPr>
+                        <a:buNone/>
+                      </a:pPr>
+                      <a:r>
+                        <a:rPr lang="en-US" altLang="zh-CN"/>
+                        <a:t>Files in /var/lib/docker are huge.</a:t>
+                      </a:r>
+                      <a:endParaRPr lang="en-US" altLang="zh-CN"/>
+                    </a:p>
+                  </a:txBody>
+                  <a:tcPr/>
+                </a:tc>
+              </a:tr>
+              <a:tr h="613410">
+                <a:tc>
+                  <a:txBody>
+                    <a:bodyPr/>
+                    <a:p>
+                      <a:pPr>
+                        <a:buNone/>
+                      </a:pPr>
+                      <a:r>
+                        <a:rPr lang="en-US" altLang="zh-CN"/>
+                        <a:t>docker system events</a:t>
+                      </a:r>
+                      <a:endParaRPr lang="en-US" altLang="zh-CN"/>
+                    </a:p>
+                  </a:txBody>
+                  <a:tcPr/>
+                </a:tc>
+                <a:tc>
+                  <a:txBody>
+                    <a:bodyPr/>
+                    <a:p>
+                      <a:pPr>
+                        <a:buNone/>
+                      </a:pPr>
+                      <a:r>
+                        <a:rPr lang="en-US" altLang="zh-CN"/>
+                        <a:t>Get real-time events from the server</a:t>
+                      </a:r>
+                      <a:endParaRPr lang="en-US" altLang="zh-CN"/>
+                    </a:p>
+                  </a:txBody>
+                  <a:tcPr/>
+                </a:tc>
+                <a:tc>
+                  <a:txBody>
+                    <a:bodyPr/>
+                    <a:p>
+                      <a:pPr>
+                        <a:buNone/>
+                      </a:pPr>
+                      <a:endParaRPr lang="zh-CN" altLang="en-US"/>
+                    </a:p>
+                  </a:txBody>
+                  <a:tcPr/>
+                </a:tc>
+              </a:tr>
+            </a:tbl>
+          </a:graphicData>
+        </a:graphic>
+      </p:graphicFrame>
+    </p:spTree>
+    <p:custDataLst>
+      <p:tags r:id="rId2"/>
+    </p:custDataLst>
+  </p:cSld>
+  <p:clrMapOvr>
+    <a:masterClrMapping/>
+  </p:clrMapOvr>
+</p:sld>
+</file>
+
+<file path=ppt/slides/slide13.xml><?xml version="1.0" encoding="utf-8"?>
+<p:sld xmlns:a="http://schemas.openxmlformats.org/drawingml/2006/main" xmlns:r="http://schemas.openxmlformats.org/officeDocument/2006/relationships" xmlns:p="http://schemas.openxmlformats.org/presentationml/2006/main">
+  <p:cSld>
+    <p:spTree>
+      <p:nvGrpSpPr>
+        <p:cNvPr id="1" name=""/>
+        <p:cNvGrpSpPr/>
+        <p:nvPr/>
+      </p:nvGrpSpPr>
+      <p:grpSpPr/>
+      <p:sp>
+        <p:nvSpPr>
+          <p:cNvPr id="2" name="标题 1"/>
+          <p:cNvSpPr>
+            <a:spLocks noGrp="1"/>
+          </p:cNvSpPr>
+          <p:nvPr>
+            <p:ph type="title"/>
+          </p:nvPr>
+        </p:nvSpPr>
+        <p:spPr/>
+        <p:txBody>
           <a:bodyPr/>
           <a:p>
             <a:r>
@@ -4414,7 +4729,7 @@
 </p:sld>
 </file>
 
-<file path=ppt/slides/slide13.xml><?xml version="1.0" encoding="utf-8"?>
+<file path=ppt/slides/slide14.xml><?xml version="1.0" encoding="utf-8"?>
 <p:sld xmlns:a="http://schemas.openxmlformats.org/drawingml/2006/main" xmlns:r="http://schemas.openxmlformats.org/officeDocument/2006/relationships" xmlns:p="http://schemas.openxmlformats.org/presentationml/2006/main">
   <p:cSld>
     <p:spTree>
@@ -5175,7 +5490,7 @@
 </p:sld>
 </file>
 
-<file path=ppt/slides/slide14.xml><?xml version="1.0" encoding="utf-8"?>
+<file path=ppt/slides/slide15.xml><?xml version="1.0" encoding="utf-8"?>
 <p:sld xmlns:a="http://schemas.openxmlformats.org/drawingml/2006/main" xmlns:r="http://schemas.openxmlformats.org/officeDocument/2006/relationships" xmlns:p="http://schemas.openxmlformats.org/presentationml/2006/main">
   <p:cSld>
     <p:spTree>
@@ -5717,148 +6032,6 @@
 </p:sld>
 </file>
 
-<file path=ppt/slides/slide15.xml><?xml version="1.0" encoding="utf-8"?>
-<p:sld xmlns:a="http://schemas.openxmlformats.org/drawingml/2006/main" xmlns:r="http://schemas.openxmlformats.org/officeDocument/2006/relationships" xmlns:p="http://schemas.openxmlformats.org/presentationml/2006/main">
-  <p:cSld>
-    <p:spTree>
-      <p:nvGrpSpPr>
-        <p:cNvPr id="1" name=""/>
-        <p:cNvGrpSpPr/>
-        <p:nvPr/>
-      </p:nvGrpSpPr>
-      <p:grpSpPr/>
-      <p:sp>
-        <p:nvSpPr>
-          <p:cNvPr id="2" name="标题 1"/>
-          <p:cNvSpPr>
-            <a:spLocks noGrp="1"/>
-          </p:cNvSpPr>
-          <p:nvPr>
-            <p:ph type="title"/>
-          </p:nvPr>
-        </p:nvSpPr>
-        <p:spPr/>
-        <p:txBody>
-          <a:bodyPr/>
-          <a:p>
-            <a:r>
-              <a:rPr lang="en-US" altLang="zh-CN"/>
-              <a:t>Docker Machine</a:t>
-            </a:r>
-            <a:endParaRPr lang="en-US" altLang="zh-CN"/>
-          </a:p>
-        </p:txBody>
-      </p:sp>
-      <p:sp>
-        <p:nvSpPr>
-          <p:cNvPr id="3" name="内容占位符 2"/>
-          <p:cNvSpPr>
-            <a:spLocks noGrp="1"/>
-          </p:cNvSpPr>
-          <p:nvPr>
-            <p:ph idx="1"/>
-          </p:nvPr>
-        </p:nvSpPr>
-        <p:spPr/>
-        <p:txBody>
-          <a:bodyPr/>
-          <a:p>
-            <a:pPr lvl="0"/>
-            <a:r>
-              <a:rPr lang="en-US" altLang="zh-CN" sz="2400">
-                <a:sym typeface="+mn-ea"/>
-              </a:rPr>
-              <a:t>docker-machine commands</a:t>
-            </a:r>
-            <a:endParaRPr lang="en-US" altLang="zh-CN" sz="2400"/>
-          </a:p>
-          <a:p>
-            <a:pPr lvl="1"/>
-            <a:r>
-              <a:rPr lang="en-US" altLang="zh-CN" sz="2400">
-                <a:sym typeface="+mn-ea"/>
-              </a:rPr>
-              <a:t>docker-machine create  -d virtualbox {machine-name}</a:t>
-            </a:r>
-            <a:endParaRPr lang="en-US" altLang="zh-CN" sz="2400">
-              <a:sym typeface="+mn-ea"/>
-            </a:endParaRPr>
-          </a:p>
-          <a:p>
-            <a:pPr lvl="2"/>
-            <a:r>
-              <a:rPr lang="en-US" altLang="zh-CN" sz="2160">
-                <a:sym typeface="+mn-ea"/>
-              </a:rPr>
-              <a:t>-d/--driver: which provider the machine should be created on (VirtualBox, DigitalOcean, AWS, etc.)</a:t>
-            </a:r>
-            <a:endParaRPr lang="en-US" altLang="zh-CN" sz="2160"/>
-          </a:p>
-          <a:p>
-            <a:pPr lvl="1"/>
-            <a:r>
-              <a:rPr lang="en-US" altLang="zh-CN" sz="2400">
-                <a:sym typeface="+mn-ea"/>
-              </a:rPr>
-              <a:t>eval $(docker-machine env dev)</a:t>
-            </a:r>
-            <a:endParaRPr lang="en-US" altLang="zh-CN" sz="2400">
-              <a:sym typeface="+mn-ea"/>
-            </a:endParaRPr>
-          </a:p>
-          <a:p>
-            <a:pPr lvl="1" algn="l">
-              <a:buClrTx/>
-              <a:buSzTx/>
-            </a:pPr>
-            <a:r>
-              <a:rPr lang="en-US" altLang="zh-CN" sz="2400">
-                <a:sym typeface="+mn-ea"/>
-              </a:rPr>
-              <a:t>docker-machine ls</a:t>
-            </a:r>
-            <a:endParaRPr lang="en-US" altLang="zh-CN" sz="2400"/>
-          </a:p>
-          <a:p>
-            <a:pPr lvl="1"/>
-            <a:r>
-              <a:rPr lang="en-US" altLang="zh-CN" sz="2400"/>
-              <a:t>docker-machine ip default</a:t>
-            </a:r>
-            <a:endParaRPr lang="en-US" altLang="zh-CN" sz="2400"/>
-          </a:p>
-          <a:p>
-            <a:pPr lvl="1"/>
-            <a:r>
-              <a:rPr lang="en-US" altLang="zh-CN" sz="2400"/>
-              <a:t>docker-machine start {docker-machine-name}</a:t>
-            </a:r>
-            <a:endParaRPr lang="en-US" altLang="zh-CN" sz="2400"/>
-          </a:p>
-          <a:p>
-            <a:pPr lvl="1"/>
-            <a:r>
-              <a:rPr lang="en-US" altLang="zh-CN" sz="2400"/>
-              <a:t>eval "$(docker-machine env dev)"	# make a machine active</a:t>
-            </a:r>
-            <a:endParaRPr lang="en-US" altLang="zh-CN" sz="2400"/>
-          </a:p>
-          <a:p>
-            <a:endParaRPr lang="zh-CN" altLang="en-US"/>
-          </a:p>
-        </p:txBody>
-      </p:sp>
-    </p:spTree>
-    <p:custDataLst>
-      <p:tags r:id="rId1"/>
-    </p:custDataLst>
-  </p:cSld>
-  <p:clrMapOvr>
-    <a:masterClrMapping/>
-  </p:clrMapOvr>
-</p:sld>
-</file>
-
 <file path=ppt/slides/slide16.xml><?xml version="1.0" encoding="utf-8"?>
 <p:sld xmlns:a="http://schemas.openxmlformats.org/drawingml/2006/main" xmlns:r="http://schemas.openxmlformats.org/officeDocument/2006/relationships" xmlns:p="http://schemas.openxmlformats.org/presentationml/2006/main">
   <p:cSld>
@@ -5885,7 +6058,7 @@
           <a:p>
             <a:r>
               <a:rPr lang="en-US" altLang="zh-CN"/>
-              <a:t>Alpine</a:t>
+              <a:t>Docker Machine</a:t>
             </a:r>
             <a:endParaRPr lang="en-US" altLang="zh-CN"/>
           </a:p>
@@ -5905,19 +6078,88 @@
         <p:txBody>
           <a:bodyPr/>
           <a:p>
-            <a:r>
-              <a:rPr lang="en-US" altLang="zh-CN"/>
-              <a:t>Intro</a:t>
-            </a:r>
-            <a:endParaRPr lang="en-US" altLang="zh-CN"/>
+            <a:pPr lvl="0"/>
+            <a:r>
+              <a:rPr lang="en-US" altLang="zh-CN" sz="2400">
+                <a:sym typeface="+mn-ea"/>
+              </a:rPr>
+              <a:t>docker-machine commands</a:t>
+            </a:r>
+            <a:endParaRPr lang="en-US" altLang="zh-CN" sz="2400"/>
           </a:p>
           <a:p>
             <a:pPr lvl="1"/>
             <a:r>
-              <a:rPr lang="en-US" altLang="zh-CN"/>
-              <a:t>a minimal docker image based on Alpine Linux with a complete package index and only 5MB in size</a:t>
-            </a:r>
-            <a:endParaRPr lang="en-US" altLang="zh-CN"/>
+              <a:rPr lang="en-US" altLang="zh-CN" sz="2400">
+                <a:sym typeface="+mn-ea"/>
+              </a:rPr>
+              <a:t>docker-machine create  -d virtualbox {machine-name}</a:t>
+            </a:r>
+            <a:endParaRPr lang="en-US" altLang="zh-CN" sz="2400">
+              <a:sym typeface="+mn-ea"/>
+            </a:endParaRPr>
+          </a:p>
+          <a:p>
+            <a:pPr lvl="2"/>
+            <a:r>
+              <a:rPr lang="en-US" altLang="zh-CN" sz="2160">
+                <a:sym typeface="+mn-ea"/>
+              </a:rPr>
+              <a:t>-d/--driver: which provider the machine should be created on (VirtualBox, DigitalOcean, AWS, etc.)</a:t>
+            </a:r>
+            <a:endParaRPr lang="en-US" altLang="zh-CN" sz="2160"/>
+          </a:p>
+          <a:p>
+            <a:pPr lvl="1"/>
+            <a:r>
+              <a:rPr lang="en-US" altLang="zh-CN" sz="2400">
+                <a:sym typeface="+mn-ea"/>
+              </a:rPr>
+              <a:t>eval $(docker-machine env dev)</a:t>
+            </a:r>
+            <a:endParaRPr lang="en-US" altLang="zh-CN" sz="2400">
+              <a:sym typeface="+mn-ea"/>
+            </a:endParaRPr>
+          </a:p>
+          <a:p>
+            <a:pPr lvl="1" algn="l">
+              <a:buClrTx/>
+              <a:buSzTx/>
+            </a:pPr>
+            <a:r>
+              <a:rPr lang="en-US" altLang="zh-CN" sz="2400">
+                <a:sym typeface="+mn-ea"/>
+              </a:rPr>
+              <a:t>docker-machine ls</a:t>
+            </a:r>
+            <a:endParaRPr lang="en-US" altLang="zh-CN" sz="2400"/>
+          </a:p>
+          <a:p>
+            <a:pPr lvl="1"/>
+            <a:r>
+              <a:rPr lang="en-US" altLang="zh-CN" sz="2400"/>
+              <a:t>docker-machine ip default</a:t>
+            </a:r>
+            <a:endParaRPr lang="en-US" altLang="zh-CN" sz="2400"/>
+          </a:p>
+          <a:p>
+            <a:pPr lvl="1"/>
+            <a:r>
+              <a:rPr lang="en-US" altLang="zh-CN" sz="2400"/>
+              <a:t>docker-machine start {docker-machine-name}</a:t>
+            </a:r>
+            <a:endParaRPr lang="en-US" altLang="zh-CN" sz="2400"/>
+          </a:p>
+          <a:p>
+            <a:pPr lvl="1"/>
+            <a:r>
+              <a:rPr lang="en-US" altLang="zh-CN" sz="2400"/>
+              <a:t>eval "$(docker-machine env dev)"	# make a machine active</a:t>
+            </a:r>
+            <a:endParaRPr lang="en-US" altLang="zh-CN" sz="2400"/>
+          </a:p>
+          <a:p>
+            <a:endParaRPr lang="zh-CN" altLang="en-US"/>
           </a:p>
         </p:txBody>
       </p:sp>
@@ -5933,6 +6175,79 @@
 </file>
 
 <file path=ppt/slides/slide17.xml><?xml version="1.0" encoding="utf-8"?>
+<p:sld xmlns:a="http://schemas.openxmlformats.org/drawingml/2006/main" xmlns:r="http://schemas.openxmlformats.org/officeDocument/2006/relationships" xmlns:p="http://schemas.openxmlformats.org/presentationml/2006/main">
+  <p:cSld>
+    <p:spTree>
+      <p:nvGrpSpPr>
+        <p:cNvPr id="1" name=""/>
+        <p:cNvGrpSpPr/>
+        <p:nvPr/>
+      </p:nvGrpSpPr>
+      <p:grpSpPr/>
+      <p:sp>
+        <p:nvSpPr>
+          <p:cNvPr id="2" name="标题 1"/>
+          <p:cNvSpPr>
+            <a:spLocks noGrp="1"/>
+          </p:cNvSpPr>
+          <p:nvPr>
+            <p:ph type="title"/>
+          </p:nvPr>
+        </p:nvSpPr>
+        <p:spPr/>
+        <p:txBody>
+          <a:bodyPr/>
+          <a:p>
+            <a:r>
+              <a:rPr lang="en-US" altLang="zh-CN"/>
+              <a:t>Alpine</a:t>
+            </a:r>
+            <a:endParaRPr lang="en-US" altLang="zh-CN"/>
+          </a:p>
+        </p:txBody>
+      </p:sp>
+      <p:sp>
+        <p:nvSpPr>
+          <p:cNvPr id="3" name="内容占位符 2"/>
+          <p:cNvSpPr>
+            <a:spLocks noGrp="1"/>
+          </p:cNvSpPr>
+          <p:nvPr>
+            <p:ph idx="1"/>
+          </p:nvPr>
+        </p:nvSpPr>
+        <p:spPr/>
+        <p:txBody>
+          <a:bodyPr/>
+          <a:p>
+            <a:r>
+              <a:rPr lang="en-US" altLang="zh-CN"/>
+              <a:t>Intro</a:t>
+            </a:r>
+            <a:endParaRPr lang="en-US" altLang="zh-CN"/>
+          </a:p>
+          <a:p>
+            <a:pPr lvl="1"/>
+            <a:r>
+              <a:rPr lang="en-US" altLang="zh-CN"/>
+              <a:t>a minimal docker image based on Alpine Linux with a complete package index and only 5MB in size</a:t>
+            </a:r>
+            <a:endParaRPr lang="en-US" altLang="zh-CN"/>
+          </a:p>
+        </p:txBody>
+      </p:sp>
+    </p:spTree>
+    <p:custDataLst>
+      <p:tags r:id="rId1"/>
+    </p:custDataLst>
+  </p:cSld>
+  <p:clrMapOvr>
+    <a:masterClrMapping/>
+  </p:clrMapOvr>
+</p:sld>
+</file>
+
+<file path=ppt/slides/slide18.xml><?xml version="1.0" encoding="utf-8"?>
 <p:sld xmlns:a="http://schemas.openxmlformats.org/drawingml/2006/main" xmlns:r="http://schemas.openxmlformats.org/officeDocument/2006/relationships" xmlns:p="http://schemas.openxmlformats.org/presentationml/2006/main">
   <p:cSld>
     <p:spTree>
@@ -6098,7 +6413,7 @@
 </p:sld>
 </file>
 
-<file path=ppt/slides/slide18.xml><?xml version="1.0" encoding="utf-8"?>
+<file path=ppt/slides/slide19.xml><?xml version="1.0" encoding="utf-8"?>
 <p:sld xmlns:a="http://schemas.openxmlformats.org/drawingml/2006/main" xmlns:r="http://schemas.openxmlformats.org/officeDocument/2006/relationships" xmlns:p="http://schemas.openxmlformats.org/presentationml/2006/main">
   <p:cSld>
     <p:spTree>
@@ -8051,15 +8366,17 @@
 
 <file path=ppt/tags/tag17.xml><?xml version="1.0" encoding="utf-8"?>
 <p:tagLst xmlns:p="http://schemas.openxmlformats.org/presentationml/2006/main">
-  <p:tag name="KSO_WM_BEAUTIFY_FLAG" val="#wm#"/>
-  <p:tag name="KSO_WM_TEMPLATE_CATEGORY" val="custom"/>
-  <p:tag name="KSO_WM_TEMPLATE_INDEX" val="160402"/>
+  <p:tag name="KSO_WM_UNIT_TABLE_BEAUTIFY" val="smartTable{8ed0f2ad-8cc2-4f04-8848-3ccca36eb5f5}"/>
+  <p:tag name="TABLE_ENDDRAG_ORIGIN_RECT" val="864*241"/>
+  <p:tag name="TABLE_ENDDRAG_RECT" val="50*103*864*241"/>
 </p:tagLst>
 </file>
 
 <file path=ppt/tags/tag18.xml><?xml version="1.0" encoding="utf-8"?>
 <p:tagLst xmlns:p="http://schemas.openxmlformats.org/presentationml/2006/main">
-  <p:tag name="KSO_WM_UNIT_TABLE_BEAUTIFY" val="smartTable{f3b8ad3b-3471-476b-85f1-dbcd5eb37b20}"/>
+  <p:tag name="KSO_WM_BEAUTIFY_FLAG" val="#wm#"/>
+  <p:tag name="KSO_WM_TEMPLATE_CATEGORY" val="custom"/>
+  <p:tag name="KSO_WM_TEMPLATE_INDEX" val="160402"/>
 </p:tagLst>
 </file>
 
@@ -8081,9 +8398,7 @@
 
 <file path=ppt/tags/tag20.xml><?xml version="1.0" encoding="utf-8"?>
 <p:tagLst xmlns:p="http://schemas.openxmlformats.org/presentationml/2006/main">
-  <p:tag name="KSO_WM_BEAUTIFY_FLAG" val="#wm#"/>
-  <p:tag name="KSO_WM_TEMPLATE_CATEGORY" val="custom"/>
-  <p:tag name="KSO_WM_TEMPLATE_INDEX" val="160402"/>
+  <p:tag name="KSO_WM_UNIT_TABLE_BEAUTIFY" val="smartTable{f3b8ad3b-3471-476b-85f1-dbcd5eb37b20}"/>
 </p:tagLst>
 </file>
 
@@ -8105,8 +8420,9 @@
 
 <file path=ppt/tags/tag23.xml><?xml version="1.0" encoding="utf-8"?>
 <p:tagLst xmlns:p="http://schemas.openxmlformats.org/presentationml/2006/main">
-  <p:tag name="REFSHAPE" val="379500028"/>
-  <p:tag name="KSO_WM_UNIT_PLACING_PICTURE_USER_VIEWPORT" val="{&quot;height&quot;:3885,&quot;width&quot;:7515}"/>
+  <p:tag name="KSO_WM_BEAUTIFY_FLAG" val="#wm#"/>
+  <p:tag name="KSO_WM_TEMPLATE_CATEGORY" val="custom"/>
+  <p:tag name="KSO_WM_TEMPLATE_INDEX" val="160402"/>
 </p:tagLst>
 </file>
 
@@ -8119,6 +8435,21 @@
 </file>
 
 <file path=ppt/tags/tag25.xml><?xml version="1.0" encoding="utf-8"?>
+<p:tagLst xmlns:p="http://schemas.openxmlformats.org/presentationml/2006/main">
+  <p:tag name="REFSHAPE" val="379500028"/>
+  <p:tag name="KSO_WM_UNIT_PLACING_PICTURE_USER_VIEWPORT" val="{&quot;height&quot;:3885,&quot;width&quot;:7515}"/>
+</p:tagLst>
+</file>
+
+<file path=ppt/tags/tag26.xml><?xml version="1.0" encoding="utf-8"?>
+<p:tagLst xmlns:p="http://schemas.openxmlformats.org/presentationml/2006/main">
+  <p:tag name="KSO_WM_BEAUTIFY_FLAG" val="#wm#"/>
+  <p:tag name="KSO_WM_TEMPLATE_CATEGORY" val="custom"/>
+  <p:tag name="KSO_WM_TEMPLATE_INDEX" val="160402"/>
+</p:tagLst>
+</file>
+
+<file path=ppt/tags/tag27.xml><?xml version="1.0" encoding="utf-8"?>
 <p:tagLst xmlns:p="http://schemas.openxmlformats.org/presentationml/2006/main">
   <p:tag name="KSO_WM_BEAUTIFY_FLAG" val="#wm#"/>
   <p:tag name="KSO_WM_TEMPLATE_CATEGORY" val="custom"/>

--- a/Misc/Docker-Notes.pptx
+++ b/Misc/Docker-Notes.pptx
@@ -8,7 +8,7 @@
     <p:notesMasterId r:id="rId4"/>
   </p:notesMasterIdLst>
   <p:handoutMasterIdLst>
-    <p:handoutMasterId r:id="rId23"/>
+    <p:handoutMasterId r:id="rId27"/>
   </p:handoutMasterIdLst>
   <p:sldIdLst>
     <p:sldId id="256" r:id="rId3"/>
@@ -21,15 +21,19 @@
     <p:sldId id="259" r:id="rId11"/>
     <p:sldId id="261" r:id="rId12"/>
     <p:sldId id="263" r:id="rId13"/>
-    <p:sldId id="258" r:id="rId14"/>
+    <p:sldId id="327" r:id="rId14"/>
     <p:sldId id="313" r:id="rId15"/>
-    <p:sldId id="280" r:id="rId16"/>
-    <p:sldId id="260" r:id="rId17"/>
-    <p:sldId id="262" r:id="rId18"/>
-    <p:sldId id="265" r:id="rId19"/>
-    <p:sldId id="309" r:id="rId20"/>
-    <p:sldId id="311" r:id="rId21"/>
-    <p:sldId id="312" r:id="rId22"/>
+    <p:sldId id="328" r:id="rId16"/>
+    <p:sldId id="329" r:id="rId17"/>
+    <p:sldId id="280" r:id="rId18"/>
+    <p:sldId id="260" r:id="rId19"/>
+    <p:sldId id="262" r:id="rId20"/>
+    <p:sldId id="321" r:id="rId21"/>
+    <p:sldId id="265" r:id="rId22"/>
+    <p:sldId id="309" r:id="rId23"/>
+    <p:sldId id="311" r:id="rId24"/>
+    <p:sldId id="312" r:id="rId25"/>
+    <p:sldId id="326" r:id="rId26"/>
   </p:sldIdLst>
   <p:sldSz cx="12192000" cy="6858000"/>
   <p:notesSz cx="6858000" cy="9144000"/>
@@ -3767,7 +3771,7 @@
           <a:p>
             <a:r>
               <a:rPr lang="en-US" altLang="zh-CN" sz="2000"/>
-              <a:t>Last updated: 1/30/2020</a:t>
+              <a:t>Last updated: 5/7/2021</a:t>
             </a:r>
             <a:endParaRPr lang="en-US" altLang="zh-CN" sz="2000"/>
           </a:p>
@@ -3879,411 +3883,638 @@
           <a:p>
             <a:r>
               <a:rPr lang="en-US" altLang="zh-CN"/>
-              <a:t>Docker Commands (1)</a:t>
+              <a:t>Docker Commands - Basic</a:t>
             </a:r>
             <a:endParaRPr lang="en-US" altLang="zh-CN"/>
           </a:p>
         </p:txBody>
       </p:sp>
-      <p:sp>
-        <p:nvSpPr>
-          <p:cNvPr id="3" name="内容占位符 2"/>
-          <p:cNvSpPr>
-            <a:spLocks noGrp="1"/>
-          </p:cNvSpPr>
-          <p:nvPr>
-            <p:ph idx="1"/>
-          </p:nvPr>
-        </p:nvSpPr>
-        <p:spPr>
-          <a:xfrm>
-            <a:off x="838200" y="1211580"/>
-            <a:ext cx="5391785" cy="5410200"/>
-          </a:xfrm>
-        </p:spPr>
-        <p:txBody>
-          <a:bodyPr>
-            <a:normAutofit fontScale="80000"/>
-          </a:bodyPr>
-          <a:p>
-            <a:r>
-              <a:rPr lang="en-US" altLang="zh-CN"/>
-              <a:t>docker commands</a:t>
-            </a:r>
-            <a:endParaRPr lang="en-US" altLang="zh-CN"/>
-          </a:p>
-          <a:p>
-            <a:pPr lvl="1"/>
-            <a:r>
-              <a:rPr lang="en-US" altLang="zh-CN"/>
-              <a:t>docker version/info</a:t>
-            </a:r>
-            <a:endParaRPr lang="en-US" altLang="zh-CN"/>
-          </a:p>
-          <a:p>
-            <a:pPr lvl="1"/>
-            <a:r>
-              <a:rPr lang="en-US" altLang="zh-CN"/>
-              <a:t>docker pull busybox	// pull busy image from docker registry</a:t>
-            </a:r>
-            <a:endParaRPr lang="en-US" altLang="zh-CN"/>
-          </a:p>
-          <a:p>
-            <a:pPr lvl="1"/>
-            <a:r>
-              <a:rPr lang="en-US" altLang="zh-CN">
-                <a:sym typeface="+mn-ea"/>
-              </a:rPr>
-              <a:t>docker run {image-name}	// create a new container and run an image</a:t>
-            </a:r>
-            <a:endParaRPr lang="en-US" altLang="zh-CN">
-              <a:sym typeface="+mn-ea"/>
-            </a:endParaRPr>
-          </a:p>
-          <a:p>
-            <a:pPr lvl="2"/>
-            <a:r>
-              <a:rPr lang="en-US" altLang="zh-CN" sz="1800">
-                <a:sym typeface="+mn-ea"/>
-              </a:rPr>
-              <a:t>-it	// interactive</a:t>
-            </a:r>
-            <a:endParaRPr lang="en-US" altLang="zh-CN" sz="1800">
-              <a:sym typeface="+mn-ea"/>
-            </a:endParaRPr>
-          </a:p>
-          <a:p>
-            <a:pPr lvl="2"/>
-            <a:r>
-              <a:rPr lang="en-US" altLang="zh-CN"/>
-              <a:t>-p {port-number-host}:{port-number-container}</a:t>
-            </a:r>
-            <a:endParaRPr lang="en-US" altLang="zh-CN"/>
-          </a:p>
-          <a:p>
-            <a:pPr lvl="2"/>
-            <a:r>
-              <a:rPr lang="en-US" altLang="zh-CN"/>
-              <a:t>-d	// daemon mode</a:t>
-            </a:r>
-            <a:endParaRPr lang="en-US" altLang="zh-CN"/>
-          </a:p>
-          <a:p>
-            <a:pPr lvl="2"/>
-            <a:r>
-              <a:rPr lang="en-US" altLang="zh-CN"/>
-              <a:t>--restart=always</a:t>
-            </a:r>
-            <a:endParaRPr lang="en-US" altLang="zh-CN"/>
-          </a:p>
-          <a:p>
-            <a:pPr lvl="1"/>
-            <a:r>
-              <a:rPr lang="en-US" altLang="zh-CN"/>
-              <a:t>docker images	// list installed images</a:t>
-            </a:r>
-            <a:endParaRPr lang="en-US" altLang="zh-CN"/>
-          </a:p>
-          <a:p>
-            <a:pPr lvl="1"/>
-            <a:r>
-              <a:rPr lang="en-US" altLang="zh-CN"/>
-              <a:t>docker image build -t {image-name} .</a:t>
-            </a:r>
-            <a:endParaRPr lang="en-US" altLang="zh-CN"/>
-          </a:p>
-          <a:p>
-            <a:pPr lvl="1"/>
-            <a:r>
-              <a:rPr lang="en-US" altLang="zh-CN"/>
-              <a:t>docker container run --name {container-name} {image-name}</a:t>
-            </a:r>
-            <a:endParaRPr lang="en-US" altLang="zh-CN"/>
-          </a:p>
-          <a:p>
-            <a:pPr lvl="1"/>
-            <a:r>
-              <a:rPr lang="en-US" altLang="zh-CN"/>
-              <a:t>docker container rm --force {container-name}</a:t>
-            </a:r>
-            <a:endParaRPr lang="en-US" altLang="zh-CN"/>
-          </a:p>
-          <a:p>
-            <a:pPr lvl="1"/>
-            <a:r>
-              <a:rPr lang="en-US" altLang="zh-CN"/>
-              <a:t>docker rmi {image-id}</a:t>
-            </a:r>
-            <a:endParaRPr lang="en-US" altLang="zh-CN"/>
-          </a:p>
-          <a:p>
-            <a:pPr lvl="1"/>
-            <a:r>
-              <a:rPr lang="en-US" altLang="zh-CN"/>
-              <a:t>docker inspect {image-name}</a:t>
-            </a:r>
-            <a:endParaRPr lang="en-US" altLang="zh-CN"/>
-          </a:p>
-          <a:p>
-            <a:pPr lvl="1"/>
-            <a:r>
-              <a:rPr lang="en-US" altLang="zh-CN"/>
-              <a:t>docker ps	// list containers</a:t>
-            </a:r>
-            <a:endParaRPr lang="en-US" altLang="zh-CN"/>
-          </a:p>
-          <a:p>
-            <a:pPr lvl="2"/>
-            <a:r>
-              <a:rPr lang="en-US" altLang="zh-CN" sz="1800"/>
-              <a:t>-a	// list all</a:t>
-            </a:r>
-            <a:endParaRPr lang="en-US" altLang="zh-CN"/>
-          </a:p>
-        </p:txBody>
-      </p:sp>
-      <p:sp>
-        <p:nvSpPr>
-          <p:cNvPr id="4" name="内容占位符 2"/>
-          <p:cNvSpPr>
-            <a:spLocks noGrp="1"/>
-          </p:cNvSpPr>
-          <p:nvPr/>
-        </p:nvSpPr>
-        <p:spPr>
-          <a:xfrm>
-            <a:off x="6379210" y="1172210"/>
-            <a:ext cx="5391785" cy="5410200"/>
-          </a:xfrm>
-          <a:prstGeom prst="rect">
-            <a:avLst/>
-          </a:prstGeom>
-        </p:spPr>
-        <p:txBody>
-          <a:bodyPr vert="horz" lIns="91440" tIns="45720" rIns="91440" bIns="45720" rtlCol="0">
-            <a:normAutofit/>
-          </a:bodyPr>
-          <a:lstStyle>
-            <a:lvl1pPr marL="342900" indent="-342900" algn="l" defTabSz="914400" rtl="0" eaLnBrk="1" latinLnBrk="0" hangingPunct="1">
-              <a:lnSpc>
-                <a:spcPct val="90000"/>
-              </a:lnSpc>
-              <a:spcBef>
-                <a:spcPts val="1000"/>
-              </a:spcBef>
-              <a:buFont typeface="黑体" panose="02010609060101010101" pitchFamily="49" charset="-122"/>
-              <a:buChar char="〉"/>
-              <a:defRPr sz="2400" kern="1200">
-                <a:solidFill>
-                  <a:schemeClr val="tx1"/>
-                </a:solidFill>
-                <a:latin typeface="+mn-lt"/>
-                <a:ea typeface="+mn-ea"/>
-                <a:cs typeface="+mn-cs"/>
-              </a:defRPr>
-            </a:lvl1pPr>
-            <a:lvl2pPr marL="800100" indent="-342900" algn="l" defTabSz="914400" rtl="0" eaLnBrk="1" latinLnBrk="0" hangingPunct="1">
-              <a:lnSpc>
-                <a:spcPct val="90000"/>
-              </a:lnSpc>
-              <a:spcBef>
-                <a:spcPts val="500"/>
-              </a:spcBef>
-              <a:buFont typeface="Arial" panose="020B0604020202020204" pitchFamily="34" charset="0"/>
-              <a:buChar char="•"/>
-              <a:defRPr sz="2000" kern="1200">
-                <a:solidFill>
-                  <a:schemeClr val="tx1"/>
-                </a:solidFill>
-                <a:latin typeface="+mn-lt"/>
-                <a:ea typeface="+mn-ea"/>
-                <a:cs typeface="+mn-cs"/>
-              </a:defRPr>
-            </a:lvl2pPr>
-            <a:lvl3pPr marL="1257300" indent="-342900" algn="l" defTabSz="914400" rtl="0" eaLnBrk="1" latinLnBrk="0" hangingPunct="1">
-              <a:lnSpc>
-                <a:spcPct val="90000"/>
-              </a:lnSpc>
-              <a:spcBef>
-                <a:spcPts val="500"/>
-              </a:spcBef>
-              <a:buFont typeface="Arial" panose="020B0604020202020204" pitchFamily="34" charset="0"/>
-              <a:buChar char="•"/>
-              <a:defRPr sz="1800" kern="1200">
-                <a:solidFill>
-                  <a:schemeClr val="tx1"/>
-                </a:solidFill>
-                <a:latin typeface="+mn-lt"/>
-                <a:ea typeface="+mn-ea"/>
-                <a:cs typeface="+mn-cs"/>
-              </a:defRPr>
-            </a:lvl3pPr>
-            <a:lvl4pPr marL="1657350" indent="-285750" algn="l" defTabSz="914400" rtl="0" eaLnBrk="1" latinLnBrk="0" hangingPunct="1">
-              <a:lnSpc>
-                <a:spcPct val="90000"/>
-              </a:lnSpc>
-              <a:spcBef>
-                <a:spcPts val="500"/>
-              </a:spcBef>
-              <a:buFont typeface="Arial" panose="020B0604020202020204" pitchFamily="34" charset="0"/>
-              <a:buChar char="•"/>
-              <a:defRPr sz="1800" kern="1200">
-                <a:solidFill>
-                  <a:schemeClr val="tx1"/>
-                </a:solidFill>
-                <a:latin typeface="+mn-lt"/>
-                <a:ea typeface="+mn-ea"/>
-                <a:cs typeface="+mn-cs"/>
-              </a:defRPr>
-            </a:lvl4pPr>
-            <a:lvl5pPr marL="2114550" indent="-285750" algn="l" defTabSz="914400" rtl="0" eaLnBrk="1" latinLnBrk="0" hangingPunct="1">
-              <a:lnSpc>
-                <a:spcPct val="90000"/>
-              </a:lnSpc>
-              <a:spcBef>
-                <a:spcPts val="500"/>
-              </a:spcBef>
-              <a:buFont typeface="Arial" panose="020B0604020202020204" pitchFamily="34" charset="0"/>
-              <a:buChar char="•"/>
-              <a:defRPr sz="1800" kern="1200">
-                <a:solidFill>
-                  <a:schemeClr val="tx1"/>
-                </a:solidFill>
-                <a:latin typeface="+mn-lt"/>
-                <a:ea typeface="+mn-ea"/>
-                <a:cs typeface="+mn-cs"/>
-              </a:defRPr>
-            </a:lvl5pPr>
-            <a:lvl6pPr marL="2514600" indent="-228600" algn="l" defTabSz="914400" rtl="0" eaLnBrk="1" latinLnBrk="0" hangingPunct="1">
-              <a:lnSpc>
-                <a:spcPct val="90000"/>
-              </a:lnSpc>
-              <a:spcBef>
-                <a:spcPts val="500"/>
-              </a:spcBef>
-              <a:buFont typeface="Arial" panose="020B0604020202020204" pitchFamily="34" charset="0"/>
-              <a:buChar char="•"/>
-              <a:defRPr sz="1800" kern="1200">
-                <a:solidFill>
-                  <a:schemeClr val="tx1"/>
-                </a:solidFill>
-                <a:latin typeface="+mn-lt"/>
-                <a:ea typeface="+mn-ea"/>
-                <a:cs typeface="+mn-cs"/>
-              </a:defRPr>
-            </a:lvl6pPr>
-            <a:lvl7pPr marL="2971800" indent="-228600" algn="l" defTabSz="914400" rtl="0" eaLnBrk="1" latinLnBrk="0" hangingPunct="1">
-              <a:lnSpc>
-                <a:spcPct val="90000"/>
-              </a:lnSpc>
-              <a:spcBef>
-                <a:spcPts val="500"/>
-              </a:spcBef>
-              <a:buFont typeface="Arial" panose="020B0604020202020204" pitchFamily="34" charset="0"/>
-              <a:buChar char="•"/>
-              <a:defRPr sz="1800" kern="1200">
-                <a:solidFill>
-                  <a:schemeClr val="tx1"/>
-                </a:solidFill>
-                <a:latin typeface="+mn-lt"/>
-                <a:ea typeface="+mn-ea"/>
-                <a:cs typeface="+mn-cs"/>
-              </a:defRPr>
-            </a:lvl7pPr>
-            <a:lvl8pPr marL="3429000" indent="-228600" algn="l" defTabSz="914400" rtl="0" eaLnBrk="1" latinLnBrk="0" hangingPunct="1">
-              <a:lnSpc>
-                <a:spcPct val="90000"/>
-              </a:lnSpc>
-              <a:spcBef>
-                <a:spcPts val="500"/>
-              </a:spcBef>
-              <a:buFont typeface="Arial" panose="020B0604020202020204" pitchFamily="34" charset="0"/>
-              <a:buChar char="•"/>
-              <a:defRPr sz="1800" kern="1200">
-                <a:solidFill>
-                  <a:schemeClr val="tx1"/>
-                </a:solidFill>
-                <a:latin typeface="+mn-lt"/>
-                <a:ea typeface="+mn-ea"/>
-                <a:cs typeface="+mn-cs"/>
-              </a:defRPr>
-            </a:lvl8pPr>
-            <a:lvl9pPr marL="3886200" indent="-228600" algn="l" defTabSz="914400" rtl="0" eaLnBrk="1" latinLnBrk="0" hangingPunct="1">
-              <a:lnSpc>
-                <a:spcPct val="90000"/>
-              </a:lnSpc>
-              <a:spcBef>
-                <a:spcPts val="500"/>
-              </a:spcBef>
-              <a:buFont typeface="Arial" panose="020B0604020202020204" pitchFamily="34" charset="0"/>
-              <a:buChar char="•"/>
-              <a:defRPr sz="1800" kern="1200">
-                <a:solidFill>
-                  <a:schemeClr val="tx1"/>
-                </a:solidFill>
-                <a:latin typeface="+mn-lt"/>
-                <a:ea typeface="+mn-ea"/>
-                <a:cs typeface="+mn-cs"/>
-              </a:defRPr>
-            </a:lvl9pPr>
-          </a:lstStyle>
-          <a:p>
-            <a:pPr lvl="1"/>
-            <a:r>
-              <a:rPr lang="en-US" altLang="zh-CN" sz="2000"/>
-              <a:t>docker history {image-id}</a:t>
-            </a:r>
-            <a:endParaRPr lang="en-US" altLang="zh-CN" sz="2000"/>
-          </a:p>
-          <a:p>
-            <a:pPr lvl="1"/>
-            <a:r>
-              <a:rPr lang="en-US" altLang="zh-CN"/>
-              <a:t>docker top/stats/attach/pause/unpause/kill/stop/rm {container-id}</a:t>
-            </a:r>
-            <a:endParaRPr lang="en-US" altLang="zh-CN"/>
-          </a:p>
-          <a:p>
-            <a:pPr lvl="1"/>
-            <a:r>
-              <a:rPr lang="en-US" altLang="zh-CN"/>
-              <a:t>service docker start/stop	// stop Docker daemon</a:t>
-            </a:r>
-            <a:endParaRPr lang="en-US" altLang="zh-CN"/>
-          </a:p>
-          <a:p>
-            <a:pPr lvl="1"/>
-            <a:r>
-              <a:rPr lang="en-US" altLang="zh-CN"/>
-              <a:t>docker network ls, docker network inspect {name}</a:t>
-            </a:r>
-            <a:endParaRPr lang="en-US" altLang="zh-CN"/>
-          </a:p>
-          <a:p>
-            <a:pPr lvl="1"/>
-            <a:r>
-              <a:rPr lang="en-US" altLang="zh-CN"/>
-              <a:t>docker exec -it &lt;container_name&gt; /bin/bash</a:t>
-            </a:r>
-            <a:endParaRPr lang="en-US" altLang="zh-CN"/>
-          </a:p>
-          <a:p>
-            <a:pPr lvl="1"/>
-            <a:r>
-              <a:rPr lang="en-US" altLang="zh-CN"/>
-              <a:t>docker volume ls, docker volume inspect {volume-name}, docker volume rm {volume-name}, docker volume prune</a:t>
-            </a:r>
-            <a:endParaRPr lang="en-US" altLang="zh-CN"/>
-          </a:p>
-          <a:p>
-            <a:pPr lvl="0"/>
-            <a:endParaRPr lang="en-US" altLang="zh-CN"/>
-          </a:p>
-        </p:txBody>
-      </p:sp>
+      <p:graphicFrame>
+        <p:nvGraphicFramePr>
+          <p:cNvPr id="5" name="表格 4"/>
+          <p:cNvGraphicFramePr/>
+          <p:nvPr>
+            <p:custDataLst>
+              <p:tags r:id="rId1"/>
+            </p:custDataLst>
+          </p:nvPr>
+        </p:nvGraphicFramePr>
+        <p:xfrm>
+          <a:off x="633095" y="1104900"/>
+          <a:ext cx="11131550" cy="5303520"/>
+        </p:xfrm>
+        <a:graphic>
+          <a:graphicData uri="http://schemas.openxmlformats.org/drawingml/2006/table">
+            <a:tbl>
+              <a:tblPr firstRow="1" bandRow="1">
+                <a:tableStyleId>{5C22544A-7EE6-4342-B048-85BDC9FD1C3A}</a:tableStyleId>
+              </a:tblPr>
+              <a:tblGrid>
+                <a:gridCol w="5485765"/>
+                <a:gridCol w="3371850"/>
+                <a:gridCol w="2273935"/>
+              </a:tblGrid>
+              <a:tr h="365760">
+                <a:tc>
+                  <a:txBody>
+                    <a:bodyPr/>
+                    <a:p>
+                      <a:pPr algn="ctr">
+                        <a:buNone/>
+                      </a:pPr>
+                      <a:r>
+                        <a:rPr lang="en-US" altLang="zh-CN"/>
+                        <a:t>Command</a:t>
+                      </a:r>
+                      <a:endParaRPr lang="en-US" altLang="zh-CN"/>
+                    </a:p>
+                  </a:txBody>
+                  <a:tcPr/>
+                </a:tc>
+                <a:tc>
+                  <a:txBody>
+                    <a:bodyPr/>
+                    <a:p>
+                      <a:pPr algn="ctr">
+                        <a:buNone/>
+                      </a:pPr>
+                      <a:r>
+                        <a:rPr lang="en-US" altLang="zh-CN"/>
+                        <a:t>Description</a:t>
+                      </a:r>
+                      <a:endParaRPr lang="en-US" altLang="zh-CN"/>
+                    </a:p>
+                  </a:txBody>
+                  <a:tcPr/>
+                </a:tc>
+                <a:tc>
+                  <a:txBody>
+                    <a:bodyPr/>
+                    <a:p>
+                      <a:pPr algn="ctr">
+                        <a:buNone/>
+                      </a:pPr>
+                      <a:r>
+                        <a:rPr lang="en-US" altLang="zh-CN"/>
+                        <a:t>Note</a:t>
+                      </a:r>
+                      <a:endParaRPr lang="en-US" altLang="zh-CN"/>
+                    </a:p>
+                  </a:txBody>
+                  <a:tcPr/>
+                </a:tc>
+              </a:tr>
+              <a:tr h="365760">
+                <a:tc>
+                  <a:txBody>
+                    <a:bodyPr/>
+                    <a:p>
+                      <a:pPr>
+                        <a:buNone/>
+                      </a:pPr>
+                      <a:r>
+                        <a:rPr lang="en-US" altLang="zh-CN"/>
+                        <a:t>docker version</a:t>
+                      </a:r>
+                      <a:endParaRPr lang="en-US" altLang="zh-CN"/>
+                    </a:p>
+                  </a:txBody>
+                  <a:tcPr/>
+                </a:tc>
+                <a:tc>
+                  <a:txBody>
+                    <a:bodyPr/>
+                    <a:p>
+                      <a:pPr>
+                        <a:buNone/>
+                      </a:pPr>
+                      <a:endParaRPr lang="en-US" altLang="zh-CN"/>
+                    </a:p>
+                  </a:txBody>
+                  <a:tcPr/>
+                </a:tc>
+                <a:tc>
+                  <a:txBody>
+                    <a:bodyPr/>
+                    <a:p>
+                      <a:pPr>
+                        <a:buNone/>
+                      </a:pPr>
+                      <a:endParaRPr lang="zh-CN" altLang="en-US"/>
+                    </a:p>
+                  </a:txBody>
+                  <a:tcPr/>
+                </a:tc>
+              </a:tr>
+              <a:tr h="365760">
+                <a:tc>
+                  <a:txBody>
+                    <a:bodyPr/>
+                    <a:p>
+                      <a:pPr>
+                        <a:buNone/>
+                      </a:pPr>
+                      <a:r>
+                        <a:rPr lang="en-US" altLang="zh-CN"/>
+                        <a:t>docker info</a:t>
+                      </a:r>
+                      <a:endParaRPr lang="en-US" altLang="zh-CN"/>
+                    </a:p>
+                  </a:txBody>
+                  <a:tcPr/>
+                </a:tc>
+                <a:tc>
+                  <a:txBody>
+                    <a:bodyPr/>
+                    <a:p>
+                      <a:pPr>
+                        <a:buNone/>
+                      </a:pPr>
+                      <a:endParaRPr lang="en-US" altLang="zh-CN"/>
+                    </a:p>
+                  </a:txBody>
+                  <a:tcPr/>
+                </a:tc>
+                <a:tc>
+                  <a:txBody>
+                    <a:bodyPr/>
+                    <a:p>
+                      <a:pPr>
+                        <a:buNone/>
+                      </a:pPr>
+                      <a:endParaRPr lang="zh-CN" altLang="en-US"/>
+                    </a:p>
+                  </a:txBody>
+                  <a:tcPr/>
+                </a:tc>
+              </a:tr>
+              <a:tr h="365760">
+                <a:tc>
+                  <a:txBody>
+                    <a:bodyPr/>
+                    <a:p>
+                      <a:pPr>
+                        <a:buNone/>
+                      </a:pPr>
+                      <a:r>
+                        <a:rPr lang="en-US" altLang="zh-CN"/>
+                        <a:t>docker pull {image-name}</a:t>
+                      </a:r>
+                      <a:endParaRPr lang="en-US" altLang="zh-CN"/>
+                    </a:p>
+                  </a:txBody>
+                  <a:tcPr/>
+                </a:tc>
+                <a:tc>
+                  <a:txBody>
+                    <a:bodyPr/>
+                    <a:p>
+                      <a:pPr>
+                        <a:buNone/>
+                      </a:pPr>
+                      <a:r>
+                        <a:rPr lang="en-US" altLang="zh-CN"/>
+                        <a:t>Pull docker image from registry</a:t>
+                      </a:r>
+                      <a:endParaRPr lang="en-US" altLang="zh-CN"/>
+                    </a:p>
+                  </a:txBody>
+                  <a:tcPr/>
+                </a:tc>
+                <a:tc>
+                  <a:txBody>
+                    <a:bodyPr/>
+                    <a:p>
+                      <a:pPr>
+                        <a:buNone/>
+                      </a:pPr>
+                      <a:r>
+                        <a:rPr lang="en-US" altLang="zh-CN"/>
+                        <a:t>docker pull busybox</a:t>
+                      </a:r>
+                      <a:endParaRPr lang="en-US" altLang="zh-CN"/>
+                    </a:p>
+                  </a:txBody>
+                  <a:tcPr/>
+                </a:tc>
+              </a:tr>
+              <a:tr h="365760">
+                <a:tc>
+                  <a:txBody>
+                    <a:bodyPr/>
+                    <a:p>
+                      <a:pPr>
+                        <a:buNone/>
+                      </a:pPr>
+                      <a:r>
+                        <a:rPr lang="en-US" altLang="zh-CN"/>
+                        <a:t>docker ps</a:t>
+                      </a:r>
+                      <a:endParaRPr lang="en-US" altLang="zh-CN"/>
+                    </a:p>
+                  </a:txBody>
+                  <a:tcPr/>
+                </a:tc>
+                <a:tc>
+                  <a:txBody>
+                    <a:bodyPr/>
+                    <a:p>
+                      <a:pPr>
+                        <a:buNone/>
+                      </a:pPr>
+                      <a:r>
+                        <a:rPr lang="en-US" altLang="zh-CN"/>
+                        <a:t>List docker images</a:t>
+                      </a:r>
+                      <a:endParaRPr lang="en-US" altLang="zh-CN"/>
+                    </a:p>
+                  </a:txBody>
+                  <a:tcPr/>
+                </a:tc>
+                <a:tc>
+                  <a:txBody>
+                    <a:bodyPr/>
+                    <a:p>
+                      <a:pPr>
+                        <a:buNone/>
+                      </a:pPr>
+                      <a:endParaRPr lang="zh-CN" altLang="en-US"/>
+                    </a:p>
+                  </a:txBody>
+                  <a:tcPr/>
+                </a:tc>
+              </a:tr>
+              <a:tr h="365760">
+                <a:tc>
+                  <a:txBody>
+                    <a:bodyPr/>
+                    <a:p>
+                      <a:pPr>
+                        <a:buNone/>
+                      </a:pPr>
+                      <a:r>
+                        <a:rPr lang="en-US" altLang="zh-CN" sz="1800">
+                          <a:sym typeface="+mn-ea"/>
+                        </a:rPr>
+                        <a:t>docker network ls</a:t>
+                      </a:r>
+                      <a:endParaRPr lang="en-US" altLang="zh-CN"/>
+                    </a:p>
+                  </a:txBody>
+                  <a:tcPr/>
+                </a:tc>
+                <a:tc>
+                  <a:txBody>
+                    <a:bodyPr/>
+                    <a:p>
+                      <a:pPr>
+                        <a:buNone/>
+                      </a:pPr>
+                      <a:endParaRPr lang="en-US" altLang="zh-CN"/>
+                    </a:p>
+                  </a:txBody>
+                  <a:tcPr/>
+                </a:tc>
+                <a:tc>
+                  <a:txBody>
+                    <a:bodyPr/>
+                    <a:p>
+                      <a:pPr>
+                        <a:buNone/>
+                      </a:pPr>
+                      <a:endParaRPr lang="zh-CN" altLang="en-US"/>
+                    </a:p>
+                  </a:txBody>
+                  <a:tcPr/>
+                </a:tc>
+              </a:tr>
+              <a:tr h="365760">
+                <a:tc>
+                  <a:txBody>
+                    <a:bodyPr/>
+                    <a:p>
+                      <a:pPr>
+                        <a:buNone/>
+                      </a:pPr>
+                      <a:r>
+                        <a:rPr lang="en-US" altLang="zh-CN" sz="1800">
+                          <a:sym typeface="+mn-ea"/>
+                        </a:rPr>
+                        <a:t>docker network inspect {name}</a:t>
+                      </a:r>
+                      <a:endParaRPr lang="en-US" altLang="zh-CN"/>
+                    </a:p>
+                  </a:txBody>
+                  <a:tcPr/>
+                </a:tc>
+                <a:tc>
+                  <a:txBody>
+                    <a:bodyPr/>
+                    <a:p>
+                      <a:pPr>
+                        <a:buNone/>
+                      </a:pPr>
+                      <a:endParaRPr lang="en-US" altLang="zh-CN"/>
+                    </a:p>
+                  </a:txBody>
+                  <a:tcPr/>
+                </a:tc>
+                <a:tc>
+                  <a:txBody>
+                    <a:bodyPr/>
+                    <a:p>
+                      <a:pPr>
+                        <a:buNone/>
+                      </a:pPr>
+                      <a:endParaRPr lang="zh-CN" altLang="en-US"/>
+                    </a:p>
+                  </a:txBody>
+                  <a:tcPr/>
+                </a:tc>
+              </a:tr>
+              <a:tr h="640080">
+                <a:tc>
+                  <a:txBody>
+                    <a:bodyPr/>
+                    <a:p>
+                      <a:pPr>
+                        <a:buNone/>
+                      </a:pPr>
+                      <a:r>
+                        <a:rPr lang="en-US" altLang="zh-CN" sz="1800">
+                          <a:sym typeface="+mn-ea"/>
+                        </a:rPr>
+                        <a:t>docker exec -it &lt;container_name&gt; /bin/bash</a:t>
+                      </a:r>
+                      <a:endParaRPr lang="en-US" altLang="zh-CN"/>
+                    </a:p>
+                  </a:txBody>
+                  <a:tcPr/>
+                </a:tc>
+                <a:tc>
+                  <a:txBody>
+                    <a:bodyPr/>
+                    <a:p>
+                      <a:pPr>
+                        <a:buNone/>
+                      </a:pPr>
+                      <a:r>
+                        <a:rPr lang="en-US" altLang="zh-CN"/>
+                        <a:t>Run bash in container in interactive mode</a:t>
+                      </a:r>
+                      <a:endParaRPr lang="en-US" altLang="zh-CN"/>
+                    </a:p>
+                  </a:txBody>
+                  <a:tcPr/>
+                </a:tc>
+                <a:tc>
+                  <a:txBody>
+                    <a:bodyPr/>
+                    <a:p>
+                      <a:pPr>
+                        <a:buNone/>
+                      </a:pPr>
+                      <a:endParaRPr lang="zh-CN" altLang="en-US"/>
+                    </a:p>
+                  </a:txBody>
+                  <a:tcPr/>
+                </a:tc>
+              </a:tr>
+              <a:tr h="640080">
+                <a:tc>
+                  <a:txBody>
+                    <a:bodyPr/>
+                    <a:p>
+                      <a:pPr>
+                        <a:buNone/>
+                      </a:pPr>
+                      <a:r>
+                        <a:rPr lang="en-US" altLang="zh-CN"/>
+                        <a:t>docker cp {local_file} {image_name}:{dir_in_image}</a:t>
+                      </a:r>
+                      <a:endParaRPr lang="en-US" altLang="zh-CN"/>
+                    </a:p>
+                    <a:p>
+                      <a:pPr>
+                        <a:buNone/>
+                      </a:pPr>
+                      <a:r>
+                        <a:rPr lang="en-US" altLang="zh-CN"/>
+                        <a:t>docker cp {image_name}:{dir_in_image} {local_dir}</a:t>
+                      </a:r>
+                      <a:endParaRPr lang="en-US" altLang="zh-CN"/>
+                    </a:p>
+                  </a:txBody>
+                  <a:tcPr/>
+                </a:tc>
+                <a:tc>
+                  <a:txBody>
+                    <a:bodyPr/>
+                    <a:p>
+                      <a:pPr>
+                        <a:buNone/>
+                      </a:pPr>
+                      <a:endParaRPr lang="en-US" altLang="zh-CN"/>
+                    </a:p>
+                  </a:txBody>
+                  <a:tcPr/>
+                </a:tc>
+                <a:tc>
+                  <a:txBody>
+                    <a:bodyPr/>
+                    <a:p>
+                      <a:pPr>
+                        <a:buNone/>
+                      </a:pPr>
+                      <a:endParaRPr lang="zh-CN" altLang="en-US"/>
+                    </a:p>
+                  </a:txBody>
+                  <a:tcPr/>
+                </a:tc>
+              </a:tr>
+              <a:tr h="365760">
+                <a:tc>
+                  <a:txBody>
+                    <a:bodyPr/>
+                    <a:p>
+                      <a:pPr marL="0" lvl="1">
+                        <a:buNone/>
+                      </a:pPr>
+                      <a:r>
+                        <a:rPr lang="en-US" altLang="zh-CN" sz="1800">
+                          <a:sym typeface="+mn-ea"/>
+                        </a:rPr>
+                        <a:t>docker volume ls</a:t>
+                      </a:r>
+                      <a:endParaRPr lang="en-US" altLang="zh-CN"/>
+                    </a:p>
+                  </a:txBody>
+                  <a:tcPr/>
+                </a:tc>
+                <a:tc>
+                  <a:txBody>
+                    <a:bodyPr/>
+                    <a:p>
+                      <a:pPr>
+                        <a:buNone/>
+                      </a:pPr>
+                      <a:endParaRPr lang="en-US" altLang="zh-CN"/>
+                    </a:p>
+                  </a:txBody>
+                  <a:tcPr/>
+                </a:tc>
+                <a:tc>
+                  <a:txBody>
+                    <a:bodyPr/>
+                    <a:p>
+                      <a:pPr>
+                        <a:buNone/>
+                      </a:pPr>
+                      <a:endParaRPr lang="zh-CN" altLang="en-US"/>
+                    </a:p>
+                  </a:txBody>
+                  <a:tcPr/>
+                </a:tc>
+              </a:tr>
+              <a:tr h="365760">
+                <a:tc>
+                  <a:txBody>
+                    <a:bodyPr/>
+                    <a:p>
+                      <a:pPr marL="0" lvl="1">
+                        <a:buNone/>
+                      </a:pPr>
+                      <a:r>
+                        <a:rPr lang="en-US" altLang="zh-CN" sz="1800">
+                          <a:sym typeface="+mn-ea"/>
+                        </a:rPr>
+                        <a:t>docker volume inspect {volume-name}</a:t>
+                      </a:r>
+                      <a:endParaRPr lang="en-US" altLang="zh-CN"/>
+                    </a:p>
+                  </a:txBody>
+                  <a:tcPr/>
+                </a:tc>
+                <a:tc>
+                  <a:txBody>
+                    <a:bodyPr/>
+                    <a:p>
+                      <a:pPr>
+                        <a:buNone/>
+                      </a:pPr>
+                      <a:endParaRPr lang="en-US" altLang="zh-CN"/>
+                    </a:p>
+                  </a:txBody>
+                  <a:tcPr/>
+                </a:tc>
+                <a:tc>
+                  <a:txBody>
+                    <a:bodyPr/>
+                    <a:p>
+                      <a:pPr>
+                        <a:buNone/>
+                      </a:pPr>
+                      <a:endParaRPr lang="zh-CN" altLang="en-US"/>
+                    </a:p>
+                  </a:txBody>
+                  <a:tcPr/>
+                </a:tc>
+              </a:tr>
+              <a:tr h="365760">
+                <a:tc>
+                  <a:txBody>
+                    <a:bodyPr/>
+                    <a:p>
+                      <a:pPr marL="0" lvl="1">
+                        <a:buNone/>
+                      </a:pPr>
+                      <a:r>
+                        <a:rPr lang="en-US" altLang="zh-CN" sz="1800">
+                          <a:sym typeface="+mn-ea"/>
+                        </a:rPr>
+                        <a:t>docker volume rm {volume-name}</a:t>
+                      </a:r>
+                      <a:endParaRPr lang="en-US" altLang="zh-CN"/>
+                    </a:p>
+                  </a:txBody>
+                  <a:tcPr/>
+                </a:tc>
+                <a:tc>
+                  <a:txBody>
+                    <a:bodyPr/>
+                    <a:p>
+                      <a:pPr>
+                        <a:buNone/>
+                      </a:pPr>
+                      <a:endParaRPr lang="en-US" altLang="zh-CN"/>
+                    </a:p>
+                  </a:txBody>
+                  <a:tcPr/>
+                </a:tc>
+                <a:tc>
+                  <a:txBody>
+                    <a:bodyPr/>
+                    <a:p>
+                      <a:pPr>
+                        <a:buNone/>
+                      </a:pPr>
+                      <a:endParaRPr lang="zh-CN" altLang="en-US"/>
+                    </a:p>
+                  </a:txBody>
+                  <a:tcPr/>
+                </a:tc>
+              </a:tr>
+              <a:tr h="365760">
+                <a:tc>
+                  <a:txBody>
+                    <a:bodyPr/>
+                    <a:p>
+                      <a:pPr marL="0" lvl="1">
+                        <a:buNone/>
+                      </a:pPr>
+                      <a:r>
+                        <a:rPr lang="en-US" altLang="zh-CN" sz="1800">
+                          <a:sym typeface="+mn-ea"/>
+                        </a:rPr>
+                        <a:t>docker volume prune</a:t>
+                      </a:r>
+                      <a:endParaRPr lang="en-US" altLang="zh-CN"/>
+                    </a:p>
+                  </a:txBody>
+                  <a:tcPr/>
+                </a:tc>
+                <a:tc>
+                  <a:txBody>
+                    <a:bodyPr/>
+                    <a:p>
+                      <a:pPr>
+                        <a:buNone/>
+                      </a:pPr>
+                      <a:endParaRPr lang="en-US" altLang="zh-CN"/>
+                    </a:p>
+                  </a:txBody>
+                  <a:tcPr/>
+                </a:tc>
+                <a:tc>
+                  <a:txBody>
+                    <a:bodyPr/>
+                    <a:p>
+                      <a:pPr>
+                        <a:buNone/>
+                      </a:pPr>
+                      <a:endParaRPr lang="zh-CN" altLang="en-US"/>
+                    </a:p>
+                  </a:txBody>
+                  <a:tcPr/>
+                </a:tc>
+              </a:tr>
+            </a:tbl>
+          </a:graphicData>
+        </a:graphic>
+      </p:graphicFrame>
     </p:spTree>
     <p:custDataLst>
-      <p:tags r:id="rId1"/>
+      <p:tags r:id="rId2"/>
     </p:custDataLst>
   </p:cSld>
   <p:clrMapOvr>
@@ -4322,7 +4553,7 @@
               <a:rPr lang="en-US" altLang="zh-CN">
                 <a:sym typeface="+mn-ea"/>
               </a:rPr>
-              <a:t>Docker Commands (2)</a:t>
+              <a:t>Docker Commands - System</a:t>
             </a:r>
             <a:endParaRPr lang="zh-CN" altLang="en-US"/>
           </a:p>
@@ -4607,6 +4838,851 @@
 </file>
 
 <file path=ppt/slides/slide13.xml><?xml version="1.0" encoding="utf-8"?>
+<p:sld xmlns:a="http://schemas.openxmlformats.org/drawingml/2006/main" xmlns:r="http://schemas.openxmlformats.org/officeDocument/2006/relationships" xmlns:p="http://schemas.openxmlformats.org/presentationml/2006/main">
+  <p:cSld>
+    <p:spTree>
+      <p:nvGrpSpPr>
+        <p:cNvPr id="1" name=""/>
+        <p:cNvGrpSpPr/>
+        <p:nvPr/>
+      </p:nvGrpSpPr>
+      <p:grpSpPr/>
+      <p:sp>
+        <p:nvSpPr>
+          <p:cNvPr id="2" name="标题 1"/>
+          <p:cNvSpPr>
+            <a:spLocks noGrp="1"/>
+          </p:cNvSpPr>
+          <p:nvPr>
+            <p:ph type="title"/>
+          </p:nvPr>
+        </p:nvSpPr>
+        <p:spPr/>
+        <p:txBody>
+          <a:bodyPr/>
+          <a:p>
+            <a:r>
+              <a:rPr lang="en-US" altLang="zh-CN"/>
+              <a:t>Docker Commands - Container</a:t>
+            </a:r>
+            <a:endParaRPr lang="en-US" altLang="zh-CN"/>
+          </a:p>
+        </p:txBody>
+      </p:sp>
+      <p:graphicFrame>
+        <p:nvGraphicFramePr>
+          <p:cNvPr id="5" name="表格 4"/>
+          <p:cNvGraphicFramePr/>
+          <p:nvPr>
+            <p:custDataLst>
+              <p:tags r:id="rId1"/>
+            </p:custDataLst>
+          </p:nvPr>
+        </p:nvGraphicFramePr>
+        <p:xfrm>
+          <a:off x="642620" y="1314450"/>
+          <a:ext cx="10984230" cy="4933950"/>
+        </p:xfrm>
+        <a:graphic>
+          <a:graphicData uri="http://schemas.openxmlformats.org/drawingml/2006/table">
+            <a:tbl>
+              <a:tblPr firstRow="1" bandRow="1">
+                <a:tableStyleId>{5C22544A-7EE6-4342-B048-85BDC9FD1C3A}</a:tableStyleId>
+              </a:tblPr>
+              <a:tblGrid>
+                <a:gridCol w="5093335"/>
+                <a:gridCol w="3425190"/>
+                <a:gridCol w="2465705"/>
+              </a:tblGrid>
+              <a:tr h="613410">
+                <a:tc>
+                  <a:txBody>
+                    <a:bodyPr/>
+                    <a:p>
+                      <a:pPr algn="ctr">
+                        <a:buNone/>
+                      </a:pPr>
+                      <a:r>
+                        <a:rPr lang="en-US" altLang="zh-CN"/>
+                        <a:t>Command</a:t>
+                      </a:r>
+                      <a:endParaRPr lang="en-US" altLang="zh-CN"/>
+                    </a:p>
+                  </a:txBody>
+                  <a:tcPr/>
+                </a:tc>
+                <a:tc>
+                  <a:txBody>
+                    <a:bodyPr/>
+                    <a:p>
+                      <a:pPr algn="ctr">
+                        <a:buNone/>
+                      </a:pPr>
+                      <a:r>
+                        <a:rPr lang="en-US" altLang="zh-CN"/>
+                        <a:t>Description</a:t>
+                      </a:r>
+                      <a:endParaRPr lang="en-US" altLang="zh-CN"/>
+                    </a:p>
+                  </a:txBody>
+                  <a:tcPr/>
+                </a:tc>
+                <a:tc>
+                  <a:txBody>
+                    <a:bodyPr/>
+                    <a:p>
+                      <a:pPr algn="ctr">
+                        <a:buNone/>
+                      </a:pPr>
+                      <a:r>
+                        <a:rPr lang="en-US" altLang="zh-CN"/>
+                        <a:t>Note</a:t>
+                      </a:r>
+                      <a:endParaRPr lang="en-US" altLang="zh-CN"/>
+                    </a:p>
+                  </a:txBody>
+                  <a:tcPr/>
+                </a:tc>
+              </a:tr>
+              <a:tr h="613410">
+                <a:tc>
+                  <a:txBody>
+                    <a:bodyPr/>
+                    <a:p>
+                      <a:pPr>
+                        <a:buNone/>
+                      </a:pPr>
+                      <a:r>
+                        <a:rPr lang="en-US" altLang="zh-CN"/>
+                        <a:t>docker container ls -a</a:t>
+                      </a:r>
+                      <a:endParaRPr lang="en-US" altLang="zh-CN"/>
+                    </a:p>
+                  </a:txBody>
+                  <a:tcPr/>
+                </a:tc>
+                <a:tc>
+                  <a:txBody>
+                    <a:bodyPr/>
+                    <a:p>
+                      <a:pPr>
+                        <a:buNone/>
+                      </a:pPr>
+                      <a:r>
+                        <a:rPr lang="en-US" altLang="zh-CN"/>
+                        <a:t>list containers</a:t>
+                      </a:r>
+                      <a:endParaRPr lang="en-US" altLang="zh-CN"/>
+                    </a:p>
+                  </a:txBody>
+                  <a:tcPr/>
+                </a:tc>
+                <a:tc>
+                  <a:txBody>
+                    <a:bodyPr/>
+                    <a:p>
+                      <a:pPr>
+                        <a:buNone/>
+                      </a:pPr>
+                      <a:endParaRPr lang="zh-CN" altLang="en-US"/>
+                    </a:p>
+                  </a:txBody>
+                  <a:tcPr/>
+                </a:tc>
+              </a:tr>
+              <a:tr h="613410">
+                <a:tc>
+                  <a:txBody>
+                    <a:bodyPr/>
+                    <a:p>
+                      <a:pPr>
+                        <a:buNone/>
+                      </a:pPr>
+                      <a:r>
+                        <a:rPr lang="en-US" altLang="zh-CN"/>
+                        <a:t>docker container ps</a:t>
+                      </a:r>
+                      <a:endParaRPr lang="en-US" altLang="zh-CN"/>
+                    </a:p>
+                  </a:txBody>
+                  <a:tcPr/>
+                </a:tc>
+                <a:tc>
+                  <a:txBody>
+                    <a:bodyPr/>
+                    <a:p>
+                      <a:pPr>
+                        <a:buNone/>
+                      </a:pPr>
+                      <a:r>
+                        <a:rPr lang="en-US" altLang="zh-CN" sz="1800">
+                          <a:sym typeface="+mn-ea"/>
+                        </a:rPr>
+                        <a:t>list containers</a:t>
+                      </a:r>
+                      <a:endParaRPr lang="en-US" altLang="zh-CN"/>
+                    </a:p>
+                  </a:txBody>
+                  <a:tcPr/>
+                </a:tc>
+                <a:tc>
+                  <a:txBody>
+                    <a:bodyPr/>
+                    <a:p>
+                      <a:pPr>
+                        <a:buNone/>
+                      </a:pPr>
+                      <a:endParaRPr lang="zh-CN" altLang="en-US"/>
+                    </a:p>
+                  </a:txBody>
+                  <a:tcPr/>
+                </a:tc>
+              </a:tr>
+              <a:tr h="613410">
+                <a:tc>
+                  <a:txBody>
+                    <a:bodyPr/>
+                    <a:p>
+                      <a:pPr marL="0" lvl="1" algn="l">
+                        <a:buClrTx/>
+                        <a:buSzTx/>
+                        <a:buFontTx/>
+                      </a:pPr>
+                      <a:r>
+                        <a:rPr lang="en-US" altLang="zh-CN" sz="1800">
+                          <a:sym typeface="+mn-ea"/>
+                        </a:rPr>
+                        <a:t>docker container stop {container-name}</a:t>
+                      </a:r>
+                      <a:endParaRPr lang="en-US" altLang="zh-CN"/>
+                    </a:p>
+                  </a:txBody>
+                  <a:tcPr/>
+                </a:tc>
+                <a:tc>
+                  <a:txBody>
+                    <a:bodyPr/>
+                    <a:p>
+                      <a:pPr>
+                        <a:buNone/>
+                      </a:pPr>
+                      <a:r>
+                        <a:rPr lang="en-US" altLang="zh-CN"/>
+                        <a:t>stop container</a:t>
+                      </a:r>
+                      <a:endParaRPr lang="en-US" altLang="zh-CN"/>
+                    </a:p>
+                  </a:txBody>
+                  <a:tcPr/>
+                </a:tc>
+                <a:tc>
+                  <a:txBody>
+                    <a:bodyPr/>
+                    <a:p>
+                      <a:pPr>
+                        <a:buNone/>
+                      </a:pPr>
+                      <a:endParaRPr lang="en-US" altLang="zh-CN"/>
+                    </a:p>
+                  </a:txBody>
+                  <a:tcPr/>
+                </a:tc>
+              </a:tr>
+              <a:tr h="613410">
+                <a:tc>
+                  <a:txBody>
+                    <a:bodyPr/>
+                    <a:p>
+                      <a:pPr marL="0" lvl="1">
+                        <a:buNone/>
+                      </a:pPr>
+                      <a:r>
+                        <a:rPr lang="en-US" altLang="zh-CN" sz="1800">
+                          <a:sym typeface="+mn-ea"/>
+                        </a:rPr>
+                        <a:t>docker container stop $(docker container ls -aq)</a:t>
+                      </a:r>
+                      <a:endParaRPr lang="en-US" altLang="zh-CN"/>
+                    </a:p>
+                  </a:txBody>
+                  <a:tcPr/>
+                </a:tc>
+                <a:tc>
+                  <a:txBody>
+                    <a:bodyPr/>
+                    <a:p>
+                      <a:pPr>
+                        <a:buNone/>
+                      </a:pPr>
+                      <a:r>
+                        <a:rPr lang="en-US" altLang="zh-CN"/>
+                        <a:t>stop all containers</a:t>
+                      </a:r>
+                      <a:endParaRPr lang="en-US" altLang="zh-CN"/>
+                    </a:p>
+                  </a:txBody>
+                  <a:tcPr/>
+                </a:tc>
+                <a:tc>
+                  <a:txBody>
+                    <a:bodyPr/>
+                    <a:p>
+                      <a:pPr>
+                        <a:buNone/>
+                      </a:pPr>
+                      <a:endParaRPr lang="zh-CN" altLang="en-US"/>
+                    </a:p>
+                  </a:txBody>
+                  <a:tcPr/>
+                </a:tc>
+              </a:tr>
+              <a:tr h="613410">
+                <a:tc>
+                  <a:txBody>
+                    <a:bodyPr/>
+                    <a:p>
+                      <a:pPr marL="0" lvl="1">
+                        <a:buNone/>
+                      </a:pPr>
+                      <a:r>
+                        <a:rPr lang="en-US" altLang="zh-CN" sz="1800">
+                          <a:sym typeface="+mn-ea"/>
+                        </a:rPr>
+                        <a:t>docker container rm --force {container-name}</a:t>
+                      </a:r>
+                      <a:endParaRPr lang="en-US" altLang="zh-CN"/>
+                    </a:p>
+                  </a:txBody>
+                  <a:tcPr/>
+                </a:tc>
+                <a:tc>
+                  <a:txBody>
+                    <a:bodyPr/>
+                    <a:p>
+                      <a:pPr>
+                        <a:buNone/>
+                      </a:pPr>
+                      <a:r>
+                        <a:rPr lang="en-US" altLang="zh-CN"/>
+                        <a:t>remove a container</a:t>
+                      </a:r>
+                      <a:endParaRPr lang="en-US" altLang="zh-CN"/>
+                    </a:p>
+                  </a:txBody>
+                  <a:tcPr/>
+                </a:tc>
+                <a:tc>
+                  <a:txBody>
+                    <a:bodyPr/>
+                    <a:p>
+                      <a:pPr>
+                        <a:buNone/>
+                      </a:pPr>
+                      <a:endParaRPr lang="zh-CN" altLang="en-US"/>
+                    </a:p>
+                  </a:txBody>
+                  <a:tcPr/>
+                </a:tc>
+              </a:tr>
+              <a:tr h="613410">
+                <a:tc>
+                  <a:txBody>
+                    <a:bodyPr/>
+                    <a:p>
+                      <a:pPr marL="0" lvl="1">
+                        <a:buNone/>
+                      </a:pPr>
+                      <a:r>
+                        <a:rPr lang="en-US" altLang="zh-CN" sz="1800">
+                          <a:sym typeface="+mn-ea"/>
+                        </a:rPr>
+                        <a:t>docker container run --name {container-name} {image-name}</a:t>
+                      </a:r>
+                      <a:endParaRPr lang="en-US" altLang="zh-CN"/>
+                    </a:p>
+                  </a:txBody>
+                  <a:tcPr/>
+                </a:tc>
+                <a:tc>
+                  <a:txBody>
+                    <a:bodyPr/>
+                    <a:p>
+                      <a:pPr>
+                        <a:buNone/>
+                      </a:pPr>
+                      <a:endParaRPr lang="en-US" altLang="zh-CN"/>
+                    </a:p>
+                  </a:txBody>
+                  <a:tcPr/>
+                </a:tc>
+                <a:tc>
+                  <a:txBody>
+                    <a:bodyPr/>
+                    <a:p>
+                      <a:pPr>
+                        <a:buNone/>
+                      </a:pPr>
+                      <a:endParaRPr lang="zh-CN" altLang="en-US"/>
+                    </a:p>
+                  </a:txBody>
+                  <a:tcPr/>
+                </a:tc>
+              </a:tr>
+              <a:tr h="613410">
+                <a:tc>
+                  <a:txBody>
+                    <a:bodyPr/>
+                    <a:p>
+                      <a:pPr marL="0" lvl="1">
+                        <a:buNone/>
+                      </a:pPr>
+                      <a:r>
+                        <a:rPr lang="en-US" altLang="zh-CN" sz="1800">
+                          <a:sym typeface="+mn-ea"/>
+                        </a:rPr>
+                        <a:t>docker top/stats/attach/pause/unpause/kill/stop/rm {container-id}</a:t>
+                      </a:r>
+                      <a:endParaRPr lang="en-US" altLang="zh-CN"/>
+                    </a:p>
+                  </a:txBody>
+                  <a:tcPr/>
+                </a:tc>
+                <a:tc>
+                  <a:txBody>
+                    <a:bodyPr/>
+                    <a:p>
+                      <a:pPr>
+                        <a:buNone/>
+                      </a:pPr>
+                      <a:endParaRPr lang="en-US" altLang="zh-CN"/>
+                    </a:p>
+                  </a:txBody>
+                  <a:tcPr/>
+                </a:tc>
+                <a:tc>
+                  <a:txBody>
+                    <a:bodyPr/>
+                    <a:p>
+                      <a:pPr>
+                        <a:buNone/>
+                      </a:pPr>
+                      <a:endParaRPr lang="zh-CN" altLang="en-US"/>
+                    </a:p>
+                  </a:txBody>
+                  <a:tcPr/>
+                </a:tc>
+              </a:tr>
+            </a:tbl>
+          </a:graphicData>
+        </a:graphic>
+      </p:graphicFrame>
+    </p:spTree>
+    <p:custDataLst>
+      <p:tags r:id="rId2"/>
+    </p:custDataLst>
+  </p:cSld>
+  <p:clrMapOvr>
+    <a:masterClrMapping/>
+  </p:clrMapOvr>
+</p:sld>
+</file>
+
+<file path=ppt/slides/slide14.xml><?xml version="1.0" encoding="utf-8"?>
+<p:sld xmlns:a="http://schemas.openxmlformats.org/drawingml/2006/main" xmlns:r="http://schemas.openxmlformats.org/officeDocument/2006/relationships" xmlns:p="http://schemas.openxmlformats.org/presentationml/2006/main">
+  <p:cSld>
+    <p:spTree>
+      <p:nvGrpSpPr>
+        <p:cNvPr id="1" name=""/>
+        <p:cNvGrpSpPr/>
+        <p:nvPr/>
+      </p:nvGrpSpPr>
+      <p:grpSpPr/>
+      <p:sp>
+        <p:nvSpPr>
+          <p:cNvPr id="2" name="标题 1"/>
+          <p:cNvSpPr>
+            <a:spLocks noGrp="1"/>
+          </p:cNvSpPr>
+          <p:nvPr>
+            <p:ph type="title"/>
+          </p:nvPr>
+        </p:nvSpPr>
+        <p:spPr/>
+        <p:txBody>
+          <a:bodyPr/>
+          <a:p>
+            <a:r>
+              <a:rPr lang="en-US" altLang="zh-CN"/>
+              <a:t>Docker Commnads - Image</a:t>
+            </a:r>
+            <a:endParaRPr lang="en-US" altLang="zh-CN"/>
+          </a:p>
+        </p:txBody>
+      </p:sp>
+      <p:graphicFrame>
+        <p:nvGraphicFramePr>
+          <p:cNvPr id="5" name="内容占位符 4"/>
+          <p:cNvGraphicFramePr/>
+          <p:nvPr>
+            <p:ph idx="1"/>
+            <p:custDataLst>
+              <p:tags r:id="rId1"/>
+            </p:custDataLst>
+          </p:nvPr>
+        </p:nvGraphicFramePr>
+        <p:xfrm>
+          <a:off x="838200" y="1211581"/>
+          <a:ext cx="10515600" cy="2834640"/>
+        </p:xfrm>
+        <a:graphic>
+          <a:graphicData uri="http://schemas.openxmlformats.org/drawingml/2006/table">
+            <a:tbl>
+              <a:tblPr firstRow="1" bandRow="1">
+                <a:tableStyleId>{5C22544A-7EE6-4342-B048-85BDC9FD1C3A}</a:tableStyleId>
+              </a:tblPr>
+              <a:tblGrid>
+                <a:gridCol w="3760470"/>
+                <a:gridCol w="3869055"/>
+                <a:gridCol w="2886075"/>
+              </a:tblGrid>
+              <a:tr h="365760">
+                <a:tc>
+                  <a:txBody>
+                    <a:bodyPr/>
+                    <a:p>
+                      <a:pPr algn="ctr">
+                        <a:buNone/>
+                      </a:pPr>
+                      <a:r>
+                        <a:rPr lang="en-US" altLang="zh-CN"/>
+                        <a:t>Command</a:t>
+                      </a:r>
+                      <a:endParaRPr lang="en-US" altLang="zh-CN"/>
+                    </a:p>
+                  </a:txBody>
+                  <a:tcPr/>
+                </a:tc>
+                <a:tc>
+                  <a:txBody>
+                    <a:bodyPr/>
+                    <a:p>
+                      <a:pPr algn="ctr">
+                        <a:buNone/>
+                      </a:pPr>
+                      <a:r>
+                        <a:rPr lang="en-US" altLang="zh-CN"/>
+                        <a:t>Description</a:t>
+                      </a:r>
+                      <a:endParaRPr lang="en-US" altLang="zh-CN"/>
+                    </a:p>
+                  </a:txBody>
+                  <a:tcPr/>
+                </a:tc>
+                <a:tc>
+                  <a:txBody>
+                    <a:bodyPr/>
+                    <a:p>
+                      <a:pPr algn="ctr">
+                        <a:buNone/>
+                      </a:pPr>
+                      <a:r>
+                        <a:rPr lang="en-US" altLang="zh-CN"/>
+                        <a:t>Note</a:t>
+                      </a:r>
+                      <a:endParaRPr lang="en-US" altLang="zh-CN"/>
+                    </a:p>
+                  </a:txBody>
+                  <a:tcPr/>
+                </a:tc>
+              </a:tr>
+              <a:tr h="365760">
+                <a:tc>
+                  <a:txBody>
+                    <a:bodyPr/>
+                    <a:p>
+                      <a:pPr>
+                        <a:buNone/>
+                      </a:pPr>
+                      <a:r>
+                        <a:rPr lang="en-US" altLang="zh-CN"/>
+                        <a:t>docker images</a:t>
+                      </a:r>
+                      <a:endParaRPr lang="en-US" altLang="zh-CN"/>
+                    </a:p>
+                  </a:txBody>
+                  <a:tcPr/>
+                </a:tc>
+                <a:tc>
+                  <a:txBody>
+                    <a:bodyPr/>
+                    <a:p>
+                      <a:pPr>
+                        <a:buNone/>
+                      </a:pPr>
+                      <a:r>
+                        <a:rPr lang="en-US" altLang="zh-CN"/>
+                        <a:t>list installed images</a:t>
+                      </a:r>
+                      <a:endParaRPr lang="en-US" altLang="zh-CN"/>
+                    </a:p>
+                  </a:txBody>
+                  <a:tcPr/>
+                </a:tc>
+                <a:tc>
+                  <a:txBody>
+                    <a:bodyPr/>
+                    <a:p>
+                      <a:pPr>
+                        <a:buNone/>
+                      </a:pPr>
+                      <a:endParaRPr lang="en-US" altLang="zh-CN"/>
+                    </a:p>
+                  </a:txBody>
+                  <a:tcPr/>
+                </a:tc>
+              </a:tr>
+              <a:tr h="640080">
+                <a:tc>
+                  <a:txBody>
+                    <a:bodyPr/>
+                    <a:p>
+                      <a:pPr>
+                        <a:buNone/>
+                      </a:pPr>
+                      <a:r>
+                        <a:rPr lang="en-US" altLang="zh-CN"/>
+                        <a:t>docker image prune</a:t>
+                      </a:r>
+                      <a:endParaRPr lang="en-US" altLang="zh-CN"/>
+                    </a:p>
+                  </a:txBody>
+                  <a:tcPr/>
+                </a:tc>
+                <a:tc>
+                  <a:txBody>
+                    <a:bodyPr/>
+                    <a:p>
+                      <a:pPr>
+                        <a:buNone/>
+                      </a:pPr>
+                      <a:r>
+                        <a:rPr lang="en-US" altLang="zh-CN"/>
+                        <a:t>clean up dangling images, free huge space</a:t>
+                      </a:r>
+                      <a:endParaRPr lang="en-US" altLang="zh-CN"/>
+                    </a:p>
+                  </a:txBody>
+                  <a:tcPr/>
+                </a:tc>
+                <a:tc>
+                  <a:txBody>
+                    <a:bodyPr/>
+                    <a:p>
+                      <a:pPr>
+                        <a:buNone/>
+                      </a:pPr>
+                      <a:endParaRPr lang="en-US" altLang="zh-CN"/>
+                    </a:p>
+                  </a:txBody>
+                  <a:tcPr/>
+                </a:tc>
+              </a:tr>
+              <a:tr h="365760">
+                <a:tc>
+                  <a:txBody>
+                    <a:bodyPr/>
+                    <a:p>
+                      <a:pPr marL="0" lvl="1">
+                        <a:buNone/>
+                      </a:pPr>
+                      <a:r>
+                        <a:rPr lang="en-US" altLang="zh-CN" sz="1800">
+                          <a:sym typeface="+mn-ea"/>
+                        </a:rPr>
+                        <a:t>docker rmi {image-id}</a:t>
+                      </a:r>
+                      <a:endParaRPr lang="en-US" altLang="zh-CN"/>
+                    </a:p>
+                  </a:txBody>
+                  <a:tcPr/>
+                </a:tc>
+                <a:tc>
+                  <a:txBody>
+                    <a:bodyPr/>
+                    <a:p>
+                      <a:pPr>
+                        <a:buNone/>
+                      </a:pPr>
+                      <a:r>
+                        <a:rPr lang="en-US" altLang="zh-CN"/>
+                        <a:t>remove docker image</a:t>
+                      </a:r>
+                      <a:endParaRPr lang="en-US" altLang="zh-CN"/>
+                    </a:p>
+                  </a:txBody>
+                  <a:tcPr/>
+                </a:tc>
+                <a:tc>
+                  <a:txBody>
+                    <a:bodyPr/>
+                    <a:p>
+                      <a:pPr>
+                        <a:buNone/>
+                      </a:pPr>
+                      <a:endParaRPr lang="en-US" altLang="zh-CN"/>
+                    </a:p>
+                  </a:txBody>
+                  <a:tcPr/>
+                </a:tc>
+              </a:tr>
+              <a:tr h="365760">
+                <a:tc>
+                  <a:txBody>
+                    <a:bodyPr/>
+                    <a:p>
+                      <a:pPr marL="0" lvl="1">
+                        <a:buNone/>
+                      </a:pPr>
+                      <a:r>
+                        <a:rPr lang="en-US" altLang="zh-CN" sz="1800">
+                          <a:sym typeface="+mn-ea"/>
+                        </a:rPr>
+                        <a:t>docker image build -t {image-name}</a:t>
+                      </a:r>
+                      <a:endParaRPr lang="en-US" altLang="zh-CN"/>
+                    </a:p>
+                  </a:txBody>
+                  <a:tcPr/>
+                </a:tc>
+                <a:tc>
+                  <a:txBody>
+                    <a:bodyPr/>
+                    <a:p>
+                      <a:pPr>
+                        <a:buNone/>
+                      </a:pPr>
+                      <a:endParaRPr lang="en-US" altLang="zh-CN"/>
+                    </a:p>
+                  </a:txBody>
+                  <a:tcPr/>
+                </a:tc>
+                <a:tc>
+                  <a:txBody>
+                    <a:bodyPr/>
+                    <a:p>
+                      <a:pPr>
+                        <a:buNone/>
+                      </a:pPr>
+                      <a:endParaRPr lang="en-US" altLang="zh-CN"/>
+                    </a:p>
+                  </a:txBody>
+                  <a:tcPr/>
+                </a:tc>
+              </a:tr>
+              <a:tr h="365760">
+                <a:tc>
+                  <a:txBody>
+                    <a:bodyPr/>
+                    <a:p>
+                      <a:pPr marL="0" lvl="1">
+                        <a:buNone/>
+                      </a:pPr>
+                      <a:r>
+                        <a:rPr lang="en-US" altLang="zh-CN" sz="1800">
+                          <a:sym typeface="+mn-ea"/>
+                        </a:rPr>
+                        <a:t>docker inspect {image-name}</a:t>
+                      </a:r>
+                      <a:endParaRPr lang="en-US" altLang="zh-CN"/>
+                    </a:p>
+                  </a:txBody>
+                  <a:tcPr/>
+                </a:tc>
+                <a:tc>
+                  <a:txBody>
+                    <a:bodyPr/>
+                    <a:p>
+                      <a:pPr>
+                        <a:buNone/>
+                      </a:pPr>
+                      <a:endParaRPr lang="en-US" altLang="zh-CN"/>
+                    </a:p>
+                  </a:txBody>
+                  <a:tcPr/>
+                </a:tc>
+                <a:tc>
+                  <a:txBody>
+                    <a:bodyPr/>
+                    <a:p>
+                      <a:pPr>
+                        <a:buNone/>
+                      </a:pPr>
+                      <a:endParaRPr lang="en-US" altLang="zh-CN"/>
+                    </a:p>
+                  </a:txBody>
+                  <a:tcPr/>
+                </a:tc>
+              </a:tr>
+              <a:tr h="365760">
+                <a:tc>
+                  <a:txBody>
+                    <a:bodyPr/>
+                    <a:p>
+                      <a:pPr marL="0" lvl="1">
+                        <a:buNone/>
+                      </a:pPr>
+                      <a:r>
+                        <a:rPr lang="en-US" altLang="zh-CN" sz="1800">
+                          <a:sym typeface="+mn-ea"/>
+                        </a:rPr>
+                        <a:t>docker history {image-id}</a:t>
+                      </a:r>
+                      <a:endParaRPr lang="en-US" altLang="zh-CN"/>
+                    </a:p>
+                  </a:txBody>
+                  <a:tcPr/>
+                </a:tc>
+                <a:tc>
+                  <a:txBody>
+                    <a:bodyPr/>
+                    <a:p>
+                      <a:pPr>
+                        <a:buNone/>
+                      </a:pPr>
+                      <a:endParaRPr lang="en-US" altLang="zh-CN"/>
+                    </a:p>
+                  </a:txBody>
+                  <a:tcPr/>
+                </a:tc>
+                <a:tc>
+                  <a:txBody>
+                    <a:bodyPr/>
+                    <a:p>
+                      <a:pPr>
+                        <a:buNone/>
+                      </a:pPr>
+                      <a:endParaRPr lang="en-US" altLang="zh-CN"/>
+                    </a:p>
+                  </a:txBody>
+                  <a:tcPr/>
+                </a:tc>
+              </a:tr>
+            </a:tbl>
+          </a:graphicData>
+        </a:graphic>
+      </p:graphicFrame>
+    </p:spTree>
+    <p:custDataLst>
+      <p:tags r:id="rId2"/>
+    </p:custDataLst>
+  </p:cSld>
+  <p:clrMapOvr>
+    <a:masterClrMapping/>
+  </p:clrMapOvr>
+</p:sld>
+</file>
+
+<file path=ppt/slides/slide15.xml><?xml version="1.0" encoding="utf-8"?>
 <p:sld xmlns:a="http://schemas.openxmlformats.org/drawingml/2006/main" xmlns:r="http://schemas.openxmlformats.org/officeDocument/2006/relationships" xmlns:p="http://schemas.openxmlformats.org/presentationml/2006/main">
   <p:cSld>
     <p:spTree>
@@ -4729,7 +5805,7 @@
 </p:sld>
 </file>
 
-<file path=ppt/slides/slide14.xml><?xml version="1.0" encoding="utf-8"?>
+<file path=ppt/slides/slide16.xml><?xml version="1.0" encoding="utf-8"?>
 <p:sld xmlns:a="http://schemas.openxmlformats.org/drawingml/2006/main" xmlns:r="http://schemas.openxmlformats.org/officeDocument/2006/relationships" xmlns:p="http://schemas.openxmlformats.org/presentationml/2006/main">
   <p:cSld>
     <p:spTree>
@@ -5490,7 +6566,7 @@
 </p:sld>
 </file>
 
-<file path=ppt/slides/slide15.xml><?xml version="1.0" encoding="utf-8"?>
+<file path=ppt/slides/slide17.xml><?xml version="1.0" encoding="utf-8"?>
 <p:sld xmlns:a="http://schemas.openxmlformats.org/drawingml/2006/main" xmlns:r="http://schemas.openxmlformats.org/officeDocument/2006/relationships" xmlns:p="http://schemas.openxmlformats.org/presentationml/2006/main">
   <p:cSld>
     <p:spTree>
@@ -5516,7 +6592,7 @@
           <a:p>
             <a:r>
               <a:rPr lang="en-US" altLang="zh-CN"/>
-              <a:t>Docker Compose</a:t>
+              <a:t>Docker Compose 1/2</a:t>
             </a:r>
             <a:endParaRPr lang="en-US" altLang="zh-CN"/>
           </a:p>
@@ -5539,86 +6615,84 @@
           </a:xfrm>
         </p:spPr>
         <p:txBody>
-          <a:bodyPr>
-            <a:normAutofit fontScale="90000" lnSpcReduction="20000"/>
-          </a:bodyPr>
+          <a:bodyPr/>
           <a:p>
             <a:pPr lvl="0"/>
             <a:r>
-              <a:rPr lang="en-US" altLang="zh-CN" sz="2400">
+              <a:rPr lang="en-US" altLang="zh-CN" sz="1800">
                 <a:sym typeface="+mn-ea"/>
               </a:rPr>
               <a:t>Intro</a:t>
             </a:r>
-            <a:endParaRPr lang="en-US" altLang="zh-CN" sz="2400">
+            <a:endParaRPr lang="en-US" altLang="zh-CN" sz="1800">
               <a:sym typeface="+mn-ea"/>
             </a:endParaRPr>
           </a:p>
           <a:p>
             <a:pPr lvl="1"/>
             <a:r>
-              <a:rPr lang="en-US" altLang="zh-CN" sz="2000">
+              <a:rPr lang="en-US" altLang="zh-CN" sz="1600">
                 <a:sym typeface="+mn-ea"/>
               </a:rPr>
               <a:t>Used to run multiple containers as a single service</a:t>
             </a:r>
-            <a:endParaRPr lang="en-US" altLang="zh-CN" sz="2000">
+            <a:endParaRPr lang="en-US" altLang="zh-CN" sz="1600">
               <a:sym typeface="+mn-ea"/>
             </a:endParaRPr>
           </a:p>
           <a:p>
             <a:pPr lvl="1"/>
             <a:r>
-              <a:rPr lang="en-US" altLang="zh-CN" sz="2000">
+              <a:rPr lang="en-US" altLang="zh-CN" sz="1600">
                 <a:sym typeface="+mn-ea"/>
               </a:rPr>
               <a:t>https://docs.docker.com/compose/compose-file/</a:t>
             </a:r>
-            <a:endParaRPr lang="en-US" altLang="zh-CN" sz="2000">
+            <a:endParaRPr lang="en-US" altLang="zh-CN" sz="1600">
               <a:sym typeface="+mn-ea"/>
             </a:endParaRPr>
           </a:p>
           <a:p>
             <a:pPr lvl="0"/>
             <a:r>
-              <a:rPr lang="en-US" altLang="zh-CN" sz="2400">
+              <a:rPr lang="en-US" altLang="zh-CN" sz="1800">
                 <a:sym typeface="+mn-ea"/>
               </a:rPr>
               <a:t>docker-compose commands</a:t>
             </a:r>
-            <a:endParaRPr lang="en-US" altLang="zh-CN" sz="2400"/>
+            <a:endParaRPr lang="en-US" altLang="zh-CN" sz="1800"/>
           </a:p>
           <a:p>
             <a:pPr lvl="1"/>
             <a:r>
-              <a:rPr lang="en-US" altLang="zh-CN">
+              <a:rPr lang="en-US" altLang="zh-CN" sz="1600">
                 <a:sym typeface="+mn-ea"/>
               </a:rPr>
               <a:t>docker-compose build</a:t>
             </a:r>
-            <a:endParaRPr lang="en-US" altLang="zh-CN"/>
+            <a:endParaRPr lang="en-US" altLang="zh-CN" sz="1600"/>
           </a:p>
           <a:p>
             <a:pPr lvl="1"/>
             <a:r>
-              <a:rPr lang="en-US" altLang="zh-CN">
+              <a:rPr lang="en-US" altLang="zh-CN" sz="1600">
                 <a:sym typeface="+mn-ea"/>
               </a:rPr>
               <a:t>docker-compose up -d	// create and start containers</a:t>
             </a:r>
-            <a:endParaRPr lang="en-US" altLang="zh-CN">
+            <a:endParaRPr lang="en-US" altLang="zh-CN" sz="1600">
               <a:sym typeface="+mn-ea"/>
             </a:endParaRPr>
           </a:p>
           <a:p>
             <a:pPr lvl="2"/>
             <a:r>
-              <a:rPr lang="en-US" altLang="zh-CN" sz="2000">
+              <a:rPr lang="en-US" altLang="zh-CN" sz="1600">
                 <a:sym typeface="+mn-ea"/>
               </a:rPr>
               <a:t>-d: in daemon mode</a:t>
             </a:r>
-            <a:endParaRPr lang="en-US" altLang="zh-CN" sz="2000"/>
+            <a:endParaRPr lang="en-US" altLang="zh-CN" sz="1600"/>
           </a:p>
           <a:p>
             <a:pPr lvl="1" algn="l">
@@ -5626,68 +6700,78 @@
               <a:buSzTx/>
             </a:pPr>
             <a:r>
-              <a:rPr lang="en-US" altLang="zh-CN">
+              <a:rPr lang="en-US" altLang="zh-CN" sz="1600">
                 <a:sym typeface="+mn-ea"/>
               </a:rPr>
-              <a:t>docker-compose down	// Stop and remove containers, networks, images and volumes</a:t>
-            </a:r>
-            <a:endParaRPr lang="en-US" altLang="zh-CN">
+              <a:t>docker-compose down	// Stop and remove containers, networks, images and volumes, -v to remove named volumes</a:t>
+            </a:r>
+            <a:endParaRPr lang="en-US" altLang="zh-CN" sz="1600">
               <a:sym typeface="+mn-ea"/>
             </a:endParaRPr>
           </a:p>
           <a:p>
             <a:pPr lvl="1"/>
             <a:r>
-              <a:rPr lang="en-US" altLang="zh-CN">
+              <a:rPr lang="en-US" altLang="zh-CN" sz="1600">
                 <a:sym typeface="+mn-ea"/>
               </a:rPr>
               <a:t>docker-compose run web env	// show env variables</a:t>
             </a:r>
-            <a:endParaRPr lang="en-US" altLang="zh-CN"/>
+            <a:endParaRPr lang="en-US" altLang="zh-CN" sz="1600"/>
           </a:p>
           <a:p>
             <a:pPr lvl="1"/>
             <a:r>
-              <a:rPr lang="en-US" altLang="zh-CN">
+              <a:rPr lang="en-US" altLang="zh-CN" sz="1600">
                 <a:sym typeface="+mn-ea"/>
               </a:rPr>
               <a:t>docker-compose logs	// show logs</a:t>
             </a:r>
-            <a:endParaRPr lang="en-US" altLang="zh-CN">
+            <a:endParaRPr lang="en-US" altLang="zh-CN" sz="1600">
               <a:sym typeface="+mn-ea"/>
             </a:endParaRPr>
           </a:p>
           <a:p>
             <a:pPr lvl="1"/>
             <a:r>
-              <a:rPr lang="en-US" altLang="zh-CN">
+              <a:rPr lang="en-US" altLang="zh-CN" sz="1600">
                 <a:sym typeface="+mn-ea"/>
               </a:rPr>
               <a:t>docker-compose ps	// list containers</a:t>
             </a:r>
-            <a:endParaRPr lang="en-US" altLang="zh-CN"/>
+            <a:endParaRPr lang="en-US" altLang="zh-CN" sz="1600"/>
           </a:p>
           <a:p>
             <a:pPr lvl="1"/>
             <a:r>
-              <a:rPr lang="en-US" altLang="zh-CN">
+              <a:rPr lang="en-US" altLang="zh-CN" sz="1600">
                 <a:sym typeface="+mn-ea"/>
               </a:rPr>
               <a:t>docker-compose images	// list images</a:t>
             </a:r>
-            <a:endParaRPr lang="en-US" altLang="zh-CN">
+            <a:endParaRPr lang="en-US" altLang="zh-CN" sz="1600">
               <a:sym typeface="+mn-ea"/>
             </a:endParaRPr>
           </a:p>
           <a:p>
             <a:pPr lvl="1"/>
             <a:r>
-              <a:rPr lang="en-US" altLang="zh-CN">
+              <a:rPr lang="en-US" altLang="zh-CN" sz="1600">
                 <a:sym typeface="+mn-ea"/>
               </a:rPr>
-              <a:t>docker-compose -h		// show help</a:t>
-            </a:r>
-            <a:endParaRPr lang="zh-CN" altLang="en-US"/>
+              <a:t>docker-compose -h	// show help</a:t>
+            </a:r>
+            <a:endParaRPr lang="en-US" altLang="zh-CN" sz="1600">
+              <a:sym typeface="+mn-ea"/>
+            </a:endParaRPr>
+          </a:p>
+          <a:p>
+            <a:pPr lvl="1"/>
+            <a:r>
+              <a:rPr lang="en-US" altLang="zh-CN" sz="1600"/>
+              <a:t>docker-compose exec {service-name} {cmd} //Execute a command in a running container.</a:t>
+            </a:r>
+            <a:endParaRPr lang="en-US" altLang="zh-CN" sz="1600"/>
           </a:p>
         </p:txBody>
       </p:sp>
@@ -6032,7 +7116,7 @@
 </p:sld>
 </file>
 
-<file path=ppt/slides/slide16.xml><?xml version="1.0" encoding="utf-8"?>
+<file path=ppt/slides/slide18.xml><?xml version="1.0" encoding="utf-8"?>
 <p:sld xmlns:a="http://schemas.openxmlformats.org/drawingml/2006/main" xmlns:r="http://schemas.openxmlformats.org/officeDocument/2006/relationships" xmlns:p="http://schemas.openxmlformats.org/presentationml/2006/main">
   <p:cSld>
     <p:spTree>
@@ -6058,7 +7142,7 @@
           <a:p>
             <a:r>
               <a:rPr lang="en-US" altLang="zh-CN"/>
-              <a:t>Docker Machine</a:t>
+              <a:t>Docker Compose 2/2</a:t>
             </a:r>
             <a:endParaRPr lang="en-US" altLang="zh-CN"/>
           </a:p>
@@ -6076,90 +7160,95 @@
         </p:nvSpPr>
         <p:spPr/>
         <p:txBody>
-          <a:bodyPr/>
+          <a:bodyPr>
+            <a:normAutofit lnSpcReduction="10000"/>
+          </a:bodyPr>
+          <a:p>
+            <a:r>
+              <a:rPr lang="en-US" altLang="zh-CN"/>
+              <a:t>Logic for docker compose up</a:t>
+            </a:r>
+            <a:endParaRPr lang="en-US" altLang="zh-CN"/>
+          </a:p>
+          <a:p>
+            <a:pPr lvl="1"/>
+            <a:r>
+              <a:rPr lang="en-US" altLang="zh-CN"/>
+              <a:t>A network called myapp_default is created, myapp is the name of the folder where this docker-compose.yml file is located</a:t>
+            </a:r>
+            <a:endParaRPr lang="en-US" altLang="zh-CN"/>
+          </a:p>
+          <a:p>
+            <a:pPr lvl="2"/>
+            <a:r>
+              <a:rPr lang="en-US" altLang="zh-CN" sz="1800"/>
+              <a:t>this name can be overriden with -p {projectname} when run docker-compose up</a:t>
+            </a:r>
+            <a:endParaRPr lang="en-US" altLang="zh-CN"/>
+          </a:p>
+          <a:p>
+            <a:pPr lvl="1"/>
+            <a:r>
+              <a:rPr lang="en-US" altLang="zh-CN"/>
+              <a:t>A container is created using web’s configuration. It joins the network myapp_default under the name web</a:t>
+            </a:r>
+            <a:endParaRPr lang="en-US" altLang="zh-CN"/>
+          </a:p>
+          <a:p>
+            <a:pPr lvl="1"/>
+            <a:r>
+              <a:rPr lang="en-US" altLang="zh-CN"/>
+              <a:t>A container is created using db’s configuration. It joins the network myapp_default under the name db</a:t>
+            </a:r>
+            <a:endParaRPr lang="en-US" altLang="zh-CN"/>
+          </a:p>
           <a:p>
             <a:pPr lvl="0"/>
             <a:r>
-              <a:rPr lang="en-US" altLang="zh-CN" sz="2400">
-                <a:sym typeface="+mn-ea"/>
-              </a:rPr>
-              <a:t>docker-machine commands</a:t>
-            </a:r>
-            <a:endParaRPr lang="en-US" altLang="zh-CN" sz="2400"/>
+              <a:rPr lang="en-US" altLang="zh-CN"/>
+              <a:t>Set project name</a:t>
+            </a:r>
+            <a:endParaRPr lang="en-US" altLang="zh-CN"/>
           </a:p>
           <a:p>
             <a:pPr lvl="1"/>
             <a:r>
-              <a:rPr lang="en-US" altLang="zh-CN" sz="2400">
-                <a:sym typeface="+mn-ea"/>
-              </a:rPr>
-              <a:t>docker-machine create  -d virtualbox {machine-name}</a:t>
-            </a:r>
-            <a:endParaRPr lang="en-US" altLang="zh-CN" sz="2400">
-              <a:sym typeface="+mn-ea"/>
-            </a:endParaRPr>
+              <a:rPr lang="en-US" altLang="zh-CN"/>
+              <a:t>Define in .env</a:t>
+            </a:r>
+            <a:endParaRPr lang="en-US" altLang="zh-CN"/>
           </a:p>
           <a:p>
             <a:pPr lvl="2"/>
             <a:r>
-              <a:rPr lang="en-US" altLang="zh-CN" sz="2160">
-                <a:sym typeface="+mn-ea"/>
-              </a:rPr>
-              <a:t>-d/--driver: which provider the machine should be created on (VirtualBox, DigitalOcean, AWS, etc.)</a:t>
-            </a:r>
-            <a:endParaRPr lang="en-US" altLang="zh-CN" sz="2160"/>
+              <a:rPr lang="en-US" altLang="zh-CN"/>
+              <a:t>COMPOSE_PROJECT_NAME=SOMEPROJECTNAME</a:t>
+            </a:r>
+            <a:endParaRPr lang="en-US" altLang="zh-CN"/>
+          </a:p>
+          <a:p>
+            <a:pPr lvl="0"/>
+            <a:r>
+              <a:rPr lang="en-US" altLang="zh-CN"/>
+              <a:t>docker-compose.yml</a:t>
+            </a:r>
+            <a:endParaRPr lang="en-US" altLang="zh-CN"/>
           </a:p>
           <a:p>
             <a:pPr lvl="1"/>
             <a:r>
-              <a:rPr lang="en-US" altLang="zh-CN" sz="2400">
-                <a:sym typeface="+mn-ea"/>
-              </a:rPr>
-              <a:t>eval $(docker-machine env dev)</a:t>
-            </a:r>
-            <a:endParaRPr lang="en-US" altLang="zh-CN" sz="2400">
-              <a:sym typeface="+mn-ea"/>
-            </a:endParaRPr>
-          </a:p>
-          <a:p>
-            <a:pPr lvl="1" algn="l">
-              <a:buClrTx/>
-              <a:buSzTx/>
-            </a:pPr>
-            <a:r>
-              <a:rPr lang="en-US" altLang="zh-CN" sz="2400">
-                <a:sym typeface="+mn-ea"/>
-              </a:rPr>
-              <a:t>docker-machine ls</a:t>
-            </a:r>
-            <a:endParaRPr lang="en-US" altLang="zh-CN" sz="2400"/>
-          </a:p>
-          <a:p>
-            <a:pPr lvl="1"/>
-            <a:r>
-              <a:rPr lang="en-US" altLang="zh-CN" sz="2400"/>
-              <a:t>docker-machine ip default</a:t>
-            </a:r>
-            <a:endParaRPr lang="en-US" altLang="zh-CN" sz="2400"/>
-          </a:p>
-          <a:p>
-            <a:pPr lvl="1"/>
-            <a:r>
-              <a:rPr lang="en-US" altLang="zh-CN" sz="2400"/>
-              <a:t>docker-machine start {docker-machine-name}</a:t>
-            </a:r>
-            <a:endParaRPr lang="en-US" altLang="zh-CN" sz="2400"/>
-          </a:p>
-          <a:p>
-            <a:pPr lvl="1"/>
-            <a:r>
-              <a:rPr lang="en-US" altLang="zh-CN" sz="2400"/>
-              <a:t>eval "$(docker-machine env dev)"	# make a machine active</a:t>
-            </a:r>
-            <a:endParaRPr lang="en-US" altLang="zh-CN" sz="2400"/>
-          </a:p>
-          <a:p>
-            <a:endParaRPr lang="zh-CN" altLang="en-US"/>
+              <a:rPr lang="en-US" altLang="zh-CN"/>
+              <a:t>docker-compose.override.yml</a:t>
+            </a:r>
+            <a:endParaRPr lang="en-US" altLang="zh-CN"/>
+          </a:p>
+          <a:p>
+            <a:pPr lvl="2"/>
+            <a:r>
+              <a:rPr lang="en-US" altLang="zh-CN"/>
+              <a:t>override config in docker-compose.yml</a:t>
+            </a:r>
+            <a:endParaRPr lang="en-US" altLang="zh-CN"/>
           </a:p>
         </p:txBody>
       </p:sp>
@@ -6174,7 +7263,7 @@
 </p:sld>
 </file>
 
-<file path=ppt/slides/slide17.xml><?xml version="1.0" encoding="utf-8"?>
+<file path=ppt/slides/slide19.xml><?xml version="1.0" encoding="utf-8"?>
 <p:sld xmlns:a="http://schemas.openxmlformats.org/drawingml/2006/main" xmlns:r="http://schemas.openxmlformats.org/officeDocument/2006/relationships" xmlns:p="http://schemas.openxmlformats.org/presentationml/2006/main">
   <p:cSld>
     <p:spTree>
@@ -6200,7 +7289,7 @@
           <a:p>
             <a:r>
               <a:rPr lang="en-US" altLang="zh-CN"/>
-              <a:t>Alpine</a:t>
+              <a:t>Docker Machine</a:t>
             </a:r>
             <a:endParaRPr lang="en-US" altLang="zh-CN"/>
           </a:p>
@@ -6220,19 +7309,88 @@
         <p:txBody>
           <a:bodyPr/>
           <a:p>
-            <a:r>
-              <a:rPr lang="en-US" altLang="zh-CN"/>
-              <a:t>Intro</a:t>
-            </a:r>
-            <a:endParaRPr lang="en-US" altLang="zh-CN"/>
+            <a:pPr lvl="0"/>
+            <a:r>
+              <a:rPr lang="en-US" altLang="zh-CN" sz="2400">
+                <a:sym typeface="+mn-ea"/>
+              </a:rPr>
+              <a:t>docker-machine commands</a:t>
+            </a:r>
+            <a:endParaRPr lang="en-US" altLang="zh-CN" sz="2400"/>
           </a:p>
           <a:p>
             <a:pPr lvl="1"/>
             <a:r>
-              <a:rPr lang="en-US" altLang="zh-CN"/>
-              <a:t>a minimal docker image based on Alpine Linux with a complete package index and only 5MB in size</a:t>
-            </a:r>
-            <a:endParaRPr lang="en-US" altLang="zh-CN"/>
+              <a:rPr lang="en-US" altLang="zh-CN" sz="2400">
+                <a:sym typeface="+mn-ea"/>
+              </a:rPr>
+              <a:t>docker-machine create  -d virtualbox {machine-name}</a:t>
+            </a:r>
+            <a:endParaRPr lang="en-US" altLang="zh-CN" sz="2400">
+              <a:sym typeface="+mn-ea"/>
+            </a:endParaRPr>
+          </a:p>
+          <a:p>
+            <a:pPr lvl="2"/>
+            <a:r>
+              <a:rPr lang="en-US" altLang="zh-CN" sz="2160">
+                <a:sym typeface="+mn-ea"/>
+              </a:rPr>
+              <a:t>-d/--driver: which provider the machine should be created on (VirtualBox, DigitalOcean, AWS, etc.)</a:t>
+            </a:r>
+            <a:endParaRPr lang="en-US" altLang="zh-CN" sz="2160"/>
+          </a:p>
+          <a:p>
+            <a:pPr lvl="1"/>
+            <a:r>
+              <a:rPr lang="en-US" altLang="zh-CN" sz="2400">
+                <a:sym typeface="+mn-ea"/>
+              </a:rPr>
+              <a:t>eval $(docker-machine env dev)</a:t>
+            </a:r>
+            <a:endParaRPr lang="en-US" altLang="zh-CN" sz="2400">
+              <a:sym typeface="+mn-ea"/>
+            </a:endParaRPr>
+          </a:p>
+          <a:p>
+            <a:pPr lvl="1" algn="l">
+              <a:buClrTx/>
+              <a:buSzTx/>
+            </a:pPr>
+            <a:r>
+              <a:rPr lang="en-US" altLang="zh-CN" sz="2400">
+                <a:sym typeface="+mn-ea"/>
+              </a:rPr>
+              <a:t>docker-machine ls</a:t>
+            </a:r>
+            <a:endParaRPr lang="en-US" altLang="zh-CN" sz="2400"/>
+          </a:p>
+          <a:p>
+            <a:pPr lvl="1"/>
+            <a:r>
+              <a:rPr lang="en-US" altLang="zh-CN" sz="2400"/>
+              <a:t>docker-machine ip default</a:t>
+            </a:r>
+            <a:endParaRPr lang="en-US" altLang="zh-CN" sz="2400"/>
+          </a:p>
+          <a:p>
+            <a:pPr lvl="1"/>
+            <a:r>
+              <a:rPr lang="en-US" altLang="zh-CN" sz="2400"/>
+              <a:t>docker-machine start {docker-machine-name}</a:t>
+            </a:r>
+            <a:endParaRPr lang="en-US" altLang="zh-CN" sz="2400"/>
+          </a:p>
+          <a:p>
+            <a:pPr lvl="1"/>
+            <a:r>
+              <a:rPr lang="en-US" altLang="zh-CN" sz="2400"/>
+              <a:t>eval "$(docker-machine env dev)"	# make a machine active</a:t>
+            </a:r>
+            <a:endParaRPr lang="en-US" altLang="zh-CN" sz="2400"/>
+          </a:p>
+          <a:p>
+            <a:endParaRPr lang="zh-CN" altLang="en-US"/>
           </a:p>
         </p:txBody>
       </p:sp>
@@ -6247,7 +7405,167 @@
 </p:sld>
 </file>
 
-<file path=ppt/slides/slide18.xml><?xml version="1.0" encoding="utf-8"?>
+<file path=ppt/slides/slide2.xml><?xml version="1.0" encoding="utf-8"?>
+<p:sld xmlns:a="http://schemas.openxmlformats.org/drawingml/2006/main" xmlns:r="http://schemas.openxmlformats.org/officeDocument/2006/relationships" xmlns:p="http://schemas.openxmlformats.org/presentationml/2006/main">
+  <p:cSld>
+    <p:spTree>
+      <p:nvGrpSpPr>
+        <p:cNvPr id="1" name=""/>
+        <p:cNvGrpSpPr/>
+        <p:nvPr/>
+      </p:nvGrpSpPr>
+      <p:grpSpPr/>
+      <p:sp>
+        <p:nvSpPr>
+          <p:cNvPr id="2" name="标题 1"/>
+          <p:cNvSpPr>
+            <a:spLocks noGrp="1"/>
+          </p:cNvSpPr>
+          <p:nvPr>
+            <p:ph type="title"/>
+          </p:nvPr>
+        </p:nvSpPr>
+        <p:spPr/>
+        <p:txBody>
+          <a:bodyPr/>
+          <a:p>
+            <a:r>
+              <a:rPr lang="en-US" altLang="zh-CN"/>
+              <a:t>References</a:t>
+            </a:r>
+            <a:endParaRPr lang="en-US" altLang="zh-CN"/>
+          </a:p>
+        </p:txBody>
+      </p:sp>
+      <p:sp>
+        <p:nvSpPr>
+          <p:cNvPr id="3" name="内容占位符 2"/>
+          <p:cNvSpPr>
+            <a:spLocks noGrp="1"/>
+          </p:cNvSpPr>
+          <p:nvPr>
+            <p:ph idx="1"/>
+          </p:nvPr>
+        </p:nvSpPr>
+        <p:spPr/>
+        <p:txBody>
+          <a:bodyPr/>
+          <a:p>
+            <a:r>
+              <a:rPr lang="en-US" altLang="zh-CN"/>
+              <a:t>Dockerfile</a:t>
+            </a:r>
+            <a:endParaRPr lang="en-US" altLang="zh-CN"/>
+          </a:p>
+          <a:p>
+            <a:pPr lvl="1"/>
+            <a:r>
+              <a:rPr lang="zh-CN" altLang="en-US"/>
+              <a:t>https://docs.docker.com/develop/develop-images/dockerfile_best-practices/</a:t>
+            </a:r>
+            <a:endParaRPr lang="zh-CN" altLang="en-US"/>
+          </a:p>
+          <a:p>
+            <a:pPr lvl="1"/>
+            <a:r>
+              <a:rPr lang="zh-CN" altLang="en-US">
+                <a:sym typeface="+mn-ea"/>
+              </a:rPr>
+              <a:t>https://www.tutorialspoint.com/docker/</a:t>
+            </a:r>
+            <a:endParaRPr lang="zh-CN" altLang="en-US"/>
+          </a:p>
+          <a:p>
+            <a:pPr lvl="1"/>
+            <a:endParaRPr lang="zh-CN" altLang="en-US"/>
+          </a:p>
+        </p:txBody>
+      </p:sp>
+    </p:spTree>
+    <p:custDataLst>
+      <p:tags r:id="rId1"/>
+    </p:custDataLst>
+  </p:cSld>
+  <p:clrMapOvr>
+    <a:masterClrMapping/>
+  </p:clrMapOvr>
+</p:sld>
+</file>
+
+<file path=ppt/slides/slide20.xml><?xml version="1.0" encoding="utf-8"?>
+<p:sld xmlns:a="http://schemas.openxmlformats.org/drawingml/2006/main" xmlns:r="http://schemas.openxmlformats.org/officeDocument/2006/relationships" xmlns:p="http://schemas.openxmlformats.org/presentationml/2006/main">
+  <p:cSld>
+    <p:spTree>
+      <p:nvGrpSpPr>
+        <p:cNvPr id="1" name=""/>
+        <p:cNvGrpSpPr/>
+        <p:nvPr/>
+      </p:nvGrpSpPr>
+      <p:grpSpPr/>
+      <p:sp>
+        <p:nvSpPr>
+          <p:cNvPr id="2" name="标题 1"/>
+          <p:cNvSpPr>
+            <a:spLocks noGrp="1"/>
+          </p:cNvSpPr>
+          <p:nvPr>
+            <p:ph type="title"/>
+          </p:nvPr>
+        </p:nvSpPr>
+        <p:spPr/>
+        <p:txBody>
+          <a:bodyPr/>
+          <a:p>
+            <a:r>
+              <a:rPr lang="en-US" altLang="zh-CN"/>
+              <a:t>Alpine</a:t>
+            </a:r>
+            <a:endParaRPr lang="en-US" altLang="zh-CN"/>
+          </a:p>
+        </p:txBody>
+      </p:sp>
+      <p:sp>
+        <p:nvSpPr>
+          <p:cNvPr id="3" name="内容占位符 2"/>
+          <p:cNvSpPr>
+            <a:spLocks noGrp="1"/>
+          </p:cNvSpPr>
+          <p:nvPr>
+            <p:ph idx="1"/>
+          </p:nvPr>
+        </p:nvSpPr>
+        <p:spPr/>
+        <p:txBody>
+          <a:bodyPr/>
+          <a:p>
+            <a:r>
+              <a:rPr lang="en-US" altLang="zh-CN"/>
+              <a:t>Intro</a:t>
+            </a:r>
+            <a:endParaRPr lang="en-US" altLang="zh-CN"/>
+          </a:p>
+          <a:p>
+            <a:pPr lvl="1"/>
+            <a:r>
+              <a:rPr lang="en-US" altLang="zh-CN"/>
+              <a:t>a minimal docker image based on Alpine Linux with a complete package index and only 5MB in size</a:t>
+            </a:r>
+            <a:endParaRPr lang="en-US" altLang="zh-CN"/>
+          </a:p>
+        </p:txBody>
+      </p:sp>
+    </p:spTree>
+    <p:custDataLst>
+      <p:tags r:id="rId1"/>
+    </p:custDataLst>
+  </p:cSld>
+  <p:clrMapOvr>
+    <a:masterClrMapping/>
+  </p:clrMapOvr>
+</p:sld>
+</file>
+
+<file path=ppt/slides/slide21.xml><?xml version="1.0" encoding="utf-8"?>
 <p:sld xmlns:a="http://schemas.openxmlformats.org/drawingml/2006/main" xmlns:r="http://schemas.openxmlformats.org/officeDocument/2006/relationships" xmlns:p="http://schemas.openxmlformats.org/presentationml/2006/main">
   <p:cSld>
     <p:spTree>
@@ -6413,7 +7731,7 @@
 </p:sld>
 </file>
 
-<file path=ppt/slides/slide19.xml><?xml version="1.0" encoding="utf-8"?>
+<file path=ppt/slides/slide22.xml><?xml version="1.0" encoding="utf-8"?>
 <p:sld xmlns:a="http://schemas.openxmlformats.org/drawingml/2006/main" xmlns:r="http://schemas.openxmlformats.org/officeDocument/2006/relationships" xmlns:p="http://schemas.openxmlformats.org/presentationml/2006/main">
   <p:cSld>
     <p:spTree>
@@ -6493,7 +7811,7 @@
 </p:sld>
 </file>
 
-<file path=ppt/slides/slide2.xml><?xml version="1.0" encoding="utf-8"?>
+<file path=ppt/slides/slide23.xml><?xml version="1.0" encoding="utf-8"?>
 <p:sld xmlns:a="http://schemas.openxmlformats.org/drawingml/2006/main" xmlns:r="http://schemas.openxmlformats.org/officeDocument/2006/relationships" xmlns:p="http://schemas.openxmlformats.org/presentationml/2006/main">
   <p:cSld>
     <p:spTree>
@@ -6519,7 +7837,7 @@
           <a:p>
             <a:r>
               <a:rPr lang="en-US" altLang="zh-CN"/>
-              <a:t>References</a:t>
+              <a:t>FAQ</a:t>
             </a:r>
             <a:endParaRPr lang="en-US" altLang="zh-CN"/>
           </a:p>
@@ -6535,37 +7853,190 @@
             <p:ph idx="1"/>
           </p:nvPr>
         </p:nvSpPr>
-        <p:spPr/>
-        <p:txBody>
-          <a:bodyPr/>
-          <a:p>
-            <a:r>
-              <a:rPr lang="en-US" altLang="zh-CN"/>
-              <a:t>Dockerfile</a:t>
-            </a:r>
-            <a:endParaRPr lang="en-US" altLang="zh-CN"/>
+        <p:spPr>
+          <a:xfrm>
+            <a:off x="838200" y="1211580"/>
+            <a:ext cx="10515600" cy="4827270"/>
+          </a:xfrm>
+        </p:spPr>
+        <p:txBody>
+          <a:bodyPr>
+            <a:noAutofit/>
+          </a:bodyPr>
+          <a:p>
+            <a:r>
+              <a:rPr lang="zh-CN" altLang="en-US" sz="1400"/>
+              <a:t>docker run hello-world</a:t>
+            </a:r>
+            <a:endParaRPr lang="zh-CN" altLang="en-US" sz="1400"/>
           </a:p>
           <a:p>
             <a:pPr lvl="1"/>
             <a:r>
-              <a:rPr lang="zh-CN" altLang="en-US"/>
-              <a:t>https://docs.docker.com/develop/develop-images/dockerfile_best-practices/</a:t>
-            </a:r>
-            <a:endParaRPr lang="zh-CN" altLang="en-US"/>
+              <a:rPr lang="en-US" altLang="zh-CN" sz="1200"/>
+              <a:t>Issue:</a:t>
+            </a:r>
+            <a:endParaRPr lang="en-US" altLang="zh-CN" sz="1200"/>
+          </a:p>
+          <a:p>
+            <a:pPr lvl="2"/>
+            <a:r>
+              <a:rPr lang="zh-CN" altLang="en-US" sz="1000"/>
+              <a:t>docker: Cannot connect to the Docker daemon at unix:///var/run/docker.sock. Is the docker daemon running?.</a:t>
+            </a:r>
+            <a:endParaRPr lang="zh-CN" altLang="en-US" sz="1000"/>
           </a:p>
           <a:p>
             <a:pPr lvl="1"/>
             <a:r>
-              <a:rPr lang="zh-CN" altLang="en-US">
-                <a:sym typeface="+mn-ea"/>
-              </a:rPr>
-              <a:t>https://www.tutorialspoint.com/docker/</a:t>
-            </a:r>
-            <a:endParaRPr lang="zh-CN" altLang="en-US"/>
+              <a:rPr lang="en-US" altLang="zh-CN" sz="1200"/>
+              <a:t>Solution</a:t>
+            </a:r>
+            <a:endParaRPr lang="en-US" altLang="zh-CN" sz="1200"/>
+          </a:p>
+          <a:p>
+            <a:pPr lvl="2"/>
+            <a:r>
+              <a:rPr lang="en-US" altLang="zh-CN" sz="1000"/>
+              <a:t>sudo dockerd</a:t>
+            </a:r>
+            <a:endParaRPr lang="en-US" altLang="zh-CN" sz="1000"/>
+          </a:p>
+          <a:p>
+            <a:pPr lvl="0"/>
+            <a:r>
+              <a:rPr lang="en-US" altLang="zh-CN" sz="1400"/>
+              <a:t>docker-compose up</a:t>
+            </a:r>
+            <a:endParaRPr lang="en-US" altLang="zh-CN" sz="1400"/>
           </a:p>
           <a:p>
             <a:pPr lvl="1"/>
-            <a:endParaRPr lang="zh-CN" altLang="en-US"/>
+            <a:r>
+              <a:rPr lang="en-US" altLang="zh-CN" sz="1200"/>
+              <a:t>Issue</a:t>
+            </a:r>
+            <a:endParaRPr lang="en-US" altLang="zh-CN" sz="1200"/>
+          </a:p>
+          <a:p>
+            <a:pPr lvl="2"/>
+            <a:r>
+              <a:rPr lang="en-US" altLang="zh-CN" sz="1000"/>
+              <a:t>Traceback (most recent call last):</a:t>
+            </a:r>
+            <a:endParaRPr lang="en-US" altLang="zh-CN" sz="1000"/>
+          </a:p>
+          <a:p>
+            <a:pPr lvl="2"/>
+            <a:r>
+              <a:rPr lang="en-US" altLang="zh-CN" sz="1000"/>
+              <a:t>File "urllib3/connectionpool.py", line 677, in urlopen</a:t>
+            </a:r>
+            <a:endParaRPr lang="en-US" altLang="zh-CN" sz="1000"/>
+          </a:p>
+          <a:p>
+            <a:pPr lvl="2"/>
+            <a:r>
+              <a:rPr lang="en-US" altLang="zh-CN" sz="1000"/>
+              <a:t>File "urllib3/connectionpool.py", line 392, in _make_request</a:t>
+            </a:r>
+            <a:endParaRPr lang="en-US" altLang="zh-CN" sz="1000"/>
+          </a:p>
+          <a:p>
+            <a:pPr lvl="2"/>
+            <a:r>
+              <a:rPr lang="en-US" altLang="zh-CN" sz="1000"/>
+              <a:t>File "http/client.py", line 1252, in request</a:t>
+            </a:r>
+            <a:endParaRPr lang="en-US" altLang="zh-CN" sz="1000"/>
+          </a:p>
+          <a:p>
+            <a:pPr lvl="2"/>
+            <a:r>
+              <a:rPr lang="en-US" altLang="zh-CN" sz="1000"/>
+              <a:t>File "http/client.py", line 1298, in _send_request</a:t>
+            </a:r>
+            <a:endParaRPr lang="en-US" altLang="zh-CN" sz="1000"/>
+          </a:p>
+          <a:p>
+            <a:pPr lvl="2"/>
+            <a:r>
+              <a:rPr lang="en-US" altLang="zh-CN" sz="1000"/>
+              <a:t>File "http/client.py", line 1247, in endheaders</a:t>
+            </a:r>
+            <a:endParaRPr lang="en-US" altLang="zh-CN" sz="1000"/>
+          </a:p>
+          <a:p>
+            <a:pPr lvl="2"/>
+            <a:r>
+              <a:rPr lang="en-US" altLang="zh-CN" sz="1000"/>
+              <a:t>File "http/client.py", line 1026, in _send_output</a:t>
+            </a:r>
+            <a:endParaRPr lang="en-US" altLang="zh-CN" sz="1000"/>
+          </a:p>
+          <a:p>
+            <a:pPr lvl="2"/>
+            <a:r>
+              <a:rPr lang="en-US" altLang="zh-CN" sz="1000"/>
+              <a:t>File "http/client.py", line 966, in send</a:t>
+            </a:r>
+            <a:endParaRPr lang="en-US" altLang="zh-CN" sz="1000"/>
+          </a:p>
+          <a:p>
+            <a:pPr lvl="2"/>
+            <a:r>
+              <a:rPr lang="en-US" altLang="zh-CN" sz="1000"/>
+              <a:t>File "docker/transport/unixconn.py", line 43, in connect</a:t>
+            </a:r>
+            <a:endParaRPr lang="en-US" altLang="zh-CN" sz="1000"/>
+          </a:p>
+          <a:p>
+            <a:pPr lvl="2"/>
+            <a:r>
+              <a:rPr lang="en-US" altLang="zh-CN" sz="1000"/>
+              <a:t>FileNotFoundError: [Errno 2] No such file or directory</a:t>
+            </a:r>
+            <a:endParaRPr lang="en-US" altLang="zh-CN" sz="1000"/>
+          </a:p>
+          <a:p>
+            <a:pPr lvl="1"/>
+            <a:r>
+              <a:rPr lang="en-US" altLang="zh-CN" sz="1200"/>
+              <a:t>Solution</a:t>
+            </a:r>
+            <a:endParaRPr lang="en-US" altLang="zh-CN" sz="1200"/>
+          </a:p>
+          <a:p>
+            <a:pPr lvl="2"/>
+            <a:r>
+              <a:rPr lang="en-US" altLang="zh-CN" sz="1000"/>
+              <a:t>sudo dockerd</a:t>
+            </a:r>
+            <a:endParaRPr lang="en-US" altLang="zh-CN" sz="1000"/>
+          </a:p>
+          <a:p>
+            <a:pPr lvl="0"/>
+            <a:r>
+              <a:rPr lang="en-US" altLang="zh-CN" sz="1400"/>
+              <a:t>Postgresql</a:t>
+            </a:r>
+            <a:endParaRPr lang="en-US" altLang="zh-CN" sz="1400"/>
+          </a:p>
+          <a:p>
+            <a:pPr lvl="1"/>
+            <a:r>
+              <a:rPr lang="en-US" altLang="zh-CN" sz="1200"/>
+              <a:t>psycopg2.OperationalError: FATAL:  password authentication failed</a:t>
+            </a:r>
+            <a:endParaRPr lang="en-US" altLang="zh-CN" sz="1200"/>
+          </a:p>
+          <a:p>
+            <a:pPr lvl="1"/>
+            <a:r>
+              <a:rPr lang="en-US" altLang="zh-CN" sz="1200"/>
+              <a:t>It may be caused by old volume in docker. Remove the old volume with “sudo docker-compose down -v”</a:t>
+            </a:r>
+            <a:endParaRPr lang="en-US" altLang="zh-CN" sz="1200"/>
           </a:p>
         </p:txBody>
       </p:sp>
@@ -6839,10 +8310,22 @@
               </a:lnSpc>
             </a:pPr>
             <a:r>
-              <a:rPr lang="en-US" altLang="zh-CN"/>
+              <a:rPr lang="en-US" altLang="zh-CN">
+                <a:solidFill>
+                  <a:schemeClr val="bg1">
+                    <a:lumMod val="85000"/>
+                  </a:schemeClr>
+                </a:solidFill>
+              </a:rPr>
               <a:t>Install Docker Engine - Community (deb)</a:t>
             </a:r>
-            <a:endParaRPr lang="en-US" altLang="zh-CN"/>
+            <a:endParaRPr lang="en-US" altLang="zh-CN">
+              <a:solidFill>
+                <a:schemeClr val="bg1">
+                  <a:lumMod val="85000"/>
+                </a:schemeClr>
+              </a:solidFill>
+            </a:endParaRPr>
           </a:p>
           <a:p>
             <a:pPr lvl="1" fontAlgn="auto">
@@ -6851,10 +8334,22 @@
               </a:lnSpc>
             </a:pPr>
             <a:r>
-              <a:rPr lang="en-US" altLang="zh-CN" sz="2000"/>
+              <a:rPr lang="en-US" altLang="zh-CN" sz="2000">
+                <a:solidFill>
+                  <a:schemeClr val="bg1">
+                    <a:lumMod val="85000"/>
+                  </a:schemeClr>
+                </a:solidFill>
+              </a:rPr>
               <a:t>Download and install .deb for docker-ce docker-ce-cli, and containerd.io from https://download.docker.com/linux/ubuntu/dists/</a:t>
             </a:r>
-            <a:endParaRPr lang="en-US" altLang="zh-CN" sz="2000"/>
+            <a:endParaRPr lang="en-US" altLang="zh-CN" sz="2000">
+              <a:solidFill>
+                <a:schemeClr val="bg1">
+                  <a:lumMod val="85000"/>
+                </a:schemeClr>
+              </a:solidFill>
+            </a:endParaRPr>
           </a:p>
           <a:p>
             <a:pPr lvl="1" fontAlgn="auto">
@@ -6863,10 +8358,22 @@
               </a:lnSpc>
             </a:pPr>
             <a:r>
-              <a:rPr lang="en-US" altLang="zh-CN" sz="2000"/>
+              <a:rPr lang="en-US" altLang="zh-CN" sz="2000">
+                <a:solidFill>
+                  <a:schemeClr val="bg1">
+                    <a:lumMod val="85000"/>
+                  </a:schemeClr>
+                </a:solidFill>
+              </a:rPr>
               <a:t>sudo docker run hello-world	# test installation</a:t>
             </a:r>
-            <a:endParaRPr lang="en-US" altLang="zh-CN" sz="2000"/>
+            <a:endParaRPr lang="en-US" altLang="zh-CN" sz="2000">
+              <a:solidFill>
+                <a:schemeClr val="bg1">
+                  <a:lumMod val="85000"/>
+                </a:schemeClr>
+              </a:solidFill>
+            </a:endParaRPr>
           </a:p>
           <a:p>
             <a:pPr fontAlgn="auto">
@@ -8358,25 +9865,25 @@
 
 <file path=ppt/tags/tag16.xml><?xml version="1.0" encoding="utf-8"?>
 <p:tagLst xmlns:p="http://schemas.openxmlformats.org/presentationml/2006/main">
+  <p:tag name="KSO_WM_UNIT_TABLE_BEAUTIFY" val="smartTable{8ed0f2ad-8cc2-4f04-8848-3ccca36eb5f5}"/>
+  <p:tag name="TABLE_ENDDRAG_ORIGIN_RECT" val="876*367"/>
+  <p:tag name="TABLE_ENDDRAG_RECT" val="50*103*876*367"/>
+</p:tagLst>
+</file>
+
+<file path=ppt/tags/tag17.xml><?xml version="1.0" encoding="utf-8"?>
+<p:tagLst xmlns:p="http://schemas.openxmlformats.org/presentationml/2006/main">
   <p:tag name="KSO_WM_BEAUTIFY_FLAG" val="#wm#"/>
   <p:tag name="KSO_WM_TEMPLATE_CATEGORY" val="custom"/>
   <p:tag name="KSO_WM_TEMPLATE_INDEX" val="160402"/>
 </p:tagLst>
 </file>
 
-<file path=ppt/tags/tag17.xml><?xml version="1.0" encoding="utf-8"?>
+<file path=ppt/tags/tag18.xml><?xml version="1.0" encoding="utf-8"?>
 <p:tagLst xmlns:p="http://schemas.openxmlformats.org/presentationml/2006/main">
   <p:tag name="KSO_WM_UNIT_TABLE_BEAUTIFY" val="smartTable{8ed0f2ad-8cc2-4f04-8848-3ccca36eb5f5}"/>
   <p:tag name="TABLE_ENDDRAG_ORIGIN_RECT" val="864*241"/>
   <p:tag name="TABLE_ENDDRAG_RECT" val="50*103*864*241"/>
-</p:tagLst>
-</file>
-
-<file path=ppt/tags/tag18.xml><?xml version="1.0" encoding="utf-8"?>
-<p:tagLst xmlns:p="http://schemas.openxmlformats.org/presentationml/2006/main">
-  <p:tag name="KSO_WM_BEAUTIFY_FLAG" val="#wm#"/>
-  <p:tag name="KSO_WM_TEMPLATE_CATEGORY" val="custom"/>
-  <p:tag name="KSO_WM_TEMPLATE_INDEX" val="160402"/>
 </p:tagLst>
 </file>
 
@@ -8398,7 +9905,9 @@
 
 <file path=ppt/tags/tag20.xml><?xml version="1.0" encoding="utf-8"?>
 <p:tagLst xmlns:p="http://schemas.openxmlformats.org/presentationml/2006/main">
-  <p:tag name="KSO_WM_UNIT_TABLE_BEAUTIFY" val="smartTable{f3b8ad3b-3471-476b-85f1-dbcd5eb37b20}"/>
+  <p:tag name="KSO_WM_UNIT_TABLE_BEAUTIFY" val="smartTable{8ed0f2ad-8cc2-4f04-8848-3ccca36eb5f5}"/>
+  <p:tag name="TABLE_ENDDRAG_ORIGIN_RECT" val="864*241"/>
+  <p:tag name="TABLE_ENDDRAG_RECT" val="50*103*864*241"/>
 </p:tagLst>
 </file>
 
@@ -8412,9 +9921,9 @@
 
 <file path=ppt/tags/tag22.xml><?xml version="1.0" encoding="utf-8"?>
 <p:tagLst xmlns:p="http://schemas.openxmlformats.org/presentationml/2006/main">
-  <p:tag name="KSO_WM_BEAUTIFY_FLAG" val="#wm#"/>
-  <p:tag name="KSO_WM_TEMPLATE_CATEGORY" val="custom"/>
-  <p:tag name="KSO_WM_TEMPLATE_INDEX" val="160402"/>
+  <p:tag name="KSO_WM_UNIT_TABLE_BEAUTIFY" val="smartTable{8ed0f2ad-8cc2-4f04-8848-3ccca36eb5f5}"/>
+  <p:tag name="TABLE_ENDDRAG_ORIGIN_RECT" val="876*282"/>
+  <p:tag name="TABLE_ENDDRAG_RECT" val="50*103*876*282"/>
 </p:tagLst>
 </file>
 
@@ -8436,8 +9945,7 @@
 
 <file path=ppt/tags/tag25.xml><?xml version="1.0" encoding="utf-8"?>
 <p:tagLst xmlns:p="http://schemas.openxmlformats.org/presentationml/2006/main">
-  <p:tag name="REFSHAPE" val="379500028"/>
-  <p:tag name="KSO_WM_UNIT_PLACING_PICTURE_USER_VIEWPORT" val="{&quot;height&quot;:3885,&quot;width&quot;:7515}"/>
+  <p:tag name="KSO_WM_UNIT_TABLE_BEAUTIFY" val="smartTable{f3b8ad3b-3471-476b-85f1-dbcd5eb37b20}"/>
 </p:tagLst>
 </file>
 
@@ -8457,6 +9965,22 @@
 </p:tagLst>
 </file>
 
+<file path=ppt/tags/tag28.xml><?xml version="1.0" encoding="utf-8"?>
+<p:tagLst xmlns:p="http://schemas.openxmlformats.org/presentationml/2006/main">
+  <p:tag name="KSO_WM_BEAUTIFY_FLAG" val="#wm#"/>
+  <p:tag name="KSO_WM_TEMPLATE_CATEGORY" val="custom"/>
+  <p:tag name="KSO_WM_TEMPLATE_INDEX" val="160402"/>
+</p:tagLst>
+</file>
+
+<file path=ppt/tags/tag29.xml><?xml version="1.0" encoding="utf-8"?>
+<p:tagLst xmlns:p="http://schemas.openxmlformats.org/presentationml/2006/main">
+  <p:tag name="KSO_WM_BEAUTIFY_FLAG" val="#wm#"/>
+  <p:tag name="KSO_WM_TEMPLATE_CATEGORY" val="custom"/>
+  <p:tag name="KSO_WM_TEMPLATE_INDEX" val="160402"/>
+</p:tagLst>
+</file>
+
 <file path=ppt/tags/tag3.xml><?xml version="1.0" encoding="utf-8"?>
 <p:tagLst xmlns:p="http://schemas.openxmlformats.org/presentationml/2006/main">
   <p:tag name="KSO_WM_TEMPLATE_THUMBS_INDEX" val="1、9、12、16、19、20、24、27、28"/>
@@ -8464,6 +9988,45 @@
   <p:tag name="KSO_WM_TEMPLATE_INDEX" val="160402"/>
   <p:tag name="KSO_WM_TAG_VERSION" val="1.0"/>
   <p:tag name="KSO_WM_BEAUTIFY_FLAG" val="#wm#"/>
+</p:tagLst>
+</file>
+
+<file path=ppt/tags/tag30.xml><?xml version="1.0" encoding="utf-8"?>
+<p:tagLst xmlns:p="http://schemas.openxmlformats.org/presentationml/2006/main">
+  <p:tag name="KSO_WM_BEAUTIFY_FLAG" val="#wm#"/>
+  <p:tag name="KSO_WM_TEMPLATE_CATEGORY" val="custom"/>
+  <p:tag name="KSO_WM_TEMPLATE_INDEX" val="160402"/>
+</p:tagLst>
+</file>
+
+<file path=ppt/tags/tag31.xml><?xml version="1.0" encoding="utf-8"?>
+<p:tagLst xmlns:p="http://schemas.openxmlformats.org/presentationml/2006/main">
+  <p:tag name="REFSHAPE" val="379500028"/>
+  <p:tag name="KSO_WM_UNIT_PLACING_PICTURE_USER_VIEWPORT" val="{&quot;height&quot;:3885,&quot;width&quot;:7515}"/>
+</p:tagLst>
+</file>
+
+<file path=ppt/tags/tag32.xml><?xml version="1.0" encoding="utf-8"?>
+<p:tagLst xmlns:p="http://schemas.openxmlformats.org/presentationml/2006/main">
+  <p:tag name="KSO_WM_BEAUTIFY_FLAG" val="#wm#"/>
+  <p:tag name="KSO_WM_TEMPLATE_CATEGORY" val="custom"/>
+  <p:tag name="KSO_WM_TEMPLATE_INDEX" val="160402"/>
+</p:tagLst>
+</file>
+
+<file path=ppt/tags/tag33.xml><?xml version="1.0" encoding="utf-8"?>
+<p:tagLst xmlns:p="http://schemas.openxmlformats.org/presentationml/2006/main">
+  <p:tag name="KSO_WM_BEAUTIFY_FLAG" val="#wm#"/>
+  <p:tag name="KSO_WM_TEMPLATE_CATEGORY" val="custom"/>
+  <p:tag name="KSO_WM_TEMPLATE_INDEX" val="160402"/>
+</p:tagLst>
+</file>
+
+<file path=ppt/tags/tag34.xml><?xml version="1.0" encoding="utf-8"?>
+<p:tagLst xmlns:p="http://schemas.openxmlformats.org/presentationml/2006/main">
+  <p:tag name="KSO_WM_BEAUTIFY_FLAG" val="#wm#"/>
+  <p:tag name="KSO_WM_TEMPLATE_CATEGORY" val="custom"/>
+  <p:tag name="KSO_WM_TEMPLATE_INDEX" val="160402"/>
 </p:tagLst>
 </file>
 

--- a/Misc/Docker-Notes.pptx
+++ b/Misc/Docker-Notes.pptx
@@ -8,7 +8,7 @@
     <p:notesMasterId r:id="rId4"/>
   </p:notesMasterIdLst>
   <p:handoutMasterIdLst>
-    <p:handoutMasterId r:id="rId27"/>
+    <p:handoutMasterId r:id="rId28"/>
   </p:handoutMasterIdLst>
   <p:sldIdLst>
     <p:sldId id="256" r:id="rId3"/>
@@ -33,7 +33,8 @@
     <p:sldId id="309" r:id="rId23"/>
     <p:sldId id="311" r:id="rId24"/>
     <p:sldId id="312" r:id="rId25"/>
-    <p:sldId id="326" r:id="rId26"/>
+    <p:sldId id="340" r:id="rId26"/>
+    <p:sldId id="326" r:id="rId27"/>
   </p:sldIdLst>
   <p:sldSz cx="12192000" cy="6858000"/>
   <p:notesSz cx="6858000" cy="9144000"/>
@@ -7837,6 +7838,131 @@
           <a:p>
             <a:r>
               <a:rPr lang="en-US" altLang="zh-CN"/>
+              <a:t>Docker Images</a:t>
+            </a:r>
+            <a:endParaRPr lang="en-US" altLang="zh-CN"/>
+          </a:p>
+        </p:txBody>
+      </p:sp>
+      <p:sp>
+        <p:nvSpPr>
+          <p:cNvPr id="3" name="内容占位符 2"/>
+          <p:cNvSpPr>
+            <a:spLocks noGrp="1"/>
+          </p:cNvSpPr>
+          <p:nvPr>
+            <p:ph idx="1"/>
+          </p:nvPr>
+        </p:nvSpPr>
+        <p:spPr/>
+        <p:txBody>
+          <a:bodyPr/>
+          <a:p>
+            <a:r>
+              <a:rPr lang="en-US" altLang="zh-CN"/>
+              <a:t>Python docker images</a:t>
+            </a:r>
+            <a:endParaRPr lang="en-US" altLang="zh-CN"/>
+          </a:p>
+          <a:p>
+            <a:pPr lvl="1"/>
+            <a:r>
+              <a:rPr lang="en-US" altLang="zh-CN"/>
+              <a:t>https://hub.docker.com/_/python/</a:t>
+            </a:r>
+            <a:endParaRPr lang="en-US" altLang="zh-CN"/>
+          </a:p>
+          <a:p>
+            <a:pPr lvl="1"/>
+            <a:endParaRPr lang="en-US" altLang="zh-CN"/>
+          </a:p>
+          <a:p>
+            <a:pPr lvl="1"/>
+            <a:endParaRPr lang="en-US" altLang="zh-CN"/>
+          </a:p>
+          <a:p>
+            <a:pPr lvl="1"/>
+            <a:endParaRPr lang="en-US" altLang="zh-CN"/>
+          </a:p>
+          <a:p>
+            <a:pPr lvl="0"/>
+            <a:r>
+              <a:rPr lang="en-US" altLang="zh-CN"/>
+              <a:t>Nginx docker images</a:t>
+            </a:r>
+            <a:endParaRPr lang="en-US" altLang="zh-CN"/>
+          </a:p>
+          <a:p>
+            <a:pPr lvl="1"/>
+            <a:r>
+              <a:rPr lang="en-US" altLang="zh-CN"/>
+              <a:t>https://hub.docker.com/_/nginx/</a:t>
+            </a:r>
+            <a:endParaRPr lang="en-US" altLang="zh-CN"/>
+          </a:p>
+        </p:txBody>
+      </p:sp>
+      <p:pic>
+        <p:nvPicPr>
+          <p:cNvPr id="4" name="图片 3"/>
+          <p:cNvPicPr>
+            <a:picLocks noChangeAspect="1"/>
+          </p:cNvPicPr>
+          <p:nvPr/>
+        </p:nvPicPr>
+        <p:blipFill>
+          <a:blip r:embed="rId1"/>
+          <a:stretch>
+            <a:fillRect/>
+          </a:stretch>
+        </p:blipFill>
+        <p:spPr>
+          <a:xfrm>
+            <a:off x="1705610" y="2118360"/>
+            <a:ext cx="9756140" cy="915035"/>
+          </a:xfrm>
+          <a:prstGeom prst="rect">
+            <a:avLst/>
+          </a:prstGeom>
+        </p:spPr>
+      </p:pic>
+    </p:spTree>
+    <p:custDataLst>
+      <p:tags r:id="rId2"/>
+    </p:custDataLst>
+  </p:cSld>
+  <p:clrMapOvr>
+    <a:masterClrMapping/>
+  </p:clrMapOvr>
+</p:sld>
+</file>
+
+<file path=ppt/slides/slide24.xml><?xml version="1.0" encoding="utf-8"?>
+<p:sld xmlns:a="http://schemas.openxmlformats.org/drawingml/2006/main" xmlns:r="http://schemas.openxmlformats.org/officeDocument/2006/relationships" xmlns:p="http://schemas.openxmlformats.org/presentationml/2006/main">
+  <p:cSld>
+    <p:spTree>
+      <p:nvGrpSpPr>
+        <p:cNvPr id="1" name=""/>
+        <p:cNvGrpSpPr/>
+        <p:nvPr/>
+      </p:nvGrpSpPr>
+      <p:grpSpPr/>
+      <p:sp>
+        <p:nvSpPr>
+          <p:cNvPr id="2" name="标题 1"/>
+          <p:cNvSpPr>
+            <a:spLocks noGrp="1"/>
+          </p:cNvSpPr>
+          <p:nvPr>
+            <p:ph type="title"/>
+          </p:nvPr>
+        </p:nvSpPr>
+        <p:spPr/>
+        <p:txBody>
+          <a:bodyPr/>
+          <a:p>
+            <a:r>
+              <a:rPr lang="en-US" altLang="zh-CN"/>
               <a:t>FAQ</a:t>
             </a:r>
             <a:endParaRPr lang="en-US" altLang="zh-CN"/>
@@ -10023,6 +10149,14 @@
 </file>
 
 <file path=ppt/tags/tag34.xml><?xml version="1.0" encoding="utf-8"?>
+<p:tagLst xmlns:p="http://schemas.openxmlformats.org/presentationml/2006/main">
+  <p:tag name="KSO_WM_BEAUTIFY_FLAG" val="#wm#"/>
+  <p:tag name="KSO_WM_TEMPLATE_CATEGORY" val="custom"/>
+  <p:tag name="KSO_WM_TEMPLATE_INDEX" val="160402"/>
+</p:tagLst>
+</file>
+
+<file path=ppt/tags/tag35.xml><?xml version="1.0" encoding="utf-8"?>
 <p:tagLst xmlns:p="http://schemas.openxmlformats.org/presentationml/2006/main">
   <p:tag name="KSO_WM_BEAUTIFY_FLAG" val="#wm#"/>
   <p:tag name="KSO_WM_TEMPLATE_CATEGORY" val="custom"/>

--- a/Misc/Docker-Notes.pptx
+++ b/Misc/Docker-Notes.pptx
@@ -3772,7 +3772,7 @@
           <a:p>
             <a:r>
               <a:rPr lang="en-US" altLang="zh-CN" sz="2000"/>
-              <a:t>Last updated: 5/7/2021</a:t>
+              <a:t>Last updated: 12/21/2021</a:t>
             </a:r>
             <a:endParaRPr lang="en-US" altLang="zh-CN" sz="2000"/>
           </a:p>
@@ -3902,7 +3902,7 @@
         </p:nvGraphicFramePr>
         <p:xfrm>
           <a:off x="633095" y="1104900"/>
-          <a:ext cx="11131550" cy="5303520"/>
+          <a:ext cx="11131550" cy="5525135"/>
         </p:xfrm>
         <a:graphic>
           <a:graphicData uri="http://schemas.openxmlformats.org/drawingml/2006/table">
@@ -3911,11 +3911,11 @@
                 <a:tableStyleId>{5C22544A-7EE6-4342-B048-85BDC9FD1C3A}</a:tableStyleId>
               </a:tblPr>
               <a:tblGrid>
-                <a:gridCol w="5485765"/>
-                <a:gridCol w="3371850"/>
+                <a:gridCol w="5051425"/>
+                <a:gridCol w="3806190"/>
                 <a:gridCol w="2273935"/>
               </a:tblGrid>
-              <a:tr h="365760">
+              <a:tr h="335280">
                 <a:tc>
                   <a:txBody>
                     <a:bodyPr/>
@@ -3924,10 +3924,10 @@
                         <a:buNone/>
                       </a:pPr>
                       <a:r>
-                        <a:rPr lang="en-US" altLang="zh-CN"/>
+                        <a:rPr lang="en-US" altLang="zh-CN" sz="1600"/>
                         <a:t>Command</a:t>
                       </a:r>
-                      <a:endParaRPr lang="en-US" altLang="zh-CN"/>
+                      <a:endParaRPr lang="en-US" altLang="zh-CN" sz="1600"/>
                     </a:p>
                   </a:txBody>
                   <a:tcPr/>
@@ -3940,10 +3940,10 @@
                         <a:buNone/>
                       </a:pPr>
                       <a:r>
-                        <a:rPr lang="en-US" altLang="zh-CN"/>
+                        <a:rPr lang="en-US" altLang="zh-CN" sz="1600"/>
                         <a:t>Description</a:t>
                       </a:r>
-                      <a:endParaRPr lang="en-US" altLang="zh-CN"/>
+                      <a:endParaRPr lang="en-US" altLang="zh-CN" sz="1600"/>
                     </a:p>
                   </a:txBody>
                   <a:tcPr/>
@@ -3956,16 +3956,16 @@
                         <a:buNone/>
                       </a:pPr>
                       <a:r>
-                        <a:rPr lang="en-US" altLang="zh-CN"/>
+                        <a:rPr lang="en-US" altLang="zh-CN" sz="1600"/>
                         <a:t>Note</a:t>
                       </a:r>
-                      <a:endParaRPr lang="en-US" altLang="zh-CN"/>
+                      <a:endParaRPr lang="en-US" altLang="zh-CN" sz="1600"/>
                     </a:p>
                   </a:txBody>
                   <a:tcPr/>
                 </a:tc>
               </a:tr>
-              <a:tr h="365760">
+              <a:tr h="304800">
                 <a:tc>
                   <a:txBody>
                     <a:bodyPr/>
@@ -3974,10 +3974,10 @@
                         <a:buNone/>
                       </a:pPr>
                       <a:r>
-                        <a:rPr lang="en-US" altLang="zh-CN"/>
+                        <a:rPr lang="en-US" altLang="zh-CN" sz="1400"/>
                         <a:t>docker version</a:t>
                       </a:r>
-                      <a:endParaRPr lang="en-US" altLang="zh-CN"/>
+                      <a:endParaRPr lang="en-US" altLang="zh-CN" sz="1400"/>
                     </a:p>
                   </a:txBody>
                   <a:tcPr/>
@@ -3989,7 +3989,7 @@
                       <a:pPr>
                         <a:buNone/>
                       </a:pPr>
-                      <a:endParaRPr lang="en-US" altLang="zh-CN"/>
+                      <a:endParaRPr lang="en-US" altLang="zh-CN" sz="1400"/>
                     </a:p>
                   </a:txBody>
                   <a:tcPr/>
@@ -4001,13 +4001,13 @@
                       <a:pPr>
                         <a:buNone/>
                       </a:pPr>
-                      <a:endParaRPr lang="zh-CN" altLang="en-US"/>
+                      <a:endParaRPr lang="zh-CN" altLang="en-US" sz="1400"/>
                     </a:p>
                   </a:txBody>
                   <a:tcPr/>
                 </a:tc>
               </a:tr>
-              <a:tr h="365760">
+              <a:tr h="304800">
                 <a:tc>
                   <a:txBody>
                     <a:bodyPr/>
@@ -4016,10 +4016,10 @@
                         <a:buNone/>
                       </a:pPr>
                       <a:r>
-                        <a:rPr lang="en-US" altLang="zh-CN"/>
+                        <a:rPr lang="en-US" altLang="zh-CN" sz="1400"/>
                         <a:t>docker info</a:t>
                       </a:r>
-                      <a:endParaRPr lang="en-US" altLang="zh-CN"/>
+                      <a:endParaRPr lang="en-US" altLang="zh-CN" sz="1400"/>
                     </a:p>
                   </a:txBody>
                   <a:tcPr/>
@@ -4031,7 +4031,7 @@
                       <a:pPr>
                         <a:buNone/>
                       </a:pPr>
-                      <a:endParaRPr lang="en-US" altLang="zh-CN"/>
+                      <a:endParaRPr lang="en-US" altLang="zh-CN" sz="1400"/>
                     </a:p>
                   </a:txBody>
                   <a:tcPr/>
@@ -4043,13 +4043,13 @@
                       <a:pPr>
                         <a:buNone/>
                       </a:pPr>
-                      <a:endParaRPr lang="zh-CN" altLang="en-US"/>
+                      <a:endParaRPr lang="zh-CN" altLang="en-US" sz="1400"/>
                     </a:p>
                   </a:txBody>
                   <a:tcPr/>
                 </a:tc>
               </a:tr>
-              <a:tr h="365760">
+              <a:tr h="304800">
                 <a:tc>
                   <a:txBody>
                     <a:bodyPr/>
@@ -4058,10 +4058,10 @@
                         <a:buNone/>
                       </a:pPr>
                       <a:r>
-                        <a:rPr lang="en-US" altLang="zh-CN"/>
+                        <a:rPr lang="en-US" altLang="zh-CN" sz="1400"/>
                         <a:t>docker pull {image-name}</a:t>
                       </a:r>
-                      <a:endParaRPr lang="en-US" altLang="zh-CN"/>
+                      <a:endParaRPr lang="en-US" altLang="zh-CN" sz="1400"/>
                     </a:p>
                   </a:txBody>
                   <a:tcPr/>
@@ -4074,10 +4074,10 @@
                         <a:buNone/>
                       </a:pPr>
                       <a:r>
-                        <a:rPr lang="en-US" altLang="zh-CN"/>
+                        <a:rPr lang="en-US" altLang="zh-CN" sz="1400"/>
                         <a:t>Pull docker image from registry</a:t>
                       </a:r>
-                      <a:endParaRPr lang="en-US" altLang="zh-CN"/>
+                      <a:endParaRPr lang="en-US" altLang="zh-CN" sz="1400"/>
                     </a:p>
                   </a:txBody>
                   <a:tcPr/>
@@ -4090,16 +4090,16 @@
                         <a:buNone/>
                       </a:pPr>
                       <a:r>
-                        <a:rPr lang="en-US" altLang="zh-CN"/>
+                        <a:rPr lang="en-US" altLang="zh-CN" sz="1400"/>
                         <a:t>docker pull busybox</a:t>
                       </a:r>
-                      <a:endParaRPr lang="en-US" altLang="zh-CN"/>
+                      <a:endParaRPr lang="en-US" altLang="zh-CN" sz="1400"/>
                     </a:p>
                   </a:txBody>
                   <a:tcPr/>
                 </a:tc>
               </a:tr>
-              <a:tr h="365760">
+              <a:tr h="304800">
                 <a:tc>
                   <a:txBody>
                     <a:bodyPr/>
@@ -4108,10 +4108,144 @@
                         <a:buNone/>
                       </a:pPr>
                       <a:r>
-                        <a:rPr lang="en-US" altLang="zh-CN"/>
+                        <a:rPr lang="en-US" altLang="zh-CN" sz="1400"/>
+                        <a:t>docker build . -t {image-name}</a:t>
+                      </a:r>
+                      <a:endParaRPr lang="en-US" altLang="zh-CN" sz="1400"/>
+                    </a:p>
+                  </a:txBody>
+                  <a:tcPr/>
+                </a:tc>
+                <a:tc>
+                  <a:txBody>
+                    <a:bodyPr/>
+                    <a:p>
+                      <a:pPr>
+                        <a:buNone/>
+                      </a:pPr>
+                      <a:r>
+                        <a:rPr lang="en-US" altLang="zh-CN" sz="1400"/>
+                        <a:t>Build docker</a:t>
+                      </a:r>
+                      <a:endParaRPr lang="en-US" altLang="zh-CN" sz="1400"/>
+                    </a:p>
+                  </a:txBody>
+                  <a:tcPr/>
+                </a:tc>
+                <a:tc>
+                  <a:txBody>
+                    <a:bodyPr/>
+                    <a:p>
+                      <a:pPr>
+                        <a:buNone/>
+                      </a:pPr>
+                      <a:endParaRPr lang="en-US" altLang="zh-CN" sz="1400"/>
+                    </a:p>
+                  </a:txBody>
+                  <a:tcPr/>
+                </a:tc>
+              </a:tr>
+              <a:tr h="304800">
+                <a:tc>
+                  <a:txBody>
+                    <a:bodyPr/>
+                    <a:p>
+                      <a:pPr>
+                        <a:buNone/>
+                      </a:pPr>
+                      <a:r>
+                        <a:rPr lang="en-US" altLang="zh-CN" sz="1400"/>
+                        <a:t>docker run -p 8081:8080 -d {image-name}</a:t>
+                      </a:r>
+                      <a:endParaRPr lang="en-US" altLang="zh-CN" sz="1400"/>
+                    </a:p>
+                  </a:txBody>
+                  <a:tcPr/>
+                </a:tc>
+                <a:tc>
+                  <a:txBody>
+                    <a:bodyPr/>
+                    <a:p>
+                      <a:pPr>
+                        <a:buNone/>
+                      </a:pPr>
+                      <a:r>
+                        <a:rPr lang="en-US" altLang="zh-CN" sz="1400"/>
+                        <a:t>Run docker image</a:t>
+                      </a:r>
+                      <a:endParaRPr lang="en-US" altLang="zh-CN" sz="1400"/>
+                    </a:p>
+                  </a:txBody>
+                  <a:tcPr/>
+                </a:tc>
+                <a:tc>
+                  <a:txBody>
+                    <a:bodyPr/>
+                    <a:p>
+                      <a:pPr>
+                        <a:buNone/>
+                      </a:pPr>
+                      <a:endParaRPr lang="en-US" altLang="zh-CN" sz="1400"/>
+                    </a:p>
+                  </a:txBody>
+                  <a:tcPr/>
+                </a:tc>
+              </a:tr>
+              <a:tr h="304800">
+                <a:tc>
+                  <a:txBody>
+                    <a:bodyPr/>
+                    <a:p>
+                      <a:pPr>
+                        <a:buNone/>
+                      </a:pPr>
+                      <a:r>
+                        <a:rPr lang="en-US" altLang="zh-CN" sz="1400"/>
+                        <a:t>docker stop {container-id}</a:t>
+                      </a:r>
+                      <a:endParaRPr lang="en-US" altLang="zh-CN" sz="1400"/>
+                    </a:p>
+                  </a:txBody>
+                  <a:tcPr/>
+                </a:tc>
+                <a:tc>
+                  <a:txBody>
+                    <a:bodyPr/>
+                    <a:p>
+                      <a:pPr>
+                        <a:buNone/>
+                      </a:pPr>
+                      <a:endParaRPr lang="en-US" altLang="zh-CN" sz="1400"/>
+                    </a:p>
+                  </a:txBody>
+                  <a:tcPr/>
+                </a:tc>
+                <a:tc>
+                  <a:txBody>
+                    <a:bodyPr/>
+                    <a:p>
+                      <a:pPr>
+                        <a:buNone/>
+                      </a:pPr>
+                      <a:endParaRPr lang="en-US" altLang="zh-CN" sz="1400"/>
+                    </a:p>
+                  </a:txBody>
+                  <a:tcPr/>
+                </a:tc>
+              </a:tr>
+              <a:tr h="304800">
+                <a:tc>
+                  <a:txBody>
+                    <a:bodyPr/>
+                    <a:p>
+                      <a:pPr>
+                        <a:buNone/>
+                      </a:pPr>
+                      <a:r>
+                        <a:rPr lang="en-US" altLang="zh-CN" sz="1400"/>
                         <a:t>docker ps</a:t>
                       </a:r>
-                      <a:endParaRPr lang="en-US" altLang="zh-CN"/>
+                      <a:endParaRPr lang="en-US" altLang="zh-CN" sz="1400"/>
                     </a:p>
                   </a:txBody>
                   <a:tcPr/>
@@ -4124,10 +4258,10 @@
                         <a:buNone/>
                       </a:pPr>
                       <a:r>
-                        <a:rPr lang="en-US" altLang="zh-CN"/>
-                        <a:t>List docker images</a:t>
+                        <a:rPr lang="en-US" altLang="zh-CN" sz="1400"/>
+                        <a:t>List docker images and container ids</a:t>
                       </a:r>
-                      <a:endParaRPr lang="en-US" altLang="zh-CN"/>
+                      <a:endParaRPr lang="en-US" altLang="zh-CN" sz="1400"/>
                     </a:p>
                   </a:txBody>
                   <a:tcPr/>
@@ -4139,13 +4273,13 @@
                       <a:pPr>
                         <a:buNone/>
                       </a:pPr>
-                      <a:endParaRPr lang="zh-CN" altLang="en-US"/>
+                      <a:endParaRPr lang="zh-CN" altLang="en-US" sz="1400"/>
                     </a:p>
                   </a:txBody>
                   <a:tcPr/>
                 </a:tc>
               </a:tr>
-              <a:tr h="365760">
+              <a:tr h="304800">
                 <a:tc>
                   <a:txBody>
                     <a:bodyPr/>
@@ -4154,12 +4288,60 @@
                         <a:buNone/>
                       </a:pPr>
                       <a:r>
-                        <a:rPr lang="en-US" altLang="zh-CN" sz="1800">
+                        <a:rPr lang="en-US" altLang="zh-CN" sz="1400"/>
+                        <a:t>docker logs -f {container-id}</a:t>
+                      </a:r>
+                      <a:endParaRPr lang="en-US" altLang="zh-CN" sz="1400"/>
+                    </a:p>
+                  </a:txBody>
+                  <a:tcPr/>
+                </a:tc>
+                <a:tc>
+                  <a:txBody>
+                    <a:bodyPr/>
+                    <a:p>
+                      <a:pPr>
+                        <a:buNone/>
+                      </a:pPr>
+                      <a:r>
+                        <a:rPr lang="en-US" altLang="zh-CN" sz="1400"/>
+                        <a:t>Show logs in docker image, -f follow</a:t>
+                      </a:r>
+                      <a:endParaRPr lang="en-US" altLang="zh-CN" sz="1400"/>
+                    </a:p>
+                  </a:txBody>
+                  <a:tcPr/>
+                </a:tc>
+                <a:tc>
+                  <a:txBody>
+                    <a:bodyPr/>
+                    <a:p>
+                      <a:pPr>
+                        <a:buNone/>
+                      </a:pPr>
+                      <a:endParaRPr lang="zh-CN" altLang="en-US" sz="1400"/>
+                    </a:p>
+                  </a:txBody>
+                  <a:tcPr/>
+                </a:tc>
+              </a:tr>
+              <a:tr h="304800">
+                <a:tc>
+                  <a:txBody>
+                    <a:bodyPr/>
+                    <a:p>
+                      <a:pPr>
+                        <a:buNone/>
+                      </a:pPr>
+                      <a:r>
+                        <a:rPr lang="en-US" altLang="zh-CN" sz="1400">
                           <a:sym typeface="+mn-ea"/>
                         </a:rPr>
                         <a:t>docker network ls</a:t>
                       </a:r>
-                      <a:endParaRPr lang="en-US" altLang="zh-CN"/>
+                      <a:endParaRPr lang="en-US" altLang="zh-CN" sz="1400">
+                        <a:sym typeface="+mn-ea"/>
+                      </a:endParaRPr>
                     </a:p>
                   </a:txBody>
                   <a:tcPr/>
@@ -4171,7 +4353,11 @@
                       <a:pPr>
                         <a:buNone/>
                       </a:pPr>
-                      <a:endParaRPr lang="en-US" altLang="zh-CN"/>
+                      <a:r>
+                        <a:rPr lang="en-US" altLang="zh-CN" sz="1400"/>
+                        <a:t>List network names for containers</a:t>
+                      </a:r>
+                      <a:endParaRPr lang="en-US" altLang="zh-CN" sz="1400"/>
                     </a:p>
                   </a:txBody>
                   <a:tcPr/>
@@ -4183,13 +4369,13 @@
                       <a:pPr>
                         <a:buNone/>
                       </a:pPr>
-                      <a:endParaRPr lang="zh-CN" altLang="en-US"/>
+                      <a:endParaRPr lang="zh-CN" altLang="en-US" sz="1400"/>
                     </a:p>
                   </a:txBody>
                   <a:tcPr/>
                 </a:tc>
               </a:tr>
-              <a:tr h="365760">
+              <a:tr h="304800">
                 <a:tc>
                   <a:txBody>
                     <a:bodyPr/>
@@ -4198,12 +4384,14 @@
                         <a:buNone/>
                       </a:pPr>
                       <a:r>
-                        <a:rPr lang="en-US" altLang="zh-CN" sz="1800">
+                        <a:rPr lang="en-US" altLang="zh-CN" sz="1400">
                           <a:sym typeface="+mn-ea"/>
                         </a:rPr>
-                        <a:t>docker network inspect {name}</a:t>
+                        <a:t>docker network inspect {network_name}</a:t>
                       </a:r>
-                      <a:endParaRPr lang="en-US" altLang="zh-CN"/>
+                      <a:endParaRPr lang="en-US" altLang="zh-CN" sz="1400">
+                        <a:sym typeface="+mn-ea"/>
+                      </a:endParaRPr>
                     </a:p>
                   </a:txBody>
                   <a:tcPr/>
@@ -4215,7 +4403,7 @@
                       <a:pPr>
                         <a:buNone/>
                       </a:pPr>
-                      <a:endParaRPr lang="en-US" altLang="zh-CN"/>
+                      <a:endParaRPr lang="en-US" altLang="zh-CN" sz="1400"/>
                     </a:p>
                   </a:txBody>
                   <a:tcPr/>
@@ -4227,13 +4415,13 @@
                       <a:pPr>
                         <a:buNone/>
                       </a:pPr>
-                      <a:endParaRPr lang="zh-CN" altLang="en-US"/>
+                      <a:endParaRPr lang="zh-CN" altLang="en-US" sz="1400"/>
                     </a:p>
                   </a:txBody>
                   <a:tcPr/>
                 </a:tc>
               </a:tr>
-              <a:tr h="640080">
+              <a:tr h="404495">
                 <a:tc>
                   <a:txBody>
                     <a:bodyPr/>
@@ -4242,12 +4430,14 @@
                         <a:buNone/>
                       </a:pPr>
                       <a:r>
-                        <a:rPr lang="en-US" altLang="zh-CN" sz="1800">
+                        <a:rPr lang="en-US" altLang="zh-CN" sz="1400">
                           <a:sym typeface="+mn-ea"/>
                         </a:rPr>
                         <a:t>docker exec -it &lt;container_name&gt; /bin/bash</a:t>
                       </a:r>
-                      <a:endParaRPr lang="en-US" altLang="zh-CN"/>
+                      <a:endParaRPr lang="en-US" altLang="zh-CN" sz="1400">
+                        <a:sym typeface="+mn-ea"/>
+                      </a:endParaRPr>
                     </a:p>
                   </a:txBody>
                   <a:tcPr/>
@@ -4260,10 +4450,10 @@
                         <a:buNone/>
                       </a:pPr>
                       <a:r>
-                        <a:rPr lang="en-US" altLang="zh-CN"/>
+                        <a:rPr lang="en-US" altLang="zh-CN" sz="1400"/>
                         <a:t>Run bash in container in interactive mode</a:t>
                       </a:r>
-                      <a:endParaRPr lang="en-US" altLang="zh-CN"/>
+                      <a:endParaRPr lang="en-US" altLang="zh-CN" sz="1400"/>
                     </a:p>
                   </a:txBody>
                   <a:tcPr/>
@@ -4275,13 +4465,13 @@
                       <a:pPr>
                         <a:buNone/>
                       </a:pPr>
-                      <a:endParaRPr lang="zh-CN" altLang="en-US"/>
+                      <a:endParaRPr lang="zh-CN" altLang="en-US" sz="1400"/>
                     </a:p>
                   </a:txBody>
                   <a:tcPr/>
                 </a:tc>
               </a:tr>
-              <a:tr h="640080">
+              <a:tr h="518160">
                 <a:tc>
                   <a:txBody>
                     <a:bodyPr/>
@@ -4290,20 +4480,20 @@
                         <a:buNone/>
                       </a:pPr>
                       <a:r>
-                        <a:rPr lang="en-US" altLang="zh-CN"/>
+                        <a:rPr lang="en-US" altLang="zh-CN" sz="1400"/>
                         <a:t>docker cp {local_file} {image_name}:{dir_in_image}</a:t>
                       </a:r>
-                      <a:endParaRPr lang="en-US" altLang="zh-CN"/>
+                      <a:endParaRPr lang="en-US" altLang="zh-CN" sz="1400"/>
                     </a:p>
                     <a:p>
                       <a:pPr>
                         <a:buNone/>
                       </a:pPr>
                       <a:r>
-                        <a:rPr lang="en-US" altLang="zh-CN"/>
+                        <a:rPr lang="en-US" altLang="zh-CN" sz="1400"/>
                         <a:t>docker cp {image_name}:{dir_in_image} {local_dir}</a:t>
                       </a:r>
-                      <a:endParaRPr lang="en-US" altLang="zh-CN"/>
+                      <a:endParaRPr lang="en-US" altLang="zh-CN" sz="1400"/>
                     </a:p>
                   </a:txBody>
                   <a:tcPr/>
@@ -4315,7 +4505,7 @@
                       <a:pPr>
                         <a:buNone/>
                       </a:pPr>
-                      <a:endParaRPr lang="en-US" altLang="zh-CN"/>
+                      <a:endParaRPr lang="en-US" altLang="zh-CN" sz="1400"/>
                     </a:p>
                   </a:txBody>
                   <a:tcPr/>
@@ -4327,13 +4517,13 @@
                       <a:pPr>
                         <a:buNone/>
                       </a:pPr>
-                      <a:endParaRPr lang="zh-CN" altLang="en-US"/>
+                      <a:endParaRPr lang="zh-CN" altLang="en-US" sz="1400"/>
                     </a:p>
                   </a:txBody>
                   <a:tcPr/>
                 </a:tc>
               </a:tr>
-              <a:tr h="365760">
+              <a:tr h="304800">
                 <a:tc>
                   <a:txBody>
                     <a:bodyPr/>
@@ -4342,12 +4532,14 @@
                         <a:buNone/>
                       </a:pPr>
                       <a:r>
-                        <a:rPr lang="en-US" altLang="zh-CN" sz="1800">
+                        <a:rPr lang="en-US" altLang="zh-CN" sz="1400">
                           <a:sym typeface="+mn-ea"/>
                         </a:rPr>
                         <a:t>docker volume ls</a:t>
                       </a:r>
-                      <a:endParaRPr lang="en-US" altLang="zh-CN"/>
+                      <a:endParaRPr lang="en-US" altLang="zh-CN" sz="1400">
+                        <a:sym typeface="+mn-ea"/>
+                      </a:endParaRPr>
                     </a:p>
                   </a:txBody>
                   <a:tcPr/>
@@ -4359,7 +4551,7 @@
                       <a:pPr>
                         <a:buNone/>
                       </a:pPr>
-                      <a:endParaRPr lang="en-US" altLang="zh-CN"/>
+                      <a:endParaRPr lang="en-US" altLang="zh-CN" sz="1400"/>
                     </a:p>
                   </a:txBody>
                   <a:tcPr/>
@@ -4371,13 +4563,13 @@
                       <a:pPr>
                         <a:buNone/>
                       </a:pPr>
-                      <a:endParaRPr lang="zh-CN" altLang="en-US"/>
+                      <a:endParaRPr lang="zh-CN" altLang="en-US" sz="1400"/>
                     </a:p>
                   </a:txBody>
                   <a:tcPr/>
                 </a:tc>
               </a:tr>
-              <a:tr h="365760">
+              <a:tr h="304800">
                 <a:tc>
                   <a:txBody>
                     <a:bodyPr/>
@@ -4386,12 +4578,14 @@
                         <a:buNone/>
                       </a:pPr>
                       <a:r>
-                        <a:rPr lang="en-US" altLang="zh-CN" sz="1800">
+                        <a:rPr lang="en-US" altLang="zh-CN" sz="1400">
                           <a:sym typeface="+mn-ea"/>
                         </a:rPr>
                         <a:t>docker volume inspect {volume-name}</a:t>
                       </a:r>
-                      <a:endParaRPr lang="en-US" altLang="zh-CN"/>
+                      <a:endParaRPr lang="en-US" altLang="zh-CN" sz="1400">
+                        <a:sym typeface="+mn-ea"/>
+                      </a:endParaRPr>
                     </a:p>
                   </a:txBody>
                   <a:tcPr/>
@@ -4403,7 +4597,7 @@
                       <a:pPr>
                         <a:buNone/>
                       </a:pPr>
-                      <a:endParaRPr lang="en-US" altLang="zh-CN"/>
+                      <a:endParaRPr lang="en-US" altLang="zh-CN" sz="1400"/>
                     </a:p>
                   </a:txBody>
                   <a:tcPr/>
@@ -4415,13 +4609,13 @@
                       <a:pPr>
                         <a:buNone/>
                       </a:pPr>
-                      <a:endParaRPr lang="zh-CN" altLang="en-US"/>
+                      <a:endParaRPr lang="zh-CN" altLang="en-US" sz="1400"/>
                     </a:p>
                   </a:txBody>
                   <a:tcPr/>
                 </a:tc>
               </a:tr>
-              <a:tr h="365760">
+              <a:tr h="304800">
                 <a:tc>
                   <a:txBody>
                     <a:bodyPr/>
@@ -4430,12 +4624,14 @@
                         <a:buNone/>
                       </a:pPr>
                       <a:r>
-                        <a:rPr lang="en-US" altLang="zh-CN" sz="1800">
+                        <a:rPr lang="en-US" altLang="zh-CN" sz="1400">
                           <a:sym typeface="+mn-ea"/>
                         </a:rPr>
                         <a:t>docker volume rm {volume-name}</a:t>
                       </a:r>
-                      <a:endParaRPr lang="en-US" altLang="zh-CN"/>
+                      <a:endParaRPr lang="en-US" altLang="zh-CN" sz="1400">
+                        <a:sym typeface="+mn-ea"/>
+                      </a:endParaRPr>
                     </a:p>
                   </a:txBody>
                   <a:tcPr/>
@@ -4447,7 +4643,7 @@
                       <a:pPr>
                         <a:buNone/>
                       </a:pPr>
-                      <a:endParaRPr lang="en-US" altLang="zh-CN"/>
+                      <a:endParaRPr lang="en-US" altLang="zh-CN" sz="1400"/>
                     </a:p>
                   </a:txBody>
                   <a:tcPr/>
@@ -4459,13 +4655,13 @@
                       <a:pPr>
                         <a:buNone/>
                       </a:pPr>
-                      <a:endParaRPr lang="zh-CN" altLang="en-US"/>
+                      <a:endParaRPr lang="zh-CN" altLang="en-US" sz="1400"/>
                     </a:p>
                   </a:txBody>
                   <a:tcPr/>
                 </a:tc>
               </a:tr>
-              <a:tr h="365760">
+              <a:tr h="304800">
                 <a:tc>
                   <a:txBody>
                     <a:bodyPr/>
@@ -4474,12 +4670,14 @@
                         <a:buNone/>
                       </a:pPr>
                       <a:r>
-                        <a:rPr lang="en-US" altLang="zh-CN" sz="1800">
+                        <a:rPr lang="en-US" altLang="zh-CN" sz="1400">
                           <a:sym typeface="+mn-ea"/>
                         </a:rPr>
                         <a:t>docker volume prune</a:t>
                       </a:r>
-                      <a:endParaRPr lang="en-US" altLang="zh-CN"/>
+                      <a:endParaRPr lang="en-US" altLang="zh-CN" sz="1400">
+                        <a:sym typeface="+mn-ea"/>
+                      </a:endParaRPr>
                     </a:p>
                   </a:txBody>
                   <a:tcPr/>
@@ -4491,7 +4689,7 @@
                       <a:pPr>
                         <a:buNone/>
                       </a:pPr>
-                      <a:endParaRPr lang="en-US" altLang="zh-CN"/>
+                      <a:endParaRPr lang="en-US" altLang="zh-CN" sz="1400"/>
                     </a:p>
                   </a:txBody>
                   <a:tcPr/>
@@ -4503,7 +4701,7 @@
                       <a:pPr>
                         <a:buNone/>
                       </a:pPr>
-                      <a:endParaRPr lang="zh-CN" altLang="en-US"/>
+                      <a:endParaRPr lang="zh-CN" altLang="en-US" sz="1400"/>
                     </a:p>
                   </a:txBody>
                   <a:tcPr/>
@@ -5766,6 +5964,14 @@
             <a:r>
               <a:rPr lang="en-US" altLang="zh-CN"/>
               <a:t>docker volume ls</a:t>
+            </a:r>
+            <a:endParaRPr lang="en-US" altLang="zh-CN"/>
+          </a:p>
+          <a:p>
+            <a:pPr lvl="1"/>
+            <a:r>
+              <a:rPr lang="en-US" altLang="zh-CN"/>
+              <a:t>docker volume inspect {volume_name}</a:t>
             </a:r>
             <a:endParaRPr lang="en-US" altLang="zh-CN"/>
           </a:p>
@@ -6616,7 +6822,9 @@
           </a:xfrm>
         </p:spPr>
         <p:txBody>
-          <a:bodyPr/>
+          <a:bodyPr>
+            <a:normAutofit lnSpcReduction="20000"/>
+          </a:bodyPr>
           <a:p>
             <a:pPr lvl="0"/>
             <a:r>
@@ -6693,7 +6901,31 @@
               </a:rPr>
               <a:t>-d: in daemon mode</a:t>
             </a:r>
-            <a:endParaRPr lang="en-US" altLang="zh-CN" sz="1600"/>
+            <a:endParaRPr lang="en-US" altLang="zh-CN" sz="1600">
+              <a:sym typeface="+mn-ea"/>
+            </a:endParaRPr>
+          </a:p>
+          <a:p>
+            <a:pPr lvl="1"/>
+            <a:r>
+              <a:rPr lang="en-US" altLang="zh-CN" sz="1775">
+                <a:sym typeface="+mn-ea"/>
+              </a:rPr>
+              <a:t>docker-compose up --no-start	// create a container, but not start</a:t>
+            </a:r>
+            <a:endParaRPr lang="en-US" altLang="zh-CN" sz="1775">
+              <a:sym typeface="+mn-ea"/>
+            </a:endParaRPr>
+          </a:p>
+          <a:p>
+            <a:pPr lvl="1"/>
+            <a:r>
+              <a:rPr lang="en-US" altLang="zh-CN" sz="1775">
+                <a:sym typeface="+mn-ea"/>
+              </a:rPr>
+              <a:t>docker-compose start {service_name}	// start a service defined</a:t>
+            </a:r>
+            <a:endParaRPr lang="en-US" altLang="zh-CN" sz="1775"/>
           </a:p>
           <a:p>
             <a:pPr lvl="1" algn="l">
@@ -6795,7 +7027,7 @@
         </p:spPr>
         <p:txBody>
           <a:bodyPr vert="horz" lIns="91440" tIns="45720" rIns="91440" bIns="45720" rtlCol="0">
-            <a:normAutofit lnSpcReduction="20000"/>
+            <a:normAutofit/>
           </a:bodyPr>
           <a:lstStyle>
             <a:lvl1pPr marL="342900" indent="-342900" algn="l" defTabSz="914400" rtl="0" eaLnBrk="1" latinLnBrk="0" hangingPunct="1">
@@ -6967,142 +7199,178 @@
               <a:buSzTx/>
             </a:pPr>
             <a:r>
-              <a:rPr lang="en-US" altLang="zh-CN" sz="2400">
+              <a:rPr lang="en-US" altLang="zh-CN" sz="1800">
                 <a:sym typeface="+mn-ea"/>
               </a:rPr>
               <a:t>docker-compose.yml</a:t>
             </a:r>
-            <a:endParaRPr lang="en-US" altLang="zh-CN" sz="2400"/>
+            <a:endParaRPr lang="en-US" altLang="zh-CN" sz="1800"/>
           </a:p>
           <a:p>
             <a:pPr lvl="1"/>
             <a:r>
-              <a:rPr lang="en-US" altLang="zh-CN">
+              <a:rPr lang="en-US" altLang="zh-CN" sz="1600">
                 <a:sym typeface="+mn-ea"/>
               </a:rPr>
-              <a:t>ports {host}:{container}, ports {container}</a:t>
-            </a:r>
-            <a:endParaRPr lang="en-US" altLang="zh-CN"/>
+              <a:t>ports</a:t>
+            </a:r>
+            <a:endParaRPr lang="en-US" altLang="zh-CN" sz="1600">
+              <a:sym typeface="+mn-ea"/>
+            </a:endParaRPr>
+          </a:p>
+          <a:p>
+            <a:pPr lvl="2"/>
+            <a:r>
+              <a:rPr lang="en-US" altLang="zh-CN" sz="1440">
+                <a:sym typeface="+mn-ea"/>
+              </a:rPr>
+              <a:t>{host}:{container}, ports {container}</a:t>
+            </a:r>
+            <a:endParaRPr lang="en-US" altLang="zh-CN" sz="1440">
+              <a:sym typeface="+mn-ea"/>
+            </a:endParaRPr>
+          </a:p>
+          <a:p>
+            <a:pPr lvl="2"/>
+            <a:r>
+              <a:rPr lang="en-US" altLang="zh-CN" sz="1440">
+                <a:sym typeface="+mn-ea"/>
+              </a:rPr>
+              <a:t>shared among different services</a:t>
+            </a:r>
+            <a:endParaRPr lang="en-US" altLang="zh-CN" sz="1440">
+              <a:sym typeface="+mn-ea"/>
+            </a:endParaRPr>
+          </a:p>
+          <a:p>
+            <a:pPr lvl="2"/>
+            <a:r>
+              <a:rPr lang="en-US" altLang="zh-CN" sz="1440">
+                <a:sym typeface="+mn-ea"/>
+              </a:rPr>
+              <a:t>if only a container port is provided, a random host port will be chosen</a:t>
+            </a:r>
+            <a:endParaRPr lang="en-US" altLang="zh-CN" sz="1440"/>
           </a:p>
           <a:p>
             <a:pPr lvl="1"/>
             <a:r>
-              <a:rPr lang="en-US" altLang="zh-CN">
+              <a:rPr lang="en-US" altLang="zh-CN" sz="1600">
                 <a:sym typeface="+mn-ea"/>
               </a:rPr>
               <a:t>expose</a:t>
             </a:r>
-            <a:endParaRPr lang="en-US" altLang="zh-CN"/>
+            <a:endParaRPr lang="en-US" altLang="zh-CN" sz="1600"/>
           </a:p>
           <a:p>
             <a:pPr lvl="2"/>
             <a:r>
-              <a:rPr lang="en-US" altLang="zh-CN">
+              <a:rPr lang="en-US" altLang="zh-CN" sz="1400">
                 <a:sym typeface="+mn-ea"/>
               </a:rPr>
               <a:t>ports are not exposed to host machine, only exposed to linked services</a:t>
             </a:r>
-            <a:endParaRPr lang="en-US" altLang="zh-CN"/>
+            <a:endParaRPr lang="en-US" altLang="zh-CN" sz="1400"/>
           </a:p>
           <a:p>
             <a:pPr lvl="1"/>
             <a:r>
-              <a:rPr lang="en-US" altLang="zh-CN">
+              <a:rPr lang="en-US" altLang="zh-CN" sz="1600">
                 <a:sym typeface="+mn-ea"/>
               </a:rPr>
               <a:t>volumes:</a:t>
             </a:r>
-            <a:endParaRPr lang="en-US" altLang="zh-CN"/>
+            <a:endParaRPr lang="en-US" altLang="zh-CN" sz="1600"/>
           </a:p>
           <a:p>
             <a:pPr lvl="2"/>
             <a:r>
-              <a:rPr lang="en-US" altLang="zh-CN">
+              <a:rPr lang="en-US" altLang="zh-CN" sz="1400">
                 <a:sym typeface="+mn-ea"/>
               </a:rPr>
               <a:t>path-based volume</a:t>
             </a:r>
-            <a:endParaRPr lang="en-US" altLang="zh-CN">
+            <a:endParaRPr lang="en-US" altLang="zh-CN" sz="1400">
               <a:sym typeface="+mn-ea"/>
             </a:endParaRPr>
           </a:p>
           <a:p>
             <a:pPr lvl="3"/>
             <a:r>
-              <a:rPr lang="en-US" altLang="zh-CN">
+              <a:rPr lang="en-US" altLang="zh-CN" sz="1400">
                 <a:sym typeface="+mn-ea"/>
               </a:rPr>
               <a:t>- /host/path:/container/path</a:t>
             </a:r>
-            <a:endParaRPr lang="en-US" altLang="zh-CN"/>
+            <a:endParaRPr lang="en-US" altLang="zh-CN" sz="1400"/>
           </a:p>
           <a:p>
             <a:pPr lvl="2"/>
             <a:r>
-              <a:rPr lang="en-US" altLang="zh-CN">
+              <a:rPr lang="en-US" altLang="zh-CN" sz="1400">
                 <a:sym typeface="+mn-ea"/>
               </a:rPr>
               <a:t>named volume</a:t>
             </a:r>
-            <a:endParaRPr lang="en-US" altLang="zh-CN">
+            <a:endParaRPr lang="en-US" altLang="zh-CN" sz="1400">
               <a:sym typeface="+mn-ea"/>
             </a:endParaRPr>
           </a:p>
           <a:p>
             <a:pPr lvl="3"/>
             <a:r>
-              <a:rPr lang="en-US" altLang="zh-CN">
+              <a:rPr lang="en-US" altLang="zh-CN" sz="1400">
                 <a:sym typeface="+mn-ea"/>
               </a:rPr>
               <a:t>named_volume_name: /container/path</a:t>
             </a:r>
-            <a:endParaRPr lang="en-US" altLang="zh-CN">
+            <a:endParaRPr lang="en-US" altLang="zh-CN" sz="1400">
               <a:sym typeface="+mn-ea"/>
             </a:endParaRPr>
           </a:p>
           <a:p>
             <a:pPr lvl="3"/>
             <a:r>
-              <a:rPr lang="en-US" altLang="zh-CN">
+              <a:rPr lang="en-US" altLang="zh-CN" sz="1400">
                 <a:sym typeface="+mn-ea"/>
               </a:rPr>
               <a:t>the volume will get saved to /var/lib/docker/volumes/named_volume_name/_data</a:t>
             </a:r>
-            <a:endParaRPr lang="en-US" altLang="zh-CN" sz="2000">
+            <a:endParaRPr lang="en-US" altLang="zh-CN" sz="1600">
               <a:sym typeface="+mn-ea"/>
             </a:endParaRPr>
           </a:p>
           <a:p>
             <a:pPr lvl="2"/>
             <a:r>
-              <a:rPr lang="en-US" altLang="zh-CN"/>
+              <a:rPr lang="en-US" altLang="zh-CN" sz="1400"/>
               <a:t>create a volume only</a:t>
             </a:r>
-            <a:endParaRPr lang="en-US" altLang="zh-CN"/>
+            <a:endParaRPr lang="en-US" altLang="zh-CN" sz="1400"/>
           </a:p>
           <a:p>
             <a:pPr lvl="3"/>
             <a:r>
-              <a:rPr lang="en-US" altLang="zh-CN"/>
+              <a:rPr lang="en-US" altLang="zh-CN" sz="1400"/>
               <a:t>- /container/path</a:t>
             </a:r>
-            <a:endParaRPr lang="en-US" altLang="zh-CN"/>
+            <a:endParaRPr lang="en-US" altLang="zh-CN" sz="1400"/>
           </a:p>
           <a:p>
             <a:pPr lvl="1"/>
             <a:r>
-              <a:rPr lang="en-US" altLang="zh-CN"/>
+              <a:rPr lang="en-US" altLang="zh-CN" sz="1600"/>
               <a:t>command</a:t>
             </a:r>
-            <a:endParaRPr lang="en-US" altLang="zh-CN"/>
+            <a:endParaRPr lang="en-US" altLang="zh-CN" sz="1600"/>
           </a:p>
           <a:p>
             <a:pPr lvl="2"/>
             <a:r>
-              <a:rPr lang="en-US" altLang="zh-CN"/>
+              <a:rPr lang="en-US" altLang="zh-CN" sz="1400"/>
               <a:t>override default command in Dockerfile</a:t>
             </a:r>
-            <a:endParaRPr lang="en-US" altLang="zh-CN"/>
+            <a:endParaRPr lang="en-US" altLang="zh-CN" sz="1400"/>
           </a:p>
         </p:txBody>
       </p:sp>
@@ -7159,10 +7427,15 @@
             <p:ph idx="1"/>
           </p:nvPr>
         </p:nvSpPr>
-        <p:spPr/>
+        <p:spPr>
+          <a:xfrm>
+            <a:off x="838200" y="1211580"/>
+            <a:ext cx="6932930" cy="4549140"/>
+          </a:xfrm>
+        </p:spPr>
         <p:txBody>
           <a:bodyPr>
-            <a:normAutofit lnSpcReduction="10000"/>
+            <a:normAutofit fontScale="90000" lnSpcReduction="20000"/>
           </a:bodyPr>
           <a:p>
             <a:r>
@@ -7250,6 +7523,70 @@
               <a:t>override config in docker-compose.yml</a:t>
             </a:r>
             <a:endParaRPr lang="en-US" altLang="zh-CN"/>
+          </a:p>
+          <a:p>
+            <a:pPr lvl="1"/>
+            <a:r>
+              <a:rPr lang="en-US" altLang="zh-CN"/>
+              <a:t>set time zone</a:t>
+            </a:r>
+            <a:endParaRPr lang="en-US" altLang="zh-CN"/>
+          </a:p>
+          <a:p>
+            <a:pPr lvl="2"/>
+            <a:endParaRPr lang="en-US" altLang="zh-CN"/>
+          </a:p>
+        </p:txBody>
+      </p:sp>
+      <p:sp>
+        <p:nvSpPr>
+          <p:cNvPr id="5" name="文本框 4"/>
+          <p:cNvSpPr txBox="1"/>
+          <p:nvPr/>
+        </p:nvSpPr>
+        <p:spPr>
+          <a:xfrm>
+            <a:off x="8246110" y="1211580"/>
+            <a:ext cx="3369310" cy="737235"/>
+          </a:xfrm>
+          <a:prstGeom prst="rect">
+            <a:avLst/>
+          </a:prstGeom>
+          <a:noFill/>
+          <a:ln>
+            <a:solidFill>
+              <a:srgbClr val="C00000"/>
+            </a:solidFill>
+          </a:ln>
+        </p:spPr>
+        <p:txBody>
+          <a:bodyPr wrap="square" rtlCol="0" anchor="t">
+            <a:spAutoFit/>
+          </a:bodyPr>
+          <a:p>
+            <a:r>
+              <a:rPr lang="zh-CN" altLang="en-US" sz="1400"/>
+              <a:t>volumes:</a:t>
+            </a:r>
+            <a:endParaRPr lang="zh-CN" altLang="en-US" sz="1400"/>
+          </a:p>
+          <a:p>
+            <a:r>
+              <a:rPr lang="zh-CN" altLang="en-US" sz="1400"/>
+              <a:t>    - "/etc/timezone:/etc/timezone:ro"</a:t>
+            </a:r>
+            <a:endParaRPr lang="zh-CN" altLang="en-US" sz="1400"/>
+          </a:p>
+          <a:p>
+            <a:r>
+              <a:rPr lang="zh-CN" altLang="en-US" sz="1400"/>
+              <a:t>    - "/etc/localtime:/etc/loc</a:t>
+            </a:r>
+            <a:r>
+              <a:rPr lang="en-US" altLang="zh-CN" sz="1400"/>
+              <a:t>altime:ro”</a:t>
+            </a:r>
+            <a:endParaRPr lang="en-US" altLang="zh-CN" sz="1400"/>
           </a:p>
         </p:txBody>
       </p:sp>
@@ -8403,7 +8740,7 @@
           <a:p>
             <a:r>
               <a:rPr lang="en-US" altLang="zh-CN"/>
-              <a:t>Install on Ubuntu16.04 (1)</a:t>
+              <a:t>Install on Ubuntu</a:t>
             </a:r>
             <a:endParaRPr lang="en-US" altLang="zh-CN"/>
           </a:p>
@@ -9992,8 +10329,8 @@
 <file path=ppt/tags/tag16.xml><?xml version="1.0" encoding="utf-8"?>
 <p:tagLst xmlns:p="http://schemas.openxmlformats.org/presentationml/2006/main">
   <p:tag name="KSO_WM_UNIT_TABLE_BEAUTIFY" val="smartTable{8ed0f2ad-8cc2-4f04-8848-3ccca36eb5f5}"/>
-  <p:tag name="TABLE_ENDDRAG_ORIGIN_RECT" val="876*367"/>
-  <p:tag name="TABLE_ENDDRAG_RECT" val="50*103*876*367"/>
+  <p:tag name="TABLE_ENDDRAG_ORIGIN_RECT" val="876*300"/>
+  <p:tag name="TABLE_ENDDRAG_RECT" val="49*87*876*300"/>
 </p:tagLst>
 </file>
 

--- a/Misc/Docker-Notes.pptx
+++ b/Misc/Docker-Notes.pptx
@@ -8,7 +8,7 @@
     <p:notesMasterId r:id="rId4"/>
   </p:notesMasterIdLst>
   <p:handoutMasterIdLst>
-    <p:handoutMasterId r:id="rId28"/>
+    <p:handoutMasterId r:id="rId32"/>
   </p:handoutMasterIdLst>
   <p:sldIdLst>
     <p:sldId id="256" r:id="rId3"/>
@@ -27,17 +27,24 @@
     <p:sldId id="329" r:id="rId17"/>
     <p:sldId id="280" r:id="rId18"/>
     <p:sldId id="260" r:id="rId19"/>
-    <p:sldId id="262" r:id="rId20"/>
-    <p:sldId id="321" r:id="rId21"/>
-    <p:sldId id="265" r:id="rId22"/>
-    <p:sldId id="309" r:id="rId23"/>
-    <p:sldId id="311" r:id="rId24"/>
-    <p:sldId id="312" r:id="rId25"/>
-    <p:sldId id="340" r:id="rId26"/>
-    <p:sldId id="326" r:id="rId27"/>
+    <p:sldId id="347" r:id="rId20"/>
+    <p:sldId id="262" r:id="rId21"/>
+    <p:sldId id="321" r:id="rId22"/>
+    <p:sldId id="265" r:id="rId23"/>
+    <p:sldId id="309" r:id="rId24"/>
+    <p:sldId id="311" r:id="rId25"/>
+    <p:sldId id="312" r:id="rId26"/>
+    <p:sldId id="340" r:id="rId27"/>
+    <p:sldId id="342" r:id="rId28"/>
+    <p:sldId id="344" r:id="rId29"/>
+    <p:sldId id="346" r:id="rId30"/>
+    <p:sldId id="326" r:id="rId31"/>
   </p:sldIdLst>
   <p:sldSz cx="12192000" cy="6858000"/>
   <p:notesSz cx="6858000" cy="9144000"/>
+  <p:custDataLst>
+    <p:tags r:id="rId36"/>
+  </p:custDataLst>
   <p:defaultTextStyle>
     <a:defPPr>
       <a:defRPr lang="zh-CN"/>
@@ -5932,6 +5939,21 @@
           <a:p>
             <a:r>
               <a:rPr lang="en-US" altLang="zh-CN"/>
+              <a:t>References</a:t>
+            </a:r>
+            <a:endParaRPr lang="en-US" altLang="zh-CN"/>
+          </a:p>
+          <a:p>
+            <a:pPr lvl="1"/>
+            <a:r>
+              <a:rPr lang="en-US" altLang="zh-CN"/>
+              <a:t>https://docs.docker.com/storage/volumes/</a:t>
+            </a:r>
+            <a:endParaRPr lang="en-US" altLang="zh-CN"/>
+          </a:p>
+          <a:p>
+            <a:r>
+              <a:rPr lang="en-US" altLang="zh-CN"/>
               <a:t>Concept</a:t>
             </a:r>
             <a:endParaRPr lang="en-US" altLang="zh-CN"/>
@@ -6183,9 +6205,87 @@
           </a:p>
         </p:txBody>
       </p:sp>
+    </p:spTree>
+    <p:custDataLst>
+      <p:tags r:id="rId1"/>
+    </p:custDataLst>
+  </p:cSld>
+  <p:clrMapOvr>
+    <a:masterClrMapping/>
+  </p:clrMapOvr>
+</p:sld>
+</file>
+
+<file path=ppt/slides/slide17.xml><?xml version="1.0" encoding="utf-8"?>
+<p:sld xmlns:a="http://schemas.openxmlformats.org/drawingml/2006/main" xmlns:r="http://schemas.openxmlformats.org/officeDocument/2006/relationships" xmlns:p="http://schemas.openxmlformats.org/presentationml/2006/main">
+  <p:cSld>
+    <p:spTree>
+      <p:nvGrpSpPr>
+        <p:cNvPr id="1" name=""/>
+        <p:cNvGrpSpPr/>
+        <p:nvPr/>
+      </p:nvGrpSpPr>
+      <p:grpSpPr/>
+      <p:sp>
+        <p:nvSpPr>
+          <p:cNvPr id="2" name="标题 1"/>
+          <p:cNvSpPr>
+            <a:spLocks noGrp="1"/>
+          </p:cNvSpPr>
+          <p:nvPr>
+            <p:ph type="title"/>
+          </p:nvPr>
+        </p:nvSpPr>
+        <p:spPr/>
+        <p:txBody>
+          <a:bodyPr/>
+          <a:p>
+            <a:r>
+              <a:rPr lang="en-US" altLang="zh-CN"/>
+              <a:t>Instructions in Dockerfile</a:t>
+            </a:r>
+            <a:endParaRPr lang="en-US" altLang="zh-CN"/>
+          </a:p>
+        </p:txBody>
+      </p:sp>
+      <p:sp>
+        <p:nvSpPr>
+          <p:cNvPr id="3" name="内容占位符 2"/>
+          <p:cNvSpPr>
+            <a:spLocks noGrp="1"/>
+          </p:cNvSpPr>
+          <p:nvPr>
+            <p:ph idx="1"/>
+          </p:nvPr>
+        </p:nvSpPr>
+        <p:spPr>
+          <a:xfrm>
+            <a:off x="838200" y="1211580"/>
+            <a:ext cx="10515600" cy="880110"/>
+          </a:xfrm>
+        </p:spPr>
+        <p:txBody>
+          <a:bodyPr/>
+          <a:p>
+            <a:r>
+              <a:rPr lang="en-US" altLang="zh-CN"/>
+              <a:t>References</a:t>
+            </a:r>
+            <a:endParaRPr lang="en-US" altLang="zh-CN"/>
+          </a:p>
+          <a:p>
+            <a:pPr lvl="1"/>
+            <a:r>
+              <a:rPr lang="en-US" altLang="zh-CN"/>
+              <a:t>https://www.fosstechnix.com/dockerfile-instructions/</a:t>
+            </a:r>
+            <a:endParaRPr lang="en-US" altLang="zh-CN"/>
+          </a:p>
+        </p:txBody>
+      </p:sp>
       <p:graphicFrame>
         <p:nvGraphicFramePr>
-          <p:cNvPr id="6" name="表格 5"/>
+          <p:cNvPr id="4" name="表格 3"/>
           <p:cNvGraphicFramePr/>
           <p:nvPr>
             <p:custDataLst>
@@ -6194,8 +6294,8 @@
           </p:nvPr>
         </p:nvGraphicFramePr>
         <p:xfrm>
-          <a:off x="838200" y="2867025"/>
-          <a:ext cx="10904855" cy="3413760"/>
+          <a:off x="1213485" y="2028825"/>
+          <a:ext cx="10448925" cy="3395345"/>
         </p:xfrm>
         <a:graphic>
           <a:graphicData uri="http://schemas.openxmlformats.org/drawingml/2006/table">
@@ -6204,11 +6304,11 @@
                 <a:tableStyleId>{5C22544A-7EE6-4342-B048-85BDC9FD1C3A}</a:tableStyleId>
               </a:tblPr>
               <a:tblGrid>
-                <a:gridCol w="1787525"/>
-                <a:gridCol w="5582920"/>
-                <a:gridCol w="3534410"/>
+                <a:gridCol w="1584960"/>
+                <a:gridCol w="5260975"/>
+                <a:gridCol w="3602990"/>
               </a:tblGrid>
-              <a:tr h="365760">
+              <a:tr h="274320">
                 <a:tc>
                   <a:txBody>
                     <a:bodyPr/>
@@ -6217,13 +6317,13 @@
                         <a:buNone/>
                       </a:pPr>
                       <a:r>
-                        <a:rPr lang="en-US" altLang="zh-CN"/>
-                        <a:t>Command</a:t>
+                        <a:rPr lang="en-US" altLang="zh-CN" sz="1200"/>
+                        <a:t>Instruction</a:t>
                       </a:r>
-                      <a:endParaRPr lang="en-US" altLang="zh-CN"/>
-                    </a:p>
-                  </a:txBody>
-                  <a:tcPr/>
+                      <a:endParaRPr lang="en-US" altLang="zh-CN" sz="1200"/>
+                    </a:p>
+                  </a:txBody>
+                  <a:tcPr anchor="ctr" anchorCtr="0"/>
                 </a:tc>
                 <a:tc>
                   <a:txBody>
@@ -6233,13 +6333,13 @@
                         <a:buNone/>
                       </a:pPr>
                       <a:r>
-                        <a:rPr lang="en-US" altLang="zh-CN"/>
-                        <a:t>Explanation</a:t>
+                        <a:rPr lang="en-US" altLang="zh-CN" sz="1200"/>
+                        <a:t>Meaning</a:t>
                       </a:r>
-                      <a:endParaRPr lang="en-US" altLang="zh-CN"/>
-                    </a:p>
-                  </a:txBody>
-                  <a:tcPr/>
+                      <a:endParaRPr lang="en-US" altLang="zh-CN" sz="1200"/>
+                    </a:p>
+                  </a:txBody>
+                  <a:tcPr anchor="ctr" anchorCtr="0"/>
                 </a:tc>
                 <a:tc>
                   <a:txBody>
@@ -6249,513 +6349,607 @@
                         <a:buNone/>
                       </a:pPr>
                       <a:r>
-                        <a:rPr lang="en-US" altLang="zh-CN"/>
-                        <a:t>Notes</a:t>
+                        <a:rPr lang="en-US" altLang="zh-CN" sz="1200"/>
+                        <a:t>Note</a:t>
                       </a:r>
-                      <a:endParaRPr lang="en-US" altLang="zh-CN"/>
-                    </a:p>
-                  </a:txBody>
-                  <a:tcPr/>
+                      <a:endParaRPr lang="en-US" altLang="zh-CN" sz="1200"/>
+                    </a:p>
+                  </a:txBody>
+                  <a:tcPr anchor="ctr" anchorCtr="0"/>
                 </a:tc>
               </a:tr>
-              <a:tr h="304800">
-                <a:tc>
-                  <a:txBody>
-                    <a:bodyPr/>
-                    <a:p>
-                      <a:pPr>
+              <a:tr h="274320">
+                <a:tc>
+                  <a:txBody>
+                    <a:bodyPr/>
+                    <a:p>
+                      <a:pPr algn="ctr">
                         <a:buNone/>
                       </a:pPr>
                       <a:r>
-                        <a:rPr lang="en-US" altLang="zh-CN" sz="1400"/>
+                        <a:rPr lang="en-US" altLang="zh-CN" sz="1200"/>
                         <a:t>FROM</a:t>
                       </a:r>
-                      <a:endParaRPr lang="en-US" altLang="zh-CN" sz="1400"/>
-                    </a:p>
-                  </a:txBody>
-                  <a:tcPr/>
-                </a:tc>
-                <a:tc>
-                  <a:txBody>
-                    <a:bodyPr/>
-                    <a:p>
-                      <a:pPr marL="0" lvl="1">
+                      <a:endParaRPr lang="en-US" altLang="zh-CN" sz="1200"/>
+                    </a:p>
+                  </a:txBody>
+                  <a:tcPr anchor="ctr" anchorCtr="0"/>
+                </a:tc>
+                <a:tc>
+                  <a:txBody>
+                    <a:bodyPr/>
+                    <a:p>
+                      <a:pPr algn="ctr">
                         <a:buNone/>
                       </a:pPr>
                       <a:r>
-                        <a:rPr lang="en-US" altLang="zh-CN" sz="1400">
+                        <a:rPr lang="en-US" altLang="zh-CN" sz="1200"/>
+                        <a:t>docker image name to pull from</a:t>
+                      </a:r>
+                      <a:endParaRPr lang="en-US" altLang="zh-CN" sz="1200"/>
+                    </a:p>
+                  </a:txBody>
+                  <a:tcPr anchor="ctr" anchorCtr="0"/>
+                </a:tc>
+                <a:tc>
+                  <a:txBody>
+                    <a:bodyPr/>
+                    <a:p>
+                      <a:pPr algn="ctr">
+                        <a:buNone/>
+                      </a:pPr>
+                      <a:r>
+                        <a:rPr lang="zh-CN" altLang="en-US" sz="1200"/>
+                        <a:t>FROM ubuntu:latest</a:t>
+                      </a:r>
+                      <a:endParaRPr lang="zh-CN" altLang="en-US" sz="1200"/>
+                    </a:p>
+                  </a:txBody>
+                  <a:tcPr anchor="ctr" anchorCtr="0"/>
+                </a:tc>
+              </a:tr>
+              <a:tr h="300355">
+                <a:tc>
+                  <a:txBody>
+                    <a:bodyPr/>
+                    <a:p>
+                      <a:pPr algn="ctr">
+                        <a:buNone/>
+                      </a:pPr>
+                      <a:r>
+                        <a:rPr lang="en-US" altLang="zh-CN" sz="1200"/>
+                        <a:t>CMD</a:t>
+                      </a:r>
+                      <a:endParaRPr lang="en-US" altLang="zh-CN" sz="1200"/>
+                    </a:p>
+                  </a:txBody>
+                  <a:tcPr anchor="ctr" anchorCtr="0"/>
+                </a:tc>
+                <a:tc>
+                  <a:txBody>
+                    <a:bodyPr/>
+                    <a:p>
+                      <a:pPr algn="ctr">
+                        <a:buNone/>
+                      </a:pPr>
+                      <a:r>
+                        <a:rPr lang="en-US" altLang="zh-CN" sz="1200"/>
+                        <a:t>execute when image is deployed</a:t>
+                      </a:r>
+                      <a:endParaRPr lang="en-US" altLang="zh-CN" sz="1200"/>
+                    </a:p>
+                  </a:txBody>
+                  <a:tcPr anchor="ctr" anchorCtr="0"/>
+                </a:tc>
+                <a:tc>
+                  <a:txBody>
+                    <a:bodyPr/>
+                    <a:p>
+                      <a:pPr algn="ctr">
+                        <a:buNone/>
+                      </a:pPr>
+                      <a:r>
+                        <a:rPr lang="zh-CN" altLang="en-US" sz="1200"/>
+                        <a:t>CMD ["/usr/sbin/apache2", "-D", "FOREGROUND"]</a:t>
+                      </a:r>
+                      <a:endParaRPr lang="zh-CN" altLang="en-US" sz="1200"/>
+                    </a:p>
+                  </a:txBody>
+                  <a:tcPr anchor="ctr" anchorCtr="0"/>
+                </a:tc>
+              </a:tr>
+              <a:tr h="274320">
+                <a:tc>
+                  <a:txBody>
+                    <a:bodyPr/>
+                    <a:p>
+                      <a:pPr algn="ctr">
+                        <a:buNone/>
+                      </a:pPr>
+                      <a:r>
+                        <a:rPr lang="en-US" altLang="zh-CN" sz="1200"/>
+                        <a:t>RUN</a:t>
+                      </a:r>
+                      <a:endParaRPr lang="en-US" altLang="zh-CN" sz="1200"/>
+                    </a:p>
+                  </a:txBody>
+                  <a:tcPr anchor="ctr" anchorCtr="0"/>
+                </a:tc>
+                <a:tc>
+                  <a:txBody>
+                    <a:bodyPr/>
+                    <a:p>
+                      <a:pPr algn="ctr">
+                        <a:buNone/>
+                      </a:pPr>
+                      <a:r>
+                        <a:rPr lang="en-US" altLang="zh-CN" sz="1200">
                           <a:sym typeface="+mn-ea"/>
                         </a:rPr>
-                        <a:t>Specify what image to pull from the Docker Hub repository</a:t>
+                        <a:t>execute when image is deployed</a:t>
                       </a:r>
-                      <a:endParaRPr lang="en-US" altLang="zh-CN" sz="1400">
+                      <a:endParaRPr lang="en-US" altLang="zh-CN" sz="1200">
                         <a:sym typeface="+mn-ea"/>
                       </a:endParaRPr>
                     </a:p>
                   </a:txBody>
-                  <a:tcPr/>
-                </a:tc>
-                <a:tc>
-                  <a:txBody>
-                    <a:bodyPr/>
-                    <a:p>
-                      <a:pPr>
-                        <a:buNone/>
-                      </a:pPr>
-                      <a:endParaRPr lang="zh-CN" altLang="en-US" sz="1400"/>
-                    </a:p>
-                  </a:txBody>
-                  <a:tcPr/>
+                  <a:tcPr anchor="ctr" anchorCtr="0"/>
+                </a:tc>
+                <a:tc>
+                  <a:txBody>
+                    <a:bodyPr/>
+                    <a:p>
+                      <a:pPr algn="ctr">
+                        <a:buNone/>
+                      </a:pPr>
+                      <a:r>
+                        <a:rPr lang="zh-CN" altLang="en-US" sz="1200"/>
+                        <a:t>RUN apt-get update</a:t>
+                      </a:r>
+                      <a:endParaRPr lang="zh-CN" altLang="en-US" sz="1200"/>
+                    </a:p>
+                  </a:txBody>
+                  <a:tcPr anchor="ctr" anchorCtr="0"/>
                 </a:tc>
               </a:tr>
-              <a:tr h="304800">
-                <a:tc>
-                  <a:txBody>
-                    <a:bodyPr/>
-                    <a:p>
-                      <a:pPr>
+              <a:tr h="274320">
+                <a:tc>
+                  <a:txBody>
+                    <a:bodyPr/>
+                    <a:p>
+                      <a:pPr algn="ctr">
                         <a:buNone/>
                       </a:pPr>
                       <a:r>
-                        <a:rPr lang="en-US" altLang="zh-CN" sz="1400"/>
-                        <a:t>WORKDIR</a:t>
+                        <a:rPr lang="en-US" altLang="zh-CN" sz="1200"/>
+                        <a:t>ENV</a:t>
                       </a:r>
-                      <a:endParaRPr lang="en-US" altLang="zh-CN" sz="1400"/>
-                    </a:p>
-                  </a:txBody>
-                  <a:tcPr/>
-                </a:tc>
-                <a:tc>
-                  <a:txBody>
-                    <a:bodyPr/>
-                    <a:p>
-                      <a:pPr>
+                      <a:endParaRPr lang="en-US" altLang="zh-CN" sz="1200"/>
+                    </a:p>
+                  </a:txBody>
+                  <a:tcPr anchor="ctr" anchorCtr="0"/>
+                </a:tc>
+                <a:tc>
+                  <a:txBody>
+                    <a:bodyPr/>
+                    <a:p>
+                      <a:pPr algn="ctr">
                         <a:buNone/>
                       </a:pPr>
                       <a:r>
-                        <a:rPr lang="en-US" altLang="zh-CN" sz="1400"/>
-                        <a:t>Work dir in container</a:t>
+                        <a:rPr lang="zh-CN" altLang="en-US" sz="1200"/>
+                        <a:t>set </a:t>
                       </a:r>
-                      <a:endParaRPr lang="en-US" altLang="zh-CN" sz="1400"/>
-                    </a:p>
-                  </a:txBody>
-                  <a:tcPr/>
-                </a:tc>
-                <a:tc>
-                  <a:txBody>
-                    <a:bodyPr/>
-                    <a:p>
-                      <a:pPr marL="0" lvl="1">
-                        <a:buNone/>
-                      </a:pPr>
                       <a:r>
-                        <a:rPr lang="en-US" altLang="zh-CN" sz="1400">
+                        <a:rPr lang="en-US" altLang="zh-CN" sz="1200"/>
+                        <a:t>e</a:t>
+                      </a:r>
+                      <a:r>
+                        <a:rPr lang="zh-CN" altLang="en-US" sz="1200"/>
+                        <a:t>nvironment </a:t>
+                      </a:r>
+                      <a:r>
+                        <a:rPr lang="en-US" altLang="zh-CN" sz="1200"/>
+                        <a:t>v</a:t>
+                      </a:r>
+                      <a:r>
+                        <a:rPr lang="zh-CN" altLang="en-US" sz="1200"/>
+                        <a:t>ariables with key and value</a:t>
+                      </a:r>
+                      <a:endParaRPr lang="zh-CN" altLang="en-US" sz="1200"/>
+                    </a:p>
+                  </a:txBody>
+                  <a:tcPr anchor="ctr" anchorCtr="0"/>
+                </a:tc>
+                <a:tc>
+                  <a:txBody>
+                    <a:bodyPr/>
+                    <a:p>
+                      <a:pPr algn="ctr">
+                        <a:buNone/>
+                      </a:pPr>
+                      <a:r>
+                        <a:rPr lang="zh-CN" altLang="en-US" sz="1200"/>
+                        <a:t>ENV workdirectory /usr/node</a:t>
+                      </a:r>
+                      <a:endParaRPr lang="zh-CN" altLang="en-US" sz="1200"/>
+                    </a:p>
+                  </a:txBody>
+                  <a:tcPr anchor="ctr" anchorCtr="0"/>
+                </a:tc>
+              </a:tr>
+              <a:tr h="300355">
+                <a:tc>
+                  <a:txBody>
+                    <a:bodyPr/>
+                    <a:p>
+                      <a:pPr algn="ctr">
+                        <a:buNone/>
+                      </a:pPr>
+                      <a:r>
+                        <a:rPr lang="en-US" altLang="zh-CN" sz="1200"/>
+                        <a:t>ADD</a:t>
+                      </a:r>
+                      <a:endParaRPr lang="en-US" altLang="zh-CN" sz="1200"/>
+                    </a:p>
+                  </a:txBody>
+                  <a:tcPr anchor="ctr" anchorCtr="0"/>
+                </a:tc>
+                <a:tc>
+                  <a:txBody>
+                    <a:bodyPr/>
+                    <a:p>
+                      <a:pPr algn="ctr">
+                        <a:buNone/>
+                      </a:pPr>
+                      <a:r>
+                        <a:rPr lang="en-US" altLang="zh-CN" sz="1200"/>
+                        <a:t>c</a:t>
+                      </a:r>
+                      <a:r>
+                        <a:rPr lang="zh-CN" altLang="en-US" sz="1200"/>
+                        <a:t>opies a file and directory from your host to Docker image</a:t>
+                      </a:r>
+                      <a:r>
+                        <a:rPr lang="en-US" altLang="zh-CN" sz="1200"/>
+                        <a:t>, can from URL</a:t>
+                      </a:r>
+                      <a:endParaRPr lang="en-US" altLang="zh-CN" sz="1200"/>
+                    </a:p>
+                  </a:txBody>
+                  <a:tcPr anchor="ctr" anchorCtr="0"/>
+                </a:tc>
+                <a:tc>
+                  <a:txBody>
+                    <a:bodyPr/>
+                    <a:p>
+                      <a:pPr algn="ctr">
+                        <a:buNone/>
+                      </a:pPr>
+                      <a:r>
+                        <a:rPr lang="zh-CN" altLang="en-US" sz="1200"/>
+                        <a:t>ADD java/jdk-8u231-linux-x64.tar /opt/jdk/</a:t>
+                      </a:r>
+                      <a:endParaRPr lang="zh-CN" altLang="en-US" sz="1200"/>
+                    </a:p>
+                  </a:txBody>
+                  <a:tcPr anchor="ctr" anchorCtr="0"/>
+                </a:tc>
+              </a:tr>
+              <a:tr h="300355">
+                <a:tc>
+                  <a:txBody>
+                    <a:bodyPr/>
+                    <a:p>
+                      <a:pPr algn="ctr">
+                        <a:buNone/>
+                      </a:pPr>
+                      <a:r>
+                        <a:rPr lang="en-US" altLang="zh-CN" sz="1200"/>
+                        <a:t>COPY</a:t>
+                      </a:r>
+                      <a:endParaRPr lang="en-US" altLang="zh-CN" sz="1200"/>
+                    </a:p>
+                  </a:txBody>
+                  <a:tcPr anchor="ctr" anchorCtr="0"/>
+                </a:tc>
+                <a:tc>
+                  <a:txBody>
+                    <a:bodyPr/>
+                    <a:p>
+                      <a:pPr algn="ctr">
+                        <a:buNone/>
+                      </a:pPr>
+                      <a:r>
+                        <a:rPr lang="en-US" altLang="zh-CN" sz="1200">
                           <a:sym typeface="+mn-ea"/>
                         </a:rPr>
-                        <a:t>WORKDIR {dirname}</a:t>
+                        <a:t>c</a:t>
                       </a:r>
-                      <a:endParaRPr lang="en-US" altLang="zh-CN" sz="1400">
+                      <a:r>
+                        <a:rPr lang="zh-CN" altLang="en-US" sz="1200">
+                          <a:sym typeface="+mn-ea"/>
+                        </a:rPr>
+                        <a:t>opies a file and directory from your host to Docker image</a:t>
+                      </a:r>
+                      <a:r>
+                        <a:rPr lang="en-US" altLang="zh-CN" sz="1200">
+                          <a:sym typeface="+mn-ea"/>
+                        </a:rPr>
+                        <a:t>, can from URL</a:t>
+                      </a:r>
+                      <a:endParaRPr lang="en-US" altLang="zh-CN" sz="1200">
                         <a:sym typeface="+mn-ea"/>
                       </a:endParaRPr>
                     </a:p>
                   </a:txBody>
-                  <a:tcPr/>
+                  <a:tcPr anchor="ctr" anchorCtr="0"/>
+                </a:tc>
+                <a:tc>
+                  <a:txBody>
+                    <a:bodyPr/>
+                    <a:p>
+                      <a:pPr algn="ctr">
+                        <a:buNone/>
+                      </a:pPr>
+                      <a:r>
+                        <a:rPr lang="zh-CN" altLang="en-US" sz="1200"/>
+                        <a:t>COPY package*.json ./</a:t>
+                      </a:r>
+                      <a:endParaRPr lang="zh-CN" altLang="en-US" sz="1200"/>
+                    </a:p>
+                  </a:txBody>
+                  <a:tcPr anchor="ctr" anchorCtr="0"/>
                 </a:tc>
               </a:tr>
-              <a:tr h="304800">
-                <a:tc>
-                  <a:txBody>
-                    <a:bodyPr/>
-                    <a:p>
-                      <a:pPr>
+              <a:tr h="299720">
+                <a:tc>
+                  <a:txBody>
+                    <a:bodyPr/>
+                    <a:p>
+                      <a:pPr algn="ctr">
                         <a:buNone/>
                       </a:pPr>
                       <a:r>
-                        <a:rPr lang="en-US" altLang="zh-CN" sz="1400"/>
-                        <a:t>COPY</a:t>
+                        <a:rPr lang="en-US" altLang="zh-CN" sz="1200"/>
+                        <a:t>ENTRYPOINT </a:t>
                       </a:r>
-                      <a:endParaRPr lang="en-US" altLang="zh-CN" sz="1400"/>
-                    </a:p>
-                  </a:txBody>
-                  <a:tcPr/>
-                </a:tc>
-                <a:tc>
-                  <a:txBody>
-                    <a:bodyPr/>
-                    <a:p>
-                      <a:pPr>
+                      <a:endParaRPr lang="en-US" altLang="zh-CN" sz="1200"/>
+                    </a:p>
+                  </a:txBody>
+                  <a:tcPr anchor="ctr" anchorCtr="0"/>
+                </a:tc>
+                <a:tc>
+                  <a:txBody>
+                    <a:bodyPr/>
+                    <a:p>
+                      <a:pPr algn="ctr">
                         <a:buNone/>
                       </a:pPr>
                       <a:r>
-                        <a:rPr lang="en-US" altLang="zh-CN" sz="1400"/>
-                        <a:t>Copy local files into container. Preferred than “ADD”</a:t>
+                        <a:rPr lang="en-US" altLang="zh-CN" sz="1200"/>
+                        <a:t>specifies a commands that will executes when the Docker container starts</a:t>
                       </a:r>
-                      <a:endParaRPr lang="en-US" altLang="zh-CN" sz="1400"/>
-                    </a:p>
-                  </a:txBody>
-                  <a:tcPr/>
-                </a:tc>
-                <a:tc>
-                  <a:txBody>
-                    <a:bodyPr/>
-                    <a:p>
-                      <a:pPr>
-                        <a:buNone/>
-                      </a:pPr>
-                      <a:endParaRPr lang="zh-CN" altLang="en-US" sz="1400"/>
-                    </a:p>
-                  </a:txBody>
-                  <a:tcPr/>
+                      <a:endParaRPr lang="en-US" altLang="zh-CN" sz="1200"/>
+                    </a:p>
+                  </a:txBody>
+                  <a:tcPr anchor="ctr" anchorCtr="0"/>
+                </a:tc>
+                <a:tc>
+                  <a:txBody>
+                    <a:bodyPr/>
+                    <a:p>
+                      <a:pPr algn="ctr">
+                        <a:buNone/>
+                      </a:pPr>
+                      <a:r>
+                        <a:rPr lang="zh-CN" altLang="en-US" sz="1200"/>
+                        <a:t>ENTRYPOINT ["ls"]</a:t>
+                      </a:r>
+                      <a:endParaRPr lang="zh-CN" altLang="en-US" sz="1200"/>
+                    </a:p>
+                  </a:txBody>
+                  <a:tcPr anchor="ctr" anchorCtr="0"/>
                 </a:tc>
               </a:tr>
-              <a:tr h="304800">
-                <a:tc>
-                  <a:txBody>
-                    <a:bodyPr/>
-                    <a:p>
-                      <a:pPr>
+              <a:tr h="274320">
+                <a:tc>
+                  <a:txBody>
+                    <a:bodyPr/>
+                    <a:p>
+                      <a:pPr algn="ctr">
                         <a:buNone/>
                       </a:pPr>
                       <a:r>
-                        <a:rPr lang="en-US" altLang="zh-CN" sz="1400"/>
-                        <a:t>RUN</a:t>
+                        <a:rPr lang="en-US" altLang="zh-CN" sz="1200"/>
+                        <a:t>VOLUME </a:t>
                       </a:r>
-                      <a:endParaRPr lang="en-US" altLang="zh-CN" sz="1400"/>
-                    </a:p>
-                  </a:txBody>
-                  <a:tcPr/>
-                </a:tc>
-                <a:tc>
-                  <a:txBody>
-                    <a:bodyPr/>
-                    <a:p>
-                      <a:pPr>
+                      <a:endParaRPr lang="en-US" altLang="zh-CN" sz="1200"/>
+                    </a:p>
+                  </a:txBody>
+                  <a:tcPr anchor="ctr" anchorCtr="0"/>
+                </a:tc>
+                <a:tc>
+                  <a:txBody>
+                    <a:bodyPr/>
+                    <a:p>
+                      <a:pPr algn="ctr">
                         <a:buNone/>
                       </a:pPr>
                       <a:r>
-                        <a:rPr lang="en-US" altLang="zh-CN" sz="1400"/>
-                        <a:t>Mainly used to install new package</a:t>
+                        <a:rPr lang="en-US" altLang="zh-CN" sz="1200"/>
+                        <a:t>create or mount volume to docker container</a:t>
                       </a:r>
-                      <a:endParaRPr lang="en-US" altLang="zh-CN" sz="1400"/>
-                    </a:p>
-                  </a:txBody>
-                  <a:tcPr/>
-                </a:tc>
-                <a:tc>
-                  <a:txBody>
-                    <a:bodyPr/>
-                    <a:p>
-                      <a:pPr>
-                        <a:buNone/>
-                      </a:pPr>
-                      <a:endParaRPr lang="zh-CN" altLang="en-US" sz="1400"/>
-                    </a:p>
-                  </a:txBody>
-                  <a:tcPr/>
+                      <a:endParaRPr lang="en-US" altLang="zh-CN" sz="1200"/>
+                    </a:p>
+                  </a:txBody>
+                  <a:tcPr anchor="ctr" anchorCtr="0"/>
+                </a:tc>
+                <a:tc>
+                  <a:txBody>
+                    <a:bodyPr/>
+                    <a:p>
+                      <a:pPr algn="ctr">
+                        <a:buNone/>
+                      </a:pPr>
+                      <a:r>
+                        <a:rPr lang="zh-CN" altLang="en-US" sz="1200"/>
+                        <a:t>VOLUME /node</a:t>
+                      </a:r>
+                      <a:endParaRPr lang="zh-CN" altLang="en-US" sz="1200"/>
+                    </a:p>
+                  </a:txBody>
+                  <a:tcPr anchor="ctr" anchorCtr="0"/>
                 </a:tc>
               </a:tr>
-              <a:tr h="304800">
-                <a:tc>
-                  <a:txBody>
-                    <a:bodyPr/>
-                    <a:p>
-                      <a:pPr>
+              <a:tr h="274320">
+                <a:tc>
+                  <a:txBody>
+                    <a:bodyPr/>
+                    <a:p>
+                      <a:pPr algn="ctr">
                         <a:buNone/>
                       </a:pPr>
                       <a:r>
-                        <a:rPr lang="en-US" altLang="zh-CN" sz="1400"/>
-                        <a:t>CMD</a:t>
+                        <a:rPr lang="en-US" altLang="zh-CN" sz="1200"/>
+                        <a:t>USER </a:t>
                       </a:r>
-                      <a:endParaRPr lang="en-US" altLang="zh-CN" sz="1400"/>
-                    </a:p>
-                  </a:txBody>
-                  <a:tcPr/>
-                </a:tc>
-                <a:tc>
-                  <a:txBody>
-                    <a:bodyPr/>
-                    <a:p>
-                      <a:pPr marL="0" lvl="2">
+                      <a:endParaRPr lang="en-US" altLang="zh-CN" sz="1200"/>
+                    </a:p>
+                  </a:txBody>
+                  <a:tcPr anchor="ctr" anchorCtr="0"/>
+                </a:tc>
+                <a:tc>
+                  <a:txBody>
+                    <a:bodyPr/>
+                    <a:p>
+                      <a:pPr algn="ctr">
                         <a:buNone/>
                       </a:pPr>
                       <a:r>
-                        <a:rPr lang="en-US" altLang="zh-CN" sz="1400">
-                          <a:sym typeface="+mn-ea"/>
-                        </a:rPr>
-                        <a:t>Specify the commands to run within the container. Only one CMD can be executed per Dockerfile.</a:t>
+                        <a:rPr lang="en-US" altLang="zh-CN" sz="1200"/>
+                        <a:t>set the user name and UID when running container</a:t>
                       </a:r>
-                      <a:endParaRPr lang="en-US" altLang="zh-CN" sz="1400">
-                        <a:sym typeface="+mn-ea"/>
-                      </a:endParaRPr>
-                    </a:p>
-                  </a:txBody>
-                  <a:tcPr/>
-                </a:tc>
-                <a:tc>
-                  <a:txBody>
-                    <a:bodyPr/>
-                    <a:p>
-                      <a:pPr marL="0" lvl="2">
+                      <a:endParaRPr lang="en-US" altLang="zh-CN" sz="1200"/>
+                    </a:p>
+                  </a:txBody>
+                  <a:tcPr anchor="ctr" anchorCtr="0"/>
+                </a:tc>
+                <a:tc>
+                  <a:txBody>
+                    <a:bodyPr/>
+                    <a:p>
+                      <a:pPr algn="ctr">
                         <a:buNone/>
                       </a:pPr>
                       <a:r>
-                        <a:rPr lang="en-US" altLang="zh-CN" sz="1400">
-                          <a:sym typeface="+mn-ea"/>
-                        </a:rPr>
-                        <a:t>CMD [“echo”, “Image created”]</a:t>
+                        <a:rPr lang="zh-CN" altLang="en-US" sz="1200"/>
+                        <a:t>USER admin</a:t>
                       </a:r>
-                      <a:endParaRPr lang="en-US" altLang="zh-CN" sz="1400">
-                        <a:sym typeface="+mn-ea"/>
-                      </a:endParaRPr>
-                    </a:p>
-                  </a:txBody>
-                  <a:tcPr/>
+                      <a:endParaRPr lang="zh-CN" altLang="en-US" sz="1200"/>
+                    </a:p>
+                  </a:txBody>
+                  <a:tcPr anchor="ctr" anchorCtr="0"/>
                 </a:tc>
               </a:tr>
-              <a:tr h="304800">
-                <a:tc>
-                  <a:txBody>
-                    <a:bodyPr/>
-                    <a:p>
-                      <a:pPr>
+              <a:tr h="274320">
+                <a:tc>
+                  <a:txBody>
+                    <a:bodyPr/>
+                    <a:p>
+                      <a:pPr algn="ctr">
                         <a:buNone/>
                       </a:pPr>
                       <a:r>
-                        <a:rPr lang="en-US" altLang="zh-CN" sz="1400"/>
-                        <a:t>MAINTAINER</a:t>
+                        <a:rPr lang="en-US" altLang="zh-CN" sz="1200"/>
+                        <a:t>WORKDIR </a:t>
                       </a:r>
-                      <a:endParaRPr lang="en-US" altLang="zh-CN" sz="1400"/>
-                    </a:p>
-                  </a:txBody>
-                  <a:tcPr/>
-                </a:tc>
-                <a:tc>
-                  <a:txBody>
-                    <a:bodyPr/>
-                    <a:p>
-                      <a:pPr>
-                        <a:buNone/>
-                      </a:pPr>
-                      <a:endParaRPr lang="zh-CN" altLang="en-US" sz="1400"/>
-                    </a:p>
-                  </a:txBody>
-                  <a:tcPr/>
-                </a:tc>
-                <a:tc>
-                  <a:txBody>
-                    <a:bodyPr/>
-                    <a:p>
-                      <a:pPr>
-                        <a:buNone/>
-                      </a:pPr>
-                      <a:endParaRPr lang="zh-CN" altLang="en-US" sz="1400"/>
-                    </a:p>
-                  </a:txBody>
-                  <a:tcPr/>
+                      <a:endParaRPr lang="en-US" altLang="zh-CN" sz="1200"/>
+                    </a:p>
+                  </a:txBody>
+                  <a:tcPr anchor="ctr" anchorCtr="0"/>
+                </a:tc>
+                <a:tc>
+                  <a:txBody>
+                    <a:bodyPr/>
+                    <a:p>
+                      <a:pPr algn="ctr">
+                        <a:buNone/>
+                      </a:pPr>
+                      <a:r>
+                        <a:rPr lang="en-US" altLang="zh-CN" sz="1200"/>
+                        <a:t>set the working directory</a:t>
+                      </a:r>
+                      <a:endParaRPr lang="en-US" altLang="zh-CN" sz="1200"/>
+                    </a:p>
+                  </a:txBody>
+                  <a:tcPr anchor="ctr" anchorCtr="0"/>
+                </a:tc>
+                <a:tc>
+                  <a:txBody>
+                    <a:bodyPr/>
+                    <a:p>
+                      <a:pPr algn="ctr">
+                        <a:buNone/>
+                      </a:pPr>
+                      <a:r>
+                        <a:rPr lang="zh-CN" altLang="en-US" sz="1200"/>
+                        <a:t>WORKDIR /nodejsapp</a:t>
+                      </a:r>
+                      <a:endParaRPr lang="zh-CN" altLang="en-US" sz="1200"/>
+                    </a:p>
+                  </a:txBody>
+                  <a:tcPr anchor="ctr" anchorCtr="0"/>
                 </a:tc>
               </a:tr>
-              <a:tr h="304800">
-                <a:tc>
-                  <a:txBody>
-                    <a:bodyPr/>
-                    <a:p>
-                      <a:pPr>
+              <a:tr h="274320">
+                <a:tc>
+                  <a:txBody>
+                    <a:bodyPr/>
+                    <a:p>
+                      <a:pPr algn="ctr">
                         <a:buNone/>
                       </a:pPr>
                       <a:r>
-                        <a:rPr lang="en-US" altLang="zh-CN" sz="1400"/>
-                        <a:t>ENV</a:t>
+                        <a:rPr lang="en-US" altLang="zh-CN" sz="1200"/>
+                        <a:t>ARG </a:t>
                       </a:r>
-                      <a:endParaRPr lang="en-US" altLang="zh-CN" sz="1400"/>
-                    </a:p>
-                  </a:txBody>
-                  <a:tcPr/>
-                </a:tc>
-                <a:tc>
-                  <a:txBody>
-                    <a:bodyPr/>
-                    <a:p>
-                      <a:pPr>
+                      <a:endParaRPr lang="en-US" altLang="zh-CN" sz="1200"/>
+                    </a:p>
+                  </a:txBody>
+                  <a:tcPr anchor="ctr" anchorCtr="0"/>
+                </a:tc>
+                <a:tc>
+                  <a:txBody>
+                    <a:bodyPr/>
+                    <a:p>
+                      <a:pPr algn="ctr">
                         <a:buNone/>
                       </a:pPr>
                       <a:r>
-                        <a:rPr lang="en-US" altLang="zh-CN" sz="1400"/>
-                        <a:t>Set environment variable</a:t>
+                        <a:rPr lang="en-US" altLang="zh-CN" sz="1200"/>
+                        <a:t>set Environment variables with key and value during the image build</a:t>
                       </a:r>
-                      <a:endParaRPr lang="en-US" altLang="zh-CN" sz="1400"/>
-                    </a:p>
-                  </a:txBody>
-                  <a:tcPr/>
-                </a:tc>
-                <a:tc>
-                  <a:txBody>
-                    <a:bodyPr/>
-                    <a:p>
-                      <a:pPr marL="0" lvl="1">
+                      <a:endParaRPr lang="en-US" altLang="zh-CN" sz="1200"/>
+                    </a:p>
+                  </a:txBody>
+                  <a:tcPr anchor="ctr" anchorCtr="0"/>
+                </a:tc>
+                <a:tc>
+                  <a:txBody>
+                    <a:bodyPr/>
+                    <a:p>
+                      <a:pPr algn="ctr">
                         <a:buNone/>
                       </a:pPr>
                       <a:r>
-                        <a:rPr lang="en-US" altLang="zh-CN" sz="1400">
-                          <a:sym typeface="+mn-ea"/>
-                        </a:rPr>
-                        <a:t>ENV {key1}={value1}</a:t>
+                        <a:rPr lang="zh-CN" altLang="en-US" sz="1200"/>
+                        <a:t>ARG JAVA_PATH=/opt/jdk/jdk1.8.0_251</a:t>
                       </a:r>
-                      <a:endParaRPr lang="en-US" altLang="zh-CN" sz="1400">
-                        <a:sym typeface="+mn-ea"/>
-                      </a:endParaRPr>
-                    </a:p>
-                  </a:txBody>
-                  <a:tcPr/>
-                </a:tc>
-              </a:tr>
-              <a:tr h="304800">
-                <a:tc>
-                  <a:txBody>
-                    <a:bodyPr/>
-                    <a:p>
-                      <a:pPr>
-                        <a:buNone/>
-                      </a:pPr>
-                      <a:r>
-                        <a:rPr lang="en-US" altLang="zh-CN" sz="1400"/>
-                        <a:t>EXPOSE</a:t>
-                      </a:r>
-                      <a:endParaRPr lang="en-US" altLang="zh-CN" sz="1400"/>
-                    </a:p>
-                  </a:txBody>
-                  <a:tcPr/>
-                </a:tc>
-                <a:tc>
-                  <a:txBody>
-                    <a:bodyPr/>
-                    <a:p>
-                      <a:pPr>
-                        <a:buNone/>
-                      </a:pPr>
-                      <a:r>
-                        <a:rPr lang="en-US" altLang="zh-CN" sz="1400">
-                          <a:sym typeface="+mn-ea"/>
-                        </a:rPr>
-                        <a:t>Indicates the ports on which a container listens for</a:t>
-                      </a:r>
-                      <a:endParaRPr lang="en-US" altLang="zh-CN" sz="1400">
-                        <a:sym typeface="+mn-ea"/>
-                      </a:endParaRPr>
-                    </a:p>
-                  </a:txBody>
-                  <a:tcPr/>
-                </a:tc>
-                <a:tc>
-                  <a:txBody>
-                    <a:bodyPr/>
-                    <a:p>
-                      <a:pPr>
-                        <a:buNone/>
-                      </a:pPr>
-                      <a:endParaRPr lang="zh-CN" altLang="en-US" sz="1400"/>
-                    </a:p>
-                  </a:txBody>
-                  <a:tcPr/>
-                </a:tc>
-              </a:tr>
-              <a:tr h="304800">
-                <a:tc>
-                  <a:txBody>
-                    <a:bodyPr/>
-                    <a:p>
-                      <a:pPr>
-                        <a:buNone/>
-                      </a:pPr>
-                      <a:r>
-                        <a:rPr lang="en-US" altLang="zh-CN" sz="1400"/>
-                        <a:t>ENTRYPOINT</a:t>
-                      </a:r>
-                      <a:endParaRPr lang="en-US" altLang="zh-CN" sz="1400"/>
-                    </a:p>
-                  </a:txBody>
-                  <a:tcPr/>
-                </a:tc>
-                <a:tc>
-                  <a:txBody>
-                    <a:bodyPr/>
-                    <a:p>
-                      <a:pPr>
-                        <a:buNone/>
-                      </a:pPr>
-                      <a:r>
-                        <a:rPr lang="en-US" altLang="zh-CN" sz="1400">
-                          <a:sym typeface="+mn-ea"/>
-                        </a:rPr>
-                        <a:t>Set the image's main command</a:t>
-                      </a:r>
-                      <a:endParaRPr lang="en-US" altLang="zh-CN" sz="1400">
-                        <a:sym typeface="+mn-ea"/>
-                      </a:endParaRPr>
-                    </a:p>
-                  </a:txBody>
-                  <a:tcPr/>
-                </a:tc>
-                <a:tc>
-                  <a:txBody>
-                    <a:bodyPr/>
-                    <a:p>
-                      <a:pPr>
-                        <a:buNone/>
-                      </a:pPr>
-                      <a:endParaRPr lang="zh-CN" altLang="en-US" sz="1400"/>
-                    </a:p>
-                  </a:txBody>
-                  <a:tcPr/>
-                </a:tc>
-              </a:tr>
-              <a:tr h="304800">
-                <a:tc>
-                  <a:txBody>
-                    <a:bodyPr/>
-                    <a:p>
-                      <a:pPr>
-                        <a:buNone/>
-                      </a:pPr>
-                      <a:r>
-                        <a:rPr lang="en-US" altLang="zh-CN" sz="1400"/>
-                        <a:t>VOLUME</a:t>
-                      </a:r>
-                      <a:endParaRPr lang="en-US" altLang="zh-CN" sz="1400"/>
-                    </a:p>
-                  </a:txBody>
-                  <a:tcPr/>
-                </a:tc>
-                <a:tc>
-                  <a:txBody>
-                    <a:bodyPr/>
-                    <a:p>
-                      <a:pPr>
-                        <a:buNone/>
-                      </a:pPr>
-                      <a:r>
-                        <a:rPr lang="en-US" altLang="zh-CN" sz="1400">
-                          <a:sym typeface="+mn-ea"/>
-                        </a:rPr>
-                        <a:t>Expose storage area</a:t>
-                      </a:r>
-                      <a:endParaRPr lang="en-US" altLang="zh-CN" sz="1400">
-                        <a:sym typeface="+mn-ea"/>
-                      </a:endParaRPr>
-                    </a:p>
-                  </a:txBody>
-                  <a:tcPr/>
-                </a:tc>
-                <a:tc>
-                  <a:txBody>
-                    <a:bodyPr/>
-                    <a:p>
-                      <a:pPr>
-                        <a:buNone/>
-                      </a:pPr>
-                      <a:endParaRPr lang="zh-CN" altLang="en-US" sz="1400"/>
-                    </a:p>
-                  </a:txBody>
-                  <a:tcPr/>
+                      <a:endParaRPr lang="zh-CN" altLang="en-US" sz="1200"/>
+                    </a:p>
+                  </a:txBody>
+                  <a:tcPr anchor="ctr" anchorCtr="0"/>
                 </a:tc>
               </a:tr>
             </a:tbl>
@@ -6773,7 +6967,7 @@
 </p:sld>
 </file>
 
-<file path=ppt/slides/slide17.xml><?xml version="1.0" encoding="utf-8"?>
+<file path=ppt/slides/slide18.xml><?xml version="1.0" encoding="utf-8"?>
 <p:sld xmlns:a="http://schemas.openxmlformats.org/drawingml/2006/main" xmlns:r="http://schemas.openxmlformats.org/officeDocument/2006/relationships" xmlns:p="http://schemas.openxmlformats.org/presentationml/2006/main">
   <p:cSld>
     <p:spTree>
@@ -7385,7 +7579,7 @@
 </p:sld>
 </file>
 
-<file path=ppt/slides/slide18.xml><?xml version="1.0" encoding="utf-8"?>
+<file path=ppt/slides/slide19.xml><?xml version="1.0" encoding="utf-8"?>
 <p:sld xmlns:a="http://schemas.openxmlformats.org/drawingml/2006/main" xmlns:r="http://schemas.openxmlformats.org/officeDocument/2006/relationships" xmlns:p="http://schemas.openxmlformats.org/presentationml/2006/main">
   <p:cSld>
     <p:spTree>
@@ -7587,148 +7781,6 @@
               <a:t>altime:ro”</a:t>
             </a:r>
             <a:endParaRPr lang="en-US" altLang="zh-CN" sz="1400"/>
-          </a:p>
-        </p:txBody>
-      </p:sp>
-    </p:spTree>
-    <p:custDataLst>
-      <p:tags r:id="rId1"/>
-    </p:custDataLst>
-  </p:cSld>
-  <p:clrMapOvr>
-    <a:masterClrMapping/>
-  </p:clrMapOvr>
-</p:sld>
-</file>
-
-<file path=ppt/slides/slide19.xml><?xml version="1.0" encoding="utf-8"?>
-<p:sld xmlns:a="http://schemas.openxmlformats.org/drawingml/2006/main" xmlns:r="http://schemas.openxmlformats.org/officeDocument/2006/relationships" xmlns:p="http://schemas.openxmlformats.org/presentationml/2006/main">
-  <p:cSld>
-    <p:spTree>
-      <p:nvGrpSpPr>
-        <p:cNvPr id="1" name=""/>
-        <p:cNvGrpSpPr/>
-        <p:nvPr/>
-      </p:nvGrpSpPr>
-      <p:grpSpPr/>
-      <p:sp>
-        <p:nvSpPr>
-          <p:cNvPr id="2" name="标题 1"/>
-          <p:cNvSpPr>
-            <a:spLocks noGrp="1"/>
-          </p:cNvSpPr>
-          <p:nvPr>
-            <p:ph type="title"/>
-          </p:nvPr>
-        </p:nvSpPr>
-        <p:spPr/>
-        <p:txBody>
-          <a:bodyPr/>
-          <a:p>
-            <a:r>
-              <a:rPr lang="en-US" altLang="zh-CN"/>
-              <a:t>Docker Machine</a:t>
-            </a:r>
-            <a:endParaRPr lang="en-US" altLang="zh-CN"/>
-          </a:p>
-        </p:txBody>
-      </p:sp>
-      <p:sp>
-        <p:nvSpPr>
-          <p:cNvPr id="3" name="内容占位符 2"/>
-          <p:cNvSpPr>
-            <a:spLocks noGrp="1"/>
-          </p:cNvSpPr>
-          <p:nvPr>
-            <p:ph idx="1"/>
-          </p:nvPr>
-        </p:nvSpPr>
-        <p:spPr/>
-        <p:txBody>
-          <a:bodyPr/>
-          <a:p>
-            <a:pPr lvl="0"/>
-            <a:r>
-              <a:rPr lang="en-US" altLang="zh-CN" sz="2400">
-                <a:sym typeface="+mn-ea"/>
-              </a:rPr>
-              <a:t>docker-machine commands</a:t>
-            </a:r>
-            <a:endParaRPr lang="en-US" altLang="zh-CN" sz="2400"/>
-          </a:p>
-          <a:p>
-            <a:pPr lvl="1"/>
-            <a:r>
-              <a:rPr lang="en-US" altLang="zh-CN" sz="2400">
-                <a:sym typeface="+mn-ea"/>
-              </a:rPr>
-              <a:t>docker-machine create  -d virtualbox {machine-name}</a:t>
-            </a:r>
-            <a:endParaRPr lang="en-US" altLang="zh-CN" sz="2400">
-              <a:sym typeface="+mn-ea"/>
-            </a:endParaRPr>
-          </a:p>
-          <a:p>
-            <a:pPr lvl="2"/>
-            <a:r>
-              <a:rPr lang="en-US" altLang="zh-CN" sz="2160">
-                <a:sym typeface="+mn-ea"/>
-              </a:rPr>
-              <a:t>-d/--driver: which provider the machine should be created on (VirtualBox, DigitalOcean, AWS, etc.)</a:t>
-            </a:r>
-            <a:endParaRPr lang="en-US" altLang="zh-CN" sz="2160"/>
-          </a:p>
-          <a:p>
-            <a:pPr lvl="1"/>
-            <a:r>
-              <a:rPr lang="en-US" altLang="zh-CN" sz="2400">
-                <a:sym typeface="+mn-ea"/>
-              </a:rPr>
-              <a:t>eval $(docker-machine env dev)</a:t>
-            </a:r>
-            <a:endParaRPr lang="en-US" altLang="zh-CN" sz="2400">
-              <a:sym typeface="+mn-ea"/>
-            </a:endParaRPr>
-          </a:p>
-          <a:p>
-            <a:pPr lvl="1" algn="l">
-              <a:buClrTx/>
-              <a:buSzTx/>
-            </a:pPr>
-            <a:r>
-              <a:rPr lang="en-US" altLang="zh-CN" sz="2400">
-                <a:sym typeface="+mn-ea"/>
-              </a:rPr>
-              <a:t>docker-machine ls</a:t>
-            </a:r>
-            <a:endParaRPr lang="en-US" altLang="zh-CN" sz="2400"/>
-          </a:p>
-          <a:p>
-            <a:pPr lvl="1"/>
-            <a:r>
-              <a:rPr lang="en-US" altLang="zh-CN" sz="2400"/>
-              <a:t>docker-machine ip default</a:t>
-            </a:r>
-            <a:endParaRPr lang="en-US" altLang="zh-CN" sz="2400"/>
-          </a:p>
-          <a:p>
-            <a:pPr lvl="1"/>
-            <a:r>
-              <a:rPr lang="en-US" altLang="zh-CN" sz="2400"/>
-              <a:t>docker-machine start {docker-machine-name}</a:t>
-            </a:r>
-            <a:endParaRPr lang="en-US" altLang="zh-CN" sz="2400"/>
-          </a:p>
-          <a:p>
-            <a:pPr lvl="1"/>
-            <a:r>
-              <a:rPr lang="en-US" altLang="zh-CN" sz="2400"/>
-              <a:t>eval "$(docker-machine env dev)"	# make a machine active</a:t>
-            </a:r>
-            <a:endParaRPr lang="en-US" altLang="zh-CN" sz="2400"/>
-          </a:p>
-          <a:p>
-            <a:endParaRPr lang="zh-CN" altLang="en-US"/>
           </a:p>
         </p:txBody>
       </p:sp>
@@ -7811,6 +7863,24 @@
               </a:rPr>
               <a:t>https://www.tutorialspoint.com/docker/</a:t>
             </a:r>
+            <a:endParaRPr lang="zh-CN" altLang="en-US">
+              <a:sym typeface="+mn-ea"/>
+            </a:endParaRPr>
+          </a:p>
+          <a:p>
+            <a:pPr lvl="1"/>
+            <a:r>
+              <a:rPr lang="zh-CN" altLang="en-US"/>
+              <a:t>https://runnable.com/blog/9-common-dockerfile-mistakes</a:t>
+            </a:r>
+            <a:endParaRPr lang="zh-CN" altLang="en-US"/>
+          </a:p>
+          <a:p>
+            <a:pPr lvl="1"/>
+            <a:r>
+              <a:rPr lang="zh-CN" altLang="en-US"/>
+              <a:t>https://www.digitalocean.com/community/tutorials/how-to-debug-and-fix-common-docker-issues</a:t>
+            </a:r>
             <a:endParaRPr lang="zh-CN" altLang="en-US"/>
           </a:p>
           <a:p>
@@ -7856,7 +7926,7 @@
           <a:p>
             <a:r>
               <a:rPr lang="en-US" altLang="zh-CN"/>
-              <a:t>Alpine</a:t>
+              <a:t>Docker Machine</a:t>
             </a:r>
             <a:endParaRPr lang="en-US" altLang="zh-CN"/>
           </a:p>
@@ -7876,19 +7946,88 @@
         <p:txBody>
           <a:bodyPr/>
           <a:p>
-            <a:r>
-              <a:rPr lang="en-US" altLang="zh-CN"/>
-              <a:t>Intro</a:t>
-            </a:r>
-            <a:endParaRPr lang="en-US" altLang="zh-CN"/>
+            <a:pPr lvl="0"/>
+            <a:r>
+              <a:rPr lang="en-US" altLang="zh-CN" sz="2400">
+                <a:sym typeface="+mn-ea"/>
+              </a:rPr>
+              <a:t>docker-machine commands</a:t>
+            </a:r>
+            <a:endParaRPr lang="en-US" altLang="zh-CN" sz="2400"/>
           </a:p>
           <a:p>
             <a:pPr lvl="1"/>
             <a:r>
-              <a:rPr lang="en-US" altLang="zh-CN"/>
-              <a:t>a minimal docker image based on Alpine Linux with a complete package index and only 5MB in size</a:t>
-            </a:r>
-            <a:endParaRPr lang="en-US" altLang="zh-CN"/>
+              <a:rPr lang="en-US" altLang="zh-CN" sz="2400">
+                <a:sym typeface="+mn-ea"/>
+              </a:rPr>
+              <a:t>docker-machine create  -d virtualbox {machine-name}</a:t>
+            </a:r>
+            <a:endParaRPr lang="en-US" altLang="zh-CN" sz="2400">
+              <a:sym typeface="+mn-ea"/>
+            </a:endParaRPr>
+          </a:p>
+          <a:p>
+            <a:pPr lvl="2"/>
+            <a:r>
+              <a:rPr lang="en-US" altLang="zh-CN" sz="2160">
+                <a:sym typeface="+mn-ea"/>
+              </a:rPr>
+              <a:t>-d/--driver: which provider the machine should be created on (VirtualBox, DigitalOcean, AWS, etc.)</a:t>
+            </a:r>
+            <a:endParaRPr lang="en-US" altLang="zh-CN" sz="2160"/>
+          </a:p>
+          <a:p>
+            <a:pPr lvl="1"/>
+            <a:r>
+              <a:rPr lang="en-US" altLang="zh-CN" sz="2400">
+                <a:sym typeface="+mn-ea"/>
+              </a:rPr>
+              <a:t>eval $(docker-machine env dev)</a:t>
+            </a:r>
+            <a:endParaRPr lang="en-US" altLang="zh-CN" sz="2400">
+              <a:sym typeface="+mn-ea"/>
+            </a:endParaRPr>
+          </a:p>
+          <a:p>
+            <a:pPr lvl="1" algn="l">
+              <a:buClrTx/>
+              <a:buSzTx/>
+            </a:pPr>
+            <a:r>
+              <a:rPr lang="en-US" altLang="zh-CN" sz="2400">
+                <a:sym typeface="+mn-ea"/>
+              </a:rPr>
+              <a:t>docker-machine ls</a:t>
+            </a:r>
+            <a:endParaRPr lang="en-US" altLang="zh-CN" sz="2400"/>
+          </a:p>
+          <a:p>
+            <a:pPr lvl="1"/>
+            <a:r>
+              <a:rPr lang="en-US" altLang="zh-CN" sz="2400"/>
+              <a:t>docker-machine ip default</a:t>
+            </a:r>
+            <a:endParaRPr lang="en-US" altLang="zh-CN" sz="2400"/>
+          </a:p>
+          <a:p>
+            <a:pPr lvl="1"/>
+            <a:r>
+              <a:rPr lang="en-US" altLang="zh-CN" sz="2400"/>
+              <a:t>docker-machine start {docker-machine-name}</a:t>
+            </a:r>
+            <a:endParaRPr lang="en-US" altLang="zh-CN" sz="2400"/>
+          </a:p>
+          <a:p>
+            <a:pPr lvl="1"/>
+            <a:r>
+              <a:rPr lang="en-US" altLang="zh-CN" sz="2400"/>
+              <a:t>eval "$(docker-machine env dev)"	# make a machine active</a:t>
+            </a:r>
+            <a:endParaRPr lang="en-US" altLang="zh-CN" sz="2400"/>
+          </a:p>
+          <a:p>
+            <a:endParaRPr lang="zh-CN" altLang="en-US"/>
           </a:p>
         </p:txBody>
       </p:sp>
@@ -7904,6 +8043,79 @@
 </file>
 
 <file path=ppt/slides/slide21.xml><?xml version="1.0" encoding="utf-8"?>
+<p:sld xmlns:a="http://schemas.openxmlformats.org/drawingml/2006/main" xmlns:r="http://schemas.openxmlformats.org/officeDocument/2006/relationships" xmlns:p="http://schemas.openxmlformats.org/presentationml/2006/main">
+  <p:cSld>
+    <p:spTree>
+      <p:nvGrpSpPr>
+        <p:cNvPr id="1" name=""/>
+        <p:cNvGrpSpPr/>
+        <p:nvPr/>
+      </p:nvGrpSpPr>
+      <p:grpSpPr/>
+      <p:sp>
+        <p:nvSpPr>
+          <p:cNvPr id="2" name="标题 1"/>
+          <p:cNvSpPr>
+            <a:spLocks noGrp="1"/>
+          </p:cNvSpPr>
+          <p:nvPr>
+            <p:ph type="title"/>
+          </p:nvPr>
+        </p:nvSpPr>
+        <p:spPr/>
+        <p:txBody>
+          <a:bodyPr/>
+          <a:p>
+            <a:r>
+              <a:rPr lang="en-US" altLang="zh-CN"/>
+              <a:t>Alpine</a:t>
+            </a:r>
+            <a:endParaRPr lang="en-US" altLang="zh-CN"/>
+          </a:p>
+        </p:txBody>
+      </p:sp>
+      <p:sp>
+        <p:nvSpPr>
+          <p:cNvPr id="3" name="内容占位符 2"/>
+          <p:cNvSpPr>
+            <a:spLocks noGrp="1"/>
+          </p:cNvSpPr>
+          <p:nvPr>
+            <p:ph idx="1"/>
+          </p:nvPr>
+        </p:nvSpPr>
+        <p:spPr/>
+        <p:txBody>
+          <a:bodyPr/>
+          <a:p>
+            <a:r>
+              <a:rPr lang="en-US" altLang="zh-CN"/>
+              <a:t>Intro</a:t>
+            </a:r>
+            <a:endParaRPr lang="en-US" altLang="zh-CN"/>
+          </a:p>
+          <a:p>
+            <a:pPr lvl="1"/>
+            <a:r>
+              <a:rPr lang="en-US" altLang="zh-CN"/>
+              <a:t>a minimal docker image based on Alpine Linux with a complete package index and only 5MB in size</a:t>
+            </a:r>
+            <a:endParaRPr lang="en-US" altLang="zh-CN"/>
+          </a:p>
+        </p:txBody>
+      </p:sp>
+    </p:spTree>
+    <p:custDataLst>
+      <p:tags r:id="rId1"/>
+    </p:custDataLst>
+  </p:cSld>
+  <p:clrMapOvr>
+    <a:masterClrMapping/>
+  </p:clrMapOvr>
+</p:sld>
+</file>
+
+<file path=ppt/slides/slide22.xml><?xml version="1.0" encoding="utf-8"?>
 <p:sld xmlns:a="http://schemas.openxmlformats.org/drawingml/2006/main" xmlns:r="http://schemas.openxmlformats.org/officeDocument/2006/relationships" xmlns:p="http://schemas.openxmlformats.org/presentationml/2006/main">
   <p:cSld>
     <p:spTree>
@@ -8069,7 +8281,7 @@
 </p:sld>
 </file>
 
-<file path=ppt/slides/slide22.xml><?xml version="1.0" encoding="utf-8"?>
+<file path=ppt/slides/slide23.xml><?xml version="1.0" encoding="utf-8"?>
 <p:sld xmlns:a="http://schemas.openxmlformats.org/drawingml/2006/main" xmlns:r="http://schemas.openxmlformats.org/officeDocument/2006/relationships" xmlns:p="http://schemas.openxmlformats.org/presentationml/2006/main">
   <p:cSld>
     <p:spTree>
@@ -8149,7 +8361,7 @@
 </p:sld>
 </file>
 
-<file path=ppt/slides/slide23.xml><?xml version="1.0" encoding="utf-8"?>
+<file path=ppt/slides/slide24.xml><?xml version="1.0" encoding="utf-8"?>
 <p:sld xmlns:a="http://schemas.openxmlformats.org/drawingml/2006/main" xmlns:r="http://schemas.openxmlformats.org/officeDocument/2006/relationships" xmlns:p="http://schemas.openxmlformats.org/presentationml/2006/main">
   <p:cSld>
     <p:spTree>
@@ -8274,7 +8486,472 @@
 </p:sld>
 </file>
 
-<file path=ppt/slides/slide24.xml><?xml version="1.0" encoding="utf-8"?>
+<file path=ppt/slides/slide25.xml><?xml version="1.0" encoding="utf-8"?>
+<p:sld xmlns:a="http://schemas.openxmlformats.org/drawingml/2006/main" xmlns:r="http://schemas.openxmlformats.org/officeDocument/2006/relationships" xmlns:p="http://schemas.openxmlformats.org/presentationml/2006/main">
+  <p:cSld>
+    <p:spTree>
+      <p:nvGrpSpPr>
+        <p:cNvPr id="1" name=""/>
+        <p:cNvGrpSpPr/>
+        <p:nvPr/>
+      </p:nvGrpSpPr>
+      <p:grpSpPr/>
+      <p:sp>
+        <p:nvSpPr>
+          <p:cNvPr id="2" name="标题 1"/>
+          <p:cNvSpPr>
+            <a:spLocks noGrp="1"/>
+          </p:cNvSpPr>
+          <p:nvPr>
+            <p:ph type="title"/>
+          </p:nvPr>
+        </p:nvSpPr>
+        <p:spPr/>
+        <p:txBody>
+          <a:bodyPr/>
+          <a:p>
+            <a:r>
+              <a:rPr lang="en-US" altLang="zh-CN"/>
+              <a:t>GPU Support</a:t>
+            </a:r>
+            <a:endParaRPr lang="en-US" altLang="zh-CN"/>
+          </a:p>
+        </p:txBody>
+      </p:sp>
+      <p:sp>
+        <p:nvSpPr>
+          <p:cNvPr id="3" name="内容占位符 2"/>
+          <p:cNvSpPr>
+            <a:spLocks noGrp="1"/>
+          </p:cNvSpPr>
+          <p:nvPr>
+            <p:ph idx="1"/>
+          </p:nvPr>
+        </p:nvSpPr>
+        <p:spPr>
+          <a:xfrm>
+            <a:off x="838200" y="1211580"/>
+            <a:ext cx="6453505" cy="5386070"/>
+          </a:xfrm>
+        </p:spPr>
+        <p:txBody>
+          <a:bodyPr>
+            <a:normAutofit fontScale="70000"/>
+          </a:bodyPr>
+          <a:p>
+            <a:r>
+              <a:rPr lang="en-US" altLang="zh-CN"/>
+              <a:t>References</a:t>
+            </a:r>
+            <a:endParaRPr lang="en-US" altLang="zh-CN"/>
+          </a:p>
+          <a:p>
+            <a:pPr lvl="1"/>
+            <a:r>
+              <a:rPr lang="en-US" altLang="zh-CN"/>
+              <a:t>https://docs.docker.com/engine/reference/commandline/run/</a:t>
+            </a:r>
+            <a:endParaRPr lang="en-US" altLang="zh-CN"/>
+          </a:p>
+          <a:p>
+            <a:pPr lvl="0"/>
+            <a:r>
+              <a:rPr lang="en-US" altLang="zh-CN"/>
+              <a:t>docker-compose</a:t>
+            </a:r>
+            <a:endParaRPr lang="en-US" altLang="zh-CN"/>
+          </a:p>
+          <a:p>
+            <a:pPr lvl="1"/>
+            <a:r>
+              <a:rPr lang="en-US" altLang="zh-CN"/>
+              <a:t>https://docs.docker.com/compose/gpu-support/</a:t>
+            </a:r>
+            <a:endParaRPr lang="en-US" altLang="zh-CN"/>
+          </a:p>
+          <a:p>
+            <a:pPr lvl="0"/>
+            <a:r>
+              <a:rPr lang="en-US" altLang="zh-CN" sz="2400"/>
+              <a:t>docker</a:t>
+            </a:r>
+            <a:endParaRPr lang="en-US" altLang="zh-CN" sz="2400"/>
+          </a:p>
+          <a:p>
+            <a:pPr lvl="1"/>
+            <a:r>
+              <a:rPr lang="en-US" altLang="zh-CN" sz="2000"/>
+              <a:t>install driver in host OS</a:t>
+            </a:r>
+            <a:endParaRPr lang="en-US" altLang="zh-CN" sz="2000"/>
+          </a:p>
+          <a:p>
+            <a:pPr lvl="2"/>
+            <a:r>
+              <a:rPr lang="en-US" altLang="zh-CN"/>
+              <a:t>https://docs.nvidia.com/datacenter/tesla/tesla-installation-notes/index.html#ubuntu-lts</a:t>
+            </a:r>
+            <a:endParaRPr lang="en-US" altLang="zh-CN" sz="1800"/>
+          </a:p>
+          <a:p>
+            <a:pPr lvl="2"/>
+            <a:r>
+              <a:rPr lang="en-US" altLang="zh-CN"/>
+              <a:t>sudo apt-get install linux-headers-$(uname -r)</a:t>
+            </a:r>
+            <a:endParaRPr lang="en-US" altLang="zh-CN" sz="1800"/>
+          </a:p>
+          <a:p>
+            <a:pPr lvl="2"/>
+            <a:r>
+              <a:rPr lang="en-US" altLang="zh-CN"/>
+              <a:t>distribution=$(. /etc/os-release;echo $ID$VERSION_ID | sed -e 's/\.//g')</a:t>
+            </a:r>
+            <a:endParaRPr lang="en-US" altLang="zh-CN" sz="1800"/>
+          </a:p>
+          <a:p>
+            <a:pPr lvl="2"/>
+            <a:r>
+              <a:rPr lang="en-US" altLang="zh-CN"/>
+              <a:t>wget https://developer.download.nvidia.com/compute/cuda/repos/$distribution/x86_64/cuda-keyring_1.0-1_all.deb</a:t>
+            </a:r>
+            <a:endParaRPr lang="en-US" altLang="zh-CN" sz="1800"/>
+          </a:p>
+          <a:p>
+            <a:pPr lvl="2"/>
+            <a:r>
+              <a:rPr lang="en-US" altLang="zh-CN"/>
+              <a:t>sudo dpkg -i cuda-keyring_1.0-1_all.deb</a:t>
+            </a:r>
+            <a:endParaRPr lang="en-US" altLang="zh-CN" sz="1800"/>
+          </a:p>
+          <a:p>
+            <a:pPr lvl="2"/>
+            <a:r>
+              <a:rPr lang="en-US" altLang="zh-CN"/>
+              <a:t>sudo apt-get update</a:t>
+            </a:r>
+            <a:endParaRPr lang="en-US" altLang="zh-CN" sz="1800"/>
+          </a:p>
+          <a:p>
+            <a:pPr lvl="2"/>
+            <a:r>
+              <a:rPr lang="en-US" altLang="zh-CN"/>
+              <a:t>sudo apt-get -y install cuda-drivers</a:t>
+            </a:r>
+            <a:endParaRPr lang="en-US" altLang="zh-CN"/>
+          </a:p>
+          <a:p>
+            <a:pPr lvl="2"/>
+            <a:r>
+              <a:rPr lang="en-US" altLang="zh-CN"/>
+              <a:t>export PATH=/usr/local/cuda-11.7/bin${PATH:+:${PATH}}</a:t>
+            </a:r>
+            <a:endParaRPr lang="en-US" altLang="zh-CN"/>
+          </a:p>
+          <a:p>
+            <a:pPr lvl="2"/>
+            <a:r>
+              <a:rPr lang="en-US" altLang="zh-CN"/>
+              <a:t>export LD_LIBRARY_PATH=/usr/local/cuda-11.7/lib64\               ${LD_LIBRARY_PATH:+:${LD_LIBRARY_PATH}}</a:t>
+            </a:r>
+            <a:endParaRPr lang="en-US" altLang="zh-CN"/>
+          </a:p>
+          <a:p>
+            <a:pPr lvl="2"/>
+            <a:r>
+              <a:rPr lang="en-US" altLang="zh-CN"/>
+              <a:t>cat /proc/driver/nvidia/version</a:t>
+            </a:r>
+            <a:endParaRPr lang="en-US" altLang="zh-CN"/>
+          </a:p>
+          <a:p>
+            <a:pPr lvl="1"/>
+            <a:endParaRPr lang="en-US" altLang="zh-CN"/>
+          </a:p>
+        </p:txBody>
+      </p:sp>
+      <p:pic>
+        <p:nvPicPr>
+          <p:cNvPr id="5" name="图片 4"/>
+          <p:cNvPicPr>
+            <a:picLocks noChangeAspect="1"/>
+          </p:cNvPicPr>
+          <p:nvPr>
+            <p:custDataLst>
+              <p:tags r:id="rId1"/>
+            </p:custDataLst>
+          </p:nvPr>
+        </p:nvPicPr>
+        <p:blipFill>
+          <a:blip r:embed="rId2"/>
+          <a:stretch>
+            <a:fillRect/>
+          </a:stretch>
+        </p:blipFill>
+        <p:spPr>
+          <a:xfrm>
+            <a:off x="7752080" y="2639060"/>
+            <a:ext cx="3769995" cy="3371215"/>
+          </a:xfrm>
+          <a:prstGeom prst="rect">
+            <a:avLst/>
+          </a:prstGeom>
+        </p:spPr>
+      </p:pic>
+    </p:spTree>
+    <p:custDataLst>
+      <p:tags r:id="rId3"/>
+    </p:custDataLst>
+  </p:cSld>
+  <p:clrMapOvr>
+    <a:masterClrMapping/>
+  </p:clrMapOvr>
+</p:sld>
+</file>
+
+<file path=ppt/slides/slide26.xml><?xml version="1.0" encoding="utf-8"?>
+<p:sld xmlns:a="http://schemas.openxmlformats.org/drawingml/2006/main" xmlns:r="http://schemas.openxmlformats.org/officeDocument/2006/relationships" xmlns:p="http://schemas.openxmlformats.org/presentationml/2006/main">
+  <p:cSld>
+    <p:spTree>
+      <p:nvGrpSpPr>
+        <p:cNvPr id="1" name=""/>
+        <p:cNvGrpSpPr/>
+        <p:nvPr/>
+      </p:nvGrpSpPr>
+      <p:grpSpPr/>
+      <p:sp>
+        <p:nvSpPr>
+          <p:cNvPr id="2" name="标题 1"/>
+          <p:cNvSpPr>
+            <a:spLocks noGrp="1"/>
+          </p:cNvSpPr>
+          <p:nvPr>
+            <p:ph type="title"/>
+          </p:nvPr>
+        </p:nvSpPr>
+        <p:spPr/>
+        <p:txBody>
+          <a:bodyPr/>
+          <a:p>
+            <a:r>
+              <a:rPr lang="en-US" altLang="zh-CN"/>
+              <a:t>tmpfs</a:t>
+            </a:r>
+            <a:endParaRPr lang="en-US" altLang="zh-CN"/>
+          </a:p>
+        </p:txBody>
+      </p:sp>
+      <p:sp>
+        <p:nvSpPr>
+          <p:cNvPr id="3" name="内容占位符 2"/>
+          <p:cNvSpPr>
+            <a:spLocks noGrp="1"/>
+          </p:cNvSpPr>
+          <p:nvPr>
+            <p:ph idx="1"/>
+          </p:nvPr>
+        </p:nvSpPr>
+        <p:spPr>
+          <a:xfrm>
+            <a:off x="838200" y="1211580"/>
+            <a:ext cx="5556885" cy="4549140"/>
+          </a:xfrm>
+        </p:spPr>
+        <p:txBody>
+          <a:bodyPr/>
+          <a:p>
+            <a:r>
+              <a:rPr lang="en-US" altLang="zh-CN"/>
+              <a:t>References</a:t>
+            </a:r>
+            <a:endParaRPr lang="en-US" altLang="zh-CN"/>
+          </a:p>
+          <a:p>
+            <a:pPr lvl="1"/>
+            <a:r>
+              <a:rPr lang="en-US" altLang="zh-CN"/>
+              <a:t>https://docs.docker.com/storage/tmpfs/</a:t>
+            </a:r>
+            <a:endParaRPr lang="en-US" altLang="zh-CN"/>
+          </a:p>
+          <a:p>
+            <a:pPr lvl="0"/>
+            <a:r>
+              <a:rPr lang="en-US" altLang="zh-CN"/>
+              <a:t>Info</a:t>
+            </a:r>
+            <a:endParaRPr lang="en-US" altLang="zh-CN"/>
+          </a:p>
+          <a:p>
+            <a:pPr lvl="1"/>
+            <a:r>
+              <a:rPr lang="en-US" altLang="zh-CN"/>
+              <a:t>only persisted in the host memory</a:t>
+            </a:r>
+            <a:endParaRPr lang="en-US" altLang="zh-CN"/>
+          </a:p>
+          <a:p>
+            <a:pPr lvl="0"/>
+            <a:r>
+              <a:rPr lang="en-US" altLang="zh-CN"/>
+              <a:t>Limitations</a:t>
+            </a:r>
+            <a:endParaRPr lang="en-US" altLang="zh-CN"/>
+          </a:p>
+          <a:p>
+            <a:pPr lvl="1"/>
+            <a:r>
+              <a:rPr lang="en-US" altLang="zh-CN"/>
+              <a:t>can’t share tmpfs mounts between containers</a:t>
+            </a:r>
+            <a:endParaRPr lang="en-US" altLang="zh-CN"/>
+          </a:p>
+          <a:p>
+            <a:pPr lvl="1"/>
+            <a:r>
+              <a:rPr lang="en-US" altLang="zh-CN"/>
+              <a:t>only available if you’re running Docker on Linux</a:t>
+            </a:r>
+            <a:endParaRPr lang="en-US" altLang="zh-CN"/>
+          </a:p>
+        </p:txBody>
+      </p:sp>
+      <p:pic>
+        <p:nvPicPr>
+          <p:cNvPr id="100" name="图片 99"/>
+          <p:cNvPicPr/>
+          <p:nvPr/>
+        </p:nvPicPr>
+        <p:blipFill>
+          <a:blip r:embed="rId1"/>
+          <a:stretch>
+            <a:fillRect/>
+          </a:stretch>
+        </p:blipFill>
+        <p:spPr>
+          <a:xfrm>
+            <a:off x="6506210" y="981710"/>
+            <a:ext cx="5052060" cy="2611755"/>
+          </a:xfrm>
+          <a:prstGeom prst="rect">
+            <a:avLst/>
+          </a:prstGeom>
+          <a:noFill/>
+          <a:ln w="9525">
+            <a:noFill/>
+          </a:ln>
+        </p:spPr>
+      </p:pic>
+    </p:spTree>
+    <p:custDataLst>
+      <p:tags r:id="rId2"/>
+    </p:custDataLst>
+  </p:cSld>
+  <p:clrMapOvr>
+    <a:masterClrMapping/>
+  </p:clrMapOvr>
+</p:sld>
+</file>
+
+<file path=ppt/slides/slide27.xml><?xml version="1.0" encoding="utf-8"?>
+<p:sld xmlns:a="http://schemas.openxmlformats.org/drawingml/2006/main" xmlns:r="http://schemas.openxmlformats.org/officeDocument/2006/relationships" xmlns:p="http://schemas.openxmlformats.org/presentationml/2006/main">
+  <p:cSld>
+    <p:spTree>
+      <p:nvGrpSpPr>
+        <p:cNvPr id="1" name=""/>
+        <p:cNvGrpSpPr/>
+        <p:nvPr/>
+      </p:nvGrpSpPr>
+      <p:grpSpPr/>
+      <p:sp>
+        <p:nvSpPr>
+          <p:cNvPr id="2" name="标题 1"/>
+          <p:cNvSpPr>
+            <a:spLocks noGrp="1"/>
+          </p:cNvSpPr>
+          <p:nvPr>
+            <p:ph type="title"/>
+          </p:nvPr>
+        </p:nvSpPr>
+        <p:spPr/>
+        <p:txBody>
+          <a:bodyPr/>
+          <a:p>
+            <a:r>
+              <a:rPr lang="en-US" altLang="zh-CN"/>
+              <a:t>Timezone</a:t>
+            </a:r>
+            <a:endParaRPr lang="en-US" altLang="zh-CN"/>
+          </a:p>
+        </p:txBody>
+      </p:sp>
+      <p:sp>
+        <p:nvSpPr>
+          <p:cNvPr id="3" name="内容占位符 2"/>
+          <p:cNvSpPr>
+            <a:spLocks noGrp="1"/>
+          </p:cNvSpPr>
+          <p:nvPr>
+            <p:ph idx="1"/>
+          </p:nvPr>
+        </p:nvSpPr>
+        <p:spPr/>
+        <p:txBody>
+          <a:bodyPr/>
+          <a:p>
+            <a:r>
+              <a:rPr lang="en-US" altLang="zh-CN"/>
+              <a:t>Set timezone</a:t>
+            </a:r>
+            <a:endParaRPr lang="en-US" altLang="zh-CN"/>
+          </a:p>
+          <a:p>
+            <a:pPr lvl="1"/>
+            <a:r>
+              <a:rPr lang="en-US" altLang="zh-CN"/>
+              <a:t># Set up time zone.</a:t>
+            </a:r>
+            <a:endParaRPr lang="en-US" altLang="zh-CN"/>
+          </a:p>
+          <a:p>
+            <a:pPr lvl="1"/>
+            <a:r>
+              <a:rPr lang="en-US" altLang="zh-CN"/>
+              <a:t>ENV TZ=Asia/Shanghai</a:t>
+            </a:r>
+            <a:endParaRPr lang="en-US" altLang="zh-CN"/>
+          </a:p>
+          <a:p>
+            <a:pPr lvl="1"/>
+            <a:r>
+              <a:rPr lang="en-US" altLang="zh-CN"/>
+              <a:t>RUN sudo apt-get update &amp;&amp; \</a:t>
+            </a:r>
+            <a:endParaRPr lang="en-US" altLang="zh-CN"/>
+          </a:p>
+          <a:p>
+            <a:pPr lvl="1"/>
+            <a:r>
+              <a:rPr lang="en-US" altLang="zh-CN"/>
+              <a:t>    sudo DEBIAN_FRONTEND=noninteractive apt-get install -yq tzdata</a:t>
+            </a:r>
+            <a:endParaRPr lang="en-US" altLang="zh-CN"/>
+          </a:p>
+        </p:txBody>
+      </p:sp>
+    </p:spTree>
+    <p:custDataLst>
+      <p:tags r:id="rId1"/>
+    </p:custDataLst>
+  </p:cSld>
+  <p:clrMapOvr>
+    <a:masterClrMapping/>
+  </p:clrMapOvr>
+</p:sld>
+</file>
+
+<file path=ppt/slides/slide28.xml><?xml version="1.0" encoding="utf-8"?>
 <p:sld xmlns:a="http://schemas.openxmlformats.org/drawingml/2006/main" xmlns:r="http://schemas.openxmlformats.org/officeDocument/2006/relationships" xmlns:p="http://schemas.openxmlformats.org/presentationml/2006/main">
   <p:cSld>
     <p:spTree>
@@ -8906,7 +9583,7 @@
             </a:pPr>
             <a:r>
               <a:rPr lang="en-US" altLang="zh-CN"/>
-              <a:t>sudo curl -L https://get.daocloud.io/docker/compose/releases/download/1.25.3/docker-compose-`uname -s`-`uname -m` -o /usr/local/bin/docker-compose</a:t>
+              <a:t>sudo curl -L https://get.daocloud.io/docker/compose/releases/download/1.29.2/docker-compose-`uname -s`-`uname -m` -o /usr/local/bin/docker-compose</a:t>
             </a:r>
             <a:endParaRPr lang="en-US" altLang="zh-CN"/>
           </a:p>
@@ -10408,15 +11085,17 @@
 
 <file path=ppt/tags/tag25.xml><?xml version="1.0" encoding="utf-8"?>
 <p:tagLst xmlns:p="http://schemas.openxmlformats.org/presentationml/2006/main">
-  <p:tag name="KSO_WM_UNIT_TABLE_BEAUTIFY" val="smartTable{f3b8ad3b-3471-476b-85f1-dbcd5eb37b20}"/>
+  <p:tag name="KSO_WM_BEAUTIFY_FLAG" val="#wm#"/>
+  <p:tag name="KSO_WM_TEMPLATE_CATEGORY" val="custom"/>
+  <p:tag name="KSO_WM_TEMPLATE_INDEX" val="160402"/>
 </p:tagLst>
 </file>
 
 <file path=ppt/tags/tag26.xml><?xml version="1.0" encoding="utf-8"?>
 <p:tagLst xmlns:p="http://schemas.openxmlformats.org/presentationml/2006/main">
-  <p:tag name="KSO_WM_BEAUTIFY_FLAG" val="#wm#"/>
-  <p:tag name="KSO_WM_TEMPLATE_CATEGORY" val="custom"/>
-  <p:tag name="KSO_WM_TEMPLATE_INDEX" val="160402"/>
+  <p:tag name="KSO_WM_UNIT_TABLE_BEAUTIFY" val="smartTable{8918bf49-d914-41e7-b582-89168f6d76ee}"/>
+  <p:tag name="TABLE_ENDDRAG_ORIGIN_RECT" val="822*177"/>
+  <p:tag name="TABLE_ENDDRAG_RECT" val="92*177*822*177"/>
 </p:tagLst>
 </file>
 
@@ -10464,16 +11143,16 @@
 
 <file path=ppt/tags/tag31.xml><?xml version="1.0" encoding="utf-8"?>
 <p:tagLst xmlns:p="http://schemas.openxmlformats.org/presentationml/2006/main">
-  <p:tag name="REFSHAPE" val="379500028"/>
-  <p:tag name="KSO_WM_UNIT_PLACING_PICTURE_USER_VIEWPORT" val="{&quot;height&quot;:3885,&quot;width&quot;:7515}"/>
+  <p:tag name="KSO_WM_BEAUTIFY_FLAG" val="#wm#"/>
+  <p:tag name="KSO_WM_TEMPLATE_CATEGORY" val="custom"/>
+  <p:tag name="KSO_WM_TEMPLATE_INDEX" val="160402"/>
 </p:tagLst>
 </file>
 
 <file path=ppt/tags/tag32.xml><?xml version="1.0" encoding="utf-8"?>
 <p:tagLst xmlns:p="http://schemas.openxmlformats.org/presentationml/2006/main">
-  <p:tag name="KSO_WM_BEAUTIFY_FLAG" val="#wm#"/>
-  <p:tag name="KSO_WM_TEMPLATE_CATEGORY" val="custom"/>
-  <p:tag name="KSO_WM_TEMPLATE_INDEX" val="160402"/>
+  <p:tag name="REFSHAPE" val="379500028"/>
+  <p:tag name="KSO_WM_UNIT_PLACING_PICTURE_USER_VIEWPORT" val="{&quot;height&quot;:3885,&quot;width&quot;:7515}"/>
 </p:tagLst>
 </file>
 
@@ -10501,6 +11180,36 @@
 </p:tagLst>
 </file>
 
+<file path=ppt/tags/tag36.xml><?xml version="1.0" encoding="utf-8"?>
+<p:tagLst xmlns:p="http://schemas.openxmlformats.org/presentationml/2006/main">
+  <p:tag name="KSO_WM_UNIT_PLACING_PICTURE_USER_VIEWPORT" val="{&quot;height&quot;:5309,&quot;width&quot;:5937}"/>
+</p:tagLst>
+</file>
+
+<file path=ppt/tags/tag37.xml><?xml version="1.0" encoding="utf-8"?>
+<p:tagLst xmlns:p="http://schemas.openxmlformats.org/presentationml/2006/main">
+  <p:tag name="KSO_WM_BEAUTIFY_FLAG" val="#wm#"/>
+  <p:tag name="KSO_WM_TEMPLATE_CATEGORY" val="custom"/>
+  <p:tag name="KSO_WM_TEMPLATE_INDEX" val="160402"/>
+</p:tagLst>
+</file>
+
+<file path=ppt/tags/tag38.xml><?xml version="1.0" encoding="utf-8"?>
+<p:tagLst xmlns:p="http://schemas.openxmlformats.org/presentationml/2006/main">
+  <p:tag name="KSO_WM_BEAUTIFY_FLAG" val="#wm#"/>
+  <p:tag name="KSO_WM_TEMPLATE_CATEGORY" val="custom"/>
+  <p:tag name="KSO_WM_TEMPLATE_INDEX" val="160402"/>
+</p:tagLst>
+</file>
+
+<file path=ppt/tags/tag39.xml><?xml version="1.0" encoding="utf-8"?>
+<p:tagLst xmlns:p="http://schemas.openxmlformats.org/presentationml/2006/main">
+  <p:tag name="KSO_WM_BEAUTIFY_FLAG" val="#wm#"/>
+  <p:tag name="KSO_WM_TEMPLATE_CATEGORY" val="custom"/>
+  <p:tag name="KSO_WM_TEMPLATE_INDEX" val="160402"/>
+</p:tagLst>
+</file>
+
 <file path=ppt/tags/tag4.xml><?xml version="1.0" encoding="utf-8"?>
 <p:tagLst xmlns:p="http://schemas.openxmlformats.org/presentationml/2006/main">
   <p:tag name="KSO_WM_UNIT_ISCONTENTSTITLE" val="0"/>
@@ -10519,6 +11228,20 @@
   <p:tag name="KSO_WM_UNIT_LAYERLEVEL" val="1"/>
   <p:tag name="KSO_WM_TAG_VERSION" val="1.0"/>
   <p:tag name="KSO_WM_BEAUTIFY_FLAG" val="#wm#"/>
+</p:tagLst>
+</file>
+
+<file path=ppt/tags/tag40.xml><?xml version="1.0" encoding="utf-8"?>
+<p:tagLst xmlns:p="http://schemas.openxmlformats.org/presentationml/2006/main">
+  <p:tag name="KSO_WM_BEAUTIFY_FLAG" val="#wm#"/>
+  <p:tag name="KSO_WM_TEMPLATE_CATEGORY" val="custom"/>
+  <p:tag name="KSO_WM_TEMPLATE_INDEX" val="160402"/>
+</p:tagLst>
+</file>
+
+<file path=ppt/tags/tag41.xml><?xml version="1.0" encoding="utf-8"?>
+<p:tagLst xmlns:p="http://schemas.openxmlformats.org/presentationml/2006/main">
+  <p:tag name="COMMONDATA" val="eyJoZGlkIjoiODcwZjc5M2RmYzUwOWE5MjVkODVjZGMyZDUwOTRjYmEifQ=="/>
 </p:tagLst>
 </file>
 

--- a/Misc/Docker-Notes.pptx
+++ b/Misc/Docker-Notes.pptx
@@ -4023,10 +4023,10 @@
                         <a:buNone/>
                       </a:pPr>
                       <a:r>
-                        <a:rPr lang="en-US" altLang="zh-CN" sz="1400"/>
+                        <a:rPr lang="en-US" altLang="zh-CN" sz="1400" b="1"/>
                         <a:t>docker info</a:t>
                       </a:r>
-                      <a:endParaRPr lang="en-US" altLang="zh-CN" sz="1400"/>
+                      <a:endParaRPr lang="en-US" altLang="zh-CN" sz="1400" b="1"/>
                     </a:p>
                   </a:txBody>
                   <a:tcPr/>
@@ -4604,6 +4604,10 @@
                       <a:pPr>
                         <a:buNone/>
                       </a:pPr>
+                      <a:r>
+                        <a:rPr lang="en-US" altLang="zh-CN" sz="1400"/>
+                        <a:t>Get mount point of the volume</a:t>
+                      </a:r>
                       <a:endParaRPr lang="en-US" altLang="zh-CN" sz="1400"/>
                     </a:p>
                   </a:txBody>
@@ -4991,10 +4995,10 @@
                         <a:buNone/>
                       </a:pPr>
                       <a:r>
-                        <a:rPr lang="en-US" altLang="zh-CN"/>
+                        <a:rPr lang="en-US" altLang="zh-CN" b="1"/>
                         <a:t>docker system events</a:t>
                       </a:r>
-                      <a:endParaRPr lang="en-US" altLang="zh-CN"/>
+                      <a:endParaRPr lang="en-US" altLang="zh-CN" b="1"/>
                     </a:p>
                   </a:txBody>
                   <a:tcPr/>
@@ -7152,7 +7156,7 @@
               <a:rPr lang="en-US" altLang="zh-CN" sz="1600">
                 <a:sym typeface="+mn-ea"/>
               </a:rPr>
-              <a:t>docker-compose logs	// show logs</a:t>
+              <a:t>docker-compose logs --tail=10	// show logs</a:t>
             </a:r>
             <a:endParaRPr lang="en-US" altLang="zh-CN" sz="1600">
               <a:sym typeface="+mn-ea"/>
@@ -11242,6 +11246,7 @@
 <file path=ppt/tags/tag41.xml><?xml version="1.0" encoding="utf-8"?>
 <p:tagLst xmlns:p="http://schemas.openxmlformats.org/presentationml/2006/main">
   <p:tag name="COMMONDATA" val="eyJoZGlkIjoiODcwZjc5M2RmYzUwOWE5MjVkODVjZGMyZDUwOTRjYmEifQ=="/>
+  <p:tag name="KSO_WPP_MARK_KEY" val="912f9f82-e1da-4214-83c0-2ace56e3deee"/>
 </p:tagLst>
 </file>
 

--- a/Misc/Docker-Notes.pptx
+++ b/Misc/Docker-Notes.pptx
@@ -8,42 +8,49 @@
     <p:notesMasterId r:id="rId4"/>
   </p:notesMasterIdLst>
   <p:handoutMasterIdLst>
-    <p:handoutMasterId r:id="rId32"/>
+    <p:handoutMasterId r:id="rId39"/>
   </p:handoutMasterIdLst>
   <p:sldIdLst>
     <p:sldId id="256" r:id="rId3"/>
     <p:sldId id="285" r:id="rId5"/>
     <p:sldId id="257" r:id="rId6"/>
-    <p:sldId id="269" r:id="rId7"/>
-    <p:sldId id="270" r:id="rId8"/>
-    <p:sldId id="271" r:id="rId9"/>
-    <p:sldId id="299" r:id="rId10"/>
-    <p:sldId id="259" r:id="rId11"/>
-    <p:sldId id="261" r:id="rId12"/>
-    <p:sldId id="263" r:id="rId13"/>
-    <p:sldId id="327" r:id="rId14"/>
-    <p:sldId id="313" r:id="rId15"/>
-    <p:sldId id="328" r:id="rId16"/>
-    <p:sldId id="329" r:id="rId17"/>
-    <p:sldId id="280" r:id="rId18"/>
-    <p:sldId id="260" r:id="rId19"/>
-    <p:sldId id="347" r:id="rId20"/>
-    <p:sldId id="262" r:id="rId21"/>
-    <p:sldId id="321" r:id="rId22"/>
-    <p:sldId id="265" r:id="rId23"/>
-    <p:sldId id="309" r:id="rId24"/>
-    <p:sldId id="311" r:id="rId25"/>
-    <p:sldId id="312" r:id="rId26"/>
-    <p:sldId id="340" r:id="rId27"/>
-    <p:sldId id="342" r:id="rId28"/>
-    <p:sldId id="344" r:id="rId29"/>
-    <p:sldId id="346" r:id="rId30"/>
-    <p:sldId id="326" r:id="rId31"/>
+    <p:sldId id="371" r:id="rId7"/>
+    <p:sldId id="269" r:id="rId8"/>
+    <p:sldId id="270" r:id="rId9"/>
+    <p:sldId id="271" r:id="rId10"/>
+    <p:sldId id="299" r:id="rId11"/>
+    <p:sldId id="259" r:id="rId12"/>
+    <p:sldId id="261" r:id="rId13"/>
+    <p:sldId id="263" r:id="rId14"/>
+    <p:sldId id="327" r:id="rId15"/>
+    <p:sldId id="313" r:id="rId16"/>
+    <p:sldId id="328" r:id="rId17"/>
+    <p:sldId id="329" r:id="rId18"/>
+    <p:sldId id="408" r:id="rId19"/>
+    <p:sldId id="280" r:id="rId20"/>
+    <p:sldId id="260" r:id="rId21"/>
+    <p:sldId id="347" r:id="rId22"/>
+    <p:sldId id="359" r:id="rId23"/>
+    <p:sldId id="427" r:id="rId24"/>
+    <p:sldId id="262" r:id="rId25"/>
+    <p:sldId id="321" r:id="rId26"/>
+    <p:sldId id="265" r:id="rId27"/>
+    <p:sldId id="309" r:id="rId28"/>
+    <p:sldId id="311" r:id="rId29"/>
+    <p:sldId id="312" r:id="rId30"/>
+    <p:sldId id="340" r:id="rId31"/>
+    <p:sldId id="342" r:id="rId32"/>
+    <p:sldId id="400" r:id="rId33"/>
+    <p:sldId id="344" r:id="rId34"/>
+    <p:sldId id="346" r:id="rId35"/>
+    <p:sldId id="405" r:id="rId36"/>
+    <p:sldId id="398" r:id="rId37"/>
+    <p:sldId id="326" r:id="rId38"/>
   </p:sldIdLst>
   <p:sldSz cx="12192000" cy="6858000"/>
   <p:notesSz cx="6858000" cy="9144000"/>
   <p:custDataLst>
-    <p:tags r:id="rId36"/>
+    <p:tags r:id="rId43"/>
   </p:custDataLst>
   <p:defaultTextStyle>
     <a:defPPr>
@@ -140,6 +147,22 @@
       </a:defRPr>
     </a:lvl9pPr>
   </p:defaultTextStyle>
+  <p:extLst>
+    <p:ext uri="{EFAFB233-063F-42B5-8137-9DF3F51BA10A}">
+      <p15:sldGuideLst xmlns:p15="http://schemas.microsoft.com/office/powerpoint/2012/main">
+        <p15:guide id="1" orient="horz" pos="2205" userDrawn="1">
+          <p15:clr>
+            <a:srgbClr val="A4A3A4"/>
+          </p15:clr>
+        </p15:guide>
+        <p15:guide id="2" pos="3864" userDrawn="1">
+          <p15:clr>
+            <a:srgbClr val="A4A3A4"/>
+          </p15:clr>
+        </p15:guide>
+      </p15:sldGuideLst>
+    </p:ext>
+  </p:extLst>
 </p:presentation>
 </file>
 
@@ -3822,6 +3845,383 @@
           <a:p>
             <a:r>
               <a:rPr lang="en-US" altLang="zh-CN"/>
+              <a:t>Working Logic</a:t>
+            </a:r>
+            <a:endParaRPr lang="en-US" altLang="zh-CN"/>
+          </a:p>
+        </p:txBody>
+      </p:sp>
+      <p:sp>
+        <p:nvSpPr>
+          <p:cNvPr id="4" name="流程图: 可选过程 3"/>
+          <p:cNvSpPr/>
+          <p:nvPr/>
+        </p:nvSpPr>
+        <p:spPr>
+          <a:xfrm>
+            <a:off x="1630045" y="1420495"/>
+            <a:ext cx="3220720" cy="769620"/>
+          </a:xfrm>
+          <a:prstGeom prst="flowChartAlternateProcess">
+            <a:avLst/>
+          </a:prstGeom>
+        </p:spPr>
+        <p:style>
+          <a:lnRef idx="2">
+            <a:schemeClr val="accent1">
+              <a:shade val="50000"/>
+            </a:schemeClr>
+          </a:lnRef>
+          <a:fillRef idx="1">
+            <a:schemeClr val="accent1"/>
+          </a:fillRef>
+          <a:effectRef idx="0">
+            <a:schemeClr val="accent1"/>
+          </a:effectRef>
+          <a:fontRef idx="minor">
+            <a:schemeClr val="lt1"/>
+          </a:fontRef>
+        </p:style>
+        <p:txBody>
+          <a:bodyPr rtlCol="0" anchor="ctr"/>
+          <a:p>
+            <a:pPr algn="ctr"/>
+            <a:r>
+              <a:rPr lang="en-US" altLang="zh-CN"/>
+              <a:t>Docker Client</a:t>
+            </a:r>
+            <a:endParaRPr lang="en-US" altLang="zh-CN"/>
+          </a:p>
+        </p:txBody>
+      </p:sp>
+      <p:sp>
+        <p:nvSpPr>
+          <p:cNvPr id="5" name="流程图: 可选过程 4"/>
+          <p:cNvSpPr/>
+          <p:nvPr/>
+        </p:nvSpPr>
+        <p:spPr>
+          <a:xfrm>
+            <a:off x="6271895" y="1420495"/>
+            <a:ext cx="3220720" cy="769620"/>
+          </a:xfrm>
+          <a:prstGeom prst="flowChartAlternateProcess">
+            <a:avLst/>
+          </a:prstGeom>
+        </p:spPr>
+        <p:style>
+          <a:lnRef idx="2">
+            <a:schemeClr val="accent1">
+              <a:shade val="50000"/>
+            </a:schemeClr>
+          </a:lnRef>
+          <a:fillRef idx="1">
+            <a:schemeClr val="accent1"/>
+          </a:fillRef>
+          <a:effectRef idx="0">
+            <a:schemeClr val="accent1"/>
+          </a:effectRef>
+          <a:fontRef idx="minor">
+            <a:schemeClr val="lt1"/>
+          </a:fontRef>
+        </p:style>
+        <p:txBody>
+          <a:bodyPr rtlCol="0" anchor="ctr"/>
+          <a:p>
+            <a:pPr algn="ctr"/>
+            <a:r>
+              <a:rPr lang="en-US" altLang="zh-CN"/>
+              <a:t>Docker Daemon</a:t>
+            </a:r>
+            <a:endParaRPr lang="en-US" altLang="zh-CN"/>
+          </a:p>
+        </p:txBody>
+      </p:sp>
+      <p:cxnSp>
+        <p:nvCxnSpPr>
+          <p:cNvPr id="6" name="直接箭头连接符 5"/>
+          <p:cNvCxnSpPr/>
+          <p:nvPr/>
+        </p:nvCxnSpPr>
+        <p:spPr>
+          <a:xfrm>
+            <a:off x="4719955" y="3037205"/>
+            <a:ext cx="1734185" cy="0"/>
+          </a:xfrm>
+          <a:prstGeom prst="straightConnector1">
+            <a:avLst/>
+          </a:prstGeom>
+          <a:ln>
+            <a:tailEnd type="arrow"/>
+          </a:ln>
+        </p:spPr>
+        <p:style>
+          <a:lnRef idx="1">
+            <a:schemeClr val="accent1"/>
+          </a:lnRef>
+          <a:fillRef idx="0">
+            <a:schemeClr val="accent1"/>
+          </a:fillRef>
+          <a:effectRef idx="0">
+            <a:schemeClr val="accent1"/>
+          </a:effectRef>
+          <a:fontRef idx="minor">
+            <a:schemeClr val="tx1"/>
+          </a:fontRef>
+        </p:style>
+      </p:cxnSp>
+      <p:cxnSp>
+        <p:nvCxnSpPr>
+          <p:cNvPr id="7" name="直接箭头连接符 6"/>
+          <p:cNvCxnSpPr/>
+          <p:nvPr/>
+        </p:nvCxnSpPr>
+        <p:spPr>
+          <a:xfrm>
+            <a:off x="7015480" y="3429000"/>
+            <a:ext cx="1734185" cy="0"/>
+          </a:xfrm>
+          <a:prstGeom prst="straightConnector1">
+            <a:avLst/>
+          </a:prstGeom>
+          <a:ln>
+            <a:tailEnd type="arrow"/>
+          </a:ln>
+        </p:spPr>
+        <p:style>
+          <a:lnRef idx="1">
+            <a:schemeClr val="accent1"/>
+          </a:lnRef>
+          <a:fillRef idx="0">
+            <a:schemeClr val="accent1"/>
+          </a:fillRef>
+          <a:effectRef idx="0">
+            <a:schemeClr val="accent1"/>
+          </a:effectRef>
+          <a:fontRef idx="minor">
+            <a:schemeClr val="tx1"/>
+          </a:fontRef>
+        </p:style>
+      </p:cxnSp>
+      <p:sp>
+        <p:nvSpPr>
+          <p:cNvPr id="8" name="文本框 7"/>
+          <p:cNvSpPr txBox="1"/>
+          <p:nvPr/>
+        </p:nvSpPr>
+        <p:spPr>
+          <a:xfrm>
+            <a:off x="4902200" y="2659380"/>
+            <a:ext cx="919480" cy="368300"/>
+          </a:xfrm>
+          <a:prstGeom prst="rect">
+            <a:avLst/>
+          </a:prstGeom>
+          <a:noFill/>
+        </p:spPr>
+        <p:txBody>
+          <a:bodyPr wrap="none" rtlCol="0">
+            <a:spAutoFit/>
+          </a:bodyPr>
+          <a:p>
+            <a:r>
+              <a:rPr lang="en-US" altLang="zh-CN"/>
+              <a:t>contact</a:t>
+            </a:r>
+            <a:endParaRPr lang="en-US" altLang="zh-CN"/>
+          </a:p>
+        </p:txBody>
+      </p:sp>
+      <p:sp>
+        <p:nvSpPr>
+          <p:cNvPr id="9" name="文本框 8"/>
+          <p:cNvSpPr txBox="1"/>
+          <p:nvPr/>
+        </p:nvSpPr>
+        <p:spPr>
+          <a:xfrm>
+            <a:off x="6717665" y="2989580"/>
+            <a:ext cx="2329180" cy="368300"/>
+          </a:xfrm>
+          <a:prstGeom prst="rect">
+            <a:avLst/>
+          </a:prstGeom>
+          <a:noFill/>
+        </p:spPr>
+        <p:txBody>
+          <a:bodyPr wrap="none" rtlCol="0">
+            <a:spAutoFit/>
+          </a:bodyPr>
+          <a:p>
+            <a:r>
+              <a:rPr lang="en-US" altLang="zh-CN"/>
+              <a:t>pull from Docker Hub</a:t>
+            </a:r>
+            <a:endParaRPr lang="en-US" altLang="zh-CN"/>
+          </a:p>
+        </p:txBody>
+      </p:sp>
+      <p:cxnSp>
+        <p:nvCxnSpPr>
+          <p:cNvPr id="10" name="直接箭头连接符 9"/>
+          <p:cNvCxnSpPr/>
+          <p:nvPr/>
+        </p:nvCxnSpPr>
+        <p:spPr>
+          <a:xfrm>
+            <a:off x="7106920" y="4354830"/>
+            <a:ext cx="1734185" cy="0"/>
+          </a:xfrm>
+          <a:prstGeom prst="straightConnector1">
+            <a:avLst/>
+          </a:prstGeom>
+          <a:ln>
+            <a:tailEnd type="arrow"/>
+          </a:ln>
+        </p:spPr>
+        <p:style>
+          <a:lnRef idx="1">
+            <a:schemeClr val="accent1"/>
+          </a:lnRef>
+          <a:fillRef idx="0">
+            <a:schemeClr val="accent1"/>
+          </a:fillRef>
+          <a:effectRef idx="0">
+            <a:schemeClr val="accent1"/>
+          </a:effectRef>
+          <a:fontRef idx="minor">
+            <a:schemeClr val="tx1"/>
+          </a:fontRef>
+        </p:style>
+      </p:cxnSp>
+      <p:sp>
+        <p:nvSpPr>
+          <p:cNvPr id="11" name="文本框 10"/>
+          <p:cNvSpPr txBox="1"/>
+          <p:nvPr/>
+        </p:nvSpPr>
+        <p:spPr>
+          <a:xfrm>
+            <a:off x="6809105" y="3902075"/>
+            <a:ext cx="2494280" cy="368300"/>
+          </a:xfrm>
+          <a:prstGeom prst="rect">
+            <a:avLst/>
+          </a:prstGeom>
+          <a:noFill/>
+        </p:spPr>
+        <p:txBody>
+          <a:bodyPr wrap="none" rtlCol="0">
+            <a:spAutoFit/>
+          </a:bodyPr>
+          <a:p>
+            <a:r>
+              <a:rPr lang="en-US" altLang="zh-CN"/>
+              <a:t>create a new container</a:t>
+            </a:r>
+            <a:endParaRPr lang="en-US" altLang="zh-CN"/>
+          </a:p>
+        </p:txBody>
+      </p:sp>
+      <p:cxnSp>
+        <p:nvCxnSpPr>
+          <p:cNvPr id="12" name="直接箭头连接符 11"/>
+          <p:cNvCxnSpPr/>
+          <p:nvPr/>
+        </p:nvCxnSpPr>
+        <p:spPr>
+          <a:xfrm flipH="1">
+            <a:off x="4850765" y="5293360"/>
+            <a:ext cx="1577340" cy="12700"/>
+          </a:xfrm>
+          <a:prstGeom prst="straightConnector1">
+            <a:avLst/>
+          </a:prstGeom>
+          <a:ln>
+            <a:tailEnd type="arrow"/>
+          </a:ln>
+        </p:spPr>
+        <p:style>
+          <a:lnRef idx="1">
+            <a:schemeClr val="accent1"/>
+          </a:lnRef>
+          <a:fillRef idx="0">
+            <a:schemeClr val="accent1"/>
+          </a:fillRef>
+          <a:effectRef idx="0">
+            <a:schemeClr val="accent1"/>
+          </a:effectRef>
+          <a:fontRef idx="minor">
+            <a:schemeClr val="tx1"/>
+          </a:fontRef>
+        </p:style>
+      </p:cxnSp>
+      <p:sp>
+        <p:nvSpPr>
+          <p:cNvPr id="13" name="文本框 12"/>
+          <p:cNvSpPr txBox="1"/>
+          <p:nvPr/>
+        </p:nvSpPr>
+        <p:spPr>
+          <a:xfrm>
+            <a:off x="4850765" y="4758055"/>
+            <a:ext cx="1579880" cy="368300"/>
+          </a:xfrm>
+          <a:prstGeom prst="rect">
+            <a:avLst/>
+          </a:prstGeom>
+          <a:noFill/>
+        </p:spPr>
+        <p:txBody>
+          <a:bodyPr wrap="none" rtlCol="0">
+            <a:spAutoFit/>
+          </a:bodyPr>
+          <a:p>
+            <a:r>
+              <a:rPr lang="en-US" altLang="zh-CN"/>
+              <a:t>stream output</a:t>
+            </a:r>
+            <a:endParaRPr lang="en-US" altLang="zh-CN"/>
+          </a:p>
+        </p:txBody>
+      </p:sp>
+    </p:spTree>
+    <p:custDataLst>
+      <p:tags r:id="rId1"/>
+    </p:custDataLst>
+  </p:cSld>
+  <p:clrMapOvr>
+    <a:masterClrMapping/>
+  </p:clrMapOvr>
+</p:sld>
+</file>
+
+<file path=ppt/slides/slide11.xml><?xml version="1.0" encoding="utf-8"?>
+<p:sld xmlns:a="http://schemas.openxmlformats.org/drawingml/2006/main" xmlns:r="http://schemas.openxmlformats.org/officeDocument/2006/relationships" xmlns:p="http://schemas.openxmlformats.org/presentationml/2006/main">
+  <p:cSld>
+    <p:spTree>
+      <p:nvGrpSpPr>
+        <p:cNvPr id="1" name=""/>
+        <p:cNvGrpSpPr/>
+        <p:nvPr/>
+      </p:nvGrpSpPr>
+      <p:grpSpPr/>
+      <p:sp>
+        <p:nvSpPr>
+          <p:cNvPr id="2" name="标题 1"/>
+          <p:cNvSpPr>
+            <a:spLocks noGrp="1"/>
+          </p:cNvSpPr>
+          <p:nvPr>
+            <p:ph type="title"/>
+          </p:nvPr>
+        </p:nvSpPr>
+        <p:spPr/>
+        <p:txBody>
+          <a:bodyPr/>
+          <a:p>
+            <a:r>
+              <a:rPr lang="en-US" altLang="zh-CN"/>
               <a:t>Container Lifecycle</a:t>
             </a:r>
             <a:endParaRPr lang="en-US" altLang="zh-CN"/>
@@ -3865,7 +4265,7 @@
 </p:sld>
 </file>
 
-<file path=ppt/slides/slide11.xml><?xml version="1.0" encoding="utf-8"?>
+<file path=ppt/slides/slide12.xml><?xml version="1.0" encoding="utf-8"?>
 <p:sld xmlns:a="http://schemas.openxmlformats.org/drawingml/2006/main" xmlns:r="http://schemas.openxmlformats.org/officeDocument/2006/relationships" xmlns:p="http://schemas.openxmlformats.org/presentationml/2006/main">
   <p:cSld>
     <p:spTree>
@@ -3908,8 +4308,8 @@
           </p:nvPr>
         </p:nvGraphicFramePr>
         <p:xfrm>
-          <a:off x="633095" y="1104900"/>
-          <a:ext cx="11131550" cy="5525135"/>
+          <a:off x="633095" y="1003300"/>
+          <a:ext cx="11131550" cy="4995545"/>
         </p:xfrm>
         <a:graphic>
           <a:graphicData uri="http://schemas.openxmlformats.org/drawingml/2006/table">
@@ -3922,7 +4322,7 @@
                 <a:gridCol w="3806190"/>
                 <a:gridCol w="2273935"/>
               </a:tblGrid>
-              <a:tr h="335280">
+              <a:tr h="347345">
                 <a:tc>
                   <a:txBody>
                     <a:bodyPr/>
@@ -3972,7 +4372,7 @@
                   <a:tcPr/>
                 </a:tc>
               </a:tr>
-              <a:tr h="304800">
+              <a:tr h="315595">
                 <a:tc>
                   <a:txBody>
                     <a:bodyPr/>
@@ -4014,7 +4414,7 @@
                   <a:tcPr/>
                 </a:tc>
               </a:tr>
-              <a:tr h="304800">
+              <a:tr h="315595">
                 <a:tc>
                   <a:txBody>
                     <a:bodyPr/>
@@ -4056,7 +4456,7 @@
                   <a:tcPr/>
                 </a:tc>
               </a:tr>
-              <a:tr h="304800">
+              <a:tr h="315595">
                 <a:tc>
                   <a:txBody>
                     <a:bodyPr/>
@@ -4106,7 +4506,7 @@
                   <a:tcPr/>
                 </a:tc>
               </a:tr>
-              <a:tr h="304800">
+              <a:tr h="315595">
                 <a:tc>
                   <a:txBody>
                     <a:bodyPr/>
@@ -4152,7 +4552,7 @@
                   <a:tcPr/>
                 </a:tc>
               </a:tr>
-              <a:tr h="304800">
+              <a:tr h="315595">
                 <a:tc>
                   <a:txBody>
                     <a:bodyPr/>
@@ -4198,7 +4598,7 @@
                   <a:tcPr/>
                 </a:tc>
               </a:tr>
-              <a:tr h="304800">
+              <a:tr h="315595">
                 <a:tc>
                   <a:txBody>
                     <a:bodyPr/>
@@ -4240,7 +4640,53 @@
                   <a:tcPr/>
                 </a:tc>
               </a:tr>
-              <a:tr h="304800">
+              <a:tr h="315595">
+                <a:tc>
+                  <a:txBody>
+                    <a:bodyPr/>
+                    <a:p>
+                      <a:pPr>
+                        <a:buNone/>
+                      </a:pPr>
+                      <a:r>
+                        <a:rPr lang="en-US" altLang="zh-CN" sz="1400"/>
+                        <a:t>docker stop $(docker ps -q)</a:t>
+                      </a:r>
+                      <a:endParaRPr lang="en-US" altLang="zh-CN" sz="1400"/>
+                    </a:p>
+                  </a:txBody>
+                  <a:tcPr/>
+                </a:tc>
+                <a:tc>
+                  <a:txBody>
+                    <a:bodyPr/>
+                    <a:p>
+                      <a:pPr>
+                        <a:buNone/>
+                      </a:pPr>
+                      <a:r>
+                        <a:rPr lang="en-US" altLang="zh-CN" sz="1400"/>
+                        <a:t>stop all containers</a:t>
+                      </a:r>
+                      <a:endParaRPr lang="en-US" altLang="zh-CN" sz="1400"/>
+                    </a:p>
+                  </a:txBody>
+                  <a:tcPr/>
+                </a:tc>
+                <a:tc>
+                  <a:txBody>
+                    <a:bodyPr/>
+                    <a:p>
+                      <a:pPr>
+                        <a:buNone/>
+                      </a:pPr>
+                      <a:endParaRPr lang="en-US" altLang="zh-CN" sz="1400"/>
+                    </a:p>
+                  </a:txBody>
+                  <a:tcPr/>
+                </a:tc>
+              </a:tr>
+              <a:tr h="536575">
                 <a:tc>
                   <a:txBody>
                     <a:bodyPr/>
@@ -4254,6 +4700,16 @@
                       </a:r>
                       <a:endParaRPr lang="en-US" altLang="zh-CN" sz="1400"/>
                     </a:p>
+                    <a:p>
+                      <a:pPr>
+                        <a:buNone/>
+                      </a:pPr>
+                      <a:r>
+                        <a:rPr lang="en-US" altLang="zh-CN" sz="1400"/>
+                        <a:t>docker ps -aq</a:t>
+                      </a:r>
+                      <a:endParaRPr lang="en-US" altLang="zh-CN" sz="1400"/>
+                    </a:p>
                   </a:txBody>
                   <a:tcPr/>
                 </a:tc>
@@ -4270,23 +4726,33 @@
                       </a:r>
                       <a:endParaRPr lang="en-US" altLang="zh-CN" sz="1400"/>
                     </a:p>
-                  </a:txBody>
-                  <a:tcPr/>
-                </a:tc>
-                <a:tc>
-                  <a:txBody>
-                    <a:bodyPr/>
                     <a:p>
                       <a:pPr>
                         <a:buNone/>
                       </a:pPr>
+                      <a:r>
+                        <a:rPr lang="en-US" altLang="zh-CN" sz="1400"/>
+                        <a:t>List container ids</a:t>
+                      </a:r>
+                      <a:endParaRPr lang="en-US" altLang="zh-CN" sz="1400"/>
+                    </a:p>
+                  </a:txBody>
+                  <a:tcPr/>
+                </a:tc>
+                <a:tc>
+                  <a:txBody>
+                    <a:bodyPr/>
+                    <a:p>
+                      <a:pPr>
+                        <a:buNone/>
+                      </a:pPr>
                       <a:endParaRPr lang="zh-CN" altLang="en-US" sz="1400"/>
                     </a:p>
                   </a:txBody>
                   <a:tcPr/>
                 </a:tc>
               </a:tr>
-              <a:tr h="304800">
+              <a:tr h="315595">
                 <a:tc>
                   <a:txBody>
                     <a:bodyPr/>
@@ -4332,7 +4798,7 @@
                   <a:tcPr/>
                 </a:tc>
               </a:tr>
-              <a:tr h="304800">
+              <a:tr h="315595">
                 <a:tc>
                   <a:txBody>
                     <a:bodyPr/>
@@ -4382,7 +4848,7 @@
                   <a:tcPr/>
                 </a:tc>
               </a:tr>
-              <a:tr h="304800">
+              <a:tr h="315595">
                 <a:tc>
                   <a:txBody>
                     <a:bodyPr/>
@@ -4428,7 +4894,7 @@
                   <a:tcPr/>
                 </a:tc>
               </a:tr>
-              <a:tr h="404495">
+              <a:tr h="419100">
                 <a:tc>
                   <a:txBody>
                     <a:bodyPr/>
@@ -4478,7 +4944,7 @@
                   <a:tcPr/>
                 </a:tc>
               </a:tr>
-              <a:tr h="518160">
+              <a:tr h="536575">
                 <a:tc>
                   <a:txBody>
                     <a:bodyPr/>
@@ -4525,508 +4991,6 @@
                         <a:buNone/>
                       </a:pPr>
                       <a:endParaRPr lang="zh-CN" altLang="en-US" sz="1400"/>
-                    </a:p>
-                  </a:txBody>
-                  <a:tcPr/>
-                </a:tc>
-              </a:tr>
-              <a:tr h="304800">
-                <a:tc>
-                  <a:txBody>
-                    <a:bodyPr/>
-                    <a:p>
-                      <a:pPr marL="0" lvl="1">
-                        <a:buNone/>
-                      </a:pPr>
-                      <a:r>
-                        <a:rPr lang="en-US" altLang="zh-CN" sz="1400">
-                          <a:sym typeface="+mn-ea"/>
-                        </a:rPr>
-                        <a:t>docker volume ls</a:t>
-                      </a:r>
-                      <a:endParaRPr lang="en-US" altLang="zh-CN" sz="1400">
-                        <a:sym typeface="+mn-ea"/>
-                      </a:endParaRPr>
-                    </a:p>
-                  </a:txBody>
-                  <a:tcPr/>
-                </a:tc>
-                <a:tc>
-                  <a:txBody>
-                    <a:bodyPr/>
-                    <a:p>
-                      <a:pPr>
-                        <a:buNone/>
-                      </a:pPr>
-                      <a:endParaRPr lang="en-US" altLang="zh-CN" sz="1400"/>
-                    </a:p>
-                  </a:txBody>
-                  <a:tcPr/>
-                </a:tc>
-                <a:tc>
-                  <a:txBody>
-                    <a:bodyPr/>
-                    <a:p>
-                      <a:pPr>
-                        <a:buNone/>
-                      </a:pPr>
-                      <a:endParaRPr lang="zh-CN" altLang="en-US" sz="1400"/>
-                    </a:p>
-                  </a:txBody>
-                  <a:tcPr/>
-                </a:tc>
-              </a:tr>
-              <a:tr h="304800">
-                <a:tc>
-                  <a:txBody>
-                    <a:bodyPr/>
-                    <a:p>
-                      <a:pPr marL="0" lvl="1">
-                        <a:buNone/>
-                      </a:pPr>
-                      <a:r>
-                        <a:rPr lang="en-US" altLang="zh-CN" sz="1400">
-                          <a:sym typeface="+mn-ea"/>
-                        </a:rPr>
-                        <a:t>docker volume inspect {volume-name}</a:t>
-                      </a:r>
-                      <a:endParaRPr lang="en-US" altLang="zh-CN" sz="1400">
-                        <a:sym typeface="+mn-ea"/>
-                      </a:endParaRPr>
-                    </a:p>
-                  </a:txBody>
-                  <a:tcPr/>
-                </a:tc>
-                <a:tc>
-                  <a:txBody>
-                    <a:bodyPr/>
-                    <a:p>
-                      <a:pPr>
-                        <a:buNone/>
-                      </a:pPr>
-                      <a:r>
-                        <a:rPr lang="en-US" altLang="zh-CN" sz="1400"/>
-                        <a:t>Get mount point of the volume</a:t>
-                      </a:r>
-                      <a:endParaRPr lang="en-US" altLang="zh-CN" sz="1400"/>
-                    </a:p>
-                  </a:txBody>
-                  <a:tcPr/>
-                </a:tc>
-                <a:tc>
-                  <a:txBody>
-                    <a:bodyPr/>
-                    <a:p>
-                      <a:pPr>
-                        <a:buNone/>
-                      </a:pPr>
-                      <a:endParaRPr lang="zh-CN" altLang="en-US" sz="1400"/>
-                    </a:p>
-                  </a:txBody>
-                  <a:tcPr/>
-                </a:tc>
-              </a:tr>
-              <a:tr h="304800">
-                <a:tc>
-                  <a:txBody>
-                    <a:bodyPr/>
-                    <a:p>
-                      <a:pPr marL="0" lvl="1">
-                        <a:buNone/>
-                      </a:pPr>
-                      <a:r>
-                        <a:rPr lang="en-US" altLang="zh-CN" sz="1400">
-                          <a:sym typeface="+mn-ea"/>
-                        </a:rPr>
-                        <a:t>docker volume rm {volume-name}</a:t>
-                      </a:r>
-                      <a:endParaRPr lang="en-US" altLang="zh-CN" sz="1400">
-                        <a:sym typeface="+mn-ea"/>
-                      </a:endParaRPr>
-                    </a:p>
-                  </a:txBody>
-                  <a:tcPr/>
-                </a:tc>
-                <a:tc>
-                  <a:txBody>
-                    <a:bodyPr/>
-                    <a:p>
-                      <a:pPr>
-                        <a:buNone/>
-                      </a:pPr>
-                      <a:endParaRPr lang="en-US" altLang="zh-CN" sz="1400"/>
-                    </a:p>
-                  </a:txBody>
-                  <a:tcPr/>
-                </a:tc>
-                <a:tc>
-                  <a:txBody>
-                    <a:bodyPr/>
-                    <a:p>
-                      <a:pPr>
-                        <a:buNone/>
-                      </a:pPr>
-                      <a:endParaRPr lang="zh-CN" altLang="en-US" sz="1400"/>
-                    </a:p>
-                  </a:txBody>
-                  <a:tcPr/>
-                </a:tc>
-              </a:tr>
-              <a:tr h="304800">
-                <a:tc>
-                  <a:txBody>
-                    <a:bodyPr/>
-                    <a:p>
-                      <a:pPr marL="0" lvl="1">
-                        <a:buNone/>
-                      </a:pPr>
-                      <a:r>
-                        <a:rPr lang="en-US" altLang="zh-CN" sz="1400">
-                          <a:sym typeface="+mn-ea"/>
-                        </a:rPr>
-                        <a:t>docker volume prune</a:t>
-                      </a:r>
-                      <a:endParaRPr lang="en-US" altLang="zh-CN" sz="1400">
-                        <a:sym typeface="+mn-ea"/>
-                      </a:endParaRPr>
-                    </a:p>
-                  </a:txBody>
-                  <a:tcPr/>
-                </a:tc>
-                <a:tc>
-                  <a:txBody>
-                    <a:bodyPr/>
-                    <a:p>
-                      <a:pPr>
-                        <a:buNone/>
-                      </a:pPr>
-                      <a:endParaRPr lang="en-US" altLang="zh-CN" sz="1400"/>
-                    </a:p>
-                  </a:txBody>
-                  <a:tcPr/>
-                </a:tc>
-                <a:tc>
-                  <a:txBody>
-                    <a:bodyPr/>
-                    <a:p>
-                      <a:pPr>
-                        <a:buNone/>
-                      </a:pPr>
-                      <a:endParaRPr lang="zh-CN" altLang="en-US" sz="1400"/>
-                    </a:p>
-                  </a:txBody>
-                  <a:tcPr/>
-                </a:tc>
-              </a:tr>
-            </a:tbl>
-          </a:graphicData>
-        </a:graphic>
-      </p:graphicFrame>
-    </p:spTree>
-    <p:custDataLst>
-      <p:tags r:id="rId2"/>
-    </p:custDataLst>
-  </p:cSld>
-  <p:clrMapOvr>
-    <a:masterClrMapping/>
-  </p:clrMapOvr>
-</p:sld>
-</file>
-
-<file path=ppt/slides/slide12.xml><?xml version="1.0" encoding="utf-8"?>
-<p:sld xmlns:a="http://schemas.openxmlformats.org/drawingml/2006/main" xmlns:r="http://schemas.openxmlformats.org/officeDocument/2006/relationships" xmlns:p="http://schemas.openxmlformats.org/presentationml/2006/main">
-  <p:cSld>
-    <p:spTree>
-      <p:nvGrpSpPr>
-        <p:cNvPr id="1" name=""/>
-        <p:cNvGrpSpPr/>
-        <p:nvPr/>
-      </p:nvGrpSpPr>
-      <p:grpSpPr/>
-      <p:sp>
-        <p:nvSpPr>
-          <p:cNvPr id="2" name="标题 1"/>
-          <p:cNvSpPr>
-            <a:spLocks noGrp="1"/>
-          </p:cNvSpPr>
-          <p:nvPr>
-            <p:ph type="title"/>
-          </p:nvPr>
-        </p:nvSpPr>
-        <p:spPr/>
-        <p:txBody>
-          <a:bodyPr>
-            <a:normAutofit/>
-          </a:bodyPr>
-          <a:p>
-            <a:r>
-              <a:rPr lang="en-US" altLang="zh-CN">
-                <a:sym typeface="+mn-ea"/>
-              </a:rPr>
-              <a:t>Docker Commands - System</a:t>
-            </a:r>
-            <a:endParaRPr lang="zh-CN" altLang="en-US"/>
-          </a:p>
-        </p:txBody>
-      </p:sp>
-      <p:graphicFrame>
-        <p:nvGraphicFramePr>
-          <p:cNvPr id="5" name="表格 4"/>
-          <p:cNvGraphicFramePr/>
-          <p:nvPr>
-            <p:custDataLst>
-              <p:tags r:id="rId1"/>
-            </p:custDataLst>
-          </p:nvPr>
-        </p:nvGraphicFramePr>
-        <p:xfrm>
-          <a:off x="642620" y="1314450"/>
-          <a:ext cx="10984230" cy="3067050"/>
-        </p:xfrm>
-        <a:graphic>
-          <a:graphicData uri="http://schemas.openxmlformats.org/drawingml/2006/table">
-            <a:tbl>
-              <a:tblPr firstRow="1" bandRow="1">
-                <a:tableStyleId>{5C22544A-7EE6-4342-B048-85BDC9FD1C3A}</a:tableStyleId>
-              </a:tblPr>
-              <a:tblGrid>
-                <a:gridCol w="2487930"/>
-                <a:gridCol w="4834890"/>
-                <a:gridCol w="3661410"/>
-              </a:tblGrid>
-              <a:tr h="613410">
-                <a:tc>
-                  <a:txBody>
-                    <a:bodyPr/>
-                    <a:p>
-                      <a:pPr algn="ctr">
-                        <a:buNone/>
-                      </a:pPr>
-                      <a:r>
-                        <a:rPr lang="en-US" altLang="zh-CN"/>
-                        <a:t>Command</a:t>
-                      </a:r>
-                      <a:endParaRPr lang="en-US" altLang="zh-CN"/>
-                    </a:p>
-                  </a:txBody>
-                  <a:tcPr/>
-                </a:tc>
-                <a:tc>
-                  <a:txBody>
-                    <a:bodyPr/>
-                    <a:p>
-                      <a:pPr algn="ctr">
-                        <a:buNone/>
-                      </a:pPr>
-                      <a:r>
-                        <a:rPr lang="en-US" altLang="zh-CN"/>
-                        <a:t>Description</a:t>
-                      </a:r>
-                      <a:endParaRPr lang="en-US" altLang="zh-CN"/>
-                    </a:p>
-                  </a:txBody>
-                  <a:tcPr/>
-                </a:tc>
-                <a:tc>
-                  <a:txBody>
-                    <a:bodyPr/>
-                    <a:p>
-                      <a:pPr algn="ctr">
-                        <a:buNone/>
-                      </a:pPr>
-                      <a:r>
-                        <a:rPr lang="en-US" altLang="zh-CN"/>
-                        <a:t>Note</a:t>
-                      </a:r>
-                      <a:endParaRPr lang="en-US" altLang="zh-CN"/>
-                    </a:p>
-                  </a:txBody>
-                  <a:tcPr/>
-                </a:tc>
-              </a:tr>
-              <a:tr h="613410">
-                <a:tc>
-                  <a:txBody>
-                    <a:bodyPr/>
-                    <a:p>
-                      <a:pPr>
-                        <a:buNone/>
-                      </a:pPr>
-                      <a:r>
-                        <a:rPr lang="en-US" altLang="zh-CN"/>
-                        <a:t>docker system df</a:t>
-                      </a:r>
-                      <a:endParaRPr lang="en-US" altLang="zh-CN"/>
-                    </a:p>
-                  </a:txBody>
-                  <a:tcPr/>
-                </a:tc>
-                <a:tc>
-                  <a:txBody>
-                    <a:bodyPr/>
-                    <a:p>
-                      <a:pPr>
-                        <a:buNone/>
-                      </a:pPr>
-                      <a:r>
-                        <a:rPr lang="en-US" altLang="zh-CN"/>
-                        <a:t>Show docker disk usage</a:t>
-                      </a:r>
-                      <a:endParaRPr lang="en-US" altLang="zh-CN"/>
-                    </a:p>
-                  </a:txBody>
-                  <a:tcPr/>
-                </a:tc>
-                <a:tc>
-                  <a:txBody>
-                    <a:bodyPr/>
-                    <a:p>
-                      <a:pPr>
-                        <a:buNone/>
-                      </a:pPr>
-                      <a:endParaRPr lang="zh-CN" altLang="en-US"/>
-                    </a:p>
-                  </a:txBody>
-                  <a:tcPr/>
-                </a:tc>
-              </a:tr>
-              <a:tr h="613410">
-                <a:tc>
-                  <a:txBody>
-                    <a:bodyPr/>
-                    <a:p>
-                      <a:pPr>
-                        <a:buNone/>
-                      </a:pPr>
-                      <a:r>
-                        <a:rPr lang="en-US" altLang="zh-CN"/>
-                        <a:t>docker system info</a:t>
-                      </a:r>
-                      <a:endParaRPr lang="en-US" altLang="zh-CN"/>
-                    </a:p>
-                  </a:txBody>
-                  <a:tcPr/>
-                </a:tc>
-                <a:tc>
-                  <a:txBody>
-                    <a:bodyPr/>
-                    <a:p>
-                      <a:pPr>
-                        <a:buNone/>
-                      </a:pPr>
-                      <a:r>
-                        <a:rPr lang="en-US" altLang="zh-CN"/>
-                        <a:t>Display system-wide info</a:t>
-                      </a:r>
-                      <a:endParaRPr lang="en-US" altLang="zh-CN"/>
-                    </a:p>
-                  </a:txBody>
-                  <a:tcPr/>
-                </a:tc>
-                <a:tc>
-                  <a:txBody>
-                    <a:bodyPr/>
-                    <a:p>
-                      <a:pPr>
-                        <a:buNone/>
-                      </a:pPr>
-                      <a:endParaRPr lang="zh-CN" altLang="en-US"/>
-                    </a:p>
-                  </a:txBody>
-                  <a:tcPr/>
-                </a:tc>
-              </a:tr>
-              <a:tr h="613410">
-                <a:tc>
-                  <a:txBody>
-                    <a:bodyPr/>
-                    <a:p>
-                      <a:pPr>
-                        <a:buNone/>
-                      </a:pPr>
-                      <a:r>
-                        <a:rPr lang="en-US" altLang="zh-CN"/>
-                        <a:t>docker system prune</a:t>
-                      </a:r>
-                      <a:endParaRPr lang="en-US" altLang="zh-CN"/>
-                    </a:p>
-                  </a:txBody>
-                  <a:tcPr/>
-                </a:tc>
-                <a:tc>
-                  <a:txBody>
-                    <a:bodyPr/>
-                    <a:p>
-                      <a:pPr>
-                        <a:buNone/>
-                      </a:pPr>
-                      <a:r>
-                        <a:rPr lang="en-US" altLang="zh-CN"/>
-                        <a:t>Remove unused data</a:t>
-                      </a:r>
-                      <a:endParaRPr lang="en-US" altLang="zh-CN"/>
-                    </a:p>
-                  </a:txBody>
-                  <a:tcPr/>
-                </a:tc>
-                <a:tc>
-                  <a:txBody>
-                    <a:bodyPr/>
-                    <a:p>
-                      <a:pPr>
-                        <a:buNone/>
-                      </a:pPr>
-                      <a:r>
-                        <a:rPr lang="en-US" altLang="zh-CN"/>
-                        <a:t>Files in /var/lib/docker are huge.</a:t>
-                      </a:r>
-                      <a:endParaRPr lang="en-US" altLang="zh-CN"/>
-                    </a:p>
-                  </a:txBody>
-                  <a:tcPr/>
-                </a:tc>
-              </a:tr>
-              <a:tr h="613410">
-                <a:tc>
-                  <a:txBody>
-                    <a:bodyPr/>
-                    <a:p>
-                      <a:pPr>
-                        <a:buNone/>
-                      </a:pPr>
-                      <a:r>
-                        <a:rPr lang="en-US" altLang="zh-CN" b="1"/>
-                        <a:t>docker system events</a:t>
-                      </a:r>
-                      <a:endParaRPr lang="en-US" altLang="zh-CN" b="1"/>
-                    </a:p>
-                  </a:txBody>
-                  <a:tcPr/>
-                </a:tc>
-                <a:tc>
-                  <a:txBody>
-                    <a:bodyPr/>
-                    <a:p>
-                      <a:pPr>
-                        <a:buNone/>
-                      </a:pPr>
-                      <a:r>
-                        <a:rPr lang="en-US" altLang="zh-CN"/>
-                        <a:t>Get real-time events from the server</a:t>
-                      </a:r>
-                      <a:endParaRPr lang="en-US" altLang="zh-CN"/>
-                    </a:p>
-                  </a:txBody>
-                  <a:tcPr/>
-                </a:tc>
-                <a:tc>
-                  <a:txBody>
-                    <a:bodyPr/>
-                    <a:p>
-                      <a:pPr>
-                        <a:buNone/>
-                      </a:pPr>
-                      <a:endParaRPr lang="zh-CN" altLang="en-US"/>
                     </a:p>
                   </a:txBody>
                   <a:tcPr/>
@@ -5069,13 +5033,17 @@
         </p:nvSpPr>
         <p:spPr/>
         <p:txBody>
-          <a:bodyPr/>
-          <a:p>
-            <a:r>
-              <a:rPr lang="en-US" altLang="zh-CN"/>
-              <a:t>Docker Commands - Container</a:t>
-            </a:r>
-            <a:endParaRPr lang="en-US" altLang="zh-CN"/>
+          <a:bodyPr>
+            <a:normAutofit/>
+          </a:bodyPr>
+          <a:p>
+            <a:r>
+              <a:rPr lang="en-US" altLang="zh-CN">
+                <a:sym typeface="+mn-ea"/>
+              </a:rPr>
+              <a:t>Docker Commands - System</a:t>
+            </a:r>
+            <a:endParaRPr lang="zh-CN" altLang="en-US"/>
           </a:p>
         </p:txBody>
       </p:sp>
@@ -5091,7 +5059,7 @@
         </p:nvGraphicFramePr>
         <p:xfrm>
           <a:off x="642620" y="1314450"/>
-          <a:ext cx="10984230" cy="4933950"/>
+          <a:ext cx="10984230" cy="3707130"/>
         </p:xfrm>
         <a:graphic>
           <a:graphicData uri="http://schemas.openxmlformats.org/drawingml/2006/table">
@@ -5100,9 +5068,9 @@
                 <a:tableStyleId>{5C22544A-7EE6-4342-B048-85BDC9FD1C3A}</a:tableStyleId>
               </a:tblPr>
               <a:tblGrid>
-                <a:gridCol w="5093335"/>
-                <a:gridCol w="3425190"/>
-                <a:gridCol w="2465705"/>
+                <a:gridCol w="2580005"/>
+                <a:gridCol w="4742815"/>
+                <a:gridCol w="3661410"/>
               </a:tblGrid>
               <a:tr h="613410">
                 <a:tc>
@@ -5163,24 +5131,24 @@
                         <a:buNone/>
                       </a:pPr>
                       <a:r>
+                        <a:rPr lang="en-US" altLang="zh-CN" b="1"/>
+                        <a:t>docker system df -v</a:t>
+                      </a:r>
+                      <a:endParaRPr lang="en-US" altLang="zh-CN" b="1"/>
+                    </a:p>
+                  </a:txBody>
+                  <a:tcPr/>
+                </a:tc>
+                <a:tc>
+                  <a:txBody>
+                    <a:bodyPr/>
+                    <a:p>
+                      <a:pPr>
+                        <a:buNone/>
+                      </a:pPr>
+                      <a:r>
                         <a:rPr lang="en-US" altLang="zh-CN"/>
-                        <a:t>docker container ls -a</a:t>
-                      </a:r>
-                      <a:endParaRPr lang="en-US" altLang="zh-CN"/>
-                    </a:p>
-                  </a:txBody>
-                  <a:tcPr/>
-                </a:tc>
-                <a:tc>
-                  <a:txBody>
-                    <a:bodyPr/>
-                    <a:p>
-                      <a:pPr>
-                        <a:buNone/>
-                      </a:pPr>
-                      <a:r>
-                        <a:rPr lang="en-US" altLang="zh-CN"/>
-                        <a:t>list containers</a:t>
+                        <a:t>Show docker disk usage</a:t>
                       </a:r>
                       <a:endParaRPr lang="en-US" altLang="zh-CN"/>
                     </a:p>
@@ -5210,7 +5178,7 @@
                       </a:pPr>
                       <a:r>
                         <a:rPr lang="en-US" altLang="zh-CN"/>
-                        <a:t>docker container ps</a:t>
+                        <a:t>docker system info</a:t>
                       </a:r>
                       <a:endParaRPr lang="en-US" altLang="zh-CN"/>
                     </a:p>
@@ -5225,10 +5193,8 @@
                         <a:buNone/>
                       </a:pPr>
                       <a:r>
-                        <a:rPr lang="en-US" altLang="zh-CN" sz="1800">
-                          <a:sym typeface="+mn-ea"/>
-                        </a:rPr>
-                        <a:t>list containers</a:t>
+                        <a:rPr lang="en-US" altLang="zh-CN"/>
+                        <a:t>Display system-wide info</a:t>
                       </a:r>
                       <a:endParaRPr lang="en-US" altLang="zh-CN"/>
                     </a:p>
@@ -5253,32 +5219,56 @@
                   <a:txBody>
                     <a:bodyPr/>
                     <a:p>
-                      <a:pPr marL="0" lvl="1" algn="l">
-                        <a:buClrTx/>
-                        <a:buSzTx/>
-                        <a:buFontTx/>
-                      </a:pPr>
-                      <a:r>
-                        <a:rPr lang="en-US" altLang="zh-CN" sz="1800">
-                          <a:sym typeface="+mn-ea"/>
+                      <a:pPr>
+                        <a:buNone/>
+                      </a:pPr>
+                      <a:r>
+                        <a:rPr lang="en-US" altLang="zh-CN"/>
+                        <a:t>docker system prune</a:t>
+                      </a:r>
+                      <a:endParaRPr lang="en-US" altLang="zh-CN"/>
+                    </a:p>
+                    <a:p>
+                      <a:pPr>
+                        <a:buNone/>
+                      </a:pPr>
+                      <a:r>
+                        <a:rPr lang="en-US" altLang="zh-CN">
+                          <a:solidFill>
+                            <a:srgbClr val="FF0000"/>
+                          </a:solidFill>
                         </a:rPr>
-                        <a:t>docker container stop {container-name}</a:t>
+                        <a:t>docker system prune -a</a:t>
+                      </a:r>
+                      <a:endParaRPr lang="en-US" altLang="zh-CN">
+                        <a:solidFill>
+                          <a:srgbClr val="FF0000"/>
+                        </a:solidFill>
+                      </a:endParaRPr>
+                    </a:p>
+                  </a:txBody>
+                  <a:tcPr/>
+                </a:tc>
+                <a:tc>
+                  <a:txBody>
+                    <a:bodyPr/>
+                    <a:p>
+                      <a:pPr>
+                        <a:buNone/>
+                      </a:pPr>
+                      <a:r>
+                        <a:rPr lang="en-US" altLang="zh-CN"/>
+                        <a:t>Remove unused data</a:t>
                       </a:r>
                       <a:endParaRPr lang="en-US" altLang="zh-CN"/>
                     </a:p>
-                  </a:txBody>
-                  <a:tcPr/>
-                </a:tc>
-                <a:tc>
-                  <a:txBody>
-                    <a:bodyPr/>
                     <a:p>
                       <a:pPr>
                         <a:buNone/>
                       </a:pPr>
                       <a:r>
                         <a:rPr lang="en-US" altLang="zh-CN"/>
-                        <a:t>stop container</a:t>
+                        <a:t>Remove all unused data</a:t>
                       </a:r>
                       <a:endParaRPr lang="en-US" altLang="zh-CN"/>
                     </a:p>
@@ -5292,6 +5282,10 @@
                       <a:pPr>
                         <a:buNone/>
                       </a:pPr>
+                      <a:r>
+                        <a:rPr lang="en-US" altLang="zh-CN"/>
+                        <a:t>Files in /var/lib/docker are huge.</a:t>
+                      </a:r>
                       <a:endParaRPr lang="en-US" altLang="zh-CN"/>
                     </a:p>
                   </a:txBody>
@@ -5303,15 +5297,33 @@
                   <a:txBody>
                     <a:bodyPr/>
                     <a:p>
-                      <a:pPr marL="0" lvl="1">
-                        <a:buNone/>
-                      </a:pPr>
-                      <a:r>
-                        <a:rPr lang="en-US" altLang="zh-CN" sz="1800">
-                          <a:sym typeface="+mn-ea"/>
+                      <a:pPr>
+                        <a:buNone/>
+                      </a:pPr>
+                      <a:r>
+                        <a:rPr lang="en-US" altLang="zh-CN">
+                          <a:solidFill>
+                            <a:srgbClr val="FF0000"/>
+                          </a:solidFill>
                         </a:rPr>
-                        <a:t>docker container stop $(docker container ls -aq)</a:t>
-                      </a:r>
+                        <a:t>sudo docker builder prune -a</a:t>
+                      </a:r>
+                      <a:endParaRPr lang="en-US" altLang="zh-CN">
+                        <a:solidFill>
+                          <a:srgbClr val="FF0000"/>
+                        </a:solidFill>
+                      </a:endParaRPr>
+                    </a:p>
+                  </a:txBody>
+                  <a:tcPr/>
+                </a:tc>
+                <a:tc>
+                  <a:txBody>
+                    <a:bodyPr/>
+                    <a:p>
+                      <a:pPr>
+                        <a:buNone/>
+                      </a:pPr>
                       <a:endParaRPr lang="en-US" altLang="zh-CN"/>
                     </a:p>
                   </a:txBody>
@@ -5324,23 +5336,7 @@
                       <a:pPr>
                         <a:buNone/>
                       </a:pPr>
-                      <a:r>
-                        <a:rPr lang="en-US" altLang="zh-CN"/>
-                        <a:t>stop all containers</a:t>
-                      </a:r>
                       <a:endParaRPr lang="en-US" altLang="zh-CN"/>
-                    </a:p>
-                  </a:txBody>
-                  <a:tcPr/>
-                </a:tc>
-                <a:tc>
-                  <a:txBody>
-                    <a:bodyPr/>
-                    <a:p>
-                      <a:pPr>
-                        <a:buNone/>
-                      </a:pPr>
-                      <a:endParaRPr lang="zh-CN" altLang="en-US"/>
                     </a:p>
                   </a:txBody>
                   <a:tcPr/>
@@ -5351,119 +5347,29 @@
                   <a:txBody>
                     <a:bodyPr/>
                     <a:p>
-                      <a:pPr marL="0" lvl="1">
-                        <a:buNone/>
-                      </a:pPr>
-                      <a:r>
-                        <a:rPr lang="en-US" altLang="zh-CN" sz="1800">
-                          <a:sym typeface="+mn-ea"/>
-                        </a:rPr>
-                        <a:t>docker container rm --force {container-name}</a:t>
-                      </a:r>
-                      <a:endParaRPr lang="en-US" altLang="zh-CN"/>
-                    </a:p>
-                  </a:txBody>
-                  <a:tcPr/>
-                </a:tc>
-                <a:tc>
-                  <a:txBody>
-                    <a:bodyPr/>
-                    <a:p>
                       <a:pPr>
                         <a:buNone/>
                       </a:pPr>
                       <a:r>
+                        <a:rPr lang="en-US" altLang="zh-CN" b="1"/>
+                        <a:t>docker system events</a:t>
+                      </a:r>
+                      <a:endParaRPr lang="en-US" altLang="zh-CN" b="1"/>
+                    </a:p>
+                  </a:txBody>
+                  <a:tcPr/>
+                </a:tc>
+                <a:tc>
+                  <a:txBody>
+                    <a:bodyPr/>
+                    <a:p>
+                      <a:pPr>
+                        <a:buNone/>
+                      </a:pPr>
+                      <a:r>
                         <a:rPr lang="en-US" altLang="zh-CN"/>
-                        <a:t>remove a container</a:t>
-                      </a:r>
-                      <a:endParaRPr lang="en-US" altLang="zh-CN"/>
-                    </a:p>
-                  </a:txBody>
-                  <a:tcPr/>
-                </a:tc>
-                <a:tc>
-                  <a:txBody>
-                    <a:bodyPr/>
-                    <a:p>
-                      <a:pPr>
-                        <a:buNone/>
-                      </a:pPr>
-                      <a:endParaRPr lang="zh-CN" altLang="en-US"/>
-                    </a:p>
-                  </a:txBody>
-                  <a:tcPr/>
-                </a:tc>
-              </a:tr>
-              <a:tr h="613410">
-                <a:tc>
-                  <a:txBody>
-                    <a:bodyPr/>
-                    <a:p>
-                      <a:pPr marL="0" lvl="1">
-                        <a:buNone/>
-                      </a:pPr>
-                      <a:r>
-                        <a:rPr lang="en-US" altLang="zh-CN" sz="1800">
-                          <a:sym typeface="+mn-ea"/>
-                        </a:rPr>
-                        <a:t>docker container run --name {container-name} {image-name}</a:t>
-                      </a:r>
-                      <a:endParaRPr lang="en-US" altLang="zh-CN"/>
-                    </a:p>
-                  </a:txBody>
-                  <a:tcPr/>
-                </a:tc>
-                <a:tc>
-                  <a:txBody>
-                    <a:bodyPr/>
-                    <a:p>
-                      <a:pPr>
-                        <a:buNone/>
-                      </a:pPr>
-                      <a:endParaRPr lang="en-US" altLang="zh-CN"/>
-                    </a:p>
-                  </a:txBody>
-                  <a:tcPr/>
-                </a:tc>
-                <a:tc>
-                  <a:txBody>
-                    <a:bodyPr/>
-                    <a:p>
-                      <a:pPr>
-                        <a:buNone/>
-                      </a:pPr>
-                      <a:endParaRPr lang="zh-CN" altLang="en-US"/>
-                    </a:p>
-                  </a:txBody>
-                  <a:tcPr/>
-                </a:tc>
-              </a:tr>
-              <a:tr h="613410">
-                <a:tc>
-                  <a:txBody>
-                    <a:bodyPr/>
-                    <a:p>
-                      <a:pPr marL="0" lvl="1">
-                        <a:buNone/>
-                      </a:pPr>
-                      <a:r>
-                        <a:rPr lang="en-US" altLang="zh-CN" sz="1800">
-                          <a:sym typeface="+mn-ea"/>
-                        </a:rPr>
-                        <a:t>docker top/stats/attach/pause/unpause/kill/stop/rm {container-id}</a:t>
-                      </a:r>
-                      <a:endParaRPr lang="en-US" altLang="zh-CN"/>
-                    </a:p>
-                  </a:txBody>
-                  <a:tcPr/>
-                </a:tc>
-                <a:tc>
-                  <a:txBody>
-                    <a:bodyPr/>
-                    <a:p>
-                      <a:pPr>
-                        <a:buNone/>
-                      </a:pPr>
+                        <a:t>Get real-time events from the server</a:t>
+                      </a:r>
                       <a:endParaRPr lang="en-US" altLang="zh-CN"/>
                     </a:p>
                   </a:txBody>
@@ -5486,9 +5392,33 @@
           </a:graphicData>
         </a:graphic>
       </p:graphicFrame>
+      <p:pic>
+        <p:nvPicPr>
+          <p:cNvPr id="3" name="图片 2"/>
+          <p:cNvPicPr>
+            <a:picLocks noChangeAspect="1"/>
+          </p:cNvPicPr>
+          <p:nvPr/>
+        </p:nvPicPr>
+        <p:blipFill>
+          <a:blip r:embed="rId2"/>
+          <a:stretch>
+            <a:fillRect/>
+          </a:stretch>
+        </p:blipFill>
+        <p:spPr>
+          <a:xfrm>
+            <a:off x="8573770" y="3992245"/>
+            <a:ext cx="2247900" cy="2674620"/>
+          </a:xfrm>
+          <a:prstGeom prst="rect">
+            <a:avLst/>
+          </a:prstGeom>
+        </p:spPr>
+      </p:pic>
     </p:spTree>
     <p:custDataLst>
-      <p:tags r:id="rId2"/>
+      <p:tags r:id="rId3"/>
     </p:custDataLst>
   </p:cSld>
   <p:clrMapOvr>
@@ -5523,7 +5453,7 @@
           <a:p>
             <a:r>
               <a:rPr lang="en-US" altLang="zh-CN"/>
-              <a:t>Docker Commnads - Image</a:t>
+              <a:t>Docker Commands - Container</a:t>
             </a:r>
             <a:endParaRPr lang="en-US" altLang="zh-CN"/>
           </a:p>
@@ -5531,18 +5461,17 @@
       </p:sp>
       <p:graphicFrame>
         <p:nvGraphicFramePr>
-          <p:cNvPr id="5" name="内容占位符 4"/>
+          <p:cNvPr id="5" name="表格 4"/>
           <p:cNvGraphicFramePr/>
           <p:nvPr>
-            <p:ph idx="1"/>
             <p:custDataLst>
               <p:tags r:id="rId1"/>
             </p:custDataLst>
           </p:nvPr>
         </p:nvGraphicFramePr>
         <p:xfrm>
-          <a:off x="838200" y="1211581"/>
-          <a:ext cx="10515600" cy="2834640"/>
+          <a:off x="642620" y="1314450"/>
+          <a:ext cx="10984230" cy="4933950"/>
         </p:xfrm>
         <a:graphic>
           <a:graphicData uri="http://schemas.openxmlformats.org/drawingml/2006/table">
@@ -5551,11 +5480,11 @@
                 <a:tableStyleId>{5C22544A-7EE6-4342-B048-85BDC9FD1C3A}</a:tableStyleId>
               </a:tblPr>
               <a:tblGrid>
-                <a:gridCol w="3760470"/>
-                <a:gridCol w="3869055"/>
-                <a:gridCol w="2886075"/>
+                <a:gridCol w="5093335"/>
+                <a:gridCol w="3425190"/>
+                <a:gridCol w="2465705"/>
               </a:tblGrid>
-              <a:tr h="365760">
+              <a:tr h="613410">
                 <a:tc>
                   <a:txBody>
                     <a:bodyPr/>
@@ -5605,7 +5534,7 @@
                   <a:tcPr/>
                 </a:tc>
               </a:tr>
-              <a:tr h="365760">
+              <a:tr h="613410">
                 <a:tc>
                   <a:txBody>
                     <a:bodyPr/>
@@ -5615,7 +5544,7 @@
                       </a:pPr>
                       <a:r>
                         <a:rPr lang="en-US" altLang="zh-CN"/>
-                        <a:t>docker images</a:t>
+                        <a:t>docker container ls -a</a:t>
                       </a:r>
                       <a:endParaRPr lang="en-US" altLang="zh-CN"/>
                     </a:p>
@@ -5631,7 +5560,7 @@
                       </a:pPr>
                       <a:r>
                         <a:rPr lang="en-US" altLang="zh-CN"/>
-                        <a:t>list installed images</a:t>
+                        <a:t>list containers</a:t>
                       </a:r>
                       <a:endParaRPr lang="en-US" altLang="zh-CN"/>
                     </a:p>
@@ -5645,71 +5574,41 @@
                       <a:pPr>
                         <a:buNone/>
                       </a:pPr>
+                      <a:endParaRPr lang="zh-CN" altLang="en-US"/>
+                    </a:p>
+                  </a:txBody>
+                  <a:tcPr/>
+                </a:tc>
+              </a:tr>
+              <a:tr h="613410">
+                <a:tc>
+                  <a:txBody>
+                    <a:bodyPr/>
+                    <a:p>
+                      <a:pPr>
+                        <a:buNone/>
+                      </a:pPr>
+                      <a:r>
+                        <a:rPr lang="en-US" altLang="zh-CN"/>
+                        <a:t>docker container ps</a:t>
+                      </a:r>
                       <a:endParaRPr lang="en-US" altLang="zh-CN"/>
                     </a:p>
                   </a:txBody>
                   <a:tcPr/>
                 </a:tc>
-              </a:tr>
-              <a:tr h="640080">
                 <a:tc>
                   <a:txBody>
                     <a:bodyPr/>
                     <a:p>
                       <a:pPr>
-                        <a:buNone/>
-                      </a:pPr>
-                      <a:r>
-                        <a:rPr lang="en-US" altLang="zh-CN"/>
-                        <a:t>docker image prune</a:t>
-                      </a:r>
-                      <a:endParaRPr lang="en-US" altLang="zh-CN"/>
-                    </a:p>
-                  </a:txBody>
-                  <a:tcPr/>
-                </a:tc>
-                <a:tc>
-                  <a:txBody>
-                    <a:bodyPr/>
-                    <a:p>
-                      <a:pPr>
-                        <a:buNone/>
-                      </a:pPr>
-                      <a:r>
-                        <a:rPr lang="en-US" altLang="zh-CN"/>
-                        <a:t>clean up dangling images, free huge space</a:t>
-                      </a:r>
-                      <a:endParaRPr lang="en-US" altLang="zh-CN"/>
-                    </a:p>
-                  </a:txBody>
-                  <a:tcPr/>
-                </a:tc>
-                <a:tc>
-                  <a:txBody>
-                    <a:bodyPr/>
-                    <a:p>
-                      <a:pPr>
-                        <a:buNone/>
-                      </a:pPr>
-                      <a:endParaRPr lang="en-US" altLang="zh-CN"/>
-                    </a:p>
-                  </a:txBody>
-                  <a:tcPr/>
-                </a:tc>
-              </a:tr>
-              <a:tr h="365760">
-                <a:tc>
-                  <a:txBody>
-                    <a:bodyPr/>
-                    <a:p>
-                      <a:pPr marL="0" lvl="1">
                         <a:buNone/>
                       </a:pPr>
                       <a:r>
                         <a:rPr lang="en-US" altLang="zh-CN" sz="1800">
                           <a:sym typeface="+mn-ea"/>
                         </a:rPr>
-                        <a:t>docker rmi {image-id}</a:t>
+                        <a:t>list containers</a:t>
                       </a:r>
                       <a:endParaRPr lang="en-US" altLang="zh-CN"/>
                     </a:p>
@@ -5723,41 +5622,27 @@
                       <a:pPr>
                         <a:buNone/>
                       </a:pPr>
-                      <a:r>
-                        <a:rPr lang="en-US" altLang="zh-CN"/>
-                        <a:t>remove docker image</a:t>
-                      </a:r>
-                      <a:endParaRPr lang="en-US" altLang="zh-CN"/>
-                    </a:p>
-                  </a:txBody>
-                  <a:tcPr/>
-                </a:tc>
-                <a:tc>
-                  <a:txBody>
-                    <a:bodyPr/>
-                    <a:p>
-                      <a:pPr>
-                        <a:buNone/>
-                      </a:pPr>
-                      <a:endParaRPr lang="en-US" altLang="zh-CN"/>
+                      <a:endParaRPr lang="zh-CN" altLang="en-US"/>
                     </a:p>
                   </a:txBody>
                   <a:tcPr/>
                 </a:tc>
               </a:tr>
-              <a:tr h="365760">
-                <a:tc>
-                  <a:txBody>
-                    <a:bodyPr/>
-                    <a:p>
-                      <a:pPr marL="0" lvl="1">
-                        <a:buNone/>
+              <a:tr h="613410">
+                <a:tc>
+                  <a:txBody>
+                    <a:bodyPr/>
+                    <a:p>
+                      <a:pPr marL="0" lvl="1" algn="l">
+                        <a:buClrTx/>
+                        <a:buSzTx/>
+                        <a:buFontTx/>
                       </a:pPr>
                       <a:r>
                         <a:rPr lang="en-US" altLang="zh-CN" sz="1800">
                           <a:sym typeface="+mn-ea"/>
                         </a:rPr>
-                        <a:t>docker image build -t {image-name}</a:t>
+                        <a:t>docker container stop {container-name}</a:t>
                       </a:r>
                       <a:endParaRPr lang="en-US" altLang="zh-CN"/>
                     </a:p>
@@ -5771,6 +5656,10 @@
                       <a:pPr>
                         <a:buNone/>
                       </a:pPr>
+                      <a:r>
+                        <a:rPr lang="en-US" altLang="zh-CN"/>
+                        <a:t>stop container</a:t>
+                      </a:r>
                       <a:endParaRPr lang="en-US" altLang="zh-CN"/>
                     </a:p>
                   </a:txBody>
@@ -5789,7 +5678,55 @@
                   <a:tcPr/>
                 </a:tc>
               </a:tr>
-              <a:tr h="365760">
+              <a:tr h="613410">
+                <a:tc>
+                  <a:txBody>
+                    <a:bodyPr/>
+                    <a:p>
+                      <a:pPr marL="0" lvl="1">
+                        <a:buNone/>
+                      </a:pPr>
+                      <a:r>
+                        <a:rPr lang="en-US" altLang="zh-CN" sz="1800" b="1">
+                          <a:sym typeface="+mn-ea"/>
+                        </a:rPr>
+                        <a:t>docker container stop $(docker container ls -aq)</a:t>
+                      </a:r>
+                      <a:endParaRPr lang="en-US" altLang="zh-CN" b="1"/>
+                    </a:p>
+                  </a:txBody>
+                  <a:tcPr/>
+                </a:tc>
+                <a:tc>
+                  <a:txBody>
+                    <a:bodyPr/>
+                    <a:p>
+                      <a:pPr>
+                        <a:buNone/>
+                      </a:pPr>
+                      <a:r>
+                        <a:rPr lang="en-US" altLang="zh-CN" b="1"/>
+                        <a:t>stop all containers</a:t>
+                      </a:r>
+                      <a:endParaRPr lang="en-US" altLang="zh-CN" b="1"/>
+                    </a:p>
+                  </a:txBody>
+                  <a:tcPr/>
+                </a:tc>
+                <a:tc>
+                  <a:txBody>
+                    <a:bodyPr/>
+                    <a:p>
+                      <a:pPr>
+                        <a:buNone/>
+                      </a:pPr>
+                      <a:endParaRPr lang="zh-CN" altLang="en-US"/>
+                    </a:p>
+                  </a:txBody>
+                  <a:tcPr/>
+                </a:tc>
+              </a:tr>
+              <a:tr h="613410">
                 <a:tc>
                   <a:txBody>
                     <a:bodyPr/>
@@ -5801,7 +5738,7 @@
                         <a:rPr lang="en-US" altLang="zh-CN" sz="1800">
                           <a:sym typeface="+mn-ea"/>
                         </a:rPr>
-                        <a:t>docker inspect {image-name}</a:t>
+                        <a:t>docker container rm --force {container-name}</a:t>
                       </a:r>
                       <a:endParaRPr lang="en-US" altLang="zh-CN"/>
                     </a:p>
@@ -5815,6 +5752,10 @@
                       <a:pPr>
                         <a:buNone/>
                       </a:pPr>
+                      <a:r>
+                        <a:rPr lang="en-US" altLang="zh-CN"/>
+                        <a:t>remove a container</a:t>
+                      </a:r>
                       <a:endParaRPr lang="en-US" altLang="zh-CN"/>
                     </a:p>
                   </a:txBody>
@@ -5827,13 +5768,13 @@
                       <a:pPr>
                         <a:buNone/>
                       </a:pPr>
-                      <a:endParaRPr lang="en-US" altLang="zh-CN"/>
+                      <a:endParaRPr lang="zh-CN" altLang="en-US"/>
                     </a:p>
                   </a:txBody>
                   <a:tcPr/>
                 </a:tc>
               </a:tr>
-              <a:tr h="365760">
+              <a:tr h="613410">
                 <a:tc>
                   <a:txBody>
                     <a:bodyPr/>
@@ -5845,7 +5786,7 @@
                         <a:rPr lang="en-US" altLang="zh-CN" sz="1800">
                           <a:sym typeface="+mn-ea"/>
                         </a:rPr>
-                        <a:t>docker history {image-id}</a:t>
+                        <a:t>docker container run --name {container-name} {image-name}</a:t>
                       </a:r>
                       <a:endParaRPr lang="en-US" altLang="zh-CN"/>
                     </a:p>
@@ -5871,7 +5812,51 @@
                       <a:pPr>
                         <a:buNone/>
                       </a:pPr>
+                      <a:endParaRPr lang="zh-CN" altLang="en-US"/>
+                    </a:p>
+                  </a:txBody>
+                  <a:tcPr/>
+                </a:tc>
+              </a:tr>
+              <a:tr h="613410">
+                <a:tc>
+                  <a:txBody>
+                    <a:bodyPr/>
+                    <a:p>
+                      <a:pPr marL="0" lvl="1">
+                        <a:buNone/>
+                      </a:pPr>
+                      <a:r>
+                        <a:rPr lang="en-US" altLang="zh-CN" sz="1800">
+                          <a:sym typeface="+mn-ea"/>
+                        </a:rPr>
+                        <a:t>docker top/stats/attach/pause/unpause/kill/stop/rm {container-id}</a:t>
+                      </a:r>
                       <a:endParaRPr lang="en-US" altLang="zh-CN"/>
+                    </a:p>
+                  </a:txBody>
+                  <a:tcPr/>
+                </a:tc>
+                <a:tc>
+                  <a:txBody>
+                    <a:bodyPr/>
+                    <a:p>
+                      <a:pPr>
+                        <a:buNone/>
+                      </a:pPr>
+                      <a:endParaRPr lang="en-US" altLang="zh-CN"/>
+                    </a:p>
+                  </a:txBody>
+                  <a:tcPr/>
+                </a:tc>
+                <a:tc>
+                  <a:txBody>
+                    <a:bodyPr/>
+                    <a:p>
+                      <a:pPr>
+                        <a:buNone/>
+                      </a:pPr>
+                      <a:endParaRPr lang="zh-CN" altLang="en-US"/>
                     </a:p>
                   </a:txBody>
                   <a:tcPr/>
@@ -5918,6 +5903,723 @@
           <a:p>
             <a:r>
               <a:rPr lang="en-US" altLang="zh-CN"/>
+              <a:t>Docker Commnads - Image</a:t>
+            </a:r>
+            <a:endParaRPr lang="en-US" altLang="zh-CN"/>
+          </a:p>
+        </p:txBody>
+      </p:sp>
+      <p:graphicFrame>
+        <p:nvGraphicFramePr>
+          <p:cNvPr id="5" name="内容占位符 4"/>
+          <p:cNvGraphicFramePr/>
+          <p:nvPr>
+            <p:ph idx="1"/>
+            <p:custDataLst>
+              <p:tags r:id="rId1"/>
+            </p:custDataLst>
+          </p:nvPr>
+        </p:nvGraphicFramePr>
+        <p:xfrm>
+          <a:off x="838200" y="1211581"/>
+          <a:ext cx="10515600" cy="2834640"/>
+        </p:xfrm>
+        <a:graphic>
+          <a:graphicData uri="http://schemas.openxmlformats.org/drawingml/2006/table">
+            <a:tbl>
+              <a:tblPr firstRow="1" bandRow="1">
+                <a:tableStyleId>{5C22544A-7EE6-4342-B048-85BDC9FD1C3A}</a:tableStyleId>
+              </a:tblPr>
+              <a:tblGrid>
+                <a:gridCol w="3760470"/>
+                <a:gridCol w="3869055"/>
+                <a:gridCol w="2886075"/>
+              </a:tblGrid>
+              <a:tr h="365760">
+                <a:tc>
+                  <a:txBody>
+                    <a:bodyPr/>
+                    <a:p>
+                      <a:pPr algn="ctr">
+                        <a:buNone/>
+                      </a:pPr>
+                      <a:r>
+                        <a:rPr lang="en-US" altLang="zh-CN"/>
+                        <a:t>Command</a:t>
+                      </a:r>
+                      <a:endParaRPr lang="en-US" altLang="zh-CN"/>
+                    </a:p>
+                  </a:txBody>
+                  <a:tcPr/>
+                </a:tc>
+                <a:tc>
+                  <a:txBody>
+                    <a:bodyPr/>
+                    <a:p>
+                      <a:pPr algn="ctr">
+                        <a:buNone/>
+                      </a:pPr>
+                      <a:r>
+                        <a:rPr lang="en-US" altLang="zh-CN"/>
+                        <a:t>Description</a:t>
+                      </a:r>
+                      <a:endParaRPr lang="en-US" altLang="zh-CN"/>
+                    </a:p>
+                  </a:txBody>
+                  <a:tcPr/>
+                </a:tc>
+                <a:tc>
+                  <a:txBody>
+                    <a:bodyPr/>
+                    <a:p>
+                      <a:pPr algn="ctr">
+                        <a:buNone/>
+                      </a:pPr>
+                      <a:r>
+                        <a:rPr lang="en-US" altLang="zh-CN"/>
+                        <a:t>Note</a:t>
+                      </a:r>
+                      <a:endParaRPr lang="en-US" altLang="zh-CN"/>
+                    </a:p>
+                  </a:txBody>
+                  <a:tcPr/>
+                </a:tc>
+              </a:tr>
+              <a:tr h="365760">
+                <a:tc>
+                  <a:txBody>
+                    <a:bodyPr/>
+                    <a:p>
+                      <a:pPr>
+                        <a:buNone/>
+                      </a:pPr>
+                      <a:r>
+                        <a:rPr lang="en-US" altLang="zh-CN"/>
+                        <a:t>docker images</a:t>
+                      </a:r>
+                      <a:endParaRPr lang="en-US" altLang="zh-CN"/>
+                    </a:p>
+                  </a:txBody>
+                  <a:tcPr/>
+                </a:tc>
+                <a:tc>
+                  <a:txBody>
+                    <a:bodyPr/>
+                    <a:p>
+                      <a:pPr>
+                        <a:buNone/>
+                      </a:pPr>
+                      <a:r>
+                        <a:rPr lang="en-US" altLang="zh-CN"/>
+                        <a:t>list installed images</a:t>
+                      </a:r>
+                      <a:endParaRPr lang="en-US" altLang="zh-CN"/>
+                    </a:p>
+                  </a:txBody>
+                  <a:tcPr/>
+                </a:tc>
+                <a:tc>
+                  <a:txBody>
+                    <a:bodyPr/>
+                    <a:p>
+                      <a:pPr>
+                        <a:buNone/>
+                      </a:pPr>
+                      <a:endParaRPr lang="en-US" altLang="zh-CN"/>
+                    </a:p>
+                  </a:txBody>
+                  <a:tcPr/>
+                </a:tc>
+              </a:tr>
+              <a:tr h="640080">
+                <a:tc>
+                  <a:txBody>
+                    <a:bodyPr/>
+                    <a:p>
+                      <a:pPr>
+                        <a:buNone/>
+                      </a:pPr>
+                      <a:r>
+                        <a:rPr lang="en-US" altLang="zh-CN"/>
+                        <a:t>docker image prune</a:t>
+                      </a:r>
+                      <a:endParaRPr lang="en-US" altLang="zh-CN"/>
+                    </a:p>
+                  </a:txBody>
+                  <a:tcPr/>
+                </a:tc>
+                <a:tc>
+                  <a:txBody>
+                    <a:bodyPr/>
+                    <a:p>
+                      <a:pPr>
+                        <a:buNone/>
+                      </a:pPr>
+                      <a:r>
+                        <a:rPr lang="en-US" altLang="zh-CN"/>
+                        <a:t>clean up dangling images, free huge space</a:t>
+                      </a:r>
+                      <a:endParaRPr lang="en-US" altLang="zh-CN"/>
+                    </a:p>
+                  </a:txBody>
+                  <a:tcPr/>
+                </a:tc>
+                <a:tc>
+                  <a:txBody>
+                    <a:bodyPr/>
+                    <a:p>
+                      <a:pPr>
+                        <a:buNone/>
+                      </a:pPr>
+                      <a:endParaRPr lang="en-US" altLang="zh-CN"/>
+                    </a:p>
+                  </a:txBody>
+                  <a:tcPr/>
+                </a:tc>
+              </a:tr>
+              <a:tr h="365760">
+                <a:tc>
+                  <a:txBody>
+                    <a:bodyPr/>
+                    <a:p>
+                      <a:pPr marL="0" lvl="1">
+                        <a:buNone/>
+                      </a:pPr>
+                      <a:r>
+                        <a:rPr lang="en-US" altLang="zh-CN" sz="1800" b="1">
+                          <a:sym typeface="+mn-ea"/>
+                        </a:rPr>
+                        <a:t>docker rmi {image-id}</a:t>
+                      </a:r>
+                      <a:endParaRPr lang="en-US" altLang="zh-CN" b="1"/>
+                    </a:p>
+                  </a:txBody>
+                  <a:tcPr/>
+                </a:tc>
+                <a:tc>
+                  <a:txBody>
+                    <a:bodyPr/>
+                    <a:p>
+                      <a:pPr>
+                        <a:buNone/>
+                      </a:pPr>
+                      <a:r>
+                        <a:rPr lang="en-US" altLang="zh-CN"/>
+                        <a:t>remove docker image</a:t>
+                      </a:r>
+                      <a:endParaRPr lang="en-US" altLang="zh-CN"/>
+                    </a:p>
+                  </a:txBody>
+                  <a:tcPr/>
+                </a:tc>
+                <a:tc>
+                  <a:txBody>
+                    <a:bodyPr/>
+                    <a:p>
+                      <a:pPr>
+                        <a:buNone/>
+                      </a:pPr>
+                      <a:endParaRPr lang="en-US" altLang="zh-CN"/>
+                    </a:p>
+                  </a:txBody>
+                  <a:tcPr/>
+                </a:tc>
+              </a:tr>
+              <a:tr h="365760">
+                <a:tc>
+                  <a:txBody>
+                    <a:bodyPr/>
+                    <a:p>
+                      <a:pPr marL="0" lvl="1">
+                        <a:buNone/>
+                      </a:pPr>
+                      <a:r>
+                        <a:rPr lang="en-US" altLang="zh-CN" sz="1800">
+                          <a:sym typeface="+mn-ea"/>
+                        </a:rPr>
+                        <a:t>docker image build -t {image-name}</a:t>
+                      </a:r>
+                      <a:endParaRPr lang="en-US" altLang="zh-CN"/>
+                    </a:p>
+                  </a:txBody>
+                  <a:tcPr/>
+                </a:tc>
+                <a:tc>
+                  <a:txBody>
+                    <a:bodyPr/>
+                    <a:p>
+                      <a:pPr>
+                        <a:buNone/>
+                      </a:pPr>
+                      <a:endParaRPr lang="en-US" altLang="zh-CN"/>
+                    </a:p>
+                  </a:txBody>
+                  <a:tcPr/>
+                </a:tc>
+                <a:tc>
+                  <a:txBody>
+                    <a:bodyPr/>
+                    <a:p>
+                      <a:pPr>
+                        <a:buNone/>
+                      </a:pPr>
+                      <a:endParaRPr lang="en-US" altLang="zh-CN"/>
+                    </a:p>
+                  </a:txBody>
+                  <a:tcPr/>
+                </a:tc>
+              </a:tr>
+              <a:tr h="365760">
+                <a:tc>
+                  <a:txBody>
+                    <a:bodyPr/>
+                    <a:p>
+                      <a:pPr marL="0" lvl="1">
+                        <a:buNone/>
+                      </a:pPr>
+                      <a:r>
+                        <a:rPr lang="en-US" altLang="zh-CN" sz="1800">
+                          <a:sym typeface="+mn-ea"/>
+                        </a:rPr>
+                        <a:t>docker inspect {image-name}</a:t>
+                      </a:r>
+                      <a:endParaRPr lang="en-US" altLang="zh-CN" sz="1800">
+                        <a:sym typeface="+mn-ea"/>
+                      </a:endParaRPr>
+                    </a:p>
+                    <a:p>
+                      <a:pPr marL="0" lvl="1">
+                        <a:buNone/>
+                      </a:pPr>
+                      <a:r>
+                        <a:rPr lang="en-US" altLang="zh-CN"/>
+                        <a:t>docker inspect {container-id}</a:t>
+                      </a:r>
+                      <a:endParaRPr lang="en-US" altLang="zh-CN"/>
+                    </a:p>
+                  </a:txBody>
+                  <a:tcPr/>
+                </a:tc>
+                <a:tc>
+                  <a:txBody>
+                    <a:bodyPr/>
+                    <a:p>
+                      <a:pPr>
+                        <a:buNone/>
+                      </a:pPr>
+                      <a:endParaRPr lang="en-US" altLang="zh-CN"/>
+                    </a:p>
+                  </a:txBody>
+                  <a:tcPr/>
+                </a:tc>
+                <a:tc>
+                  <a:txBody>
+                    <a:bodyPr/>
+                    <a:p>
+                      <a:pPr>
+                        <a:buNone/>
+                      </a:pPr>
+                      <a:endParaRPr lang="en-US" altLang="zh-CN"/>
+                    </a:p>
+                  </a:txBody>
+                  <a:tcPr/>
+                </a:tc>
+              </a:tr>
+              <a:tr h="365760">
+                <a:tc>
+                  <a:txBody>
+                    <a:bodyPr/>
+                    <a:p>
+                      <a:pPr marL="0" lvl="1">
+                        <a:buNone/>
+                      </a:pPr>
+                      <a:r>
+                        <a:rPr lang="en-US" altLang="zh-CN" sz="1800">
+                          <a:sym typeface="+mn-ea"/>
+                        </a:rPr>
+                        <a:t>docker history {image-id}</a:t>
+                      </a:r>
+                      <a:endParaRPr lang="en-US" altLang="zh-CN"/>
+                    </a:p>
+                  </a:txBody>
+                  <a:tcPr/>
+                </a:tc>
+                <a:tc>
+                  <a:txBody>
+                    <a:bodyPr/>
+                    <a:p>
+                      <a:pPr>
+                        <a:buNone/>
+                      </a:pPr>
+                      <a:endParaRPr lang="en-US" altLang="zh-CN"/>
+                    </a:p>
+                  </a:txBody>
+                  <a:tcPr/>
+                </a:tc>
+                <a:tc>
+                  <a:txBody>
+                    <a:bodyPr/>
+                    <a:p>
+                      <a:pPr>
+                        <a:buNone/>
+                      </a:pPr>
+                      <a:endParaRPr lang="en-US" altLang="zh-CN"/>
+                    </a:p>
+                  </a:txBody>
+                  <a:tcPr/>
+                </a:tc>
+              </a:tr>
+            </a:tbl>
+          </a:graphicData>
+        </a:graphic>
+      </p:graphicFrame>
+    </p:spTree>
+    <p:custDataLst>
+      <p:tags r:id="rId2"/>
+    </p:custDataLst>
+  </p:cSld>
+  <p:clrMapOvr>
+    <a:masterClrMapping/>
+  </p:clrMapOvr>
+</p:sld>
+</file>
+
+<file path=ppt/slides/slide16.xml><?xml version="1.0" encoding="utf-8"?>
+<p:sld xmlns:a="http://schemas.openxmlformats.org/drawingml/2006/main" xmlns:r="http://schemas.openxmlformats.org/officeDocument/2006/relationships" xmlns:p="http://schemas.openxmlformats.org/presentationml/2006/main">
+  <p:cSld>
+    <p:spTree>
+      <p:nvGrpSpPr>
+        <p:cNvPr id="1" name=""/>
+        <p:cNvGrpSpPr/>
+        <p:nvPr/>
+      </p:nvGrpSpPr>
+      <p:grpSpPr/>
+      <p:sp>
+        <p:nvSpPr>
+          <p:cNvPr id="2" name="标题 1"/>
+          <p:cNvSpPr>
+            <a:spLocks noGrp="1"/>
+          </p:cNvSpPr>
+          <p:nvPr>
+            <p:ph type="title"/>
+          </p:nvPr>
+        </p:nvSpPr>
+        <p:spPr/>
+        <p:txBody>
+          <a:bodyPr/>
+          <a:p>
+            <a:r>
+              <a:rPr lang="en-US" altLang="zh-CN"/>
+              <a:t>Docker Commands - Volume</a:t>
+            </a:r>
+            <a:endParaRPr lang="en-US" altLang="zh-CN"/>
+          </a:p>
+        </p:txBody>
+      </p:sp>
+      <p:graphicFrame>
+        <p:nvGraphicFramePr>
+          <p:cNvPr id="5" name="表格 4"/>
+          <p:cNvGraphicFramePr/>
+          <p:nvPr>
+            <p:custDataLst>
+              <p:tags r:id="rId1"/>
+            </p:custDataLst>
+          </p:nvPr>
+        </p:nvGraphicFramePr>
+        <p:xfrm>
+          <a:off x="530225" y="1367790"/>
+          <a:ext cx="11131550" cy="2118995"/>
+        </p:xfrm>
+        <a:graphic>
+          <a:graphicData uri="http://schemas.openxmlformats.org/drawingml/2006/table">
+            <a:tbl>
+              <a:tblPr firstRow="1" bandRow="1">
+                <a:tableStyleId>{5C22544A-7EE6-4342-B048-85BDC9FD1C3A}</a:tableStyleId>
+              </a:tblPr>
+              <a:tblGrid>
+                <a:gridCol w="5051425"/>
+                <a:gridCol w="3806190"/>
+                <a:gridCol w="2273935"/>
+              </a:tblGrid>
+              <a:tr h="457200">
+                <a:tc>
+                  <a:txBody>
+                    <a:bodyPr/>
+                    <a:p>
+                      <a:pPr algn="ctr">
+                        <a:buNone/>
+                      </a:pPr>
+                      <a:r>
+                        <a:rPr lang="en-US" altLang="zh-CN" sz="1600"/>
+                        <a:t>Command</a:t>
+                      </a:r>
+                      <a:endParaRPr lang="en-US" altLang="zh-CN" sz="1600"/>
+                    </a:p>
+                  </a:txBody>
+                  <a:tcPr/>
+                </a:tc>
+                <a:tc>
+                  <a:txBody>
+                    <a:bodyPr/>
+                    <a:p>
+                      <a:pPr algn="ctr">
+                        <a:buNone/>
+                      </a:pPr>
+                      <a:r>
+                        <a:rPr lang="en-US" altLang="zh-CN" sz="1600"/>
+                        <a:t>Description</a:t>
+                      </a:r>
+                      <a:endParaRPr lang="en-US" altLang="zh-CN" sz="1600"/>
+                    </a:p>
+                  </a:txBody>
+                  <a:tcPr/>
+                </a:tc>
+                <a:tc>
+                  <a:txBody>
+                    <a:bodyPr/>
+                    <a:p>
+                      <a:pPr algn="ctr">
+                        <a:buNone/>
+                      </a:pPr>
+                      <a:r>
+                        <a:rPr lang="en-US" altLang="zh-CN" sz="1600"/>
+                        <a:t>Note</a:t>
+                      </a:r>
+                      <a:endParaRPr lang="en-US" altLang="zh-CN" sz="1600"/>
+                    </a:p>
+                  </a:txBody>
+                  <a:tcPr/>
+                </a:tc>
+              </a:tr>
+              <a:tr h="415290">
+                <a:tc>
+                  <a:txBody>
+                    <a:bodyPr/>
+                    <a:p>
+                      <a:pPr marL="0" lvl="1">
+                        <a:buNone/>
+                      </a:pPr>
+                      <a:r>
+                        <a:rPr lang="en-US" altLang="zh-CN" sz="1400">
+                          <a:sym typeface="+mn-ea"/>
+                        </a:rPr>
+                        <a:t>docker volume ls</a:t>
+                      </a:r>
+                      <a:endParaRPr lang="en-US" altLang="zh-CN" sz="1400">
+                        <a:sym typeface="+mn-ea"/>
+                      </a:endParaRPr>
+                    </a:p>
+                  </a:txBody>
+                  <a:tcPr/>
+                </a:tc>
+                <a:tc>
+                  <a:txBody>
+                    <a:bodyPr/>
+                    <a:p>
+                      <a:pPr>
+                        <a:buNone/>
+                      </a:pPr>
+                      <a:endParaRPr lang="en-US" altLang="zh-CN" sz="1400"/>
+                    </a:p>
+                  </a:txBody>
+                  <a:tcPr/>
+                </a:tc>
+                <a:tc>
+                  <a:txBody>
+                    <a:bodyPr/>
+                    <a:p>
+                      <a:pPr>
+                        <a:buNone/>
+                      </a:pPr>
+                      <a:endParaRPr lang="zh-CN" altLang="en-US" sz="1400"/>
+                    </a:p>
+                  </a:txBody>
+                  <a:tcPr/>
+                </a:tc>
+              </a:tr>
+              <a:tr h="415290">
+                <a:tc>
+                  <a:txBody>
+                    <a:bodyPr/>
+                    <a:p>
+                      <a:pPr marL="0" lvl="1">
+                        <a:buNone/>
+                      </a:pPr>
+                      <a:r>
+                        <a:rPr lang="en-US" altLang="zh-CN" sz="1400">
+                          <a:sym typeface="+mn-ea"/>
+                        </a:rPr>
+                        <a:t>docker volume inspect {volume-name}</a:t>
+                      </a:r>
+                      <a:endParaRPr lang="en-US" altLang="zh-CN" sz="1400">
+                        <a:sym typeface="+mn-ea"/>
+                      </a:endParaRPr>
+                    </a:p>
+                  </a:txBody>
+                  <a:tcPr/>
+                </a:tc>
+                <a:tc>
+                  <a:txBody>
+                    <a:bodyPr/>
+                    <a:p>
+                      <a:pPr>
+                        <a:buNone/>
+                      </a:pPr>
+                      <a:r>
+                        <a:rPr lang="en-US" altLang="zh-CN" sz="1400"/>
+                        <a:t>Get mount point of the volume</a:t>
+                      </a:r>
+                      <a:endParaRPr lang="en-US" altLang="zh-CN" sz="1400"/>
+                    </a:p>
+                  </a:txBody>
+                  <a:tcPr/>
+                </a:tc>
+                <a:tc>
+                  <a:txBody>
+                    <a:bodyPr/>
+                    <a:p>
+                      <a:pPr>
+                        <a:buNone/>
+                      </a:pPr>
+                      <a:endParaRPr lang="zh-CN" altLang="en-US" sz="1400"/>
+                    </a:p>
+                  </a:txBody>
+                  <a:tcPr/>
+                </a:tc>
+              </a:tr>
+              <a:tr h="415925">
+                <a:tc>
+                  <a:txBody>
+                    <a:bodyPr/>
+                    <a:p>
+                      <a:pPr marL="0" lvl="1">
+                        <a:buNone/>
+                      </a:pPr>
+                      <a:r>
+                        <a:rPr lang="en-US" altLang="zh-CN" sz="1400">
+                          <a:sym typeface="+mn-ea"/>
+                        </a:rPr>
+                        <a:t>docker volume rm {volume-name}</a:t>
+                      </a:r>
+                      <a:endParaRPr lang="en-US" altLang="zh-CN" sz="1400">
+                        <a:sym typeface="+mn-ea"/>
+                      </a:endParaRPr>
+                    </a:p>
+                  </a:txBody>
+                  <a:tcPr/>
+                </a:tc>
+                <a:tc>
+                  <a:txBody>
+                    <a:bodyPr/>
+                    <a:p>
+                      <a:pPr>
+                        <a:buNone/>
+                      </a:pPr>
+                      <a:endParaRPr lang="en-US" altLang="zh-CN" sz="1400"/>
+                    </a:p>
+                  </a:txBody>
+                  <a:tcPr/>
+                </a:tc>
+                <a:tc>
+                  <a:txBody>
+                    <a:bodyPr/>
+                    <a:p>
+                      <a:pPr>
+                        <a:buNone/>
+                      </a:pPr>
+                      <a:endParaRPr lang="zh-CN" altLang="en-US" sz="1400"/>
+                    </a:p>
+                  </a:txBody>
+                  <a:tcPr/>
+                </a:tc>
+              </a:tr>
+              <a:tr h="415290">
+                <a:tc>
+                  <a:txBody>
+                    <a:bodyPr/>
+                    <a:p>
+                      <a:pPr marL="0" lvl="1">
+                        <a:buNone/>
+                      </a:pPr>
+                      <a:r>
+                        <a:rPr lang="en-US" altLang="zh-CN" sz="1400">
+                          <a:sym typeface="+mn-ea"/>
+                        </a:rPr>
+                        <a:t>docker volume prune</a:t>
+                      </a:r>
+                      <a:endParaRPr lang="en-US" altLang="zh-CN" sz="1400">
+                        <a:sym typeface="+mn-ea"/>
+                      </a:endParaRPr>
+                    </a:p>
+                  </a:txBody>
+                  <a:tcPr/>
+                </a:tc>
+                <a:tc>
+                  <a:txBody>
+                    <a:bodyPr/>
+                    <a:p>
+                      <a:pPr>
+                        <a:buNone/>
+                      </a:pPr>
+                      <a:endParaRPr lang="en-US" altLang="zh-CN" sz="1400"/>
+                    </a:p>
+                  </a:txBody>
+                  <a:tcPr/>
+                </a:tc>
+                <a:tc>
+                  <a:txBody>
+                    <a:bodyPr/>
+                    <a:p>
+                      <a:pPr>
+                        <a:buNone/>
+                      </a:pPr>
+                      <a:endParaRPr lang="zh-CN" altLang="en-US" sz="1400"/>
+                    </a:p>
+                  </a:txBody>
+                  <a:tcPr/>
+                </a:tc>
+              </a:tr>
+            </a:tbl>
+          </a:graphicData>
+        </a:graphic>
+      </p:graphicFrame>
+    </p:spTree>
+    <p:custDataLst>
+      <p:tags r:id="rId2"/>
+    </p:custDataLst>
+  </p:cSld>
+  <p:clrMapOvr>
+    <a:masterClrMapping/>
+  </p:clrMapOvr>
+</p:sld>
+</file>
+
+<file path=ppt/slides/slide17.xml><?xml version="1.0" encoding="utf-8"?>
+<p:sld xmlns:a="http://schemas.openxmlformats.org/drawingml/2006/main" xmlns:r="http://schemas.openxmlformats.org/officeDocument/2006/relationships" xmlns:p="http://schemas.openxmlformats.org/presentationml/2006/main">
+  <p:cSld>
+    <p:spTree>
+      <p:nvGrpSpPr>
+        <p:cNvPr id="1" name=""/>
+        <p:cNvGrpSpPr/>
+        <p:nvPr/>
+      </p:nvGrpSpPr>
+      <p:grpSpPr/>
+      <p:sp>
+        <p:nvSpPr>
+          <p:cNvPr id="2" name="标题 1"/>
+          <p:cNvSpPr>
+            <a:spLocks noGrp="1"/>
+          </p:cNvSpPr>
+          <p:nvPr>
+            <p:ph type="title"/>
+          </p:nvPr>
+        </p:nvSpPr>
+        <p:spPr/>
+        <p:txBody>
+          <a:bodyPr/>
+          <a:p>
+            <a:r>
+              <a:rPr lang="en-US" altLang="zh-CN"/>
               <a:t>Docker Volume</a:t>
             </a:r>
             <a:endParaRPr lang="en-US" altLang="zh-CN"/>
@@ -5976,6 +6678,14 @@
               <a:rPr lang="en-US" altLang="zh-CN" sz="2000"/>
               <a:t>Volume data is preserved across runs.</a:t>
             </a:r>
+            <a:endParaRPr lang="en-US" altLang="zh-CN" sz="2000"/>
+          </a:p>
+          <a:p>
+            <a:pPr lvl="1"/>
+            <a:r>
+              <a:rPr lang="en-US" altLang="zh-CN" sz="2000"/>
+              <a:t>stored in /var/lib/docker/volumes/{volume-name}/</a:t>
+            </a:r>
             <a:endParaRPr lang="en-US" altLang="zh-CN"/>
           </a:p>
           <a:p>
@@ -5998,6 +6708,14 @@
             <a:r>
               <a:rPr lang="en-US" altLang="zh-CN"/>
               <a:t>docker volume inspect {volume_name}</a:t>
+            </a:r>
+            <a:endParaRPr lang="en-US" altLang="zh-CN"/>
+          </a:p>
+          <a:p>
+            <a:pPr lvl="1"/>
+            <a:r>
+              <a:rPr lang="en-US" altLang="zh-CN"/>
+              <a:t>docker system prune --volumes</a:t>
             </a:r>
             <a:endParaRPr lang="en-US" altLang="zh-CN"/>
           </a:p>
@@ -6038,7 +6756,7 @@
 </p:sld>
 </file>
 
-<file path=ppt/slides/slide16.xml><?xml version="1.0" encoding="utf-8"?>
+<file path=ppt/slides/slide18.xml><?xml version="1.0" encoding="utf-8"?>
 <p:sld xmlns:a="http://schemas.openxmlformats.org/drawingml/2006/main" xmlns:r="http://schemas.openxmlformats.org/officeDocument/2006/relationships" xmlns:p="http://schemas.openxmlformats.org/presentationml/2006/main">
   <p:cSld>
     <p:spTree>
@@ -6083,57 +6801,105 @@
         <p:spPr>
           <a:xfrm>
             <a:off x="838200" y="1211580"/>
-            <a:ext cx="6530975" cy="1655445"/>
+            <a:ext cx="6530975" cy="4904740"/>
           </a:xfrm>
         </p:spPr>
         <p:txBody>
-          <a:bodyPr>
-            <a:normAutofit lnSpcReduction="20000"/>
-          </a:bodyPr>
-          <a:p>
-            <a:r>
-              <a:rPr lang="en-US" altLang="zh-CN"/>
+          <a:bodyPr/>
+          <a:p>
+            <a:r>
+              <a:rPr lang="en-US" altLang="zh-CN" sz="2000"/>
               <a:t>Intro</a:t>
             </a:r>
-            <a:endParaRPr lang="en-US" altLang="zh-CN"/>
+            <a:endParaRPr lang="en-US" altLang="zh-CN" sz="2000"/>
           </a:p>
           <a:p>
             <a:pPr lvl="1"/>
             <a:r>
-              <a:rPr lang="en-US" altLang="zh-CN" sz="2000"/>
+              <a:rPr lang="en-US" altLang="zh-CN" sz="1800"/>
               <a:t>Tells docker how to build an image</a:t>
             </a:r>
-            <a:endParaRPr lang="en-US" altLang="zh-CN"/>
+            <a:endParaRPr lang="en-US" altLang="zh-CN" sz="1800"/>
           </a:p>
           <a:p>
             <a:pPr lvl="0"/>
             <a:r>
-              <a:rPr lang="en-US" altLang="zh-CN" sz="2400">
+              <a:rPr lang="en-US" altLang="zh-CN" sz="2000">
                 <a:sym typeface="+mn-ea"/>
               </a:rPr>
               <a:t>Build</a:t>
             </a:r>
-            <a:endParaRPr lang="en-US" altLang="zh-CN" sz="2400"/>
+            <a:endParaRPr lang="en-US" altLang="zh-CN" sz="2000"/>
           </a:p>
           <a:p>
             <a:pPr lvl="1"/>
             <a:r>
-              <a:rPr lang="en-US" altLang="zh-CN">
+              <a:rPr lang="en-US" altLang="zh-CN" sz="1800">
                 <a:sym typeface="+mn-ea"/>
               </a:rPr>
               <a:t>docker build -t {image-name}:{tag-name} dir</a:t>
             </a:r>
-            <a:endParaRPr lang="en-US" altLang="zh-CN"/>
+            <a:endParaRPr lang="en-US" altLang="zh-CN" sz="1800"/>
           </a:p>
           <a:p>
             <a:pPr lvl="2"/>
             <a:r>
-              <a:rPr lang="en-US" altLang="zh-CN">
+              <a:rPr lang="en-US" altLang="zh-CN" sz="1600">
                 <a:sym typeface="+mn-ea"/>
               </a:rPr>
               <a:t>-t: with tag</a:t>
             </a:r>
-            <a:endParaRPr lang="en-US" altLang="zh-CN"/>
+            <a:endParaRPr lang="en-US" altLang="zh-CN" sz="1600">
+              <a:sym typeface="+mn-ea"/>
+            </a:endParaRPr>
+          </a:p>
+          <a:p>
+            <a:pPr lvl="0"/>
+            <a:r>
+              <a:rPr lang="en-US" altLang="zh-CN" sz="2000"/>
+              <a:t>Inner</a:t>
+            </a:r>
+            <a:endParaRPr lang="en-US" altLang="zh-CN" sz="2000"/>
+          </a:p>
+          <a:p>
+            <a:pPr lvl="1"/>
+            <a:r>
+              <a:rPr lang="en-US" altLang="zh-CN" sz="1800"/>
+              <a:t>Each instruction in this Dockerfile translates (roughly) to a layer in your final image</a:t>
+            </a:r>
+            <a:endParaRPr lang="en-US" altLang="zh-CN" sz="1800"/>
+          </a:p>
+          <a:p>
+            <a:pPr lvl="1"/>
+            <a:r>
+              <a:rPr lang="en-US" altLang="zh-CN" sz="1800"/>
+              <a:t>Whenever a layer changes, that layer will need to be re-built. Docker will invalidate the cache for this layer.</a:t>
+            </a:r>
+            <a:endParaRPr lang="en-US" altLang="zh-CN" sz="1800"/>
+          </a:p>
+          <a:p>
+            <a:pPr lvl="1"/>
+            <a:r>
+              <a:rPr lang="en-US" altLang="zh-CN" sz="1800"/>
+              <a:t>If a layer changes, all other layers that come after it are also affected.</a:t>
+            </a:r>
+            <a:endParaRPr lang="en-US" altLang="zh-CN" sz="1800"/>
+          </a:p>
+          <a:p>
+            <a:pPr lvl="0"/>
+            <a:r>
+              <a:rPr lang="en-US" altLang="zh-CN" sz="2000"/>
+              <a:t>Best practice</a:t>
+            </a:r>
+            <a:endParaRPr lang="en-US" altLang="zh-CN" sz="2000"/>
+          </a:p>
+          <a:p>
+            <a:pPr lvl="1"/>
+            <a:r>
+              <a:rPr lang="en-US" altLang="zh-CN" sz="1800"/>
+              <a:t>Put more stable instructions into head of the Dockerfile</a:t>
+            </a:r>
+            <a:endParaRPr lang="en-US" altLang="zh-CN" sz="1800"/>
           </a:p>
         </p:txBody>
       </p:sp>
@@ -6220,7 +6986,7 @@
 </p:sld>
 </file>
 
-<file path=ppt/slides/slide17.xml><?xml version="1.0" encoding="utf-8"?>
+<file path=ppt/slides/slide19.xml><?xml version="1.0" encoding="utf-8"?>
 <p:sld xmlns:a="http://schemas.openxmlformats.org/drawingml/2006/main" xmlns:r="http://schemas.openxmlformats.org/officeDocument/2006/relationships" xmlns:p="http://schemas.openxmlformats.org/presentationml/2006/main">
   <p:cSld>
     <p:spTree>
@@ -6971,7 +7737,7 @@
 </p:sld>
 </file>
 
-<file path=ppt/slides/slide18.xml><?xml version="1.0" encoding="utf-8"?>
+<file path=ppt/slides/slide2.xml><?xml version="1.0" encoding="utf-8"?>
 <p:sld xmlns:a="http://schemas.openxmlformats.org/drawingml/2006/main" xmlns:r="http://schemas.openxmlformats.org/officeDocument/2006/relationships" xmlns:p="http://schemas.openxmlformats.org/presentationml/2006/main">
   <p:cSld>
     <p:spTree>
@@ -6997,7 +7763,248 @@
           <a:p>
             <a:r>
               <a:rPr lang="en-US" altLang="zh-CN"/>
-              <a:t>Docker Compose 1/2</a:t>
+              <a:t>References</a:t>
+            </a:r>
+            <a:endParaRPr lang="en-US" altLang="zh-CN"/>
+          </a:p>
+        </p:txBody>
+      </p:sp>
+      <p:sp>
+        <p:nvSpPr>
+          <p:cNvPr id="3" name="内容占位符 2"/>
+          <p:cNvSpPr>
+            <a:spLocks noGrp="1"/>
+          </p:cNvSpPr>
+          <p:nvPr>
+            <p:ph idx="1"/>
+          </p:nvPr>
+        </p:nvSpPr>
+        <p:spPr/>
+        <p:txBody>
+          <a:bodyPr/>
+          <a:p>
+            <a:r>
+              <a:rPr lang="en-US" altLang="zh-CN"/>
+              <a:t>Install</a:t>
+            </a:r>
+            <a:endParaRPr lang="en-US" altLang="zh-CN"/>
+          </a:p>
+          <a:p>
+            <a:pPr lvl="1"/>
+            <a:r>
+              <a:rPr lang="en-US" altLang="zh-CN"/>
+              <a:t>https://ostechnix.com/install-docker-ubuntu/</a:t>
+            </a:r>
+            <a:endParaRPr lang="en-US" altLang="zh-CN"/>
+          </a:p>
+          <a:p>
+            <a:r>
+              <a:rPr lang="en-US" altLang="zh-CN"/>
+              <a:t>Dockerfile</a:t>
+            </a:r>
+            <a:endParaRPr lang="en-US" altLang="zh-CN"/>
+          </a:p>
+          <a:p>
+            <a:pPr lvl="1"/>
+            <a:r>
+              <a:rPr lang="zh-CN" altLang="en-US"/>
+              <a:t>https://docs.docker.com/develop/develop-images/dockerfile_best-practices/</a:t>
+            </a:r>
+            <a:endParaRPr lang="zh-CN" altLang="en-US"/>
+          </a:p>
+          <a:p>
+            <a:pPr lvl="1"/>
+            <a:r>
+              <a:rPr lang="zh-CN" altLang="en-US">
+                <a:sym typeface="+mn-ea"/>
+              </a:rPr>
+              <a:t>https://www.tutorialspoint.com/docker/</a:t>
+            </a:r>
+            <a:endParaRPr lang="zh-CN" altLang="en-US">
+              <a:sym typeface="+mn-ea"/>
+            </a:endParaRPr>
+          </a:p>
+          <a:p>
+            <a:pPr lvl="1"/>
+            <a:r>
+              <a:rPr lang="zh-CN" altLang="en-US"/>
+              <a:t>https://runnable.com/blog/9-common-dockerfile-mistakes</a:t>
+            </a:r>
+            <a:endParaRPr lang="zh-CN" altLang="en-US"/>
+          </a:p>
+          <a:p>
+            <a:pPr lvl="1"/>
+            <a:r>
+              <a:rPr lang="zh-CN" altLang="en-US"/>
+              <a:t>https://www.digitalocean.com/community/tutorials/how-to-debug-and-fix-common-docker-issues</a:t>
+            </a:r>
+            <a:endParaRPr lang="zh-CN" altLang="en-US"/>
+          </a:p>
+          <a:p>
+            <a:pPr lvl="1"/>
+            <a:r>
+              <a:rPr lang="zh-CN" altLang="en-US"/>
+              <a:t>https://docs.docker.com/build/cache/</a:t>
+            </a:r>
+            <a:endParaRPr lang="zh-CN" altLang="en-US"/>
+          </a:p>
+          <a:p>
+            <a:pPr lvl="0"/>
+            <a:r>
+              <a:rPr lang="en-US" altLang="zh-CN" sz="2400"/>
+              <a:t>Issues and Solutions</a:t>
+            </a:r>
+            <a:endParaRPr lang="en-US" altLang="zh-CN" sz="2400"/>
+          </a:p>
+          <a:p>
+            <a:pPr lvl="1"/>
+            <a:r>
+              <a:rPr lang="zh-CN" altLang="en-US"/>
+              <a:t>https://www.digitalocean.com/community/tutorials/how-to-debug-and-fix-common-docker-issues</a:t>
+            </a:r>
+            <a:endParaRPr lang="zh-CN" altLang="en-US"/>
+          </a:p>
+          <a:p>
+            <a:pPr lvl="1"/>
+            <a:endParaRPr lang="zh-CN" altLang="en-US"/>
+          </a:p>
+        </p:txBody>
+      </p:sp>
+    </p:spTree>
+    <p:custDataLst>
+      <p:tags r:id="rId1"/>
+    </p:custDataLst>
+  </p:cSld>
+  <p:clrMapOvr>
+    <a:masterClrMapping/>
+  </p:clrMapOvr>
+</p:sld>
+</file>
+
+<file path=ppt/slides/slide20.xml><?xml version="1.0" encoding="utf-8"?>
+<p:sld xmlns:a="http://schemas.openxmlformats.org/drawingml/2006/main" xmlns:r="http://schemas.openxmlformats.org/officeDocument/2006/relationships" xmlns:p="http://schemas.openxmlformats.org/presentationml/2006/main">
+  <p:cSld>
+    <p:spTree>
+      <p:nvGrpSpPr>
+        <p:cNvPr id="1" name=""/>
+        <p:cNvGrpSpPr/>
+        <p:nvPr/>
+      </p:nvGrpSpPr>
+      <p:grpSpPr/>
+      <p:sp>
+        <p:nvSpPr>
+          <p:cNvPr id="2" name="标题 1"/>
+          <p:cNvSpPr>
+            <a:spLocks noGrp="1"/>
+          </p:cNvSpPr>
+          <p:nvPr>
+            <p:ph type="title"/>
+          </p:nvPr>
+        </p:nvSpPr>
+        <p:spPr/>
+        <p:txBody>
+          <a:bodyPr/>
+          <a:p>
+            <a:r>
+              <a:rPr lang="en-US" altLang="zh-CN"/>
+              <a:t>Docker Compose V2</a:t>
+            </a:r>
+            <a:endParaRPr lang="en-US" altLang="zh-CN"/>
+          </a:p>
+        </p:txBody>
+      </p:sp>
+      <p:sp>
+        <p:nvSpPr>
+          <p:cNvPr id="3" name="内容占位符 2"/>
+          <p:cNvSpPr>
+            <a:spLocks noGrp="1"/>
+          </p:cNvSpPr>
+          <p:nvPr>
+            <p:ph idx="1"/>
+          </p:nvPr>
+        </p:nvSpPr>
+        <p:spPr/>
+        <p:txBody>
+          <a:bodyPr/>
+          <a:p>
+            <a:r>
+              <a:rPr lang="en-US" altLang="zh-CN"/>
+              <a:t>References</a:t>
+            </a:r>
+            <a:endParaRPr lang="en-US" altLang="zh-CN"/>
+          </a:p>
+          <a:p>
+            <a:pPr lvl="1"/>
+            <a:r>
+              <a:rPr lang="en-US" altLang="zh-CN"/>
+              <a:t>https://docs.docker.com/compose/compose-v2/</a:t>
+            </a:r>
+            <a:endParaRPr lang="en-US" altLang="zh-CN"/>
+          </a:p>
+          <a:p>
+            <a:pPr lvl="1"/>
+            <a:r>
+              <a:rPr lang="en-US" altLang="zh-CN"/>
+              <a:t>https://docs.docker.com/engine/reference/commandline/compose/</a:t>
+            </a:r>
+            <a:endParaRPr lang="en-US" altLang="zh-CN"/>
+          </a:p>
+          <a:p>
+            <a:pPr lvl="0"/>
+            <a:r>
+              <a:rPr lang="en-US" altLang="zh-CN"/>
+              <a:t>Intro</a:t>
+            </a:r>
+            <a:endParaRPr lang="en-US" altLang="zh-CN"/>
+          </a:p>
+          <a:p>
+            <a:pPr lvl="1"/>
+            <a:r>
+              <a:rPr lang="en-US" altLang="zh-CN"/>
+              <a:t>The new Compose V2, which supports the compose command as part of the Docker CLI</a:t>
+            </a:r>
+            <a:endParaRPr lang="en-US" altLang="zh-CN"/>
+          </a:p>
+        </p:txBody>
+      </p:sp>
+    </p:spTree>
+    <p:custDataLst>
+      <p:tags r:id="rId1"/>
+    </p:custDataLst>
+  </p:cSld>
+  <p:clrMapOvr>
+    <a:masterClrMapping/>
+  </p:clrMapOvr>
+</p:sld>
+</file>
+
+<file path=ppt/slides/slide21.xml><?xml version="1.0" encoding="utf-8"?>
+<p:sld xmlns:a="http://schemas.openxmlformats.org/drawingml/2006/main" xmlns:r="http://schemas.openxmlformats.org/officeDocument/2006/relationships" xmlns:p="http://schemas.openxmlformats.org/presentationml/2006/main">
+  <p:cSld>
+    <p:spTree>
+      <p:nvGrpSpPr>
+        <p:cNvPr id="1" name=""/>
+        <p:cNvGrpSpPr/>
+        <p:nvPr/>
+      </p:nvGrpSpPr>
+      <p:grpSpPr/>
+      <p:sp>
+        <p:nvSpPr>
+          <p:cNvPr id="2" name="标题 1"/>
+          <p:cNvSpPr>
+            <a:spLocks noGrp="1"/>
+          </p:cNvSpPr>
+          <p:nvPr>
+            <p:ph type="title"/>
+          </p:nvPr>
+        </p:nvSpPr>
+        <p:spPr/>
+        <p:txBody>
+          <a:bodyPr/>
+          <a:p>
+            <a:r>
+              <a:rPr lang="en-US" altLang="zh-CN"/>
+              <a:t>Docker Compose - Intro</a:t>
             </a:r>
             <a:endParaRPr lang="en-US" altLang="zh-CN"/>
           </a:p>
@@ -7021,188 +8028,232 @@
         </p:spPr>
         <p:txBody>
           <a:bodyPr>
-            <a:normAutofit lnSpcReduction="20000"/>
+            <a:normAutofit fontScale="70000"/>
           </a:bodyPr>
           <a:p>
             <a:pPr lvl="0"/>
             <a:r>
-              <a:rPr lang="en-US" altLang="zh-CN" sz="1800">
+              <a:rPr lang="en-US" altLang="zh-CN" sz="2300">
                 <a:sym typeface="+mn-ea"/>
               </a:rPr>
               <a:t>Intro</a:t>
             </a:r>
-            <a:endParaRPr lang="en-US" altLang="zh-CN" sz="1800">
+            <a:endParaRPr lang="en-US" altLang="zh-CN" sz="2300">
               <a:sym typeface="+mn-ea"/>
             </a:endParaRPr>
           </a:p>
           <a:p>
             <a:pPr lvl="1"/>
             <a:r>
-              <a:rPr lang="en-US" altLang="zh-CN" sz="1600">
+              <a:rPr lang="en-US" altLang="zh-CN">
                 <a:sym typeface="+mn-ea"/>
               </a:rPr>
               <a:t>Used to run multiple containers as a single service</a:t>
             </a:r>
-            <a:endParaRPr lang="en-US" altLang="zh-CN" sz="1600">
+            <a:endParaRPr lang="en-US" altLang="zh-CN">
               <a:sym typeface="+mn-ea"/>
             </a:endParaRPr>
           </a:p>
           <a:p>
             <a:pPr lvl="1"/>
             <a:r>
-              <a:rPr lang="en-US" altLang="zh-CN" sz="1600">
+              <a:rPr lang="en-US" altLang="zh-CN">
                 <a:sym typeface="+mn-ea"/>
               </a:rPr>
               <a:t>https://docs.docker.com/compose/compose-file/</a:t>
             </a:r>
-            <a:endParaRPr lang="en-US" altLang="zh-CN" sz="1600">
+            <a:endParaRPr lang="en-US" altLang="zh-CN">
               <a:sym typeface="+mn-ea"/>
             </a:endParaRPr>
           </a:p>
           <a:p>
-            <a:pPr lvl="0"/>
-            <a:r>
-              <a:rPr lang="en-US" altLang="zh-CN" sz="1800">
-                <a:sym typeface="+mn-ea"/>
-              </a:rPr>
-              <a:t>docker-compose commands</a:t>
-            </a:r>
-            <a:endParaRPr lang="en-US" altLang="zh-CN" sz="1800"/>
-          </a:p>
-          <a:p>
-            <a:pPr lvl="1"/>
-            <a:r>
-              <a:rPr lang="en-US" altLang="zh-CN" sz="1600">
-                <a:sym typeface="+mn-ea"/>
-              </a:rPr>
-              <a:t>docker-compose build</a:t>
-            </a:r>
-            <a:endParaRPr lang="en-US" altLang="zh-CN" sz="1600"/>
-          </a:p>
-          <a:p>
-            <a:pPr lvl="1"/>
-            <a:r>
-              <a:rPr lang="en-US" altLang="zh-CN" sz="1600">
-                <a:sym typeface="+mn-ea"/>
-              </a:rPr>
-              <a:t>docker-compose up -d	// create and start containers</a:t>
-            </a:r>
-            <a:endParaRPr lang="en-US" altLang="zh-CN" sz="1600">
-              <a:sym typeface="+mn-ea"/>
-            </a:endParaRPr>
-          </a:p>
-          <a:p>
-            <a:pPr lvl="2"/>
-            <a:r>
-              <a:rPr lang="en-US" altLang="zh-CN" sz="1600">
-                <a:sym typeface="+mn-ea"/>
-              </a:rPr>
-              <a:t>-d: in daemon mode</a:t>
-            </a:r>
-            <a:endParaRPr lang="en-US" altLang="zh-CN" sz="1600">
-              <a:sym typeface="+mn-ea"/>
-            </a:endParaRPr>
-          </a:p>
-          <a:p>
-            <a:pPr lvl="1"/>
-            <a:r>
-              <a:rPr lang="en-US" altLang="zh-CN" sz="1775">
-                <a:sym typeface="+mn-ea"/>
-              </a:rPr>
-              <a:t>docker-compose up --no-start	// create a container, but not start</a:t>
-            </a:r>
-            <a:endParaRPr lang="en-US" altLang="zh-CN" sz="1775">
-              <a:sym typeface="+mn-ea"/>
-            </a:endParaRPr>
-          </a:p>
-          <a:p>
-            <a:pPr lvl="1"/>
-            <a:r>
-              <a:rPr lang="en-US" altLang="zh-CN" sz="1775">
-                <a:sym typeface="+mn-ea"/>
-              </a:rPr>
-              <a:t>docker-compose start {service_name}	// start a service defined</a:t>
-            </a:r>
-            <a:endParaRPr lang="en-US" altLang="zh-CN" sz="1775"/>
-          </a:p>
-          <a:p>
-            <a:pPr lvl="1" algn="l">
+            <a:pPr lvl="0" algn="l">
               <a:buClrTx/>
               <a:buSzTx/>
             </a:pPr>
             <a:r>
-              <a:rPr lang="en-US" altLang="zh-CN" sz="1600">
+              <a:rPr lang="en-US" altLang="zh-CN" sz="2300">
                 <a:sym typeface="+mn-ea"/>
               </a:rPr>
-              <a:t>docker-compose down	// Stop and remove containers, networks, images and volumes, -v to remove named volumes</a:t>
-            </a:r>
-            <a:endParaRPr lang="en-US" altLang="zh-CN" sz="1600">
+              <a:t>docker-compose.yml</a:t>
+            </a:r>
+            <a:endParaRPr lang="en-US" altLang="zh-CN" sz="2300"/>
+          </a:p>
+          <a:p>
+            <a:pPr lvl="1"/>
+            <a:r>
+              <a:rPr lang="en-US" altLang="zh-CN" sz="1920">
+                <a:sym typeface="+mn-ea"/>
+              </a:rPr>
+              <a:t>ports</a:t>
+            </a:r>
+            <a:endParaRPr lang="en-US" altLang="zh-CN" sz="1920">
               <a:sym typeface="+mn-ea"/>
             </a:endParaRPr>
           </a:p>
           <a:p>
-            <a:pPr lvl="1"/>
-            <a:r>
-              <a:rPr lang="en-US" altLang="zh-CN" sz="1600">
+            <a:pPr lvl="2"/>
+            <a:r>
+              <a:rPr lang="en-US" altLang="zh-CN" sz="1700">
                 <a:sym typeface="+mn-ea"/>
               </a:rPr>
-              <a:t>docker-compose run web env	// show env variables</a:t>
-            </a:r>
-            <a:endParaRPr lang="en-US" altLang="zh-CN" sz="1600"/>
-          </a:p>
-          <a:p>
-            <a:pPr lvl="1"/>
-            <a:r>
-              <a:rPr lang="en-US" altLang="zh-CN" sz="1600">
+              <a:t>{host}:{container}, ports {container}</a:t>
+            </a:r>
+            <a:endParaRPr lang="en-US" altLang="zh-CN" sz="1700">
+              <a:sym typeface="+mn-ea"/>
+            </a:endParaRPr>
+          </a:p>
+          <a:p>
+            <a:pPr lvl="2"/>
+            <a:r>
+              <a:rPr lang="en-US" altLang="zh-CN" sz="1700">
                 <a:sym typeface="+mn-ea"/>
               </a:rPr>
-              <a:t>docker-compose logs --tail=10	// show logs</a:t>
-            </a:r>
-            <a:endParaRPr lang="en-US" altLang="zh-CN" sz="1600">
+              <a:t>shared among different services</a:t>
+            </a:r>
+            <a:endParaRPr lang="en-US" altLang="zh-CN" sz="1700">
               <a:sym typeface="+mn-ea"/>
             </a:endParaRPr>
           </a:p>
           <a:p>
-            <a:pPr lvl="1"/>
-            <a:r>
-              <a:rPr lang="en-US" altLang="zh-CN" sz="1600">
+            <a:pPr lvl="2"/>
+            <a:r>
+              <a:rPr lang="en-US" altLang="zh-CN" sz="1700">
                 <a:sym typeface="+mn-ea"/>
               </a:rPr>
-              <a:t>docker-compose ps	// list containers</a:t>
-            </a:r>
-            <a:endParaRPr lang="en-US" altLang="zh-CN" sz="1600"/>
+              <a:t>if only a container port is provided, a random host port will be chosen</a:t>
+            </a:r>
+            <a:endParaRPr lang="en-US" altLang="zh-CN" sz="1700"/>
           </a:p>
           <a:p>
             <a:pPr lvl="1"/>
             <a:r>
-              <a:rPr lang="en-US" altLang="zh-CN" sz="1600">
+              <a:rPr lang="en-US" altLang="zh-CN" sz="1920">
                 <a:sym typeface="+mn-ea"/>
               </a:rPr>
-              <a:t>docker-compose images	// list images</a:t>
-            </a:r>
-            <a:endParaRPr lang="en-US" altLang="zh-CN" sz="1600">
+              <a:t>expose</a:t>
+            </a:r>
+            <a:endParaRPr lang="en-US" altLang="zh-CN" sz="1920"/>
+          </a:p>
+          <a:p>
+            <a:pPr lvl="2"/>
+            <a:r>
+              <a:rPr lang="en-US" altLang="zh-CN" sz="1700">
+                <a:sym typeface="+mn-ea"/>
+              </a:rPr>
+              <a:t>ports are not exposed to host machine, only exposed to linked services</a:t>
+            </a:r>
+            <a:endParaRPr lang="en-US" altLang="zh-CN" sz="1700"/>
+          </a:p>
+          <a:p>
+            <a:pPr lvl="1"/>
+            <a:r>
+              <a:rPr lang="en-US" altLang="zh-CN" sz="1920">
+                <a:sym typeface="+mn-ea"/>
+              </a:rPr>
+              <a:t>volumes:</a:t>
+            </a:r>
+            <a:endParaRPr lang="en-US" altLang="zh-CN" sz="1920"/>
+          </a:p>
+          <a:p>
+            <a:pPr lvl="2"/>
+            <a:r>
+              <a:rPr lang="en-US" altLang="zh-CN" sz="1700">
+                <a:sym typeface="+mn-ea"/>
+              </a:rPr>
+              <a:t>path-based volume</a:t>
+            </a:r>
+            <a:endParaRPr lang="en-US" altLang="zh-CN" sz="1700">
               <a:sym typeface="+mn-ea"/>
             </a:endParaRPr>
           </a:p>
           <a:p>
-            <a:pPr lvl="1"/>
-            <a:r>
-              <a:rPr lang="en-US" altLang="zh-CN" sz="1600">
+            <a:pPr lvl="3"/>
+            <a:r>
+              <a:rPr lang="en-US" altLang="zh-CN" sz="1500">
                 <a:sym typeface="+mn-ea"/>
               </a:rPr>
-              <a:t>docker-compose -h	// show help</a:t>
-            </a:r>
-            <a:endParaRPr lang="en-US" altLang="zh-CN" sz="1600">
+              <a:t>- /host/path:/container/path</a:t>
+            </a:r>
+            <a:endParaRPr lang="en-US" altLang="zh-CN" sz="1500"/>
+          </a:p>
+          <a:p>
+            <a:pPr lvl="2"/>
+            <a:r>
+              <a:rPr lang="en-US" altLang="zh-CN" sz="1700">
+                <a:sym typeface="+mn-ea"/>
+              </a:rPr>
+              <a:t>named volume</a:t>
+            </a:r>
+            <a:endParaRPr lang="en-US" altLang="zh-CN" sz="1700">
               <a:sym typeface="+mn-ea"/>
             </a:endParaRPr>
           </a:p>
           <a:p>
+            <a:pPr lvl="3"/>
+            <a:r>
+              <a:rPr lang="en-US" altLang="zh-CN" sz="1500">
+                <a:sym typeface="+mn-ea"/>
+              </a:rPr>
+              <a:t>named_volume_name: /container/path</a:t>
+            </a:r>
+            <a:endParaRPr lang="en-US" altLang="zh-CN" sz="1500">
+              <a:sym typeface="+mn-ea"/>
+            </a:endParaRPr>
+          </a:p>
+          <a:p>
+            <a:pPr lvl="3"/>
+            <a:r>
+              <a:rPr lang="en-US" altLang="zh-CN" sz="1500">
+                <a:sym typeface="+mn-ea"/>
+              </a:rPr>
+              <a:t>the volume will get saved to /var/lib/docker/volumes/named_volume_name/_data</a:t>
+            </a:r>
+            <a:endParaRPr lang="en-US" altLang="zh-CN" sz="1500">
+              <a:sym typeface="+mn-ea"/>
+            </a:endParaRPr>
+          </a:p>
+          <a:p>
+            <a:pPr lvl="2"/>
+            <a:r>
+              <a:rPr lang="en-US" altLang="zh-CN" sz="1700">
+                <a:sym typeface="+mn-ea"/>
+              </a:rPr>
+              <a:t>create a volume only</a:t>
+            </a:r>
+            <a:endParaRPr lang="en-US" altLang="zh-CN" sz="1700"/>
+          </a:p>
+          <a:p>
+            <a:pPr lvl="3"/>
+            <a:r>
+              <a:rPr lang="en-US" altLang="zh-CN" sz="1700">
+                <a:sym typeface="+mn-ea"/>
+              </a:rPr>
+              <a:t>- /container/path</a:t>
+            </a:r>
+            <a:endParaRPr lang="en-US" altLang="zh-CN" sz="1700"/>
+          </a:p>
+          <a:p>
             <a:pPr lvl="1"/>
             <a:r>
-              <a:rPr lang="en-US" altLang="zh-CN" sz="1600"/>
-              <a:t>docker-compose exec {service-name} {cmd} //Execute a command in a running container.</a:t>
-            </a:r>
-            <a:endParaRPr lang="en-US" altLang="zh-CN" sz="1600"/>
+              <a:rPr lang="en-US" altLang="zh-CN" sz="1920">
+                <a:sym typeface="+mn-ea"/>
+              </a:rPr>
+              <a:t>command</a:t>
+            </a:r>
+            <a:endParaRPr lang="en-US" altLang="zh-CN" sz="1920"/>
+          </a:p>
+          <a:p>
+            <a:pPr lvl="2"/>
+            <a:r>
+              <a:rPr lang="en-US" altLang="zh-CN" sz="1700">
+                <a:sym typeface="+mn-ea"/>
+              </a:rPr>
+              <a:t>override default command in Dockerfile</a:t>
+            </a:r>
+            <a:endParaRPr lang="en-US" altLang="zh-CN" sz="1700">
+              <a:sym typeface="+mn-ea"/>
+            </a:endParaRPr>
           </a:p>
         </p:txBody>
       </p:sp>
@@ -7396,178 +8447,6 @@
               <a:buClrTx/>
               <a:buSzTx/>
             </a:pPr>
-            <a:r>
-              <a:rPr lang="en-US" altLang="zh-CN" sz="1800">
-                <a:sym typeface="+mn-ea"/>
-              </a:rPr>
-              <a:t>docker-compose.yml</a:t>
-            </a:r>
-            <a:endParaRPr lang="en-US" altLang="zh-CN" sz="1800"/>
-          </a:p>
-          <a:p>
-            <a:pPr lvl="1"/>
-            <a:r>
-              <a:rPr lang="en-US" altLang="zh-CN" sz="1600">
-                <a:sym typeface="+mn-ea"/>
-              </a:rPr>
-              <a:t>ports</a:t>
-            </a:r>
-            <a:endParaRPr lang="en-US" altLang="zh-CN" sz="1600">
-              <a:sym typeface="+mn-ea"/>
-            </a:endParaRPr>
-          </a:p>
-          <a:p>
-            <a:pPr lvl="2"/>
-            <a:r>
-              <a:rPr lang="en-US" altLang="zh-CN" sz="1440">
-                <a:sym typeface="+mn-ea"/>
-              </a:rPr>
-              <a:t>{host}:{container}, ports {container}</a:t>
-            </a:r>
-            <a:endParaRPr lang="en-US" altLang="zh-CN" sz="1440">
-              <a:sym typeface="+mn-ea"/>
-            </a:endParaRPr>
-          </a:p>
-          <a:p>
-            <a:pPr lvl="2"/>
-            <a:r>
-              <a:rPr lang="en-US" altLang="zh-CN" sz="1440">
-                <a:sym typeface="+mn-ea"/>
-              </a:rPr>
-              <a:t>shared among different services</a:t>
-            </a:r>
-            <a:endParaRPr lang="en-US" altLang="zh-CN" sz="1440">
-              <a:sym typeface="+mn-ea"/>
-            </a:endParaRPr>
-          </a:p>
-          <a:p>
-            <a:pPr lvl="2"/>
-            <a:r>
-              <a:rPr lang="en-US" altLang="zh-CN" sz="1440">
-                <a:sym typeface="+mn-ea"/>
-              </a:rPr>
-              <a:t>if only a container port is provided, a random host port will be chosen</a:t>
-            </a:r>
-            <a:endParaRPr lang="en-US" altLang="zh-CN" sz="1440"/>
-          </a:p>
-          <a:p>
-            <a:pPr lvl="1"/>
-            <a:r>
-              <a:rPr lang="en-US" altLang="zh-CN" sz="1600">
-                <a:sym typeface="+mn-ea"/>
-              </a:rPr>
-              <a:t>expose</a:t>
-            </a:r>
-            <a:endParaRPr lang="en-US" altLang="zh-CN" sz="1600"/>
-          </a:p>
-          <a:p>
-            <a:pPr lvl="2"/>
-            <a:r>
-              <a:rPr lang="en-US" altLang="zh-CN" sz="1400">
-                <a:sym typeface="+mn-ea"/>
-              </a:rPr>
-              <a:t>ports are not exposed to host machine, only exposed to linked services</a:t>
-            </a:r>
-            <a:endParaRPr lang="en-US" altLang="zh-CN" sz="1400"/>
-          </a:p>
-          <a:p>
-            <a:pPr lvl="1"/>
-            <a:r>
-              <a:rPr lang="en-US" altLang="zh-CN" sz="1600">
-                <a:sym typeface="+mn-ea"/>
-              </a:rPr>
-              <a:t>volumes:</a:t>
-            </a:r>
-            <a:endParaRPr lang="en-US" altLang="zh-CN" sz="1600"/>
-          </a:p>
-          <a:p>
-            <a:pPr lvl="2"/>
-            <a:r>
-              <a:rPr lang="en-US" altLang="zh-CN" sz="1400">
-                <a:sym typeface="+mn-ea"/>
-              </a:rPr>
-              <a:t>path-based volume</a:t>
-            </a:r>
-            <a:endParaRPr lang="en-US" altLang="zh-CN" sz="1400">
-              <a:sym typeface="+mn-ea"/>
-            </a:endParaRPr>
-          </a:p>
-          <a:p>
-            <a:pPr lvl="3"/>
-            <a:r>
-              <a:rPr lang="en-US" altLang="zh-CN" sz="1400">
-                <a:sym typeface="+mn-ea"/>
-              </a:rPr>
-              <a:t>- /host/path:/container/path</a:t>
-            </a:r>
-            <a:endParaRPr lang="en-US" altLang="zh-CN" sz="1400"/>
-          </a:p>
-          <a:p>
-            <a:pPr lvl="2"/>
-            <a:r>
-              <a:rPr lang="en-US" altLang="zh-CN" sz="1400">
-                <a:sym typeface="+mn-ea"/>
-              </a:rPr>
-              <a:t>named volume</a:t>
-            </a:r>
-            <a:endParaRPr lang="en-US" altLang="zh-CN" sz="1400">
-              <a:sym typeface="+mn-ea"/>
-            </a:endParaRPr>
-          </a:p>
-          <a:p>
-            <a:pPr lvl="3"/>
-            <a:r>
-              <a:rPr lang="en-US" altLang="zh-CN" sz="1400">
-                <a:sym typeface="+mn-ea"/>
-              </a:rPr>
-              <a:t>named_volume_name: /container/path</a:t>
-            </a:r>
-            <a:endParaRPr lang="en-US" altLang="zh-CN" sz="1400">
-              <a:sym typeface="+mn-ea"/>
-            </a:endParaRPr>
-          </a:p>
-          <a:p>
-            <a:pPr lvl="3"/>
-            <a:r>
-              <a:rPr lang="en-US" altLang="zh-CN" sz="1400">
-                <a:sym typeface="+mn-ea"/>
-              </a:rPr>
-              <a:t>the volume will get saved to /var/lib/docker/volumes/named_volume_name/_data</a:t>
-            </a:r>
-            <a:endParaRPr lang="en-US" altLang="zh-CN" sz="1600">
-              <a:sym typeface="+mn-ea"/>
-            </a:endParaRPr>
-          </a:p>
-          <a:p>
-            <a:pPr lvl="2"/>
-            <a:r>
-              <a:rPr lang="en-US" altLang="zh-CN" sz="1400"/>
-              <a:t>create a volume only</a:t>
-            </a:r>
-            <a:endParaRPr lang="en-US" altLang="zh-CN" sz="1400"/>
-          </a:p>
-          <a:p>
-            <a:pPr lvl="3"/>
-            <a:r>
-              <a:rPr lang="en-US" altLang="zh-CN" sz="1400"/>
-              <a:t>- /container/path</a:t>
-            </a:r>
-            <a:endParaRPr lang="en-US" altLang="zh-CN" sz="1400"/>
-          </a:p>
-          <a:p>
-            <a:pPr lvl="1"/>
-            <a:r>
-              <a:rPr lang="en-US" altLang="zh-CN" sz="1600"/>
-              <a:t>command</a:t>
-            </a:r>
-            <a:endParaRPr lang="en-US" altLang="zh-CN" sz="1600"/>
-          </a:p>
-          <a:p>
-            <a:pPr lvl="2"/>
-            <a:r>
-              <a:rPr lang="en-US" altLang="zh-CN" sz="1400"/>
-              <a:t>override default command in Dockerfile</a:t>
-            </a:r>
             <a:endParaRPr lang="en-US" altLang="zh-CN" sz="1400"/>
           </a:p>
         </p:txBody>
@@ -7583,7 +8462,7 @@
 </p:sld>
 </file>
 
-<file path=ppt/slides/slide19.xml><?xml version="1.0" encoding="utf-8"?>
+<file path=ppt/slides/slide22.xml><?xml version="1.0" encoding="utf-8"?>
 <p:sld xmlns:a="http://schemas.openxmlformats.org/drawingml/2006/main" xmlns:r="http://schemas.openxmlformats.org/officeDocument/2006/relationships" xmlns:p="http://schemas.openxmlformats.org/presentationml/2006/main">
   <p:cSld>
     <p:spTree>
@@ -7609,7 +8488,711 @@
           <a:p>
             <a:r>
               <a:rPr lang="en-US" altLang="zh-CN"/>
-              <a:t>Docker Compose 2/2</a:t>
+              <a:t>Docker Compose - Commands</a:t>
+            </a:r>
+            <a:endParaRPr lang="en-US" altLang="zh-CN"/>
+          </a:p>
+        </p:txBody>
+      </p:sp>
+      <p:graphicFrame>
+        <p:nvGraphicFramePr>
+          <p:cNvPr id="5" name="表格 4"/>
+          <p:cNvGraphicFramePr/>
+          <p:nvPr>
+            <p:custDataLst>
+              <p:tags r:id="rId1"/>
+            </p:custDataLst>
+          </p:nvPr>
+        </p:nvGraphicFramePr>
+        <p:xfrm>
+          <a:off x="642620" y="1328420"/>
+          <a:ext cx="10984230" cy="4956175"/>
+        </p:xfrm>
+        <a:graphic>
+          <a:graphicData uri="http://schemas.openxmlformats.org/drawingml/2006/table">
+            <a:tbl>
+              <a:tblPr firstRow="1" bandRow="1">
+                <a:tableStyleId>{5C22544A-7EE6-4342-B048-85BDC9FD1C3A}</a:tableStyleId>
+              </a:tblPr>
+              <a:tblGrid>
+                <a:gridCol w="4326890"/>
+                <a:gridCol w="3879215"/>
+                <a:gridCol w="2778125"/>
+              </a:tblGrid>
+              <a:tr h="365760">
+                <a:tc>
+                  <a:txBody>
+                    <a:bodyPr/>
+                    <a:p>
+                      <a:pPr algn="ctr">
+                        <a:buNone/>
+                      </a:pPr>
+                      <a:r>
+                        <a:rPr lang="en-US" altLang="zh-CN"/>
+                        <a:t>Command</a:t>
+                      </a:r>
+                      <a:endParaRPr lang="en-US" altLang="zh-CN"/>
+                    </a:p>
+                  </a:txBody>
+                  <a:tcPr/>
+                </a:tc>
+                <a:tc>
+                  <a:txBody>
+                    <a:bodyPr/>
+                    <a:p>
+                      <a:pPr algn="ctr">
+                        <a:buNone/>
+                      </a:pPr>
+                      <a:r>
+                        <a:rPr lang="en-US" altLang="zh-CN"/>
+                        <a:t>Description</a:t>
+                      </a:r>
+                      <a:endParaRPr lang="en-US" altLang="zh-CN"/>
+                    </a:p>
+                  </a:txBody>
+                  <a:tcPr/>
+                </a:tc>
+                <a:tc>
+                  <a:txBody>
+                    <a:bodyPr/>
+                    <a:p>
+                      <a:pPr algn="ctr">
+                        <a:buNone/>
+                      </a:pPr>
+                      <a:r>
+                        <a:rPr lang="en-US" altLang="zh-CN"/>
+                        <a:t>Note</a:t>
+                      </a:r>
+                      <a:endParaRPr lang="en-US" altLang="zh-CN"/>
+                    </a:p>
+                  </a:txBody>
+                  <a:tcPr/>
+                </a:tc>
+              </a:tr>
+              <a:tr h="335280">
+                <a:tc>
+                  <a:txBody>
+                    <a:bodyPr/>
+                    <a:p>
+                      <a:pPr>
+                        <a:buNone/>
+                      </a:pPr>
+                      <a:r>
+                        <a:rPr lang="en-US" altLang="zh-CN" sz="1600"/>
+                        <a:t>docker compose version</a:t>
+                      </a:r>
+                      <a:endParaRPr lang="en-US" altLang="zh-CN" sz="1600"/>
+                    </a:p>
+                  </a:txBody>
+                  <a:tcPr/>
+                </a:tc>
+                <a:tc>
+                  <a:txBody>
+                    <a:bodyPr/>
+                    <a:p>
+                      <a:pPr>
+                        <a:buNone/>
+                      </a:pPr>
+                      <a:r>
+                        <a:rPr lang="en-US" altLang="zh-CN" sz="1600"/>
+                        <a:t>Show docker compose version</a:t>
+                      </a:r>
+                      <a:endParaRPr lang="en-US" altLang="zh-CN" sz="1600"/>
+                    </a:p>
+                  </a:txBody>
+                  <a:tcPr/>
+                </a:tc>
+                <a:tc>
+                  <a:txBody>
+                    <a:bodyPr/>
+                    <a:p>
+                      <a:pPr>
+                        <a:buNone/>
+                      </a:pPr>
+                      <a:endParaRPr lang="zh-CN" altLang="en-US" sz="1600"/>
+                    </a:p>
+                  </a:txBody>
+                  <a:tcPr/>
+                </a:tc>
+              </a:tr>
+              <a:tr h="335280">
+                <a:tc>
+                  <a:txBody>
+                    <a:bodyPr/>
+                    <a:p>
+                      <a:pPr>
+                        <a:buNone/>
+                      </a:pPr>
+                      <a:r>
+                        <a:rPr lang="en-US" altLang="zh-CN" sz="1600"/>
+                        <a:t>docker compose build</a:t>
+                      </a:r>
+                      <a:endParaRPr lang="en-US" altLang="zh-CN" sz="1600"/>
+                    </a:p>
+                  </a:txBody>
+                  <a:tcPr/>
+                </a:tc>
+                <a:tc>
+                  <a:txBody>
+                    <a:bodyPr/>
+                    <a:p>
+                      <a:pPr>
+                        <a:buNone/>
+                      </a:pPr>
+                      <a:r>
+                        <a:rPr lang="en-US" altLang="zh-CN" sz="1600"/>
+                        <a:t>Build containers</a:t>
+                      </a:r>
+                      <a:endParaRPr lang="en-US" altLang="zh-CN" sz="1600"/>
+                    </a:p>
+                  </a:txBody>
+                  <a:tcPr/>
+                </a:tc>
+                <a:tc>
+                  <a:txBody>
+                    <a:bodyPr/>
+                    <a:p>
+                      <a:pPr>
+                        <a:buNone/>
+                      </a:pPr>
+                      <a:endParaRPr lang="zh-CN" altLang="en-US" sz="1600"/>
+                    </a:p>
+                  </a:txBody>
+                  <a:tcPr/>
+                </a:tc>
+              </a:tr>
+              <a:tr h="335280">
+                <a:tc>
+                  <a:txBody>
+                    <a:bodyPr/>
+                    <a:p>
+                      <a:pPr>
+                        <a:buNone/>
+                      </a:pPr>
+                      <a:r>
+                        <a:rPr lang="en-US" altLang="zh-CN" sz="1600"/>
+                        <a:t>docker compose up -d</a:t>
+                      </a:r>
+                      <a:endParaRPr lang="en-US" altLang="zh-CN" sz="1600"/>
+                    </a:p>
+                  </a:txBody>
+                  <a:tcPr/>
+                </a:tc>
+                <a:tc>
+                  <a:txBody>
+                    <a:bodyPr/>
+                    <a:p>
+                      <a:pPr>
+                        <a:buNone/>
+                      </a:pPr>
+                      <a:r>
+                        <a:rPr lang="en-US" altLang="zh-CN" sz="1600"/>
+                        <a:t>Create and start containers</a:t>
+                      </a:r>
+                      <a:endParaRPr lang="en-US" altLang="zh-CN" sz="1600"/>
+                    </a:p>
+                  </a:txBody>
+                  <a:tcPr/>
+                </a:tc>
+                <a:tc>
+                  <a:txBody>
+                    <a:bodyPr/>
+                    <a:p>
+                      <a:pPr>
+                        <a:buNone/>
+                      </a:pPr>
+                      <a:r>
+                        <a:rPr lang="en-US" altLang="zh-CN" sz="1600"/>
+                        <a:t>-d: in daemon mode</a:t>
+                      </a:r>
+                      <a:endParaRPr lang="en-US" altLang="zh-CN" sz="1600"/>
+                    </a:p>
+                  </a:txBody>
+                  <a:tcPr/>
+                </a:tc>
+              </a:tr>
+              <a:tr h="335280">
+                <a:tc>
+                  <a:txBody>
+                    <a:bodyPr/>
+                    <a:p>
+                      <a:pPr marL="0" lvl="1" algn="l">
+                        <a:buClrTx/>
+                        <a:buSzTx/>
+                        <a:buFontTx/>
+                      </a:pPr>
+                      <a:r>
+                        <a:rPr lang="en-US" altLang="zh-CN" sz="1600">
+                          <a:sym typeface="+mn-ea"/>
+                        </a:rPr>
+                        <a:t>docker compose up --no-start</a:t>
+                      </a:r>
+                      <a:endParaRPr lang="en-US" altLang="zh-CN" sz="1600">
+                        <a:sym typeface="+mn-ea"/>
+                      </a:endParaRPr>
+                    </a:p>
+                  </a:txBody>
+                  <a:tcPr/>
+                </a:tc>
+                <a:tc>
+                  <a:txBody>
+                    <a:bodyPr/>
+                    <a:p>
+                      <a:pPr>
+                        <a:buNone/>
+                      </a:pPr>
+                      <a:r>
+                        <a:rPr lang="en-US" altLang="zh-CN" sz="1600"/>
+                        <a:t>Create a container, but not start</a:t>
+                      </a:r>
+                      <a:endParaRPr lang="en-US" altLang="zh-CN" sz="1600"/>
+                    </a:p>
+                  </a:txBody>
+                  <a:tcPr/>
+                </a:tc>
+                <a:tc>
+                  <a:txBody>
+                    <a:bodyPr/>
+                    <a:p>
+                      <a:pPr>
+                        <a:buNone/>
+                      </a:pPr>
+                      <a:endParaRPr lang="en-US" altLang="zh-CN" sz="1600"/>
+                    </a:p>
+                  </a:txBody>
+                  <a:tcPr/>
+                </a:tc>
+              </a:tr>
+              <a:tr h="335280">
+                <a:tc>
+                  <a:txBody>
+                    <a:bodyPr/>
+                    <a:p>
+                      <a:pPr marL="0" lvl="1">
+                        <a:buNone/>
+                      </a:pPr>
+                      <a:r>
+                        <a:rPr lang="en-US" altLang="zh-CN" sz="1600" b="0">
+                          <a:sym typeface="+mn-ea"/>
+                        </a:rPr>
+                        <a:t>docker compose up/start {service_name}</a:t>
+                      </a:r>
+                      <a:endParaRPr lang="en-US" altLang="zh-CN" sz="1600" b="0">
+                        <a:sym typeface="+mn-ea"/>
+                      </a:endParaRPr>
+                    </a:p>
+                  </a:txBody>
+                  <a:tcPr/>
+                </a:tc>
+                <a:tc>
+                  <a:txBody>
+                    <a:bodyPr/>
+                    <a:p>
+                      <a:pPr>
+                        <a:buNone/>
+                      </a:pPr>
+                      <a:r>
+                        <a:rPr lang="en-US" altLang="zh-CN" sz="1600" b="0"/>
+                        <a:t>Start a defined service</a:t>
+                      </a:r>
+                      <a:endParaRPr lang="en-US" altLang="zh-CN" sz="1600" b="0"/>
+                    </a:p>
+                  </a:txBody>
+                  <a:tcPr/>
+                </a:tc>
+                <a:tc>
+                  <a:txBody>
+                    <a:bodyPr/>
+                    <a:p>
+                      <a:pPr>
+                        <a:buNone/>
+                      </a:pPr>
+                      <a:r>
+                        <a:rPr lang="en-US" altLang="zh-CN" sz="1600" b="0"/>
+                        <a:t>service_name like flask</a:t>
+                      </a:r>
+                      <a:endParaRPr lang="en-US" altLang="zh-CN" sz="1600" b="0"/>
+                    </a:p>
+                  </a:txBody>
+                  <a:tcPr/>
+                </a:tc>
+              </a:tr>
+              <a:tr h="335280">
+                <a:tc>
+                  <a:txBody>
+                    <a:bodyPr/>
+                    <a:p>
+                      <a:pPr marL="0" lvl="1">
+                        <a:buNone/>
+                      </a:pPr>
+                      <a:r>
+                        <a:rPr lang="en-US" altLang="zh-CN" sz="1600" b="0">
+                          <a:sym typeface="+mn-ea"/>
+                        </a:rPr>
+                        <a:t>docker compose run {service_name} env</a:t>
+                      </a:r>
+                      <a:endParaRPr lang="en-US" altLang="zh-CN" sz="1600" b="0">
+                        <a:sym typeface="+mn-ea"/>
+                      </a:endParaRPr>
+                    </a:p>
+                  </a:txBody>
+                  <a:tcPr/>
+                </a:tc>
+                <a:tc>
+                  <a:txBody>
+                    <a:bodyPr/>
+                    <a:p>
+                      <a:pPr>
+                        <a:buNone/>
+                      </a:pPr>
+                      <a:r>
+                        <a:rPr lang="en-US" altLang="zh-CN" sz="1600" b="0"/>
+                        <a:t>Show env variables</a:t>
+                      </a:r>
+                      <a:endParaRPr lang="en-US" altLang="zh-CN" sz="1600" b="0"/>
+                    </a:p>
+                  </a:txBody>
+                  <a:tcPr/>
+                </a:tc>
+                <a:tc>
+                  <a:txBody>
+                    <a:bodyPr/>
+                    <a:p>
+                      <a:pPr>
+                        <a:buNone/>
+                      </a:pPr>
+                      <a:endParaRPr lang="zh-CN" altLang="en-US" sz="1600" b="0"/>
+                    </a:p>
+                  </a:txBody>
+                  <a:tcPr/>
+                </a:tc>
+              </a:tr>
+              <a:tr h="579120">
+                <a:tc>
+                  <a:txBody>
+                    <a:bodyPr/>
+                    <a:p>
+                      <a:pPr marL="0" lvl="1">
+                        <a:buNone/>
+                      </a:pPr>
+                      <a:r>
+                        <a:rPr lang="en-US" altLang="zh-CN" sz="1600">
+                          <a:sym typeface="+mn-ea"/>
+                        </a:rPr>
+                        <a:t>docker compose down</a:t>
+                      </a:r>
+                      <a:endParaRPr lang="en-US" altLang="zh-CN" sz="1600">
+                        <a:sym typeface="+mn-ea"/>
+                      </a:endParaRPr>
+                    </a:p>
+                  </a:txBody>
+                  <a:tcPr/>
+                </a:tc>
+                <a:tc>
+                  <a:txBody>
+                    <a:bodyPr/>
+                    <a:p>
+                      <a:pPr>
+                        <a:buNone/>
+                      </a:pPr>
+                      <a:r>
+                        <a:rPr lang="en-US" altLang="zh-CN" sz="1600"/>
+                        <a:t>Stop and remove containers, networks, images and volumes</a:t>
+                      </a:r>
+                      <a:endParaRPr lang="en-US" altLang="zh-CN" sz="1600"/>
+                    </a:p>
+                  </a:txBody>
+                  <a:tcPr/>
+                </a:tc>
+                <a:tc>
+                  <a:txBody>
+                    <a:bodyPr/>
+                    <a:p>
+                      <a:pPr>
+                        <a:buNone/>
+                      </a:pPr>
+                      <a:r>
+                        <a:rPr lang="en-US" altLang="zh-CN" sz="1600"/>
+                        <a:t>-v: remove named volumes</a:t>
+                      </a:r>
+                      <a:endParaRPr lang="en-US" altLang="zh-CN" sz="1600"/>
+                    </a:p>
+                  </a:txBody>
+                  <a:tcPr/>
+                </a:tc>
+              </a:tr>
+              <a:tr h="335280">
+                <a:tc>
+                  <a:txBody>
+                    <a:bodyPr/>
+                    <a:p>
+                      <a:pPr marL="0" lvl="1">
+                        <a:buNone/>
+                      </a:pPr>
+                      <a:r>
+                        <a:rPr lang="en-US" altLang="zh-CN" sz="1600"/>
+                        <a:t>docker compose logs --tail=10</a:t>
+                      </a:r>
+                      <a:endParaRPr lang="en-US" altLang="zh-CN" sz="1600"/>
+                    </a:p>
+                  </a:txBody>
+                  <a:tcPr/>
+                </a:tc>
+                <a:tc>
+                  <a:txBody>
+                    <a:bodyPr/>
+                    <a:p>
+                      <a:pPr>
+                        <a:buNone/>
+                      </a:pPr>
+                      <a:r>
+                        <a:rPr lang="en-US" altLang="zh-CN" sz="1600"/>
+                        <a:t>Show container logs</a:t>
+                      </a:r>
+                      <a:endParaRPr lang="en-US" altLang="zh-CN" sz="1600"/>
+                    </a:p>
+                  </a:txBody>
+                  <a:tcPr/>
+                </a:tc>
+                <a:tc>
+                  <a:txBody>
+                    <a:bodyPr/>
+                    <a:p>
+                      <a:pPr>
+                        <a:buNone/>
+                      </a:pPr>
+                      <a:endParaRPr lang="zh-CN" altLang="en-US" sz="1600"/>
+                    </a:p>
+                  </a:txBody>
+                  <a:tcPr/>
+                </a:tc>
+              </a:tr>
+              <a:tr h="335280">
+                <a:tc>
+                  <a:txBody>
+                    <a:bodyPr/>
+                    <a:p>
+                      <a:pPr marL="0" lvl="1">
+                        <a:buNone/>
+                      </a:pPr>
+                      <a:r>
+                        <a:rPr lang="en-US" altLang="zh-CN" sz="1600"/>
+                        <a:t>docker compose ps</a:t>
+                      </a:r>
+                      <a:endParaRPr lang="en-US" altLang="zh-CN" sz="1600"/>
+                    </a:p>
+                  </a:txBody>
+                  <a:tcPr/>
+                </a:tc>
+                <a:tc>
+                  <a:txBody>
+                    <a:bodyPr/>
+                    <a:p>
+                      <a:pPr>
+                        <a:buNone/>
+                      </a:pPr>
+                      <a:r>
+                        <a:rPr lang="en-US" altLang="zh-CN" sz="1600"/>
+                        <a:t>List running containers</a:t>
+                      </a:r>
+                      <a:endParaRPr lang="en-US" altLang="zh-CN" sz="1600"/>
+                    </a:p>
+                  </a:txBody>
+                  <a:tcPr/>
+                </a:tc>
+                <a:tc>
+                  <a:txBody>
+                    <a:bodyPr/>
+                    <a:p>
+                      <a:pPr>
+                        <a:buNone/>
+                      </a:pPr>
+                      <a:endParaRPr lang="zh-CN" altLang="en-US" sz="1600"/>
+                    </a:p>
+                  </a:txBody>
+                  <a:tcPr/>
+                </a:tc>
+              </a:tr>
+              <a:tr h="335280">
+                <a:tc>
+                  <a:txBody>
+                    <a:bodyPr/>
+                    <a:p>
+                      <a:pPr marL="0" lvl="1">
+                        <a:buNone/>
+                      </a:pPr>
+                      <a:r>
+                        <a:rPr lang="en-US" altLang="zh-CN" sz="1600"/>
+                        <a:t>docker compose images</a:t>
+                      </a:r>
+                      <a:endParaRPr lang="en-US" altLang="zh-CN" sz="1600"/>
+                    </a:p>
+                  </a:txBody>
+                  <a:tcPr/>
+                </a:tc>
+                <a:tc>
+                  <a:txBody>
+                    <a:bodyPr/>
+                    <a:p>
+                      <a:pPr>
+                        <a:buNone/>
+                      </a:pPr>
+                      <a:r>
+                        <a:rPr lang="en-US" altLang="zh-CN" sz="1600"/>
+                        <a:t>List images</a:t>
+                      </a:r>
+                      <a:endParaRPr lang="en-US" altLang="zh-CN" sz="1600"/>
+                    </a:p>
+                  </a:txBody>
+                  <a:tcPr/>
+                </a:tc>
+                <a:tc>
+                  <a:txBody>
+                    <a:bodyPr/>
+                    <a:p>
+                      <a:pPr>
+                        <a:buNone/>
+                      </a:pPr>
+                      <a:endParaRPr lang="zh-CN" altLang="en-US" sz="1600"/>
+                    </a:p>
+                  </a:txBody>
+                  <a:tcPr/>
+                </a:tc>
+              </a:tr>
+              <a:tr h="414655">
+                <a:tc>
+                  <a:txBody>
+                    <a:bodyPr/>
+                    <a:p>
+                      <a:pPr marL="0" lvl="1">
+                        <a:buNone/>
+                      </a:pPr>
+                      <a:r>
+                        <a:rPr lang="en-US" altLang="zh-CN" sz="1600"/>
+                        <a:t>docker compose {command} --help</a:t>
+                      </a:r>
+                      <a:endParaRPr lang="en-US" altLang="zh-CN" sz="1600"/>
+                    </a:p>
+                  </a:txBody>
+                  <a:tcPr/>
+                </a:tc>
+                <a:tc>
+                  <a:txBody>
+                    <a:bodyPr/>
+                    <a:p>
+                      <a:pPr>
+                        <a:buNone/>
+                      </a:pPr>
+                      <a:r>
+                        <a:rPr lang="en-US" altLang="zh-CN" sz="1600"/>
+                        <a:t>Show help about a command</a:t>
+                      </a:r>
+                      <a:endParaRPr lang="en-US" altLang="zh-CN" sz="1600"/>
+                    </a:p>
+                  </a:txBody>
+                  <a:tcPr/>
+                </a:tc>
+                <a:tc>
+                  <a:txBody>
+                    <a:bodyPr/>
+                    <a:p>
+                      <a:pPr>
+                        <a:buNone/>
+                      </a:pPr>
+                      <a:endParaRPr lang="zh-CN" altLang="en-US" sz="1600"/>
+                    </a:p>
+                  </a:txBody>
+                  <a:tcPr/>
+                </a:tc>
+              </a:tr>
+              <a:tr h="414655">
+                <a:tc>
+                  <a:txBody>
+                    <a:bodyPr/>
+                    <a:p>
+                      <a:pPr marL="0" lvl="1">
+                        <a:buNone/>
+                      </a:pPr>
+                      <a:r>
+                        <a:rPr lang="en-US" altLang="zh-CN" sz="1600"/>
+                        <a:t>docker compose exec {service-name} {cmd}</a:t>
+                      </a:r>
+                      <a:endParaRPr lang="en-US" altLang="zh-CN" sz="1600"/>
+                    </a:p>
+                  </a:txBody>
+                  <a:tcPr/>
+                </a:tc>
+                <a:tc>
+                  <a:txBody>
+                    <a:bodyPr/>
+                    <a:p>
+                      <a:pPr>
+                        <a:buNone/>
+                      </a:pPr>
+                      <a:r>
+                        <a:rPr lang="en-US" altLang="zh-CN" sz="1600"/>
+                        <a:t>Execute a command in a running container</a:t>
+                      </a:r>
+                      <a:endParaRPr lang="en-US" altLang="zh-CN" sz="1600"/>
+                    </a:p>
+                  </a:txBody>
+                  <a:tcPr/>
+                </a:tc>
+                <a:tc>
+                  <a:txBody>
+                    <a:bodyPr/>
+                    <a:p>
+                      <a:pPr>
+                        <a:buNone/>
+                      </a:pPr>
+                      <a:endParaRPr lang="zh-CN" altLang="en-US" sz="1600"/>
+                    </a:p>
+                  </a:txBody>
+                  <a:tcPr/>
+                </a:tc>
+              </a:tr>
+            </a:tbl>
+          </a:graphicData>
+        </a:graphic>
+      </p:graphicFrame>
+    </p:spTree>
+    <p:custDataLst>
+      <p:tags r:id="rId2"/>
+    </p:custDataLst>
+  </p:cSld>
+  <p:clrMapOvr>
+    <a:masterClrMapping/>
+  </p:clrMapOvr>
+</p:sld>
+</file>
+
+<file path=ppt/slides/slide23.xml><?xml version="1.0" encoding="utf-8"?>
+<p:sld xmlns:a="http://schemas.openxmlformats.org/drawingml/2006/main" xmlns:r="http://schemas.openxmlformats.org/officeDocument/2006/relationships" xmlns:p="http://schemas.openxmlformats.org/presentationml/2006/main">
+  <p:cSld>
+    <p:spTree>
+      <p:nvGrpSpPr>
+        <p:cNvPr id="1" name=""/>
+        <p:cNvGrpSpPr/>
+        <p:nvPr/>
+      </p:nvGrpSpPr>
+      <p:grpSpPr/>
+      <p:sp>
+        <p:nvSpPr>
+          <p:cNvPr id="2" name="标题 1"/>
+          <p:cNvSpPr>
+            <a:spLocks noGrp="1"/>
+          </p:cNvSpPr>
+          <p:nvPr>
+            <p:ph type="title"/>
+          </p:nvPr>
+        </p:nvSpPr>
+        <p:spPr/>
+        <p:txBody>
+          <a:bodyPr/>
+          <a:p>
+            <a:r>
+              <a:rPr lang="en-US" altLang="zh-CN"/>
+              <a:t>Docker Compose - Advanced</a:t>
             </a:r>
             <a:endParaRPr lang="en-US" altLang="zh-CN"/>
           </a:p>
@@ -7799,7 +9382,7 @@
 </p:sld>
 </file>
 
-<file path=ppt/slides/slide2.xml><?xml version="1.0" encoding="utf-8"?>
+<file path=ppt/slides/slide24.xml><?xml version="1.0" encoding="utf-8"?>
 <p:sld xmlns:a="http://schemas.openxmlformats.org/drawingml/2006/main" xmlns:r="http://schemas.openxmlformats.org/officeDocument/2006/relationships" xmlns:p="http://schemas.openxmlformats.org/presentationml/2006/main">
   <p:cSld>
     <p:spTree>
@@ -7825,7 +9408,7 @@
           <a:p>
             <a:r>
               <a:rPr lang="en-US" altLang="zh-CN"/>
-              <a:t>References</a:t>
+              <a:t>Docker Machine</a:t>
             </a:r>
             <a:endParaRPr lang="en-US" altLang="zh-CN"/>
           </a:p>
@@ -7845,50 +9428,87 @@
         <p:txBody>
           <a:bodyPr/>
           <a:p>
-            <a:r>
-              <a:rPr lang="en-US" altLang="zh-CN"/>
-              <a:t>Dockerfile</a:t>
-            </a:r>
-            <a:endParaRPr lang="en-US" altLang="zh-CN"/>
-          </a:p>
-          <a:p>
-            <a:pPr lvl="1"/>
-            <a:r>
-              <a:rPr lang="zh-CN" altLang="en-US"/>
-              <a:t>https://docs.docker.com/develop/develop-images/dockerfile_best-practices/</a:t>
-            </a:r>
-            <a:endParaRPr lang="zh-CN" altLang="en-US"/>
-          </a:p>
-          <a:p>
-            <a:pPr lvl="1"/>
-            <a:r>
-              <a:rPr lang="zh-CN" altLang="en-US">
+            <a:pPr lvl="0"/>
+            <a:r>
+              <a:rPr lang="en-US" altLang="zh-CN" sz="2400">
                 <a:sym typeface="+mn-ea"/>
               </a:rPr>
-              <a:t>https://www.tutorialspoint.com/docker/</a:t>
-            </a:r>
-            <a:endParaRPr lang="zh-CN" altLang="en-US">
+              <a:t>docker-machine commands</a:t>
+            </a:r>
+            <a:endParaRPr lang="en-US" altLang="zh-CN" sz="2400"/>
+          </a:p>
+          <a:p>
+            <a:pPr lvl="1"/>
+            <a:r>
+              <a:rPr lang="en-US" altLang="zh-CN" sz="2400">
+                <a:sym typeface="+mn-ea"/>
+              </a:rPr>
+              <a:t>docker-machine create  -d virtualbox {machine-name}</a:t>
+            </a:r>
+            <a:endParaRPr lang="en-US" altLang="zh-CN" sz="2400">
               <a:sym typeface="+mn-ea"/>
             </a:endParaRPr>
           </a:p>
           <a:p>
+            <a:pPr lvl="2"/>
+            <a:r>
+              <a:rPr lang="en-US" altLang="zh-CN" sz="2160">
+                <a:sym typeface="+mn-ea"/>
+              </a:rPr>
+              <a:t>-d/--driver: which provider the machine should be created on (VirtualBox, DigitalOcean, AWS, etc.)</a:t>
+            </a:r>
+            <a:endParaRPr lang="en-US" altLang="zh-CN" sz="2160"/>
+          </a:p>
+          <a:p>
             <a:pPr lvl="1"/>
             <a:r>
-              <a:rPr lang="zh-CN" altLang="en-US"/>
-              <a:t>https://runnable.com/blog/9-common-dockerfile-mistakes</a:t>
-            </a:r>
-            <a:endParaRPr lang="zh-CN" altLang="en-US"/>
+              <a:rPr lang="en-US" altLang="zh-CN" sz="2400">
+                <a:sym typeface="+mn-ea"/>
+              </a:rPr>
+              <a:t>eval $(docker-machine env dev)</a:t>
+            </a:r>
+            <a:endParaRPr lang="en-US" altLang="zh-CN" sz="2400">
+              <a:sym typeface="+mn-ea"/>
+            </a:endParaRPr>
+          </a:p>
+          <a:p>
+            <a:pPr lvl="1" algn="l">
+              <a:buClrTx/>
+              <a:buSzTx/>
+            </a:pPr>
+            <a:r>
+              <a:rPr lang="en-US" altLang="zh-CN" sz="2400">
+                <a:sym typeface="+mn-ea"/>
+              </a:rPr>
+              <a:t>docker-machine ls</a:t>
+            </a:r>
+            <a:endParaRPr lang="en-US" altLang="zh-CN" sz="2400"/>
           </a:p>
           <a:p>
             <a:pPr lvl="1"/>
             <a:r>
-              <a:rPr lang="zh-CN" altLang="en-US"/>
-              <a:t>https://www.digitalocean.com/community/tutorials/how-to-debug-and-fix-common-docker-issues</a:t>
-            </a:r>
-            <a:endParaRPr lang="zh-CN" altLang="en-US"/>
+              <a:rPr lang="en-US" altLang="zh-CN" sz="2400"/>
+              <a:t>docker-machine ip default</a:t>
+            </a:r>
+            <a:endParaRPr lang="en-US" altLang="zh-CN" sz="2400"/>
           </a:p>
           <a:p>
             <a:pPr lvl="1"/>
+            <a:r>
+              <a:rPr lang="en-US" altLang="zh-CN" sz="2400"/>
+              <a:t>docker-machine start {docker-machine-name}</a:t>
+            </a:r>
+            <a:endParaRPr lang="en-US" altLang="zh-CN" sz="2400"/>
+          </a:p>
+          <a:p>
+            <a:pPr lvl="1"/>
+            <a:r>
+              <a:rPr lang="en-US" altLang="zh-CN" sz="2400"/>
+              <a:t>eval "$(docker-machine env dev)"	# make a machine active</a:t>
+            </a:r>
+            <a:endParaRPr lang="en-US" altLang="zh-CN" sz="2400"/>
+          </a:p>
+          <a:p>
             <a:endParaRPr lang="zh-CN" altLang="en-US"/>
           </a:p>
         </p:txBody>
@@ -7904,7 +9524,7 @@
 </p:sld>
 </file>
 
-<file path=ppt/slides/slide20.xml><?xml version="1.0" encoding="utf-8"?>
+<file path=ppt/slides/slide25.xml><?xml version="1.0" encoding="utf-8"?>
 <p:sld xmlns:a="http://schemas.openxmlformats.org/drawingml/2006/main" xmlns:r="http://schemas.openxmlformats.org/officeDocument/2006/relationships" xmlns:p="http://schemas.openxmlformats.org/presentationml/2006/main">
   <p:cSld>
     <p:spTree>
@@ -7930,7 +9550,7 @@
           <a:p>
             <a:r>
               <a:rPr lang="en-US" altLang="zh-CN"/>
-              <a:t>Docker Machine</a:t>
+              <a:t>Alpine</a:t>
             </a:r>
             <a:endParaRPr lang="en-US" altLang="zh-CN"/>
           </a:p>
@@ -7950,88 +9570,19 @@
         <p:txBody>
           <a:bodyPr/>
           <a:p>
-            <a:pPr lvl="0"/>
-            <a:r>
-              <a:rPr lang="en-US" altLang="zh-CN" sz="2400">
-                <a:sym typeface="+mn-ea"/>
-              </a:rPr>
-              <a:t>docker-machine commands</a:t>
-            </a:r>
-            <a:endParaRPr lang="en-US" altLang="zh-CN" sz="2400"/>
+            <a:r>
+              <a:rPr lang="en-US" altLang="zh-CN"/>
+              <a:t>Intro</a:t>
+            </a:r>
+            <a:endParaRPr lang="en-US" altLang="zh-CN"/>
           </a:p>
           <a:p>
             <a:pPr lvl="1"/>
             <a:r>
-              <a:rPr lang="en-US" altLang="zh-CN" sz="2400">
-                <a:sym typeface="+mn-ea"/>
-              </a:rPr>
-              <a:t>docker-machine create  -d virtualbox {machine-name}</a:t>
-            </a:r>
-            <a:endParaRPr lang="en-US" altLang="zh-CN" sz="2400">
-              <a:sym typeface="+mn-ea"/>
-            </a:endParaRPr>
-          </a:p>
-          <a:p>
-            <a:pPr lvl="2"/>
-            <a:r>
-              <a:rPr lang="en-US" altLang="zh-CN" sz="2160">
-                <a:sym typeface="+mn-ea"/>
-              </a:rPr>
-              <a:t>-d/--driver: which provider the machine should be created on (VirtualBox, DigitalOcean, AWS, etc.)</a:t>
-            </a:r>
-            <a:endParaRPr lang="en-US" altLang="zh-CN" sz="2160"/>
-          </a:p>
-          <a:p>
-            <a:pPr lvl="1"/>
-            <a:r>
-              <a:rPr lang="en-US" altLang="zh-CN" sz="2400">
-                <a:sym typeface="+mn-ea"/>
-              </a:rPr>
-              <a:t>eval $(docker-machine env dev)</a:t>
-            </a:r>
-            <a:endParaRPr lang="en-US" altLang="zh-CN" sz="2400">
-              <a:sym typeface="+mn-ea"/>
-            </a:endParaRPr>
-          </a:p>
-          <a:p>
-            <a:pPr lvl="1" algn="l">
-              <a:buClrTx/>
-              <a:buSzTx/>
-            </a:pPr>
-            <a:r>
-              <a:rPr lang="en-US" altLang="zh-CN" sz="2400">
-                <a:sym typeface="+mn-ea"/>
-              </a:rPr>
-              <a:t>docker-machine ls</a:t>
-            </a:r>
-            <a:endParaRPr lang="en-US" altLang="zh-CN" sz="2400"/>
-          </a:p>
-          <a:p>
-            <a:pPr lvl="1"/>
-            <a:r>
-              <a:rPr lang="en-US" altLang="zh-CN" sz="2400"/>
-              <a:t>docker-machine ip default</a:t>
-            </a:r>
-            <a:endParaRPr lang="en-US" altLang="zh-CN" sz="2400"/>
-          </a:p>
-          <a:p>
-            <a:pPr lvl="1"/>
-            <a:r>
-              <a:rPr lang="en-US" altLang="zh-CN" sz="2400"/>
-              <a:t>docker-machine start {docker-machine-name}</a:t>
-            </a:r>
-            <a:endParaRPr lang="en-US" altLang="zh-CN" sz="2400"/>
-          </a:p>
-          <a:p>
-            <a:pPr lvl="1"/>
-            <a:r>
-              <a:rPr lang="en-US" altLang="zh-CN" sz="2400"/>
-              <a:t>eval "$(docker-machine env dev)"	# make a machine active</a:t>
-            </a:r>
-            <a:endParaRPr lang="en-US" altLang="zh-CN" sz="2400"/>
-          </a:p>
-          <a:p>
-            <a:endParaRPr lang="zh-CN" altLang="en-US"/>
+              <a:rPr lang="en-US" altLang="zh-CN"/>
+              <a:t>a minimal docker image based on Alpine Linux with a complete package index and only 5MB in size</a:t>
+            </a:r>
+            <a:endParaRPr lang="en-US" altLang="zh-CN"/>
           </a:p>
         </p:txBody>
       </p:sp>
@@ -8046,80 +9597,7 @@
 </p:sld>
 </file>
 
-<file path=ppt/slides/slide21.xml><?xml version="1.0" encoding="utf-8"?>
-<p:sld xmlns:a="http://schemas.openxmlformats.org/drawingml/2006/main" xmlns:r="http://schemas.openxmlformats.org/officeDocument/2006/relationships" xmlns:p="http://schemas.openxmlformats.org/presentationml/2006/main">
-  <p:cSld>
-    <p:spTree>
-      <p:nvGrpSpPr>
-        <p:cNvPr id="1" name=""/>
-        <p:cNvGrpSpPr/>
-        <p:nvPr/>
-      </p:nvGrpSpPr>
-      <p:grpSpPr/>
-      <p:sp>
-        <p:nvSpPr>
-          <p:cNvPr id="2" name="标题 1"/>
-          <p:cNvSpPr>
-            <a:spLocks noGrp="1"/>
-          </p:cNvSpPr>
-          <p:nvPr>
-            <p:ph type="title"/>
-          </p:nvPr>
-        </p:nvSpPr>
-        <p:spPr/>
-        <p:txBody>
-          <a:bodyPr/>
-          <a:p>
-            <a:r>
-              <a:rPr lang="en-US" altLang="zh-CN"/>
-              <a:t>Alpine</a:t>
-            </a:r>
-            <a:endParaRPr lang="en-US" altLang="zh-CN"/>
-          </a:p>
-        </p:txBody>
-      </p:sp>
-      <p:sp>
-        <p:nvSpPr>
-          <p:cNvPr id="3" name="内容占位符 2"/>
-          <p:cNvSpPr>
-            <a:spLocks noGrp="1"/>
-          </p:cNvSpPr>
-          <p:nvPr>
-            <p:ph idx="1"/>
-          </p:nvPr>
-        </p:nvSpPr>
-        <p:spPr/>
-        <p:txBody>
-          <a:bodyPr/>
-          <a:p>
-            <a:r>
-              <a:rPr lang="en-US" altLang="zh-CN"/>
-              <a:t>Intro</a:t>
-            </a:r>
-            <a:endParaRPr lang="en-US" altLang="zh-CN"/>
-          </a:p>
-          <a:p>
-            <a:pPr lvl="1"/>
-            <a:r>
-              <a:rPr lang="en-US" altLang="zh-CN"/>
-              <a:t>a minimal docker image based on Alpine Linux with a complete package index and only 5MB in size</a:t>
-            </a:r>
-            <a:endParaRPr lang="en-US" altLang="zh-CN"/>
-          </a:p>
-        </p:txBody>
-      </p:sp>
-    </p:spTree>
-    <p:custDataLst>
-      <p:tags r:id="rId1"/>
-    </p:custDataLst>
-  </p:cSld>
-  <p:clrMapOvr>
-    <a:masterClrMapping/>
-  </p:clrMapOvr>
-</p:sld>
-</file>
-
-<file path=ppt/slides/slide22.xml><?xml version="1.0" encoding="utf-8"?>
+<file path=ppt/slides/slide26.xml><?xml version="1.0" encoding="utf-8"?>
 <p:sld xmlns:a="http://schemas.openxmlformats.org/drawingml/2006/main" xmlns:r="http://schemas.openxmlformats.org/officeDocument/2006/relationships" xmlns:p="http://schemas.openxmlformats.org/presentationml/2006/main">
   <p:cSld>
     <p:spTree>
@@ -8285,7 +9763,7 @@
 </p:sld>
 </file>
 
-<file path=ppt/slides/slide23.xml><?xml version="1.0" encoding="utf-8"?>
+<file path=ppt/slides/slide27.xml><?xml version="1.0" encoding="utf-8"?>
 <p:sld xmlns:a="http://schemas.openxmlformats.org/drawingml/2006/main" xmlns:r="http://schemas.openxmlformats.org/officeDocument/2006/relationships" xmlns:p="http://schemas.openxmlformats.org/presentationml/2006/main">
   <p:cSld>
     <p:spTree>
@@ -8332,8 +9810,47 @@
           <a:bodyPr/>
           <a:p>
             <a:r>
+              <a:rPr lang="en-US" altLang="zh-CN"/>
+              <a:t>References</a:t>
+            </a:r>
+            <a:endParaRPr lang="en-US" altLang="zh-CN"/>
+          </a:p>
+          <a:p>
+            <a:pPr lvl="1"/>
+            <a:r>
+              <a:rPr lang="en-US" altLang="zh-CN"/>
+              <a:t>https://depot.dev/blog/docker-clear-cache</a:t>
+            </a:r>
+            <a:endParaRPr lang="en-US" altLang="zh-CN"/>
+          </a:p>
+          <a:p>
+            <a:r>
               <a:rPr lang="zh-CN" altLang="en-US"/>
               <a:t>sudo docker system prune -a -f</a:t>
+            </a:r>
+            <a:endParaRPr lang="zh-CN" altLang="en-US"/>
+          </a:p>
+          <a:p>
+            <a:pPr lvl="1"/>
+            <a:r>
+              <a:rPr lang="en-US" altLang="zh-CN" sz="2000" b="1"/>
+              <a:t>dangerous</a:t>
+            </a:r>
+            <a:endParaRPr lang="en-US" altLang="zh-CN" sz="2000" b="1"/>
+          </a:p>
+          <a:p>
+            <a:pPr lvl="0"/>
+            <a:r>
+              <a:rPr lang="en-US" altLang="zh-CN" sz="2400"/>
+              <a:t>Clear build cache</a:t>
+            </a:r>
+            <a:endParaRPr lang="en-US" altLang="zh-CN" sz="2400"/>
+          </a:p>
+          <a:p>
+            <a:pPr lvl="1"/>
+            <a:r>
+              <a:rPr lang="zh-CN" altLang="en-US"/>
+              <a:t>docker buildx prune -f</a:t>
             </a:r>
             <a:endParaRPr lang="zh-CN" altLang="en-US"/>
           </a:p>
@@ -8365,7 +9882,7 @@
 </p:sld>
 </file>
 
-<file path=ppt/slides/slide24.xml><?xml version="1.0" encoding="utf-8"?>
+<file path=ppt/slides/slide28.xml><?xml version="1.0" encoding="utf-8"?>
 <p:sld xmlns:a="http://schemas.openxmlformats.org/drawingml/2006/main" xmlns:r="http://schemas.openxmlformats.org/officeDocument/2006/relationships" xmlns:p="http://schemas.openxmlformats.org/presentationml/2006/main">
   <p:cSld>
     <p:spTree>
@@ -8490,7 +10007,7 @@
 </p:sld>
 </file>
 
-<file path=ppt/slides/slide25.xml><?xml version="1.0" encoding="utf-8"?>
+<file path=ppt/slides/slide29.xml><?xml version="1.0" encoding="utf-8"?>
 <p:sld xmlns:a="http://schemas.openxmlformats.org/drawingml/2006/main" xmlns:r="http://schemas.openxmlformats.org/officeDocument/2006/relationships" xmlns:p="http://schemas.openxmlformats.org/presentationml/2006/main">
   <p:cSld>
     <p:spTree>
@@ -8675,28 +10192,304 @@
           </a:p>
         </p:txBody>
       </p:sp>
+      <p:sp>
+        <p:nvSpPr>
+          <p:cNvPr id="4" name="文本框 3"/>
+          <p:cNvSpPr txBox="1"/>
+          <p:nvPr/>
+        </p:nvSpPr>
+        <p:spPr>
+          <a:xfrm>
+            <a:off x="7790815" y="1457960"/>
+            <a:ext cx="4033520" cy="3046095"/>
+          </a:xfrm>
+          <a:prstGeom prst="rect">
+            <a:avLst/>
+          </a:prstGeom>
+          <a:noFill/>
+          <a:ln>
+            <a:solidFill>
+              <a:srgbClr val="C00000"/>
+            </a:solidFill>
+          </a:ln>
+        </p:spPr>
+        <p:txBody>
+          <a:bodyPr wrap="square" rtlCol="0">
+            <a:spAutoFit/>
+          </a:bodyPr>
+          <a:p>
+            <a:r>
+              <a:rPr lang="zh-CN" altLang="en-US" sz="1600"/>
+              <a:t>services:</a:t>
+            </a:r>
+            <a:endParaRPr lang="zh-CN" altLang="en-US" sz="1600"/>
+          </a:p>
+          <a:p>
+            <a:r>
+              <a:rPr lang="zh-CN" altLang="en-US" sz="1600"/>
+              <a:t>  test:</a:t>
+            </a:r>
+            <a:endParaRPr lang="zh-CN" altLang="en-US" sz="1600"/>
+          </a:p>
+          <a:p>
+            <a:r>
+              <a:rPr lang="zh-CN" altLang="en-US" sz="1600"/>
+              <a:t>    image: tensorflow/tensorflow:latest-gpu</a:t>
+            </a:r>
+            <a:endParaRPr lang="zh-CN" altLang="en-US" sz="1600"/>
+          </a:p>
+          <a:p>
+            <a:r>
+              <a:rPr lang="zh-CN" altLang="en-US" sz="1600"/>
+              <a:t>    command: python -c "import tensorflow as tf;tf.test.gpu_device_name()"</a:t>
+            </a:r>
+            <a:endParaRPr lang="zh-CN" altLang="en-US" sz="1600"/>
+          </a:p>
+          <a:p>
+            <a:r>
+              <a:rPr lang="zh-CN" altLang="en-US" sz="1600"/>
+              <a:t>    deploy:</a:t>
+            </a:r>
+            <a:endParaRPr lang="zh-CN" altLang="en-US" sz="1600"/>
+          </a:p>
+          <a:p>
+            <a:r>
+              <a:rPr lang="zh-CN" altLang="en-US" sz="1600"/>
+              <a:t>      resources:</a:t>
+            </a:r>
+            <a:endParaRPr lang="zh-CN" altLang="en-US" sz="1600"/>
+          </a:p>
+          <a:p>
+            <a:r>
+              <a:rPr lang="zh-CN" altLang="en-US" sz="1600"/>
+              <a:t>        reservations:</a:t>
+            </a:r>
+            <a:endParaRPr lang="zh-CN" altLang="en-US" sz="1600"/>
+          </a:p>
+          <a:p>
+            <a:r>
+              <a:rPr lang="zh-CN" altLang="en-US" sz="1600"/>
+              <a:t>          devices:</a:t>
+            </a:r>
+            <a:endParaRPr lang="zh-CN" altLang="en-US" sz="1600"/>
+          </a:p>
+          <a:p>
+            <a:r>
+              <a:rPr lang="zh-CN" altLang="en-US" sz="1600"/>
+              <a:t>          - driver: nvidia</a:t>
+            </a:r>
+            <a:endParaRPr lang="zh-CN" altLang="en-US" sz="1600"/>
+          </a:p>
+          <a:p>
+            <a:r>
+              <a:rPr lang="zh-CN" altLang="en-US" sz="1600"/>
+              <a:t>            device_ids: ['0', '3']</a:t>
+            </a:r>
+            <a:endParaRPr lang="zh-CN" altLang="en-US" sz="1600"/>
+          </a:p>
+          <a:p>
+            <a:r>
+              <a:rPr lang="zh-CN" altLang="en-US" sz="1600"/>
+              <a:t>            capabilities: [gpu]</a:t>
+            </a:r>
+            <a:endParaRPr lang="zh-CN" altLang="en-US" sz="1600"/>
+          </a:p>
+        </p:txBody>
+      </p:sp>
+    </p:spTree>
+    <p:custDataLst>
+      <p:tags r:id="rId1"/>
+    </p:custDataLst>
+  </p:cSld>
+  <p:clrMapOvr>
+    <a:masterClrMapping/>
+  </p:clrMapOvr>
+</p:sld>
+</file>
+
+<file path=ppt/slides/slide3.xml><?xml version="1.0" encoding="utf-8"?>
+<p:sld xmlns:a="http://schemas.openxmlformats.org/drawingml/2006/main" xmlns:r="http://schemas.openxmlformats.org/officeDocument/2006/relationships" xmlns:p="http://schemas.openxmlformats.org/presentationml/2006/main">
+  <p:cSld>
+    <p:spTree>
+      <p:nvGrpSpPr>
+        <p:cNvPr id="1" name=""/>
+        <p:cNvGrpSpPr/>
+        <p:nvPr/>
+      </p:nvGrpSpPr>
+      <p:grpSpPr/>
+      <p:sp>
+        <p:nvSpPr>
+          <p:cNvPr id="2" name="标题 1"/>
+          <p:cNvSpPr>
+            <a:spLocks noGrp="1"/>
+          </p:cNvSpPr>
+          <p:nvPr>
+            <p:ph type="title"/>
+          </p:nvPr>
+        </p:nvSpPr>
+        <p:spPr/>
+        <p:txBody>
+          <a:bodyPr/>
+          <a:p>
+            <a:r>
+              <a:rPr lang="en-US" altLang="zh-CN"/>
+              <a:t>Intro</a:t>
+            </a:r>
+            <a:endParaRPr lang="en-US" altLang="zh-CN"/>
+          </a:p>
+        </p:txBody>
+      </p:sp>
+      <p:sp>
+        <p:nvSpPr>
+          <p:cNvPr id="3" name="内容占位符 2"/>
+          <p:cNvSpPr>
+            <a:spLocks noGrp="1"/>
+          </p:cNvSpPr>
+          <p:nvPr>
+            <p:ph idx="1"/>
+          </p:nvPr>
+        </p:nvSpPr>
+        <p:spPr>
+          <a:xfrm>
+            <a:off x="838200" y="1211580"/>
+            <a:ext cx="7308850" cy="5187315"/>
+          </a:xfrm>
+        </p:spPr>
+        <p:txBody>
+          <a:bodyPr>
+            <a:normAutofit/>
+          </a:bodyPr>
+          <a:p>
+            <a:r>
+              <a:rPr lang="en-US" altLang="zh-CN" sz="1800"/>
+              <a:t>Concept</a:t>
+            </a:r>
+            <a:endParaRPr lang="en-US" altLang="zh-CN" sz="1800"/>
+          </a:p>
+          <a:p>
+            <a:pPr lvl="1"/>
+            <a:r>
+              <a:rPr lang="en-US" altLang="zh-CN" sz="1600"/>
+              <a:t>Docker: a platform to build, share, and run applications with containers</a:t>
+            </a:r>
+            <a:endParaRPr lang="en-US" altLang="zh-CN" sz="1600"/>
+          </a:p>
+          <a:p>
+            <a:pPr lvl="1"/>
+            <a:r>
+              <a:rPr lang="en-US" altLang="zh-CN" sz="1600"/>
+              <a:t>container: a running process</a:t>
+            </a:r>
+            <a:endParaRPr lang="en-US" altLang="zh-CN" sz="1600"/>
+          </a:p>
+          <a:p>
+            <a:pPr lvl="1"/>
+            <a:r>
+              <a:rPr lang="en-US" altLang="zh-CN" sz="1600"/>
+              <a:t>Docker image: everything needed to run an application</a:t>
+            </a:r>
+            <a:endParaRPr lang="en-US" altLang="zh-CN" sz="1600"/>
+          </a:p>
+          <a:p>
+            <a:pPr lvl="1"/>
+            <a:r>
+              <a:rPr lang="en-US" altLang="zh-CN" sz="1600"/>
+              <a:t>Dokerfile: describe how to assemble a private filesystem for a container</a:t>
+            </a:r>
+            <a:endParaRPr lang="en-US" altLang="zh-CN" sz="1600"/>
+          </a:p>
+          <a:p>
+            <a:pPr lvl="0"/>
+            <a:r>
+              <a:rPr lang="en-US" altLang="zh-CN" sz="1800"/>
+              <a:t>Install</a:t>
+            </a:r>
+            <a:endParaRPr lang="en-US" altLang="zh-CN" sz="1800"/>
+          </a:p>
+          <a:p>
+            <a:pPr lvl="1"/>
+            <a:r>
+              <a:rPr lang="en-US" altLang="zh-CN" sz="1600"/>
+              <a:t>Docker for Windows</a:t>
+            </a:r>
+            <a:endParaRPr lang="en-US" altLang="zh-CN" sz="1600"/>
+          </a:p>
+          <a:p>
+            <a:pPr lvl="2"/>
+            <a:r>
+              <a:rPr lang="en-US" altLang="zh-CN" sz="1400"/>
+              <a:t>https://github.com/docker/toolbox/releases</a:t>
+            </a:r>
+            <a:endParaRPr lang="en-US" altLang="zh-CN" sz="1400"/>
+          </a:p>
+          <a:p>
+            <a:pPr lvl="2"/>
+            <a:r>
+              <a:rPr lang="en-US" altLang="zh-CN" sz="1400"/>
+              <a:t>Start “Docker Quickstart Terminal”</a:t>
+            </a:r>
+            <a:endParaRPr lang="en-US" altLang="zh-CN" sz="1400"/>
+          </a:p>
+          <a:p>
+            <a:pPr lvl="1"/>
+            <a:r>
+              <a:rPr lang="en-US" altLang="zh-CN" sz="1600"/>
+              <a:t>Ubuntu Linux</a:t>
+            </a:r>
+            <a:endParaRPr lang="en-US" altLang="zh-CN" sz="1600"/>
+          </a:p>
+          <a:p>
+            <a:pPr lvl="2"/>
+            <a:r>
+              <a:rPr lang="en-US" altLang="zh-CN" sz="1400"/>
+              <a:t>sudo apt install apt-transport-https ca-certificates curl gnupg-agent software-properties-common</a:t>
+            </a:r>
+            <a:endParaRPr lang="en-US" altLang="zh-CN" sz="1400"/>
+          </a:p>
+          <a:p>
+            <a:pPr lvl="2"/>
+            <a:r>
+              <a:rPr lang="en-US" altLang="zh-CN" sz="1400"/>
+              <a:t>curl -fsSL https://download.docker.com/linux/ubuntu/gpg | sudo apt-key add -</a:t>
+            </a:r>
+            <a:endParaRPr lang="en-US" altLang="zh-CN" sz="1400"/>
+          </a:p>
+          <a:p>
+            <a:pPr lvl="1"/>
+            <a:r>
+              <a:rPr lang="en-US" altLang="zh-CN" sz="1600"/>
+              <a:t>CentOS</a:t>
+            </a:r>
+            <a:endParaRPr lang="en-US" altLang="zh-CN" sz="1600"/>
+          </a:p>
+          <a:p>
+            <a:pPr lvl="1"/>
+            <a:r>
+              <a:rPr lang="en-US" altLang="zh-CN" sz="1600"/>
+              <a:t>Test install: docker run hello-world</a:t>
+            </a:r>
+            <a:endParaRPr lang="en-US" altLang="zh-CN" sz="1600"/>
+          </a:p>
+        </p:txBody>
+      </p:sp>
       <p:pic>
         <p:nvPicPr>
-          <p:cNvPr id="5" name="图片 4"/>
+          <p:cNvPr id="9" name="图片 8"/>
           <p:cNvPicPr>
             <a:picLocks noChangeAspect="1"/>
           </p:cNvPicPr>
-          <p:nvPr>
-            <p:custDataLst>
-              <p:tags r:id="rId1"/>
-            </p:custDataLst>
-          </p:nvPr>
+          <p:nvPr/>
         </p:nvPicPr>
         <p:blipFill>
-          <a:blip r:embed="rId2"/>
+          <a:blip r:embed="rId1"/>
           <a:stretch>
             <a:fillRect/>
           </a:stretch>
         </p:blipFill>
         <p:spPr>
           <a:xfrm>
-            <a:off x="7752080" y="2639060"/>
-            <a:ext cx="3769995" cy="3371215"/>
+            <a:off x="8227060" y="1330960"/>
+            <a:ext cx="3848100" cy="2657475"/>
           </a:xfrm>
           <a:prstGeom prst="rect">
             <a:avLst/>
@@ -8705,7 +10498,7 @@
       </p:pic>
     </p:spTree>
     <p:custDataLst>
-      <p:tags r:id="rId3"/>
+      <p:tags r:id="rId2"/>
     </p:custDataLst>
   </p:cSld>
   <p:clrMapOvr>
@@ -8714,7 +10507,144 @@
 </p:sld>
 </file>
 
-<file path=ppt/slides/slide26.xml><?xml version="1.0" encoding="utf-8"?>
+<file path=ppt/slides/slide30.xml><?xml version="1.0" encoding="utf-8"?>
+<p:sld xmlns:a="http://schemas.openxmlformats.org/drawingml/2006/main" xmlns:r="http://schemas.openxmlformats.org/officeDocument/2006/relationships" xmlns:p="http://schemas.openxmlformats.org/presentationml/2006/main">
+  <p:cSld>
+    <p:spTree>
+      <p:nvGrpSpPr>
+        <p:cNvPr id="1" name=""/>
+        <p:cNvGrpSpPr/>
+        <p:nvPr/>
+      </p:nvGrpSpPr>
+      <p:grpSpPr/>
+      <p:sp>
+        <p:nvSpPr>
+          <p:cNvPr id="2" name="标题 1"/>
+          <p:cNvSpPr>
+            <a:spLocks noGrp="1"/>
+          </p:cNvSpPr>
+          <p:nvPr>
+            <p:ph type="title"/>
+          </p:nvPr>
+        </p:nvSpPr>
+        <p:spPr/>
+        <p:txBody>
+          <a:bodyPr/>
+          <a:p>
+            <a:r>
+              <a:rPr lang="en-US" altLang="zh-CN"/>
+              <a:t>GPU Support 2</a:t>
+            </a:r>
+            <a:endParaRPr lang="en-US" altLang="zh-CN"/>
+          </a:p>
+        </p:txBody>
+      </p:sp>
+      <p:sp>
+        <p:nvSpPr>
+          <p:cNvPr id="3" name="内容占位符 2"/>
+          <p:cNvSpPr>
+            <a:spLocks noGrp="1"/>
+          </p:cNvSpPr>
+          <p:nvPr>
+            <p:ph idx="1"/>
+          </p:nvPr>
+        </p:nvSpPr>
+        <p:spPr/>
+        <p:txBody>
+          <a:bodyPr/>
+          <a:p>
+            <a:r>
+              <a:rPr lang="en-US" altLang="zh-CN"/>
+              <a:t>Docker</a:t>
+            </a:r>
+            <a:endParaRPr lang="en-US" altLang="zh-CN"/>
+          </a:p>
+          <a:p>
+            <a:pPr lvl="1"/>
+            <a:r>
+              <a:rPr lang="en-US" altLang="zh-CN"/>
+              <a:t>install Nvidia container toolkit</a:t>
+            </a:r>
+            <a:endParaRPr lang="en-US" altLang="zh-CN"/>
+          </a:p>
+          <a:p>
+            <a:pPr lvl="2"/>
+            <a:r>
+              <a:rPr lang="en-US" altLang="zh-CN"/>
+              <a:t>distribution=$(. /etc/os-release;echo $ID$VERSION_ID)</a:t>
+            </a:r>
+            <a:endParaRPr lang="en-US" altLang="zh-CN"/>
+          </a:p>
+          <a:p>
+            <a:pPr lvl="2"/>
+            <a:r>
+              <a:rPr lang="en-US" altLang="zh-CN"/>
+              <a:t>curl -s -L https://nvidia.github.io/nvidia-docker/gpgkey | sudo apt-key add -</a:t>
+            </a:r>
+            <a:endParaRPr lang="en-US" altLang="zh-CN"/>
+          </a:p>
+          <a:p>
+            <a:pPr lvl="2"/>
+            <a:r>
+              <a:rPr lang="en-US" altLang="zh-CN"/>
+              <a:t>curl -s -L https://nvidia.github.io/nvidia-docker/$distribution/nvidia-docker.list | sudo tee /etc/apt/sources.list.d/nvidia-docker.list</a:t>
+            </a:r>
+            <a:endParaRPr lang="en-US" altLang="zh-CN"/>
+          </a:p>
+          <a:p>
+            <a:pPr lvl="2"/>
+            <a:r>
+              <a:rPr lang="en-US" altLang="zh-CN"/>
+              <a:t>sudo apt-get update</a:t>
+            </a:r>
+            <a:endParaRPr lang="en-US" altLang="zh-CN"/>
+          </a:p>
+          <a:p>
+            <a:pPr lvl="2"/>
+            <a:r>
+              <a:rPr lang="en-US" altLang="zh-CN"/>
+              <a:t>sudo apt-get install -y nvidia-container-toolkit</a:t>
+            </a:r>
+            <a:endParaRPr lang="en-US" altLang="zh-CN"/>
+          </a:p>
+          <a:p>
+            <a:pPr lvl="2"/>
+            <a:r>
+              <a:rPr lang="en-US" altLang="zh-CN"/>
+              <a:t>sudo systemctl restart docker</a:t>
+            </a:r>
+            <a:endParaRPr lang="en-US" altLang="zh-CN"/>
+          </a:p>
+          <a:p>
+            <a:pPr lvl="1"/>
+            <a:r>
+              <a:rPr lang="en-US" altLang="zh-CN"/>
+              <a:t>test</a:t>
+            </a:r>
+            <a:endParaRPr lang="en-US" altLang="zh-CN"/>
+          </a:p>
+          <a:p>
+            <a:pPr lvl="2"/>
+            <a:r>
+              <a:rPr lang="en-US" altLang="zh-CN"/>
+              <a:t>docker run --gpus all nvidia/cuda:10.0-base nvidia-smi</a:t>
+            </a:r>
+            <a:endParaRPr lang="en-US" altLang="zh-CN"/>
+          </a:p>
+        </p:txBody>
+      </p:sp>
+    </p:spTree>
+    <p:custDataLst>
+      <p:tags r:id="rId1"/>
+    </p:custDataLst>
+  </p:cSld>
+  <p:clrMapOvr>
+    <a:masterClrMapping/>
+  </p:clrMapOvr>
+</p:sld>
+</file>
+
+<file path=ppt/slides/slide31.xml><?xml version="1.0" encoding="utf-8"?>
 <p:sld xmlns:a="http://schemas.openxmlformats.org/drawingml/2006/main" xmlns:r="http://schemas.openxmlformats.org/officeDocument/2006/relationships" xmlns:p="http://schemas.openxmlformats.org/presentationml/2006/main">
   <p:cSld>
     <p:spTree>
@@ -8858,7 +10788,7 @@
 </p:sld>
 </file>
 
-<file path=ppt/slides/slide27.xml><?xml version="1.0" encoding="utf-8"?>
+<file path=ppt/slides/slide32.xml><?xml version="1.0" encoding="utf-8"?>
 <p:sld xmlns:a="http://schemas.openxmlformats.org/drawingml/2006/main" xmlns:r="http://schemas.openxmlformats.org/officeDocument/2006/relationships" xmlns:p="http://schemas.openxmlformats.org/presentationml/2006/main">
   <p:cSld>
     <p:spTree>
@@ -8955,7 +10885,7 @@
 </p:sld>
 </file>
 
-<file path=ppt/slides/slide28.xml><?xml version="1.0" encoding="utf-8"?>
+<file path=ppt/slides/slide33.xml><?xml version="1.0" encoding="utf-8"?>
 <p:sld xmlns:a="http://schemas.openxmlformats.org/drawingml/2006/main" xmlns:r="http://schemas.openxmlformats.org/officeDocument/2006/relationships" xmlns:p="http://schemas.openxmlformats.org/presentationml/2006/main">
   <p:cSld>
     <p:spTree>
@@ -8981,7 +10911,7 @@
           <a:p>
             <a:r>
               <a:rPr lang="en-US" altLang="zh-CN"/>
-              <a:t>FAQ</a:t>
+              <a:t>Docker Mirrors</a:t>
             </a:r>
             <a:endParaRPr lang="en-US" altLang="zh-CN"/>
           </a:p>
@@ -8997,190 +10927,109 @@
             <p:ph idx="1"/>
           </p:nvPr>
         </p:nvSpPr>
-        <p:spPr>
-          <a:xfrm>
-            <a:off x="838200" y="1211580"/>
-            <a:ext cx="10515600" cy="4827270"/>
-          </a:xfrm>
-        </p:spPr>
-        <p:txBody>
-          <a:bodyPr>
-            <a:noAutofit/>
-          </a:bodyPr>
-          <a:p>
-            <a:r>
-              <a:rPr lang="zh-CN" altLang="en-US" sz="1400"/>
-              <a:t>docker run hello-world</a:t>
-            </a:r>
-            <a:endParaRPr lang="zh-CN" altLang="en-US" sz="1400"/>
+        <p:spPr/>
+        <p:txBody>
+          <a:bodyPr/>
+          <a:p>
+            <a:r>
+              <a:rPr lang="zh-CN" altLang="en-US"/>
+              <a:t>/etc/docker/daemon.json</a:t>
+            </a:r>
+            <a:endParaRPr lang="zh-CN" altLang="en-US"/>
           </a:p>
           <a:p>
             <a:pPr lvl="1"/>
             <a:r>
-              <a:rPr lang="en-US" altLang="zh-CN" sz="1200"/>
-              <a:t>Issue:</a:t>
-            </a:r>
-            <a:endParaRPr lang="en-US" altLang="zh-CN" sz="1200"/>
+              <a:rPr lang="en-US" altLang="zh-CN"/>
+              <a:t>tencentyun</a:t>
+            </a:r>
+            <a:endParaRPr lang="zh-CN" altLang="en-US"/>
+          </a:p>
+          <a:p>
+            <a:pPr marL="914400" lvl="2" indent="0">
+              <a:buNone/>
+            </a:pPr>
+            <a:r>
+              <a:rPr lang="zh-CN" altLang="en-US"/>
+              <a:t>{</a:t>
+            </a:r>
+            <a:endParaRPr lang="zh-CN" altLang="en-US"/>
+          </a:p>
+          <a:p>
+            <a:pPr marL="914400" lvl="2" indent="0">
+              <a:buNone/>
+            </a:pPr>
+            <a:r>
+              <a:rPr lang="zh-CN" altLang="en-US"/>
+              <a:t>        "registry-mirrors": [</a:t>
+            </a:r>
+            <a:endParaRPr lang="zh-CN" altLang="en-US"/>
+          </a:p>
+          <a:p>
+            <a:pPr marL="1371600" lvl="3" indent="457200">
+              <a:buNone/>
+            </a:pPr>
+            <a:r>
+              <a:rPr lang="zh-CN" altLang="en-US"/>
+              <a:t>"https://mirror.ccs.tencentyun.com"</a:t>
+            </a:r>
+            <a:r>
+              <a:rPr lang="en-US" altLang="zh-CN"/>
+              <a:t>,</a:t>
+            </a:r>
+            <a:endParaRPr lang="zh-CN" altLang="en-US"/>
+          </a:p>
+          <a:p>
+            <a:pPr marL="914400" lvl="2" indent="457200">
+              <a:buNone/>
+            </a:pPr>
+            <a:r>
+              <a:rPr lang="zh-CN" altLang="en-US"/>
+              <a:t>]</a:t>
+            </a:r>
+            <a:endParaRPr lang="zh-CN" altLang="en-US"/>
+          </a:p>
+          <a:p>
+            <a:pPr marL="914400" lvl="2" indent="0">
+              <a:buNone/>
+            </a:pPr>
+            <a:r>
+              <a:rPr lang="zh-CN" altLang="en-US"/>
+              <a:t>}</a:t>
+            </a:r>
+            <a:endParaRPr lang="zh-CN" altLang="en-US"/>
+          </a:p>
+          <a:p>
+            <a:pPr lvl="1"/>
+            <a:r>
+              <a:rPr lang="en-US" altLang="zh-CN"/>
+              <a:t>aliyun</a:t>
+            </a:r>
+            <a:endParaRPr lang="en-US" altLang="zh-CN"/>
           </a:p>
           <a:p>
             <a:pPr lvl="2"/>
             <a:r>
-              <a:rPr lang="zh-CN" altLang="en-US" sz="1000"/>
-              <a:t>docker: Cannot connect to the Docker daemon at unix:///var/run/docker.sock. Is the docker daemon running?.</a:t>
-            </a:r>
-            <a:endParaRPr lang="zh-CN" altLang="en-US" sz="1000"/>
-          </a:p>
-          <a:p>
-            <a:pPr lvl="1"/>
-            <a:r>
-              <a:rPr lang="en-US" altLang="zh-CN" sz="1200"/>
-              <a:t>Solution</a:t>
-            </a:r>
-            <a:endParaRPr lang="en-US" altLang="zh-CN" sz="1200"/>
+              <a:rPr lang="zh-CN" altLang="en-US"/>
+              <a:t>https://cr.console.aliyun.com/cn-hangzhou/instances/mirrors</a:t>
+            </a:r>
+            <a:endParaRPr lang="en-US" altLang="zh-CN" sz="1800"/>
           </a:p>
           <a:p>
             <a:pPr lvl="2"/>
             <a:r>
-              <a:rPr lang="en-US" altLang="zh-CN" sz="1000"/>
-              <a:t>sudo dockerd</a:t>
-            </a:r>
-            <a:endParaRPr lang="en-US" altLang="zh-CN" sz="1000"/>
+              <a:rPr lang="zh-CN" altLang="en-US"/>
+              <a:t>https://nume0cg0.mirror.aliyuncs.com</a:t>
+            </a:r>
+            <a:endParaRPr lang="zh-CN" altLang="en-US"/>
           </a:p>
           <a:p>
             <a:pPr lvl="0"/>
             <a:r>
-              <a:rPr lang="en-US" altLang="zh-CN" sz="1400"/>
-              <a:t>docker-compose up</a:t>
-            </a:r>
-            <a:endParaRPr lang="en-US" altLang="zh-CN" sz="1400"/>
-          </a:p>
-          <a:p>
-            <a:pPr lvl="1"/>
-            <a:r>
-              <a:rPr lang="en-US" altLang="zh-CN" sz="1200"/>
-              <a:t>Issue</a:t>
-            </a:r>
-            <a:endParaRPr lang="en-US" altLang="zh-CN" sz="1200"/>
-          </a:p>
-          <a:p>
-            <a:pPr lvl="2"/>
-            <a:r>
-              <a:rPr lang="en-US" altLang="zh-CN" sz="1000"/>
-              <a:t>Traceback (most recent call last):</a:t>
-            </a:r>
-            <a:endParaRPr lang="en-US" altLang="zh-CN" sz="1000"/>
-          </a:p>
-          <a:p>
-            <a:pPr lvl="2"/>
-            <a:r>
-              <a:rPr lang="en-US" altLang="zh-CN" sz="1000"/>
-              <a:t>File "urllib3/connectionpool.py", line 677, in urlopen</a:t>
-            </a:r>
-            <a:endParaRPr lang="en-US" altLang="zh-CN" sz="1000"/>
-          </a:p>
-          <a:p>
-            <a:pPr lvl="2"/>
-            <a:r>
-              <a:rPr lang="en-US" altLang="zh-CN" sz="1000"/>
-              <a:t>File "urllib3/connectionpool.py", line 392, in _make_request</a:t>
-            </a:r>
-            <a:endParaRPr lang="en-US" altLang="zh-CN" sz="1000"/>
-          </a:p>
-          <a:p>
-            <a:pPr lvl="2"/>
-            <a:r>
-              <a:rPr lang="en-US" altLang="zh-CN" sz="1000"/>
-              <a:t>File "http/client.py", line 1252, in request</a:t>
-            </a:r>
-            <a:endParaRPr lang="en-US" altLang="zh-CN" sz="1000"/>
-          </a:p>
-          <a:p>
-            <a:pPr lvl="2"/>
-            <a:r>
-              <a:rPr lang="en-US" altLang="zh-CN" sz="1000"/>
-              <a:t>File "http/client.py", line 1298, in _send_request</a:t>
-            </a:r>
-            <a:endParaRPr lang="en-US" altLang="zh-CN" sz="1000"/>
-          </a:p>
-          <a:p>
-            <a:pPr lvl="2"/>
-            <a:r>
-              <a:rPr lang="en-US" altLang="zh-CN" sz="1000"/>
-              <a:t>File "http/client.py", line 1247, in endheaders</a:t>
-            </a:r>
-            <a:endParaRPr lang="en-US" altLang="zh-CN" sz="1000"/>
-          </a:p>
-          <a:p>
-            <a:pPr lvl="2"/>
-            <a:r>
-              <a:rPr lang="en-US" altLang="zh-CN" sz="1000"/>
-              <a:t>File "http/client.py", line 1026, in _send_output</a:t>
-            </a:r>
-            <a:endParaRPr lang="en-US" altLang="zh-CN" sz="1000"/>
-          </a:p>
-          <a:p>
-            <a:pPr lvl="2"/>
-            <a:r>
-              <a:rPr lang="en-US" altLang="zh-CN" sz="1000"/>
-              <a:t>File "http/client.py", line 966, in send</a:t>
-            </a:r>
-            <a:endParaRPr lang="en-US" altLang="zh-CN" sz="1000"/>
-          </a:p>
-          <a:p>
-            <a:pPr lvl="2"/>
-            <a:r>
-              <a:rPr lang="en-US" altLang="zh-CN" sz="1000"/>
-              <a:t>File "docker/transport/unixconn.py", line 43, in connect</a:t>
-            </a:r>
-            <a:endParaRPr lang="en-US" altLang="zh-CN" sz="1000"/>
-          </a:p>
-          <a:p>
-            <a:pPr lvl="2"/>
-            <a:r>
-              <a:rPr lang="en-US" altLang="zh-CN" sz="1000"/>
-              <a:t>FileNotFoundError: [Errno 2] No such file or directory</a:t>
-            </a:r>
-            <a:endParaRPr lang="en-US" altLang="zh-CN" sz="1000"/>
-          </a:p>
-          <a:p>
-            <a:pPr lvl="1"/>
-            <a:r>
-              <a:rPr lang="en-US" altLang="zh-CN" sz="1200"/>
-              <a:t>Solution</a:t>
-            </a:r>
-            <a:endParaRPr lang="en-US" altLang="zh-CN" sz="1200"/>
-          </a:p>
-          <a:p>
-            <a:pPr lvl="2"/>
-            <a:r>
-              <a:rPr lang="en-US" altLang="zh-CN" sz="1000"/>
-              <a:t>sudo dockerd</a:t>
-            </a:r>
-            <a:endParaRPr lang="en-US" altLang="zh-CN" sz="1000"/>
-          </a:p>
-          <a:p>
-            <a:pPr lvl="0"/>
-            <a:r>
-              <a:rPr lang="en-US" altLang="zh-CN" sz="1400"/>
-              <a:t>Postgresql</a:t>
-            </a:r>
-            <a:endParaRPr lang="en-US" altLang="zh-CN" sz="1400"/>
-          </a:p>
-          <a:p>
-            <a:pPr lvl="1"/>
-            <a:r>
-              <a:rPr lang="en-US" altLang="zh-CN" sz="1200"/>
-              <a:t>psycopg2.OperationalError: FATAL:  password authentication failed</a:t>
-            </a:r>
-            <a:endParaRPr lang="en-US" altLang="zh-CN" sz="1200"/>
-          </a:p>
-          <a:p>
-            <a:pPr lvl="1"/>
-            <a:r>
-              <a:rPr lang="en-US" altLang="zh-CN" sz="1200"/>
-              <a:t>It may be caused by old volume in docker. Remove the old volume with “sudo docker-compose down -v”</a:t>
-            </a:r>
-            <a:endParaRPr lang="en-US" altLang="zh-CN" sz="1200"/>
+              <a:rPr lang="en-US" altLang="zh-CN"/>
+              <a:t>sudo systemctl restart docker</a:t>
+            </a:r>
+            <a:endParaRPr lang="en-US" altLang="zh-CN"/>
           </a:p>
         </p:txBody>
       </p:sp>
@@ -9195,7 +11044,7 @@
 </p:sld>
 </file>
 
-<file path=ppt/slides/slide3.xml><?xml version="1.0" encoding="utf-8"?>
+<file path=ppt/slides/slide34.xml><?xml version="1.0" encoding="utf-8"?>
 <p:sld xmlns:a="http://schemas.openxmlformats.org/drawingml/2006/main" xmlns:r="http://schemas.openxmlformats.org/officeDocument/2006/relationships" xmlns:p="http://schemas.openxmlformats.org/presentationml/2006/main">
   <p:cSld>
     <p:spTree>
@@ -9221,7 +11070,7 @@
           <a:p>
             <a:r>
               <a:rPr lang="en-US" altLang="zh-CN"/>
-              <a:t>Intro</a:t>
+              <a:t>Change Docker Cache Location</a:t>
             </a:r>
             <a:endParaRPr lang="en-US" altLang="zh-CN"/>
           </a:p>
@@ -9237,156 +11086,357 @@
             <p:ph idx="1"/>
           </p:nvPr>
         </p:nvSpPr>
+        <p:spPr/>
+        <p:txBody>
+          <a:bodyPr/>
+          <a:p>
+            <a:r>
+              <a:rPr lang="en-US" altLang="zh-CN"/>
+              <a:t>References</a:t>
+            </a:r>
+            <a:endParaRPr lang="en-US" altLang="zh-CN"/>
+          </a:p>
+          <a:p>
+            <a:pPr lvl="1"/>
+            <a:r>
+              <a:rPr lang="en-US" altLang="zh-CN"/>
+              <a:t>https://www.guguweb.com/2019/02/07/how-to-move-docker-data-directory-to-another-location-on-ubuntu</a:t>
+            </a:r>
+            <a:endParaRPr lang="en-US" altLang="zh-CN"/>
+          </a:p>
+          <a:p>
+            <a:pPr lvl="0"/>
+            <a:r>
+              <a:rPr lang="en-US" altLang="zh-CN"/>
+              <a:t>Steps</a:t>
+            </a:r>
+            <a:endParaRPr lang="en-US" altLang="zh-CN"/>
+          </a:p>
+          <a:p>
+            <a:pPr lvl="1"/>
+            <a:r>
+              <a:rPr lang="en-US" altLang="zh-CN"/>
+              <a:t>sudo systemctl stop docker</a:t>
+            </a:r>
+            <a:endParaRPr lang="en-US" altLang="zh-CN"/>
+          </a:p>
+          <a:p>
+            <a:pPr lvl="1"/>
+            <a:r>
+              <a:rPr lang="en-US" altLang="zh-CN"/>
+              <a:t>Create /etc/docker/daemon.json</a:t>
+            </a:r>
+            <a:endParaRPr lang="en-US" altLang="zh-CN"/>
+          </a:p>
+          <a:p>
+            <a:pPr marL="914400" lvl="2" indent="0">
+              <a:buNone/>
+            </a:pPr>
+            <a:r>
+              <a:rPr lang="en-US" altLang="zh-CN"/>
+              <a:t>{</a:t>
+            </a:r>
+            <a:endParaRPr lang="en-US" altLang="zh-CN"/>
+          </a:p>
+          <a:p>
+            <a:pPr marL="914400" lvl="2" indent="0">
+              <a:buNone/>
+            </a:pPr>
+            <a:r>
+              <a:rPr lang="en-US" altLang="zh-CN"/>
+              <a:t>  "data-root": "/data/system/docker"</a:t>
+            </a:r>
+            <a:endParaRPr lang="en-US" altLang="zh-CN"/>
+          </a:p>
+          <a:p>
+            <a:pPr marL="914400" lvl="2" indent="0">
+              <a:buNone/>
+            </a:pPr>
+            <a:r>
+              <a:rPr lang="en-US" altLang="zh-CN"/>
+              <a:t>}</a:t>
+            </a:r>
+            <a:endParaRPr lang="en-US" altLang="zh-CN"/>
+          </a:p>
+          <a:p>
+            <a:pPr lvl="1"/>
+            <a:r>
+              <a:rPr lang="en-US" altLang="zh-CN"/>
+              <a:t>sudo rsync -aP /var/lib/docker/ /path/to/your/docker</a:t>
+            </a:r>
+            <a:endParaRPr lang="en-US" altLang="zh-CN"/>
+          </a:p>
+          <a:p>
+            <a:pPr lvl="1"/>
+            <a:r>
+              <a:rPr lang="en-US" altLang="zh-CN"/>
+              <a:t>sudo mv /var/lib/docker /var/lib/docker.old</a:t>
+            </a:r>
+            <a:endParaRPr lang="en-US" altLang="zh-CN"/>
+          </a:p>
+          <a:p>
+            <a:pPr lvl="1"/>
+            <a:r>
+              <a:rPr lang="en-US" altLang="zh-CN">
+                <a:sym typeface="+mn-ea"/>
+              </a:rPr>
+              <a:t>sudo systemctl start docker</a:t>
+            </a:r>
+            <a:endParaRPr lang="en-US" altLang="zh-CN"/>
+          </a:p>
+          <a:p>
+            <a:pPr lvl="1"/>
+            <a:r>
+              <a:rPr lang="en-US" altLang="zh-CN"/>
+              <a:t>sudo rm -rf /var/lib/docker.old</a:t>
+            </a:r>
+            <a:endParaRPr lang="en-US" altLang="zh-CN"/>
+          </a:p>
+        </p:txBody>
+      </p:sp>
+    </p:spTree>
+    <p:custDataLst>
+      <p:tags r:id="rId1"/>
+    </p:custDataLst>
+  </p:cSld>
+  <p:clrMapOvr>
+    <a:masterClrMapping/>
+  </p:clrMapOvr>
+</p:sld>
+</file>
+
+<file path=ppt/slides/slide35.xml><?xml version="1.0" encoding="utf-8"?>
+<p:sld xmlns:a="http://schemas.openxmlformats.org/drawingml/2006/main" xmlns:r="http://schemas.openxmlformats.org/officeDocument/2006/relationships" xmlns:p="http://schemas.openxmlformats.org/presentationml/2006/main">
+  <p:cSld>
+    <p:spTree>
+      <p:nvGrpSpPr>
+        <p:cNvPr id="1" name=""/>
+        <p:cNvGrpSpPr/>
+        <p:nvPr/>
+      </p:nvGrpSpPr>
+      <p:grpSpPr/>
+      <p:sp>
+        <p:nvSpPr>
+          <p:cNvPr id="2" name="标题 1"/>
+          <p:cNvSpPr>
+            <a:spLocks noGrp="1"/>
+          </p:cNvSpPr>
+          <p:nvPr>
+            <p:ph type="title"/>
+          </p:nvPr>
+        </p:nvSpPr>
+        <p:spPr/>
+        <p:txBody>
+          <a:bodyPr/>
+          <a:p>
+            <a:r>
+              <a:rPr lang="en-US" altLang="zh-CN"/>
+              <a:t>FAQ</a:t>
+            </a:r>
+            <a:endParaRPr lang="en-US" altLang="zh-CN"/>
+          </a:p>
+        </p:txBody>
+      </p:sp>
+      <p:sp>
+        <p:nvSpPr>
+          <p:cNvPr id="3" name="内容占位符 2"/>
+          <p:cNvSpPr>
+            <a:spLocks noGrp="1"/>
+          </p:cNvSpPr>
+          <p:nvPr>
+            <p:ph idx="1"/>
+          </p:nvPr>
+        </p:nvSpPr>
         <p:spPr>
           <a:xfrm>
             <a:off x="838200" y="1211580"/>
-            <a:ext cx="7308850" cy="5187315"/>
+            <a:ext cx="10515600" cy="4827270"/>
           </a:xfrm>
         </p:spPr>
         <p:txBody>
           <a:bodyPr>
-            <a:normAutofit/>
+            <a:noAutofit/>
           </a:bodyPr>
           <a:p>
             <a:r>
-              <a:rPr lang="en-US" altLang="zh-CN" sz="1800"/>
-              <a:t>Concept</a:t>
-            </a:r>
-            <a:endParaRPr lang="en-US" altLang="zh-CN" sz="1800"/>
+              <a:rPr lang="zh-CN" altLang="en-US" sz="1400"/>
+              <a:t>docker run hello-world</a:t>
+            </a:r>
+            <a:endParaRPr lang="zh-CN" altLang="en-US" sz="1400"/>
           </a:p>
           <a:p>
             <a:pPr lvl="1"/>
             <a:r>
-              <a:rPr lang="en-US" altLang="zh-CN" sz="1600"/>
-              <a:t>Docker: a platform to build, share, and run applications with containers</a:t>
-            </a:r>
-            <a:endParaRPr lang="en-US" altLang="zh-CN" sz="1600"/>
+              <a:rPr lang="en-US" altLang="zh-CN" sz="1200"/>
+              <a:t>Issue:</a:t>
+            </a:r>
+            <a:endParaRPr lang="en-US" altLang="zh-CN" sz="1200"/>
+          </a:p>
+          <a:p>
+            <a:pPr lvl="2"/>
+            <a:r>
+              <a:rPr lang="zh-CN" altLang="en-US" sz="1000"/>
+              <a:t>docker: Cannot connect to the Docker daemon at unix:///var/run/docker.sock. Is the docker daemon running?.</a:t>
+            </a:r>
+            <a:endParaRPr lang="zh-CN" altLang="en-US" sz="1000"/>
           </a:p>
           <a:p>
             <a:pPr lvl="1"/>
             <a:r>
-              <a:rPr lang="en-US" altLang="zh-CN" sz="1600"/>
-              <a:t>container: a running process</a:t>
-            </a:r>
-            <a:endParaRPr lang="en-US" altLang="zh-CN" sz="1600"/>
+              <a:rPr lang="en-US" altLang="zh-CN" sz="1200"/>
+              <a:t>Solution</a:t>
+            </a:r>
+            <a:endParaRPr lang="en-US" altLang="zh-CN" sz="1200"/>
+          </a:p>
+          <a:p>
+            <a:pPr lvl="2"/>
+            <a:r>
+              <a:rPr lang="en-US" altLang="zh-CN" sz="1000"/>
+              <a:t>sudo dockerd</a:t>
+            </a:r>
+            <a:endParaRPr lang="en-US" altLang="zh-CN" sz="1000"/>
+          </a:p>
+          <a:p>
+            <a:pPr lvl="0"/>
+            <a:r>
+              <a:rPr lang="en-US" altLang="zh-CN" sz="1400"/>
+              <a:t>docker-compose up</a:t>
+            </a:r>
+            <a:endParaRPr lang="en-US" altLang="zh-CN" sz="1400"/>
           </a:p>
           <a:p>
             <a:pPr lvl="1"/>
             <a:r>
-              <a:rPr lang="en-US" altLang="zh-CN" sz="1600"/>
-              <a:t>Docker image: everything needed to run an application</a:t>
-            </a:r>
-            <a:endParaRPr lang="en-US" altLang="zh-CN" sz="1600"/>
+              <a:rPr lang="en-US" altLang="zh-CN" sz="1200"/>
+              <a:t>Issue</a:t>
+            </a:r>
+            <a:endParaRPr lang="en-US" altLang="zh-CN" sz="1200"/>
+          </a:p>
+          <a:p>
+            <a:pPr lvl="2"/>
+            <a:r>
+              <a:rPr lang="en-US" altLang="zh-CN" sz="1000"/>
+              <a:t>Traceback (most recent call last):</a:t>
+            </a:r>
+            <a:endParaRPr lang="en-US" altLang="zh-CN" sz="1000"/>
+          </a:p>
+          <a:p>
+            <a:pPr lvl="2"/>
+            <a:r>
+              <a:rPr lang="en-US" altLang="zh-CN" sz="1000"/>
+              <a:t>File "urllib3/connectionpool.py", line 677, in urlopen</a:t>
+            </a:r>
+            <a:endParaRPr lang="en-US" altLang="zh-CN" sz="1000"/>
+          </a:p>
+          <a:p>
+            <a:pPr lvl="2"/>
+            <a:r>
+              <a:rPr lang="en-US" altLang="zh-CN" sz="1000"/>
+              <a:t>File "urllib3/connectionpool.py", line 392, in _make_request</a:t>
+            </a:r>
+            <a:endParaRPr lang="en-US" altLang="zh-CN" sz="1000"/>
+          </a:p>
+          <a:p>
+            <a:pPr lvl="2"/>
+            <a:r>
+              <a:rPr lang="en-US" altLang="zh-CN" sz="1000"/>
+              <a:t>File "http/client.py", line 1252, in request</a:t>
+            </a:r>
+            <a:endParaRPr lang="en-US" altLang="zh-CN" sz="1000"/>
+          </a:p>
+          <a:p>
+            <a:pPr lvl="2"/>
+            <a:r>
+              <a:rPr lang="en-US" altLang="zh-CN" sz="1000"/>
+              <a:t>File "http/client.py", line 1298, in _send_request</a:t>
+            </a:r>
+            <a:endParaRPr lang="en-US" altLang="zh-CN" sz="1000"/>
+          </a:p>
+          <a:p>
+            <a:pPr lvl="2"/>
+            <a:r>
+              <a:rPr lang="en-US" altLang="zh-CN" sz="1000"/>
+              <a:t>File "http/client.py", line 1247, in endheaders</a:t>
+            </a:r>
+            <a:endParaRPr lang="en-US" altLang="zh-CN" sz="1000"/>
+          </a:p>
+          <a:p>
+            <a:pPr lvl="2"/>
+            <a:r>
+              <a:rPr lang="en-US" altLang="zh-CN" sz="1000"/>
+              <a:t>File "http/client.py", line 1026, in _send_output</a:t>
+            </a:r>
+            <a:endParaRPr lang="en-US" altLang="zh-CN" sz="1000"/>
+          </a:p>
+          <a:p>
+            <a:pPr lvl="2"/>
+            <a:r>
+              <a:rPr lang="en-US" altLang="zh-CN" sz="1000"/>
+              <a:t>File "http/client.py", line 966, in send</a:t>
+            </a:r>
+            <a:endParaRPr lang="en-US" altLang="zh-CN" sz="1000"/>
+          </a:p>
+          <a:p>
+            <a:pPr lvl="2"/>
+            <a:r>
+              <a:rPr lang="en-US" altLang="zh-CN" sz="1000"/>
+              <a:t>File "docker/transport/unixconn.py", line 43, in connect</a:t>
+            </a:r>
+            <a:endParaRPr lang="en-US" altLang="zh-CN" sz="1000"/>
+          </a:p>
+          <a:p>
+            <a:pPr lvl="2"/>
+            <a:r>
+              <a:rPr lang="en-US" altLang="zh-CN" sz="1000"/>
+              <a:t>FileNotFoundError: [Errno 2] No such file or directory</a:t>
+            </a:r>
+            <a:endParaRPr lang="en-US" altLang="zh-CN" sz="1000"/>
           </a:p>
           <a:p>
             <a:pPr lvl="1"/>
             <a:r>
-              <a:rPr lang="en-US" altLang="zh-CN" sz="1600"/>
-              <a:t>Dokerfile: describe how to assemble a private filesystem for a container</a:t>
-            </a:r>
-            <a:endParaRPr lang="en-US" altLang="zh-CN" sz="1600"/>
+              <a:rPr lang="en-US" altLang="zh-CN" sz="1200"/>
+              <a:t>Solution</a:t>
+            </a:r>
+            <a:endParaRPr lang="en-US" altLang="zh-CN" sz="1200"/>
+          </a:p>
+          <a:p>
+            <a:pPr lvl="2"/>
+            <a:r>
+              <a:rPr lang="en-US" altLang="zh-CN" sz="1000"/>
+              <a:t>sudo dockerd</a:t>
+            </a:r>
+            <a:endParaRPr lang="en-US" altLang="zh-CN" sz="1000"/>
           </a:p>
           <a:p>
             <a:pPr lvl="0"/>
             <a:r>
-              <a:rPr lang="en-US" altLang="zh-CN" sz="1800"/>
-              <a:t>Install</a:t>
-            </a:r>
-            <a:endParaRPr lang="en-US" altLang="zh-CN" sz="1800"/>
+              <a:rPr lang="en-US" altLang="zh-CN" sz="1400"/>
+              <a:t>Postgresql</a:t>
+            </a:r>
+            <a:endParaRPr lang="en-US" altLang="zh-CN" sz="1400"/>
           </a:p>
           <a:p>
             <a:pPr lvl="1"/>
             <a:r>
-              <a:rPr lang="en-US" altLang="zh-CN" sz="1600"/>
-              <a:t>Docker for Windows</a:t>
-            </a:r>
-            <a:endParaRPr lang="en-US" altLang="zh-CN" sz="1600"/>
-          </a:p>
-          <a:p>
-            <a:pPr lvl="2"/>
-            <a:r>
-              <a:rPr lang="en-US" altLang="zh-CN" sz="1400"/>
-              <a:t>https://github.com/docker/toolbox/releases</a:t>
-            </a:r>
-            <a:endParaRPr lang="en-US" altLang="zh-CN" sz="1400"/>
-          </a:p>
-          <a:p>
-            <a:pPr lvl="2"/>
-            <a:r>
-              <a:rPr lang="en-US" altLang="zh-CN" sz="1400"/>
-              <a:t>Start “Docker Quickstart Terminal”</a:t>
-            </a:r>
-            <a:endParaRPr lang="en-US" altLang="zh-CN" sz="1400"/>
+              <a:rPr lang="en-US" altLang="zh-CN" sz="1200"/>
+              <a:t>psycopg2.OperationalError: FATAL:  password authentication failed</a:t>
+            </a:r>
+            <a:endParaRPr lang="en-US" altLang="zh-CN" sz="1200"/>
           </a:p>
           <a:p>
             <a:pPr lvl="1"/>
             <a:r>
-              <a:rPr lang="en-US" altLang="zh-CN" sz="1600"/>
-              <a:t>Ubuntu Linux</a:t>
-            </a:r>
-            <a:endParaRPr lang="en-US" altLang="zh-CN" sz="1600"/>
-          </a:p>
-          <a:p>
-            <a:pPr lvl="2"/>
-            <a:r>
-              <a:rPr lang="en-US" altLang="zh-CN" sz="1400"/>
-              <a:t>sudo apt install apt-transport-https ca-certificates curl gnupg-agent software-properties-common</a:t>
-            </a:r>
-            <a:endParaRPr lang="en-US" altLang="zh-CN" sz="1400"/>
-          </a:p>
-          <a:p>
-            <a:pPr lvl="2"/>
-            <a:r>
-              <a:rPr lang="en-US" altLang="zh-CN" sz="1400"/>
-              <a:t>curl -fsSL https://download.docker.com/linux/ubuntu/gpg | sudo apt-key add -</a:t>
-            </a:r>
-            <a:endParaRPr lang="en-US" altLang="zh-CN" sz="1400"/>
-          </a:p>
-          <a:p>
-            <a:pPr lvl="1"/>
-            <a:r>
-              <a:rPr lang="en-US" altLang="zh-CN" sz="1600"/>
-              <a:t>CentOS</a:t>
-            </a:r>
-            <a:endParaRPr lang="en-US" altLang="zh-CN" sz="1600"/>
-          </a:p>
-          <a:p>
-            <a:pPr lvl="1"/>
-            <a:r>
-              <a:rPr lang="en-US" altLang="zh-CN" sz="1600"/>
-              <a:t>Test install: docker run hello-world</a:t>
-            </a:r>
-            <a:endParaRPr lang="en-US" altLang="zh-CN" sz="1600"/>
-          </a:p>
-        </p:txBody>
-      </p:sp>
-      <p:pic>
-        <p:nvPicPr>
-          <p:cNvPr id="9" name="图片 8"/>
-          <p:cNvPicPr>
-            <a:picLocks noChangeAspect="1"/>
-          </p:cNvPicPr>
-          <p:nvPr/>
-        </p:nvPicPr>
-        <p:blipFill>
-          <a:blip r:embed="rId1"/>
-          <a:stretch>
-            <a:fillRect/>
-          </a:stretch>
-        </p:blipFill>
-        <p:spPr>
-          <a:xfrm>
-            <a:off x="8227060" y="1330960"/>
-            <a:ext cx="3848100" cy="2657475"/>
-          </a:xfrm>
-          <a:prstGeom prst="rect">
-            <a:avLst/>
-          </a:prstGeom>
-        </p:spPr>
-      </p:pic>
+              <a:rPr lang="en-US" altLang="zh-CN" sz="1200"/>
+              <a:t>It may be caused by old volume in docker. Remove the old volume with “sudo docker-compose down -v”</a:t>
+            </a:r>
+            <a:endParaRPr lang="en-US" altLang="zh-CN" sz="1200"/>
+          </a:p>
+        </p:txBody>
+      </p:sp>
     </p:spTree>
     <p:custDataLst>
-      <p:tags r:id="rId2"/>
+      <p:tags r:id="rId1"/>
     </p:custDataLst>
   </p:cSld>
   <p:clrMapOvr>
@@ -9421,7 +11471,7 @@
           <a:p>
             <a:r>
               <a:rPr lang="en-US" altLang="zh-CN"/>
-              <a:t>Install on Ubuntu</a:t>
+              <a:t>Install on Ubuntu 20.04</a:t>
             </a:r>
             <a:endParaRPr lang="en-US" altLang="zh-CN"/>
           </a:p>
@@ -9445,7 +11495,7 @@
         </p:spPr>
         <p:txBody>
           <a:bodyPr>
-            <a:normAutofit lnSpcReduction="10000"/>
+            <a:noAutofit/>
           </a:bodyPr>
           <a:p>
             <a:pPr fontAlgn="auto">
@@ -9454,16 +11504,22 @@
               </a:lnSpc>
             </a:pPr>
             <a:r>
-              <a:rPr lang="en-US" altLang="zh-CN">
-                <a:solidFill>
-                  <a:schemeClr val="bg1">
-                    <a:lumMod val="85000"/>
-                  </a:schemeClr>
-                </a:solidFill>
-              </a:rPr>
-              <a:t>Install Docker Engine - Community (deb)</a:t>
-            </a:r>
-            <a:endParaRPr lang="en-US" altLang="zh-CN">
+              <a:rPr lang="en-US" altLang="zh-CN" sz="1600"/>
+              <a:t>Install Docker</a:t>
+            </a:r>
+            <a:endParaRPr lang="en-US" altLang="zh-CN" sz="1600"/>
+          </a:p>
+          <a:p>
+            <a:pPr lvl="1" fontAlgn="auto">
+              <a:lnSpc>
+                <a:spcPct val="100000"/>
+              </a:lnSpc>
+            </a:pPr>
+            <a:r>
+              <a:rPr lang="en-US" altLang="zh-CN" sz="1400"/>
+              <a:t>sudo apt install -y apt-transport-https ca-certificates curl software-properties-common gnupg lsb-release</a:t>
+            </a:r>
+            <a:endParaRPr lang="en-US" altLang="zh-CN" sz="1400">
               <a:solidFill>
                 <a:schemeClr val="bg1">
                   <a:lumMod val="85000"/>
@@ -9478,16 +11534,10 @@
               </a:lnSpc>
             </a:pPr>
             <a:r>
-              <a:rPr lang="en-US" altLang="zh-CN" sz="2000">
-                <a:solidFill>
-                  <a:schemeClr val="bg1">
-                    <a:lumMod val="85000"/>
-                  </a:schemeClr>
-                </a:solidFill>
-              </a:rPr>
-              <a:t>Download and install .deb for docker-ce docker-ce-cli, and containerd.io from https://download.docker.com/linux/ubuntu/dists/</a:t>
-            </a:r>
-            <a:endParaRPr lang="en-US" altLang="zh-CN" sz="2000">
+              <a:rPr lang="en-US" altLang="zh-CN" sz="1400"/>
+              <a:t>curl -fsSL https://download.docker.com/linux/ubuntu/gpg | sudo gpg --dearmor -o /usr/share/keyrings/docker-archive-keyring.gpg</a:t>
+            </a:r>
+            <a:endParaRPr lang="en-US" altLang="zh-CN" sz="1400">
               <a:solidFill>
                 <a:schemeClr val="bg1">
                   <a:lumMod val="85000"/>
@@ -9502,16 +11552,10 @@
               </a:lnSpc>
             </a:pPr>
             <a:r>
-              <a:rPr lang="en-US" altLang="zh-CN" sz="2000">
-                <a:solidFill>
-                  <a:schemeClr val="bg1">
-                    <a:lumMod val="85000"/>
-                  </a:schemeClr>
-                </a:solidFill>
-              </a:rPr>
-              <a:t>sudo docker run hello-world	# test installation</a:t>
-            </a:r>
-            <a:endParaRPr lang="en-US" altLang="zh-CN" sz="2000">
+              <a:rPr lang="en-US" altLang="zh-CN" sz="1400"/>
+              <a:t>echo "deb [arch=$(dpkg --print-architecture) signed-by=/usr/share/keyrings/docker-archive-keyring.gpg] https://download.docker.com/linux/ubuntu $(lsb_release -cs) stable" | sudo tee /etc/apt/sources.list.d/docker.list &gt; /dev/null</a:t>
+            </a:r>
+            <a:endParaRPr lang="en-US" altLang="zh-CN" sz="1400">
               <a:solidFill>
                 <a:schemeClr val="bg1">
                   <a:lumMod val="85000"/>
@@ -9520,40 +11564,16 @@
             </a:endParaRPr>
           </a:p>
           <a:p>
-            <a:pPr fontAlgn="auto">
-              <a:lnSpc>
-                <a:spcPct val="100000"/>
-              </a:lnSpc>
-            </a:pPr>
-            <a:r>
-              <a:rPr lang="en-US" altLang="zh-CN"/>
-              <a:t>Install Docker</a:t>
-            </a:r>
-            <a:endParaRPr lang="en-US" altLang="zh-CN"/>
-          </a:p>
-          <a:p>
             <a:pPr lvl="1" fontAlgn="auto">
               <a:lnSpc>
                 <a:spcPct val="100000"/>
               </a:lnSpc>
             </a:pPr>
             <a:r>
-              <a:rPr lang="en-US" altLang="zh-CN" sz="2000"/>
-              <a:t>sudo apt install docker.io</a:t>
-            </a:r>
-            <a:endParaRPr lang="en-US" altLang="zh-CN"/>
-          </a:p>
-          <a:p>
-            <a:pPr fontAlgn="auto">
-              <a:lnSpc>
-                <a:spcPct val="100000"/>
-              </a:lnSpc>
-            </a:pPr>
-            <a:r>
-              <a:rPr lang="en-US" altLang="zh-CN"/>
-              <a:t>Install Docker Compose</a:t>
-            </a:r>
-            <a:endParaRPr lang="en-US" altLang="zh-CN"/>
+              <a:rPr lang="en-US" altLang="zh-CN" sz="1400"/>
+              <a:t>sudo apt update</a:t>
+            </a:r>
+            <a:endParaRPr lang="en-US" altLang="zh-CN" sz="1400"/>
           </a:p>
           <a:p>
             <a:pPr lvl="1" fontAlgn="auto">
@@ -9562,22 +11582,30 @@
               </a:lnSpc>
             </a:pPr>
             <a:r>
-              <a:rPr lang="en-US" altLang="zh-CN">
-                <a:solidFill>
-                  <a:schemeClr val="bg1">
-                    <a:lumMod val="75000"/>
-                  </a:schemeClr>
-                </a:solidFill>
+              <a:rPr lang="en-US" altLang="zh-CN" sz="1400" i="1"/>
+              <a:t>sudo apt install -y docker-ce</a:t>
+            </a:r>
+            <a:r>
+              <a:rPr lang="en-US" altLang="zh-CN" sz="1400" i="1">
+                <a:sym typeface="+mn-ea"/>
               </a:rPr>
-              <a:t>sudo curl -L "https://github.com/docker/compose/releases/download/1.25.3/docker-compose-$(uname -s)-$(uname -m)" -o /usr/local/bin/docker-compose	# slow</a:t>
-            </a:r>
-            <a:endParaRPr lang="en-US" altLang="zh-CN">
-              <a:solidFill>
-                <a:schemeClr val="bg1">
-                  <a:lumMod val="75000"/>
-                </a:schemeClr>
-              </a:solidFill>
-            </a:endParaRPr>
+              <a:t> </a:t>
+            </a:r>
+            <a:r>
+              <a:rPr lang="en-US" altLang="zh-CN" sz="1400" i="1"/>
+              <a:t>docker-ce-cli</a:t>
+            </a:r>
+            <a:r>
+              <a:rPr lang="en-US" altLang="zh-CN" sz="1400" i="1">
+                <a:sym typeface="+mn-ea"/>
+              </a:rPr>
+              <a:t> </a:t>
+            </a:r>
+            <a:r>
+              <a:rPr lang="en-US" altLang="zh-CN" sz="1400" i="1"/>
+              <a:t>containerd.io docker-compose-plugin</a:t>
+            </a:r>
+            <a:endParaRPr lang="en-US" altLang="zh-CN" sz="1400" i="1"/>
           </a:p>
           <a:p>
             <a:pPr lvl="1" fontAlgn="auto">
@@ -9586,10 +11614,12 @@
               </a:lnSpc>
             </a:pPr>
             <a:r>
-              <a:rPr lang="en-US" altLang="zh-CN"/>
-              <a:t>sudo curl -L https://get.daocloud.io/docker/compose/releases/download/1.29.2/docker-compose-`uname -s`-`uname -m` -o /usr/local/bin/docker-compose</a:t>
-            </a:r>
-            <a:endParaRPr lang="en-US" altLang="zh-CN"/>
+              <a:rPr lang="en-US" altLang="zh-CN" sz="1400">
+                <a:sym typeface="+mn-ea"/>
+              </a:rPr>
+              <a:t>sudo apt install -y docker-ce=5:20.10.22~3-0~ubuntu-focal docker-ce-cli=5:20.10.22~3-0~ubuntu-focal containerd.io docker-compose-plugin=2.14.1~ubuntu-focal</a:t>
+            </a:r>
+            <a:endParaRPr lang="en-US" altLang="zh-CN" sz="1400"/>
           </a:p>
           <a:p>
             <a:pPr lvl="1" fontAlgn="auto">
@@ -9598,10 +11628,10 @@
               </a:lnSpc>
             </a:pPr>
             <a:r>
-              <a:rPr lang="en-US" altLang="zh-CN"/>
-              <a:t>sudo chmod +x /usr/local/bin/docker-compose</a:t>
-            </a:r>
-            <a:endParaRPr lang="en-US" altLang="zh-CN"/>
+              <a:rPr lang="en-US" altLang="zh-CN" sz="1400"/>
+              <a:t>sudo systemctl status/start/enable docker</a:t>
+            </a:r>
+            <a:endParaRPr lang="en-US" altLang="zh-CN" sz="1400"/>
           </a:p>
           <a:p>
             <a:pPr lvl="1" fontAlgn="auto">
@@ -9610,18 +11640,28 @@
               </a:lnSpc>
             </a:pPr>
             <a:r>
-              <a:rPr lang="en-US" altLang="zh-CN"/>
-              <a:t>docker-compose --version	# test installation</a:t>
-            </a:r>
-            <a:endParaRPr lang="en-US" altLang="zh-CN"/>
-          </a:p>
-          <a:p>
-            <a:pPr lvl="0" fontAlgn="auto">
+              <a:rPr lang="en-US" altLang="zh-CN" sz="1400"/>
+              <a:t>sudo docker version</a:t>
+            </a:r>
+            <a:endParaRPr lang="en-US" altLang="zh-CN" sz="1400"/>
+          </a:p>
+          <a:p>
+            <a:pPr lvl="1" fontAlgn="auto">
               <a:lnSpc>
                 <a:spcPct val="100000"/>
               </a:lnSpc>
             </a:pPr>
-            <a:endParaRPr lang="en-US" altLang="zh-CN"/>
+            <a:r>
+              <a:rPr lang="en-US" altLang="zh-CN" sz="1400"/>
+              <a:t>sudo docker compose version</a:t>
+            </a:r>
+            <a:endParaRPr lang="en-US" altLang="zh-CN" sz="1200">
+              <a:solidFill>
+                <a:schemeClr val="bg1">
+                  <a:lumMod val="85000"/>
+                </a:schemeClr>
+              </a:solidFill>
+            </a:endParaRPr>
           </a:p>
         </p:txBody>
       </p:sp>
@@ -9662,7 +11702,7 @@
           <a:p>
             <a:r>
               <a:rPr lang="en-US" altLang="zh-CN"/>
-              <a:t>Install On Ubuntu 16.04 (2)</a:t>
+              <a:t>Install on Ubuntu 18.04</a:t>
             </a:r>
             <a:endParaRPr lang="en-US" altLang="zh-CN"/>
           </a:p>
@@ -9678,24 +11718,27 @@
             <p:ph idx="1"/>
           </p:nvPr>
         </p:nvSpPr>
-        <p:spPr/>
+        <p:spPr>
+          <a:xfrm>
+            <a:off x="838200" y="1211580"/>
+            <a:ext cx="10515600" cy="5226685"/>
+          </a:xfrm>
+        </p:spPr>
         <p:txBody>
           <a:bodyPr>
-            <a:normAutofit lnSpcReduction="10000"/>
+            <a:noAutofit/>
           </a:bodyPr>
           <a:p>
-            <a:pPr lvl="0" fontAlgn="auto">
+            <a:pPr fontAlgn="auto">
               <a:lnSpc>
                 <a:spcPct val="100000"/>
               </a:lnSpc>
             </a:pPr>
             <a:r>
-              <a:rPr lang="en-US" altLang="zh-CN" sz="2400">
-                <a:sym typeface="+mn-ea"/>
-              </a:rPr>
-              <a:t>Install Docker Machine</a:t>
-            </a:r>
-            <a:endParaRPr lang="en-US" altLang="zh-CN" sz="2400"/>
+              <a:rPr lang="en-US" altLang="zh-CN" sz="1800"/>
+              <a:t>Install Docker</a:t>
+            </a:r>
+            <a:endParaRPr lang="en-US" altLang="zh-CN" sz="1800"/>
           </a:p>
           <a:p>
             <a:pPr lvl="1" fontAlgn="auto">
@@ -9704,12 +11747,16 @@
               </a:lnSpc>
             </a:pPr>
             <a:r>
-              <a:rPr lang="en-US" altLang="zh-CN" sz="2400">
-                <a:sym typeface="+mn-ea"/>
-              </a:rPr>
-              <a:t>Download docker-machine from https://github.com/docker/machine/releases/download/</a:t>
-            </a:r>
-            <a:endParaRPr lang="en-US" altLang="zh-CN" sz="2400"/>
+              <a:rPr lang="en-US" altLang="zh-CN" sz="1600"/>
+              <a:t>sudo apt install apt-transport-https ca-certificates curl software-properties-common gnupg lsb-release</a:t>
+            </a:r>
+            <a:endParaRPr lang="en-US" altLang="zh-CN" sz="1600">
+              <a:solidFill>
+                <a:schemeClr val="bg1">
+                  <a:lumMod val="85000"/>
+                </a:schemeClr>
+              </a:solidFill>
+            </a:endParaRPr>
           </a:p>
           <a:p>
             <a:pPr lvl="1" fontAlgn="auto">
@@ -9718,12 +11765,18 @@
               </a:lnSpc>
             </a:pPr>
             <a:r>
-              <a:rPr lang="en-US" altLang="zh-CN" sz="2400">
-                <a:sym typeface="+mn-ea"/>
+              <a:rPr lang="en-US" altLang="zh-CN" sz="1600">
+                <a:solidFill>
+                  <a:schemeClr val="tx1"/>
+                </a:solidFill>
               </a:rPr>
-              <a:t>docker-machine --version	# test installation</a:t>
-            </a:r>
-            <a:endParaRPr lang="en-US" altLang="zh-CN" sz="2400"/>
+              <a:t>curl -fsSL http://mirrors.aliyun.com/docker-ce/linux/ubuntu/gpg | sudo apt-key add -</a:t>
+            </a:r>
+            <a:endParaRPr lang="en-US" altLang="zh-CN" sz="1600">
+              <a:solidFill>
+                <a:schemeClr val="tx1"/>
+              </a:solidFill>
+            </a:endParaRPr>
           </a:p>
           <a:p>
             <a:pPr lvl="1" fontAlgn="auto">
@@ -9732,12 +11785,18 @@
               </a:lnSpc>
             </a:pPr>
             <a:r>
-              <a:rPr lang="en-US" altLang="zh-CN" sz="2400">
-                <a:sym typeface="+mn-ea"/>
+              <a:rPr lang="en-US" altLang="zh-CN" sz="1600">
+                <a:solidFill>
+                  <a:schemeClr val="tx1"/>
+                </a:solidFill>
               </a:rPr>
-              <a:t>wget -q https://www.virtualbox.org/download/oracle_vbox_2016.asc -O- | sudo apt-key add -</a:t>
-            </a:r>
-            <a:endParaRPr lang="en-US" altLang="zh-CN" sz="2400"/>
+              <a:t>sudo add-apt-repository "deb [arch=amd64] http://mirrors.aliyun.com/docker-ce/linux/ubuntu $(lsb_release -cs) stable"</a:t>
+            </a:r>
+            <a:endParaRPr lang="en-US" altLang="zh-CN" sz="1600">
+              <a:solidFill>
+                <a:schemeClr val="tx1"/>
+              </a:solidFill>
+            </a:endParaRPr>
           </a:p>
           <a:p>
             <a:pPr lvl="1" fontAlgn="auto">
@@ -9746,12 +11805,10 @@
               </a:lnSpc>
             </a:pPr>
             <a:r>
-              <a:rPr lang="en-US" altLang="zh-CN" sz="2400">
-                <a:sym typeface="+mn-ea"/>
-              </a:rPr>
-              <a:t>wget -q https://www.virtualbox.org/download/oracle_vbox.asc -O- | sudo apt-key add -</a:t>
-            </a:r>
-            <a:endParaRPr lang="en-US" altLang="zh-CN" sz="2400"/>
+              <a:rPr lang="en-US" altLang="zh-CN" sz="1600"/>
+              <a:t>sudo apt update</a:t>
+            </a:r>
+            <a:endParaRPr lang="en-US" altLang="zh-CN" sz="1600"/>
           </a:p>
           <a:p>
             <a:pPr lvl="1" fontAlgn="auto">
@@ -9760,14 +11817,10 @@
               </a:lnSpc>
             </a:pPr>
             <a:r>
-              <a:rPr lang="en-US" altLang="zh-CN" sz="2400">
-                <a:sym typeface="+mn-ea"/>
-              </a:rPr>
-              <a:t>sudo sh -c 'echo "deb http://download.virtualbox.org/virtualbox/debian $(lsb_release -sc) contrib" &gt;&gt; /etc/apt/sources.list.d/virtualbox.list'</a:t>
-            </a:r>
-            <a:endParaRPr lang="en-US" altLang="zh-CN" sz="2400">
-              <a:sym typeface="+mn-ea"/>
-            </a:endParaRPr>
+              <a:rPr lang="en-US" altLang="zh-CN" sz="1600"/>
+              <a:t>sudo apt install docker-ce=5:20.10.22~3-0~ubuntu-bionic docker-ce-cli=5:20.10.22~3-0~ubuntu-bionic containerd.io docker-compose-plugin=2.14.1~ubuntu-bionic</a:t>
+            </a:r>
+            <a:endParaRPr lang="en-US" altLang="zh-CN" sz="1600"/>
           </a:p>
           <a:p>
             <a:pPr lvl="1" fontAlgn="auto">
@@ -9776,14 +11829,22 @@
               </a:lnSpc>
             </a:pPr>
             <a:r>
-              <a:rPr lang="en-US" altLang="zh-CN" sz="2400">
-                <a:sym typeface="+mn-ea"/>
-              </a:rPr>
-              <a:t>sudo apt update</a:t>
-            </a:r>
-            <a:endParaRPr lang="en-US" altLang="zh-CN" sz="2400">
-              <a:sym typeface="+mn-ea"/>
-            </a:endParaRPr>
+              <a:rPr lang="en-US" altLang="zh-CN" sz="1600"/>
+              <a:t>sudo systemctl status/start/enable docker</a:t>
+            </a:r>
+            <a:endParaRPr lang="en-US" altLang="zh-CN" sz="1600"/>
+          </a:p>
+          <a:p>
+            <a:pPr lvl="2" fontAlgn="auto">
+              <a:lnSpc>
+                <a:spcPct val="100000"/>
+              </a:lnSpc>
+            </a:pPr>
+            <a:r>
+              <a:rPr lang="en-US" altLang="zh-CN" sz="1440"/>
+              <a:t>sudo service docker start // If error occurs</a:t>
+            </a:r>
+            <a:endParaRPr lang="en-US" altLang="zh-CN" sz="1440"/>
           </a:p>
           <a:p>
             <a:pPr lvl="1" fontAlgn="auto">
@@ -9792,15 +11853,28 @@
               </a:lnSpc>
             </a:pPr>
             <a:r>
-              <a:rPr lang="en-US" altLang="zh-CN" sz="2400">
-                <a:sym typeface="+mn-ea"/>
-              </a:rPr>
-              <a:t>sudo apt install virtualbox</a:t>
-            </a:r>
-            <a:endParaRPr lang="en-US" altLang="zh-CN" sz="2400"/>
-          </a:p>
-          <a:p>
-            <a:endParaRPr lang="zh-CN" altLang="en-US"/>
+              <a:rPr lang="en-US" altLang="zh-CN" sz="1600"/>
+              <a:t>sudo docker version</a:t>
+            </a:r>
+            <a:endParaRPr lang="en-US" altLang="zh-CN" sz="1600"/>
+          </a:p>
+          <a:p>
+            <a:pPr lvl="1" fontAlgn="auto">
+              <a:lnSpc>
+                <a:spcPct val="100000"/>
+              </a:lnSpc>
+            </a:pPr>
+            <a:r>
+              <a:rPr lang="en-US" altLang="zh-CN" sz="1600"/>
+              <a:t>sudo docker compose version</a:t>
+            </a:r>
+            <a:endParaRPr lang="en-US" altLang="zh-CN" sz="1600">
+              <a:solidFill>
+                <a:schemeClr val="bg1">
+                  <a:lumMod val="85000"/>
+                </a:schemeClr>
+              </a:solidFill>
+            </a:endParaRPr>
           </a:p>
         </p:txBody>
       </p:sp>
@@ -9841,7 +11915,7 @@
           <a:p>
             <a:r>
               <a:rPr lang="en-US" altLang="zh-CN"/>
-              <a:t>Install On Aliyun Ubuntu 16.04 (3)</a:t>
+              <a:t>Install On Ubuntu 16.04 (2)</a:t>
             </a:r>
             <a:endParaRPr lang="en-US" altLang="zh-CN"/>
           </a:p>
@@ -9859,45 +11933,124 @@
         </p:nvSpPr>
         <p:spPr/>
         <p:txBody>
-          <a:bodyPr/>
-          <a:p>
-            <a:r>
-              <a:rPr lang="en-US" altLang="zh-CN"/>
-              <a:t>Docker Engine</a:t>
-            </a:r>
-            <a:endParaRPr lang="en-US" altLang="zh-CN"/>
-          </a:p>
-          <a:p>
-            <a:pPr lvl="1"/>
-            <a:r>
-              <a:rPr lang="zh-CN" altLang="en-US"/>
-              <a:t>sudo curl -fsSL https://get.docker.com | bash -s docker --mirror Aliyun</a:t>
-            </a:r>
-            <a:endParaRPr lang="zh-CN" altLang="en-US"/>
-          </a:p>
-          <a:p>
-            <a:pPr lvl="1"/>
-            <a:r>
-              <a:rPr lang="zh-CN" altLang="en-US"/>
-              <a:t>sudo -E sh -c 'apt-get install -y -qq --no-install-recommends docker-ce &gt;/dev/null'</a:t>
-            </a:r>
-            <a:endParaRPr lang="zh-CN" altLang="en-US"/>
-          </a:p>
-          <a:p>
-            <a:pPr lvl="1"/>
-            <a:r>
-              <a:rPr lang="zh-CN" altLang="en-US"/>
-              <a:t>sudo -E sh -c 'docker version'</a:t>
-            </a:r>
-            <a:endParaRPr lang="zh-CN" altLang="en-US"/>
-          </a:p>
-          <a:p>
-            <a:pPr lvl="1"/>
-            <a:r>
-              <a:rPr lang="en-US" altLang="zh-CN"/>
-              <a:t>sudo docker run hello-world	# test install</a:t>
-            </a:r>
-            <a:endParaRPr lang="zh-CN" altLang="en-US"/>
+          <a:bodyPr>
+            <a:normAutofit lnSpcReduction="10000"/>
+          </a:bodyPr>
+          <a:p>
+            <a:pPr lvl="0" fontAlgn="auto">
+              <a:lnSpc>
+                <a:spcPct val="100000"/>
+              </a:lnSpc>
+            </a:pPr>
+            <a:r>
+              <a:rPr lang="en-US" altLang="zh-CN" sz="2400">
+                <a:sym typeface="+mn-ea"/>
+              </a:rPr>
+              <a:t>Install Docker Machine</a:t>
+            </a:r>
+            <a:endParaRPr lang="en-US" altLang="zh-CN" sz="2400"/>
+          </a:p>
+          <a:p>
+            <a:pPr lvl="1" fontAlgn="auto">
+              <a:lnSpc>
+                <a:spcPct val="100000"/>
+              </a:lnSpc>
+            </a:pPr>
+            <a:r>
+              <a:rPr lang="en-US" altLang="zh-CN" sz="2400">
+                <a:sym typeface="+mn-ea"/>
+              </a:rPr>
+              <a:t>Download docker-machine from https://github.com/docker/machine/releases/download/</a:t>
+            </a:r>
+            <a:endParaRPr lang="en-US" altLang="zh-CN" sz="2400"/>
+          </a:p>
+          <a:p>
+            <a:pPr lvl="1" fontAlgn="auto">
+              <a:lnSpc>
+                <a:spcPct val="100000"/>
+              </a:lnSpc>
+            </a:pPr>
+            <a:r>
+              <a:rPr lang="en-US" altLang="zh-CN" sz="2400">
+                <a:sym typeface="+mn-ea"/>
+              </a:rPr>
+              <a:t>docker-machine --version	# test installation</a:t>
+            </a:r>
+            <a:endParaRPr lang="en-US" altLang="zh-CN" sz="2400"/>
+          </a:p>
+          <a:p>
+            <a:pPr lvl="1" fontAlgn="auto">
+              <a:lnSpc>
+                <a:spcPct val="100000"/>
+              </a:lnSpc>
+            </a:pPr>
+            <a:r>
+              <a:rPr lang="en-US" altLang="zh-CN" sz="2400">
+                <a:sym typeface="+mn-ea"/>
+              </a:rPr>
+              <a:t>wget -q https://www.virtualbox.org/download/oracle_vbox_2016.asc -O- | sudo apt-key add -</a:t>
+            </a:r>
+            <a:endParaRPr lang="en-US" altLang="zh-CN" sz="2400"/>
+          </a:p>
+          <a:p>
+            <a:pPr lvl="1" fontAlgn="auto">
+              <a:lnSpc>
+                <a:spcPct val="100000"/>
+              </a:lnSpc>
+            </a:pPr>
+            <a:r>
+              <a:rPr lang="en-US" altLang="zh-CN" sz="2400">
+                <a:sym typeface="+mn-ea"/>
+              </a:rPr>
+              <a:t>wget -q https://www.virtualbox.org/download/oracle_vbox.asc -O- | sudo apt-key add -</a:t>
+            </a:r>
+            <a:endParaRPr lang="en-US" altLang="zh-CN" sz="2400"/>
+          </a:p>
+          <a:p>
+            <a:pPr lvl="1" fontAlgn="auto">
+              <a:lnSpc>
+                <a:spcPct val="100000"/>
+              </a:lnSpc>
+            </a:pPr>
+            <a:r>
+              <a:rPr lang="en-US" altLang="zh-CN" sz="2400">
+                <a:sym typeface="+mn-ea"/>
+              </a:rPr>
+              <a:t>sudo sh -c 'echo "deb http://download.virtualbox.org/virtualbox/debian $(lsb_release -sc) contrib" &gt;&gt; /etc/apt/sources.list.d/virtualbox.list'</a:t>
+            </a:r>
+            <a:endParaRPr lang="en-US" altLang="zh-CN" sz="2400">
+              <a:sym typeface="+mn-ea"/>
+            </a:endParaRPr>
+          </a:p>
+          <a:p>
+            <a:pPr lvl="1" fontAlgn="auto">
+              <a:lnSpc>
+                <a:spcPct val="100000"/>
+              </a:lnSpc>
+            </a:pPr>
+            <a:r>
+              <a:rPr lang="en-US" altLang="zh-CN" sz="2400">
+                <a:sym typeface="+mn-ea"/>
+              </a:rPr>
+              <a:t>sudo apt update</a:t>
+            </a:r>
+            <a:endParaRPr lang="en-US" altLang="zh-CN" sz="2400">
+              <a:sym typeface="+mn-ea"/>
+            </a:endParaRPr>
+          </a:p>
+          <a:p>
+            <a:pPr lvl="1" fontAlgn="auto">
+              <a:lnSpc>
+                <a:spcPct val="100000"/>
+              </a:lnSpc>
+            </a:pPr>
+            <a:r>
+              <a:rPr lang="en-US" altLang="zh-CN" sz="2400">
+                <a:sym typeface="+mn-ea"/>
+              </a:rPr>
+              <a:t>sudo apt install virtualbox</a:t>
+            </a:r>
+            <a:endParaRPr lang="en-US" altLang="zh-CN" sz="2400"/>
           </a:p>
           <a:p>
             <a:endParaRPr lang="zh-CN" altLang="en-US"/>
@@ -9941,7 +12094,7 @@
           <a:p>
             <a:r>
               <a:rPr lang="en-US" altLang="zh-CN"/>
-              <a:t>Install on CentOS</a:t>
+              <a:t>Install On Aliyun Ubuntu 16.04 (3)</a:t>
             </a:r>
             <a:endParaRPr lang="en-US" altLang="zh-CN"/>
           </a:p>
@@ -9957,289 +12110,50 @@
             <p:ph idx="1"/>
           </p:nvPr>
         </p:nvSpPr>
-        <p:spPr>
-          <a:xfrm>
-            <a:off x="838200" y="1211580"/>
-            <a:ext cx="10515600" cy="5238750"/>
-          </a:xfrm>
-        </p:spPr>
-        <p:txBody>
-          <a:bodyPr>
-            <a:normAutofit fontScale="70000"/>
-          </a:bodyPr>
-          <a:p>
-            <a:pPr lvl="0" fontAlgn="auto">
-              <a:lnSpc>
-                <a:spcPct val="100000"/>
-              </a:lnSpc>
-            </a:pPr>
-            <a:r>
-              <a:rPr lang="en-US" altLang="zh-CN" sz="2000">
-                <a:sym typeface="+mn-ea"/>
-              </a:rPr>
-              <a:t>References</a:t>
-            </a:r>
-            <a:endParaRPr lang="en-US" altLang="zh-CN" sz="2000">
-              <a:sym typeface="+mn-ea"/>
-            </a:endParaRPr>
-          </a:p>
-          <a:p>
-            <a:pPr lvl="1" fontAlgn="auto">
-              <a:lnSpc>
-                <a:spcPct val="100000"/>
-              </a:lnSpc>
-            </a:pPr>
-            <a:r>
-              <a:rPr lang="en-US" altLang="zh-CN" sz="1800">
-                <a:sym typeface="+mn-ea"/>
-              </a:rPr>
-              <a:t>https://www.digitalocean.com/community/tutorials/how-to-install-and-use-docker-compose-on-centos-7</a:t>
-            </a:r>
-            <a:endParaRPr lang="en-US" altLang="zh-CN" sz="1800">
-              <a:sym typeface="+mn-ea"/>
-            </a:endParaRPr>
-          </a:p>
-          <a:p>
-            <a:pPr lvl="0" fontAlgn="auto">
-              <a:lnSpc>
-                <a:spcPct val="100000"/>
-              </a:lnSpc>
-            </a:pPr>
-            <a:r>
-              <a:rPr lang="en-US" altLang="zh-CN" sz="2000">
-                <a:sym typeface="+mn-ea"/>
-              </a:rPr>
-              <a:t>Install docker</a:t>
-            </a:r>
-            <a:endParaRPr lang="en-US" altLang="zh-CN" sz="2000">
-              <a:sym typeface="+mn-ea"/>
-            </a:endParaRPr>
-          </a:p>
-          <a:p>
-            <a:pPr lvl="1" fontAlgn="auto">
-              <a:lnSpc>
-                <a:spcPct val="100000"/>
-              </a:lnSpc>
-            </a:pPr>
-            <a:r>
-              <a:rPr lang="en-US" altLang="zh-CN" sz="1800">
-                <a:sym typeface="+mn-ea"/>
-              </a:rPr>
-              <a:t>sudo yum check-update</a:t>
-            </a:r>
-            <a:endParaRPr lang="en-US" altLang="zh-CN" sz="1800">
-              <a:sym typeface="+mn-ea"/>
-            </a:endParaRPr>
-          </a:p>
-          <a:p>
-            <a:pPr lvl="1" algn="l" fontAlgn="auto">
-              <a:lnSpc>
-                <a:spcPct val="100000"/>
-              </a:lnSpc>
-              <a:buClrTx/>
-              <a:buSzTx/>
-            </a:pPr>
-            <a:r>
-              <a:rPr lang="en-US" altLang="zh-CN" sz="1800">
-                <a:sym typeface="+mn-ea"/>
-              </a:rPr>
-              <a:t>sudo yum install -y yum-utils device-mapper-persistent-data lvm2</a:t>
-            </a:r>
-            <a:endParaRPr lang="en-US" altLang="zh-CN" sz="1800">
-              <a:sym typeface="+mn-ea"/>
-            </a:endParaRPr>
-          </a:p>
-          <a:p>
-            <a:pPr lvl="1" algn="l" fontAlgn="auto">
-              <a:lnSpc>
-                <a:spcPct val="100000"/>
-              </a:lnSpc>
-              <a:buClrTx/>
-              <a:buSzTx/>
-            </a:pPr>
-            <a:r>
-              <a:rPr lang="en-US" altLang="zh-CN" sz="1800">
-                <a:sym typeface="+mn-ea"/>
-              </a:rPr>
-              <a:t>sudo vim /usr/bin/yum-config-manager</a:t>
-            </a:r>
-            <a:endParaRPr lang="en-US" altLang="zh-CN" sz="1800">
-              <a:sym typeface="+mn-ea"/>
-            </a:endParaRPr>
-          </a:p>
-          <a:p>
-            <a:pPr lvl="2" algn="l" fontAlgn="auto">
-              <a:lnSpc>
-                <a:spcPct val="100000"/>
-              </a:lnSpc>
-              <a:buClrTx/>
-              <a:buSzTx/>
-            </a:pPr>
-            <a:r>
-              <a:rPr lang="en-US" altLang="zh-CN">
-                <a:sym typeface="+mn-ea"/>
-              </a:rPr>
-              <a:t>modify first line from #/usr/bin/python to /usr/bin/python?</a:t>
-            </a:r>
-            <a:endParaRPr lang="en-US" altLang="zh-CN">
-              <a:sym typeface="+mn-ea"/>
-            </a:endParaRPr>
-          </a:p>
-          <a:p>
-            <a:pPr lvl="1" fontAlgn="auto">
-              <a:lnSpc>
-                <a:spcPct val="100000"/>
-              </a:lnSpc>
-            </a:pPr>
-            <a:r>
-              <a:rPr lang="en-US" altLang="zh-CN" sz="1800">
-                <a:sym typeface="+mn-ea"/>
-              </a:rPr>
-              <a:t>sudo yum-config-manager --add-repo https://download.docker.com/linux/centos/docker-ce.repo</a:t>
-            </a:r>
-            <a:endParaRPr lang="en-US" altLang="zh-CN" sz="1800"/>
-          </a:p>
-          <a:p>
-            <a:pPr lvl="1" fontAlgn="auto">
-              <a:lnSpc>
-                <a:spcPct val="100000"/>
-              </a:lnSpc>
-            </a:pPr>
-            <a:r>
-              <a:rPr lang="en-US" altLang="zh-CN" sz="1800">
-                <a:sym typeface="+mn-ea"/>
-              </a:rPr>
-              <a:t>sudo yum install docker</a:t>
-            </a:r>
-            <a:endParaRPr lang="en-US" altLang="zh-CN" sz="1800">
-              <a:sym typeface="+mn-ea"/>
-            </a:endParaRPr>
-          </a:p>
-          <a:p>
-            <a:pPr lvl="0" fontAlgn="auto">
-              <a:lnSpc>
-                <a:spcPct val="100000"/>
-              </a:lnSpc>
-            </a:pPr>
-            <a:r>
-              <a:rPr lang="en-US" altLang="zh-CN" sz="2000">
-                <a:sym typeface="+mn-ea"/>
-              </a:rPr>
-              <a:t>Install docker-compose</a:t>
-            </a:r>
-            <a:endParaRPr lang="en-US" altLang="zh-CN" sz="2000">
-              <a:sym typeface="+mn-ea"/>
-            </a:endParaRPr>
-          </a:p>
-          <a:p>
-            <a:pPr lvl="1" fontAlgn="auto">
-              <a:lnSpc>
-                <a:spcPct val="100000"/>
-              </a:lnSpc>
-            </a:pPr>
-            <a:r>
-              <a:rPr lang="en-US" altLang="zh-CN" sz="1800">
-                <a:solidFill>
-                  <a:schemeClr val="bg1">
-                    <a:lumMod val="75000"/>
-                  </a:schemeClr>
-                </a:solidFill>
-              </a:rPr>
-              <a:t>sudo curl -L "https://github.com/docker/compose/releases/download/1.23.2/docker-compose-$(uname -s)-$(uname -m)" -o /usr/local/bin/docker-compose</a:t>
-            </a:r>
-            <a:endParaRPr lang="en-US" altLang="zh-CN" sz="1800">
-              <a:solidFill>
-                <a:schemeClr val="bg1">
-                  <a:lumMod val="75000"/>
-                </a:schemeClr>
-              </a:solidFill>
-            </a:endParaRPr>
-          </a:p>
-          <a:p>
-            <a:pPr lvl="2" fontAlgn="auto">
-              <a:lnSpc>
-                <a:spcPct val="100000"/>
-              </a:lnSpc>
-            </a:pPr>
-            <a:r>
-              <a:rPr lang="en-US" altLang="zh-CN" sz="1620">
-                <a:solidFill>
-                  <a:schemeClr val="bg1">
-                    <a:lumMod val="75000"/>
-                  </a:schemeClr>
-                </a:solidFill>
-              </a:rPr>
-              <a:t>Or download directly from https://github.com/docker/compose/releases</a:t>
-            </a:r>
-            <a:endParaRPr lang="en-US" altLang="zh-CN" sz="1620">
-              <a:solidFill>
-                <a:schemeClr val="bg1">
-                  <a:lumMod val="75000"/>
-                </a:schemeClr>
-              </a:solidFill>
-            </a:endParaRPr>
-          </a:p>
-          <a:p>
-            <a:pPr lvl="1" fontAlgn="auto">
-              <a:lnSpc>
-                <a:spcPct val="100000"/>
-              </a:lnSpc>
-            </a:pPr>
-            <a:r>
-              <a:rPr lang="en-US" altLang="zh-CN" sz="1800">
-                <a:sym typeface="+mn-ea"/>
-              </a:rPr>
-              <a:t>sudo curl -L https://get.daocloud.io/docker/compose/releases/download/1.25.3/docker-compose-`uname -s`-`uname -m` -o /usr/local/bin/docker-compose</a:t>
-            </a:r>
-            <a:endParaRPr lang="en-US" altLang="zh-CN" sz="1800"/>
-          </a:p>
-          <a:p>
-            <a:pPr lvl="1" fontAlgn="auto">
-              <a:lnSpc>
-                <a:spcPct val="100000"/>
-              </a:lnSpc>
-            </a:pPr>
-            <a:r>
-              <a:rPr lang="en-US" altLang="zh-CN" sz="1800"/>
-              <a:t>sudo chmod +x /usr/local/bin/docker-compose</a:t>
-            </a:r>
-            <a:endParaRPr lang="en-US" altLang="zh-CN" sz="1800"/>
-          </a:p>
-          <a:p>
-            <a:pPr lvl="1" fontAlgn="auto">
-              <a:lnSpc>
-                <a:spcPct val="100000"/>
-              </a:lnSpc>
-            </a:pPr>
-            <a:r>
-              <a:rPr lang="en-US" altLang="zh-CN" sz="1800"/>
-              <a:t>docker-compose --version</a:t>
-            </a:r>
-            <a:endParaRPr lang="en-US" altLang="zh-CN" sz="1800"/>
-          </a:p>
-          <a:p>
-            <a:pPr lvl="0" fontAlgn="auto">
-              <a:lnSpc>
-                <a:spcPct val="100000"/>
-              </a:lnSpc>
-            </a:pPr>
-            <a:r>
-              <a:rPr lang="en-US" altLang="zh-CN" sz="2160"/>
-              <a:t>Start</a:t>
-            </a:r>
-            <a:endParaRPr lang="en-US" altLang="zh-CN" sz="2160"/>
-          </a:p>
-          <a:p>
-            <a:pPr lvl="1" fontAlgn="auto">
-              <a:lnSpc>
-                <a:spcPct val="100000"/>
-              </a:lnSpc>
-            </a:pPr>
-            <a:r>
-              <a:rPr lang="en-US" altLang="zh-CN" sz="1800"/>
-              <a:t>systemctl start docker.service</a:t>
-            </a:r>
-            <a:endParaRPr lang="en-US" altLang="zh-CN" sz="1800"/>
+        <p:spPr/>
+        <p:txBody>
+          <a:bodyPr/>
+          <a:p>
+            <a:r>
+              <a:rPr lang="en-US" altLang="zh-CN"/>
+              <a:t>Docker Engine</a:t>
+            </a:r>
+            <a:endParaRPr lang="en-US" altLang="zh-CN"/>
+          </a:p>
+          <a:p>
+            <a:pPr lvl="1"/>
+            <a:r>
+              <a:rPr lang="zh-CN" altLang="en-US"/>
+              <a:t>sudo curl -fsSL https://get.docker.com | bash -s docker --mirror Aliyun</a:t>
+            </a:r>
+            <a:endParaRPr lang="zh-CN" altLang="en-US"/>
+          </a:p>
+          <a:p>
+            <a:pPr lvl="1"/>
+            <a:r>
+              <a:rPr lang="zh-CN" altLang="en-US"/>
+              <a:t>sudo -E sh -c 'apt-get install -y -qq --no-install-recommends docker-ce &gt;/dev/null'</a:t>
+            </a:r>
+            <a:endParaRPr lang="zh-CN" altLang="en-US"/>
+          </a:p>
+          <a:p>
+            <a:pPr lvl="1"/>
+            <a:r>
+              <a:rPr lang="zh-CN" altLang="en-US"/>
+              <a:t>sudo -E sh -c 'docker version'</a:t>
+            </a:r>
+            <a:endParaRPr lang="zh-CN" altLang="en-US"/>
+          </a:p>
+          <a:p>
+            <a:pPr lvl="1"/>
+            <a:r>
+              <a:rPr lang="en-US" altLang="zh-CN"/>
+              <a:t>sudo docker run hello-world	# test install</a:t>
+            </a:r>
+            <a:endParaRPr lang="zh-CN" altLang="en-US"/>
+          </a:p>
+          <a:p>
+            <a:endParaRPr lang="zh-CN" altLang="en-US"/>
           </a:p>
         </p:txBody>
       </p:sp>
@@ -10255,6 +12169,345 @@
 </file>
 
 <file path=ppt/slides/slide8.xml><?xml version="1.0" encoding="utf-8"?>
+<p:sld xmlns:a="http://schemas.openxmlformats.org/drawingml/2006/main" xmlns:r="http://schemas.openxmlformats.org/officeDocument/2006/relationships" xmlns:p="http://schemas.openxmlformats.org/presentationml/2006/main">
+  <p:cSld>
+    <p:spTree>
+      <p:nvGrpSpPr>
+        <p:cNvPr id="1" name=""/>
+        <p:cNvGrpSpPr/>
+        <p:nvPr/>
+      </p:nvGrpSpPr>
+      <p:grpSpPr/>
+      <p:sp>
+        <p:nvSpPr>
+          <p:cNvPr id="2" name="标题 1"/>
+          <p:cNvSpPr>
+            <a:spLocks noGrp="1"/>
+          </p:cNvSpPr>
+          <p:nvPr>
+            <p:ph type="title"/>
+          </p:nvPr>
+        </p:nvSpPr>
+        <p:spPr/>
+        <p:txBody>
+          <a:bodyPr/>
+          <a:p>
+            <a:r>
+              <a:rPr lang="en-US" altLang="zh-CN"/>
+              <a:t>Install on CentOS</a:t>
+            </a:r>
+            <a:endParaRPr lang="en-US" altLang="zh-CN"/>
+          </a:p>
+        </p:txBody>
+      </p:sp>
+      <p:sp>
+        <p:nvSpPr>
+          <p:cNvPr id="3" name="内容占位符 2"/>
+          <p:cNvSpPr>
+            <a:spLocks noGrp="1"/>
+          </p:cNvSpPr>
+          <p:nvPr>
+            <p:ph idx="1"/>
+          </p:nvPr>
+        </p:nvSpPr>
+        <p:spPr>
+          <a:xfrm>
+            <a:off x="838200" y="1211580"/>
+            <a:ext cx="10515600" cy="5238750"/>
+          </a:xfrm>
+        </p:spPr>
+        <p:txBody>
+          <a:bodyPr>
+            <a:normAutofit fontScale="70000"/>
+          </a:bodyPr>
+          <a:p>
+            <a:pPr lvl="0" fontAlgn="auto">
+              <a:lnSpc>
+                <a:spcPct val="100000"/>
+              </a:lnSpc>
+            </a:pPr>
+            <a:r>
+              <a:rPr lang="en-US" altLang="zh-CN" sz="2000">
+                <a:sym typeface="+mn-ea"/>
+              </a:rPr>
+              <a:t>References</a:t>
+            </a:r>
+            <a:endParaRPr lang="en-US" altLang="zh-CN" sz="2000">
+              <a:sym typeface="+mn-ea"/>
+            </a:endParaRPr>
+          </a:p>
+          <a:p>
+            <a:pPr lvl="1" fontAlgn="auto">
+              <a:lnSpc>
+                <a:spcPct val="100000"/>
+              </a:lnSpc>
+            </a:pPr>
+            <a:r>
+              <a:rPr lang="en-US" altLang="zh-CN" sz="1800">
+                <a:sym typeface="+mn-ea"/>
+              </a:rPr>
+              <a:t>https://www.digitalocean.com/community/tutorials/how-to-install-and-use-docker-compose-on-centos-7</a:t>
+            </a:r>
+            <a:endParaRPr lang="en-US" altLang="zh-CN" sz="1800">
+              <a:sym typeface="+mn-ea"/>
+            </a:endParaRPr>
+          </a:p>
+          <a:p>
+            <a:pPr lvl="0" fontAlgn="auto">
+              <a:lnSpc>
+                <a:spcPct val="100000"/>
+              </a:lnSpc>
+            </a:pPr>
+            <a:r>
+              <a:rPr lang="en-US" altLang="zh-CN" sz="2000">
+                <a:sym typeface="+mn-ea"/>
+              </a:rPr>
+              <a:t>Install docker</a:t>
+            </a:r>
+            <a:endParaRPr lang="en-US" altLang="zh-CN" sz="2000">
+              <a:sym typeface="+mn-ea"/>
+            </a:endParaRPr>
+          </a:p>
+          <a:p>
+            <a:pPr lvl="1" fontAlgn="auto">
+              <a:lnSpc>
+                <a:spcPct val="100000"/>
+              </a:lnSpc>
+            </a:pPr>
+            <a:r>
+              <a:rPr lang="en-US" altLang="zh-CN" sz="1800">
+                <a:sym typeface="+mn-ea"/>
+              </a:rPr>
+              <a:t>sudo yum check-update</a:t>
+            </a:r>
+            <a:endParaRPr lang="en-US" altLang="zh-CN" sz="1800">
+              <a:sym typeface="+mn-ea"/>
+            </a:endParaRPr>
+          </a:p>
+          <a:p>
+            <a:pPr lvl="1" algn="l" fontAlgn="auto">
+              <a:lnSpc>
+                <a:spcPct val="100000"/>
+              </a:lnSpc>
+              <a:buClrTx/>
+              <a:buSzTx/>
+            </a:pPr>
+            <a:r>
+              <a:rPr lang="en-US" altLang="zh-CN" sz="1800">
+                <a:sym typeface="+mn-ea"/>
+              </a:rPr>
+              <a:t>sudo yum install -y yum-utils device-mapper-persistent-data lvm2</a:t>
+            </a:r>
+            <a:endParaRPr lang="en-US" altLang="zh-CN" sz="1800">
+              <a:sym typeface="+mn-ea"/>
+            </a:endParaRPr>
+          </a:p>
+          <a:p>
+            <a:pPr lvl="1" algn="l" fontAlgn="auto">
+              <a:lnSpc>
+                <a:spcPct val="100000"/>
+              </a:lnSpc>
+              <a:buClrTx/>
+              <a:buSzTx/>
+            </a:pPr>
+            <a:r>
+              <a:rPr lang="en-US" altLang="zh-CN" sz="1800">
+                <a:sym typeface="+mn-ea"/>
+              </a:rPr>
+              <a:t>sudo vim /usr/bin/yum-config-manager</a:t>
+            </a:r>
+            <a:endParaRPr lang="en-US" altLang="zh-CN" sz="1800">
+              <a:sym typeface="+mn-ea"/>
+            </a:endParaRPr>
+          </a:p>
+          <a:p>
+            <a:pPr lvl="2" algn="l" fontAlgn="auto">
+              <a:lnSpc>
+                <a:spcPct val="100000"/>
+              </a:lnSpc>
+              <a:buClrTx/>
+              <a:buSzTx/>
+            </a:pPr>
+            <a:r>
+              <a:rPr lang="en-US" altLang="zh-CN">
+                <a:sym typeface="+mn-ea"/>
+              </a:rPr>
+              <a:t>modify first line from #/usr/bin/python to /usr/bin/python?</a:t>
+            </a:r>
+            <a:endParaRPr lang="en-US" altLang="zh-CN">
+              <a:sym typeface="+mn-ea"/>
+            </a:endParaRPr>
+          </a:p>
+          <a:p>
+            <a:pPr lvl="1" fontAlgn="auto">
+              <a:lnSpc>
+                <a:spcPct val="100000"/>
+              </a:lnSpc>
+            </a:pPr>
+            <a:r>
+              <a:rPr lang="en-US" altLang="zh-CN" sz="1800">
+                <a:sym typeface="+mn-ea"/>
+              </a:rPr>
+              <a:t>sudo yum-config-manager --add-repo https://download.docker.com/linux/centos/docker-ce.repo</a:t>
+            </a:r>
+            <a:endParaRPr lang="en-US" altLang="zh-CN" sz="1800"/>
+          </a:p>
+          <a:p>
+            <a:pPr lvl="1" fontAlgn="auto">
+              <a:lnSpc>
+                <a:spcPct val="100000"/>
+              </a:lnSpc>
+            </a:pPr>
+            <a:r>
+              <a:rPr lang="en-US" altLang="zh-CN" sz="1800">
+                <a:sym typeface="+mn-ea"/>
+              </a:rPr>
+              <a:t>sudo yum install docker</a:t>
+            </a:r>
+            <a:endParaRPr lang="en-US" altLang="zh-CN" sz="1800">
+              <a:sym typeface="+mn-ea"/>
+            </a:endParaRPr>
+          </a:p>
+          <a:p>
+            <a:pPr lvl="0" fontAlgn="auto">
+              <a:lnSpc>
+                <a:spcPct val="100000"/>
+              </a:lnSpc>
+            </a:pPr>
+            <a:r>
+              <a:rPr lang="en-US" altLang="zh-CN" sz="2000">
+                <a:sym typeface="+mn-ea"/>
+              </a:rPr>
+              <a:t>Install docker-compose</a:t>
+            </a:r>
+            <a:endParaRPr lang="en-US" altLang="zh-CN" sz="2000">
+              <a:sym typeface="+mn-ea"/>
+            </a:endParaRPr>
+          </a:p>
+          <a:p>
+            <a:pPr lvl="1" fontAlgn="auto">
+              <a:lnSpc>
+                <a:spcPct val="100000"/>
+              </a:lnSpc>
+            </a:pPr>
+            <a:r>
+              <a:rPr lang="en-US" altLang="zh-CN" sz="1800">
+                <a:solidFill>
+                  <a:schemeClr val="bg1">
+                    <a:lumMod val="75000"/>
+                  </a:schemeClr>
+                </a:solidFill>
+              </a:rPr>
+              <a:t>sudo curl -L "https://github.com/docker/compose/releases/download/1.23.2/docker-compose-$(uname -s)-$(uname -m)" -o /usr/local/bin/docker-compose</a:t>
+            </a:r>
+            <a:endParaRPr lang="en-US" altLang="zh-CN" sz="1800">
+              <a:solidFill>
+                <a:schemeClr val="bg1">
+                  <a:lumMod val="75000"/>
+                </a:schemeClr>
+              </a:solidFill>
+            </a:endParaRPr>
+          </a:p>
+          <a:p>
+            <a:pPr lvl="2" fontAlgn="auto">
+              <a:lnSpc>
+                <a:spcPct val="100000"/>
+              </a:lnSpc>
+            </a:pPr>
+            <a:r>
+              <a:rPr lang="en-US" altLang="zh-CN" sz="1620">
+                <a:solidFill>
+                  <a:schemeClr val="bg1">
+                    <a:lumMod val="75000"/>
+                  </a:schemeClr>
+                </a:solidFill>
+              </a:rPr>
+              <a:t>Or download directly from https://github.com/docker/compose/releases</a:t>
+            </a:r>
+            <a:endParaRPr lang="en-US" altLang="zh-CN" sz="1620">
+              <a:solidFill>
+                <a:schemeClr val="bg1">
+                  <a:lumMod val="75000"/>
+                </a:schemeClr>
+              </a:solidFill>
+            </a:endParaRPr>
+          </a:p>
+          <a:p>
+            <a:pPr lvl="1" fontAlgn="auto">
+              <a:lnSpc>
+                <a:spcPct val="100000"/>
+              </a:lnSpc>
+            </a:pPr>
+            <a:r>
+              <a:rPr lang="en-US" altLang="zh-CN" sz="1800">
+                <a:sym typeface="+mn-ea"/>
+              </a:rPr>
+              <a:t>sudo curl -L https://get.daocloud.io/docker/compose/releases/download/1.25.3/docker-compose-`uname -s`-`uname -m` -o /usr/local/bin/docker-compose</a:t>
+            </a:r>
+            <a:endParaRPr lang="en-US" altLang="zh-CN" sz="1800"/>
+          </a:p>
+          <a:p>
+            <a:pPr lvl="1" fontAlgn="auto">
+              <a:lnSpc>
+                <a:spcPct val="100000"/>
+              </a:lnSpc>
+            </a:pPr>
+            <a:r>
+              <a:rPr lang="en-US" altLang="zh-CN" sz="1800"/>
+              <a:t>sudo chmod +x /usr/local/bin/docker-compose</a:t>
+            </a:r>
+            <a:endParaRPr lang="en-US" altLang="zh-CN" sz="1800"/>
+          </a:p>
+          <a:p>
+            <a:pPr lvl="1" fontAlgn="auto">
+              <a:lnSpc>
+                <a:spcPct val="100000"/>
+              </a:lnSpc>
+            </a:pPr>
+            <a:r>
+              <a:rPr lang="en-US" altLang="zh-CN" sz="1800"/>
+              <a:t>docker-compose --version</a:t>
+            </a:r>
+            <a:endParaRPr lang="en-US" altLang="zh-CN" sz="1800"/>
+          </a:p>
+          <a:p>
+            <a:pPr lvl="0" fontAlgn="auto">
+              <a:lnSpc>
+                <a:spcPct val="100000"/>
+              </a:lnSpc>
+            </a:pPr>
+            <a:r>
+              <a:rPr lang="en-US" altLang="zh-CN" sz="2160"/>
+              <a:t>Start</a:t>
+            </a:r>
+            <a:endParaRPr lang="en-US" altLang="zh-CN" sz="2160"/>
+          </a:p>
+          <a:p>
+            <a:pPr lvl="1" fontAlgn="auto">
+              <a:lnSpc>
+                <a:spcPct val="100000"/>
+              </a:lnSpc>
+            </a:pPr>
+            <a:r>
+              <a:rPr lang="en-US" altLang="zh-CN" sz="1800"/>
+              <a:t>systemctl start docker.service</a:t>
+            </a:r>
+            <a:endParaRPr lang="en-US" altLang="zh-CN" sz="1800"/>
+          </a:p>
+        </p:txBody>
+      </p:sp>
+    </p:spTree>
+    <p:custDataLst>
+      <p:tags r:id="rId1"/>
+    </p:custDataLst>
+  </p:cSld>
+  <p:clrMapOvr>
+    <a:masterClrMapping/>
+  </p:clrMapOvr>
+</p:sld>
+</file>
+
+<file path=ppt/slides/slide9.xml><?xml version="1.0" encoding="utf-8"?>
 <p:sld xmlns:a="http://schemas.openxmlformats.org/drawingml/2006/main" xmlns:r="http://schemas.openxmlformats.org/officeDocument/2006/relationships" xmlns:p="http://schemas.openxmlformats.org/presentationml/2006/main">
   <p:cSld>
     <p:spTree>
@@ -10558,383 +12811,6 @@
             <a:r>
               <a:rPr lang="en-US" altLang="zh-CN"/>
               <a:t>Kitematic</a:t>
-            </a:r>
-            <a:endParaRPr lang="en-US" altLang="zh-CN"/>
-          </a:p>
-        </p:txBody>
-      </p:sp>
-    </p:spTree>
-    <p:custDataLst>
-      <p:tags r:id="rId1"/>
-    </p:custDataLst>
-  </p:cSld>
-  <p:clrMapOvr>
-    <a:masterClrMapping/>
-  </p:clrMapOvr>
-</p:sld>
-</file>
-
-<file path=ppt/slides/slide9.xml><?xml version="1.0" encoding="utf-8"?>
-<p:sld xmlns:a="http://schemas.openxmlformats.org/drawingml/2006/main" xmlns:r="http://schemas.openxmlformats.org/officeDocument/2006/relationships" xmlns:p="http://schemas.openxmlformats.org/presentationml/2006/main">
-  <p:cSld>
-    <p:spTree>
-      <p:nvGrpSpPr>
-        <p:cNvPr id="1" name=""/>
-        <p:cNvGrpSpPr/>
-        <p:nvPr/>
-      </p:nvGrpSpPr>
-      <p:grpSpPr/>
-      <p:sp>
-        <p:nvSpPr>
-          <p:cNvPr id="2" name="标题 1"/>
-          <p:cNvSpPr>
-            <a:spLocks noGrp="1"/>
-          </p:cNvSpPr>
-          <p:nvPr>
-            <p:ph type="title"/>
-          </p:nvPr>
-        </p:nvSpPr>
-        <p:spPr/>
-        <p:txBody>
-          <a:bodyPr/>
-          <a:p>
-            <a:r>
-              <a:rPr lang="en-US" altLang="zh-CN"/>
-              <a:t>Working Logic</a:t>
-            </a:r>
-            <a:endParaRPr lang="en-US" altLang="zh-CN"/>
-          </a:p>
-        </p:txBody>
-      </p:sp>
-      <p:sp>
-        <p:nvSpPr>
-          <p:cNvPr id="4" name="流程图: 可选过程 3"/>
-          <p:cNvSpPr/>
-          <p:nvPr/>
-        </p:nvSpPr>
-        <p:spPr>
-          <a:xfrm>
-            <a:off x="1630045" y="1420495"/>
-            <a:ext cx="3220720" cy="769620"/>
-          </a:xfrm>
-          <a:prstGeom prst="flowChartAlternateProcess">
-            <a:avLst/>
-          </a:prstGeom>
-        </p:spPr>
-        <p:style>
-          <a:lnRef idx="2">
-            <a:schemeClr val="accent1">
-              <a:shade val="50000"/>
-            </a:schemeClr>
-          </a:lnRef>
-          <a:fillRef idx="1">
-            <a:schemeClr val="accent1"/>
-          </a:fillRef>
-          <a:effectRef idx="0">
-            <a:schemeClr val="accent1"/>
-          </a:effectRef>
-          <a:fontRef idx="minor">
-            <a:schemeClr val="lt1"/>
-          </a:fontRef>
-        </p:style>
-        <p:txBody>
-          <a:bodyPr rtlCol="0" anchor="ctr"/>
-          <a:p>
-            <a:pPr algn="ctr"/>
-            <a:r>
-              <a:rPr lang="en-US" altLang="zh-CN"/>
-              <a:t>Docker Client</a:t>
-            </a:r>
-            <a:endParaRPr lang="en-US" altLang="zh-CN"/>
-          </a:p>
-        </p:txBody>
-      </p:sp>
-      <p:sp>
-        <p:nvSpPr>
-          <p:cNvPr id="5" name="流程图: 可选过程 4"/>
-          <p:cNvSpPr/>
-          <p:nvPr/>
-        </p:nvSpPr>
-        <p:spPr>
-          <a:xfrm>
-            <a:off x="6271895" y="1420495"/>
-            <a:ext cx="3220720" cy="769620"/>
-          </a:xfrm>
-          <a:prstGeom prst="flowChartAlternateProcess">
-            <a:avLst/>
-          </a:prstGeom>
-        </p:spPr>
-        <p:style>
-          <a:lnRef idx="2">
-            <a:schemeClr val="accent1">
-              <a:shade val="50000"/>
-            </a:schemeClr>
-          </a:lnRef>
-          <a:fillRef idx="1">
-            <a:schemeClr val="accent1"/>
-          </a:fillRef>
-          <a:effectRef idx="0">
-            <a:schemeClr val="accent1"/>
-          </a:effectRef>
-          <a:fontRef idx="minor">
-            <a:schemeClr val="lt1"/>
-          </a:fontRef>
-        </p:style>
-        <p:txBody>
-          <a:bodyPr rtlCol="0" anchor="ctr"/>
-          <a:p>
-            <a:pPr algn="ctr"/>
-            <a:r>
-              <a:rPr lang="en-US" altLang="zh-CN"/>
-              <a:t>Docker Daemon</a:t>
-            </a:r>
-            <a:endParaRPr lang="en-US" altLang="zh-CN"/>
-          </a:p>
-        </p:txBody>
-      </p:sp>
-      <p:cxnSp>
-        <p:nvCxnSpPr>
-          <p:cNvPr id="6" name="直接箭头连接符 5"/>
-          <p:cNvCxnSpPr/>
-          <p:nvPr/>
-        </p:nvCxnSpPr>
-        <p:spPr>
-          <a:xfrm>
-            <a:off x="4719955" y="3037205"/>
-            <a:ext cx="1734185" cy="0"/>
-          </a:xfrm>
-          <a:prstGeom prst="straightConnector1">
-            <a:avLst/>
-          </a:prstGeom>
-          <a:ln>
-            <a:tailEnd type="arrow"/>
-          </a:ln>
-        </p:spPr>
-        <p:style>
-          <a:lnRef idx="1">
-            <a:schemeClr val="accent1"/>
-          </a:lnRef>
-          <a:fillRef idx="0">
-            <a:schemeClr val="accent1"/>
-          </a:fillRef>
-          <a:effectRef idx="0">
-            <a:schemeClr val="accent1"/>
-          </a:effectRef>
-          <a:fontRef idx="minor">
-            <a:schemeClr val="tx1"/>
-          </a:fontRef>
-        </p:style>
-      </p:cxnSp>
-      <p:cxnSp>
-        <p:nvCxnSpPr>
-          <p:cNvPr id="7" name="直接箭头连接符 6"/>
-          <p:cNvCxnSpPr/>
-          <p:nvPr/>
-        </p:nvCxnSpPr>
-        <p:spPr>
-          <a:xfrm>
-            <a:off x="7015480" y="3429000"/>
-            <a:ext cx="1734185" cy="0"/>
-          </a:xfrm>
-          <a:prstGeom prst="straightConnector1">
-            <a:avLst/>
-          </a:prstGeom>
-          <a:ln>
-            <a:tailEnd type="arrow"/>
-          </a:ln>
-        </p:spPr>
-        <p:style>
-          <a:lnRef idx="1">
-            <a:schemeClr val="accent1"/>
-          </a:lnRef>
-          <a:fillRef idx="0">
-            <a:schemeClr val="accent1"/>
-          </a:fillRef>
-          <a:effectRef idx="0">
-            <a:schemeClr val="accent1"/>
-          </a:effectRef>
-          <a:fontRef idx="minor">
-            <a:schemeClr val="tx1"/>
-          </a:fontRef>
-        </p:style>
-      </p:cxnSp>
-      <p:sp>
-        <p:nvSpPr>
-          <p:cNvPr id="8" name="文本框 7"/>
-          <p:cNvSpPr txBox="1"/>
-          <p:nvPr/>
-        </p:nvSpPr>
-        <p:spPr>
-          <a:xfrm>
-            <a:off x="4902200" y="2659380"/>
-            <a:ext cx="919480" cy="368300"/>
-          </a:xfrm>
-          <a:prstGeom prst="rect">
-            <a:avLst/>
-          </a:prstGeom>
-          <a:noFill/>
-        </p:spPr>
-        <p:txBody>
-          <a:bodyPr wrap="none" rtlCol="0">
-            <a:spAutoFit/>
-          </a:bodyPr>
-          <a:p>
-            <a:r>
-              <a:rPr lang="en-US" altLang="zh-CN"/>
-              <a:t>contact</a:t>
-            </a:r>
-            <a:endParaRPr lang="en-US" altLang="zh-CN"/>
-          </a:p>
-        </p:txBody>
-      </p:sp>
-      <p:sp>
-        <p:nvSpPr>
-          <p:cNvPr id="9" name="文本框 8"/>
-          <p:cNvSpPr txBox="1"/>
-          <p:nvPr/>
-        </p:nvSpPr>
-        <p:spPr>
-          <a:xfrm>
-            <a:off x="6717665" y="2989580"/>
-            <a:ext cx="2329180" cy="368300"/>
-          </a:xfrm>
-          <a:prstGeom prst="rect">
-            <a:avLst/>
-          </a:prstGeom>
-          <a:noFill/>
-        </p:spPr>
-        <p:txBody>
-          <a:bodyPr wrap="none" rtlCol="0">
-            <a:spAutoFit/>
-          </a:bodyPr>
-          <a:p>
-            <a:r>
-              <a:rPr lang="en-US" altLang="zh-CN"/>
-              <a:t>pull from Docker Hub</a:t>
-            </a:r>
-            <a:endParaRPr lang="en-US" altLang="zh-CN"/>
-          </a:p>
-        </p:txBody>
-      </p:sp>
-      <p:cxnSp>
-        <p:nvCxnSpPr>
-          <p:cNvPr id="10" name="直接箭头连接符 9"/>
-          <p:cNvCxnSpPr/>
-          <p:nvPr/>
-        </p:nvCxnSpPr>
-        <p:spPr>
-          <a:xfrm>
-            <a:off x="7106920" y="4354830"/>
-            <a:ext cx="1734185" cy="0"/>
-          </a:xfrm>
-          <a:prstGeom prst="straightConnector1">
-            <a:avLst/>
-          </a:prstGeom>
-          <a:ln>
-            <a:tailEnd type="arrow"/>
-          </a:ln>
-        </p:spPr>
-        <p:style>
-          <a:lnRef idx="1">
-            <a:schemeClr val="accent1"/>
-          </a:lnRef>
-          <a:fillRef idx="0">
-            <a:schemeClr val="accent1"/>
-          </a:fillRef>
-          <a:effectRef idx="0">
-            <a:schemeClr val="accent1"/>
-          </a:effectRef>
-          <a:fontRef idx="minor">
-            <a:schemeClr val="tx1"/>
-          </a:fontRef>
-        </p:style>
-      </p:cxnSp>
-      <p:sp>
-        <p:nvSpPr>
-          <p:cNvPr id="11" name="文本框 10"/>
-          <p:cNvSpPr txBox="1"/>
-          <p:nvPr/>
-        </p:nvSpPr>
-        <p:spPr>
-          <a:xfrm>
-            <a:off x="6809105" y="3902075"/>
-            <a:ext cx="2494280" cy="368300"/>
-          </a:xfrm>
-          <a:prstGeom prst="rect">
-            <a:avLst/>
-          </a:prstGeom>
-          <a:noFill/>
-        </p:spPr>
-        <p:txBody>
-          <a:bodyPr wrap="none" rtlCol="0">
-            <a:spAutoFit/>
-          </a:bodyPr>
-          <a:p>
-            <a:r>
-              <a:rPr lang="en-US" altLang="zh-CN"/>
-              <a:t>create a new container</a:t>
-            </a:r>
-            <a:endParaRPr lang="en-US" altLang="zh-CN"/>
-          </a:p>
-        </p:txBody>
-      </p:sp>
-      <p:cxnSp>
-        <p:nvCxnSpPr>
-          <p:cNvPr id="12" name="直接箭头连接符 11"/>
-          <p:cNvCxnSpPr/>
-          <p:nvPr/>
-        </p:nvCxnSpPr>
-        <p:spPr>
-          <a:xfrm flipH="1">
-            <a:off x="4850765" y="5293360"/>
-            <a:ext cx="1577340" cy="12700"/>
-          </a:xfrm>
-          <a:prstGeom prst="straightConnector1">
-            <a:avLst/>
-          </a:prstGeom>
-          <a:ln>
-            <a:tailEnd type="arrow"/>
-          </a:ln>
-        </p:spPr>
-        <p:style>
-          <a:lnRef idx="1">
-            <a:schemeClr val="accent1"/>
-          </a:lnRef>
-          <a:fillRef idx="0">
-            <a:schemeClr val="accent1"/>
-          </a:fillRef>
-          <a:effectRef idx="0">
-            <a:schemeClr val="accent1"/>
-          </a:effectRef>
-          <a:fontRef idx="minor">
-            <a:schemeClr val="tx1"/>
-          </a:fontRef>
-        </p:style>
-      </p:cxnSp>
-      <p:sp>
-        <p:nvSpPr>
-          <p:cNvPr id="13" name="文本框 12"/>
-          <p:cNvSpPr txBox="1"/>
-          <p:nvPr/>
-        </p:nvSpPr>
-        <p:spPr>
-          <a:xfrm>
-            <a:off x="4850765" y="4758055"/>
-            <a:ext cx="1579880" cy="368300"/>
-          </a:xfrm>
-          <a:prstGeom prst="rect">
-            <a:avLst/>
-          </a:prstGeom>
-          <a:noFill/>
-        </p:spPr>
-        <p:txBody>
-          <a:bodyPr wrap="none" rtlCol="0">
-            <a:spAutoFit/>
-          </a:bodyPr>
-          <a:p>
-            <a:r>
-              <a:rPr lang="en-US" altLang="zh-CN"/>
-              <a:t>stream output</a:t>
             </a:r>
             <a:endParaRPr lang="en-US" altLang="zh-CN"/>
           </a:p>
@@ -11009,13 +12885,21 @@
 
 <file path=ppt/tags/tag16.xml><?xml version="1.0" encoding="utf-8"?>
 <p:tagLst xmlns:p="http://schemas.openxmlformats.org/presentationml/2006/main">
-  <p:tag name="KSO_WM_UNIT_TABLE_BEAUTIFY" val="smartTable{8ed0f2ad-8cc2-4f04-8848-3ccca36eb5f5}"/>
-  <p:tag name="TABLE_ENDDRAG_ORIGIN_RECT" val="876*300"/>
-  <p:tag name="TABLE_ENDDRAG_RECT" val="49*87*876*300"/>
+  <p:tag name="KSO_WM_BEAUTIFY_FLAG" val="#wm#"/>
+  <p:tag name="KSO_WM_TEMPLATE_CATEGORY" val="custom"/>
+  <p:tag name="KSO_WM_TEMPLATE_INDEX" val="160402"/>
 </p:tagLst>
 </file>
 
 <file path=ppt/tags/tag17.xml><?xml version="1.0" encoding="utf-8"?>
+<p:tagLst xmlns:p="http://schemas.openxmlformats.org/presentationml/2006/main">
+  <p:tag name="KSO_WM_UNIT_TABLE_BEAUTIFY" val="smartTable{c521893a-0b97-4517-8b38-64f5a3b420b6}"/>
+  <p:tag name="TABLE_ENDDRAG_ORIGIN_RECT" val="876*393"/>
+  <p:tag name="TABLE_ENDDRAG_RECT" val="49*79*876*393"/>
+</p:tagLst>
+</file>
+
+<file path=ppt/tags/tag18.xml><?xml version="1.0" encoding="utf-8"?>
 <p:tagLst xmlns:p="http://schemas.openxmlformats.org/presentationml/2006/main">
   <p:tag name="KSO_WM_BEAUTIFY_FLAG" val="#wm#"/>
   <p:tag name="KSO_WM_TEMPLATE_CATEGORY" val="custom"/>
@@ -11023,19 +12907,11 @@
 </p:tagLst>
 </file>
 
-<file path=ppt/tags/tag18.xml><?xml version="1.0" encoding="utf-8"?>
+<file path=ppt/tags/tag19.xml><?xml version="1.0" encoding="utf-8"?>
 <p:tagLst xmlns:p="http://schemas.openxmlformats.org/presentationml/2006/main">
-  <p:tag name="KSO_WM_UNIT_TABLE_BEAUTIFY" val="smartTable{8ed0f2ad-8cc2-4f04-8848-3ccca36eb5f5}"/>
+  <p:tag name="KSO_WM_UNIT_TABLE_BEAUTIFY" val="smartTable{4a0f0fcc-8107-4f45-ba38-f3e76b8504a4}"/>
   <p:tag name="TABLE_ENDDRAG_ORIGIN_RECT" val="864*241"/>
   <p:tag name="TABLE_ENDDRAG_RECT" val="50*103*864*241"/>
-</p:tagLst>
-</file>
-
-<file path=ppt/tags/tag19.xml><?xml version="1.0" encoding="utf-8"?>
-<p:tagLst xmlns:p="http://schemas.openxmlformats.org/presentationml/2006/main">
-  <p:tag name="KSO_WM_BEAUTIFY_FLAG" val="#wm#"/>
-  <p:tag name="KSO_WM_TEMPLATE_CATEGORY" val="custom"/>
-  <p:tag name="KSO_WM_TEMPLATE_INDEX" val="160402"/>
 </p:tagLst>
 </file>
 
@@ -11049,13 +12925,21 @@
 
 <file path=ppt/tags/tag20.xml><?xml version="1.0" encoding="utf-8"?>
 <p:tagLst xmlns:p="http://schemas.openxmlformats.org/presentationml/2006/main">
-  <p:tag name="KSO_WM_UNIT_TABLE_BEAUTIFY" val="smartTable{8ed0f2ad-8cc2-4f04-8848-3ccca36eb5f5}"/>
+  <p:tag name="KSO_WM_BEAUTIFY_FLAG" val="#wm#"/>
+  <p:tag name="KSO_WM_TEMPLATE_CATEGORY" val="custom"/>
+  <p:tag name="KSO_WM_TEMPLATE_INDEX" val="160402"/>
+</p:tagLst>
+</file>
+
+<file path=ppt/tags/tag21.xml><?xml version="1.0" encoding="utf-8"?>
+<p:tagLst xmlns:p="http://schemas.openxmlformats.org/presentationml/2006/main">
+  <p:tag name="KSO_WM_UNIT_TABLE_BEAUTIFY" val="smartTable{bbcd7454-3b0d-43ea-92c6-4dfd9acf7004}"/>
   <p:tag name="TABLE_ENDDRAG_ORIGIN_RECT" val="864*241"/>
   <p:tag name="TABLE_ENDDRAG_RECT" val="50*103*864*241"/>
 </p:tagLst>
 </file>
 
-<file path=ppt/tags/tag21.xml><?xml version="1.0" encoding="utf-8"?>
+<file path=ppt/tags/tag22.xml><?xml version="1.0" encoding="utf-8"?>
 <p:tagLst xmlns:p="http://schemas.openxmlformats.org/presentationml/2006/main">
   <p:tag name="KSO_WM_BEAUTIFY_FLAG" val="#wm#"/>
   <p:tag name="KSO_WM_TEMPLATE_CATEGORY" val="custom"/>
@@ -11063,19 +12947,11 @@
 </p:tagLst>
 </file>
 
-<file path=ppt/tags/tag22.xml><?xml version="1.0" encoding="utf-8"?>
+<file path=ppt/tags/tag23.xml><?xml version="1.0" encoding="utf-8"?>
 <p:tagLst xmlns:p="http://schemas.openxmlformats.org/presentationml/2006/main">
-  <p:tag name="KSO_WM_UNIT_TABLE_BEAUTIFY" val="smartTable{8ed0f2ad-8cc2-4f04-8848-3ccca36eb5f5}"/>
+  <p:tag name="KSO_WM_UNIT_TABLE_BEAUTIFY" val="smartTable{9031ed06-a11d-4bb1-bbcb-1dabbcd60d03}"/>
   <p:tag name="TABLE_ENDDRAG_ORIGIN_RECT" val="876*282"/>
   <p:tag name="TABLE_ENDDRAG_RECT" val="50*103*876*282"/>
-</p:tagLst>
-</file>
-
-<file path=ppt/tags/tag23.xml><?xml version="1.0" encoding="utf-8"?>
-<p:tagLst xmlns:p="http://schemas.openxmlformats.org/presentationml/2006/main">
-  <p:tag name="KSO_WM_BEAUTIFY_FLAG" val="#wm#"/>
-  <p:tag name="KSO_WM_TEMPLATE_CATEGORY" val="custom"/>
-  <p:tag name="KSO_WM_TEMPLATE_INDEX" val="160402"/>
 </p:tagLst>
 </file>
 
@@ -11089,17 +12965,18 @@
 
 <file path=ppt/tags/tag25.xml><?xml version="1.0" encoding="utf-8"?>
 <p:tagLst xmlns:p="http://schemas.openxmlformats.org/presentationml/2006/main">
-  <p:tag name="KSO_WM_BEAUTIFY_FLAG" val="#wm#"/>
-  <p:tag name="KSO_WM_TEMPLATE_CATEGORY" val="custom"/>
-  <p:tag name="KSO_WM_TEMPLATE_INDEX" val="160402"/>
+  <p:tag name="KSO_WM_UNIT_TABLE_BEAUTIFY" val="smartTable{d920ecfc-a509-4946-9fa3-cee93da9988a}"/>
+  <p:tag name="TABLE_ENDDRAG_ORIGIN_RECT" val="876*166"/>
+  <p:tag name="TABLE_ENDDRAG_RECT" val="49*79*876*166"/>
+  <p:tag name="KSO_WM_BEAUTIFY_FLAG" val=""/>
 </p:tagLst>
 </file>
 
 <file path=ppt/tags/tag26.xml><?xml version="1.0" encoding="utf-8"?>
 <p:tagLst xmlns:p="http://schemas.openxmlformats.org/presentationml/2006/main">
-  <p:tag name="KSO_WM_UNIT_TABLE_BEAUTIFY" val="smartTable{8918bf49-d914-41e7-b582-89168f6d76ee}"/>
-  <p:tag name="TABLE_ENDDRAG_ORIGIN_RECT" val="822*177"/>
-  <p:tag name="TABLE_ENDDRAG_RECT" val="92*177*822*177"/>
+  <p:tag name="KSO_WM_BEAUTIFY_FLAG" val="#wm#"/>
+  <p:tag name="KSO_WM_TEMPLATE_CATEGORY" val="custom"/>
+  <p:tag name="KSO_WM_TEMPLATE_INDEX" val="160402"/>
 </p:tagLst>
 </file>
 
@@ -11121,9 +12998,9 @@
 
 <file path=ppt/tags/tag29.xml><?xml version="1.0" encoding="utf-8"?>
 <p:tagLst xmlns:p="http://schemas.openxmlformats.org/presentationml/2006/main">
-  <p:tag name="KSO_WM_BEAUTIFY_FLAG" val="#wm#"/>
-  <p:tag name="KSO_WM_TEMPLATE_CATEGORY" val="custom"/>
-  <p:tag name="KSO_WM_TEMPLATE_INDEX" val="160402"/>
+  <p:tag name="KSO_WM_UNIT_TABLE_BEAUTIFY" val="smartTable{4251b623-9156-4c3b-ba66-5265f5710ca3}"/>
+  <p:tag name="TABLE_ENDDRAG_ORIGIN_RECT" val="822*177"/>
+  <p:tag name="TABLE_ENDDRAG_RECT" val="92*177*822*177"/>
 </p:tagLst>
 </file>
 
@@ -11155,16 +13032,18 @@
 
 <file path=ppt/tags/tag32.xml><?xml version="1.0" encoding="utf-8"?>
 <p:tagLst xmlns:p="http://schemas.openxmlformats.org/presentationml/2006/main">
-  <p:tag name="REFSHAPE" val="379500028"/>
-  <p:tag name="KSO_WM_UNIT_PLACING_PICTURE_USER_VIEWPORT" val="{&quot;height&quot;:3885,&quot;width&quot;:7515}"/>
+  <p:tag name="KSO_WM_BEAUTIFY_FLAG" val="#wm#"/>
+  <p:tag name="KSO_WM_TEMPLATE_CATEGORY" val="custom"/>
+  <p:tag name="KSO_WM_TEMPLATE_INDEX" val="160402"/>
 </p:tagLst>
 </file>
 
 <file path=ppt/tags/tag33.xml><?xml version="1.0" encoding="utf-8"?>
 <p:tagLst xmlns:p="http://schemas.openxmlformats.org/presentationml/2006/main">
-  <p:tag name="KSO_WM_BEAUTIFY_FLAG" val="#wm#"/>
-  <p:tag name="KSO_WM_TEMPLATE_CATEGORY" val="custom"/>
-  <p:tag name="KSO_WM_TEMPLATE_INDEX" val="160402"/>
+  <p:tag name="KSO_WM_UNIT_TABLE_BEAUTIFY" val="smartTable{57dbf537-cee9-476e-93a2-b4f31dffec64}"/>
+  <p:tag name="TABLE_ENDDRAG_ORIGIN_RECT" val="864*230"/>
+  <p:tag name="TABLE_ENDDRAG_RECT" val="50*195*864*230"/>
+  <p:tag name="KSO_WM_BEAUTIFY_FLAG" val=""/>
 </p:tagLst>
 </file>
 
@@ -11186,7 +13065,9 @@
 
 <file path=ppt/tags/tag36.xml><?xml version="1.0" encoding="utf-8"?>
 <p:tagLst xmlns:p="http://schemas.openxmlformats.org/presentationml/2006/main">
-  <p:tag name="KSO_WM_UNIT_PLACING_PICTURE_USER_VIEWPORT" val="{&quot;height&quot;:5309,&quot;width&quot;:5937}"/>
+  <p:tag name="KSO_WM_BEAUTIFY_FLAG" val="#wm#"/>
+  <p:tag name="KSO_WM_TEMPLATE_CATEGORY" val="custom"/>
+  <p:tag name="KSO_WM_TEMPLATE_INDEX" val="160402"/>
 </p:tagLst>
 </file>
 
@@ -11200,9 +13081,8 @@
 
 <file path=ppt/tags/tag38.xml><?xml version="1.0" encoding="utf-8"?>
 <p:tagLst xmlns:p="http://schemas.openxmlformats.org/presentationml/2006/main">
-  <p:tag name="KSO_WM_BEAUTIFY_FLAG" val="#wm#"/>
-  <p:tag name="KSO_WM_TEMPLATE_CATEGORY" val="custom"/>
-  <p:tag name="KSO_WM_TEMPLATE_INDEX" val="160402"/>
+  <p:tag name="REFSHAPE" val="379500028"/>
+  <p:tag name="KSO_WM_UNIT_PLACING_PICTURE_USER_VIEWPORT" val="{&quot;height&quot;:3885,&quot;width&quot;:7515}"/>
 </p:tagLst>
 </file>
 
@@ -11245,7 +13125,71 @@
 
 <file path=ppt/tags/tag41.xml><?xml version="1.0" encoding="utf-8"?>
 <p:tagLst xmlns:p="http://schemas.openxmlformats.org/presentationml/2006/main">
-  <p:tag name="COMMONDATA" val="eyJoZGlkIjoiODcwZjc5M2RmYzUwOWE5MjVkODVjZGMyZDUwOTRjYmEifQ=="/>
+  <p:tag name="KSO_WM_BEAUTIFY_FLAG" val="#wm#"/>
+  <p:tag name="KSO_WM_TEMPLATE_CATEGORY" val="custom"/>
+  <p:tag name="KSO_WM_TEMPLATE_INDEX" val="160402"/>
+</p:tagLst>
+</file>
+
+<file path=ppt/tags/tag42.xml><?xml version="1.0" encoding="utf-8"?>
+<p:tagLst xmlns:p="http://schemas.openxmlformats.org/presentationml/2006/main">
+  <p:tag name="KSO_WM_BEAUTIFY_FLAG" val="#wm#"/>
+  <p:tag name="KSO_WM_TEMPLATE_CATEGORY" val="custom"/>
+  <p:tag name="KSO_WM_TEMPLATE_INDEX" val="160402"/>
+</p:tagLst>
+</file>
+
+<file path=ppt/tags/tag43.xml><?xml version="1.0" encoding="utf-8"?>
+<p:tagLst xmlns:p="http://schemas.openxmlformats.org/presentationml/2006/main">
+  <p:tag name="KSO_WM_BEAUTIFY_FLAG" val="#wm#"/>
+  <p:tag name="KSO_WM_TEMPLATE_CATEGORY" val="custom"/>
+  <p:tag name="KSO_WM_TEMPLATE_INDEX" val="160402"/>
+</p:tagLst>
+</file>
+
+<file path=ppt/tags/tag44.xml><?xml version="1.0" encoding="utf-8"?>
+<p:tagLst xmlns:p="http://schemas.openxmlformats.org/presentationml/2006/main">
+  <p:tag name="KSO_WM_BEAUTIFY_FLAG" val="#wm#"/>
+  <p:tag name="KSO_WM_TEMPLATE_CATEGORY" val="custom"/>
+  <p:tag name="KSO_WM_TEMPLATE_INDEX" val="160402"/>
+</p:tagLst>
+</file>
+
+<file path=ppt/tags/tag45.xml><?xml version="1.0" encoding="utf-8"?>
+<p:tagLst xmlns:p="http://schemas.openxmlformats.org/presentationml/2006/main">
+  <p:tag name="KSO_WM_BEAUTIFY_FLAG" val="#wm#"/>
+  <p:tag name="KSO_WM_TEMPLATE_CATEGORY" val="custom"/>
+  <p:tag name="KSO_WM_TEMPLATE_INDEX" val="160402"/>
+</p:tagLst>
+</file>
+
+<file path=ppt/tags/tag46.xml><?xml version="1.0" encoding="utf-8"?>
+<p:tagLst xmlns:p="http://schemas.openxmlformats.org/presentationml/2006/main">
+  <p:tag name="KSO_WM_BEAUTIFY_FLAG" val="#wm#"/>
+  <p:tag name="KSO_WM_TEMPLATE_CATEGORY" val="custom"/>
+  <p:tag name="KSO_WM_TEMPLATE_INDEX" val="160402"/>
+</p:tagLst>
+</file>
+
+<file path=ppt/tags/tag47.xml><?xml version="1.0" encoding="utf-8"?>
+<p:tagLst xmlns:p="http://schemas.openxmlformats.org/presentationml/2006/main">
+  <p:tag name="KSO_WM_BEAUTIFY_FLAG" val="#wm#"/>
+  <p:tag name="KSO_WM_TEMPLATE_CATEGORY" val="custom"/>
+  <p:tag name="KSO_WM_TEMPLATE_INDEX" val="160402"/>
+</p:tagLst>
+</file>
+
+<file path=ppt/tags/tag48.xml><?xml version="1.0" encoding="utf-8"?>
+<p:tagLst xmlns:p="http://schemas.openxmlformats.org/presentationml/2006/main">
+  <p:tag name="KSO_WM_BEAUTIFY_FLAG" val="#wm#"/>
+  <p:tag name="KSO_WM_TEMPLATE_CATEGORY" val="custom"/>
+  <p:tag name="KSO_WM_TEMPLATE_INDEX" val="160402"/>
+</p:tagLst>
+</file>
+
+<file path=ppt/tags/tag49.xml><?xml version="1.0" encoding="utf-8"?>
+<p:tagLst xmlns:p="http://schemas.openxmlformats.org/presentationml/2006/main">
+  <p:tag name="COMMONDATA" val="eyJoZGlkIjoiYjRhZjQ5NWVmZmQxNmM3NmNkNDYxNWRmNzNmMjA1ZDAifQ=="/>
   <p:tag name="KSO_WPP_MARK_KEY" val="912f9f82-e1da-4214-83c0-2ace56e3deee"/>
 </p:tagLst>
 </file>

--- a/Misc/Docker-Notes.pptx
+++ b/Misc/Docker-Notes.pptx
@@ -9930,6 +9930,29 @@
           <a:p>
             <a:r>
               <a:rPr lang="en-US" altLang="zh-CN"/>
+              <a:t>Ubuntu images</a:t>
+            </a:r>
+            <a:endParaRPr lang="en-US" altLang="zh-CN"/>
+          </a:p>
+          <a:p>
+            <a:pPr lvl="1"/>
+            <a:r>
+              <a:rPr lang="en-US" altLang="zh-CN"/>
+              <a:t>ubuntu:22.04</a:t>
+            </a:r>
+            <a:endParaRPr lang="en-US" altLang="zh-CN"/>
+          </a:p>
+          <a:p>
+            <a:pPr lvl="1"/>
+            <a:r>
+              <a:rPr lang="en-US" altLang="zh-CN"/>
+              <a:t>ubuntu:20.04</a:t>
+            </a:r>
+            <a:endParaRPr lang="en-US" altLang="zh-CN"/>
+          </a:p>
+          <a:p>
+            <a:r>
+              <a:rPr lang="en-US" altLang="zh-CN"/>
               <a:t>Python docker images</a:t>
             </a:r>
             <a:endParaRPr lang="en-US" altLang="zh-CN"/>
@@ -9988,7 +10011,7 @@
         </p:blipFill>
         <p:spPr>
           <a:xfrm>
-            <a:off x="1705610" y="2118360"/>
+            <a:off x="1705610" y="3181350"/>
             <a:ext cx="9756140" cy="915035"/>
           </a:xfrm>
           <a:prstGeom prst="rect">

--- a/Misc/Docker-Notes.pptx
+++ b/Misc/Docker-Notes.pptx
@@ -8,7 +8,7 @@
     <p:notesMasterId r:id="rId4"/>
   </p:notesMasterIdLst>
   <p:handoutMasterIdLst>
-    <p:handoutMasterId r:id="rId39"/>
+    <p:handoutMasterId r:id="rId40"/>
   </p:handoutMasterIdLst>
   <p:sldIdLst>
     <p:sldId id="256" r:id="rId3"/>
@@ -20,37 +20,38 @@
     <p:sldId id="271" r:id="rId10"/>
     <p:sldId id="299" r:id="rId11"/>
     <p:sldId id="259" r:id="rId12"/>
-    <p:sldId id="261" r:id="rId13"/>
-    <p:sldId id="263" r:id="rId14"/>
-    <p:sldId id="327" r:id="rId15"/>
-    <p:sldId id="313" r:id="rId16"/>
-    <p:sldId id="328" r:id="rId17"/>
-    <p:sldId id="329" r:id="rId18"/>
-    <p:sldId id="408" r:id="rId19"/>
-    <p:sldId id="280" r:id="rId20"/>
-    <p:sldId id="260" r:id="rId21"/>
-    <p:sldId id="347" r:id="rId22"/>
-    <p:sldId id="359" r:id="rId23"/>
-    <p:sldId id="427" r:id="rId24"/>
-    <p:sldId id="262" r:id="rId25"/>
-    <p:sldId id="321" r:id="rId26"/>
-    <p:sldId id="265" r:id="rId27"/>
-    <p:sldId id="309" r:id="rId28"/>
-    <p:sldId id="311" r:id="rId29"/>
-    <p:sldId id="312" r:id="rId30"/>
-    <p:sldId id="340" r:id="rId31"/>
-    <p:sldId id="342" r:id="rId32"/>
-    <p:sldId id="400" r:id="rId33"/>
-    <p:sldId id="344" r:id="rId34"/>
-    <p:sldId id="346" r:id="rId35"/>
-    <p:sldId id="405" r:id="rId36"/>
-    <p:sldId id="398" r:id="rId37"/>
-    <p:sldId id="326" r:id="rId38"/>
+    <p:sldId id="442" r:id="rId13"/>
+    <p:sldId id="261" r:id="rId14"/>
+    <p:sldId id="263" r:id="rId15"/>
+    <p:sldId id="327" r:id="rId16"/>
+    <p:sldId id="313" r:id="rId17"/>
+    <p:sldId id="328" r:id="rId18"/>
+    <p:sldId id="329" r:id="rId19"/>
+    <p:sldId id="408" r:id="rId20"/>
+    <p:sldId id="280" r:id="rId21"/>
+    <p:sldId id="260" r:id="rId22"/>
+    <p:sldId id="347" r:id="rId23"/>
+    <p:sldId id="359" r:id="rId24"/>
+    <p:sldId id="427" r:id="rId25"/>
+    <p:sldId id="262" r:id="rId26"/>
+    <p:sldId id="321" r:id="rId27"/>
+    <p:sldId id="265" r:id="rId28"/>
+    <p:sldId id="309" r:id="rId29"/>
+    <p:sldId id="311" r:id="rId30"/>
+    <p:sldId id="312" r:id="rId31"/>
+    <p:sldId id="340" r:id="rId32"/>
+    <p:sldId id="342" r:id="rId33"/>
+    <p:sldId id="400" r:id="rId34"/>
+    <p:sldId id="344" r:id="rId35"/>
+    <p:sldId id="346" r:id="rId36"/>
+    <p:sldId id="405" r:id="rId37"/>
+    <p:sldId id="398" r:id="rId38"/>
+    <p:sldId id="326" r:id="rId39"/>
   </p:sldIdLst>
   <p:sldSz cx="12192000" cy="6858000"/>
   <p:notesSz cx="6858000" cy="9144000"/>
   <p:custDataLst>
-    <p:tags r:id="rId43"/>
+    <p:tags r:id="rId44"/>
   </p:custDataLst>
   <p:defaultTextStyle>
     <a:defPPr>
@@ -155,7 +156,7 @@
             <a:srgbClr val="A4A3A4"/>
           </p15:clr>
         </p15:guide>
-        <p15:guide id="2" pos="3864" userDrawn="1">
+        <p15:guide id="2" pos="3840" userDrawn="1">
           <p15:clr>
             <a:srgbClr val="A4A3A4"/>
           </p15:clr>
@@ -3845,6 +3846,73 @@
           <a:p>
             <a:r>
               <a:rPr lang="en-US" altLang="zh-CN"/>
+              <a:t>Components 2</a:t>
+            </a:r>
+            <a:endParaRPr lang="en-US" altLang="zh-CN"/>
+          </a:p>
+        </p:txBody>
+      </p:sp>
+      <p:pic>
+        <p:nvPicPr>
+          <p:cNvPr id="4" name="图片 3"/>
+          <p:cNvPicPr>
+            <a:picLocks noChangeAspect="1"/>
+          </p:cNvPicPr>
+          <p:nvPr/>
+        </p:nvPicPr>
+        <p:blipFill>
+          <a:blip r:embed="rId1"/>
+          <a:stretch>
+            <a:fillRect/>
+          </a:stretch>
+        </p:blipFill>
+        <p:spPr>
+          <a:xfrm>
+            <a:off x="1573530" y="1191260"/>
+            <a:ext cx="9044940" cy="4724400"/>
+          </a:xfrm>
+          <a:prstGeom prst="rect">
+            <a:avLst/>
+          </a:prstGeom>
+        </p:spPr>
+      </p:pic>
+    </p:spTree>
+    <p:custDataLst>
+      <p:tags r:id="rId2"/>
+    </p:custDataLst>
+  </p:cSld>
+  <p:clrMapOvr>
+    <a:masterClrMapping/>
+  </p:clrMapOvr>
+</p:sld>
+</file>
+
+<file path=ppt/slides/slide11.xml><?xml version="1.0" encoding="utf-8"?>
+<p:sld xmlns:a="http://schemas.openxmlformats.org/drawingml/2006/main" xmlns:r="http://schemas.openxmlformats.org/officeDocument/2006/relationships" xmlns:p="http://schemas.openxmlformats.org/presentationml/2006/main">
+  <p:cSld>
+    <p:spTree>
+      <p:nvGrpSpPr>
+        <p:cNvPr id="1" name=""/>
+        <p:cNvGrpSpPr/>
+        <p:nvPr/>
+      </p:nvGrpSpPr>
+      <p:grpSpPr/>
+      <p:sp>
+        <p:nvSpPr>
+          <p:cNvPr id="2" name="标题 1"/>
+          <p:cNvSpPr>
+            <a:spLocks noGrp="1"/>
+          </p:cNvSpPr>
+          <p:nvPr>
+            <p:ph type="title"/>
+          </p:nvPr>
+        </p:nvSpPr>
+        <p:spPr/>
+        <p:txBody>
+          <a:bodyPr/>
+          <a:p>
+            <a:r>
+              <a:rPr lang="en-US" altLang="zh-CN"/>
               <a:t>Working Logic</a:t>
             </a:r>
             <a:endParaRPr lang="en-US" altLang="zh-CN"/>
@@ -4196,7 +4264,7 @@
 </p:sld>
 </file>
 
-<file path=ppt/slides/slide11.xml><?xml version="1.0" encoding="utf-8"?>
+<file path=ppt/slides/slide12.xml><?xml version="1.0" encoding="utf-8"?>
 <p:sld xmlns:a="http://schemas.openxmlformats.org/drawingml/2006/main" xmlns:r="http://schemas.openxmlformats.org/officeDocument/2006/relationships" xmlns:p="http://schemas.openxmlformats.org/presentationml/2006/main">
   <p:cSld>
     <p:spTree>
@@ -4265,7 +4333,7 @@
 </p:sld>
 </file>
 
-<file path=ppt/slides/slide12.xml><?xml version="1.0" encoding="utf-8"?>
+<file path=ppt/slides/slide13.xml><?xml version="1.0" encoding="utf-8"?>
 <p:sld xmlns:a="http://schemas.openxmlformats.org/drawingml/2006/main" xmlns:r="http://schemas.openxmlformats.org/officeDocument/2006/relationships" xmlns:p="http://schemas.openxmlformats.org/presentationml/2006/main">
   <p:cSld>
     <p:spTree>
@@ -5011,7 +5079,7 @@
 </p:sld>
 </file>
 
-<file path=ppt/slides/slide13.xml><?xml version="1.0" encoding="utf-8"?>
+<file path=ppt/slides/slide14.xml><?xml version="1.0" encoding="utf-8"?>
 <p:sld xmlns:a="http://schemas.openxmlformats.org/drawingml/2006/main" xmlns:r="http://schemas.openxmlformats.org/officeDocument/2006/relationships" xmlns:p="http://schemas.openxmlformats.org/presentationml/2006/main">
   <p:cSld>
     <p:spTree>
@@ -5427,7 +5495,7 @@
 </p:sld>
 </file>
 
-<file path=ppt/slides/slide14.xml><?xml version="1.0" encoding="utf-8"?>
+<file path=ppt/slides/slide15.xml><?xml version="1.0" encoding="utf-8"?>
 <p:sld xmlns:a="http://schemas.openxmlformats.org/drawingml/2006/main" xmlns:r="http://schemas.openxmlformats.org/officeDocument/2006/relationships" xmlns:p="http://schemas.openxmlformats.org/presentationml/2006/main">
   <p:cSld>
     <p:spTree>
@@ -5857,413 +5925,6 @@
                         <a:buNone/>
                       </a:pPr>
                       <a:endParaRPr lang="zh-CN" altLang="en-US"/>
-                    </a:p>
-                  </a:txBody>
-                  <a:tcPr/>
-                </a:tc>
-              </a:tr>
-            </a:tbl>
-          </a:graphicData>
-        </a:graphic>
-      </p:graphicFrame>
-    </p:spTree>
-    <p:custDataLst>
-      <p:tags r:id="rId2"/>
-    </p:custDataLst>
-  </p:cSld>
-  <p:clrMapOvr>
-    <a:masterClrMapping/>
-  </p:clrMapOvr>
-</p:sld>
-</file>
-
-<file path=ppt/slides/slide15.xml><?xml version="1.0" encoding="utf-8"?>
-<p:sld xmlns:a="http://schemas.openxmlformats.org/drawingml/2006/main" xmlns:r="http://schemas.openxmlformats.org/officeDocument/2006/relationships" xmlns:p="http://schemas.openxmlformats.org/presentationml/2006/main">
-  <p:cSld>
-    <p:spTree>
-      <p:nvGrpSpPr>
-        <p:cNvPr id="1" name=""/>
-        <p:cNvGrpSpPr/>
-        <p:nvPr/>
-      </p:nvGrpSpPr>
-      <p:grpSpPr/>
-      <p:sp>
-        <p:nvSpPr>
-          <p:cNvPr id="2" name="标题 1"/>
-          <p:cNvSpPr>
-            <a:spLocks noGrp="1"/>
-          </p:cNvSpPr>
-          <p:nvPr>
-            <p:ph type="title"/>
-          </p:nvPr>
-        </p:nvSpPr>
-        <p:spPr/>
-        <p:txBody>
-          <a:bodyPr/>
-          <a:p>
-            <a:r>
-              <a:rPr lang="en-US" altLang="zh-CN"/>
-              <a:t>Docker Commnads - Image</a:t>
-            </a:r>
-            <a:endParaRPr lang="en-US" altLang="zh-CN"/>
-          </a:p>
-        </p:txBody>
-      </p:sp>
-      <p:graphicFrame>
-        <p:nvGraphicFramePr>
-          <p:cNvPr id="5" name="内容占位符 4"/>
-          <p:cNvGraphicFramePr/>
-          <p:nvPr>
-            <p:ph idx="1"/>
-            <p:custDataLst>
-              <p:tags r:id="rId1"/>
-            </p:custDataLst>
-          </p:nvPr>
-        </p:nvGraphicFramePr>
-        <p:xfrm>
-          <a:off x="838200" y="1211581"/>
-          <a:ext cx="10515600" cy="2834640"/>
-        </p:xfrm>
-        <a:graphic>
-          <a:graphicData uri="http://schemas.openxmlformats.org/drawingml/2006/table">
-            <a:tbl>
-              <a:tblPr firstRow="1" bandRow="1">
-                <a:tableStyleId>{5C22544A-7EE6-4342-B048-85BDC9FD1C3A}</a:tableStyleId>
-              </a:tblPr>
-              <a:tblGrid>
-                <a:gridCol w="3760470"/>
-                <a:gridCol w="3869055"/>
-                <a:gridCol w="2886075"/>
-              </a:tblGrid>
-              <a:tr h="365760">
-                <a:tc>
-                  <a:txBody>
-                    <a:bodyPr/>
-                    <a:p>
-                      <a:pPr algn="ctr">
-                        <a:buNone/>
-                      </a:pPr>
-                      <a:r>
-                        <a:rPr lang="en-US" altLang="zh-CN"/>
-                        <a:t>Command</a:t>
-                      </a:r>
-                      <a:endParaRPr lang="en-US" altLang="zh-CN"/>
-                    </a:p>
-                  </a:txBody>
-                  <a:tcPr/>
-                </a:tc>
-                <a:tc>
-                  <a:txBody>
-                    <a:bodyPr/>
-                    <a:p>
-                      <a:pPr algn="ctr">
-                        <a:buNone/>
-                      </a:pPr>
-                      <a:r>
-                        <a:rPr lang="en-US" altLang="zh-CN"/>
-                        <a:t>Description</a:t>
-                      </a:r>
-                      <a:endParaRPr lang="en-US" altLang="zh-CN"/>
-                    </a:p>
-                  </a:txBody>
-                  <a:tcPr/>
-                </a:tc>
-                <a:tc>
-                  <a:txBody>
-                    <a:bodyPr/>
-                    <a:p>
-                      <a:pPr algn="ctr">
-                        <a:buNone/>
-                      </a:pPr>
-                      <a:r>
-                        <a:rPr lang="en-US" altLang="zh-CN"/>
-                        <a:t>Note</a:t>
-                      </a:r>
-                      <a:endParaRPr lang="en-US" altLang="zh-CN"/>
-                    </a:p>
-                  </a:txBody>
-                  <a:tcPr/>
-                </a:tc>
-              </a:tr>
-              <a:tr h="365760">
-                <a:tc>
-                  <a:txBody>
-                    <a:bodyPr/>
-                    <a:p>
-                      <a:pPr>
-                        <a:buNone/>
-                      </a:pPr>
-                      <a:r>
-                        <a:rPr lang="en-US" altLang="zh-CN"/>
-                        <a:t>docker images</a:t>
-                      </a:r>
-                      <a:endParaRPr lang="en-US" altLang="zh-CN"/>
-                    </a:p>
-                  </a:txBody>
-                  <a:tcPr/>
-                </a:tc>
-                <a:tc>
-                  <a:txBody>
-                    <a:bodyPr/>
-                    <a:p>
-                      <a:pPr>
-                        <a:buNone/>
-                      </a:pPr>
-                      <a:r>
-                        <a:rPr lang="en-US" altLang="zh-CN"/>
-                        <a:t>list installed images</a:t>
-                      </a:r>
-                      <a:endParaRPr lang="en-US" altLang="zh-CN"/>
-                    </a:p>
-                  </a:txBody>
-                  <a:tcPr/>
-                </a:tc>
-                <a:tc>
-                  <a:txBody>
-                    <a:bodyPr/>
-                    <a:p>
-                      <a:pPr>
-                        <a:buNone/>
-                      </a:pPr>
-                      <a:endParaRPr lang="en-US" altLang="zh-CN"/>
-                    </a:p>
-                  </a:txBody>
-                  <a:tcPr/>
-                </a:tc>
-              </a:tr>
-              <a:tr h="640080">
-                <a:tc>
-                  <a:txBody>
-                    <a:bodyPr/>
-                    <a:p>
-                      <a:pPr>
-                        <a:buNone/>
-                      </a:pPr>
-                      <a:r>
-                        <a:rPr lang="en-US" altLang="zh-CN"/>
-                        <a:t>docker image prune</a:t>
-                      </a:r>
-                      <a:endParaRPr lang="en-US" altLang="zh-CN"/>
-                    </a:p>
-                  </a:txBody>
-                  <a:tcPr/>
-                </a:tc>
-                <a:tc>
-                  <a:txBody>
-                    <a:bodyPr/>
-                    <a:p>
-                      <a:pPr>
-                        <a:buNone/>
-                      </a:pPr>
-                      <a:r>
-                        <a:rPr lang="en-US" altLang="zh-CN"/>
-                        <a:t>clean up dangling images, free huge space</a:t>
-                      </a:r>
-                      <a:endParaRPr lang="en-US" altLang="zh-CN"/>
-                    </a:p>
-                  </a:txBody>
-                  <a:tcPr/>
-                </a:tc>
-                <a:tc>
-                  <a:txBody>
-                    <a:bodyPr/>
-                    <a:p>
-                      <a:pPr>
-                        <a:buNone/>
-                      </a:pPr>
-                      <a:endParaRPr lang="en-US" altLang="zh-CN"/>
-                    </a:p>
-                  </a:txBody>
-                  <a:tcPr/>
-                </a:tc>
-              </a:tr>
-              <a:tr h="365760">
-                <a:tc>
-                  <a:txBody>
-                    <a:bodyPr/>
-                    <a:p>
-                      <a:pPr marL="0" lvl="1">
-                        <a:buNone/>
-                      </a:pPr>
-                      <a:r>
-                        <a:rPr lang="en-US" altLang="zh-CN" sz="1800" b="1">
-                          <a:sym typeface="+mn-ea"/>
-                        </a:rPr>
-                        <a:t>docker rmi {image-id}</a:t>
-                      </a:r>
-                      <a:endParaRPr lang="en-US" altLang="zh-CN" b="1"/>
-                    </a:p>
-                  </a:txBody>
-                  <a:tcPr/>
-                </a:tc>
-                <a:tc>
-                  <a:txBody>
-                    <a:bodyPr/>
-                    <a:p>
-                      <a:pPr>
-                        <a:buNone/>
-                      </a:pPr>
-                      <a:r>
-                        <a:rPr lang="en-US" altLang="zh-CN"/>
-                        <a:t>remove docker image</a:t>
-                      </a:r>
-                      <a:endParaRPr lang="en-US" altLang="zh-CN"/>
-                    </a:p>
-                  </a:txBody>
-                  <a:tcPr/>
-                </a:tc>
-                <a:tc>
-                  <a:txBody>
-                    <a:bodyPr/>
-                    <a:p>
-                      <a:pPr>
-                        <a:buNone/>
-                      </a:pPr>
-                      <a:endParaRPr lang="en-US" altLang="zh-CN"/>
-                    </a:p>
-                  </a:txBody>
-                  <a:tcPr/>
-                </a:tc>
-              </a:tr>
-              <a:tr h="365760">
-                <a:tc>
-                  <a:txBody>
-                    <a:bodyPr/>
-                    <a:p>
-                      <a:pPr marL="0" lvl="1">
-                        <a:buNone/>
-                      </a:pPr>
-                      <a:r>
-                        <a:rPr lang="en-US" altLang="zh-CN" sz="1800">
-                          <a:sym typeface="+mn-ea"/>
-                        </a:rPr>
-                        <a:t>docker image build -t {image-name}</a:t>
-                      </a:r>
-                      <a:endParaRPr lang="en-US" altLang="zh-CN"/>
-                    </a:p>
-                  </a:txBody>
-                  <a:tcPr/>
-                </a:tc>
-                <a:tc>
-                  <a:txBody>
-                    <a:bodyPr/>
-                    <a:p>
-                      <a:pPr>
-                        <a:buNone/>
-                      </a:pPr>
-                      <a:endParaRPr lang="en-US" altLang="zh-CN"/>
-                    </a:p>
-                  </a:txBody>
-                  <a:tcPr/>
-                </a:tc>
-                <a:tc>
-                  <a:txBody>
-                    <a:bodyPr/>
-                    <a:p>
-                      <a:pPr>
-                        <a:buNone/>
-                      </a:pPr>
-                      <a:endParaRPr lang="en-US" altLang="zh-CN"/>
-                    </a:p>
-                  </a:txBody>
-                  <a:tcPr/>
-                </a:tc>
-              </a:tr>
-              <a:tr h="365760">
-                <a:tc>
-                  <a:txBody>
-                    <a:bodyPr/>
-                    <a:p>
-                      <a:pPr marL="0" lvl="1">
-                        <a:buNone/>
-                      </a:pPr>
-                      <a:r>
-                        <a:rPr lang="en-US" altLang="zh-CN" sz="1800">
-                          <a:sym typeface="+mn-ea"/>
-                        </a:rPr>
-                        <a:t>docker inspect {image-name}</a:t>
-                      </a:r>
-                      <a:endParaRPr lang="en-US" altLang="zh-CN" sz="1800">
-                        <a:sym typeface="+mn-ea"/>
-                      </a:endParaRPr>
-                    </a:p>
-                    <a:p>
-                      <a:pPr marL="0" lvl="1">
-                        <a:buNone/>
-                      </a:pPr>
-                      <a:r>
-                        <a:rPr lang="en-US" altLang="zh-CN"/>
-                        <a:t>docker inspect {container-id}</a:t>
-                      </a:r>
-                      <a:endParaRPr lang="en-US" altLang="zh-CN"/>
-                    </a:p>
-                  </a:txBody>
-                  <a:tcPr/>
-                </a:tc>
-                <a:tc>
-                  <a:txBody>
-                    <a:bodyPr/>
-                    <a:p>
-                      <a:pPr>
-                        <a:buNone/>
-                      </a:pPr>
-                      <a:endParaRPr lang="en-US" altLang="zh-CN"/>
-                    </a:p>
-                  </a:txBody>
-                  <a:tcPr/>
-                </a:tc>
-                <a:tc>
-                  <a:txBody>
-                    <a:bodyPr/>
-                    <a:p>
-                      <a:pPr>
-                        <a:buNone/>
-                      </a:pPr>
-                      <a:endParaRPr lang="en-US" altLang="zh-CN"/>
-                    </a:p>
-                  </a:txBody>
-                  <a:tcPr/>
-                </a:tc>
-              </a:tr>
-              <a:tr h="365760">
-                <a:tc>
-                  <a:txBody>
-                    <a:bodyPr/>
-                    <a:p>
-                      <a:pPr marL="0" lvl="1">
-                        <a:buNone/>
-                      </a:pPr>
-                      <a:r>
-                        <a:rPr lang="en-US" altLang="zh-CN" sz="1800">
-                          <a:sym typeface="+mn-ea"/>
-                        </a:rPr>
-                        <a:t>docker history {image-id}</a:t>
-                      </a:r>
-                      <a:endParaRPr lang="en-US" altLang="zh-CN"/>
-                    </a:p>
-                  </a:txBody>
-                  <a:tcPr/>
-                </a:tc>
-                <a:tc>
-                  <a:txBody>
-                    <a:bodyPr/>
-                    <a:p>
-                      <a:pPr>
-                        <a:buNone/>
-                      </a:pPr>
-                      <a:endParaRPr lang="en-US" altLang="zh-CN"/>
-                    </a:p>
-                  </a:txBody>
-                  <a:tcPr/>
-                </a:tc>
-                <a:tc>
-                  <a:txBody>
-                    <a:bodyPr/>
-                    <a:p>
-                      <a:pPr>
-                        <a:buNone/>
-                      </a:pPr>
-                      <a:endParaRPr lang="en-US" altLang="zh-CN"/>
                     </a:p>
                   </a:txBody>
                   <a:tcPr/>
@@ -6310,6 +5971,413 @@
           <a:p>
             <a:r>
               <a:rPr lang="en-US" altLang="zh-CN"/>
+              <a:t>Docker Commnads - Image</a:t>
+            </a:r>
+            <a:endParaRPr lang="en-US" altLang="zh-CN"/>
+          </a:p>
+        </p:txBody>
+      </p:sp>
+      <p:graphicFrame>
+        <p:nvGraphicFramePr>
+          <p:cNvPr id="5" name="内容占位符 4"/>
+          <p:cNvGraphicFramePr/>
+          <p:nvPr>
+            <p:ph idx="1"/>
+            <p:custDataLst>
+              <p:tags r:id="rId1"/>
+            </p:custDataLst>
+          </p:nvPr>
+        </p:nvGraphicFramePr>
+        <p:xfrm>
+          <a:off x="838200" y="1211581"/>
+          <a:ext cx="10515600" cy="2834640"/>
+        </p:xfrm>
+        <a:graphic>
+          <a:graphicData uri="http://schemas.openxmlformats.org/drawingml/2006/table">
+            <a:tbl>
+              <a:tblPr firstRow="1" bandRow="1">
+                <a:tableStyleId>{5C22544A-7EE6-4342-B048-85BDC9FD1C3A}</a:tableStyleId>
+              </a:tblPr>
+              <a:tblGrid>
+                <a:gridCol w="3760470"/>
+                <a:gridCol w="3869055"/>
+                <a:gridCol w="2886075"/>
+              </a:tblGrid>
+              <a:tr h="365760">
+                <a:tc>
+                  <a:txBody>
+                    <a:bodyPr/>
+                    <a:p>
+                      <a:pPr algn="ctr">
+                        <a:buNone/>
+                      </a:pPr>
+                      <a:r>
+                        <a:rPr lang="en-US" altLang="zh-CN"/>
+                        <a:t>Command</a:t>
+                      </a:r>
+                      <a:endParaRPr lang="en-US" altLang="zh-CN"/>
+                    </a:p>
+                  </a:txBody>
+                  <a:tcPr/>
+                </a:tc>
+                <a:tc>
+                  <a:txBody>
+                    <a:bodyPr/>
+                    <a:p>
+                      <a:pPr algn="ctr">
+                        <a:buNone/>
+                      </a:pPr>
+                      <a:r>
+                        <a:rPr lang="en-US" altLang="zh-CN"/>
+                        <a:t>Description</a:t>
+                      </a:r>
+                      <a:endParaRPr lang="en-US" altLang="zh-CN"/>
+                    </a:p>
+                  </a:txBody>
+                  <a:tcPr/>
+                </a:tc>
+                <a:tc>
+                  <a:txBody>
+                    <a:bodyPr/>
+                    <a:p>
+                      <a:pPr algn="ctr">
+                        <a:buNone/>
+                      </a:pPr>
+                      <a:r>
+                        <a:rPr lang="en-US" altLang="zh-CN"/>
+                        <a:t>Note</a:t>
+                      </a:r>
+                      <a:endParaRPr lang="en-US" altLang="zh-CN"/>
+                    </a:p>
+                  </a:txBody>
+                  <a:tcPr/>
+                </a:tc>
+              </a:tr>
+              <a:tr h="365760">
+                <a:tc>
+                  <a:txBody>
+                    <a:bodyPr/>
+                    <a:p>
+                      <a:pPr>
+                        <a:buNone/>
+                      </a:pPr>
+                      <a:r>
+                        <a:rPr lang="en-US" altLang="zh-CN"/>
+                        <a:t>docker images</a:t>
+                      </a:r>
+                      <a:endParaRPr lang="en-US" altLang="zh-CN"/>
+                    </a:p>
+                  </a:txBody>
+                  <a:tcPr/>
+                </a:tc>
+                <a:tc>
+                  <a:txBody>
+                    <a:bodyPr/>
+                    <a:p>
+                      <a:pPr>
+                        <a:buNone/>
+                      </a:pPr>
+                      <a:r>
+                        <a:rPr lang="en-US" altLang="zh-CN"/>
+                        <a:t>list installed images</a:t>
+                      </a:r>
+                      <a:endParaRPr lang="en-US" altLang="zh-CN"/>
+                    </a:p>
+                  </a:txBody>
+                  <a:tcPr/>
+                </a:tc>
+                <a:tc>
+                  <a:txBody>
+                    <a:bodyPr/>
+                    <a:p>
+                      <a:pPr>
+                        <a:buNone/>
+                      </a:pPr>
+                      <a:endParaRPr lang="en-US" altLang="zh-CN"/>
+                    </a:p>
+                  </a:txBody>
+                  <a:tcPr/>
+                </a:tc>
+              </a:tr>
+              <a:tr h="640080">
+                <a:tc>
+                  <a:txBody>
+                    <a:bodyPr/>
+                    <a:p>
+                      <a:pPr>
+                        <a:buNone/>
+                      </a:pPr>
+                      <a:r>
+                        <a:rPr lang="en-US" altLang="zh-CN"/>
+                        <a:t>docker image prune</a:t>
+                      </a:r>
+                      <a:endParaRPr lang="en-US" altLang="zh-CN"/>
+                    </a:p>
+                  </a:txBody>
+                  <a:tcPr/>
+                </a:tc>
+                <a:tc>
+                  <a:txBody>
+                    <a:bodyPr/>
+                    <a:p>
+                      <a:pPr>
+                        <a:buNone/>
+                      </a:pPr>
+                      <a:r>
+                        <a:rPr lang="en-US" altLang="zh-CN"/>
+                        <a:t>clean up dangling images, free huge space</a:t>
+                      </a:r>
+                      <a:endParaRPr lang="en-US" altLang="zh-CN"/>
+                    </a:p>
+                  </a:txBody>
+                  <a:tcPr/>
+                </a:tc>
+                <a:tc>
+                  <a:txBody>
+                    <a:bodyPr/>
+                    <a:p>
+                      <a:pPr>
+                        <a:buNone/>
+                      </a:pPr>
+                      <a:endParaRPr lang="en-US" altLang="zh-CN"/>
+                    </a:p>
+                  </a:txBody>
+                  <a:tcPr/>
+                </a:tc>
+              </a:tr>
+              <a:tr h="365760">
+                <a:tc>
+                  <a:txBody>
+                    <a:bodyPr/>
+                    <a:p>
+                      <a:pPr marL="0" lvl="1">
+                        <a:buNone/>
+                      </a:pPr>
+                      <a:r>
+                        <a:rPr lang="en-US" altLang="zh-CN" sz="1800" b="1">
+                          <a:sym typeface="+mn-ea"/>
+                        </a:rPr>
+                        <a:t>docker rmi {image-id}</a:t>
+                      </a:r>
+                      <a:endParaRPr lang="en-US" altLang="zh-CN" b="1"/>
+                    </a:p>
+                  </a:txBody>
+                  <a:tcPr/>
+                </a:tc>
+                <a:tc>
+                  <a:txBody>
+                    <a:bodyPr/>
+                    <a:p>
+                      <a:pPr>
+                        <a:buNone/>
+                      </a:pPr>
+                      <a:r>
+                        <a:rPr lang="en-US" altLang="zh-CN"/>
+                        <a:t>remove docker image</a:t>
+                      </a:r>
+                      <a:endParaRPr lang="en-US" altLang="zh-CN"/>
+                    </a:p>
+                  </a:txBody>
+                  <a:tcPr/>
+                </a:tc>
+                <a:tc>
+                  <a:txBody>
+                    <a:bodyPr/>
+                    <a:p>
+                      <a:pPr>
+                        <a:buNone/>
+                      </a:pPr>
+                      <a:endParaRPr lang="en-US" altLang="zh-CN"/>
+                    </a:p>
+                  </a:txBody>
+                  <a:tcPr/>
+                </a:tc>
+              </a:tr>
+              <a:tr h="365760">
+                <a:tc>
+                  <a:txBody>
+                    <a:bodyPr/>
+                    <a:p>
+                      <a:pPr marL="0" lvl="1">
+                        <a:buNone/>
+                      </a:pPr>
+                      <a:r>
+                        <a:rPr lang="en-US" altLang="zh-CN" sz="1800">
+                          <a:sym typeface="+mn-ea"/>
+                        </a:rPr>
+                        <a:t>docker image build -t {image-name}</a:t>
+                      </a:r>
+                      <a:endParaRPr lang="en-US" altLang="zh-CN"/>
+                    </a:p>
+                  </a:txBody>
+                  <a:tcPr/>
+                </a:tc>
+                <a:tc>
+                  <a:txBody>
+                    <a:bodyPr/>
+                    <a:p>
+                      <a:pPr>
+                        <a:buNone/>
+                      </a:pPr>
+                      <a:endParaRPr lang="en-US" altLang="zh-CN"/>
+                    </a:p>
+                  </a:txBody>
+                  <a:tcPr/>
+                </a:tc>
+                <a:tc>
+                  <a:txBody>
+                    <a:bodyPr/>
+                    <a:p>
+                      <a:pPr>
+                        <a:buNone/>
+                      </a:pPr>
+                      <a:endParaRPr lang="en-US" altLang="zh-CN"/>
+                    </a:p>
+                  </a:txBody>
+                  <a:tcPr/>
+                </a:tc>
+              </a:tr>
+              <a:tr h="365760">
+                <a:tc>
+                  <a:txBody>
+                    <a:bodyPr/>
+                    <a:p>
+                      <a:pPr marL="0" lvl="1">
+                        <a:buNone/>
+                      </a:pPr>
+                      <a:r>
+                        <a:rPr lang="en-US" altLang="zh-CN" sz="1800">
+                          <a:sym typeface="+mn-ea"/>
+                        </a:rPr>
+                        <a:t>docker inspect {image-name}</a:t>
+                      </a:r>
+                      <a:endParaRPr lang="en-US" altLang="zh-CN" sz="1800">
+                        <a:sym typeface="+mn-ea"/>
+                      </a:endParaRPr>
+                    </a:p>
+                    <a:p>
+                      <a:pPr marL="0" lvl="1">
+                        <a:buNone/>
+                      </a:pPr>
+                      <a:r>
+                        <a:rPr lang="en-US" altLang="zh-CN"/>
+                        <a:t>docker inspect {container-id}</a:t>
+                      </a:r>
+                      <a:endParaRPr lang="en-US" altLang="zh-CN"/>
+                    </a:p>
+                  </a:txBody>
+                  <a:tcPr/>
+                </a:tc>
+                <a:tc>
+                  <a:txBody>
+                    <a:bodyPr/>
+                    <a:p>
+                      <a:pPr>
+                        <a:buNone/>
+                      </a:pPr>
+                      <a:endParaRPr lang="en-US" altLang="zh-CN"/>
+                    </a:p>
+                  </a:txBody>
+                  <a:tcPr/>
+                </a:tc>
+                <a:tc>
+                  <a:txBody>
+                    <a:bodyPr/>
+                    <a:p>
+                      <a:pPr>
+                        <a:buNone/>
+                      </a:pPr>
+                      <a:endParaRPr lang="en-US" altLang="zh-CN"/>
+                    </a:p>
+                  </a:txBody>
+                  <a:tcPr/>
+                </a:tc>
+              </a:tr>
+              <a:tr h="365760">
+                <a:tc>
+                  <a:txBody>
+                    <a:bodyPr/>
+                    <a:p>
+                      <a:pPr marL="0" lvl="1">
+                        <a:buNone/>
+                      </a:pPr>
+                      <a:r>
+                        <a:rPr lang="en-US" altLang="zh-CN" sz="1800">
+                          <a:sym typeface="+mn-ea"/>
+                        </a:rPr>
+                        <a:t>docker history {image-id}</a:t>
+                      </a:r>
+                      <a:endParaRPr lang="en-US" altLang="zh-CN"/>
+                    </a:p>
+                  </a:txBody>
+                  <a:tcPr/>
+                </a:tc>
+                <a:tc>
+                  <a:txBody>
+                    <a:bodyPr/>
+                    <a:p>
+                      <a:pPr>
+                        <a:buNone/>
+                      </a:pPr>
+                      <a:endParaRPr lang="en-US" altLang="zh-CN"/>
+                    </a:p>
+                  </a:txBody>
+                  <a:tcPr/>
+                </a:tc>
+                <a:tc>
+                  <a:txBody>
+                    <a:bodyPr/>
+                    <a:p>
+                      <a:pPr>
+                        <a:buNone/>
+                      </a:pPr>
+                      <a:endParaRPr lang="en-US" altLang="zh-CN"/>
+                    </a:p>
+                  </a:txBody>
+                  <a:tcPr/>
+                </a:tc>
+              </a:tr>
+            </a:tbl>
+          </a:graphicData>
+        </a:graphic>
+      </p:graphicFrame>
+    </p:spTree>
+    <p:custDataLst>
+      <p:tags r:id="rId2"/>
+    </p:custDataLst>
+  </p:cSld>
+  <p:clrMapOvr>
+    <a:masterClrMapping/>
+  </p:clrMapOvr>
+</p:sld>
+</file>
+
+<file path=ppt/slides/slide17.xml><?xml version="1.0" encoding="utf-8"?>
+<p:sld xmlns:a="http://schemas.openxmlformats.org/drawingml/2006/main" xmlns:r="http://schemas.openxmlformats.org/officeDocument/2006/relationships" xmlns:p="http://schemas.openxmlformats.org/presentationml/2006/main">
+  <p:cSld>
+    <p:spTree>
+      <p:nvGrpSpPr>
+        <p:cNvPr id="1" name=""/>
+        <p:cNvGrpSpPr/>
+        <p:nvPr/>
+      </p:nvGrpSpPr>
+      <p:grpSpPr/>
+      <p:sp>
+        <p:nvSpPr>
+          <p:cNvPr id="2" name="标题 1"/>
+          <p:cNvSpPr>
+            <a:spLocks noGrp="1"/>
+          </p:cNvSpPr>
+          <p:nvPr>
+            <p:ph type="title"/>
+          </p:nvPr>
+        </p:nvSpPr>
+        <p:spPr/>
+        <p:txBody>
+          <a:bodyPr/>
+          <a:p>
+            <a:r>
+              <a:rPr lang="en-US" altLang="zh-CN"/>
               <a:t>Docker Commands - Volume</a:t>
             </a:r>
             <a:endParaRPr lang="en-US" altLang="zh-CN"/>
@@ -6594,7 +6662,7 @@
 </p:sld>
 </file>
 
-<file path=ppt/slides/slide17.xml><?xml version="1.0" encoding="utf-8"?>
+<file path=ppt/slides/slide18.xml><?xml version="1.0" encoding="utf-8"?>
 <p:sld xmlns:a="http://schemas.openxmlformats.org/drawingml/2006/main" xmlns:r="http://schemas.openxmlformats.org/officeDocument/2006/relationships" xmlns:p="http://schemas.openxmlformats.org/presentationml/2006/main">
   <p:cSld>
     <p:spTree>
@@ -6756,7 +6824,7 @@
 </p:sld>
 </file>
 
-<file path=ppt/slides/slide18.xml><?xml version="1.0" encoding="utf-8"?>
+<file path=ppt/slides/slide19.xml><?xml version="1.0" encoding="utf-8"?>
 <p:sld xmlns:a="http://schemas.openxmlformats.org/drawingml/2006/main" xmlns:r="http://schemas.openxmlformats.org/officeDocument/2006/relationships" xmlns:p="http://schemas.openxmlformats.org/presentationml/2006/main">
   <p:cSld>
     <p:spTree>
@@ -6978,757 +7046,6 @@
     </p:spTree>
     <p:custDataLst>
       <p:tags r:id="rId1"/>
-    </p:custDataLst>
-  </p:cSld>
-  <p:clrMapOvr>
-    <a:masterClrMapping/>
-  </p:clrMapOvr>
-</p:sld>
-</file>
-
-<file path=ppt/slides/slide19.xml><?xml version="1.0" encoding="utf-8"?>
-<p:sld xmlns:a="http://schemas.openxmlformats.org/drawingml/2006/main" xmlns:r="http://schemas.openxmlformats.org/officeDocument/2006/relationships" xmlns:p="http://schemas.openxmlformats.org/presentationml/2006/main">
-  <p:cSld>
-    <p:spTree>
-      <p:nvGrpSpPr>
-        <p:cNvPr id="1" name=""/>
-        <p:cNvGrpSpPr/>
-        <p:nvPr/>
-      </p:nvGrpSpPr>
-      <p:grpSpPr/>
-      <p:sp>
-        <p:nvSpPr>
-          <p:cNvPr id="2" name="标题 1"/>
-          <p:cNvSpPr>
-            <a:spLocks noGrp="1"/>
-          </p:cNvSpPr>
-          <p:nvPr>
-            <p:ph type="title"/>
-          </p:nvPr>
-        </p:nvSpPr>
-        <p:spPr/>
-        <p:txBody>
-          <a:bodyPr/>
-          <a:p>
-            <a:r>
-              <a:rPr lang="en-US" altLang="zh-CN"/>
-              <a:t>Instructions in Dockerfile</a:t>
-            </a:r>
-            <a:endParaRPr lang="en-US" altLang="zh-CN"/>
-          </a:p>
-        </p:txBody>
-      </p:sp>
-      <p:sp>
-        <p:nvSpPr>
-          <p:cNvPr id="3" name="内容占位符 2"/>
-          <p:cNvSpPr>
-            <a:spLocks noGrp="1"/>
-          </p:cNvSpPr>
-          <p:nvPr>
-            <p:ph idx="1"/>
-          </p:nvPr>
-        </p:nvSpPr>
-        <p:spPr>
-          <a:xfrm>
-            <a:off x="838200" y="1211580"/>
-            <a:ext cx="10515600" cy="880110"/>
-          </a:xfrm>
-        </p:spPr>
-        <p:txBody>
-          <a:bodyPr/>
-          <a:p>
-            <a:r>
-              <a:rPr lang="en-US" altLang="zh-CN"/>
-              <a:t>References</a:t>
-            </a:r>
-            <a:endParaRPr lang="en-US" altLang="zh-CN"/>
-          </a:p>
-          <a:p>
-            <a:pPr lvl="1"/>
-            <a:r>
-              <a:rPr lang="en-US" altLang="zh-CN"/>
-              <a:t>https://www.fosstechnix.com/dockerfile-instructions/</a:t>
-            </a:r>
-            <a:endParaRPr lang="en-US" altLang="zh-CN"/>
-          </a:p>
-        </p:txBody>
-      </p:sp>
-      <p:graphicFrame>
-        <p:nvGraphicFramePr>
-          <p:cNvPr id="4" name="表格 3"/>
-          <p:cNvGraphicFramePr/>
-          <p:nvPr>
-            <p:custDataLst>
-              <p:tags r:id="rId1"/>
-            </p:custDataLst>
-          </p:nvPr>
-        </p:nvGraphicFramePr>
-        <p:xfrm>
-          <a:off x="1213485" y="2028825"/>
-          <a:ext cx="10448925" cy="3395345"/>
-        </p:xfrm>
-        <a:graphic>
-          <a:graphicData uri="http://schemas.openxmlformats.org/drawingml/2006/table">
-            <a:tbl>
-              <a:tblPr firstRow="1" bandRow="1">
-                <a:tableStyleId>{5C22544A-7EE6-4342-B048-85BDC9FD1C3A}</a:tableStyleId>
-              </a:tblPr>
-              <a:tblGrid>
-                <a:gridCol w="1584960"/>
-                <a:gridCol w="5260975"/>
-                <a:gridCol w="3602990"/>
-              </a:tblGrid>
-              <a:tr h="274320">
-                <a:tc>
-                  <a:txBody>
-                    <a:bodyPr/>
-                    <a:p>
-                      <a:pPr algn="ctr">
-                        <a:buNone/>
-                      </a:pPr>
-                      <a:r>
-                        <a:rPr lang="en-US" altLang="zh-CN" sz="1200"/>
-                        <a:t>Instruction</a:t>
-                      </a:r>
-                      <a:endParaRPr lang="en-US" altLang="zh-CN" sz="1200"/>
-                    </a:p>
-                  </a:txBody>
-                  <a:tcPr anchor="ctr" anchorCtr="0"/>
-                </a:tc>
-                <a:tc>
-                  <a:txBody>
-                    <a:bodyPr/>
-                    <a:p>
-                      <a:pPr algn="ctr">
-                        <a:buNone/>
-                      </a:pPr>
-                      <a:r>
-                        <a:rPr lang="en-US" altLang="zh-CN" sz="1200"/>
-                        <a:t>Meaning</a:t>
-                      </a:r>
-                      <a:endParaRPr lang="en-US" altLang="zh-CN" sz="1200"/>
-                    </a:p>
-                  </a:txBody>
-                  <a:tcPr anchor="ctr" anchorCtr="0"/>
-                </a:tc>
-                <a:tc>
-                  <a:txBody>
-                    <a:bodyPr/>
-                    <a:p>
-                      <a:pPr algn="ctr">
-                        <a:buNone/>
-                      </a:pPr>
-                      <a:r>
-                        <a:rPr lang="en-US" altLang="zh-CN" sz="1200"/>
-                        <a:t>Note</a:t>
-                      </a:r>
-                      <a:endParaRPr lang="en-US" altLang="zh-CN" sz="1200"/>
-                    </a:p>
-                  </a:txBody>
-                  <a:tcPr anchor="ctr" anchorCtr="0"/>
-                </a:tc>
-              </a:tr>
-              <a:tr h="274320">
-                <a:tc>
-                  <a:txBody>
-                    <a:bodyPr/>
-                    <a:p>
-                      <a:pPr algn="ctr">
-                        <a:buNone/>
-                      </a:pPr>
-                      <a:r>
-                        <a:rPr lang="en-US" altLang="zh-CN" sz="1200"/>
-                        <a:t>FROM</a:t>
-                      </a:r>
-                      <a:endParaRPr lang="en-US" altLang="zh-CN" sz="1200"/>
-                    </a:p>
-                  </a:txBody>
-                  <a:tcPr anchor="ctr" anchorCtr="0"/>
-                </a:tc>
-                <a:tc>
-                  <a:txBody>
-                    <a:bodyPr/>
-                    <a:p>
-                      <a:pPr algn="ctr">
-                        <a:buNone/>
-                      </a:pPr>
-                      <a:r>
-                        <a:rPr lang="en-US" altLang="zh-CN" sz="1200"/>
-                        <a:t>docker image name to pull from</a:t>
-                      </a:r>
-                      <a:endParaRPr lang="en-US" altLang="zh-CN" sz="1200"/>
-                    </a:p>
-                  </a:txBody>
-                  <a:tcPr anchor="ctr" anchorCtr="0"/>
-                </a:tc>
-                <a:tc>
-                  <a:txBody>
-                    <a:bodyPr/>
-                    <a:p>
-                      <a:pPr algn="ctr">
-                        <a:buNone/>
-                      </a:pPr>
-                      <a:r>
-                        <a:rPr lang="zh-CN" altLang="en-US" sz="1200"/>
-                        <a:t>FROM ubuntu:latest</a:t>
-                      </a:r>
-                      <a:endParaRPr lang="zh-CN" altLang="en-US" sz="1200"/>
-                    </a:p>
-                  </a:txBody>
-                  <a:tcPr anchor="ctr" anchorCtr="0"/>
-                </a:tc>
-              </a:tr>
-              <a:tr h="300355">
-                <a:tc>
-                  <a:txBody>
-                    <a:bodyPr/>
-                    <a:p>
-                      <a:pPr algn="ctr">
-                        <a:buNone/>
-                      </a:pPr>
-                      <a:r>
-                        <a:rPr lang="en-US" altLang="zh-CN" sz="1200"/>
-                        <a:t>CMD</a:t>
-                      </a:r>
-                      <a:endParaRPr lang="en-US" altLang="zh-CN" sz="1200"/>
-                    </a:p>
-                  </a:txBody>
-                  <a:tcPr anchor="ctr" anchorCtr="0"/>
-                </a:tc>
-                <a:tc>
-                  <a:txBody>
-                    <a:bodyPr/>
-                    <a:p>
-                      <a:pPr algn="ctr">
-                        <a:buNone/>
-                      </a:pPr>
-                      <a:r>
-                        <a:rPr lang="en-US" altLang="zh-CN" sz="1200"/>
-                        <a:t>execute when image is deployed</a:t>
-                      </a:r>
-                      <a:endParaRPr lang="en-US" altLang="zh-CN" sz="1200"/>
-                    </a:p>
-                  </a:txBody>
-                  <a:tcPr anchor="ctr" anchorCtr="0"/>
-                </a:tc>
-                <a:tc>
-                  <a:txBody>
-                    <a:bodyPr/>
-                    <a:p>
-                      <a:pPr algn="ctr">
-                        <a:buNone/>
-                      </a:pPr>
-                      <a:r>
-                        <a:rPr lang="zh-CN" altLang="en-US" sz="1200"/>
-                        <a:t>CMD ["/usr/sbin/apache2", "-D", "FOREGROUND"]</a:t>
-                      </a:r>
-                      <a:endParaRPr lang="zh-CN" altLang="en-US" sz="1200"/>
-                    </a:p>
-                  </a:txBody>
-                  <a:tcPr anchor="ctr" anchorCtr="0"/>
-                </a:tc>
-              </a:tr>
-              <a:tr h="274320">
-                <a:tc>
-                  <a:txBody>
-                    <a:bodyPr/>
-                    <a:p>
-                      <a:pPr algn="ctr">
-                        <a:buNone/>
-                      </a:pPr>
-                      <a:r>
-                        <a:rPr lang="en-US" altLang="zh-CN" sz="1200"/>
-                        <a:t>RUN</a:t>
-                      </a:r>
-                      <a:endParaRPr lang="en-US" altLang="zh-CN" sz="1200"/>
-                    </a:p>
-                  </a:txBody>
-                  <a:tcPr anchor="ctr" anchorCtr="0"/>
-                </a:tc>
-                <a:tc>
-                  <a:txBody>
-                    <a:bodyPr/>
-                    <a:p>
-                      <a:pPr algn="ctr">
-                        <a:buNone/>
-                      </a:pPr>
-                      <a:r>
-                        <a:rPr lang="en-US" altLang="zh-CN" sz="1200">
-                          <a:sym typeface="+mn-ea"/>
-                        </a:rPr>
-                        <a:t>execute when image is deployed</a:t>
-                      </a:r>
-                      <a:endParaRPr lang="en-US" altLang="zh-CN" sz="1200">
-                        <a:sym typeface="+mn-ea"/>
-                      </a:endParaRPr>
-                    </a:p>
-                  </a:txBody>
-                  <a:tcPr anchor="ctr" anchorCtr="0"/>
-                </a:tc>
-                <a:tc>
-                  <a:txBody>
-                    <a:bodyPr/>
-                    <a:p>
-                      <a:pPr algn="ctr">
-                        <a:buNone/>
-                      </a:pPr>
-                      <a:r>
-                        <a:rPr lang="zh-CN" altLang="en-US" sz="1200"/>
-                        <a:t>RUN apt-get update</a:t>
-                      </a:r>
-                      <a:endParaRPr lang="zh-CN" altLang="en-US" sz="1200"/>
-                    </a:p>
-                  </a:txBody>
-                  <a:tcPr anchor="ctr" anchorCtr="0"/>
-                </a:tc>
-              </a:tr>
-              <a:tr h="274320">
-                <a:tc>
-                  <a:txBody>
-                    <a:bodyPr/>
-                    <a:p>
-                      <a:pPr algn="ctr">
-                        <a:buNone/>
-                      </a:pPr>
-                      <a:r>
-                        <a:rPr lang="en-US" altLang="zh-CN" sz="1200"/>
-                        <a:t>ENV</a:t>
-                      </a:r>
-                      <a:endParaRPr lang="en-US" altLang="zh-CN" sz="1200"/>
-                    </a:p>
-                  </a:txBody>
-                  <a:tcPr anchor="ctr" anchorCtr="0"/>
-                </a:tc>
-                <a:tc>
-                  <a:txBody>
-                    <a:bodyPr/>
-                    <a:p>
-                      <a:pPr algn="ctr">
-                        <a:buNone/>
-                      </a:pPr>
-                      <a:r>
-                        <a:rPr lang="zh-CN" altLang="en-US" sz="1200"/>
-                        <a:t>set </a:t>
-                      </a:r>
-                      <a:r>
-                        <a:rPr lang="en-US" altLang="zh-CN" sz="1200"/>
-                        <a:t>e</a:t>
-                      </a:r>
-                      <a:r>
-                        <a:rPr lang="zh-CN" altLang="en-US" sz="1200"/>
-                        <a:t>nvironment </a:t>
-                      </a:r>
-                      <a:r>
-                        <a:rPr lang="en-US" altLang="zh-CN" sz="1200"/>
-                        <a:t>v</a:t>
-                      </a:r>
-                      <a:r>
-                        <a:rPr lang="zh-CN" altLang="en-US" sz="1200"/>
-                        <a:t>ariables with key and value</a:t>
-                      </a:r>
-                      <a:endParaRPr lang="zh-CN" altLang="en-US" sz="1200"/>
-                    </a:p>
-                  </a:txBody>
-                  <a:tcPr anchor="ctr" anchorCtr="0"/>
-                </a:tc>
-                <a:tc>
-                  <a:txBody>
-                    <a:bodyPr/>
-                    <a:p>
-                      <a:pPr algn="ctr">
-                        <a:buNone/>
-                      </a:pPr>
-                      <a:r>
-                        <a:rPr lang="zh-CN" altLang="en-US" sz="1200"/>
-                        <a:t>ENV workdirectory /usr/node</a:t>
-                      </a:r>
-                      <a:endParaRPr lang="zh-CN" altLang="en-US" sz="1200"/>
-                    </a:p>
-                  </a:txBody>
-                  <a:tcPr anchor="ctr" anchorCtr="0"/>
-                </a:tc>
-              </a:tr>
-              <a:tr h="300355">
-                <a:tc>
-                  <a:txBody>
-                    <a:bodyPr/>
-                    <a:p>
-                      <a:pPr algn="ctr">
-                        <a:buNone/>
-                      </a:pPr>
-                      <a:r>
-                        <a:rPr lang="en-US" altLang="zh-CN" sz="1200"/>
-                        <a:t>ADD</a:t>
-                      </a:r>
-                      <a:endParaRPr lang="en-US" altLang="zh-CN" sz="1200"/>
-                    </a:p>
-                  </a:txBody>
-                  <a:tcPr anchor="ctr" anchorCtr="0"/>
-                </a:tc>
-                <a:tc>
-                  <a:txBody>
-                    <a:bodyPr/>
-                    <a:p>
-                      <a:pPr algn="ctr">
-                        <a:buNone/>
-                      </a:pPr>
-                      <a:r>
-                        <a:rPr lang="en-US" altLang="zh-CN" sz="1200"/>
-                        <a:t>c</a:t>
-                      </a:r>
-                      <a:r>
-                        <a:rPr lang="zh-CN" altLang="en-US" sz="1200"/>
-                        <a:t>opies a file and directory from your host to Docker image</a:t>
-                      </a:r>
-                      <a:r>
-                        <a:rPr lang="en-US" altLang="zh-CN" sz="1200"/>
-                        <a:t>, can from URL</a:t>
-                      </a:r>
-                      <a:endParaRPr lang="en-US" altLang="zh-CN" sz="1200"/>
-                    </a:p>
-                  </a:txBody>
-                  <a:tcPr anchor="ctr" anchorCtr="0"/>
-                </a:tc>
-                <a:tc>
-                  <a:txBody>
-                    <a:bodyPr/>
-                    <a:p>
-                      <a:pPr algn="ctr">
-                        <a:buNone/>
-                      </a:pPr>
-                      <a:r>
-                        <a:rPr lang="zh-CN" altLang="en-US" sz="1200"/>
-                        <a:t>ADD java/jdk-8u231-linux-x64.tar /opt/jdk/</a:t>
-                      </a:r>
-                      <a:endParaRPr lang="zh-CN" altLang="en-US" sz="1200"/>
-                    </a:p>
-                  </a:txBody>
-                  <a:tcPr anchor="ctr" anchorCtr="0"/>
-                </a:tc>
-              </a:tr>
-              <a:tr h="300355">
-                <a:tc>
-                  <a:txBody>
-                    <a:bodyPr/>
-                    <a:p>
-                      <a:pPr algn="ctr">
-                        <a:buNone/>
-                      </a:pPr>
-                      <a:r>
-                        <a:rPr lang="en-US" altLang="zh-CN" sz="1200"/>
-                        <a:t>COPY</a:t>
-                      </a:r>
-                      <a:endParaRPr lang="en-US" altLang="zh-CN" sz="1200"/>
-                    </a:p>
-                  </a:txBody>
-                  <a:tcPr anchor="ctr" anchorCtr="0"/>
-                </a:tc>
-                <a:tc>
-                  <a:txBody>
-                    <a:bodyPr/>
-                    <a:p>
-                      <a:pPr algn="ctr">
-                        <a:buNone/>
-                      </a:pPr>
-                      <a:r>
-                        <a:rPr lang="en-US" altLang="zh-CN" sz="1200">
-                          <a:sym typeface="+mn-ea"/>
-                        </a:rPr>
-                        <a:t>c</a:t>
-                      </a:r>
-                      <a:r>
-                        <a:rPr lang="zh-CN" altLang="en-US" sz="1200">
-                          <a:sym typeface="+mn-ea"/>
-                        </a:rPr>
-                        <a:t>opies a file and directory from your host to Docker image</a:t>
-                      </a:r>
-                      <a:r>
-                        <a:rPr lang="en-US" altLang="zh-CN" sz="1200">
-                          <a:sym typeface="+mn-ea"/>
-                        </a:rPr>
-                        <a:t>, can from URL</a:t>
-                      </a:r>
-                      <a:endParaRPr lang="en-US" altLang="zh-CN" sz="1200">
-                        <a:sym typeface="+mn-ea"/>
-                      </a:endParaRPr>
-                    </a:p>
-                  </a:txBody>
-                  <a:tcPr anchor="ctr" anchorCtr="0"/>
-                </a:tc>
-                <a:tc>
-                  <a:txBody>
-                    <a:bodyPr/>
-                    <a:p>
-                      <a:pPr algn="ctr">
-                        <a:buNone/>
-                      </a:pPr>
-                      <a:r>
-                        <a:rPr lang="zh-CN" altLang="en-US" sz="1200"/>
-                        <a:t>COPY package*.json ./</a:t>
-                      </a:r>
-                      <a:endParaRPr lang="zh-CN" altLang="en-US" sz="1200"/>
-                    </a:p>
-                  </a:txBody>
-                  <a:tcPr anchor="ctr" anchorCtr="0"/>
-                </a:tc>
-              </a:tr>
-              <a:tr h="299720">
-                <a:tc>
-                  <a:txBody>
-                    <a:bodyPr/>
-                    <a:p>
-                      <a:pPr algn="ctr">
-                        <a:buNone/>
-                      </a:pPr>
-                      <a:r>
-                        <a:rPr lang="en-US" altLang="zh-CN" sz="1200"/>
-                        <a:t>ENTRYPOINT </a:t>
-                      </a:r>
-                      <a:endParaRPr lang="en-US" altLang="zh-CN" sz="1200"/>
-                    </a:p>
-                  </a:txBody>
-                  <a:tcPr anchor="ctr" anchorCtr="0"/>
-                </a:tc>
-                <a:tc>
-                  <a:txBody>
-                    <a:bodyPr/>
-                    <a:p>
-                      <a:pPr algn="ctr">
-                        <a:buNone/>
-                      </a:pPr>
-                      <a:r>
-                        <a:rPr lang="en-US" altLang="zh-CN" sz="1200"/>
-                        <a:t>specifies a commands that will executes when the Docker container starts</a:t>
-                      </a:r>
-                      <a:endParaRPr lang="en-US" altLang="zh-CN" sz="1200"/>
-                    </a:p>
-                  </a:txBody>
-                  <a:tcPr anchor="ctr" anchorCtr="0"/>
-                </a:tc>
-                <a:tc>
-                  <a:txBody>
-                    <a:bodyPr/>
-                    <a:p>
-                      <a:pPr algn="ctr">
-                        <a:buNone/>
-                      </a:pPr>
-                      <a:r>
-                        <a:rPr lang="zh-CN" altLang="en-US" sz="1200"/>
-                        <a:t>ENTRYPOINT ["ls"]</a:t>
-                      </a:r>
-                      <a:endParaRPr lang="zh-CN" altLang="en-US" sz="1200"/>
-                    </a:p>
-                  </a:txBody>
-                  <a:tcPr anchor="ctr" anchorCtr="0"/>
-                </a:tc>
-              </a:tr>
-              <a:tr h="274320">
-                <a:tc>
-                  <a:txBody>
-                    <a:bodyPr/>
-                    <a:p>
-                      <a:pPr algn="ctr">
-                        <a:buNone/>
-                      </a:pPr>
-                      <a:r>
-                        <a:rPr lang="en-US" altLang="zh-CN" sz="1200"/>
-                        <a:t>VOLUME </a:t>
-                      </a:r>
-                      <a:endParaRPr lang="en-US" altLang="zh-CN" sz="1200"/>
-                    </a:p>
-                  </a:txBody>
-                  <a:tcPr anchor="ctr" anchorCtr="0"/>
-                </a:tc>
-                <a:tc>
-                  <a:txBody>
-                    <a:bodyPr/>
-                    <a:p>
-                      <a:pPr algn="ctr">
-                        <a:buNone/>
-                      </a:pPr>
-                      <a:r>
-                        <a:rPr lang="en-US" altLang="zh-CN" sz="1200"/>
-                        <a:t>create or mount volume to docker container</a:t>
-                      </a:r>
-                      <a:endParaRPr lang="en-US" altLang="zh-CN" sz="1200"/>
-                    </a:p>
-                  </a:txBody>
-                  <a:tcPr anchor="ctr" anchorCtr="0"/>
-                </a:tc>
-                <a:tc>
-                  <a:txBody>
-                    <a:bodyPr/>
-                    <a:p>
-                      <a:pPr algn="ctr">
-                        <a:buNone/>
-                      </a:pPr>
-                      <a:r>
-                        <a:rPr lang="zh-CN" altLang="en-US" sz="1200"/>
-                        <a:t>VOLUME /node</a:t>
-                      </a:r>
-                      <a:endParaRPr lang="zh-CN" altLang="en-US" sz="1200"/>
-                    </a:p>
-                  </a:txBody>
-                  <a:tcPr anchor="ctr" anchorCtr="0"/>
-                </a:tc>
-              </a:tr>
-              <a:tr h="274320">
-                <a:tc>
-                  <a:txBody>
-                    <a:bodyPr/>
-                    <a:p>
-                      <a:pPr algn="ctr">
-                        <a:buNone/>
-                      </a:pPr>
-                      <a:r>
-                        <a:rPr lang="en-US" altLang="zh-CN" sz="1200"/>
-                        <a:t>USER </a:t>
-                      </a:r>
-                      <a:endParaRPr lang="en-US" altLang="zh-CN" sz="1200"/>
-                    </a:p>
-                  </a:txBody>
-                  <a:tcPr anchor="ctr" anchorCtr="0"/>
-                </a:tc>
-                <a:tc>
-                  <a:txBody>
-                    <a:bodyPr/>
-                    <a:p>
-                      <a:pPr algn="ctr">
-                        <a:buNone/>
-                      </a:pPr>
-                      <a:r>
-                        <a:rPr lang="en-US" altLang="zh-CN" sz="1200"/>
-                        <a:t>set the user name and UID when running container</a:t>
-                      </a:r>
-                      <a:endParaRPr lang="en-US" altLang="zh-CN" sz="1200"/>
-                    </a:p>
-                  </a:txBody>
-                  <a:tcPr anchor="ctr" anchorCtr="0"/>
-                </a:tc>
-                <a:tc>
-                  <a:txBody>
-                    <a:bodyPr/>
-                    <a:p>
-                      <a:pPr algn="ctr">
-                        <a:buNone/>
-                      </a:pPr>
-                      <a:r>
-                        <a:rPr lang="zh-CN" altLang="en-US" sz="1200"/>
-                        <a:t>USER admin</a:t>
-                      </a:r>
-                      <a:endParaRPr lang="zh-CN" altLang="en-US" sz="1200"/>
-                    </a:p>
-                  </a:txBody>
-                  <a:tcPr anchor="ctr" anchorCtr="0"/>
-                </a:tc>
-              </a:tr>
-              <a:tr h="274320">
-                <a:tc>
-                  <a:txBody>
-                    <a:bodyPr/>
-                    <a:p>
-                      <a:pPr algn="ctr">
-                        <a:buNone/>
-                      </a:pPr>
-                      <a:r>
-                        <a:rPr lang="en-US" altLang="zh-CN" sz="1200"/>
-                        <a:t>WORKDIR </a:t>
-                      </a:r>
-                      <a:endParaRPr lang="en-US" altLang="zh-CN" sz="1200"/>
-                    </a:p>
-                  </a:txBody>
-                  <a:tcPr anchor="ctr" anchorCtr="0"/>
-                </a:tc>
-                <a:tc>
-                  <a:txBody>
-                    <a:bodyPr/>
-                    <a:p>
-                      <a:pPr algn="ctr">
-                        <a:buNone/>
-                      </a:pPr>
-                      <a:r>
-                        <a:rPr lang="en-US" altLang="zh-CN" sz="1200"/>
-                        <a:t>set the working directory</a:t>
-                      </a:r>
-                      <a:endParaRPr lang="en-US" altLang="zh-CN" sz="1200"/>
-                    </a:p>
-                  </a:txBody>
-                  <a:tcPr anchor="ctr" anchorCtr="0"/>
-                </a:tc>
-                <a:tc>
-                  <a:txBody>
-                    <a:bodyPr/>
-                    <a:p>
-                      <a:pPr algn="ctr">
-                        <a:buNone/>
-                      </a:pPr>
-                      <a:r>
-                        <a:rPr lang="zh-CN" altLang="en-US" sz="1200"/>
-                        <a:t>WORKDIR /nodejsapp</a:t>
-                      </a:r>
-                      <a:endParaRPr lang="zh-CN" altLang="en-US" sz="1200"/>
-                    </a:p>
-                  </a:txBody>
-                  <a:tcPr anchor="ctr" anchorCtr="0"/>
-                </a:tc>
-              </a:tr>
-              <a:tr h="274320">
-                <a:tc>
-                  <a:txBody>
-                    <a:bodyPr/>
-                    <a:p>
-                      <a:pPr algn="ctr">
-                        <a:buNone/>
-                      </a:pPr>
-                      <a:r>
-                        <a:rPr lang="en-US" altLang="zh-CN" sz="1200"/>
-                        <a:t>ARG </a:t>
-                      </a:r>
-                      <a:endParaRPr lang="en-US" altLang="zh-CN" sz="1200"/>
-                    </a:p>
-                  </a:txBody>
-                  <a:tcPr anchor="ctr" anchorCtr="0"/>
-                </a:tc>
-                <a:tc>
-                  <a:txBody>
-                    <a:bodyPr/>
-                    <a:p>
-                      <a:pPr algn="ctr">
-                        <a:buNone/>
-                      </a:pPr>
-                      <a:r>
-                        <a:rPr lang="en-US" altLang="zh-CN" sz="1200"/>
-                        <a:t>set Environment variables with key and value during the image build</a:t>
-                      </a:r>
-                      <a:endParaRPr lang="en-US" altLang="zh-CN" sz="1200"/>
-                    </a:p>
-                  </a:txBody>
-                  <a:tcPr anchor="ctr" anchorCtr="0"/>
-                </a:tc>
-                <a:tc>
-                  <a:txBody>
-                    <a:bodyPr/>
-                    <a:p>
-                      <a:pPr algn="ctr">
-                        <a:buNone/>
-                      </a:pPr>
-                      <a:r>
-                        <a:rPr lang="zh-CN" altLang="en-US" sz="1200"/>
-                        <a:t>ARG JAVA_PATH=/opt/jdk/jdk1.8.0_251</a:t>
-                      </a:r>
-                      <a:endParaRPr lang="zh-CN" altLang="en-US" sz="1200"/>
-                    </a:p>
-                  </a:txBody>
-                  <a:tcPr anchor="ctr" anchorCtr="0"/>
-                </a:tc>
-              </a:tr>
-            </a:tbl>
-          </a:graphicData>
-        </a:graphic>
-      </p:graphicFrame>
-    </p:spTree>
-    <p:custDataLst>
-      <p:tags r:id="rId2"/>
     </p:custDataLst>
   </p:cSld>
   <p:clrMapOvr>
@@ -7907,6 +7224,757 @@
           <a:p>
             <a:r>
               <a:rPr lang="en-US" altLang="zh-CN"/>
+              <a:t>Instructions in Dockerfile</a:t>
+            </a:r>
+            <a:endParaRPr lang="en-US" altLang="zh-CN"/>
+          </a:p>
+        </p:txBody>
+      </p:sp>
+      <p:sp>
+        <p:nvSpPr>
+          <p:cNvPr id="3" name="内容占位符 2"/>
+          <p:cNvSpPr>
+            <a:spLocks noGrp="1"/>
+          </p:cNvSpPr>
+          <p:nvPr>
+            <p:ph idx="1"/>
+          </p:nvPr>
+        </p:nvSpPr>
+        <p:spPr>
+          <a:xfrm>
+            <a:off x="838200" y="1211580"/>
+            <a:ext cx="10515600" cy="880110"/>
+          </a:xfrm>
+        </p:spPr>
+        <p:txBody>
+          <a:bodyPr/>
+          <a:p>
+            <a:r>
+              <a:rPr lang="en-US" altLang="zh-CN"/>
+              <a:t>References</a:t>
+            </a:r>
+            <a:endParaRPr lang="en-US" altLang="zh-CN"/>
+          </a:p>
+          <a:p>
+            <a:pPr lvl="1"/>
+            <a:r>
+              <a:rPr lang="en-US" altLang="zh-CN"/>
+              <a:t>https://www.fosstechnix.com/dockerfile-instructions/</a:t>
+            </a:r>
+            <a:endParaRPr lang="en-US" altLang="zh-CN"/>
+          </a:p>
+        </p:txBody>
+      </p:sp>
+      <p:graphicFrame>
+        <p:nvGraphicFramePr>
+          <p:cNvPr id="4" name="表格 3"/>
+          <p:cNvGraphicFramePr/>
+          <p:nvPr>
+            <p:custDataLst>
+              <p:tags r:id="rId1"/>
+            </p:custDataLst>
+          </p:nvPr>
+        </p:nvGraphicFramePr>
+        <p:xfrm>
+          <a:off x="1213485" y="2028825"/>
+          <a:ext cx="10448925" cy="3395345"/>
+        </p:xfrm>
+        <a:graphic>
+          <a:graphicData uri="http://schemas.openxmlformats.org/drawingml/2006/table">
+            <a:tbl>
+              <a:tblPr firstRow="1" bandRow="1">
+                <a:tableStyleId>{5C22544A-7EE6-4342-B048-85BDC9FD1C3A}</a:tableStyleId>
+              </a:tblPr>
+              <a:tblGrid>
+                <a:gridCol w="1584960"/>
+                <a:gridCol w="5260975"/>
+                <a:gridCol w="3602990"/>
+              </a:tblGrid>
+              <a:tr h="274320">
+                <a:tc>
+                  <a:txBody>
+                    <a:bodyPr/>
+                    <a:p>
+                      <a:pPr algn="ctr">
+                        <a:buNone/>
+                      </a:pPr>
+                      <a:r>
+                        <a:rPr lang="en-US" altLang="zh-CN" sz="1200"/>
+                        <a:t>Instruction</a:t>
+                      </a:r>
+                      <a:endParaRPr lang="en-US" altLang="zh-CN" sz="1200"/>
+                    </a:p>
+                  </a:txBody>
+                  <a:tcPr anchor="ctr" anchorCtr="0"/>
+                </a:tc>
+                <a:tc>
+                  <a:txBody>
+                    <a:bodyPr/>
+                    <a:p>
+                      <a:pPr algn="ctr">
+                        <a:buNone/>
+                      </a:pPr>
+                      <a:r>
+                        <a:rPr lang="en-US" altLang="zh-CN" sz="1200"/>
+                        <a:t>Meaning</a:t>
+                      </a:r>
+                      <a:endParaRPr lang="en-US" altLang="zh-CN" sz="1200"/>
+                    </a:p>
+                  </a:txBody>
+                  <a:tcPr anchor="ctr" anchorCtr="0"/>
+                </a:tc>
+                <a:tc>
+                  <a:txBody>
+                    <a:bodyPr/>
+                    <a:p>
+                      <a:pPr algn="ctr">
+                        <a:buNone/>
+                      </a:pPr>
+                      <a:r>
+                        <a:rPr lang="en-US" altLang="zh-CN" sz="1200"/>
+                        <a:t>Note</a:t>
+                      </a:r>
+                      <a:endParaRPr lang="en-US" altLang="zh-CN" sz="1200"/>
+                    </a:p>
+                  </a:txBody>
+                  <a:tcPr anchor="ctr" anchorCtr="0"/>
+                </a:tc>
+              </a:tr>
+              <a:tr h="274320">
+                <a:tc>
+                  <a:txBody>
+                    <a:bodyPr/>
+                    <a:p>
+                      <a:pPr algn="ctr">
+                        <a:buNone/>
+                      </a:pPr>
+                      <a:r>
+                        <a:rPr lang="en-US" altLang="zh-CN" sz="1200"/>
+                        <a:t>FROM</a:t>
+                      </a:r>
+                      <a:endParaRPr lang="en-US" altLang="zh-CN" sz="1200"/>
+                    </a:p>
+                  </a:txBody>
+                  <a:tcPr anchor="ctr" anchorCtr="0"/>
+                </a:tc>
+                <a:tc>
+                  <a:txBody>
+                    <a:bodyPr/>
+                    <a:p>
+                      <a:pPr algn="ctr">
+                        <a:buNone/>
+                      </a:pPr>
+                      <a:r>
+                        <a:rPr lang="en-US" altLang="zh-CN" sz="1200"/>
+                        <a:t>docker image name to pull from</a:t>
+                      </a:r>
+                      <a:endParaRPr lang="en-US" altLang="zh-CN" sz="1200"/>
+                    </a:p>
+                  </a:txBody>
+                  <a:tcPr anchor="ctr" anchorCtr="0"/>
+                </a:tc>
+                <a:tc>
+                  <a:txBody>
+                    <a:bodyPr/>
+                    <a:p>
+                      <a:pPr algn="ctr">
+                        <a:buNone/>
+                      </a:pPr>
+                      <a:r>
+                        <a:rPr lang="zh-CN" altLang="en-US" sz="1200"/>
+                        <a:t>FROM ubuntu:latest</a:t>
+                      </a:r>
+                      <a:endParaRPr lang="zh-CN" altLang="en-US" sz="1200"/>
+                    </a:p>
+                  </a:txBody>
+                  <a:tcPr anchor="ctr" anchorCtr="0"/>
+                </a:tc>
+              </a:tr>
+              <a:tr h="300355">
+                <a:tc>
+                  <a:txBody>
+                    <a:bodyPr/>
+                    <a:p>
+                      <a:pPr algn="ctr">
+                        <a:buNone/>
+                      </a:pPr>
+                      <a:r>
+                        <a:rPr lang="en-US" altLang="zh-CN" sz="1200"/>
+                        <a:t>CMD</a:t>
+                      </a:r>
+                      <a:endParaRPr lang="en-US" altLang="zh-CN" sz="1200"/>
+                    </a:p>
+                  </a:txBody>
+                  <a:tcPr anchor="ctr" anchorCtr="0"/>
+                </a:tc>
+                <a:tc>
+                  <a:txBody>
+                    <a:bodyPr/>
+                    <a:p>
+                      <a:pPr algn="ctr">
+                        <a:buNone/>
+                      </a:pPr>
+                      <a:r>
+                        <a:rPr lang="en-US" altLang="zh-CN" sz="1200"/>
+                        <a:t>execute when image is deployed</a:t>
+                      </a:r>
+                      <a:endParaRPr lang="en-US" altLang="zh-CN" sz="1200"/>
+                    </a:p>
+                  </a:txBody>
+                  <a:tcPr anchor="ctr" anchorCtr="0"/>
+                </a:tc>
+                <a:tc>
+                  <a:txBody>
+                    <a:bodyPr/>
+                    <a:p>
+                      <a:pPr algn="ctr">
+                        <a:buNone/>
+                      </a:pPr>
+                      <a:r>
+                        <a:rPr lang="zh-CN" altLang="en-US" sz="1200"/>
+                        <a:t>CMD ["/usr/sbin/apache2", "-D", "FOREGROUND"]</a:t>
+                      </a:r>
+                      <a:endParaRPr lang="zh-CN" altLang="en-US" sz="1200"/>
+                    </a:p>
+                  </a:txBody>
+                  <a:tcPr anchor="ctr" anchorCtr="0"/>
+                </a:tc>
+              </a:tr>
+              <a:tr h="274320">
+                <a:tc>
+                  <a:txBody>
+                    <a:bodyPr/>
+                    <a:p>
+                      <a:pPr algn="ctr">
+                        <a:buNone/>
+                      </a:pPr>
+                      <a:r>
+                        <a:rPr lang="en-US" altLang="zh-CN" sz="1200"/>
+                        <a:t>RUN</a:t>
+                      </a:r>
+                      <a:endParaRPr lang="en-US" altLang="zh-CN" sz="1200"/>
+                    </a:p>
+                  </a:txBody>
+                  <a:tcPr anchor="ctr" anchorCtr="0"/>
+                </a:tc>
+                <a:tc>
+                  <a:txBody>
+                    <a:bodyPr/>
+                    <a:p>
+                      <a:pPr algn="ctr">
+                        <a:buNone/>
+                      </a:pPr>
+                      <a:r>
+                        <a:rPr lang="en-US" altLang="zh-CN" sz="1200">
+                          <a:sym typeface="+mn-ea"/>
+                        </a:rPr>
+                        <a:t>execute when image is deployed</a:t>
+                      </a:r>
+                      <a:endParaRPr lang="en-US" altLang="zh-CN" sz="1200">
+                        <a:sym typeface="+mn-ea"/>
+                      </a:endParaRPr>
+                    </a:p>
+                  </a:txBody>
+                  <a:tcPr anchor="ctr" anchorCtr="0"/>
+                </a:tc>
+                <a:tc>
+                  <a:txBody>
+                    <a:bodyPr/>
+                    <a:p>
+                      <a:pPr algn="ctr">
+                        <a:buNone/>
+                      </a:pPr>
+                      <a:r>
+                        <a:rPr lang="zh-CN" altLang="en-US" sz="1200"/>
+                        <a:t>RUN apt-get update</a:t>
+                      </a:r>
+                      <a:endParaRPr lang="zh-CN" altLang="en-US" sz="1200"/>
+                    </a:p>
+                  </a:txBody>
+                  <a:tcPr anchor="ctr" anchorCtr="0"/>
+                </a:tc>
+              </a:tr>
+              <a:tr h="274320">
+                <a:tc>
+                  <a:txBody>
+                    <a:bodyPr/>
+                    <a:p>
+                      <a:pPr algn="ctr">
+                        <a:buNone/>
+                      </a:pPr>
+                      <a:r>
+                        <a:rPr lang="en-US" altLang="zh-CN" sz="1200"/>
+                        <a:t>ENV</a:t>
+                      </a:r>
+                      <a:endParaRPr lang="en-US" altLang="zh-CN" sz="1200"/>
+                    </a:p>
+                  </a:txBody>
+                  <a:tcPr anchor="ctr" anchorCtr="0"/>
+                </a:tc>
+                <a:tc>
+                  <a:txBody>
+                    <a:bodyPr/>
+                    <a:p>
+                      <a:pPr algn="ctr">
+                        <a:buNone/>
+                      </a:pPr>
+                      <a:r>
+                        <a:rPr lang="zh-CN" altLang="en-US" sz="1200"/>
+                        <a:t>set </a:t>
+                      </a:r>
+                      <a:r>
+                        <a:rPr lang="en-US" altLang="zh-CN" sz="1200"/>
+                        <a:t>e</a:t>
+                      </a:r>
+                      <a:r>
+                        <a:rPr lang="zh-CN" altLang="en-US" sz="1200"/>
+                        <a:t>nvironment </a:t>
+                      </a:r>
+                      <a:r>
+                        <a:rPr lang="en-US" altLang="zh-CN" sz="1200"/>
+                        <a:t>v</a:t>
+                      </a:r>
+                      <a:r>
+                        <a:rPr lang="zh-CN" altLang="en-US" sz="1200"/>
+                        <a:t>ariables with key and value</a:t>
+                      </a:r>
+                      <a:endParaRPr lang="zh-CN" altLang="en-US" sz="1200"/>
+                    </a:p>
+                  </a:txBody>
+                  <a:tcPr anchor="ctr" anchorCtr="0"/>
+                </a:tc>
+                <a:tc>
+                  <a:txBody>
+                    <a:bodyPr/>
+                    <a:p>
+                      <a:pPr algn="ctr">
+                        <a:buNone/>
+                      </a:pPr>
+                      <a:r>
+                        <a:rPr lang="zh-CN" altLang="en-US" sz="1200"/>
+                        <a:t>ENV workdirectory /usr/node</a:t>
+                      </a:r>
+                      <a:endParaRPr lang="zh-CN" altLang="en-US" sz="1200"/>
+                    </a:p>
+                  </a:txBody>
+                  <a:tcPr anchor="ctr" anchorCtr="0"/>
+                </a:tc>
+              </a:tr>
+              <a:tr h="300355">
+                <a:tc>
+                  <a:txBody>
+                    <a:bodyPr/>
+                    <a:p>
+                      <a:pPr algn="ctr">
+                        <a:buNone/>
+                      </a:pPr>
+                      <a:r>
+                        <a:rPr lang="en-US" altLang="zh-CN" sz="1200"/>
+                        <a:t>ADD</a:t>
+                      </a:r>
+                      <a:endParaRPr lang="en-US" altLang="zh-CN" sz="1200"/>
+                    </a:p>
+                  </a:txBody>
+                  <a:tcPr anchor="ctr" anchorCtr="0"/>
+                </a:tc>
+                <a:tc>
+                  <a:txBody>
+                    <a:bodyPr/>
+                    <a:p>
+                      <a:pPr algn="ctr">
+                        <a:buNone/>
+                      </a:pPr>
+                      <a:r>
+                        <a:rPr lang="en-US" altLang="zh-CN" sz="1200"/>
+                        <a:t>c</a:t>
+                      </a:r>
+                      <a:r>
+                        <a:rPr lang="zh-CN" altLang="en-US" sz="1200"/>
+                        <a:t>opies a file and directory from your host to Docker image</a:t>
+                      </a:r>
+                      <a:r>
+                        <a:rPr lang="en-US" altLang="zh-CN" sz="1200"/>
+                        <a:t>, can from URL</a:t>
+                      </a:r>
+                      <a:endParaRPr lang="en-US" altLang="zh-CN" sz="1200"/>
+                    </a:p>
+                  </a:txBody>
+                  <a:tcPr anchor="ctr" anchorCtr="0"/>
+                </a:tc>
+                <a:tc>
+                  <a:txBody>
+                    <a:bodyPr/>
+                    <a:p>
+                      <a:pPr algn="ctr">
+                        <a:buNone/>
+                      </a:pPr>
+                      <a:r>
+                        <a:rPr lang="zh-CN" altLang="en-US" sz="1200"/>
+                        <a:t>ADD java/jdk-8u231-linux-x64.tar /opt/jdk/</a:t>
+                      </a:r>
+                      <a:endParaRPr lang="zh-CN" altLang="en-US" sz="1200"/>
+                    </a:p>
+                  </a:txBody>
+                  <a:tcPr anchor="ctr" anchorCtr="0"/>
+                </a:tc>
+              </a:tr>
+              <a:tr h="300355">
+                <a:tc>
+                  <a:txBody>
+                    <a:bodyPr/>
+                    <a:p>
+                      <a:pPr algn="ctr">
+                        <a:buNone/>
+                      </a:pPr>
+                      <a:r>
+                        <a:rPr lang="en-US" altLang="zh-CN" sz="1200"/>
+                        <a:t>COPY</a:t>
+                      </a:r>
+                      <a:endParaRPr lang="en-US" altLang="zh-CN" sz="1200"/>
+                    </a:p>
+                  </a:txBody>
+                  <a:tcPr anchor="ctr" anchorCtr="0"/>
+                </a:tc>
+                <a:tc>
+                  <a:txBody>
+                    <a:bodyPr/>
+                    <a:p>
+                      <a:pPr algn="ctr">
+                        <a:buNone/>
+                      </a:pPr>
+                      <a:r>
+                        <a:rPr lang="en-US" altLang="zh-CN" sz="1200">
+                          <a:sym typeface="+mn-ea"/>
+                        </a:rPr>
+                        <a:t>c</a:t>
+                      </a:r>
+                      <a:r>
+                        <a:rPr lang="zh-CN" altLang="en-US" sz="1200">
+                          <a:sym typeface="+mn-ea"/>
+                        </a:rPr>
+                        <a:t>opies a file and directory from your host to Docker image</a:t>
+                      </a:r>
+                      <a:r>
+                        <a:rPr lang="en-US" altLang="zh-CN" sz="1200">
+                          <a:sym typeface="+mn-ea"/>
+                        </a:rPr>
+                        <a:t>, can from URL</a:t>
+                      </a:r>
+                      <a:endParaRPr lang="en-US" altLang="zh-CN" sz="1200">
+                        <a:sym typeface="+mn-ea"/>
+                      </a:endParaRPr>
+                    </a:p>
+                  </a:txBody>
+                  <a:tcPr anchor="ctr" anchorCtr="0"/>
+                </a:tc>
+                <a:tc>
+                  <a:txBody>
+                    <a:bodyPr/>
+                    <a:p>
+                      <a:pPr algn="ctr">
+                        <a:buNone/>
+                      </a:pPr>
+                      <a:r>
+                        <a:rPr lang="zh-CN" altLang="en-US" sz="1200"/>
+                        <a:t>COPY package*.json ./</a:t>
+                      </a:r>
+                      <a:endParaRPr lang="zh-CN" altLang="en-US" sz="1200"/>
+                    </a:p>
+                  </a:txBody>
+                  <a:tcPr anchor="ctr" anchorCtr="0"/>
+                </a:tc>
+              </a:tr>
+              <a:tr h="299720">
+                <a:tc>
+                  <a:txBody>
+                    <a:bodyPr/>
+                    <a:p>
+                      <a:pPr algn="ctr">
+                        <a:buNone/>
+                      </a:pPr>
+                      <a:r>
+                        <a:rPr lang="en-US" altLang="zh-CN" sz="1200"/>
+                        <a:t>ENTRYPOINT </a:t>
+                      </a:r>
+                      <a:endParaRPr lang="en-US" altLang="zh-CN" sz="1200"/>
+                    </a:p>
+                  </a:txBody>
+                  <a:tcPr anchor="ctr" anchorCtr="0"/>
+                </a:tc>
+                <a:tc>
+                  <a:txBody>
+                    <a:bodyPr/>
+                    <a:p>
+                      <a:pPr algn="ctr">
+                        <a:buNone/>
+                      </a:pPr>
+                      <a:r>
+                        <a:rPr lang="en-US" altLang="zh-CN" sz="1200"/>
+                        <a:t>specifies a commands that will executes when the Docker container starts</a:t>
+                      </a:r>
+                      <a:endParaRPr lang="en-US" altLang="zh-CN" sz="1200"/>
+                    </a:p>
+                  </a:txBody>
+                  <a:tcPr anchor="ctr" anchorCtr="0"/>
+                </a:tc>
+                <a:tc>
+                  <a:txBody>
+                    <a:bodyPr/>
+                    <a:p>
+                      <a:pPr algn="ctr">
+                        <a:buNone/>
+                      </a:pPr>
+                      <a:r>
+                        <a:rPr lang="zh-CN" altLang="en-US" sz="1200"/>
+                        <a:t>ENTRYPOINT ["ls"]</a:t>
+                      </a:r>
+                      <a:endParaRPr lang="zh-CN" altLang="en-US" sz="1200"/>
+                    </a:p>
+                  </a:txBody>
+                  <a:tcPr anchor="ctr" anchorCtr="0"/>
+                </a:tc>
+              </a:tr>
+              <a:tr h="274320">
+                <a:tc>
+                  <a:txBody>
+                    <a:bodyPr/>
+                    <a:p>
+                      <a:pPr algn="ctr">
+                        <a:buNone/>
+                      </a:pPr>
+                      <a:r>
+                        <a:rPr lang="en-US" altLang="zh-CN" sz="1200"/>
+                        <a:t>VOLUME </a:t>
+                      </a:r>
+                      <a:endParaRPr lang="en-US" altLang="zh-CN" sz="1200"/>
+                    </a:p>
+                  </a:txBody>
+                  <a:tcPr anchor="ctr" anchorCtr="0"/>
+                </a:tc>
+                <a:tc>
+                  <a:txBody>
+                    <a:bodyPr/>
+                    <a:p>
+                      <a:pPr algn="ctr">
+                        <a:buNone/>
+                      </a:pPr>
+                      <a:r>
+                        <a:rPr lang="en-US" altLang="zh-CN" sz="1200"/>
+                        <a:t>create or mount volume to docker container</a:t>
+                      </a:r>
+                      <a:endParaRPr lang="en-US" altLang="zh-CN" sz="1200"/>
+                    </a:p>
+                  </a:txBody>
+                  <a:tcPr anchor="ctr" anchorCtr="0"/>
+                </a:tc>
+                <a:tc>
+                  <a:txBody>
+                    <a:bodyPr/>
+                    <a:p>
+                      <a:pPr algn="ctr">
+                        <a:buNone/>
+                      </a:pPr>
+                      <a:r>
+                        <a:rPr lang="zh-CN" altLang="en-US" sz="1200"/>
+                        <a:t>VOLUME /node</a:t>
+                      </a:r>
+                      <a:endParaRPr lang="zh-CN" altLang="en-US" sz="1200"/>
+                    </a:p>
+                  </a:txBody>
+                  <a:tcPr anchor="ctr" anchorCtr="0"/>
+                </a:tc>
+              </a:tr>
+              <a:tr h="274320">
+                <a:tc>
+                  <a:txBody>
+                    <a:bodyPr/>
+                    <a:p>
+                      <a:pPr algn="ctr">
+                        <a:buNone/>
+                      </a:pPr>
+                      <a:r>
+                        <a:rPr lang="en-US" altLang="zh-CN" sz="1200"/>
+                        <a:t>USER </a:t>
+                      </a:r>
+                      <a:endParaRPr lang="en-US" altLang="zh-CN" sz="1200"/>
+                    </a:p>
+                  </a:txBody>
+                  <a:tcPr anchor="ctr" anchorCtr="0"/>
+                </a:tc>
+                <a:tc>
+                  <a:txBody>
+                    <a:bodyPr/>
+                    <a:p>
+                      <a:pPr algn="ctr">
+                        <a:buNone/>
+                      </a:pPr>
+                      <a:r>
+                        <a:rPr lang="en-US" altLang="zh-CN" sz="1200"/>
+                        <a:t>set the user name and UID when running container</a:t>
+                      </a:r>
+                      <a:endParaRPr lang="en-US" altLang="zh-CN" sz="1200"/>
+                    </a:p>
+                  </a:txBody>
+                  <a:tcPr anchor="ctr" anchorCtr="0"/>
+                </a:tc>
+                <a:tc>
+                  <a:txBody>
+                    <a:bodyPr/>
+                    <a:p>
+                      <a:pPr algn="ctr">
+                        <a:buNone/>
+                      </a:pPr>
+                      <a:r>
+                        <a:rPr lang="zh-CN" altLang="en-US" sz="1200"/>
+                        <a:t>USER admin</a:t>
+                      </a:r>
+                      <a:endParaRPr lang="zh-CN" altLang="en-US" sz="1200"/>
+                    </a:p>
+                  </a:txBody>
+                  <a:tcPr anchor="ctr" anchorCtr="0"/>
+                </a:tc>
+              </a:tr>
+              <a:tr h="274320">
+                <a:tc>
+                  <a:txBody>
+                    <a:bodyPr/>
+                    <a:p>
+                      <a:pPr algn="ctr">
+                        <a:buNone/>
+                      </a:pPr>
+                      <a:r>
+                        <a:rPr lang="en-US" altLang="zh-CN" sz="1200"/>
+                        <a:t>WORKDIR </a:t>
+                      </a:r>
+                      <a:endParaRPr lang="en-US" altLang="zh-CN" sz="1200"/>
+                    </a:p>
+                  </a:txBody>
+                  <a:tcPr anchor="ctr" anchorCtr="0"/>
+                </a:tc>
+                <a:tc>
+                  <a:txBody>
+                    <a:bodyPr/>
+                    <a:p>
+                      <a:pPr algn="ctr">
+                        <a:buNone/>
+                      </a:pPr>
+                      <a:r>
+                        <a:rPr lang="en-US" altLang="zh-CN" sz="1200"/>
+                        <a:t>set the working directory</a:t>
+                      </a:r>
+                      <a:endParaRPr lang="en-US" altLang="zh-CN" sz="1200"/>
+                    </a:p>
+                  </a:txBody>
+                  <a:tcPr anchor="ctr" anchorCtr="0"/>
+                </a:tc>
+                <a:tc>
+                  <a:txBody>
+                    <a:bodyPr/>
+                    <a:p>
+                      <a:pPr algn="ctr">
+                        <a:buNone/>
+                      </a:pPr>
+                      <a:r>
+                        <a:rPr lang="zh-CN" altLang="en-US" sz="1200"/>
+                        <a:t>WORKDIR /nodejsapp</a:t>
+                      </a:r>
+                      <a:endParaRPr lang="zh-CN" altLang="en-US" sz="1200"/>
+                    </a:p>
+                  </a:txBody>
+                  <a:tcPr anchor="ctr" anchorCtr="0"/>
+                </a:tc>
+              </a:tr>
+              <a:tr h="274320">
+                <a:tc>
+                  <a:txBody>
+                    <a:bodyPr/>
+                    <a:p>
+                      <a:pPr algn="ctr">
+                        <a:buNone/>
+                      </a:pPr>
+                      <a:r>
+                        <a:rPr lang="en-US" altLang="zh-CN" sz="1200"/>
+                        <a:t>ARG </a:t>
+                      </a:r>
+                      <a:endParaRPr lang="en-US" altLang="zh-CN" sz="1200"/>
+                    </a:p>
+                  </a:txBody>
+                  <a:tcPr anchor="ctr" anchorCtr="0"/>
+                </a:tc>
+                <a:tc>
+                  <a:txBody>
+                    <a:bodyPr/>
+                    <a:p>
+                      <a:pPr algn="ctr">
+                        <a:buNone/>
+                      </a:pPr>
+                      <a:r>
+                        <a:rPr lang="en-US" altLang="zh-CN" sz="1200"/>
+                        <a:t>set Environment variables with key and value during the image build</a:t>
+                      </a:r>
+                      <a:endParaRPr lang="en-US" altLang="zh-CN" sz="1200"/>
+                    </a:p>
+                  </a:txBody>
+                  <a:tcPr anchor="ctr" anchorCtr="0"/>
+                </a:tc>
+                <a:tc>
+                  <a:txBody>
+                    <a:bodyPr/>
+                    <a:p>
+                      <a:pPr algn="ctr">
+                        <a:buNone/>
+                      </a:pPr>
+                      <a:r>
+                        <a:rPr lang="zh-CN" altLang="en-US" sz="1200"/>
+                        <a:t>ARG JAVA_PATH=/opt/jdk/jdk1.8.0_251</a:t>
+                      </a:r>
+                      <a:endParaRPr lang="zh-CN" altLang="en-US" sz="1200"/>
+                    </a:p>
+                  </a:txBody>
+                  <a:tcPr anchor="ctr" anchorCtr="0"/>
+                </a:tc>
+              </a:tr>
+            </a:tbl>
+          </a:graphicData>
+        </a:graphic>
+      </p:graphicFrame>
+    </p:spTree>
+    <p:custDataLst>
+      <p:tags r:id="rId2"/>
+    </p:custDataLst>
+  </p:cSld>
+  <p:clrMapOvr>
+    <a:masterClrMapping/>
+  </p:clrMapOvr>
+</p:sld>
+</file>
+
+<file path=ppt/slides/slide21.xml><?xml version="1.0" encoding="utf-8"?>
+<p:sld xmlns:a="http://schemas.openxmlformats.org/drawingml/2006/main" xmlns:r="http://schemas.openxmlformats.org/officeDocument/2006/relationships" xmlns:p="http://schemas.openxmlformats.org/presentationml/2006/main">
+  <p:cSld>
+    <p:spTree>
+      <p:nvGrpSpPr>
+        <p:cNvPr id="1" name=""/>
+        <p:cNvGrpSpPr/>
+        <p:nvPr/>
+      </p:nvGrpSpPr>
+      <p:grpSpPr/>
+      <p:sp>
+        <p:nvSpPr>
+          <p:cNvPr id="2" name="标题 1"/>
+          <p:cNvSpPr>
+            <a:spLocks noGrp="1"/>
+          </p:cNvSpPr>
+          <p:nvPr>
+            <p:ph type="title"/>
+          </p:nvPr>
+        </p:nvSpPr>
+        <p:spPr/>
+        <p:txBody>
+          <a:bodyPr/>
+          <a:p>
+            <a:r>
+              <a:rPr lang="en-US" altLang="zh-CN"/>
               <a:t>Docker Compose V2</a:t>
             </a:r>
             <a:endParaRPr lang="en-US" altLang="zh-CN"/>
@@ -7978,7 +8046,7 @@
 </p:sld>
 </file>
 
-<file path=ppt/slides/slide21.xml><?xml version="1.0" encoding="utf-8"?>
+<file path=ppt/slides/slide22.xml><?xml version="1.0" encoding="utf-8"?>
 <p:sld xmlns:a="http://schemas.openxmlformats.org/drawingml/2006/main" xmlns:r="http://schemas.openxmlformats.org/officeDocument/2006/relationships" xmlns:p="http://schemas.openxmlformats.org/presentationml/2006/main">
   <p:cSld>
     <p:spTree>
@@ -8462,7 +8530,7 @@
 </p:sld>
 </file>
 
-<file path=ppt/slides/slide22.xml><?xml version="1.0" encoding="utf-8"?>
+<file path=ppt/slides/slide23.xml><?xml version="1.0" encoding="utf-8"?>
 <p:sld xmlns:a="http://schemas.openxmlformats.org/drawingml/2006/main" xmlns:r="http://schemas.openxmlformats.org/officeDocument/2006/relationships" xmlns:p="http://schemas.openxmlformats.org/presentationml/2006/main">
   <p:cSld>
     <p:spTree>
@@ -8506,7 +8574,7 @@
         </p:nvGraphicFramePr>
         <p:xfrm>
           <a:off x="642620" y="1328420"/>
-          <a:ext cx="10984230" cy="4956175"/>
+          <a:ext cx="10984230" cy="5291455"/>
         </p:xfrm>
         <a:graphic>
           <a:graphicData uri="http://schemas.openxmlformats.org/drawingml/2006/table">
@@ -8625,6 +8693,52 @@
                       </a:pPr>
                       <a:r>
                         <a:rPr lang="en-US" altLang="zh-CN" sz="1600"/>
+                        <a:t>docker compose config</a:t>
+                      </a:r>
+                      <a:endParaRPr lang="en-US" altLang="zh-CN" sz="1600"/>
+                    </a:p>
+                  </a:txBody>
+                  <a:tcPr/>
+                </a:tc>
+                <a:tc>
+                  <a:txBody>
+                    <a:bodyPr/>
+                    <a:p>
+                      <a:pPr>
+                        <a:buNone/>
+                      </a:pPr>
+                      <a:r>
+                        <a:rPr lang="en-US" altLang="zh-CN" sz="1600"/>
+                        <a:t>Show docker compose config</a:t>
+                      </a:r>
+                      <a:endParaRPr lang="en-US" altLang="zh-CN" sz="1600"/>
+                    </a:p>
+                  </a:txBody>
+                  <a:tcPr/>
+                </a:tc>
+                <a:tc>
+                  <a:txBody>
+                    <a:bodyPr/>
+                    <a:p>
+                      <a:pPr>
+                        <a:buNone/>
+                      </a:pPr>
+                      <a:endParaRPr lang="zh-CN" altLang="en-US" sz="1600"/>
+                    </a:p>
+                  </a:txBody>
+                  <a:tcPr/>
+                </a:tc>
+              </a:tr>
+              <a:tr h="335280">
+                <a:tc>
+                  <a:txBody>
+                    <a:bodyPr/>
+                    <a:p>
+                      <a:pPr>
+                        <a:buNone/>
+                      </a:pPr>
+                      <a:r>
+                        <a:rPr lang="en-US" altLang="zh-CN" sz="1600"/>
                         <a:t>docker compose build</a:t>
                       </a:r>
                       <a:endParaRPr lang="en-US" altLang="zh-CN" sz="1600"/>
@@ -9158,222 +9272,6 @@
     </p:spTree>
     <p:custDataLst>
       <p:tags r:id="rId2"/>
-    </p:custDataLst>
-  </p:cSld>
-  <p:clrMapOvr>
-    <a:masterClrMapping/>
-  </p:clrMapOvr>
-</p:sld>
-</file>
-
-<file path=ppt/slides/slide23.xml><?xml version="1.0" encoding="utf-8"?>
-<p:sld xmlns:a="http://schemas.openxmlformats.org/drawingml/2006/main" xmlns:r="http://schemas.openxmlformats.org/officeDocument/2006/relationships" xmlns:p="http://schemas.openxmlformats.org/presentationml/2006/main">
-  <p:cSld>
-    <p:spTree>
-      <p:nvGrpSpPr>
-        <p:cNvPr id="1" name=""/>
-        <p:cNvGrpSpPr/>
-        <p:nvPr/>
-      </p:nvGrpSpPr>
-      <p:grpSpPr/>
-      <p:sp>
-        <p:nvSpPr>
-          <p:cNvPr id="2" name="标题 1"/>
-          <p:cNvSpPr>
-            <a:spLocks noGrp="1"/>
-          </p:cNvSpPr>
-          <p:nvPr>
-            <p:ph type="title"/>
-          </p:nvPr>
-        </p:nvSpPr>
-        <p:spPr/>
-        <p:txBody>
-          <a:bodyPr/>
-          <a:p>
-            <a:r>
-              <a:rPr lang="en-US" altLang="zh-CN"/>
-              <a:t>Docker Compose - Advanced</a:t>
-            </a:r>
-            <a:endParaRPr lang="en-US" altLang="zh-CN"/>
-          </a:p>
-        </p:txBody>
-      </p:sp>
-      <p:sp>
-        <p:nvSpPr>
-          <p:cNvPr id="3" name="内容占位符 2"/>
-          <p:cNvSpPr>
-            <a:spLocks noGrp="1"/>
-          </p:cNvSpPr>
-          <p:nvPr>
-            <p:ph idx="1"/>
-          </p:nvPr>
-        </p:nvSpPr>
-        <p:spPr>
-          <a:xfrm>
-            <a:off x="838200" y="1211580"/>
-            <a:ext cx="6932930" cy="4549140"/>
-          </a:xfrm>
-        </p:spPr>
-        <p:txBody>
-          <a:bodyPr>
-            <a:normAutofit fontScale="90000" lnSpcReduction="20000"/>
-          </a:bodyPr>
-          <a:p>
-            <a:r>
-              <a:rPr lang="en-US" altLang="zh-CN"/>
-              <a:t>Logic for docker compose up</a:t>
-            </a:r>
-            <a:endParaRPr lang="en-US" altLang="zh-CN"/>
-          </a:p>
-          <a:p>
-            <a:pPr lvl="1"/>
-            <a:r>
-              <a:rPr lang="en-US" altLang="zh-CN"/>
-              <a:t>A network called myapp_default is created, myapp is the name of the folder where this docker-compose.yml file is located</a:t>
-            </a:r>
-            <a:endParaRPr lang="en-US" altLang="zh-CN"/>
-          </a:p>
-          <a:p>
-            <a:pPr lvl="2"/>
-            <a:r>
-              <a:rPr lang="en-US" altLang="zh-CN" sz="1800"/>
-              <a:t>this name can be overriden with -p {projectname} when run docker-compose up</a:t>
-            </a:r>
-            <a:endParaRPr lang="en-US" altLang="zh-CN"/>
-          </a:p>
-          <a:p>
-            <a:pPr lvl="1"/>
-            <a:r>
-              <a:rPr lang="en-US" altLang="zh-CN"/>
-              <a:t>A container is created using web’s configuration. It joins the network myapp_default under the name web</a:t>
-            </a:r>
-            <a:endParaRPr lang="en-US" altLang="zh-CN"/>
-          </a:p>
-          <a:p>
-            <a:pPr lvl="1"/>
-            <a:r>
-              <a:rPr lang="en-US" altLang="zh-CN"/>
-              <a:t>A container is created using db’s configuration. It joins the network myapp_default under the name db</a:t>
-            </a:r>
-            <a:endParaRPr lang="en-US" altLang="zh-CN"/>
-          </a:p>
-          <a:p>
-            <a:pPr lvl="0"/>
-            <a:r>
-              <a:rPr lang="en-US" altLang="zh-CN"/>
-              <a:t>Set project name</a:t>
-            </a:r>
-            <a:endParaRPr lang="en-US" altLang="zh-CN"/>
-          </a:p>
-          <a:p>
-            <a:pPr lvl="1"/>
-            <a:r>
-              <a:rPr lang="en-US" altLang="zh-CN"/>
-              <a:t>Define in .env</a:t>
-            </a:r>
-            <a:endParaRPr lang="en-US" altLang="zh-CN"/>
-          </a:p>
-          <a:p>
-            <a:pPr lvl="2"/>
-            <a:r>
-              <a:rPr lang="en-US" altLang="zh-CN"/>
-              <a:t>COMPOSE_PROJECT_NAME=SOMEPROJECTNAME</a:t>
-            </a:r>
-            <a:endParaRPr lang="en-US" altLang="zh-CN"/>
-          </a:p>
-          <a:p>
-            <a:pPr lvl="0"/>
-            <a:r>
-              <a:rPr lang="en-US" altLang="zh-CN"/>
-              <a:t>docker-compose.yml</a:t>
-            </a:r>
-            <a:endParaRPr lang="en-US" altLang="zh-CN"/>
-          </a:p>
-          <a:p>
-            <a:pPr lvl="1"/>
-            <a:r>
-              <a:rPr lang="en-US" altLang="zh-CN"/>
-              <a:t>docker-compose.override.yml</a:t>
-            </a:r>
-            <a:endParaRPr lang="en-US" altLang="zh-CN"/>
-          </a:p>
-          <a:p>
-            <a:pPr lvl="2"/>
-            <a:r>
-              <a:rPr lang="en-US" altLang="zh-CN"/>
-              <a:t>override config in docker-compose.yml</a:t>
-            </a:r>
-            <a:endParaRPr lang="en-US" altLang="zh-CN"/>
-          </a:p>
-          <a:p>
-            <a:pPr lvl="1"/>
-            <a:r>
-              <a:rPr lang="en-US" altLang="zh-CN"/>
-              <a:t>set time zone</a:t>
-            </a:r>
-            <a:endParaRPr lang="en-US" altLang="zh-CN"/>
-          </a:p>
-          <a:p>
-            <a:pPr lvl="2"/>
-            <a:endParaRPr lang="en-US" altLang="zh-CN"/>
-          </a:p>
-        </p:txBody>
-      </p:sp>
-      <p:sp>
-        <p:nvSpPr>
-          <p:cNvPr id="5" name="文本框 4"/>
-          <p:cNvSpPr txBox="1"/>
-          <p:nvPr/>
-        </p:nvSpPr>
-        <p:spPr>
-          <a:xfrm>
-            <a:off x="8246110" y="1211580"/>
-            <a:ext cx="3369310" cy="737235"/>
-          </a:xfrm>
-          <a:prstGeom prst="rect">
-            <a:avLst/>
-          </a:prstGeom>
-          <a:noFill/>
-          <a:ln>
-            <a:solidFill>
-              <a:srgbClr val="C00000"/>
-            </a:solidFill>
-          </a:ln>
-        </p:spPr>
-        <p:txBody>
-          <a:bodyPr wrap="square" rtlCol="0" anchor="t">
-            <a:spAutoFit/>
-          </a:bodyPr>
-          <a:p>
-            <a:r>
-              <a:rPr lang="zh-CN" altLang="en-US" sz="1400"/>
-              <a:t>volumes:</a:t>
-            </a:r>
-            <a:endParaRPr lang="zh-CN" altLang="en-US" sz="1400"/>
-          </a:p>
-          <a:p>
-            <a:r>
-              <a:rPr lang="zh-CN" altLang="en-US" sz="1400"/>
-              <a:t>    - "/etc/timezone:/etc/timezone:ro"</a:t>
-            </a:r>
-            <a:endParaRPr lang="zh-CN" altLang="en-US" sz="1400"/>
-          </a:p>
-          <a:p>
-            <a:r>
-              <a:rPr lang="zh-CN" altLang="en-US" sz="1400"/>
-              <a:t>    - "/etc/localtime:/etc/loc</a:t>
-            </a:r>
-            <a:r>
-              <a:rPr lang="en-US" altLang="zh-CN" sz="1400"/>
-              <a:t>altime:ro”</a:t>
-            </a:r>
-            <a:endParaRPr lang="en-US" altLang="zh-CN" sz="1400"/>
-          </a:p>
-        </p:txBody>
-      </p:sp>
-    </p:spTree>
-    <p:custDataLst>
-      <p:tags r:id="rId1"/>
     </p:custDataLst>
   </p:cSld>
   <p:clrMapOvr>
@@ -9408,7 +9306,7 @@
           <a:p>
             <a:r>
               <a:rPr lang="en-US" altLang="zh-CN"/>
-              <a:t>Docker Machine</a:t>
+              <a:t>Docker Compose - Advanced</a:t>
             </a:r>
             <a:endParaRPr lang="en-US" altLang="zh-CN"/>
           </a:p>
@@ -9424,92 +9322,166 @@
             <p:ph idx="1"/>
           </p:nvPr>
         </p:nvSpPr>
-        <p:spPr/>
-        <p:txBody>
-          <a:bodyPr/>
+        <p:spPr>
+          <a:xfrm>
+            <a:off x="838200" y="1211580"/>
+            <a:ext cx="6932930" cy="4549140"/>
+          </a:xfrm>
+        </p:spPr>
+        <p:txBody>
+          <a:bodyPr>
+            <a:normAutofit fontScale="90000" lnSpcReduction="20000"/>
+          </a:bodyPr>
+          <a:p>
+            <a:r>
+              <a:rPr lang="en-US" altLang="zh-CN"/>
+              <a:t>Logic for docker compose up</a:t>
+            </a:r>
+            <a:endParaRPr lang="en-US" altLang="zh-CN"/>
+          </a:p>
+          <a:p>
+            <a:pPr lvl="1"/>
+            <a:r>
+              <a:rPr lang="en-US" altLang="zh-CN"/>
+              <a:t>A network called myapp_default is created, myapp is the name of the folder where this docker-compose.yml file is located</a:t>
+            </a:r>
+            <a:endParaRPr lang="en-US" altLang="zh-CN"/>
+          </a:p>
+          <a:p>
+            <a:pPr lvl="2"/>
+            <a:r>
+              <a:rPr lang="en-US" altLang="zh-CN" sz="1800"/>
+              <a:t>this name can be overriden with -p {projectname} when run docker-compose up</a:t>
+            </a:r>
+            <a:endParaRPr lang="en-US" altLang="zh-CN"/>
+          </a:p>
+          <a:p>
+            <a:pPr lvl="1"/>
+            <a:r>
+              <a:rPr lang="en-US" altLang="zh-CN"/>
+              <a:t>A container is created using web’s configuration. It joins the network myapp_default under the name web</a:t>
+            </a:r>
+            <a:endParaRPr lang="en-US" altLang="zh-CN"/>
+          </a:p>
+          <a:p>
+            <a:pPr lvl="1"/>
+            <a:r>
+              <a:rPr lang="en-US" altLang="zh-CN"/>
+              <a:t>A container is created using db’s configuration. It joins the network myapp_default under the name db</a:t>
+            </a:r>
+            <a:endParaRPr lang="en-US" altLang="zh-CN"/>
+          </a:p>
           <a:p>
             <a:pPr lvl="0"/>
             <a:r>
-              <a:rPr lang="en-US" altLang="zh-CN" sz="2400">
-                <a:sym typeface="+mn-ea"/>
-              </a:rPr>
-              <a:t>docker-machine commands</a:t>
-            </a:r>
-            <a:endParaRPr lang="en-US" altLang="zh-CN" sz="2400"/>
+              <a:rPr lang="en-US" altLang="zh-CN"/>
+              <a:t>Set project name</a:t>
+            </a:r>
+            <a:endParaRPr lang="en-US" altLang="zh-CN"/>
           </a:p>
           <a:p>
             <a:pPr lvl="1"/>
             <a:r>
-              <a:rPr lang="en-US" altLang="zh-CN" sz="2400">
-                <a:sym typeface="+mn-ea"/>
-              </a:rPr>
-              <a:t>docker-machine create  -d virtualbox {machine-name}</a:t>
-            </a:r>
-            <a:endParaRPr lang="en-US" altLang="zh-CN" sz="2400">
-              <a:sym typeface="+mn-ea"/>
-            </a:endParaRPr>
+              <a:rPr lang="en-US" altLang="zh-CN"/>
+              <a:t>Define in .env</a:t>
+            </a:r>
+            <a:endParaRPr lang="en-US" altLang="zh-CN"/>
           </a:p>
           <a:p>
             <a:pPr lvl="2"/>
             <a:r>
-              <a:rPr lang="en-US" altLang="zh-CN" sz="2160">
-                <a:sym typeface="+mn-ea"/>
-              </a:rPr>
-              <a:t>-d/--driver: which provider the machine should be created on (VirtualBox, DigitalOcean, AWS, etc.)</a:t>
-            </a:r>
-            <a:endParaRPr lang="en-US" altLang="zh-CN" sz="2160"/>
+              <a:rPr lang="en-US" altLang="zh-CN"/>
+              <a:t>COMPOSE_PROJECT_NAME=SOMEPROJECTNAME</a:t>
+            </a:r>
+            <a:endParaRPr lang="en-US" altLang="zh-CN"/>
+          </a:p>
+          <a:p>
+            <a:pPr lvl="0"/>
+            <a:r>
+              <a:rPr lang="en-US" altLang="zh-CN"/>
+              <a:t>docker-compose.yml</a:t>
+            </a:r>
+            <a:endParaRPr lang="en-US" altLang="zh-CN"/>
           </a:p>
           <a:p>
             <a:pPr lvl="1"/>
             <a:r>
-              <a:rPr lang="en-US" altLang="zh-CN" sz="2400">
-                <a:sym typeface="+mn-ea"/>
-              </a:rPr>
-              <a:t>eval $(docker-machine env dev)</a:t>
-            </a:r>
-            <a:endParaRPr lang="en-US" altLang="zh-CN" sz="2400">
-              <a:sym typeface="+mn-ea"/>
-            </a:endParaRPr>
-          </a:p>
-          <a:p>
-            <a:pPr lvl="1" algn="l">
-              <a:buClrTx/>
-              <a:buSzTx/>
-            </a:pPr>
-            <a:r>
-              <a:rPr lang="en-US" altLang="zh-CN" sz="2400">
-                <a:sym typeface="+mn-ea"/>
-              </a:rPr>
-              <a:t>docker-machine ls</a:t>
-            </a:r>
-            <a:endParaRPr lang="en-US" altLang="zh-CN" sz="2400"/>
+              <a:rPr lang="en-US" altLang="zh-CN"/>
+              <a:t>docker-compose.override.yml</a:t>
+            </a:r>
+            <a:endParaRPr lang="en-US" altLang="zh-CN"/>
+          </a:p>
+          <a:p>
+            <a:pPr lvl="2"/>
+            <a:r>
+              <a:rPr lang="en-US" altLang="zh-CN"/>
+              <a:t>override config in docker-compose.yml</a:t>
+            </a:r>
+            <a:endParaRPr lang="en-US" altLang="zh-CN"/>
           </a:p>
           <a:p>
             <a:pPr lvl="1"/>
             <a:r>
-              <a:rPr lang="en-US" altLang="zh-CN" sz="2400"/>
-              <a:t>docker-machine ip default</a:t>
-            </a:r>
-            <a:endParaRPr lang="en-US" altLang="zh-CN" sz="2400"/>
-          </a:p>
-          <a:p>
-            <a:pPr lvl="1"/>
-            <a:r>
-              <a:rPr lang="en-US" altLang="zh-CN" sz="2400"/>
-              <a:t>docker-machine start {docker-machine-name}</a:t>
-            </a:r>
-            <a:endParaRPr lang="en-US" altLang="zh-CN" sz="2400"/>
-          </a:p>
-          <a:p>
-            <a:pPr lvl="1"/>
-            <a:r>
-              <a:rPr lang="en-US" altLang="zh-CN" sz="2400"/>
-              <a:t>eval "$(docker-machine env dev)"	# make a machine active</a:t>
-            </a:r>
-            <a:endParaRPr lang="en-US" altLang="zh-CN" sz="2400"/>
-          </a:p>
-          <a:p>
-            <a:endParaRPr lang="zh-CN" altLang="en-US"/>
+              <a:rPr lang="en-US" altLang="zh-CN"/>
+              <a:t>set time zone</a:t>
+            </a:r>
+            <a:endParaRPr lang="en-US" altLang="zh-CN"/>
+          </a:p>
+          <a:p>
+            <a:pPr lvl="2"/>
+            <a:endParaRPr lang="en-US" altLang="zh-CN"/>
+          </a:p>
+        </p:txBody>
+      </p:sp>
+      <p:sp>
+        <p:nvSpPr>
+          <p:cNvPr id="5" name="文本框 4"/>
+          <p:cNvSpPr txBox="1"/>
+          <p:nvPr/>
+        </p:nvSpPr>
+        <p:spPr>
+          <a:xfrm>
+            <a:off x="8246110" y="1211580"/>
+            <a:ext cx="3369310" cy="737235"/>
+          </a:xfrm>
+          <a:prstGeom prst="rect">
+            <a:avLst/>
+          </a:prstGeom>
+          <a:noFill/>
+          <a:ln>
+            <a:solidFill>
+              <a:srgbClr val="C00000"/>
+            </a:solidFill>
+          </a:ln>
+        </p:spPr>
+        <p:txBody>
+          <a:bodyPr wrap="square" rtlCol="0" anchor="t">
+            <a:spAutoFit/>
+          </a:bodyPr>
+          <a:p>
+            <a:r>
+              <a:rPr lang="zh-CN" altLang="en-US" sz="1400"/>
+              <a:t>volumes:</a:t>
+            </a:r>
+            <a:endParaRPr lang="zh-CN" altLang="en-US" sz="1400"/>
+          </a:p>
+          <a:p>
+            <a:r>
+              <a:rPr lang="zh-CN" altLang="en-US" sz="1400"/>
+              <a:t>    - "/etc/timezone:/etc/timezone:ro"</a:t>
+            </a:r>
+            <a:endParaRPr lang="zh-CN" altLang="en-US" sz="1400"/>
+          </a:p>
+          <a:p>
+            <a:r>
+              <a:rPr lang="zh-CN" altLang="en-US" sz="1400"/>
+              <a:t>    - "/etc/localtime:/etc/loc</a:t>
+            </a:r>
+            <a:r>
+              <a:rPr lang="en-US" altLang="zh-CN" sz="1400"/>
+              <a:t>altime:ro”</a:t>
+            </a:r>
+            <a:endParaRPr lang="en-US" altLang="zh-CN" sz="1400"/>
           </a:p>
         </p:txBody>
       </p:sp>
@@ -9550,7 +9522,7 @@
           <a:p>
             <a:r>
               <a:rPr lang="en-US" altLang="zh-CN"/>
-              <a:t>Alpine</a:t>
+              <a:t>Docker Machine</a:t>
             </a:r>
             <a:endParaRPr lang="en-US" altLang="zh-CN"/>
           </a:p>
@@ -9570,19 +9542,88 @@
         <p:txBody>
           <a:bodyPr/>
           <a:p>
-            <a:r>
-              <a:rPr lang="en-US" altLang="zh-CN"/>
-              <a:t>Intro</a:t>
-            </a:r>
-            <a:endParaRPr lang="en-US" altLang="zh-CN"/>
+            <a:pPr lvl="0"/>
+            <a:r>
+              <a:rPr lang="en-US" altLang="zh-CN" sz="2400">
+                <a:sym typeface="+mn-ea"/>
+              </a:rPr>
+              <a:t>docker-machine commands</a:t>
+            </a:r>
+            <a:endParaRPr lang="en-US" altLang="zh-CN" sz="2400"/>
           </a:p>
           <a:p>
             <a:pPr lvl="1"/>
             <a:r>
-              <a:rPr lang="en-US" altLang="zh-CN"/>
-              <a:t>a minimal docker image based on Alpine Linux with a complete package index and only 5MB in size</a:t>
-            </a:r>
-            <a:endParaRPr lang="en-US" altLang="zh-CN"/>
+              <a:rPr lang="en-US" altLang="zh-CN" sz="2400">
+                <a:sym typeface="+mn-ea"/>
+              </a:rPr>
+              <a:t>docker-machine create  -d virtualbox {machine-name}</a:t>
+            </a:r>
+            <a:endParaRPr lang="en-US" altLang="zh-CN" sz="2400">
+              <a:sym typeface="+mn-ea"/>
+            </a:endParaRPr>
+          </a:p>
+          <a:p>
+            <a:pPr lvl="2"/>
+            <a:r>
+              <a:rPr lang="en-US" altLang="zh-CN" sz="2160">
+                <a:sym typeface="+mn-ea"/>
+              </a:rPr>
+              <a:t>-d/--driver: which provider the machine should be created on (VirtualBox, DigitalOcean, AWS, etc.)</a:t>
+            </a:r>
+            <a:endParaRPr lang="en-US" altLang="zh-CN" sz="2160"/>
+          </a:p>
+          <a:p>
+            <a:pPr lvl="1"/>
+            <a:r>
+              <a:rPr lang="en-US" altLang="zh-CN" sz="2400">
+                <a:sym typeface="+mn-ea"/>
+              </a:rPr>
+              <a:t>eval $(docker-machine env dev)</a:t>
+            </a:r>
+            <a:endParaRPr lang="en-US" altLang="zh-CN" sz="2400">
+              <a:sym typeface="+mn-ea"/>
+            </a:endParaRPr>
+          </a:p>
+          <a:p>
+            <a:pPr lvl="1" algn="l">
+              <a:buClrTx/>
+              <a:buSzTx/>
+            </a:pPr>
+            <a:r>
+              <a:rPr lang="en-US" altLang="zh-CN" sz="2400">
+                <a:sym typeface="+mn-ea"/>
+              </a:rPr>
+              <a:t>docker-machine ls</a:t>
+            </a:r>
+            <a:endParaRPr lang="en-US" altLang="zh-CN" sz="2400"/>
+          </a:p>
+          <a:p>
+            <a:pPr lvl="1"/>
+            <a:r>
+              <a:rPr lang="en-US" altLang="zh-CN" sz="2400"/>
+              <a:t>docker-machine ip default</a:t>
+            </a:r>
+            <a:endParaRPr lang="en-US" altLang="zh-CN" sz="2400"/>
+          </a:p>
+          <a:p>
+            <a:pPr lvl="1"/>
+            <a:r>
+              <a:rPr lang="en-US" altLang="zh-CN" sz="2400"/>
+              <a:t>docker-machine start {docker-machine-name}</a:t>
+            </a:r>
+            <a:endParaRPr lang="en-US" altLang="zh-CN" sz="2400"/>
+          </a:p>
+          <a:p>
+            <a:pPr lvl="1"/>
+            <a:r>
+              <a:rPr lang="en-US" altLang="zh-CN" sz="2400"/>
+              <a:t>eval "$(docker-machine env dev)"	# make a machine active</a:t>
+            </a:r>
+            <a:endParaRPr lang="en-US" altLang="zh-CN" sz="2400"/>
+          </a:p>
+          <a:p>
+            <a:endParaRPr lang="zh-CN" altLang="en-US"/>
           </a:p>
         </p:txBody>
       </p:sp>
@@ -9598,6 +9639,79 @@
 </file>
 
 <file path=ppt/slides/slide26.xml><?xml version="1.0" encoding="utf-8"?>
+<p:sld xmlns:a="http://schemas.openxmlformats.org/drawingml/2006/main" xmlns:r="http://schemas.openxmlformats.org/officeDocument/2006/relationships" xmlns:p="http://schemas.openxmlformats.org/presentationml/2006/main">
+  <p:cSld>
+    <p:spTree>
+      <p:nvGrpSpPr>
+        <p:cNvPr id="1" name=""/>
+        <p:cNvGrpSpPr/>
+        <p:nvPr/>
+      </p:nvGrpSpPr>
+      <p:grpSpPr/>
+      <p:sp>
+        <p:nvSpPr>
+          <p:cNvPr id="2" name="标题 1"/>
+          <p:cNvSpPr>
+            <a:spLocks noGrp="1"/>
+          </p:cNvSpPr>
+          <p:nvPr>
+            <p:ph type="title"/>
+          </p:nvPr>
+        </p:nvSpPr>
+        <p:spPr/>
+        <p:txBody>
+          <a:bodyPr/>
+          <a:p>
+            <a:r>
+              <a:rPr lang="en-US" altLang="zh-CN"/>
+              <a:t>Alpine</a:t>
+            </a:r>
+            <a:endParaRPr lang="en-US" altLang="zh-CN"/>
+          </a:p>
+        </p:txBody>
+      </p:sp>
+      <p:sp>
+        <p:nvSpPr>
+          <p:cNvPr id="3" name="内容占位符 2"/>
+          <p:cNvSpPr>
+            <a:spLocks noGrp="1"/>
+          </p:cNvSpPr>
+          <p:nvPr>
+            <p:ph idx="1"/>
+          </p:nvPr>
+        </p:nvSpPr>
+        <p:spPr/>
+        <p:txBody>
+          <a:bodyPr/>
+          <a:p>
+            <a:r>
+              <a:rPr lang="en-US" altLang="zh-CN"/>
+              <a:t>Intro</a:t>
+            </a:r>
+            <a:endParaRPr lang="en-US" altLang="zh-CN"/>
+          </a:p>
+          <a:p>
+            <a:pPr lvl="1"/>
+            <a:r>
+              <a:rPr lang="en-US" altLang="zh-CN"/>
+              <a:t>a minimal docker image based on Alpine Linux with a complete package index and only 5MB in size</a:t>
+            </a:r>
+            <a:endParaRPr lang="en-US" altLang="zh-CN"/>
+          </a:p>
+        </p:txBody>
+      </p:sp>
+    </p:spTree>
+    <p:custDataLst>
+      <p:tags r:id="rId1"/>
+    </p:custDataLst>
+  </p:cSld>
+  <p:clrMapOvr>
+    <a:masterClrMapping/>
+  </p:clrMapOvr>
+</p:sld>
+</file>
+
+<file path=ppt/slides/slide27.xml><?xml version="1.0" encoding="utf-8"?>
 <p:sld xmlns:a="http://schemas.openxmlformats.org/drawingml/2006/main" xmlns:r="http://schemas.openxmlformats.org/officeDocument/2006/relationships" xmlns:p="http://schemas.openxmlformats.org/presentationml/2006/main">
   <p:cSld>
     <p:spTree>
@@ -9763,7 +9877,7 @@
 </p:sld>
 </file>
 
-<file path=ppt/slides/slide27.xml><?xml version="1.0" encoding="utf-8"?>
+<file path=ppt/slides/slide28.xml><?xml version="1.0" encoding="utf-8"?>
 <p:sld xmlns:a="http://schemas.openxmlformats.org/drawingml/2006/main" xmlns:r="http://schemas.openxmlformats.org/officeDocument/2006/relationships" xmlns:p="http://schemas.openxmlformats.org/presentationml/2006/main">
   <p:cSld>
     <p:spTree>
@@ -9882,7 +9996,7 @@
 </p:sld>
 </file>
 
-<file path=ppt/slides/slide28.xml><?xml version="1.0" encoding="utf-8"?>
+<file path=ppt/slides/slide29.xml><?xml version="1.0" encoding="utf-8"?>
 <p:sld xmlns:a="http://schemas.openxmlformats.org/drawingml/2006/main" xmlns:r="http://schemas.openxmlformats.org/officeDocument/2006/relationships" xmlns:p="http://schemas.openxmlformats.org/presentationml/2006/main">
   <p:cSld>
     <p:spTree>
@@ -10022,306 +10136,6 @@
     </p:spTree>
     <p:custDataLst>
       <p:tags r:id="rId2"/>
-    </p:custDataLst>
-  </p:cSld>
-  <p:clrMapOvr>
-    <a:masterClrMapping/>
-  </p:clrMapOvr>
-</p:sld>
-</file>
-
-<file path=ppt/slides/slide29.xml><?xml version="1.0" encoding="utf-8"?>
-<p:sld xmlns:a="http://schemas.openxmlformats.org/drawingml/2006/main" xmlns:r="http://schemas.openxmlformats.org/officeDocument/2006/relationships" xmlns:p="http://schemas.openxmlformats.org/presentationml/2006/main">
-  <p:cSld>
-    <p:spTree>
-      <p:nvGrpSpPr>
-        <p:cNvPr id="1" name=""/>
-        <p:cNvGrpSpPr/>
-        <p:nvPr/>
-      </p:nvGrpSpPr>
-      <p:grpSpPr/>
-      <p:sp>
-        <p:nvSpPr>
-          <p:cNvPr id="2" name="标题 1"/>
-          <p:cNvSpPr>
-            <a:spLocks noGrp="1"/>
-          </p:cNvSpPr>
-          <p:nvPr>
-            <p:ph type="title"/>
-          </p:nvPr>
-        </p:nvSpPr>
-        <p:spPr/>
-        <p:txBody>
-          <a:bodyPr/>
-          <a:p>
-            <a:r>
-              <a:rPr lang="en-US" altLang="zh-CN"/>
-              <a:t>GPU Support</a:t>
-            </a:r>
-            <a:endParaRPr lang="en-US" altLang="zh-CN"/>
-          </a:p>
-        </p:txBody>
-      </p:sp>
-      <p:sp>
-        <p:nvSpPr>
-          <p:cNvPr id="3" name="内容占位符 2"/>
-          <p:cNvSpPr>
-            <a:spLocks noGrp="1"/>
-          </p:cNvSpPr>
-          <p:nvPr>
-            <p:ph idx="1"/>
-          </p:nvPr>
-        </p:nvSpPr>
-        <p:spPr>
-          <a:xfrm>
-            <a:off x="838200" y="1211580"/>
-            <a:ext cx="6453505" cy="5386070"/>
-          </a:xfrm>
-        </p:spPr>
-        <p:txBody>
-          <a:bodyPr>
-            <a:normAutofit fontScale="70000"/>
-          </a:bodyPr>
-          <a:p>
-            <a:r>
-              <a:rPr lang="en-US" altLang="zh-CN"/>
-              <a:t>References</a:t>
-            </a:r>
-            <a:endParaRPr lang="en-US" altLang="zh-CN"/>
-          </a:p>
-          <a:p>
-            <a:pPr lvl="1"/>
-            <a:r>
-              <a:rPr lang="en-US" altLang="zh-CN"/>
-              <a:t>https://docs.docker.com/engine/reference/commandline/run/</a:t>
-            </a:r>
-            <a:endParaRPr lang="en-US" altLang="zh-CN"/>
-          </a:p>
-          <a:p>
-            <a:pPr lvl="0"/>
-            <a:r>
-              <a:rPr lang="en-US" altLang="zh-CN"/>
-              <a:t>docker-compose</a:t>
-            </a:r>
-            <a:endParaRPr lang="en-US" altLang="zh-CN"/>
-          </a:p>
-          <a:p>
-            <a:pPr lvl="1"/>
-            <a:r>
-              <a:rPr lang="en-US" altLang="zh-CN"/>
-              <a:t>https://docs.docker.com/compose/gpu-support/</a:t>
-            </a:r>
-            <a:endParaRPr lang="en-US" altLang="zh-CN"/>
-          </a:p>
-          <a:p>
-            <a:pPr lvl="0"/>
-            <a:r>
-              <a:rPr lang="en-US" altLang="zh-CN" sz="2400"/>
-              <a:t>docker</a:t>
-            </a:r>
-            <a:endParaRPr lang="en-US" altLang="zh-CN" sz="2400"/>
-          </a:p>
-          <a:p>
-            <a:pPr lvl="1"/>
-            <a:r>
-              <a:rPr lang="en-US" altLang="zh-CN" sz="2000"/>
-              <a:t>install driver in host OS</a:t>
-            </a:r>
-            <a:endParaRPr lang="en-US" altLang="zh-CN" sz="2000"/>
-          </a:p>
-          <a:p>
-            <a:pPr lvl="2"/>
-            <a:r>
-              <a:rPr lang="en-US" altLang="zh-CN"/>
-              <a:t>https://docs.nvidia.com/datacenter/tesla/tesla-installation-notes/index.html#ubuntu-lts</a:t>
-            </a:r>
-            <a:endParaRPr lang="en-US" altLang="zh-CN" sz="1800"/>
-          </a:p>
-          <a:p>
-            <a:pPr lvl="2"/>
-            <a:r>
-              <a:rPr lang="en-US" altLang="zh-CN"/>
-              <a:t>sudo apt-get install linux-headers-$(uname -r)</a:t>
-            </a:r>
-            <a:endParaRPr lang="en-US" altLang="zh-CN" sz="1800"/>
-          </a:p>
-          <a:p>
-            <a:pPr lvl="2"/>
-            <a:r>
-              <a:rPr lang="en-US" altLang="zh-CN"/>
-              <a:t>distribution=$(. /etc/os-release;echo $ID$VERSION_ID | sed -e 's/\.//g')</a:t>
-            </a:r>
-            <a:endParaRPr lang="en-US" altLang="zh-CN" sz="1800"/>
-          </a:p>
-          <a:p>
-            <a:pPr lvl="2"/>
-            <a:r>
-              <a:rPr lang="en-US" altLang="zh-CN"/>
-              <a:t>wget https://developer.download.nvidia.com/compute/cuda/repos/$distribution/x86_64/cuda-keyring_1.0-1_all.deb</a:t>
-            </a:r>
-            <a:endParaRPr lang="en-US" altLang="zh-CN" sz="1800"/>
-          </a:p>
-          <a:p>
-            <a:pPr lvl="2"/>
-            <a:r>
-              <a:rPr lang="en-US" altLang="zh-CN"/>
-              <a:t>sudo dpkg -i cuda-keyring_1.0-1_all.deb</a:t>
-            </a:r>
-            <a:endParaRPr lang="en-US" altLang="zh-CN" sz="1800"/>
-          </a:p>
-          <a:p>
-            <a:pPr lvl="2"/>
-            <a:r>
-              <a:rPr lang="en-US" altLang="zh-CN"/>
-              <a:t>sudo apt-get update</a:t>
-            </a:r>
-            <a:endParaRPr lang="en-US" altLang="zh-CN" sz="1800"/>
-          </a:p>
-          <a:p>
-            <a:pPr lvl="2"/>
-            <a:r>
-              <a:rPr lang="en-US" altLang="zh-CN"/>
-              <a:t>sudo apt-get -y install cuda-drivers</a:t>
-            </a:r>
-            <a:endParaRPr lang="en-US" altLang="zh-CN"/>
-          </a:p>
-          <a:p>
-            <a:pPr lvl="2"/>
-            <a:r>
-              <a:rPr lang="en-US" altLang="zh-CN"/>
-              <a:t>export PATH=/usr/local/cuda-11.7/bin${PATH:+:${PATH}}</a:t>
-            </a:r>
-            <a:endParaRPr lang="en-US" altLang="zh-CN"/>
-          </a:p>
-          <a:p>
-            <a:pPr lvl="2"/>
-            <a:r>
-              <a:rPr lang="en-US" altLang="zh-CN"/>
-              <a:t>export LD_LIBRARY_PATH=/usr/local/cuda-11.7/lib64\               ${LD_LIBRARY_PATH:+:${LD_LIBRARY_PATH}}</a:t>
-            </a:r>
-            <a:endParaRPr lang="en-US" altLang="zh-CN"/>
-          </a:p>
-          <a:p>
-            <a:pPr lvl="2"/>
-            <a:r>
-              <a:rPr lang="en-US" altLang="zh-CN"/>
-              <a:t>cat /proc/driver/nvidia/version</a:t>
-            </a:r>
-            <a:endParaRPr lang="en-US" altLang="zh-CN"/>
-          </a:p>
-          <a:p>
-            <a:pPr lvl="1"/>
-            <a:endParaRPr lang="en-US" altLang="zh-CN"/>
-          </a:p>
-        </p:txBody>
-      </p:sp>
-      <p:sp>
-        <p:nvSpPr>
-          <p:cNvPr id="4" name="文本框 3"/>
-          <p:cNvSpPr txBox="1"/>
-          <p:nvPr/>
-        </p:nvSpPr>
-        <p:spPr>
-          <a:xfrm>
-            <a:off x="7790815" y="1457960"/>
-            <a:ext cx="4033520" cy="3046095"/>
-          </a:xfrm>
-          <a:prstGeom prst="rect">
-            <a:avLst/>
-          </a:prstGeom>
-          <a:noFill/>
-          <a:ln>
-            <a:solidFill>
-              <a:srgbClr val="C00000"/>
-            </a:solidFill>
-          </a:ln>
-        </p:spPr>
-        <p:txBody>
-          <a:bodyPr wrap="square" rtlCol="0">
-            <a:spAutoFit/>
-          </a:bodyPr>
-          <a:p>
-            <a:r>
-              <a:rPr lang="zh-CN" altLang="en-US" sz="1600"/>
-              <a:t>services:</a:t>
-            </a:r>
-            <a:endParaRPr lang="zh-CN" altLang="en-US" sz="1600"/>
-          </a:p>
-          <a:p>
-            <a:r>
-              <a:rPr lang="zh-CN" altLang="en-US" sz="1600"/>
-              <a:t>  test:</a:t>
-            </a:r>
-            <a:endParaRPr lang="zh-CN" altLang="en-US" sz="1600"/>
-          </a:p>
-          <a:p>
-            <a:r>
-              <a:rPr lang="zh-CN" altLang="en-US" sz="1600"/>
-              <a:t>    image: tensorflow/tensorflow:latest-gpu</a:t>
-            </a:r>
-            <a:endParaRPr lang="zh-CN" altLang="en-US" sz="1600"/>
-          </a:p>
-          <a:p>
-            <a:r>
-              <a:rPr lang="zh-CN" altLang="en-US" sz="1600"/>
-              <a:t>    command: python -c "import tensorflow as tf;tf.test.gpu_device_name()"</a:t>
-            </a:r>
-            <a:endParaRPr lang="zh-CN" altLang="en-US" sz="1600"/>
-          </a:p>
-          <a:p>
-            <a:r>
-              <a:rPr lang="zh-CN" altLang="en-US" sz="1600"/>
-              <a:t>    deploy:</a:t>
-            </a:r>
-            <a:endParaRPr lang="zh-CN" altLang="en-US" sz="1600"/>
-          </a:p>
-          <a:p>
-            <a:r>
-              <a:rPr lang="zh-CN" altLang="en-US" sz="1600"/>
-              <a:t>      resources:</a:t>
-            </a:r>
-            <a:endParaRPr lang="zh-CN" altLang="en-US" sz="1600"/>
-          </a:p>
-          <a:p>
-            <a:r>
-              <a:rPr lang="zh-CN" altLang="en-US" sz="1600"/>
-              <a:t>        reservations:</a:t>
-            </a:r>
-            <a:endParaRPr lang="zh-CN" altLang="en-US" sz="1600"/>
-          </a:p>
-          <a:p>
-            <a:r>
-              <a:rPr lang="zh-CN" altLang="en-US" sz="1600"/>
-              <a:t>          devices:</a:t>
-            </a:r>
-            <a:endParaRPr lang="zh-CN" altLang="en-US" sz="1600"/>
-          </a:p>
-          <a:p>
-            <a:r>
-              <a:rPr lang="zh-CN" altLang="en-US" sz="1600"/>
-              <a:t>          - driver: nvidia</a:t>
-            </a:r>
-            <a:endParaRPr lang="zh-CN" altLang="en-US" sz="1600"/>
-          </a:p>
-          <a:p>
-            <a:r>
-              <a:rPr lang="zh-CN" altLang="en-US" sz="1600"/>
-              <a:t>            device_ids: ['0', '3']</a:t>
-            </a:r>
-            <a:endParaRPr lang="zh-CN" altLang="en-US" sz="1600"/>
-          </a:p>
-          <a:p>
-            <a:r>
-              <a:rPr lang="zh-CN" altLang="en-US" sz="1600"/>
-              <a:t>            capabilities: [gpu]</a:t>
-            </a:r>
-            <a:endParaRPr lang="zh-CN" altLang="en-US" sz="1600"/>
-          </a:p>
-        </p:txBody>
-      </p:sp>
-    </p:spTree>
-    <p:custDataLst>
-      <p:tags r:id="rId1"/>
     </p:custDataLst>
   </p:cSld>
   <p:clrMapOvr>
@@ -10556,7 +10370,7 @@
           <a:p>
             <a:r>
               <a:rPr lang="en-US" altLang="zh-CN"/>
-              <a:t>GPU Support 2</a:t>
+              <a:t>GPU Support</a:t>
             </a:r>
             <a:endParaRPr lang="en-US" altLang="zh-CN"/>
           </a:p>
@@ -10572,13 +10386,20 @@
             <p:ph idx="1"/>
           </p:nvPr>
         </p:nvSpPr>
-        <p:spPr/>
-        <p:txBody>
-          <a:bodyPr/>
-          <a:p>
-            <a:r>
-              <a:rPr lang="en-US" altLang="zh-CN"/>
-              <a:t>Docker</a:t>
+        <p:spPr>
+          <a:xfrm>
+            <a:off x="838200" y="1211580"/>
+            <a:ext cx="6453505" cy="5386070"/>
+          </a:xfrm>
+        </p:spPr>
+        <p:txBody>
+          <a:bodyPr>
+            <a:normAutofit fontScale="70000"/>
+          </a:bodyPr>
+          <a:p>
+            <a:r>
+              <a:rPr lang="en-US" altLang="zh-CN"/>
+              <a:t>References</a:t>
             </a:r>
             <a:endParaRPr lang="en-US" altLang="zh-CN"/>
           </a:p>
@@ -10586,47 +10407,95 @@
             <a:pPr lvl="1"/>
             <a:r>
               <a:rPr lang="en-US" altLang="zh-CN"/>
-              <a:t>install Nvidia container toolkit</a:t>
-            </a:r>
-            <a:endParaRPr lang="en-US" altLang="zh-CN"/>
+              <a:t>https://docs.docker.com/engine/reference/commandline/run/</a:t>
+            </a:r>
+            <a:endParaRPr lang="en-US" altLang="zh-CN"/>
+          </a:p>
+          <a:p>
+            <a:pPr lvl="0"/>
+            <a:r>
+              <a:rPr lang="en-US" altLang="zh-CN"/>
+              <a:t>docker-compose</a:t>
+            </a:r>
+            <a:endParaRPr lang="en-US" altLang="zh-CN"/>
+          </a:p>
+          <a:p>
+            <a:pPr lvl="1"/>
+            <a:r>
+              <a:rPr lang="en-US" altLang="zh-CN"/>
+              <a:t>https://docs.docker.com/compose/gpu-support/</a:t>
+            </a:r>
+            <a:endParaRPr lang="en-US" altLang="zh-CN"/>
+          </a:p>
+          <a:p>
+            <a:pPr lvl="0"/>
+            <a:r>
+              <a:rPr lang="en-US" altLang="zh-CN" sz="2400"/>
+              <a:t>docker</a:t>
+            </a:r>
+            <a:endParaRPr lang="en-US" altLang="zh-CN" sz="2400"/>
+          </a:p>
+          <a:p>
+            <a:pPr lvl="1"/>
+            <a:r>
+              <a:rPr lang="en-US" altLang="zh-CN" sz="2000"/>
+              <a:t>install driver in host OS</a:t>
+            </a:r>
+            <a:endParaRPr lang="en-US" altLang="zh-CN" sz="2000"/>
           </a:p>
           <a:p>
             <a:pPr lvl="2"/>
             <a:r>
               <a:rPr lang="en-US" altLang="zh-CN"/>
-              <a:t>distribution=$(. /etc/os-release;echo $ID$VERSION_ID)</a:t>
-            </a:r>
-            <a:endParaRPr lang="en-US" altLang="zh-CN"/>
+              <a:t>https://docs.nvidia.com/datacenter/tesla/tesla-installation-notes/index.html#ubuntu-lts</a:t>
+            </a:r>
+            <a:endParaRPr lang="en-US" altLang="zh-CN" sz="1800"/>
           </a:p>
           <a:p>
             <a:pPr lvl="2"/>
             <a:r>
               <a:rPr lang="en-US" altLang="zh-CN"/>
-              <a:t>curl -s -L https://nvidia.github.io/nvidia-docker/gpgkey | sudo apt-key add -</a:t>
-            </a:r>
-            <a:endParaRPr lang="en-US" altLang="zh-CN"/>
+              <a:t>sudo apt-get install linux-headers-$(uname -r)</a:t>
+            </a:r>
+            <a:endParaRPr lang="en-US" altLang="zh-CN" sz="1800"/>
           </a:p>
           <a:p>
             <a:pPr lvl="2"/>
             <a:r>
               <a:rPr lang="en-US" altLang="zh-CN"/>
-              <a:t>curl -s -L https://nvidia.github.io/nvidia-docker/$distribution/nvidia-docker.list | sudo tee /etc/apt/sources.list.d/nvidia-docker.list</a:t>
-            </a:r>
-            <a:endParaRPr lang="en-US" altLang="zh-CN"/>
+              <a:t>distribution=$(. /etc/os-release;echo $ID$VERSION_ID | sed -e 's/\.//g')</a:t>
+            </a:r>
+            <a:endParaRPr lang="en-US" altLang="zh-CN" sz="1800"/>
           </a:p>
           <a:p>
             <a:pPr lvl="2"/>
             <a:r>
               <a:rPr lang="en-US" altLang="zh-CN"/>
+              <a:t>wget https://developer.download.nvidia.com/compute/cuda/repos/$distribution/x86_64/cuda-keyring_1.0-1_all.deb</a:t>
+            </a:r>
+            <a:endParaRPr lang="en-US" altLang="zh-CN" sz="1800"/>
+          </a:p>
+          <a:p>
+            <a:pPr lvl="2"/>
+            <a:r>
+              <a:rPr lang="en-US" altLang="zh-CN"/>
+              <a:t>sudo dpkg -i cuda-keyring_1.0-1_all.deb</a:t>
+            </a:r>
+            <a:endParaRPr lang="en-US" altLang="zh-CN" sz="1800"/>
+          </a:p>
+          <a:p>
+            <a:pPr lvl="2"/>
+            <a:r>
+              <a:rPr lang="en-US" altLang="zh-CN"/>
               <a:t>sudo apt-get update</a:t>
             </a:r>
-            <a:endParaRPr lang="en-US" altLang="zh-CN"/>
+            <a:endParaRPr lang="en-US" altLang="zh-CN" sz="1800"/>
           </a:p>
           <a:p>
             <a:pPr lvl="2"/>
             <a:r>
               <a:rPr lang="en-US" altLang="zh-CN"/>
-              <a:t>sudo apt-get install -y nvidia-container-toolkit</a:t>
+              <a:t>sudo apt-get -y install cuda-drivers</a:t>
             </a:r>
             <a:endParaRPr lang="en-US" altLang="zh-CN"/>
           </a:p>
@@ -10634,25 +10503,133 @@
             <a:pPr lvl="2"/>
             <a:r>
               <a:rPr lang="en-US" altLang="zh-CN"/>
-              <a:t>sudo systemctl restart docker</a:t>
+              <a:t>export PATH=/usr/local/cuda-11.7/bin${PATH:+:${PATH}}</a:t>
+            </a:r>
+            <a:endParaRPr lang="en-US" altLang="zh-CN"/>
+          </a:p>
+          <a:p>
+            <a:pPr lvl="2"/>
+            <a:r>
+              <a:rPr lang="en-US" altLang="zh-CN"/>
+              <a:t>export LD_LIBRARY_PATH=/usr/local/cuda-11.7/lib64\               ${LD_LIBRARY_PATH:+:${LD_LIBRARY_PATH}}</a:t>
+            </a:r>
+            <a:endParaRPr lang="en-US" altLang="zh-CN"/>
+          </a:p>
+          <a:p>
+            <a:pPr lvl="2"/>
+            <a:r>
+              <a:rPr lang="en-US" altLang="zh-CN"/>
+              <a:t>cat /proc/driver/nvidia/version</a:t>
             </a:r>
             <a:endParaRPr lang="en-US" altLang="zh-CN"/>
           </a:p>
           <a:p>
             <a:pPr lvl="1"/>
-            <a:r>
-              <a:rPr lang="en-US" altLang="zh-CN"/>
-              <a:t>test</a:t>
-            </a:r>
-            <a:endParaRPr lang="en-US" altLang="zh-CN"/>
-          </a:p>
-          <a:p>
-            <a:pPr lvl="2"/>
-            <a:r>
-              <a:rPr lang="en-US" altLang="zh-CN"/>
-              <a:t>docker run --gpus all nvidia/cuda:10.0-base nvidia-smi</a:t>
-            </a:r>
-            <a:endParaRPr lang="en-US" altLang="zh-CN"/>
+            <a:endParaRPr lang="en-US" altLang="zh-CN"/>
+          </a:p>
+        </p:txBody>
+      </p:sp>
+      <p:sp>
+        <p:nvSpPr>
+          <p:cNvPr id="4" name="文本框 3"/>
+          <p:cNvSpPr txBox="1"/>
+          <p:nvPr/>
+        </p:nvSpPr>
+        <p:spPr>
+          <a:xfrm>
+            <a:off x="7790815" y="1457960"/>
+            <a:ext cx="4033520" cy="3046095"/>
+          </a:xfrm>
+          <a:prstGeom prst="rect">
+            <a:avLst/>
+          </a:prstGeom>
+          <a:noFill/>
+          <a:ln>
+            <a:solidFill>
+              <a:srgbClr val="C00000"/>
+            </a:solidFill>
+          </a:ln>
+        </p:spPr>
+        <p:txBody>
+          <a:bodyPr wrap="square" rtlCol="0">
+            <a:spAutoFit/>
+          </a:bodyPr>
+          <a:p>
+            <a:r>
+              <a:rPr lang="zh-CN" altLang="en-US" sz="1600"/>
+              <a:t>services:</a:t>
+            </a:r>
+            <a:endParaRPr lang="zh-CN" altLang="en-US" sz="1600"/>
+          </a:p>
+          <a:p>
+            <a:r>
+              <a:rPr lang="zh-CN" altLang="en-US" sz="1600"/>
+              <a:t>  test:</a:t>
+            </a:r>
+            <a:endParaRPr lang="zh-CN" altLang="en-US" sz="1600"/>
+          </a:p>
+          <a:p>
+            <a:r>
+              <a:rPr lang="zh-CN" altLang="en-US" sz="1600"/>
+              <a:t>    image: tensorflow/tensorflow:latest-gpu</a:t>
+            </a:r>
+            <a:endParaRPr lang="zh-CN" altLang="en-US" sz="1600"/>
+          </a:p>
+          <a:p>
+            <a:r>
+              <a:rPr lang="zh-CN" altLang="en-US" sz="1600"/>
+              <a:t>    command: python -c "import tensorflow as tf;tf.test.gpu_device_name()"</a:t>
+            </a:r>
+            <a:endParaRPr lang="zh-CN" altLang="en-US" sz="1600"/>
+          </a:p>
+          <a:p>
+            <a:r>
+              <a:rPr lang="zh-CN" altLang="en-US" sz="1600"/>
+              <a:t>    deploy:</a:t>
+            </a:r>
+            <a:endParaRPr lang="zh-CN" altLang="en-US" sz="1600"/>
+          </a:p>
+          <a:p>
+            <a:r>
+              <a:rPr lang="zh-CN" altLang="en-US" sz="1600"/>
+              <a:t>      resources:</a:t>
+            </a:r>
+            <a:endParaRPr lang="zh-CN" altLang="en-US" sz="1600"/>
+          </a:p>
+          <a:p>
+            <a:r>
+              <a:rPr lang="zh-CN" altLang="en-US" sz="1600"/>
+              <a:t>        reservations:</a:t>
+            </a:r>
+            <a:endParaRPr lang="zh-CN" altLang="en-US" sz="1600"/>
+          </a:p>
+          <a:p>
+            <a:r>
+              <a:rPr lang="zh-CN" altLang="en-US" sz="1600"/>
+              <a:t>          devices:</a:t>
+            </a:r>
+            <a:endParaRPr lang="zh-CN" altLang="en-US" sz="1600"/>
+          </a:p>
+          <a:p>
+            <a:r>
+              <a:rPr lang="zh-CN" altLang="en-US" sz="1600"/>
+              <a:t>          - driver: nvidia</a:t>
+            </a:r>
+            <a:endParaRPr lang="zh-CN" altLang="en-US" sz="1600"/>
+          </a:p>
+          <a:p>
+            <a:r>
+              <a:rPr lang="zh-CN" altLang="en-US" sz="1600"/>
+              <a:t>            device_ids: ['0', '3']</a:t>
+            </a:r>
+            <a:endParaRPr lang="zh-CN" altLang="en-US" sz="1600"/>
+          </a:p>
+          <a:p>
+            <a:r>
+              <a:rPr lang="zh-CN" altLang="en-US" sz="1600"/>
+              <a:t>            capabilities: [gpu]</a:t>
+            </a:r>
+            <a:endParaRPr lang="zh-CN" altLang="en-US" sz="1600"/>
           </a:p>
         </p:txBody>
       </p:sp>
@@ -10668,6 +10645,143 @@
 </file>
 
 <file path=ppt/slides/slide31.xml><?xml version="1.0" encoding="utf-8"?>
+<p:sld xmlns:a="http://schemas.openxmlformats.org/drawingml/2006/main" xmlns:r="http://schemas.openxmlformats.org/officeDocument/2006/relationships" xmlns:p="http://schemas.openxmlformats.org/presentationml/2006/main">
+  <p:cSld>
+    <p:spTree>
+      <p:nvGrpSpPr>
+        <p:cNvPr id="1" name=""/>
+        <p:cNvGrpSpPr/>
+        <p:nvPr/>
+      </p:nvGrpSpPr>
+      <p:grpSpPr/>
+      <p:sp>
+        <p:nvSpPr>
+          <p:cNvPr id="2" name="标题 1"/>
+          <p:cNvSpPr>
+            <a:spLocks noGrp="1"/>
+          </p:cNvSpPr>
+          <p:nvPr>
+            <p:ph type="title"/>
+          </p:nvPr>
+        </p:nvSpPr>
+        <p:spPr/>
+        <p:txBody>
+          <a:bodyPr/>
+          <a:p>
+            <a:r>
+              <a:rPr lang="en-US" altLang="zh-CN"/>
+              <a:t>GPU Support 2</a:t>
+            </a:r>
+            <a:endParaRPr lang="en-US" altLang="zh-CN"/>
+          </a:p>
+        </p:txBody>
+      </p:sp>
+      <p:sp>
+        <p:nvSpPr>
+          <p:cNvPr id="3" name="内容占位符 2"/>
+          <p:cNvSpPr>
+            <a:spLocks noGrp="1"/>
+          </p:cNvSpPr>
+          <p:nvPr>
+            <p:ph idx="1"/>
+          </p:nvPr>
+        </p:nvSpPr>
+        <p:spPr/>
+        <p:txBody>
+          <a:bodyPr/>
+          <a:p>
+            <a:r>
+              <a:rPr lang="en-US" altLang="zh-CN"/>
+              <a:t>Docker</a:t>
+            </a:r>
+            <a:endParaRPr lang="en-US" altLang="zh-CN"/>
+          </a:p>
+          <a:p>
+            <a:pPr lvl="1"/>
+            <a:r>
+              <a:rPr lang="en-US" altLang="zh-CN"/>
+              <a:t>install Nvidia container toolkit</a:t>
+            </a:r>
+            <a:endParaRPr lang="en-US" altLang="zh-CN"/>
+          </a:p>
+          <a:p>
+            <a:pPr lvl="2"/>
+            <a:r>
+              <a:rPr lang="en-US" altLang="zh-CN"/>
+              <a:t>distribution=$(. /etc/os-release;echo $ID$VERSION_ID)</a:t>
+            </a:r>
+            <a:endParaRPr lang="en-US" altLang="zh-CN"/>
+          </a:p>
+          <a:p>
+            <a:pPr lvl="2"/>
+            <a:r>
+              <a:rPr lang="en-US" altLang="zh-CN"/>
+              <a:t>curl -s -L https://nvidia.github.io/nvidia-docker/gpgkey | sudo apt-key add -</a:t>
+            </a:r>
+            <a:endParaRPr lang="en-US" altLang="zh-CN"/>
+          </a:p>
+          <a:p>
+            <a:pPr lvl="2"/>
+            <a:r>
+              <a:rPr lang="en-US" altLang="zh-CN"/>
+              <a:t>curl -s -L https://nvidia.github.io/nvidia-docker/$distribution/nvidia-docker.list | sudo tee /etc/apt/sources.list.d/nvidia-docker.list</a:t>
+            </a:r>
+            <a:endParaRPr lang="en-US" altLang="zh-CN"/>
+          </a:p>
+          <a:p>
+            <a:pPr lvl="2"/>
+            <a:r>
+              <a:rPr lang="en-US" altLang="zh-CN"/>
+              <a:t>sudo apt-get update</a:t>
+            </a:r>
+            <a:endParaRPr lang="en-US" altLang="zh-CN"/>
+          </a:p>
+          <a:p>
+            <a:pPr lvl="2"/>
+            <a:r>
+              <a:rPr lang="en-US" altLang="zh-CN"/>
+              <a:t>sudo apt-get install -y nvidia-container-toolkit</a:t>
+            </a:r>
+            <a:endParaRPr lang="en-US" altLang="zh-CN"/>
+          </a:p>
+          <a:p>
+            <a:pPr lvl="2"/>
+            <a:r>
+              <a:rPr lang="en-US" altLang="zh-CN"/>
+              <a:t>sudo systemctl restart docker</a:t>
+            </a:r>
+            <a:endParaRPr lang="en-US" altLang="zh-CN"/>
+          </a:p>
+          <a:p>
+            <a:pPr lvl="1"/>
+            <a:r>
+              <a:rPr lang="en-US" altLang="zh-CN"/>
+              <a:t>test</a:t>
+            </a:r>
+            <a:endParaRPr lang="en-US" altLang="zh-CN"/>
+          </a:p>
+          <a:p>
+            <a:pPr lvl="2"/>
+            <a:r>
+              <a:rPr lang="en-US" altLang="zh-CN"/>
+              <a:t>docker run --gpus all nvidia/cuda:10.0-base nvidia-smi</a:t>
+            </a:r>
+            <a:endParaRPr lang="en-US" altLang="zh-CN"/>
+          </a:p>
+        </p:txBody>
+      </p:sp>
+    </p:spTree>
+    <p:custDataLst>
+      <p:tags r:id="rId1"/>
+    </p:custDataLst>
+  </p:cSld>
+  <p:clrMapOvr>
+    <a:masterClrMapping/>
+  </p:clrMapOvr>
+</p:sld>
+</file>
+
+<file path=ppt/slides/slide32.xml><?xml version="1.0" encoding="utf-8"?>
 <p:sld xmlns:a="http://schemas.openxmlformats.org/drawingml/2006/main" xmlns:r="http://schemas.openxmlformats.org/officeDocument/2006/relationships" xmlns:p="http://schemas.openxmlformats.org/presentationml/2006/main">
   <p:cSld>
     <p:spTree>
@@ -10811,103 +10925,6 @@
 </p:sld>
 </file>
 
-<file path=ppt/slides/slide32.xml><?xml version="1.0" encoding="utf-8"?>
-<p:sld xmlns:a="http://schemas.openxmlformats.org/drawingml/2006/main" xmlns:r="http://schemas.openxmlformats.org/officeDocument/2006/relationships" xmlns:p="http://schemas.openxmlformats.org/presentationml/2006/main">
-  <p:cSld>
-    <p:spTree>
-      <p:nvGrpSpPr>
-        <p:cNvPr id="1" name=""/>
-        <p:cNvGrpSpPr/>
-        <p:nvPr/>
-      </p:nvGrpSpPr>
-      <p:grpSpPr/>
-      <p:sp>
-        <p:nvSpPr>
-          <p:cNvPr id="2" name="标题 1"/>
-          <p:cNvSpPr>
-            <a:spLocks noGrp="1"/>
-          </p:cNvSpPr>
-          <p:nvPr>
-            <p:ph type="title"/>
-          </p:nvPr>
-        </p:nvSpPr>
-        <p:spPr/>
-        <p:txBody>
-          <a:bodyPr/>
-          <a:p>
-            <a:r>
-              <a:rPr lang="en-US" altLang="zh-CN"/>
-              <a:t>Timezone</a:t>
-            </a:r>
-            <a:endParaRPr lang="en-US" altLang="zh-CN"/>
-          </a:p>
-        </p:txBody>
-      </p:sp>
-      <p:sp>
-        <p:nvSpPr>
-          <p:cNvPr id="3" name="内容占位符 2"/>
-          <p:cNvSpPr>
-            <a:spLocks noGrp="1"/>
-          </p:cNvSpPr>
-          <p:nvPr>
-            <p:ph idx="1"/>
-          </p:nvPr>
-        </p:nvSpPr>
-        <p:spPr/>
-        <p:txBody>
-          <a:bodyPr/>
-          <a:p>
-            <a:r>
-              <a:rPr lang="en-US" altLang="zh-CN"/>
-              <a:t>Set timezone</a:t>
-            </a:r>
-            <a:endParaRPr lang="en-US" altLang="zh-CN"/>
-          </a:p>
-          <a:p>
-            <a:pPr lvl="1"/>
-            <a:r>
-              <a:rPr lang="en-US" altLang="zh-CN"/>
-              <a:t># Set up time zone.</a:t>
-            </a:r>
-            <a:endParaRPr lang="en-US" altLang="zh-CN"/>
-          </a:p>
-          <a:p>
-            <a:pPr lvl="1"/>
-            <a:r>
-              <a:rPr lang="en-US" altLang="zh-CN"/>
-              <a:t>ENV TZ=Asia/Shanghai</a:t>
-            </a:r>
-            <a:endParaRPr lang="en-US" altLang="zh-CN"/>
-          </a:p>
-          <a:p>
-            <a:pPr lvl="1"/>
-            <a:r>
-              <a:rPr lang="en-US" altLang="zh-CN"/>
-              <a:t>RUN sudo apt-get update &amp;&amp; \</a:t>
-            </a:r>
-            <a:endParaRPr lang="en-US" altLang="zh-CN"/>
-          </a:p>
-          <a:p>
-            <a:pPr lvl="1"/>
-            <a:r>
-              <a:rPr lang="en-US" altLang="zh-CN"/>
-              <a:t>    sudo DEBIAN_FRONTEND=noninteractive apt-get install -yq tzdata</a:t>
-            </a:r>
-            <a:endParaRPr lang="en-US" altLang="zh-CN"/>
-          </a:p>
-        </p:txBody>
-      </p:sp>
-    </p:spTree>
-    <p:custDataLst>
-      <p:tags r:id="rId1"/>
-    </p:custDataLst>
-  </p:cSld>
-  <p:clrMapOvr>
-    <a:masterClrMapping/>
-  </p:clrMapOvr>
-</p:sld>
-</file>
-
 <file path=ppt/slides/slide33.xml><?xml version="1.0" encoding="utf-8"?>
 <p:sld xmlns:a="http://schemas.openxmlformats.org/drawingml/2006/main" xmlns:r="http://schemas.openxmlformats.org/officeDocument/2006/relationships" xmlns:p="http://schemas.openxmlformats.org/presentationml/2006/main">
   <p:cSld>
@@ -10934,7 +10951,7 @@
           <a:p>
             <a:r>
               <a:rPr lang="en-US" altLang="zh-CN"/>
-              <a:t>Docker Mirrors</a:t>
+              <a:t>Timezone</a:t>
             </a:r>
             <a:endParaRPr lang="en-US" altLang="zh-CN"/>
           </a:p>
@@ -10955,102 +10972,40 @@
           <a:bodyPr/>
           <a:p>
             <a:r>
-              <a:rPr lang="zh-CN" altLang="en-US"/>
-              <a:t>/etc/docker/daemon.json</a:t>
-            </a:r>
-            <a:endParaRPr lang="zh-CN" altLang="en-US"/>
+              <a:rPr lang="en-US" altLang="zh-CN"/>
+              <a:t>Set timezone</a:t>
+            </a:r>
+            <a:endParaRPr lang="en-US" altLang="zh-CN"/>
           </a:p>
           <a:p>
             <a:pPr lvl="1"/>
             <a:r>
               <a:rPr lang="en-US" altLang="zh-CN"/>
-              <a:t>tencentyun</a:t>
-            </a:r>
-            <a:endParaRPr lang="zh-CN" altLang="en-US"/>
-          </a:p>
-          <a:p>
-            <a:pPr marL="914400" lvl="2" indent="0">
-              <a:buNone/>
-            </a:pPr>
-            <a:r>
-              <a:rPr lang="zh-CN" altLang="en-US"/>
-              <a:t>{</a:t>
-            </a:r>
-            <a:endParaRPr lang="zh-CN" altLang="en-US"/>
-          </a:p>
-          <a:p>
-            <a:pPr marL="914400" lvl="2" indent="0">
-              <a:buNone/>
-            </a:pPr>
-            <a:r>
-              <a:rPr lang="zh-CN" altLang="en-US"/>
-              <a:t>        "registry-mirrors": [</a:t>
-            </a:r>
-            <a:endParaRPr lang="zh-CN" altLang="en-US"/>
-          </a:p>
-          <a:p>
-            <a:pPr marL="1371600" lvl="3" indent="457200">
-              <a:buNone/>
-            </a:pPr>
-            <a:r>
-              <a:rPr lang="zh-CN" altLang="en-US"/>
-              <a:t>"https://mirror.ccs.tencentyun.com"</a:t>
-            </a:r>
-            <a:r>
-              <a:rPr lang="en-US" altLang="zh-CN"/>
-              <a:t>,</a:t>
-            </a:r>
-            <a:endParaRPr lang="zh-CN" altLang="en-US"/>
-          </a:p>
-          <a:p>
-            <a:pPr marL="914400" lvl="2" indent="457200">
-              <a:buNone/>
-            </a:pPr>
-            <a:r>
-              <a:rPr lang="zh-CN" altLang="en-US"/>
-              <a:t>]</a:t>
-            </a:r>
-            <a:endParaRPr lang="zh-CN" altLang="en-US"/>
-          </a:p>
-          <a:p>
-            <a:pPr marL="914400" lvl="2" indent="0">
-              <a:buNone/>
-            </a:pPr>
-            <a:r>
-              <a:rPr lang="zh-CN" altLang="en-US"/>
-              <a:t>}</a:t>
-            </a:r>
-            <a:endParaRPr lang="zh-CN" altLang="en-US"/>
+              <a:t># Set up time zone.</a:t>
+            </a:r>
+            <a:endParaRPr lang="en-US" altLang="zh-CN"/>
           </a:p>
           <a:p>
             <a:pPr lvl="1"/>
             <a:r>
               <a:rPr lang="en-US" altLang="zh-CN"/>
-              <a:t>aliyun</a:t>
-            </a:r>
-            <a:endParaRPr lang="en-US" altLang="zh-CN"/>
-          </a:p>
-          <a:p>
-            <a:pPr lvl="2"/>
-            <a:r>
-              <a:rPr lang="zh-CN" altLang="en-US"/>
-              <a:t>https://cr.console.aliyun.com/cn-hangzhou/instances/mirrors</a:t>
-            </a:r>
-            <a:endParaRPr lang="en-US" altLang="zh-CN" sz="1800"/>
-          </a:p>
-          <a:p>
-            <a:pPr lvl="2"/>
-            <a:r>
-              <a:rPr lang="zh-CN" altLang="en-US"/>
-              <a:t>https://nume0cg0.mirror.aliyuncs.com</a:t>
-            </a:r>
-            <a:endParaRPr lang="zh-CN" altLang="en-US"/>
-          </a:p>
-          <a:p>
-            <a:pPr lvl="0"/>
-            <a:r>
-              <a:rPr lang="en-US" altLang="zh-CN"/>
-              <a:t>sudo systemctl restart docker</a:t>
+              <a:t>ENV TZ=Asia/Shanghai</a:t>
+            </a:r>
+            <a:endParaRPr lang="en-US" altLang="zh-CN"/>
+          </a:p>
+          <a:p>
+            <a:pPr lvl="1"/>
+            <a:r>
+              <a:rPr lang="en-US" altLang="zh-CN"/>
+              <a:t>RUN sudo apt-get update &amp;&amp; \</a:t>
+            </a:r>
+            <a:endParaRPr lang="en-US" altLang="zh-CN"/>
+          </a:p>
+          <a:p>
+            <a:pPr lvl="1"/>
+            <a:r>
+              <a:rPr lang="en-US" altLang="zh-CN"/>
+              <a:t>    sudo DEBIAN_FRONTEND=noninteractive apt-get install -yq tzdata</a:t>
             </a:r>
             <a:endParaRPr lang="en-US" altLang="zh-CN"/>
           </a:p>
@@ -11093,7 +11048,7 @@
           <a:p>
             <a:r>
               <a:rPr lang="en-US" altLang="zh-CN"/>
-              <a:t>Change Docker Cache Location</a:t>
+              <a:t>Docker Mirrors</a:t>
             </a:r>
             <a:endParaRPr lang="en-US" altLang="zh-CN"/>
           </a:p>
@@ -11114,104 +11069,102 @@
           <a:bodyPr/>
           <a:p>
             <a:r>
-              <a:rPr lang="en-US" altLang="zh-CN"/>
-              <a:t>References</a:t>
-            </a:r>
-            <a:endParaRPr lang="en-US" altLang="zh-CN"/>
+              <a:rPr lang="zh-CN" altLang="en-US"/>
+              <a:t>/etc/docker/daemon.json</a:t>
+            </a:r>
+            <a:endParaRPr lang="zh-CN" altLang="en-US"/>
           </a:p>
           <a:p>
             <a:pPr lvl="1"/>
             <a:r>
               <a:rPr lang="en-US" altLang="zh-CN"/>
-              <a:t>https://www.guguweb.com/2019/02/07/how-to-move-docker-data-directory-to-another-location-on-ubuntu</a:t>
-            </a:r>
-            <a:endParaRPr lang="en-US" altLang="zh-CN"/>
-          </a:p>
-          <a:p>
-            <a:pPr lvl="0"/>
-            <a:r>
-              <a:rPr lang="en-US" altLang="zh-CN"/>
-              <a:t>Steps</a:t>
-            </a:r>
-            <a:endParaRPr lang="en-US" altLang="zh-CN"/>
-          </a:p>
-          <a:p>
-            <a:pPr lvl="1"/>
-            <a:r>
-              <a:rPr lang="en-US" altLang="zh-CN"/>
-              <a:t>sudo systemctl stop docker</a:t>
-            </a:r>
-            <a:endParaRPr lang="en-US" altLang="zh-CN"/>
-          </a:p>
-          <a:p>
-            <a:pPr lvl="1"/>
-            <a:r>
-              <a:rPr lang="en-US" altLang="zh-CN"/>
-              <a:t>Create /etc/docker/daemon.json</a:t>
-            </a:r>
-            <a:endParaRPr lang="en-US" altLang="zh-CN"/>
+              <a:t>tencentyun</a:t>
+            </a:r>
+            <a:endParaRPr lang="zh-CN" altLang="en-US"/>
           </a:p>
           <a:p>
             <a:pPr marL="914400" lvl="2" indent="0">
               <a:buNone/>
             </a:pPr>
             <a:r>
-              <a:rPr lang="en-US" altLang="zh-CN"/>
+              <a:rPr lang="zh-CN" altLang="en-US"/>
               <a:t>{</a:t>
             </a:r>
-            <a:endParaRPr lang="en-US" altLang="zh-CN"/>
+            <a:endParaRPr lang="zh-CN" altLang="en-US"/>
           </a:p>
           <a:p>
             <a:pPr marL="914400" lvl="2" indent="0">
               <a:buNone/>
             </a:pPr>
             <a:r>
-              <a:rPr lang="en-US" altLang="zh-CN"/>
-              <a:t>  "data-root": "/data/system/docker"</a:t>
-            </a:r>
-            <a:endParaRPr lang="en-US" altLang="zh-CN"/>
+              <a:rPr lang="zh-CN" altLang="en-US"/>
+              <a:t>        "registry-mirrors": [</a:t>
+            </a:r>
+            <a:endParaRPr lang="zh-CN" altLang="en-US"/>
+          </a:p>
+          <a:p>
+            <a:pPr marL="1371600" lvl="3" indent="457200">
+              <a:buNone/>
+            </a:pPr>
+            <a:r>
+              <a:rPr lang="zh-CN" altLang="en-US"/>
+              <a:t>"https://mirror.ccs.tencentyun.com"</a:t>
+            </a:r>
+            <a:r>
+              <a:rPr lang="en-US" altLang="zh-CN"/>
+              <a:t>,</a:t>
+            </a:r>
+            <a:endParaRPr lang="zh-CN" altLang="en-US"/>
+          </a:p>
+          <a:p>
+            <a:pPr marL="914400" lvl="2" indent="457200">
+              <a:buNone/>
+            </a:pPr>
+            <a:r>
+              <a:rPr lang="zh-CN" altLang="en-US"/>
+              <a:t>]</a:t>
+            </a:r>
+            <a:endParaRPr lang="zh-CN" altLang="en-US"/>
           </a:p>
           <a:p>
             <a:pPr marL="914400" lvl="2" indent="0">
               <a:buNone/>
             </a:pPr>
             <a:r>
-              <a:rPr lang="en-US" altLang="zh-CN"/>
+              <a:rPr lang="zh-CN" altLang="en-US"/>
               <a:t>}</a:t>
             </a:r>
-            <a:endParaRPr lang="en-US" altLang="zh-CN"/>
+            <a:endParaRPr lang="zh-CN" altLang="en-US"/>
           </a:p>
           <a:p>
             <a:pPr lvl="1"/>
             <a:r>
               <a:rPr lang="en-US" altLang="zh-CN"/>
-              <a:t>sudo rsync -aP /var/lib/docker/ /path/to/your/docker</a:t>
-            </a:r>
-            <a:endParaRPr lang="en-US" altLang="zh-CN"/>
-          </a:p>
-          <a:p>
-            <a:pPr lvl="1"/>
-            <a:r>
-              <a:rPr lang="en-US" altLang="zh-CN"/>
-              <a:t>sudo mv /var/lib/docker /var/lib/docker.old</a:t>
-            </a:r>
-            <a:endParaRPr lang="en-US" altLang="zh-CN"/>
-          </a:p>
-          <a:p>
-            <a:pPr lvl="1"/>
-            <a:r>
-              <a:rPr lang="en-US" altLang="zh-CN">
-                <a:sym typeface="+mn-ea"/>
-              </a:rPr>
-              <a:t>sudo systemctl start docker</a:t>
-            </a:r>
-            <a:endParaRPr lang="en-US" altLang="zh-CN"/>
-          </a:p>
-          <a:p>
-            <a:pPr lvl="1"/>
-            <a:r>
-              <a:rPr lang="en-US" altLang="zh-CN"/>
-              <a:t>sudo rm -rf /var/lib/docker.old</a:t>
+              <a:t>aliyun</a:t>
+            </a:r>
+            <a:endParaRPr lang="en-US" altLang="zh-CN"/>
+          </a:p>
+          <a:p>
+            <a:pPr lvl="2"/>
+            <a:r>
+              <a:rPr lang="zh-CN" altLang="en-US"/>
+              <a:t>https://cr.console.aliyun.com/cn-hangzhou/instances/mirrors</a:t>
+            </a:r>
+            <a:endParaRPr lang="en-US" altLang="zh-CN" sz="1800"/>
+          </a:p>
+          <a:p>
+            <a:pPr lvl="2"/>
+            <a:r>
+              <a:rPr lang="zh-CN" altLang="en-US"/>
+              <a:t>https://nume0cg0.mirror.aliyuncs.com</a:t>
+            </a:r>
+            <a:endParaRPr lang="zh-CN" altLang="en-US"/>
+          </a:p>
+          <a:p>
+            <a:pPr lvl="0"/>
+            <a:r>
+              <a:rPr lang="en-US" altLang="zh-CN"/>
+              <a:t>sudo systemctl restart docker</a:t>
             </a:r>
             <a:endParaRPr lang="en-US" altLang="zh-CN"/>
           </a:p>
@@ -11229,6 +11182,167 @@
 </file>
 
 <file path=ppt/slides/slide35.xml><?xml version="1.0" encoding="utf-8"?>
+<p:sld xmlns:a="http://schemas.openxmlformats.org/drawingml/2006/main" xmlns:r="http://schemas.openxmlformats.org/officeDocument/2006/relationships" xmlns:p="http://schemas.openxmlformats.org/presentationml/2006/main">
+  <p:cSld>
+    <p:spTree>
+      <p:nvGrpSpPr>
+        <p:cNvPr id="1" name=""/>
+        <p:cNvGrpSpPr/>
+        <p:nvPr/>
+      </p:nvGrpSpPr>
+      <p:grpSpPr/>
+      <p:sp>
+        <p:nvSpPr>
+          <p:cNvPr id="2" name="标题 1"/>
+          <p:cNvSpPr>
+            <a:spLocks noGrp="1"/>
+          </p:cNvSpPr>
+          <p:nvPr>
+            <p:ph type="title"/>
+          </p:nvPr>
+        </p:nvSpPr>
+        <p:spPr/>
+        <p:txBody>
+          <a:bodyPr/>
+          <a:p>
+            <a:r>
+              <a:rPr lang="en-US" altLang="zh-CN"/>
+              <a:t>Change Docker Cache Location</a:t>
+            </a:r>
+            <a:endParaRPr lang="en-US" altLang="zh-CN"/>
+          </a:p>
+        </p:txBody>
+      </p:sp>
+      <p:sp>
+        <p:nvSpPr>
+          <p:cNvPr id="3" name="内容占位符 2"/>
+          <p:cNvSpPr>
+            <a:spLocks noGrp="1"/>
+          </p:cNvSpPr>
+          <p:nvPr>
+            <p:ph idx="1"/>
+          </p:nvPr>
+        </p:nvSpPr>
+        <p:spPr/>
+        <p:txBody>
+          <a:bodyPr/>
+          <a:p>
+            <a:r>
+              <a:rPr lang="en-US" altLang="zh-CN"/>
+              <a:t>References</a:t>
+            </a:r>
+            <a:endParaRPr lang="en-US" altLang="zh-CN"/>
+          </a:p>
+          <a:p>
+            <a:pPr lvl="1"/>
+            <a:r>
+              <a:rPr lang="en-US" altLang="zh-CN"/>
+              <a:t>https://www.guguweb.com/2019/02/07/how-to-move-docker-data-directory-to-another-location-on-ubuntu</a:t>
+            </a:r>
+            <a:endParaRPr lang="en-US" altLang="zh-CN"/>
+          </a:p>
+          <a:p>
+            <a:pPr lvl="0"/>
+            <a:r>
+              <a:rPr lang="en-US" altLang="zh-CN"/>
+              <a:t>Steps</a:t>
+            </a:r>
+            <a:endParaRPr lang="en-US" altLang="zh-CN"/>
+          </a:p>
+          <a:p>
+            <a:pPr lvl="1"/>
+            <a:r>
+              <a:rPr lang="en-US" altLang="zh-CN"/>
+              <a:t>sudo systemctl stop docker</a:t>
+            </a:r>
+            <a:endParaRPr lang="en-US" altLang="zh-CN"/>
+          </a:p>
+          <a:p>
+            <a:pPr lvl="1"/>
+            <a:r>
+              <a:rPr lang="en-US" altLang="zh-CN"/>
+              <a:t>Create /etc/docker/daemon.json</a:t>
+            </a:r>
+            <a:endParaRPr lang="en-US" altLang="zh-CN"/>
+          </a:p>
+          <a:p>
+            <a:pPr marL="914400" lvl="2" indent="0">
+              <a:buNone/>
+            </a:pPr>
+            <a:r>
+              <a:rPr lang="en-US" altLang="zh-CN"/>
+              <a:t>{</a:t>
+            </a:r>
+            <a:endParaRPr lang="en-US" altLang="zh-CN"/>
+          </a:p>
+          <a:p>
+            <a:pPr marL="914400" lvl="2" indent="0">
+              <a:buNone/>
+            </a:pPr>
+            <a:r>
+              <a:rPr lang="en-US" altLang="zh-CN"/>
+              <a:t>  "data-root": "/data/system/docker"</a:t>
+            </a:r>
+            <a:endParaRPr lang="en-US" altLang="zh-CN"/>
+          </a:p>
+          <a:p>
+            <a:pPr marL="914400" lvl="2" indent="0">
+              <a:buNone/>
+            </a:pPr>
+            <a:r>
+              <a:rPr lang="en-US" altLang="zh-CN"/>
+              <a:t>}</a:t>
+            </a:r>
+            <a:endParaRPr lang="en-US" altLang="zh-CN"/>
+          </a:p>
+          <a:p>
+            <a:pPr lvl="1"/>
+            <a:r>
+              <a:rPr lang="en-US" altLang="zh-CN"/>
+              <a:t>sudo rsync -aP /var/lib/docker/ /path/to/your/docker</a:t>
+            </a:r>
+            <a:endParaRPr lang="en-US" altLang="zh-CN"/>
+          </a:p>
+          <a:p>
+            <a:pPr lvl="1"/>
+            <a:r>
+              <a:rPr lang="en-US" altLang="zh-CN"/>
+              <a:t>sudo mv /var/lib/docker /var/lib/docker.old</a:t>
+            </a:r>
+            <a:endParaRPr lang="en-US" altLang="zh-CN"/>
+          </a:p>
+          <a:p>
+            <a:pPr lvl="1"/>
+            <a:r>
+              <a:rPr lang="en-US" altLang="zh-CN">
+                <a:sym typeface="+mn-ea"/>
+              </a:rPr>
+              <a:t>sudo systemctl start docker</a:t>
+            </a:r>
+            <a:endParaRPr lang="en-US" altLang="zh-CN"/>
+          </a:p>
+          <a:p>
+            <a:pPr lvl="1"/>
+            <a:r>
+              <a:rPr lang="en-US" altLang="zh-CN"/>
+              <a:t>sudo rm -rf /var/lib/docker.old</a:t>
+            </a:r>
+            <a:endParaRPr lang="en-US" altLang="zh-CN"/>
+          </a:p>
+        </p:txBody>
+      </p:sp>
+    </p:spTree>
+    <p:custDataLst>
+      <p:tags r:id="rId1"/>
+    </p:custDataLst>
+  </p:cSld>
+  <p:clrMapOvr>
+    <a:masterClrMapping/>
+  </p:clrMapOvr>
+</p:sld>
+</file>
+
+<file path=ppt/slides/slide36.xml><?xml version="1.0" encoding="utf-8"?>
 <p:sld xmlns:a="http://schemas.openxmlformats.org/drawingml/2006/main" xmlns:r="http://schemas.openxmlformats.org/officeDocument/2006/relationships" xmlns:p="http://schemas.openxmlformats.org/presentationml/2006/main">
   <p:cSld>
     <p:spTree>
@@ -12916,25 +13030,25 @@
 
 <file path=ppt/tags/tag17.xml><?xml version="1.0" encoding="utf-8"?>
 <p:tagLst xmlns:p="http://schemas.openxmlformats.org/presentationml/2006/main">
+  <p:tag name="KSO_WM_BEAUTIFY_FLAG" val="#wm#"/>
+  <p:tag name="KSO_WM_TEMPLATE_CATEGORY" val="custom"/>
+  <p:tag name="KSO_WM_TEMPLATE_INDEX" val="160402"/>
+</p:tagLst>
+</file>
+
+<file path=ppt/tags/tag18.xml><?xml version="1.0" encoding="utf-8"?>
+<p:tagLst xmlns:p="http://schemas.openxmlformats.org/presentationml/2006/main">
   <p:tag name="KSO_WM_UNIT_TABLE_BEAUTIFY" val="smartTable{c521893a-0b97-4517-8b38-64f5a3b420b6}"/>
   <p:tag name="TABLE_ENDDRAG_ORIGIN_RECT" val="876*393"/>
   <p:tag name="TABLE_ENDDRAG_RECT" val="49*79*876*393"/>
 </p:tagLst>
 </file>
 
-<file path=ppt/tags/tag18.xml><?xml version="1.0" encoding="utf-8"?>
+<file path=ppt/tags/tag19.xml><?xml version="1.0" encoding="utf-8"?>
 <p:tagLst xmlns:p="http://schemas.openxmlformats.org/presentationml/2006/main">
   <p:tag name="KSO_WM_BEAUTIFY_FLAG" val="#wm#"/>
   <p:tag name="KSO_WM_TEMPLATE_CATEGORY" val="custom"/>
   <p:tag name="KSO_WM_TEMPLATE_INDEX" val="160402"/>
-</p:tagLst>
-</file>
-
-<file path=ppt/tags/tag19.xml><?xml version="1.0" encoding="utf-8"?>
-<p:tagLst xmlns:p="http://schemas.openxmlformats.org/presentationml/2006/main">
-  <p:tag name="KSO_WM_UNIT_TABLE_BEAUTIFY" val="smartTable{4a0f0fcc-8107-4f45-ba38-f3e76b8504a4}"/>
-  <p:tag name="TABLE_ENDDRAG_ORIGIN_RECT" val="864*241"/>
-  <p:tag name="TABLE_ENDDRAG_RECT" val="50*103*864*241"/>
 </p:tagLst>
 </file>
 
@@ -12948,13 +13062,21 @@
 
 <file path=ppt/tags/tag20.xml><?xml version="1.0" encoding="utf-8"?>
 <p:tagLst xmlns:p="http://schemas.openxmlformats.org/presentationml/2006/main">
+  <p:tag name="KSO_WM_UNIT_TABLE_BEAUTIFY" val="smartTable{ae7cff78-4da9-4005-9973-5f5b92936b81}"/>
+  <p:tag name="TABLE_ENDDRAG_ORIGIN_RECT" val="864*241"/>
+  <p:tag name="TABLE_ENDDRAG_RECT" val="50*103*864*241"/>
+</p:tagLst>
+</file>
+
+<file path=ppt/tags/tag21.xml><?xml version="1.0" encoding="utf-8"?>
+<p:tagLst xmlns:p="http://schemas.openxmlformats.org/presentationml/2006/main">
   <p:tag name="KSO_WM_BEAUTIFY_FLAG" val="#wm#"/>
   <p:tag name="KSO_WM_TEMPLATE_CATEGORY" val="custom"/>
   <p:tag name="KSO_WM_TEMPLATE_INDEX" val="160402"/>
 </p:tagLst>
 </file>
 
-<file path=ppt/tags/tag21.xml><?xml version="1.0" encoding="utf-8"?>
+<file path=ppt/tags/tag22.xml><?xml version="1.0" encoding="utf-8"?>
 <p:tagLst xmlns:p="http://schemas.openxmlformats.org/presentationml/2006/main">
   <p:tag name="KSO_WM_UNIT_TABLE_BEAUTIFY" val="smartTable{bbcd7454-3b0d-43ea-92c6-4dfd9acf7004}"/>
   <p:tag name="TABLE_ENDDRAG_ORIGIN_RECT" val="864*241"/>
@@ -12962,7 +13084,7 @@
 </p:tagLst>
 </file>
 
-<file path=ppt/tags/tag22.xml><?xml version="1.0" encoding="utf-8"?>
+<file path=ppt/tags/tag23.xml><?xml version="1.0" encoding="utf-8"?>
 <p:tagLst xmlns:p="http://schemas.openxmlformats.org/presentationml/2006/main">
   <p:tag name="KSO_WM_BEAUTIFY_FLAG" val="#wm#"/>
   <p:tag name="KSO_WM_TEMPLATE_CATEGORY" val="custom"/>
@@ -12970,7 +13092,7 @@
 </p:tagLst>
 </file>
 
-<file path=ppt/tags/tag23.xml><?xml version="1.0" encoding="utf-8"?>
+<file path=ppt/tags/tag24.xml><?xml version="1.0" encoding="utf-8"?>
 <p:tagLst xmlns:p="http://schemas.openxmlformats.org/presentationml/2006/main">
   <p:tag name="KSO_WM_UNIT_TABLE_BEAUTIFY" val="smartTable{9031ed06-a11d-4bb1-bbcb-1dabbcd60d03}"/>
   <p:tag name="TABLE_ENDDRAG_ORIGIN_RECT" val="876*282"/>
@@ -12978,7 +13100,7 @@
 </p:tagLst>
 </file>
 
-<file path=ppt/tags/tag24.xml><?xml version="1.0" encoding="utf-8"?>
+<file path=ppt/tags/tag25.xml><?xml version="1.0" encoding="utf-8"?>
 <p:tagLst xmlns:p="http://schemas.openxmlformats.org/presentationml/2006/main">
   <p:tag name="KSO_WM_BEAUTIFY_FLAG" val="#wm#"/>
   <p:tag name="KSO_WM_TEMPLATE_CATEGORY" val="custom"/>
@@ -12986,20 +13108,12 @@
 </p:tagLst>
 </file>
 
-<file path=ppt/tags/tag25.xml><?xml version="1.0" encoding="utf-8"?>
+<file path=ppt/tags/tag26.xml><?xml version="1.0" encoding="utf-8"?>
 <p:tagLst xmlns:p="http://schemas.openxmlformats.org/presentationml/2006/main">
   <p:tag name="KSO_WM_UNIT_TABLE_BEAUTIFY" val="smartTable{d920ecfc-a509-4946-9fa3-cee93da9988a}"/>
   <p:tag name="TABLE_ENDDRAG_ORIGIN_RECT" val="876*166"/>
   <p:tag name="TABLE_ENDDRAG_RECT" val="49*79*876*166"/>
   <p:tag name="KSO_WM_BEAUTIFY_FLAG" val=""/>
-</p:tagLst>
-</file>
-
-<file path=ppt/tags/tag26.xml><?xml version="1.0" encoding="utf-8"?>
-<p:tagLst xmlns:p="http://schemas.openxmlformats.org/presentationml/2006/main">
-  <p:tag name="KSO_WM_BEAUTIFY_FLAG" val="#wm#"/>
-  <p:tag name="KSO_WM_TEMPLATE_CATEGORY" val="custom"/>
-  <p:tag name="KSO_WM_TEMPLATE_INDEX" val="160402"/>
 </p:tagLst>
 </file>
 
@@ -13021,9 +13135,9 @@
 
 <file path=ppt/tags/tag29.xml><?xml version="1.0" encoding="utf-8"?>
 <p:tagLst xmlns:p="http://schemas.openxmlformats.org/presentationml/2006/main">
-  <p:tag name="KSO_WM_UNIT_TABLE_BEAUTIFY" val="smartTable{4251b623-9156-4c3b-ba66-5265f5710ca3}"/>
-  <p:tag name="TABLE_ENDDRAG_ORIGIN_RECT" val="822*177"/>
-  <p:tag name="TABLE_ENDDRAG_RECT" val="92*177*822*177"/>
+  <p:tag name="KSO_WM_BEAUTIFY_FLAG" val="#wm#"/>
+  <p:tag name="KSO_WM_TEMPLATE_CATEGORY" val="custom"/>
+  <p:tag name="KSO_WM_TEMPLATE_INDEX" val="160402"/>
 </p:tagLst>
 </file>
 
@@ -13039,9 +13153,9 @@
 
 <file path=ppt/tags/tag30.xml><?xml version="1.0" encoding="utf-8"?>
 <p:tagLst xmlns:p="http://schemas.openxmlformats.org/presentationml/2006/main">
-  <p:tag name="KSO_WM_BEAUTIFY_FLAG" val="#wm#"/>
-  <p:tag name="KSO_WM_TEMPLATE_CATEGORY" val="custom"/>
-  <p:tag name="KSO_WM_TEMPLATE_INDEX" val="160402"/>
+  <p:tag name="KSO_WM_UNIT_TABLE_BEAUTIFY" val="smartTable{4251b623-9156-4c3b-ba66-5265f5710ca3}"/>
+  <p:tag name="TABLE_ENDDRAG_ORIGIN_RECT" val="822*177"/>
+  <p:tag name="TABLE_ENDDRAG_RECT" val="92*177*822*177"/>
 </p:tagLst>
 </file>
 
@@ -13063,18 +13177,18 @@
 
 <file path=ppt/tags/tag33.xml><?xml version="1.0" encoding="utf-8"?>
 <p:tagLst xmlns:p="http://schemas.openxmlformats.org/presentationml/2006/main">
-  <p:tag name="KSO_WM_UNIT_TABLE_BEAUTIFY" val="smartTable{57dbf537-cee9-476e-93a2-b4f31dffec64}"/>
-  <p:tag name="TABLE_ENDDRAG_ORIGIN_RECT" val="864*230"/>
-  <p:tag name="TABLE_ENDDRAG_RECT" val="50*195*864*230"/>
-  <p:tag name="KSO_WM_BEAUTIFY_FLAG" val=""/>
+  <p:tag name="KSO_WM_BEAUTIFY_FLAG" val="#wm#"/>
+  <p:tag name="KSO_WM_TEMPLATE_CATEGORY" val="custom"/>
+  <p:tag name="KSO_WM_TEMPLATE_INDEX" val="160402"/>
 </p:tagLst>
 </file>
 
 <file path=ppt/tags/tag34.xml><?xml version="1.0" encoding="utf-8"?>
 <p:tagLst xmlns:p="http://schemas.openxmlformats.org/presentationml/2006/main">
-  <p:tag name="KSO_WM_BEAUTIFY_FLAG" val="#wm#"/>
-  <p:tag name="KSO_WM_TEMPLATE_CATEGORY" val="custom"/>
-  <p:tag name="KSO_WM_TEMPLATE_INDEX" val="160402"/>
+  <p:tag name="KSO_WM_UNIT_TABLE_BEAUTIFY" val="smartTable{e5095ace-7e22-4763-b691-f0ef9856fecf}"/>
+  <p:tag name="TABLE_ENDDRAG_ORIGIN_RECT" val="864*230"/>
+  <p:tag name="TABLE_ENDDRAG_RECT" val="50*195*864*230"/>
+  <p:tag name="KSO_WM_BEAUTIFY_FLAG" val=""/>
 </p:tagLst>
 </file>
 
@@ -13104,16 +13218,16 @@
 
 <file path=ppt/tags/tag38.xml><?xml version="1.0" encoding="utf-8"?>
 <p:tagLst xmlns:p="http://schemas.openxmlformats.org/presentationml/2006/main">
-  <p:tag name="REFSHAPE" val="379500028"/>
-  <p:tag name="KSO_WM_UNIT_PLACING_PICTURE_USER_VIEWPORT" val="{&quot;height&quot;:3885,&quot;width&quot;:7515}"/>
+  <p:tag name="KSO_WM_BEAUTIFY_FLAG" val="#wm#"/>
+  <p:tag name="KSO_WM_TEMPLATE_CATEGORY" val="custom"/>
+  <p:tag name="KSO_WM_TEMPLATE_INDEX" val="160402"/>
 </p:tagLst>
 </file>
 
 <file path=ppt/tags/tag39.xml><?xml version="1.0" encoding="utf-8"?>
 <p:tagLst xmlns:p="http://schemas.openxmlformats.org/presentationml/2006/main">
-  <p:tag name="KSO_WM_BEAUTIFY_FLAG" val="#wm#"/>
-  <p:tag name="KSO_WM_TEMPLATE_CATEGORY" val="custom"/>
-  <p:tag name="KSO_WM_TEMPLATE_INDEX" val="160402"/>
+  <p:tag name="REFSHAPE" val="379500028"/>
+  <p:tag name="KSO_WM_UNIT_PLACING_PICTURE_USER_VIEWPORT" val="{&quot;height&quot;:3885,&quot;width&quot;:7515}"/>
 </p:tagLst>
 </file>
 
@@ -13212,8 +13326,9 @@
 
 <file path=ppt/tags/tag49.xml><?xml version="1.0" encoding="utf-8"?>
 <p:tagLst xmlns:p="http://schemas.openxmlformats.org/presentationml/2006/main">
-  <p:tag name="COMMONDATA" val="eyJoZGlkIjoiYjRhZjQ5NWVmZmQxNmM3NmNkNDYxNWRmNzNmMjA1ZDAifQ=="/>
-  <p:tag name="KSO_WPP_MARK_KEY" val="912f9f82-e1da-4214-83c0-2ace56e3deee"/>
+  <p:tag name="KSO_WM_BEAUTIFY_FLAG" val="#wm#"/>
+  <p:tag name="KSO_WM_TEMPLATE_CATEGORY" val="custom"/>
+  <p:tag name="KSO_WM_TEMPLATE_INDEX" val="160402"/>
 </p:tagLst>
 </file>
 
@@ -13235,6 +13350,13 @@
   <p:tag name="KSO_WM_UNIT_LAYERLEVEL" val="1"/>
   <p:tag name="KSO_WM_TAG_VERSION" val="1.0"/>
   <p:tag name="KSO_WM_BEAUTIFY_FLAG" val="#wm#"/>
+</p:tagLst>
+</file>
+
+<file path=ppt/tags/tag50.xml><?xml version="1.0" encoding="utf-8"?>
+<p:tagLst xmlns:p="http://schemas.openxmlformats.org/presentationml/2006/main">
+  <p:tag name="COMMONDATA" val="eyJoZGlkIjoiYjRhZjQ5NWVmZmQxNmM3NmNkNDYxNWRmNzNmMjA1ZDAifQ=="/>
+  <p:tag name="KSO_WPP_MARK_KEY" val="912f9f82-e1da-4214-83c0-2ace56e3deee"/>
 </p:tagLst>
 </file>
 
